--- a/Result/Presentation.pptx
+++ b/Result/Presentation.pptx
@@ -7,6 +7,11 @@
   <p:sldIdLst>
     <p:sldId id="256" r:id="rId2"/>
     <p:sldId id="257" r:id="rId3"/>
+    <p:sldId id="262" r:id="rId4"/>
+    <p:sldId id="258" r:id="rId5"/>
+    <p:sldId id="259" r:id="rId6"/>
+    <p:sldId id="260" r:id="rId7"/>
+    <p:sldId id="261" r:id="rId8"/>
   </p:sldIdLst>
   <p:sldSz cx="12192000" cy="6858000"/>
   <p:notesSz cx="6858000" cy="9144000"/>
@@ -105,6 +110,11 @@
       </a:defRPr>
     </a:lvl9pPr>
   </p:defaultTextStyle>
+  <p:extLst>
+    <p:ext uri="{EFAFB233-063F-42B5-8137-9DF3F51BA10A}">
+      <p15:sldGuideLst xmlns:p15="http://schemas.microsoft.com/office/powerpoint/2012/main"/>
+    </p:ext>
+  </p:extLst>
 </p:presentation>
 </file>
 
@@ -336,7 +346,7 @@
           <a:p>
             <a:fld id="{BEAF7D20-4BF2-414F-B6FF-0AD495B367B0}" type="datetimeFigureOut">
               <a:rPr lang="en-US" smtClean="0"/>
-              <a:t>7/30/2020</a:t>
+              <a:t>8/10/2020</a:t>
             </a:fld>
             <a:endParaRPr lang="en-US"/>
           </a:p>
@@ -544,7 +554,7 @@
           <a:p>
             <a:fld id="{BEAF7D20-4BF2-414F-B6FF-0AD495B367B0}" type="datetimeFigureOut">
               <a:rPr lang="en-US" smtClean="0"/>
-              <a:t>7/30/2020</a:t>
+              <a:t>8/10/2020</a:t>
             </a:fld>
             <a:endParaRPr lang="en-US"/>
           </a:p>
@@ -802,7 +812,7 @@
           <a:p>
             <a:fld id="{BEAF7D20-4BF2-414F-B6FF-0AD495B367B0}" type="datetimeFigureOut">
               <a:rPr lang="en-US" smtClean="0"/>
-              <a:t>7/30/2020</a:t>
+              <a:t>8/10/2020</a:t>
             </a:fld>
             <a:endParaRPr lang="en-US"/>
           </a:p>
@@ -972,7 +982,7 @@
           <a:p>
             <a:fld id="{BEAF7D20-4BF2-414F-B6FF-0AD495B367B0}" type="datetimeFigureOut">
               <a:rPr lang="en-US" smtClean="0"/>
-              <a:t>7/30/2020</a:t>
+              <a:t>8/10/2020</a:t>
             </a:fld>
             <a:endParaRPr lang="en-US"/>
           </a:p>
@@ -1309,7 +1319,7 @@
           <a:p>
             <a:fld id="{BEAF7D20-4BF2-414F-B6FF-0AD495B367B0}" type="datetimeFigureOut">
               <a:rPr lang="en-US" smtClean="0"/>
-              <a:t>7/30/2020</a:t>
+              <a:t>8/10/2020</a:t>
             </a:fld>
             <a:endParaRPr lang="en-US"/>
           </a:p>
@@ -1584,7 +1594,7 @@
           <a:p>
             <a:fld id="{BEAF7D20-4BF2-414F-B6FF-0AD495B367B0}" type="datetimeFigureOut">
               <a:rPr lang="en-US" smtClean="0"/>
-              <a:t>7/30/2020</a:t>
+              <a:t>8/10/2020</a:t>
             </a:fld>
             <a:endParaRPr lang="en-US"/>
           </a:p>
@@ -1967,7 +1977,7 @@
           <a:p>
             <a:fld id="{BEAF7D20-4BF2-414F-B6FF-0AD495B367B0}" type="datetimeFigureOut">
               <a:rPr lang="en-US" smtClean="0"/>
-              <a:t>7/30/2020</a:t>
+              <a:t>8/10/2020</a:t>
             </a:fld>
             <a:endParaRPr lang="en-US"/>
           </a:p>
@@ -2085,7 +2095,7 @@
           <a:p>
             <a:fld id="{BEAF7D20-4BF2-414F-B6FF-0AD495B367B0}" type="datetimeFigureOut">
               <a:rPr lang="en-US" smtClean="0"/>
-              <a:t>7/30/2020</a:t>
+              <a:t>8/10/2020</a:t>
             </a:fld>
             <a:endParaRPr lang="en-US"/>
           </a:p>
@@ -2258,7 +2268,7 @@
           <a:p>
             <a:fld id="{BEAF7D20-4BF2-414F-B6FF-0AD495B367B0}" type="datetimeFigureOut">
               <a:rPr lang="en-US" smtClean="0"/>
-              <a:t>7/30/2020</a:t>
+              <a:t>8/10/2020</a:t>
             </a:fld>
             <a:endParaRPr lang="en-US"/>
           </a:p>
@@ -2614,7 +2624,7 @@
           <a:p>
             <a:fld id="{BEAF7D20-4BF2-414F-B6FF-0AD495B367B0}" type="datetimeFigureOut">
               <a:rPr lang="en-US" smtClean="0"/>
-              <a:t>7/30/2020</a:t>
+              <a:t>8/10/2020</a:t>
             </a:fld>
             <a:endParaRPr lang="en-US"/>
           </a:p>
@@ -2962,7 +2972,7 @@
           <a:p>
             <a:fld id="{BEAF7D20-4BF2-414F-B6FF-0AD495B367B0}" type="datetimeFigureOut">
               <a:rPr lang="en-US" smtClean="0"/>
-              <a:t>7/30/2020</a:t>
+              <a:t>8/10/2020</a:t>
             </a:fld>
             <a:endParaRPr lang="en-US"/>
           </a:p>
@@ -3273,7 +3283,7 @@
           <a:p>
             <a:fld id="{BEAF7D20-4BF2-414F-B6FF-0AD495B367B0}" type="datetimeFigureOut">
               <a:rPr lang="en-US" smtClean="0"/>
-              <a:t>7/30/2020</a:t>
+              <a:t>8/10/2020</a:t>
             </a:fld>
             <a:endParaRPr lang="en-US"/>
           </a:p>
@@ -3809,8 +3819,8 @@
         </p:nvSpPr>
         <p:spPr>
           <a:xfrm>
-            <a:off x="1524000" y="403906"/>
-            <a:ext cx="9144000" cy="1010467"/>
+            <a:off x="4281055" y="612915"/>
+            <a:ext cx="7557709" cy="1010467"/>
           </a:xfrm>
         </p:spPr>
         <p:txBody>
@@ -3819,6 +3829,7 @@
           </a:bodyPr>
           <a:lstStyle/>
           <a:p>
+            <a:pPr algn="ctr"/>
             <a:r>
               <a:rPr lang="en-US" dirty="0" smtClean="0">
                 <a:effectLst>
@@ -3853,8 +3864,8 @@
         </p:nvSpPr>
         <p:spPr>
           <a:xfrm>
-            <a:off x="0" y="1888721"/>
-            <a:ext cx="12192000" cy="4033778"/>
+            <a:off x="0" y="0"/>
+            <a:ext cx="4031673" cy="6303818"/>
           </a:xfrm>
           <a:prstGeom prst="rect">
             <a:avLst/>
@@ -3910,8 +3921,8 @@
         </p:blipFill>
         <p:spPr>
           <a:xfrm>
-            <a:off x="1524000" y="1933789"/>
-            <a:ext cx="3761111" cy="3887373"/>
+            <a:off x="1" y="777706"/>
+            <a:ext cx="3837708" cy="4362330"/>
           </a:xfrm>
           <a:prstGeom prst="rect">
             <a:avLst/>
@@ -3930,276 +3941,256 @@
         </p:nvSpPr>
         <p:spPr>
           <a:xfrm>
-            <a:off x="6752492" y="4389120"/>
-            <a:ext cx="5252526" cy="1807917"/>
+            <a:off x="8132618" y="4513815"/>
+            <a:ext cx="3872400" cy="1807917"/>
           </a:xfrm>
         </p:spPr>
         <p:txBody>
           <a:bodyPr>
-            <a:normAutofit/>
+            <a:normAutofit fontScale="92500" lnSpcReduction="10000"/>
           </a:bodyPr>
           <a:lstStyle/>
           <a:p>
             <a:pPr algn="r"/>
             <a:r>
-              <a:rPr lang="en-US" b="1" cap="none" spc="0" dirty="0" err="1" smtClean="0">
-                <a:ln w="12700" cmpd="sng">
+              <a:rPr lang="en-US" sz="2600" b="1" cap="none" spc="0" dirty="0" err="1" smtClean="0">
+                <a:ln w="9525">
                   <a:solidFill>
-                    <a:schemeClr val="accent4"/>
+                    <a:schemeClr val="tx1">
+                      <a:lumMod val="65000"/>
+                    </a:schemeClr>
                   </a:solidFill>
                   <a:prstDash val="solid"/>
                 </a:ln>
-                <a:gradFill>
-                  <a:gsLst>
-                    <a:gs pos="0">
-                      <a:schemeClr val="accent4"/>
-                    </a:gs>
-                    <a:gs pos="4000">
-                      <a:schemeClr val="accent4">
-                        <a:lumMod val="60000"/>
-                        <a:lumOff val="40000"/>
-                      </a:schemeClr>
-                    </a:gs>
-                    <a:gs pos="87000">
-                      <a:schemeClr val="accent4">
-                        <a:lumMod val="20000"/>
-                        <a:lumOff val="80000"/>
-                      </a:schemeClr>
-                    </a:gs>
-                  </a:gsLst>
-                  <a:lin ang="5400000"/>
-                </a:gradFill>
+                <a:solidFill>
+                  <a:schemeClr val="tx1"/>
+                </a:solidFill>
+                <a:effectLst>
+                  <a:outerShdw blurRad="12700" dist="38100" dir="2700000" algn="tl" rotWithShape="0">
+                    <a:schemeClr val="bg1">
+                      <a:lumMod val="50000"/>
+                    </a:schemeClr>
+                  </a:outerShdw>
+                </a:effectLst>
+                <a:latin typeface="Agency FB" panose="020B0503020202020204" pitchFamily="34" charset="0"/>
+              </a:rPr>
+              <a:t>Maickery</a:t>
+            </a:r>
+            <a:r>
+              <a:rPr lang="en-US" sz="2600" b="1" cap="none" spc="0" dirty="0" smtClean="0">
+                <a:ln w="9525">
+                  <a:solidFill>
+                    <a:schemeClr val="tx1">
+                      <a:lumMod val="65000"/>
+                    </a:schemeClr>
+                  </a:solidFill>
+                  <a:prstDash val="solid"/>
+                </a:ln>
+                <a:solidFill>
+                  <a:schemeClr val="tx1"/>
+                </a:solidFill>
+                <a:effectLst>
+                  <a:outerShdw blurRad="12700" dist="38100" dir="2700000" algn="tl" rotWithShape="0">
+                    <a:schemeClr val="bg1">
+                      <a:lumMod val="50000"/>
+                    </a:schemeClr>
+                  </a:outerShdw>
+                </a:effectLst>
+                <a:latin typeface="Agency FB" panose="020B0503020202020204" pitchFamily="34" charset="0"/>
+              </a:rPr>
+              <a:t> </a:t>
+            </a:r>
+            <a:r>
+              <a:rPr lang="en-US" sz="2600" b="1" cap="none" spc="0" dirty="0" err="1">
+                <a:ln w="9525">
+                  <a:solidFill>
+                    <a:schemeClr val="tx1">
+                      <a:lumMod val="65000"/>
+                    </a:schemeClr>
+                  </a:solidFill>
+                  <a:prstDash val="solid"/>
+                </a:ln>
+                <a:solidFill>
+                  <a:schemeClr val="tx1"/>
+                </a:solidFill>
+                <a:effectLst>
+                  <a:outerShdw blurRad="12700" dist="38100" dir="2700000" algn="tl" rotWithShape="0">
+                    <a:schemeClr val="bg1">
+                      <a:lumMod val="50000"/>
+                    </a:schemeClr>
+                  </a:outerShdw>
+                </a:effectLst>
+                <a:latin typeface="Agency FB" panose="020B0503020202020204" pitchFamily="34" charset="0"/>
+              </a:rPr>
+              <a:t>Bozor</a:t>
+            </a:r>
+            <a:endParaRPr lang="en-US" sz="2600" b="1" cap="none" spc="0" dirty="0">
+              <a:ln w="9525">
+                <a:solidFill>
+                  <a:schemeClr val="tx1">
+                    <a:lumMod val="65000"/>
+                  </a:schemeClr>
+                </a:solidFill>
+                <a:prstDash val="solid"/>
+              </a:ln>
+              <a:solidFill>
+                <a:schemeClr val="tx1"/>
+              </a:solidFill>
+              <a:effectLst>
+                <a:outerShdw blurRad="12700" dist="38100" dir="2700000" algn="tl" rotWithShape="0">
+                  <a:schemeClr val="bg1">
+                    <a:lumMod val="50000"/>
+                  </a:schemeClr>
+                </a:outerShdw>
+              </a:effectLst>
+              <a:latin typeface="Agency FB" panose="020B0503020202020204" pitchFamily="34" charset="0"/>
+            </a:endParaRPr>
+          </a:p>
+          <a:p>
+            <a:pPr algn="r"/>
+            <a:r>
+              <a:rPr lang="en-US" b="1" cap="none" spc="0" dirty="0">
+                <a:ln w="9525">
+                  <a:solidFill>
+                    <a:schemeClr val="tx1">
+                      <a:lumMod val="65000"/>
+                    </a:schemeClr>
+                  </a:solidFill>
+                  <a:prstDash val="solid"/>
+                </a:ln>
+                <a:solidFill>
+                  <a:schemeClr val="tx1"/>
+                </a:solidFill>
+                <a:effectLst>
+                  <a:outerShdw blurRad="12700" dist="38100" dir="2700000" algn="tl" rotWithShape="0">
+                    <a:schemeClr val="bg1">
+                      <a:lumMod val="50000"/>
+                    </a:schemeClr>
+                  </a:outerShdw>
+                </a:effectLst>
+                <a:latin typeface="Agency FB" panose="020B0503020202020204" pitchFamily="34" charset="0"/>
+              </a:rPr>
+              <a:t>July 23, </a:t>
+            </a:r>
+            <a:r>
+              <a:rPr lang="en-US" b="1" cap="none" spc="0" dirty="0" smtClean="0">
+                <a:ln w="9525">
+                  <a:solidFill>
+                    <a:schemeClr val="tx1">
+                      <a:lumMod val="65000"/>
+                    </a:schemeClr>
+                  </a:solidFill>
+                  <a:prstDash val="solid"/>
+                </a:ln>
+                <a:solidFill>
+                  <a:schemeClr val="tx1"/>
+                </a:solidFill>
+                <a:effectLst>
+                  <a:outerShdw blurRad="12700" dist="38100" dir="2700000" algn="tl" rotWithShape="0">
+                    <a:schemeClr val="bg1">
+                      <a:lumMod val="50000"/>
+                    </a:schemeClr>
+                  </a:outerShdw>
+                </a:effectLst>
+                <a:latin typeface="Agency FB" panose="020B0503020202020204" pitchFamily="34" charset="0"/>
+              </a:rPr>
+              <a:t>2020</a:t>
+            </a:r>
+          </a:p>
+          <a:p>
+            <a:pPr algn="r"/>
+            <a:r>
+              <a:rPr lang="en-US" b="1" cap="none" spc="0" dirty="0" err="1">
+                <a:ln w="9525">
+                  <a:solidFill>
+                    <a:schemeClr val="tx1">
+                      <a:lumMod val="65000"/>
+                    </a:schemeClr>
+                  </a:solidFill>
+                  <a:prstDash val="solid"/>
+                </a:ln>
+                <a:solidFill>
+                  <a:schemeClr val="tx1"/>
+                </a:solidFill>
+                <a:effectLst>
+                  <a:outerShdw blurRad="12700" dist="38100" dir="2700000" algn="tl" rotWithShape="0">
+                    <a:schemeClr val="bg1">
+                      <a:lumMod val="50000"/>
+                    </a:schemeClr>
+                  </a:outerShdw>
+                </a:effectLst>
                 <a:latin typeface="Agency FB" panose="020B0503020202020204" pitchFamily="34" charset="0"/>
               </a:rPr>
               <a:t>Ayiti</a:t>
             </a:r>
             <a:r>
-              <a:rPr lang="en-US" b="1" cap="none" spc="0" dirty="0" smtClean="0">
-                <a:ln w="12700" cmpd="sng">
+              <a:rPr lang="en-US" b="1" cap="none" spc="0" dirty="0">
+                <a:ln w="9525">
                   <a:solidFill>
-                    <a:schemeClr val="accent4"/>
+                    <a:schemeClr val="tx1">
+                      <a:lumMod val="65000"/>
+                    </a:schemeClr>
                   </a:solidFill>
                   <a:prstDash val="solid"/>
                 </a:ln>
-                <a:gradFill>
-                  <a:gsLst>
-                    <a:gs pos="0">
-                      <a:schemeClr val="accent4"/>
-                    </a:gs>
-                    <a:gs pos="4000">
-                      <a:schemeClr val="accent4">
-                        <a:lumMod val="60000"/>
-                        <a:lumOff val="40000"/>
-                      </a:schemeClr>
-                    </a:gs>
-                    <a:gs pos="87000">
-                      <a:schemeClr val="accent4">
-                        <a:lumMod val="20000"/>
-                        <a:lumOff val="80000"/>
-                      </a:schemeClr>
-                    </a:gs>
-                  </a:gsLst>
-                  <a:lin ang="5400000"/>
-                </a:gradFill>
+                <a:solidFill>
+                  <a:schemeClr val="tx1"/>
+                </a:solidFill>
+                <a:effectLst>
+                  <a:outerShdw blurRad="12700" dist="38100" dir="2700000" algn="tl" rotWithShape="0">
+                    <a:schemeClr val="bg1">
+                      <a:lumMod val="50000"/>
+                    </a:schemeClr>
+                  </a:outerShdw>
+                </a:effectLst>
                 <a:latin typeface="Agency FB" panose="020B0503020202020204" pitchFamily="34" charset="0"/>
               </a:rPr>
-              <a:t> Analytics final </a:t>
-            </a:r>
-            <a:r>
-              <a:rPr lang="en-US" b="1" cap="none" spc="0" dirty="0">
-                <a:ln w="12700" cmpd="sng">
+              <a:t> Analytics final project</a:t>
+            </a:r>
+          </a:p>
+          <a:p>
+            <a:pPr algn="r"/>
+            <a:r>
+              <a:rPr lang="en-US" b="1" cap="none" spc="0" dirty="0" smtClean="0">
+                <a:ln w="9525">
                   <a:solidFill>
-                    <a:schemeClr val="accent4"/>
+                    <a:schemeClr val="bg1"/>
                   </a:solidFill>
                   <a:prstDash val="solid"/>
                 </a:ln>
-                <a:gradFill>
-                  <a:gsLst>
-                    <a:gs pos="0">
-                      <a:schemeClr val="accent4"/>
-                    </a:gs>
-                    <a:gs pos="4000">
-                      <a:schemeClr val="accent4">
-                        <a:lumMod val="60000"/>
-                        <a:lumOff val="40000"/>
-                      </a:schemeClr>
-                    </a:gs>
-                    <a:gs pos="87000">
-                      <a:schemeClr val="accent4">
-                        <a:lumMod val="20000"/>
-                        <a:lumOff val="80000"/>
-                      </a:schemeClr>
-                    </a:gs>
-                  </a:gsLst>
-                  <a:lin ang="5400000"/>
-                </a:gradFill>
-                <a:latin typeface="Agency FB" panose="020B0503020202020204" pitchFamily="34" charset="0"/>
-              </a:rPr>
-              <a:t>project</a:t>
-            </a:r>
-          </a:p>
-          <a:p>
-            <a:pPr algn="r"/>
-            <a:r>
-              <a:rPr lang="en-US" b="1" cap="none" spc="0" dirty="0" err="1">
-                <a:ln w="12700" cmpd="sng">
-                  <a:solidFill>
-                    <a:schemeClr val="accent4"/>
-                  </a:solidFill>
-                  <a:prstDash val="solid"/>
-                </a:ln>
-                <a:gradFill>
-                  <a:gsLst>
-                    <a:gs pos="0">
-                      <a:schemeClr val="accent4"/>
-                    </a:gs>
-                    <a:gs pos="4000">
-                      <a:schemeClr val="accent4">
-                        <a:lumMod val="60000"/>
-                        <a:lumOff val="40000"/>
-                      </a:schemeClr>
-                    </a:gs>
-                    <a:gs pos="87000">
-                      <a:schemeClr val="accent4">
-                        <a:lumMod val="20000"/>
-                        <a:lumOff val="80000"/>
-                      </a:schemeClr>
-                    </a:gs>
-                  </a:gsLst>
-                  <a:lin ang="5400000"/>
-                </a:gradFill>
-                <a:latin typeface="Agency FB" panose="020B0503020202020204" pitchFamily="34" charset="0"/>
-              </a:rPr>
-              <a:t>Maickery</a:t>
-            </a:r>
-            <a:r>
-              <a:rPr lang="en-US" b="1" cap="none" spc="0" dirty="0">
-                <a:ln w="12700" cmpd="sng">
-                  <a:solidFill>
-                    <a:schemeClr val="accent4"/>
-                  </a:solidFill>
-                  <a:prstDash val="solid"/>
-                </a:ln>
-                <a:gradFill>
-                  <a:gsLst>
-                    <a:gs pos="0">
-                      <a:schemeClr val="accent4"/>
-                    </a:gs>
-                    <a:gs pos="4000">
-                      <a:schemeClr val="accent4">
-                        <a:lumMod val="60000"/>
-                        <a:lumOff val="40000"/>
-                      </a:schemeClr>
-                    </a:gs>
-                    <a:gs pos="87000">
-                      <a:schemeClr val="accent4">
-                        <a:lumMod val="20000"/>
-                        <a:lumOff val="80000"/>
-                      </a:schemeClr>
-                    </a:gs>
-                  </a:gsLst>
-                  <a:lin ang="5400000"/>
-                </a:gradFill>
+                <a:solidFill>
+                  <a:schemeClr val="tx1"/>
+                </a:solidFill>
+                <a:effectLst>
+                  <a:outerShdw blurRad="12700" dist="38100" dir="2700000" algn="tl" rotWithShape="0">
+                    <a:schemeClr val="bg1">
+                      <a:lumMod val="50000"/>
+                    </a:schemeClr>
+                  </a:outerShdw>
+                </a:effectLst>
                 <a:latin typeface="Agency FB" panose="020B0503020202020204" pitchFamily="34" charset="0"/>
               </a:rPr>
               <a:t> </a:t>
             </a:r>
-            <a:r>
-              <a:rPr lang="en-US" b="1" cap="none" spc="0" dirty="0" err="1">
-                <a:ln w="12700" cmpd="sng">
-                  <a:solidFill>
-                    <a:schemeClr val="accent4"/>
-                  </a:solidFill>
-                  <a:prstDash val="solid"/>
-                </a:ln>
-                <a:gradFill>
-                  <a:gsLst>
-                    <a:gs pos="0">
-                      <a:schemeClr val="accent4"/>
-                    </a:gs>
-                    <a:gs pos="4000">
-                      <a:schemeClr val="accent4">
-                        <a:lumMod val="60000"/>
-                        <a:lumOff val="40000"/>
-                      </a:schemeClr>
-                    </a:gs>
-                    <a:gs pos="87000">
-                      <a:schemeClr val="accent4">
-                        <a:lumMod val="20000"/>
-                        <a:lumOff val="80000"/>
-                      </a:schemeClr>
-                    </a:gs>
-                  </a:gsLst>
-                  <a:lin ang="5400000"/>
-                </a:gradFill>
-                <a:latin typeface="Agency FB" panose="020B0503020202020204" pitchFamily="34" charset="0"/>
-              </a:rPr>
-              <a:t>Bozor</a:t>
-            </a:r>
             <a:endParaRPr lang="en-US" b="1" cap="none" spc="0" dirty="0">
-              <a:ln w="12700" cmpd="sng">
+              <a:ln w="9525">
                 <a:solidFill>
-                  <a:schemeClr val="accent4"/>
+                  <a:schemeClr val="bg1"/>
                 </a:solidFill>
                 <a:prstDash val="solid"/>
               </a:ln>
-              <a:gradFill>
-                <a:gsLst>
-                  <a:gs pos="0">
-                    <a:schemeClr val="accent4"/>
-                  </a:gs>
-                  <a:gs pos="4000">
-                    <a:schemeClr val="accent4">
-                      <a:lumMod val="60000"/>
-                      <a:lumOff val="40000"/>
-                    </a:schemeClr>
-                  </a:gs>
-                  <a:gs pos="87000">
-                    <a:schemeClr val="accent4">
-                      <a:lumMod val="20000"/>
-                      <a:lumOff val="80000"/>
-                    </a:schemeClr>
-                  </a:gs>
-                </a:gsLst>
-                <a:lin ang="5400000"/>
-              </a:gradFill>
+              <a:solidFill>
+                <a:schemeClr val="tx1"/>
+              </a:solidFill>
+              <a:effectLst>
+                <a:outerShdw blurRad="12700" dist="38100" dir="2700000" algn="tl" rotWithShape="0">
+                  <a:schemeClr val="bg1">
+                    <a:lumMod val="50000"/>
+                  </a:schemeClr>
+                </a:outerShdw>
+              </a:effectLst>
               <a:latin typeface="Agency FB" panose="020B0503020202020204" pitchFamily="34" charset="0"/>
             </a:endParaRPr>
-          </a:p>
-          <a:p>
-            <a:pPr algn="r"/>
-            <a:r>
-              <a:rPr lang="en-US" b="1" cap="none" spc="0" dirty="0">
-                <a:ln w="12700" cmpd="sng">
-                  <a:solidFill>
-                    <a:schemeClr val="accent4"/>
-                  </a:solidFill>
-                  <a:prstDash val="solid"/>
-                </a:ln>
-                <a:gradFill>
-                  <a:gsLst>
-                    <a:gs pos="0">
-                      <a:schemeClr val="accent4"/>
-                    </a:gs>
-                    <a:gs pos="4000">
-                      <a:schemeClr val="accent4">
-                        <a:lumMod val="60000"/>
-                        <a:lumOff val="40000"/>
-                      </a:schemeClr>
-                    </a:gs>
-                    <a:gs pos="87000">
-                      <a:schemeClr val="accent4">
-                        <a:lumMod val="20000"/>
-                        <a:lumOff val="80000"/>
-                      </a:schemeClr>
-                    </a:gs>
-                  </a:gsLst>
-                  <a:lin ang="5400000"/>
-                </a:gradFill>
-                <a:latin typeface="Agency FB" panose="020B0503020202020204" pitchFamily="34" charset="0"/>
-              </a:rPr>
-              <a:t>July 23, 2020 </a:t>
-            </a:r>
           </a:p>
           <a:p>
             <a:endParaRPr lang="en-US" b="1" cap="none" spc="0" dirty="0">
@@ -4254,14 +4245,119 @@
         </p:blipFill>
         <p:spPr>
           <a:xfrm>
-            <a:off x="9767667" y="2993010"/>
-            <a:ext cx="1800665" cy="689317"/>
+            <a:off x="11201880" y="5996367"/>
+            <a:ext cx="803138" cy="307451"/>
           </a:xfrm>
           <a:prstGeom prst="rect">
             <a:avLst/>
           </a:prstGeom>
         </p:spPr>
       </p:pic>
+      <p:sp>
+        <p:nvSpPr>
+          <p:cNvPr id="8" name="Title 1"/>
+          <p:cNvSpPr txBox="1">
+            <a:spLocks/>
+          </p:cNvSpPr>
+          <p:nvPr/>
+        </p:nvSpPr>
+        <p:spPr>
+          <a:xfrm>
+            <a:off x="4281055" y="2205063"/>
+            <a:ext cx="7557709" cy="1399037"/>
+          </a:xfrm>
+          <a:prstGeom prst="rect">
+            <a:avLst/>
+          </a:prstGeom>
+        </p:spPr>
+        <p:txBody>
+          <a:bodyPr vert="horz" lIns="91440" tIns="45720" rIns="91440" bIns="45720" rtlCol="0" anchor="b">
+            <a:normAutofit fontScale="90000" lnSpcReduction="10000"/>
+          </a:bodyPr>
+          <a:lstStyle>
+            <a:lvl1pPr algn="l" defTabSz="914400" rtl="0" eaLnBrk="1" latinLnBrk="0" hangingPunct="1">
+              <a:lnSpc>
+                <a:spcPct val="85000"/>
+              </a:lnSpc>
+              <a:spcBef>
+                <a:spcPct val="0"/>
+              </a:spcBef>
+              <a:buNone/>
+              <a:defRPr sz="8000" kern="1200" spc="-50" baseline="0">
+                <a:solidFill>
+                  <a:schemeClr val="tx1">
+                    <a:lumMod val="85000"/>
+                    <a:lumOff val="15000"/>
+                  </a:schemeClr>
+                </a:solidFill>
+                <a:latin typeface="+mj-lt"/>
+                <a:ea typeface="+mj-ea"/>
+                <a:cs typeface="+mj-cs"/>
+              </a:defRPr>
+            </a:lvl1pPr>
+          </a:lstStyle>
+          <a:p>
+            <a:pPr algn="ctr"/>
+            <a:r>
+              <a:rPr lang="en-US" sz="4900" dirty="0">
+                <a:effectLst>
+                  <a:outerShdw blurRad="38100" dist="38100" dir="2700000" algn="tl">
+                    <a:srgbClr val="000000">
+                      <a:alpha val="43137"/>
+                    </a:srgbClr>
+                  </a:outerShdw>
+                </a:effectLst>
+                <a:latin typeface="Agency FB" panose="020B0503020202020204" pitchFamily="34" charset="0"/>
+              </a:rPr>
+              <a:t>"It starts with a kiss, it ends with a baby</a:t>
+            </a:r>
+            <a:r>
+              <a:rPr lang="en-US" sz="4900" dirty="0" smtClean="0">
+                <a:effectLst>
+                  <a:outerShdw blurRad="38100" dist="38100" dir="2700000" algn="tl">
+                    <a:srgbClr val="000000">
+                      <a:alpha val="43137"/>
+                    </a:srgbClr>
+                  </a:outerShdw>
+                </a:effectLst>
+                <a:latin typeface="Agency FB" panose="020B0503020202020204" pitchFamily="34" charset="0"/>
+              </a:rPr>
+              <a:t>.“</a:t>
+            </a:r>
+            <a:br>
+              <a:rPr lang="en-US" sz="4900" dirty="0" smtClean="0">
+                <a:effectLst>
+                  <a:outerShdw blurRad="38100" dist="38100" dir="2700000" algn="tl">
+                    <a:srgbClr val="000000">
+                      <a:alpha val="43137"/>
+                    </a:srgbClr>
+                  </a:outerShdw>
+                </a:effectLst>
+                <a:latin typeface="Agency FB" panose="020B0503020202020204" pitchFamily="34" charset="0"/>
+              </a:rPr>
+            </a:br>
+            <a:endParaRPr lang="en-US" sz="4900" dirty="0">
+              <a:effectLst>
+                <a:outerShdw blurRad="38100" dist="38100" dir="2700000" algn="tl">
+                  <a:srgbClr val="000000">
+                    <a:alpha val="43137"/>
+                  </a:srgbClr>
+                </a:outerShdw>
+              </a:effectLst>
+              <a:latin typeface="Agency FB" panose="020B0503020202020204" pitchFamily="34" charset="0"/>
+            </a:endParaRPr>
+          </a:p>
+          <a:p>
+            <a:pPr algn="ctr"/>
+            <a:r>
+              <a:rPr lang="en-US" sz="2400" dirty="0">
+                <a:latin typeface="Agency FB" panose="020B0503020202020204" pitchFamily="34" charset="0"/>
+              </a:rPr>
+              <a:t>Quebec proverb</a:t>
+            </a:r>
+          </a:p>
+        </p:txBody>
+      </p:sp>
     </p:spTree>
     <p:extLst>
       <p:ext uri="{BB962C8B-B14F-4D97-AF65-F5344CB8AC3E}">
@@ -4333,29 +4429,479 @@
           </a:p>
         </p:txBody>
       </p:sp>
-      <p:sp>
-        <p:nvSpPr>
-          <p:cNvPr id="3" name="Content Placeholder 2"/>
-          <p:cNvSpPr>
-            <a:spLocks noGrp="1"/>
-          </p:cNvSpPr>
+      <p:pic>
+        <p:nvPicPr>
+          <p:cNvPr id="6" name="Content Placeholder 5"/>
+          <p:cNvPicPr>
+            <a:picLocks noGrp="1" noChangeAspect="1"/>
+          </p:cNvPicPr>
           <p:nvPr>
             <p:ph idx="1"/>
           </p:nvPr>
-        </p:nvSpPr>
-        <p:spPr/>
-        <p:txBody>
-          <a:bodyPr/>
-          <a:lstStyle/>
-          <a:p>
-            <a:endParaRPr lang="en-US" dirty="0"/>
-          </a:p>
-        </p:txBody>
-      </p:sp>
+        </p:nvPicPr>
+        <p:blipFill>
+          <a:blip r:embed="rId2">
+            <a:extLst>
+              <a:ext uri="{28A0092B-C50C-407E-A947-70E740481C1C}">
+                <a14:useLocalDpi xmlns:a14="http://schemas.microsoft.com/office/drawing/2010/main" val="0"/>
+              </a:ext>
+            </a:extLst>
+          </a:blip>
+          <a:stretch>
+            <a:fillRect/>
+          </a:stretch>
+        </p:blipFill>
+        <p:spPr>
+          <a:xfrm>
+            <a:off x="6761019" y="2783664"/>
+            <a:ext cx="2273246" cy="2273246"/>
+          </a:xfrm>
+        </p:spPr>
+      </p:pic>
+      <p:pic>
+        <p:nvPicPr>
+          <p:cNvPr id="7" name="Picture 6"/>
+          <p:cNvPicPr>
+            <a:picLocks noChangeAspect="1"/>
+          </p:cNvPicPr>
+          <p:nvPr/>
+        </p:nvPicPr>
+        <p:blipFill>
+          <a:blip r:embed="rId3">
+            <a:extLst>
+              <a:ext uri="{28A0092B-C50C-407E-A947-70E740481C1C}">
+                <a14:useLocalDpi xmlns:a14="http://schemas.microsoft.com/office/drawing/2010/main" val="0"/>
+              </a:ext>
+            </a:extLst>
+          </a:blip>
+          <a:stretch>
+            <a:fillRect/>
+          </a:stretch>
+        </p:blipFill>
+        <p:spPr>
+          <a:xfrm>
+            <a:off x="898146" y="2527500"/>
+            <a:ext cx="3147382" cy="2403567"/>
+          </a:xfrm>
+          <a:prstGeom prst="rect">
+            <a:avLst/>
+          </a:prstGeom>
+        </p:spPr>
+      </p:pic>
     </p:spTree>
     <p:extLst>
       <p:ext uri="{BB962C8B-B14F-4D97-AF65-F5344CB8AC3E}">
         <p14:creationId xmlns:p14="http://schemas.microsoft.com/office/powerpoint/2010/main" val="342560058"/>
+      </p:ext>
+    </p:extLst>
+  </p:cSld>
+  <p:clrMapOvr>
+    <a:masterClrMapping/>
+  </p:clrMapOvr>
+</p:sld>
+</file>
+
+<file path=ppt/slides/slide3.xml><?xml version="1.0" encoding="utf-8"?>
+<p:sld xmlns:a="http://schemas.openxmlformats.org/drawingml/2006/main" xmlns:r="http://schemas.openxmlformats.org/officeDocument/2006/relationships" xmlns:p="http://schemas.openxmlformats.org/presentationml/2006/main">
+  <p:cSld>
+    <p:spTree>
+      <p:nvGrpSpPr>
+        <p:cNvPr id="1" name=""/>
+        <p:cNvGrpSpPr/>
+        <p:nvPr/>
+      </p:nvGrpSpPr>
+      <p:grpSpPr>
+        <a:xfrm>
+          <a:off x="0" y="0"/>
+          <a:ext cx="0" cy="0"/>
+          <a:chOff x="0" y="0"/>
+          <a:chExt cx="0" cy="0"/>
+        </a:xfrm>
+      </p:grpSpPr>
+      <p:sp>
+        <p:nvSpPr>
+          <p:cNvPr id="2" name="Title 1"/>
+          <p:cNvSpPr>
+            <a:spLocks noGrp="1"/>
+          </p:cNvSpPr>
+          <p:nvPr>
+            <p:ph type="title"/>
+          </p:nvPr>
+        </p:nvSpPr>
+        <p:spPr/>
+        <p:txBody>
+          <a:bodyPr/>
+          <a:lstStyle/>
+          <a:p>
+            <a:r>
+              <a:rPr lang="en-US" dirty="0" smtClean="0"/>
+              <a:t>Causes</a:t>
+            </a:r>
+            <a:endParaRPr lang="en-US" dirty="0"/>
+          </a:p>
+        </p:txBody>
+      </p:sp>
+      <p:sp>
+        <p:nvSpPr>
+          <p:cNvPr id="3" name="Content Placeholder 2"/>
+          <p:cNvSpPr>
+            <a:spLocks noGrp="1"/>
+          </p:cNvSpPr>
+          <p:nvPr>
+            <p:ph idx="1"/>
+          </p:nvPr>
+        </p:nvSpPr>
+        <p:spPr/>
+        <p:txBody>
+          <a:bodyPr/>
+          <a:lstStyle/>
+          <a:p>
+            <a:endParaRPr lang="en-US" dirty="0"/>
+          </a:p>
+        </p:txBody>
+      </p:sp>
+    </p:spTree>
+    <p:extLst>
+      <p:ext uri="{BB962C8B-B14F-4D97-AF65-F5344CB8AC3E}">
+        <p14:creationId xmlns:p14="http://schemas.microsoft.com/office/powerpoint/2010/main" val="3715207080"/>
+      </p:ext>
+    </p:extLst>
+  </p:cSld>
+  <p:clrMapOvr>
+    <a:masterClrMapping/>
+  </p:clrMapOvr>
+</p:sld>
+</file>
+
+<file path=ppt/slides/slide4.xml><?xml version="1.0" encoding="utf-8"?>
+<p:sld xmlns:a="http://schemas.openxmlformats.org/drawingml/2006/main" xmlns:r="http://schemas.openxmlformats.org/officeDocument/2006/relationships" xmlns:p="http://schemas.openxmlformats.org/presentationml/2006/main">
+  <p:cSld>
+    <p:spTree>
+      <p:nvGrpSpPr>
+        <p:cNvPr id="1" name=""/>
+        <p:cNvGrpSpPr/>
+        <p:nvPr/>
+      </p:nvGrpSpPr>
+      <p:grpSpPr>
+        <a:xfrm>
+          <a:off x="0" y="0"/>
+          <a:ext cx="0" cy="0"/>
+          <a:chOff x="0" y="0"/>
+          <a:chExt cx="0" cy="0"/>
+        </a:xfrm>
+      </p:grpSpPr>
+      <p:sp>
+        <p:nvSpPr>
+          <p:cNvPr id="2" name="Title 1"/>
+          <p:cNvSpPr>
+            <a:spLocks noGrp="1"/>
+          </p:cNvSpPr>
+          <p:nvPr>
+            <p:ph type="title"/>
+          </p:nvPr>
+        </p:nvSpPr>
+        <p:spPr/>
+        <p:txBody>
+          <a:bodyPr/>
+          <a:lstStyle/>
+          <a:p>
+            <a:r>
+              <a:rPr lang="en-US" dirty="0" smtClean="0"/>
+              <a:t>Consequences</a:t>
+            </a:r>
+            <a:endParaRPr lang="en-US" dirty="0"/>
+          </a:p>
+        </p:txBody>
+      </p:sp>
+      <p:pic>
+        <p:nvPicPr>
+          <p:cNvPr id="4" name="Content Placeholder 3"/>
+          <p:cNvPicPr>
+            <a:picLocks noGrp="1" noChangeAspect="1"/>
+          </p:cNvPicPr>
+          <p:nvPr>
+            <p:ph idx="1"/>
+          </p:nvPr>
+        </p:nvPicPr>
+        <p:blipFill>
+          <a:blip r:embed="rId2">
+            <a:extLst>
+              <a:ext uri="{28A0092B-C50C-407E-A947-70E740481C1C}">
+                <a14:useLocalDpi xmlns:a14="http://schemas.microsoft.com/office/drawing/2010/main" val="0"/>
+              </a:ext>
+            </a:extLst>
+          </a:blip>
+          <a:stretch>
+            <a:fillRect/>
+          </a:stretch>
+        </p:blipFill>
+        <p:spPr>
+          <a:xfrm>
+            <a:off x="266012" y="1925784"/>
+            <a:ext cx="4209008" cy="4220033"/>
+          </a:xfrm>
+        </p:spPr>
+      </p:pic>
+      <p:sp>
+        <p:nvSpPr>
+          <p:cNvPr id="5" name="Title 1"/>
+          <p:cNvSpPr txBox="1">
+            <a:spLocks/>
+          </p:cNvSpPr>
+          <p:nvPr/>
+        </p:nvSpPr>
+        <p:spPr>
+          <a:xfrm>
+            <a:off x="4793674" y="1856509"/>
+            <a:ext cx="7051965" cy="4364181"/>
+          </a:xfrm>
+          <a:prstGeom prst="rect">
+            <a:avLst/>
+          </a:prstGeom>
+        </p:spPr>
+        <p:txBody>
+          <a:bodyPr vert="horz" lIns="91440" tIns="45720" rIns="91440" bIns="45720" rtlCol="0" anchor="b">
+            <a:normAutofit/>
+          </a:bodyPr>
+          <a:lstStyle>
+            <a:lvl1pPr algn="l" defTabSz="914400" rtl="0" eaLnBrk="1" latinLnBrk="0" hangingPunct="1">
+              <a:lnSpc>
+                <a:spcPct val="85000"/>
+              </a:lnSpc>
+              <a:spcBef>
+                <a:spcPct val="0"/>
+              </a:spcBef>
+              <a:buNone/>
+              <a:defRPr sz="4800" kern="1200" spc="-50" baseline="0">
+                <a:solidFill>
+                  <a:schemeClr val="tx1">
+                    <a:lumMod val="75000"/>
+                    <a:lumOff val="25000"/>
+                  </a:schemeClr>
+                </a:solidFill>
+                <a:latin typeface="+mj-lt"/>
+                <a:ea typeface="+mj-ea"/>
+                <a:cs typeface="+mj-cs"/>
+              </a:defRPr>
+            </a:lvl1pPr>
+          </a:lstStyle>
+          <a:p>
+            <a:r>
+              <a:rPr lang="en-US" dirty="0" smtClean="0"/>
+              <a:t>Consequences</a:t>
+            </a:r>
+            <a:endParaRPr lang="en-US" dirty="0"/>
+          </a:p>
+        </p:txBody>
+      </p:sp>
+    </p:spTree>
+    <p:extLst>
+      <p:ext uri="{BB962C8B-B14F-4D97-AF65-F5344CB8AC3E}">
+        <p14:creationId xmlns:p14="http://schemas.microsoft.com/office/powerpoint/2010/main" val="2880376025"/>
+      </p:ext>
+    </p:extLst>
+  </p:cSld>
+  <p:clrMapOvr>
+    <a:masterClrMapping/>
+  </p:clrMapOvr>
+</p:sld>
+</file>
+
+<file path=ppt/slides/slide5.xml><?xml version="1.0" encoding="utf-8"?>
+<p:sld xmlns:a="http://schemas.openxmlformats.org/drawingml/2006/main" xmlns:r="http://schemas.openxmlformats.org/officeDocument/2006/relationships" xmlns:p="http://schemas.openxmlformats.org/presentationml/2006/main">
+  <p:cSld>
+    <p:spTree>
+      <p:nvGrpSpPr>
+        <p:cNvPr id="1" name=""/>
+        <p:cNvGrpSpPr/>
+        <p:nvPr/>
+      </p:nvGrpSpPr>
+      <p:grpSpPr>
+        <a:xfrm>
+          <a:off x="0" y="0"/>
+          <a:ext cx="0" cy="0"/>
+          <a:chOff x="0" y="0"/>
+          <a:chExt cx="0" cy="0"/>
+        </a:xfrm>
+      </p:grpSpPr>
+      <p:sp>
+        <p:nvSpPr>
+          <p:cNvPr id="2" name="Title 1"/>
+          <p:cNvSpPr>
+            <a:spLocks noGrp="1"/>
+          </p:cNvSpPr>
+          <p:nvPr>
+            <p:ph type="title"/>
+          </p:nvPr>
+        </p:nvSpPr>
+        <p:spPr/>
+        <p:txBody>
+          <a:bodyPr/>
+          <a:lstStyle/>
+          <a:p>
+            <a:endParaRPr lang="en-US"/>
+          </a:p>
+        </p:txBody>
+      </p:sp>
+      <p:sp>
+        <p:nvSpPr>
+          <p:cNvPr id="3" name="Content Placeholder 2"/>
+          <p:cNvSpPr>
+            <a:spLocks noGrp="1"/>
+          </p:cNvSpPr>
+          <p:nvPr>
+            <p:ph idx="1"/>
+          </p:nvPr>
+        </p:nvSpPr>
+        <p:spPr/>
+        <p:txBody>
+          <a:bodyPr/>
+          <a:lstStyle/>
+          <a:p>
+            <a:endParaRPr lang="en-US"/>
+          </a:p>
+        </p:txBody>
+      </p:sp>
+    </p:spTree>
+    <p:extLst>
+      <p:ext uri="{BB962C8B-B14F-4D97-AF65-F5344CB8AC3E}">
+        <p14:creationId xmlns:p14="http://schemas.microsoft.com/office/powerpoint/2010/main" val="1975060793"/>
+      </p:ext>
+    </p:extLst>
+  </p:cSld>
+  <p:clrMapOvr>
+    <a:masterClrMapping/>
+  </p:clrMapOvr>
+</p:sld>
+</file>
+
+<file path=ppt/slides/slide6.xml><?xml version="1.0" encoding="utf-8"?>
+<p:sld xmlns:a="http://schemas.openxmlformats.org/drawingml/2006/main" xmlns:r="http://schemas.openxmlformats.org/officeDocument/2006/relationships" xmlns:p="http://schemas.openxmlformats.org/presentationml/2006/main">
+  <p:cSld>
+    <p:spTree>
+      <p:nvGrpSpPr>
+        <p:cNvPr id="1" name=""/>
+        <p:cNvGrpSpPr/>
+        <p:nvPr/>
+      </p:nvGrpSpPr>
+      <p:grpSpPr>
+        <a:xfrm>
+          <a:off x="0" y="0"/>
+          <a:ext cx="0" cy="0"/>
+          <a:chOff x="0" y="0"/>
+          <a:chExt cx="0" cy="0"/>
+        </a:xfrm>
+      </p:grpSpPr>
+      <p:sp>
+        <p:nvSpPr>
+          <p:cNvPr id="2" name="Title 1"/>
+          <p:cNvSpPr>
+            <a:spLocks noGrp="1"/>
+          </p:cNvSpPr>
+          <p:nvPr>
+            <p:ph type="title"/>
+          </p:nvPr>
+        </p:nvSpPr>
+        <p:spPr/>
+        <p:txBody>
+          <a:bodyPr/>
+          <a:lstStyle/>
+          <a:p>
+            <a:endParaRPr lang="en-US"/>
+          </a:p>
+        </p:txBody>
+      </p:sp>
+      <p:sp>
+        <p:nvSpPr>
+          <p:cNvPr id="3" name="Content Placeholder 2"/>
+          <p:cNvSpPr>
+            <a:spLocks noGrp="1"/>
+          </p:cNvSpPr>
+          <p:nvPr>
+            <p:ph idx="1"/>
+          </p:nvPr>
+        </p:nvSpPr>
+        <p:spPr/>
+        <p:txBody>
+          <a:bodyPr/>
+          <a:lstStyle/>
+          <a:p>
+            <a:endParaRPr lang="en-US"/>
+          </a:p>
+        </p:txBody>
+      </p:sp>
+    </p:spTree>
+    <p:extLst>
+      <p:ext uri="{BB962C8B-B14F-4D97-AF65-F5344CB8AC3E}">
+        <p14:creationId xmlns:p14="http://schemas.microsoft.com/office/powerpoint/2010/main" val="2136448961"/>
+      </p:ext>
+    </p:extLst>
+  </p:cSld>
+  <p:clrMapOvr>
+    <a:masterClrMapping/>
+  </p:clrMapOvr>
+</p:sld>
+</file>
+
+<file path=ppt/slides/slide7.xml><?xml version="1.0" encoding="utf-8"?>
+<p:sld xmlns:a="http://schemas.openxmlformats.org/drawingml/2006/main" xmlns:r="http://schemas.openxmlformats.org/officeDocument/2006/relationships" xmlns:p="http://schemas.openxmlformats.org/presentationml/2006/main">
+  <p:cSld>
+    <p:spTree>
+      <p:nvGrpSpPr>
+        <p:cNvPr id="1" name=""/>
+        <p:cNvGrpSpPr/>
+        <p:nvPr/>
+      </p:nvGrpSpPr>
+      <p:grpSpPr>
+        <a:xfrm>
+          <a:off x="0" y="0"/>
+          <a:ext cx="0" cy="0"/>
+          <a:chOff x="0" y="0"/>
+          <a:chExt cx="0" cy="0"/>
+        </a:xfrm>
+      </p:grpSpPr>
+      <p:sp>
+        <p:nvSpPr>
+          <p:cNvPr id="2" name="Title 1"/>
+          <p:cNvSpPr>
+            <a:spLocks noGrp="1"/>
+          </p:cNvSpPr>
+          <p:nvPr>
+            <p:ph type="title"/>
+          </p:nvPr>
+        </p:nvSpPr>
+        <p:spPr/>
+        <p:txBody>
+          <a:bodyPr/>
+          <a:lstStyle/>
+          <a:p>
+            <a:endParaRPr lang="en-US"/>
+          </a:p>
+        </p:txBody>
+      </p:sp>
+      <p:sp>
+        <p:nvSpPr>
+          <p:cNvPr id="3" name="Content Placeholder 2"/>
+          <p:cNvSpPr>
+            <a:spLocks noGrp="1"/>
+          </p:cNvSpPr>
+          <p:nvPr>
+            <p:ph idx="1"/>
+          </p:nvPr>
+        </p:nvSpPr>
+        <p:spPr/>
+        <p:txBody>
+          <a:bodyPr/>
+          <a:lstStyle/>
+          <a:p>
+            <a:endParaRPr lang="en-US"/>
+          </a:p>
+        </p:txBody>
+      </p:sp>
+    </p:spTree>
+    <p:extLst>
+      <p:ext uri="{BB962C8B-B14F-4D97-AF65-F5344CB8AC3E}">
+        <p14:creationId xmlns:p14="http://schemas.microsoft.com/office/powerpoint/2010/main" val="3988319637"/>
       </p:ext>
     </p:extLst>
   </p:cSld>

--- a/Result/Presentation.pptx
+++ b/Result/Presentation.pptx
@@ -3864,7 +3864,7 @@
         </p:nvSpPr>
         <p:spPr>
           <a:xfrm>
-            <a:off x="0" y="0"/>
+            <a:off x="-13855" y="-13855"/>
             <a:ext cx="4031673" cy="6303818"/>
           </a:xfrm>
           <a:prstGeom prst="rect">

--- a/Result/Presentation.pptx
+++ b/Result/Presentation.pptx
@@ -8,10 +8,11 @@
     <p:sldId id="256" r:id="rId2"/>
     <p:sldId id="257" r:id="rId3"/>
     <p:sldId id="262" r:id="rId4"/>
-    <p:sldId id="258" r:id="rId5"/>
-    <p:sldId id="259" r:id="rId6"/>
-    <p:sldId id="260" r:id="rId7"/>
-    <p:sldId id="261" r:id="rId8"/>
+    <p:sldId id="263" r:id="rId5"/>
+    <p:sldId id="258" r:id="rId6"/>
+    <p:sldId id="259" r:id="rId7"/>
+    <p:sldId id="260" r:id="rId8"/>
+    <p:sldId id="261" r:id="rId9"/>
   </p:sldIdLst>
   <p:sldSz cx="12192000" cy="6858000"/>
   <p:notesSz cx="6858000" cy="9144000"/>
@@ -346,7 +347,7 @@
           <a:p>
             <a:fld id="{BEAF7D20-4BF2-414F-B6FF-0AD495B367B0}" type="datetimeFigureOut">
               <a:rPr lang="en-US" smtClean="0"/>
-              <a:t>8/10/2020</a:t>
+              <a:t>8/12/2020</a:t>
             </a:fld>
             <a:endParaRPr lang="en-US"/>
           </a:p>
@@ -554,7 +555,7 @@
           <a:p>
             <a:fld id="{BEAF7D20-4BF2-414F-B6FF-0AD495B367B0}" type="datetimeFigureOut">
               <a:rPr lang="en-US" smtClean="0"/>
-              <a:t>8/10/2020</a:t>
+              <a:t>8/12/2020</a:t>
             </a:fld>
             <a:endParaRPr lang="en-US"/>
           </a:p>
@@ -812,7 +813,7 @@
           <a:p>
             <a:fld id="{BEAF7D20-4BF2-414F-B6FF-0AD495B367B0}" type="datetimeFigureOut">
               <a:rPr lang="en-US" smtClean="0"/>
-              <a:t>8/10/2020</a:t>
+              <a:t>8/12/2020</a:t>
             </a:fld>
             <a:endParaRPr lang="en-US"/>
           </a:p>
@@ -982,7 +983,7 @@
           <a:p>
             <a:fld id="{BEAF7D20-4BF2-414F-B6FF-0AD495B367B0}" type="datetimeFigureOut">
               <a:rPr lang="en-US" smtClean="0"/>
-              <a:t>8/10/2020</a:t>
+              <a:t>8/12/2020</a:t>
             </a:fld>
             <a:endParaRPr lang="en-US"/>
           </a:p>
@@ -1319,7 +1320,7 @@
           <a:p>
             <a:fld id="{BEAF7D20-4BF2-414F-B6FF-0AD495B367B0}" type="datetimeFigureOut">
               <a:rPr lang="en-US" smtClean="0"/>
-              <a:t>8/10/2020</a:t>
+              <a:t>8/12/2020</a:t>
             </a:fld>
             <a:endParaRPr lang="en-US"/>
           </a:p>
@@ -1594,7 +1595,7 @@
           <a:p>
             <a:fld id="{BEAF7D20-4BF2-414F-B6FF-0AD495B367B0}" type="datetimeFigureOut">
               <a:rPr lang="en-US" smtClean="0"/>
-              <a:t>8/10/2020</a:t>
+              <a:t>8/12/2020</a:t>
             </a:fld>
             <a:endParaRPr lang="en-US"/>
           </a:p>
@@ -1977,7 +1978,7 @@
           <a:p>
             <a:fld id="{BEAF7D20-4BF2-414F-B6FF-0AD495B367B0}" type="datetimeFigureOut">
               <a:rPr lang="en-US" smtClean="0"/>
-              <a:t>8/10/2020</a:t>
+              <a:t>8/12/2020</a:t>
             </a:fld>
             <a:endParaRPr lang="en-US"/>
           </a:p>
@@ -2095,7 +2096,7 @@
           <a:p>
             <a:fld id="{BEAF7D20-4BF2-414F-B6FF-0AD495B367B0}" type="datetimeFigureOut">
               <a:rPr lang="en-US" smtClean="0"/>
-              <a:t>8/10/2020</a:t>
+              <a:t>8/12/2020</a:t>
             </a:fld>
             <a:endParaRPr lang="en-US"/>
           </a:p>
@@ -2268,7 +2269,7 @@
           <a:p>
             <a:fld id="{BEAF7D20-4BF2-414F-B6FF-0AD495B367B0}" type="datetimeFigureOut">
               <a:rPr lang="en-US" smtClean="0"/>
-              <a:t>8/10/2020</a:t>
+              <a:t>8/12/2020</a:t>
             </a:fld>
             <a:endParaRPr lang="en-US"/>
           </a:p>
@@ -2624,7 +2625,7 @@
           <a:p>
             <a:fld id="{BEAF7D20-4BF2-414F-B6FF-0AD495B367B0}" type="datetimeFigureOut">
               <a:rPr lang="en-US" smtClean="0"/>
-              <a:t>8/10/2020</a:t>
+              <a:t>8/12/2020</a:t>
             </a:fld>
             <a:endParaRPr lang="en-US"/>
           </a:p>
@@ -2972,7 +2973,7 @@
           <a:p>
             <a:fld id="{BEAF7D20-4BF2-414F-B6FF-0AD495B367B0}" type="datetimeFigureOut">
               <a:rPr lang="en-US" smtClean="0"/>
-              <a:t>8/10/2020</a:t>
+              <a:t>8/12/2020</a:t>
             </a:fld>
             <a:endParaRPr lang="en-US"/>
           </a:p>
@@ -3283,7 +3284,7 @@
           <a:p>
             <a:fld id="{BEAF7D20-4BF2-414F-B6FF-0AD495B367B0}" type="datetimeFigureOut">
               <a:rPr lang="en-US" smtClean="0"/>
-              <a:t>8/10/2020</a:t>
+              <a:t>8/12/2020</a:t>
             </a:fld>
             <a:endParaRPr lang="en-US"/>
           </a:p>
@@ -3841,7 +3842,20 @@
                 </a:effectLst>
                 <a:latin typeface="Agency FB" panose="020B0503020202020204" pitchFamily="34" charset="0"/>
               </a:rPr>
-              <a:t>Child of Change</a:t>
+              <a:t>Child of </a:t>
+            </a:r>
+            <a:r>
+              <a:rPr lang="en-US" dirty="0" smtClean="0">
+                <a:effectLst>
+                  <a:outerShdw blurRad="38100" dist="38100" dir="2700000" algn="tl">
+                    <a:srgbClr val="000000">
+                      <a:alpha val="43137"/>
+                    </a:srgbClr>
+                  </a:outerShdw>
+                </a:effectLst>
+                <a:latin typeface="Agency FB" panose="020B0503020202020204" pitchFamily="34" charset="0"/>
+              </a:rPr>
+              <a:t>One</a:t>
             </a:r>
             <a:endParaRPr lang="en-US" dirty="0">
               <a:effectLst>
@@ -4272,7 +4286,7 @@
         </p:spPr>
         <p:txBody>
           <a:bodyPr vert="horz" lIns="91440" tIns="45720" rIns="91440" bIns="45720" rtlCol="0" anchor="b">
-            <a:normAutofit fontScale="90000" lnSpcReduction="10000"/>
+            <a:normAutofit fontScale="90000"/>
           </a:bodyPr>
           <a:lstStyle>
             <a:lvl1pPr algn="l" defTabSz="914400" rtl="0" eaLnBrk="1" latinLnBrk="0" hangingPunct="1">
@@ -4324,18 +4338,6 @@
               </a:rPr>
               <a:t>.“</a:t>
             </a:r>
-            <a:br>
-              <a:rPr lang="en-US" sz="4900" dirty="0" smtClean="0">
-                <a:effectLst>
-                  <a:outerShdw blurRad="38100" dist="38100" dir="2700000" algn="tl">
-                    <a:srgbClr val="000000">
-                      <a:alpha val="43137"/>
-                    </a:srgbClr>
-                  </a:outerShdw>
-                </a:effectLst>
-                <a:latin typeface="Agency FB" panose="020B0503020202020204" pitchFamily="34" charset="0"/>
-              </a:rPr>
-            </a:br>
             <a:endParaRPr lang="en-US" sz="4900" dirty="0">
               <a:effectLst>
                 <a:outerShdw blurRad="38100" dist="38100" dir="2700000" algn="tl">
@@ -4355,6 +4357,96 @@
               </a:rPr>
               <a:t>Quebec proverb</a:t>
             </a:r>
+          </a:p>
+        </p:txBody>
+      </p:sp>
+      <p:sp>
+        <p:nvSpPr>
+          <p:cNvPr id="9" name="Title 1"/>
+          <p:cNvSpPr txBox="1">
+            <a:spLocks/>
+          </p:cNvSpPr>
+          <p:nvPr/>
+        </p:nvSpPr>
+        <p:spPr>
+          <a:xfrm>
+            <a:off x="4281055" y="4513815"/>
+            <a:ext cx="2535381" cy="1054386"/>
+          </a:xfrm>
+          <a:prstGeom prst="rect">
+            <a:avLst/>
+          </a:prstGeom>
+        </p:spPr>
+        <p:txBody>
+          <a:bodyPr vert="horz" lIns="91440" tIns="45720" rIns="91440" bIns="45720" rtlCol="0" anchor="b">
+            <a:normAutofit fontScale="97500"/>
+          </a:bodyPr>
+          <a:lstStyle>
+            <a:lvl1pPr algn="l" defTabSz="914400" rtl="0" eaLnBrk="1" latinLnBrk="0" hangingPunct="1">
+              <a:lnSpc>
+                <a:spcPct val="85000"/>
+              </a:lnSpc>
+              <a:spcBef>
+                <a:spcPct val="0"/>
+              </a:spcBef>
+              <a:buNone/>
+              <a:defRPr sz="8000" kern="1200" spc="-50" baseline="0">
+                <a:solidFill>
+                  <a:schemeClr val="tx1">
+                    <a:lumMod val="85000"/>
+                    <a:lumOff val="15000"/>
+                  </a:schemeClr>
+                </a:solidFill>
+                <a:latin typeface="+mj-lt"/>
+                <a:ea typeface="+mj-ea"/>
+                <a:cs typeface="+mj-cs"/>
+              </a:defRPr>
+            </a:lvl1pPr>
+          </a:lstStyle>
+          <a:p>
+            <a:pPr algn="ctr"/>
+            <a:r>
+              <a:rPr lang="en-US" sz="2400" dirty="0" smtClean="0">
+                <a:effectLst>
+                  <a:outerShdw blurRad="38100" dist="38100" dir="2700000" algn="tl">
+                    <a:srgbClr val="000000">
+                      <a:alpha val="43137"/>
+                    </a:srgbClr>
+                  </a:outerShdw>
+                </a:effectLst>
+                <a:latin typeface="Agency FB" panose="020B0503020202020204" pitchFamily="34" charset="0"/>
+              </a:rPr>
+              <a:t>It’s </a:t>
+            </a:r>
+            <a:r>
+              <a:rPr lang="en-US" sz="2400" dirty="0">
+                <a:effectLst>
+                  <a:outerShdw blurRad="38100" dist="38100" dir="2700000" algn="tl">
+                    <a:srgbClr val="000000">
+                      <a:alpha val="43137"/>
+                    </a:srgbClr>
+                  </a:outerShdw>
+                </a:effectLst>
+                <a:latin typeface="Agency FB" panose="020B0503020202020204" pitchFamily="34" charset="0"/>
+              </a:rPr>
+              <a:t>important to sexually educating our </a:t>
+            </a:r>
+            <a:r>
+              <a:rPr lang="en-US" sz="2400" dirty="0" smtClean="0">
+                <a:effectLst>
+                  <a:outerShdw blurRad="38100" dist="38100" dir="2700000" algn="tl">
+                    <a:srgbClr val="000000">
+                      <a:alpha val="43137"/>
+                    </a:srgbClr>
+                  </a:outerShdw>
+                </a:effectLst>
+                <a:latin typeface="Agency FB" panose="020B0503020202020204" pitchFamily="34" charset="0"/>
+              </a:rPr>
+              <a:t>children</a:t>
+            </a:r>
+            <a:endParaRPr lang="en-US" sz="1100" dirty="0">
+              <a:latin typeface="Agency FB" panose="020B0503020202020204" pitchFamily="34" charset="0"/>
+            </a:endParaRPr>
           </a:p>
         </p:txBody>
       </p:sp>
@@ -4605,99 +4697,60 @@
           <a:bodyPr/>
           <a:lstStyle/>
           <a:p>
-            <a:r>
-              <a:rPr lang="en-US" dirty="0" smtClean="0"/>
-              <a:t>Consequences</a:t>
-            </a:r>
-            <a:endParaRPr lang="en-US" dirty="0"/>
-          </a:p>
-        </p:txBody>
-      </p:sp>
-      <p:pic>
-        <p:nvPicPr>
-          <p:cNvPr id="4" name="Content Placeholder 3"/>
-          <p:cNvPicPr>
-            <a:picLocks noGrp="1" noChangeAspect="1"/>
-          </p:cNvPicPr>
+            <a:endParaRPr lang="en-US"/>
+          </a:p>
+        </p:txBody>
+      </p:sp>
+      <p:sp>
+        <p:nvSpPr>
+          <p:cNvPr id="3" name="Content Placeholder 2"/>
+          <p:cNvSpPr>
+            <a:spLocks noGrp="1"/>
+          </p:cNvSpPr>
           <p:nvPr>
             <p:ph idx="1"/>
           </p:nvPr>
-        </p:nvPicPr>
-        <p:blipFill>
-          <a:blip r:embed="rId2">
-            <a:extLst>
-              <a:ext uri="{28A0092B-C50C-407E-A947-70E740481C1C}">
-                <a14:useLocalDpi xmlns:a14="http://schemas.microsoft.com/office/drawing/2010/main" val="0"/>
-              </a:ext>
-            </a:extLst>
-          </a:blip>
-          <a:stretch>
-            <a:fillRect/>
-          </a:stretch>
-        </p:blipFill>
-        <p:spPr>
-          <a:xfrm>
-            <a:off x="266012" y="1925784"/>
-            <a:ext cx="4209008" cy="4220033"/>
-          </a:xfrm>
-        </p:spPr>
-      </p:pic>
-      <p:sp>
-        <p:nvSpPr>
-          <p:cNvPr id="5" name="Title 1"/>
-          <p:cNvSpPr txBox="1">
-            <a:spLocks/>
-          </p:cNvSpPr>
-          <p:nvPr/>
-        </p:nvSpPr>
-        <p:spPr>
-          <a:xfrm>
-            <a:off x="4793674" y="1856509"/>
-            <a:ext cx="7051965" cy="4364181"/>
-          </a:xfrm>
-          <a:prstGeom prst="rect">
-            <a:avLst/>
-          </a:prstGeom>
-        </p:spPr>
-        <p:txBody>
-          <a:bodyPr vert="horz" lIns="91440" tIns="45720" rIns="91440" bIns="45720" rtlCol="0" anchor="b">
-            <a:normAutofit/>
-          </a:bodyPr>
-          <a:lstStyle>
-            <a:lvl1pPr algn="l" defTabSz="914400" rtl="0" eaLnBrk="1" latinLnBrk="0" hangingPunct="1">
-              <a:lnSpc>
-                <a:spcPct val="85000"/>
-              </a:lnSpc>
-              <a:spcBef>
-                <a:spcPct val="0"/>
-              </a:spcBef>
-              <a:buNone/>
-              <a:defRPr sz="4800" kern="1200" spc="-50" baseline="0">
-                <a:solidFill>
-                  <a:schemeClr val="tx1">
-                    <a:lumMod val="75000"/>
-                    <a:lumOff val="25000"/>
-                  </a:schemeClr>
-                </a:solidFill>
-                <a:latin typeface="+mj-lt"/>
-                <a:ea typeface="+mj-ea"/>
-                <a:cs typeface="+mj-cs"/>
-              </a:defRPr>
-            </a:lvl1pPr>
-          </a:lstStyle>
-          <a:p>
-            <a:r>
-              <a:rPr lang="en-US" dirty="0" smtClean="0"/>
-              <a:t>Consequences</a:t>
-            </a:r>
-            <a:endParaRPr lang="en-US" dirty="0"/>
+        </p:nvSpPr>
+        <p:spPr/>
+        <p:txBody>
+          <a:bodyPr/>
+          <a:lstStyle/>
+          <a:p>
+            <a:r>
+              <a:rPr lang="en-US" dirty="0"/>
+              <a:t>- only 12% of sexual information is provided by family and 29% by friends;</a:t>
+            </a:r>
+          </a:p>
+          <a:p>
+            <a:r>
+              <a:rPr lang="en-US" dirty="0"/>
+              <a:t>- only 16% of the progenitors are adolescents and 47% are over 28 years of age;</a:t>
+            </a:r>
+          </a:p>
+          <a:p>
+            <a:r>
+              <a:rPr lang="en-US" dirty="0"/>
+              <a:t>- 93% of adolescent girls do not use condoms or use them only sometimes;</a:t>
+            </a:r>
+          </a:p>
+          <a:p>
+            <a:r>
+              <a:rPr lang="en-US" dirty="0"/>
+              <a:t>- 90% do not know about family planning methods and how they work;</a:t>
+            </a:r>
+          </a:p>
+          <a:p>
+            <a:r>
+              <a:rPr lang="en-US" dirty="0"/>
+              <a:t>- 92% do not know their menstrual cycle and 88% do not know their fertile period"</a:t>
+            </a:r>
           </a:p>
         </p:txBody>
       </p:sp>
     </p:spTree>
     <p:extLst>
       <p:ext uri="{BB962C8B-B14F-4D97-AF65-F5344CB8AC3E}">
-        <p14:creationId xmlns:p14="http://schemas.microsoft.com/office/powerpoint/2010/main" val="2880376025"/>
+        <p14:creationId xmlns:p14="http://schemas.microsoft.com/office/powerpoint/2010/main" val="3329652236"/>
       </p:ext>
     </p:extLst>
   </p:cSld>
@@ -4739,33 +4792,99 @@
           <a:bodyPr/>
           <a:lstStyle/>
           <a:p>
-            <a:endParaRPr lang="en-US"/>
-          </a:p>
-        </p:txBody>
-      </p:sp>
-      <p:sp>
-        <p:nvSpPr>
-          <p:cNvPr id="3" name="Content Placeholder 2"/>
-          <p:cNvSpPr>
-            <a:spLocks noGrp="1"/>
-          </p:cNvSpPr>
+            <a:r>
+              <a:rPr lang="en-US" dirty="0" smtClean="0"/>
+              <a:t>Consequences</a:t>
+            </a:r>
+            <a:endParaRPr lang="en-US" dirty="0"/>
+          </a:p>
+        </p:txBody>
+      </p:sp>
+      <p:pic>
+        <p:nvPicPr>
+          <p:cNvPr id="4" name="Content Placeholder 3"/>
+          <p:cNvPicPr>
+            <a:picLocks noGrp="1" noChangeAspect="1"/>
+          </p:cNvPicPr>
           <p:nvPr>
             <p:ph idx="1"/>
           </p:nvPr>
-        </p:nvSpPr>
-        <p:spPr/>
-        <p:txBody>
-          <a:bodyPr/>
-          <a:lstStyle/>
-          <a:p>
-            <a:endParaRPr lang="en-US"/>
+        </p:nvPicPr>
+        <p:blipFill>
+          <a:blip r:embed="rId2">
+            <a:extLst>
+              <a:ext uri="{28A0092B-C50C-407E-A947-70E740481C1C}">
+                <a14:useLocalDpi xmlns:a14="http://schemas.microsoft.com/office/drawing/2010/main" val="0"/>
+              </a:ext>
+            </a:extLst>
+          </a:blip>
+          <a:stretch>
+            <a:fillRect/>
+          </a:stretch>
+        </p:blipFill>
+        <p:spPr>
+          <a:xfrm>
+            <a:off x="266012" y="1925784"/>
+            <a:ext cx="4209008" cy="4220033"/>
+          </a:xfrm>
+        </p:spPr>
+      </p:pic>
+      <p:sp>
+        <p:nvSpPr>
+          <p:cNvPr id="5" name="Title 1"/>
+          <p:cNvSpPr txBox="1">
+            <a:spLocks/>
+          </p:cNvSpPr>
+          <p:nvPr/>
+        </p:nvSpPr>
+        <p:spPr>
+          <a:xfrm>
+            <a:off x="4793674" y="1856509"/>
+            <a:ext cx="7051965" cy="4364181"/>
+          </a:xfrm>
+          <a:prstGeom prst="rect">
+            <a:avLst/>
+          </a:prstGeom>
+        </p:spPr>
+        <p:txBody>
+          <a:bodyPr vert="horz" lIns="91440" tIns="45720" rIns="91440" bIns="45720" rtlCol="0" anchor="b">
+            <a:normAutofit/>
+          </a:bodyPr>
+          <a:lstStyle>
+            <a:lvl1pPr algn="l" defTabSz="914400" rtl="0" eaLnBrk="1" latinLnBrk="0" hangingPunct="1">
+              <a:lnSpc>
+                <a:spcPct val="85000"/>
+              </a:lnSpc>
+              <a:spcBef>
+                <a:spcPct val="0"/>
+              </a:spcBef>
+              <a:buNone/>
+              <a:defRPr sz="4800" kern="1200" spc="-50" baseline="0">
+                <a:solidFill>
+                  <a:schemeClr val="tx1">
+                    <a:lumMod val="75000"/>
+                    <a:lumOff val="25000"/>
+                  </a:schemeClr>
+                </a:solidFill>
+                <a:latin typeface="+mj-lt"/>
+                <a:ea typeface="+mj-ea"/>
+                <a:cs typeface="+mj-cs"/>
+              </a:defRPr>
+            </a:lvl1pPr>
+          </a:lstStyle>
+          <a:p>
+            <a:r>
+              <a:rPr lang="en-US" dirty="0" smtClean="0"/>
+              <a:t>Consequences</a:t>
+            </a:r>
+            <a:endParaRPr lang="en-US" dirty="0"/>
           </a:p>
         </p:txBody>
       </p:sp>
     </p:spTree>
     <p:extLst>
       <p:ext uri="{BB962C8B-B14F-4D97-AF65-F5344CB8AC3E}">
-        <p14:creationId xmlns:p14="http://schemas.microsoft.com/office/powerpoint/2010/main" val="1975060793"/>
+        <p14:creationId xmlns:p14="http://schemas.microsoft.com/office/powerpoint/2010/main" val="2880376025"/>
       </p:ext>
     </p:extLst>
   </p:cSld>
@@ -4833,6 +4952,74 @@
     </p:spTree>
     <p:extLst>
       <p:ext uri="{BB962C8B-B14F-4D97-AF65-F5344CB8AC3E}">
+        <p14:creationId xmlns:p14="http://schemas.microsoft.com/office/powerpoint/2010/main" val="1975060793"/>
+      </p:ext>
+    </p:extLst>
+  </p:cSld>
+  <p:clrMapOvr>
+    <a:masterClrMapping/>
+  </p:clrMapOvr>
+</p:sld>
+</file>
+
+<file path=ppt/slides/slide7.xml><?xml version="1.0" encoding="utf-8"?>
+<p:sld xmlns:a="http://schemas.openxmlformats.org/drawingml/2006/main" xmlns:r="http://schemas.openxmlformats.org/officeDocument/2006/relationships" xmlns:p="http://schemas.openxmlformats.org/presentationml/2006/main">
+  <p:cSld>
+    <p:spTree>
+      <p:nvGrpSpPr>
+        <p:cNvPr id="1" name=""/>
+        <p:cNvGrpSpPr/>
+        <p:nvPr/>
+      </p:nvGrpSpPr>
+      <p:grpSpPr>
+        <a:xfrm>
+          <a:off x="0" y="0"/>
+          <a:ext cx="0" cy="0"/>
+          <a:chOff x="0" y="0"/>
+          <a:chExt cx="0" cy="0"/>
+        </a:xfrm>
+      </p:grpSpPr>
+      <p:sp>
+        <p:nvSpPr>
+          <p:cNvPr id="2" name="Title 1"/>
+          <p:cNvSpPr>
+            <a:spLocks noGrp="1"/>
+          </p:cNvSpPr>
+          <p:nvPr>
+            <p:ph type="title"/>
+          </p:nvPr>
+        </p:nvSpPr>
+        <p:spPr/>
+        <p:txBody>
+          <a:bodyPr/>
+          <a:lstStyle/>
+          <a:p>
+            <a:endParaRPr lang="en-US"/>
+          </a:p>
+        </p:txBody>
+      </p:sp>
+      <p:sp>
+        <p:nvSpPr>
+          <p:cNvPr id="3" name="Content Placeholder 2"/>
+          <p:cNvSpPr>
+            <a:spLocks noGrp="1"/>
+          </p:cNvSpPr>
+          <p:nvPr>
+            <p:ph idx="1"/>
+          </p:nvPr>
+        </p:nvSpPr>
+        <p:spPr/>
+        <p:txBody>
+          <a:bodyPr/>
+          <a:lstStyle/>
+          <a:p>
+            <a:endParaRPr lang="en-US"/>
+          </a:p>
+        </p:txBody>
+      </p:sp>
+    </p:spTree>
+    <p:extLst>
+      <p:ext uri="{BB962C8B-B14F-4D97-AF65-F5344CB8AC3E}">
         <p14:creationId xmlns:p14="http://schemas.microsoft.com/office/powerpoint/2010/main" val="2136448961"/>
       </p:ext>
     </p:extLst>
@@ -4843,7 +5030,7 @@
 </p:sld>
 </file>
 
-<file path=ppt/slides/slide7.xml><?xml version="1.0" encoding="utf-8"?>
+<file path=ppt/slides/slide8.xml><?xml version="1.0" encoding="utf-8"?>
 <p:sld xmlns:a="http://schemas.openxmlformats.org/drawingml/2006/main" xmlns:r="http://schemas.openxmlformats.org/officeDocument/2006/relationships" xmlns:p="http://schemas.openxmlformats.org/presentationml/2006/main">
   <p:cSld>
     <p:spTree>

--- a/Result/Presentation.pptx
+++ b/Result/Presentation.pptx
@@ -7,12 +7,18 @@
   <p:sldIdLst>
     <p:sldId id="256" r:id="rId2"/>
     <p:sldId id="257" r:id="rId3"/>
-    <p:sldId id="262" r:id="rId4"/>
-    <p:sldId id="263" r:id="rId5"/>
-    <p:sldId id="258" r:id="rId6"/>
-    <p:sldId id="259" r:id="rId7"/>
-    <p:sldId id="260" r:id="rId8"/>
-    <p:sldId id="261" r:id="rId9"/>
+    <p:sldId id="264" r:id="rId4"/>
+    <p:sldId id="262" r:id="rId5"/>
+    <p:sldId id="265" r:id="rId6"/>
+    <p:sldId id="258" r:id="rId7"/>
+    <p:sldId id="259" r:id="rId8"/>
+    <p:sldId id="260" r:id="rId9"/>
+    <p:sldId id="261" r:id="rId10"/>
+    <p:sldId id="266" r:id="rId11"/>
+    <p:sldId id="267" r:id="rId12"/>
+    <p:sldId id="268" r:id="rId13"/>
+    <p:sldId id="269" r:id="rId14"/>
+    <p:sldId id="263" r:id="rId15"/>
   </p:sldIdLst>
   <p:sldSz cx="12192000" cy="6858000"/>
   <p:notesSz cx="6858000" cy="9144000"/>
@@ -113,10 +119,432 @@
   </p:defaultTextStyle>
   <p:extLst>
     <p:ext uri="{EFAFB233-063F-42B5-8137-9DF3F51BA10A}">
-      <p15:sldGuideLst xmlns:p15="http://schemas.microsoft.com/office/powerpoint/2012/main"/>
+      <p15:sldGuideLst xmlns:p15="http://schemas.microsoft.com/office/powerpoint/2012/main" xmlns=""/>
     </p:ext>
   </p:extLst>
 </p:presentation>
+</file>
+
+<file path=ppt/charts/chart1.xml><?xml version="1.0" encoding="utf-8"?>
+<c:chartSpace xmlns:c="http://schemas.openxmlformats.org/drawingml/2006/chart" xmlns:a="http://schemas.openxmlformats.org/drawingml/2006/main" xmlns:r="http://schemas.openxmlformats.org/officeDocument/2006/relationships">
+  <c:lang val="en-US"/>
+  <c:pivotSource>
+    <c:name>[child_of_one.xlsx]All group!PivotTable1</c:name>
+    <c:fmtId val="6"/>
+  </c:pivotSource>
+  <c:chart>
+    <c:title>
+      <c:layout/>
+      <c:spPr>
+        <a:noFill/>
+        <a:ln>
+          <a:noFill/>
+        </a:ln>
+        <a:effectLst/>
+      </c:spPr>
+      <c:txPr>
+        <a:bodyPr rot="0" spcFirstLastPara="1" vertOverflow="ellipsis" vert="horz" wrap="square" anchor="ctr" anchorCtr="1"/>
+        <a:lstStyle/>
+        <a:p>
+          <a:pPr>
+            <a:defRPr sz="1400" b="0" i="0" u="none" strike="noStrike" kern="1200" spc="0" baseline="0">
+              <a:solidFill>
+                <a:schemeClr val="tx1">
+                  <a:lumMod val="65000"/>
+                  <a:lumOff val="35000"/>
+                </a:schemeClr>
+              </a:solidFill>
+              <a:latin typeface="+mn-lt"/>
+              <a:ea typeface="+mn-ea"/>
+              <a:cs typeface="+mn-cs"/>
+            </a:defRPr>
+          </a:pPr>
+          <a:endParaRPr lang="en-US"/>
+        </a:p>
+      </c:txPr>
+    </c:title>
+    <c:pivotFmts>
+      <c:pivotFmt>
+        <c:idx val="0"/>
+        <c:spPr>
+          <a:solidFill>
+            <a:srgbClr val="00B050"/>
+          </a:solidFill>
+          <a:ln>
+            <a:noFill/>
+          </a:ln>
+          <a:effectLst/>
+          <a:sp3d/>
+        </c:spPr>
+        <c:marker>
+          <c:symbol val="none"/>
+        </c:marker>
+      </c:pivotFmt>
+      <c:pivotFmt>
+        <c:idx val="1"/>
+        <c:spPr>
+          <a:solidFill>
+            <a:srgbClr val="00B050"/>
+          </a:solidFill>
+          <a:ln>
+            <a:noFill/>
+          </a:ln>
+          <a:effectLst/>
+          <a:sp3d/>
+        </c:spPr>
+        <c:marker>
+          <c:symbol val="none"/>
+        </c:marker>
+        <c:dLbl>
+          <c:idx val="0"/>
+          <c:delete val="1"/>
+        </c:dLbl>
+      </c:pivotFmt>
+    </c:pivotFmts>
+    <c:view3D>
+      <c:depthPercent val="100"/>
+      <c:rAngAx val="1"/>
+    </c:view3D>
+    <c:floor>
+      <c:spPr>
+        <a:noFill/>
+        <a:ln>
+          <a:noFill/>
+        </a:ln>
+        <a:effectLst/>
+        <a:sp3d/>
+      </c:spPr>
+    </c:floor>
+    <c:sideWall>
+      <c:spPr>
+        <a:noFill/>
+        <a:ln>
+          <a:noFill/>
+        </a:ln>
+        <a:effectLst/>
+        <a:sp3d/>
+      </c:spPr>
+    </c:sideWall>
+    <c:backWall>
+      <c:spPr>
+        <a:noFill/>
+        <a:ln>
+          <a:noFill/>
+        </a:ln>
+        <a:effectLst/>
+        <a:sp3d/>
+      </c:spPr>
+    </c:backWall>
+    <c:plotArea>
+      <c:layout/>
+      <c:bar3DChart>
+        <c:barDir val="bar"/>
+        <c:grouping val="clustered"/>
+        <c:ser>
+          <c:idx val="0"/>
+          <c:order val="0"/>
+          <c:tx>
+            <c:strRef>
+              <c:f>'All group'!$B$3</c:f>
+              <c:strCache>
+                <c:ptCount val="1"/>
+                <c:pt idx="0">
+                  <c:v>Total</c:v>
+                </c:pt>
+              </c:strCache>
+            </c:strRef>
+          </c:tx>
+          <c:spPr>
+            <a:solidFill>
+              <a:srgbClr val="00B050"/>
+            </a:solidFill>
+            <a:ln>
+              <a:noFill/>
+            </a:ln>
+            <a:effectLst/>
+            <a:sp3d/>
+          </c:spPr>
+          <c:cat>
+            <c:strRef>
+              <c:f>'All group'!$A$4:$A$16</c:f>
+              <c:strCache>
+                <c:ptCount val="12"/>
+                <c:pt idx="0">
+                  <c:v>Percentage of sexually active youth who have ever used any contraceptive method</c:v>
+                </c:pt>
+                <c:pt idx="1">
+                  <c:v>Percentage of youth currently living together</c:v>
+                </c:pt>
+                <c:pt idx="2">
+                  <c:v>Percentage of youth currently married</c:v>
+                </c:pt>
+                <c:pt idx="3">
+                  <c:v>Percentage of youth currently using a modern contraceptive method</c:v>
+                </c:pt>
+                <c:pt idx="4">
+                  <c:v>Percentage of youth exposed to at least one media source (newspaper, radio, television) at least once a week</c:v>
+                </c:pt>
+                <c:pt idx="5">
+                  <c:v>Percentage of youth who cannot read</c:v>
+                </c:pt>
+                <c:pt idx="6">
+                  <c:v>Percentage of youth who had sexual intercourse before age 15</c:v>
+                </c:pt>
+                <c:pt idx="7">
+                  <c:v>Percentage of youth who had sexual intercourse before age 18</c:v>
+                </c:pt>
+                <c:pt idx="8">
+                  <c:v>Percentage of youth who have begun childbearing</c:v>
+                </c:pt>
+                <c:pt idx="9">
+                  <c:v>Percentage of youth who have ever been pregnant</c:v>
+                </c:pt>
+                <c:pt idx="10">
+                  <c:v>Percentage of youth who have had sexual intercourse and who say that their first experience was against their will</c:v>
+                </c:pt>
+                <c:pt idx="11">
+                  <c:v>Percentage of youth with completed primary education</c:v>
+                </c:pt>
+              </c:strCache>
+            </c:strRef>
+          </c:cat>
+          <c:val>
+            <c:numRef>
+              <c:f>'All group'!$B$4:$B$16</c:f>
+              <c:numCache>
+                <c:formatCode>General</c:formatCode>
+                <c:ptCount val="12"/>
+                <c:pt idx="0">
+                  <c:v>9300</c:v>
+                </c:pt>
+                <c:pt idx="1">
+                  <c:v>2404</c:v>
+                </c:pt>
+                <c:pt idx="2">
+                  <c:v>2427</c:v>
+                </c:pt>
+                <c:pt idx="3">
+                  <c:v>1863</c:v>
+                </c:pt>
+                <c:pt idx="4">
+                  <c:v>11671</c:v>
+                </c:pt>
+                <c:pt idx="5">
+                  <c:v>2610</c:v>
+                </c:pt>
+                <c:pt idx="6">
+                  <c:v>2042</c:v>
+                </c:pt>
+                <c:pt idx="7">
+                  <c:v>2578</c:v>
+                </c:pt>
+                <c:pt idx="8">
+                  <c:v>659</c:v>
+                </c:pt>
+                <c:pt idx="9">
+                  <c:v>682</c:v>
+                </c:pt>
+                <c:pt idx="10">
+                  <c:v>2987</c:v>
+                </c:pt>
+                <c:pt idx="11">
+                  <c:v>7639</c:v>
+                </c:pt>
+              </c:numCache>
+            </c:numRef>
+          </c:val>
+          <c:extLst xmlns:c16r2="http://schemas.microsoft.com/office/drawing/2015/06/chart">
+            <c:ext xmlns:c16="http://schemas.microsoft.com/office/drawing/2014/chart" uri="{C3380CC4-5D6E-409C-BE32-E72D297353CC}">
+              <c16:uniqueId val="{00000000-FF5B-4539-8F5E-F5F5E61E903C}"/>
+            </c:ext>
+          </c:extLst>
+        </c:ser>
+        <c:shape val="box"/>
+        <c:axId val="109676416"/>
+        <c:axId val="114098560"/>
+        <c:axId val="0"/>
+      </c:bar3DChart>
+      <c:catAx>
+        <c:axId val="109676416"/>
+        <c:scaling>
+          <c:orientation val="minMax"/>
+        </c:scaling>
+        <c:axPos val="l"/>
+        <c:numFmt formatCode="General" sourceLinked="1"/>
+        <c:majorTickMark val="none"/>
+        <c:tickLblPos val="nextTo"/>
+        <c:spPr>
+          <a:noFill/>
+          <a:ln>
+            <a:noFill/>
+          </a:ln>
+          <a:effectLst/>
+        </c:spPr>
+        <c:txPr>
+          <a:bodyPr rot="-60000000" spcFirstLastPara="1" vertOverflow="ellipsis" vert="horz" wrap="square" anchor="ctr" anchorCtr="1"/>
+          <a:lstStyle/>
+          <a:p>
+            <a:pPr>
+              <a:defRPr sz="900" b="0" i="0" u="none" strike="noStrike" kern="1200" baseline="0">
+                <a:solidFill>
+                  <a:schemeClr val="tx1">
+                    <a:lumMod val="65000"/>
+                    <a:lumOff val="35000"/>
+                  </a:schemeClr>
+                </a:solidFill>
+                <a:latin typeface="+mn-lt"/>
+                <a:ea typeface="+mn-ea"/>
+                <a:cs typeface="+mn-cs"/>
+              </a:defRPr>
+            </a:pPr>
+            <a:endParaRPr lang="en-US"/>
+          </a:p>
+        </c:txPr>
+        <c:crossAx val="114098560"/>
+        <c:crosses val="autoZero"/>
+        <c:auto val="1"/>
+        <c:lblAlgn val="ctr"/>
+        <c:lblOffset val="100"/>
+      </c:catAx>
+      <c:valAx>
+        <c:axId val="114098560"/>
+        <c:scaling>
+          <c:orientation val="minMax"/>
+        </c:scaling>
+        <c:axPos val="b"/>
+        <c:majorGridlines>
+          <c:spPr>
+            <a:ln w="9525" cap="flat" cmpd="sng" algn="ctr">
+              <a:solidFill>
+                <a:schemeClr val="tx1">
+                  <a:lumMod val="15000"/>
+                  <a:lumOff val="85000"/>
+                </a:schemeClr>
+              </a:solidFill>
+              <a:round/>
+            </a:ln>
+            <a:effectLst/>
+          </c:spPr>
+        </c:majorGridlines>
+        <c:numFmt formatCode="General" sourceLinked="1"/>
+        <c:majorTickMark val="none"/>
+        <c:tickLblPos val="nextTo"/>
+        <c:spPr>
+          <a:noFill/>
+          <a:ln>
+            <a:noFill/>
+          </a:ln>
+          <a:effectLst/>
+        </c:spPr>
+        <c:txPr>
+          <a:bodyPr rot="-60000000" spcFirstLastPara="1" vertOverflow="ellipsis" vert="horz" wrap="square" anchor="ctr" anchorCtr="1"/>
+          <a:lstStyle/>
+          <a:p>
+            <a:pPr>
+              <a:defRPr sz="900" b="0" i="0" u="none" strike="noStrike" kern="1200" baseline="0">
+                <a:solidFill>
+                  <a:schemeClr val="tx1">
+                    <a:lumMod val="65000"/>
+                    <a:lumOff val="35000"/>
+                  </a:schemeClr>
+                </a:solidFill>
+                <a:latin typeface="+mn-lt"/>
+                <a:ea typeface="+mn-ea"/>
+                <a:cs typeface="+mn-cs"/>
+              </a:defRPr>
+            </a:pPr>
+            <a:endParaRPr lang="en-US"/>
+          </a:p>
+        </c:txPr>
+        <c:crossAx val="109676416"/>
+        <c:crosses val="autoZero"/>
+        <c:crossBetween val="between"/>
+      </c:valAx>
+      <c:spPr>
+        <a:noFill/>
+        <a:ln>
+          <a:noFill/>
+        </a:ln>
+        <a:effectLst/>
+      </c:spPr>
+    </c:plotArea>
+    <c:legend>
+      <c:legendPos val="r"/>
+      <c:layout/>
+      <c:spPr>
+        <a:noFill/>
+        <a:ln>
+          <a:noFill/>
+        </a:ln>
+        <a:effectLst/>
+      </c:spPr>
+      <c:txPr>
+        <a:bodyPr rot="0" spcFirstLastPara="1" vertOverflow="ellipsis" vert="horz" wrap="square" anchor="ctr" anchorCtr="1"/>
+        <a:lstStyle/>
+        <a:p>
+          <a:pPr>
+            <a:defRPr sz="900" b="0" i="0" u="none" strike="noStrike" kern="1200" baseline="0">
+              <a:solidFill>
+                <a:schemeClr val="tx1">
+                  <a:lumMod val="65000"/>
+                  <a:lumOff val="35000"/>
+                </a:schemeClr>
+              </a:solidFill>
+              <a:latin typeface="+mn-lt"/>
+              <a:ea typeface="+mn-ea"/>
+              <a:cs typeface="+mn-cs"/>
+            </a:defRPr>
+          </a:pPr>
+          <a:endParaRPr lang="en-US"/>
+        </a:p>
+      </c:txPr>
+    </c:legend>
+    <c:plotVisOnly val="1"/>
+    <c:dispBlanksAs val="gap"/>
+  </c:chart>
+  <c:spPr>
+    <a:solidFill>
+      <a:schemeClr val="bg1"/>
+    </a:solidFill>
+    <a:ln w="9525" cap="flat" cmpd="sng" algn="ctr">
+      <a:solidFill>
+        <a:schemeClr val="tx1">
+          <a:lumMod val="15000"/>
+          <a:lumOff val="85000"/>
+        </a:schemeClr>
+      </a:solidFill>
+      <a:round/>
+    </a:ln>
+    <a:effectLst/>
+  </c:spPr>
+  <c:txPr>
+    <a:bodyPr/>
+    <a:lstStyle/>
+    <a:p>
+      <a:pPr>
+        <a:defRPr/>
+      </a:pPr>
+      <a:endParaRPr lang="en-US"/>
+    </a:p>
+  </c:txPr>
+  <c:externalData r:id="rId1"/>
+  <c:extLst xmlns:c16r2="http://schemas.microsoft.com/office/drawing/2015/06/chart">
+    <c:ext xmlns:c14="http://schemas.microsoft.com/office/drawing/2007/8/2/chart" uri="{781A3756-C4B2-4CAC-9D66-4F8BD8637D16}">
+      <c14:pivotOptions>
+        <c14:dropZoneFilter val="1"/>
+        <c14:dropZoneCategories val="1"/>
+        <c14:dropZoneData val="1"/>
+        <c14:dropZoneSeries val="1"/>
+        <c14:dropZonesVisible val="1"/>
+      </c14:pivotOptions>
+    </c:ext>
+    <c:ext xmlns:c16="http://schemas.microsoft.com/office/drawing/2014/chart" uri="{E28EC0CA-F0BB-4C9C-879D-F8772B89E7AC}">
+      <c16:pivotOptions16>
+        <c16:showExpandCollapseFieldButtons val="1"/>
+      </c16:pivotOptions16>
+    </c:ext>
+  </c:extLst>
+</c:chartSpace>
 </file>
 
 <file path=ppt/slideLayouts/slideLayout1.xml><?xml version="1.0" encoding="utf-8"?>
@@ -347,6 +775,7 @@
           <a:p>
             <a:fld id="{BEAF7D20-4BF2-414F-B6FF-0AD495B367B0}" type="datetimeFigureOut">
               <a:rPr lang="en-US" smtClean="0"/>
+              <a:pPr/>
               <a:t>8/12/2020</a:t>
             </a:fld>
             <a:endParaRPr lang="en-US"/>
@@ -389,7 +818,8 @@
           <a:p>
             <a:fld id="{F09D7957-130A-48A8-A6D5-4E3399AA36EB}" type="slidenum">
               <a:rPr lang="en-US" smtClean="0"/>
-              <a:t>‹#›</a:t>
+              <a:pPr/>
+              <a:t>‹N°›</a:t>
             </a:fld>
             <a:endParaRPr lang="en-US"/>
           </a:p>
@@ -436,7 +866,7 @@
     </p:spTree>
     <p:extLst>
       <p:ext uri="{BB962C8B-B14F-4D97-AF65-F5344CB8AC3E}">
-        <p14:creationId xmlns:p14="http://schemas.microsoft.com/office/powerpoint/2010/main" val="2812007631"/>
+        <p14:creationId xmlns:p14="http://schemas.microsoft.com/office/powerpoint/2010/main" xmlns="" val="2812007631"/>
       </p:ext>
     </p:extLst>
   </p:cSld>
@@ -555,6 +985,7 @@
           <a:p>
             <a:fld id="{BEAF7D20-4BF2-414F-B6FF-0AD495B367B0}" type="datetimeFigureOut">
               <a:rPr lang="en-US" smtClean="0"/>
+              <a:pPr/>
               <a:t>8/12/2020</a:t>
             </a:fld>
             <a:endParaRPr lang="en-US"/>
@@ -597,7 +1028,8 @@
           <a:p>
             <a:fld id="{F09D7957-130A-48A8-A6D5-4E3399AA36EB}" type="slidenum">
               <a:rPr lang="en-US" smtClean="0"/>
-              <a:t>‹#›</a:t>
+              <a:pPr/>
+              <a:t>‹N°›</a:t>
             </a:fld>
             <a:endParaRPr lang="en-US"/>
           </a:p>
@@ -606,7 +1038,7 @@
     </p:spTree>
     <p:extLst>
       <p:ext uri="{BB962C8B-B14F-4D97-AF65-F5344CB8AC3E}">
-        <p14:creationId xmlns:p14="http://schemas.microsoft.com/office/powerpoint/2010/main" val="1736152266"/>
+        <p14:creationId xmlns:p14="http://schemas.microsoft.com/office/powerpoint/2010/main" xmlns="" val="1736152266"/>
       </p:ext>
     </p:extLst>
   </p:cSld>
@@ -813,6 +1245,7 @@
           <a:p>
             <a:fld id="{BEAF7D20-4BF2-414F-B6FF-0AD495B367B0}" type="datetimeFigureOut">
               <a:rPr lang="en-US" smtClean="0"/>
+              <a:pPr/>
               <a:t>8/12/2020</a:t>
             </a:fld>
             <a:endParaRPr lang="en-US"/>
@@ -855,7 +1288,8 @@
           <a:p>
             <a:fld id="{F09D7957-130A-48A8-A6D5-4E3399AA36EB}" type="slidenum">
               <a:rPr lang="en-US" smtClean="0"/>
-              <a:t>‹#›</a:t>
+              <a:pPr/>
+              <a:t>‹N°›</a:t>
             </a:fld>
             <a:endParaRPr lang="en-US"/>
           </a:p>
@@ -864,7 +1298,7 @@
     </p:spTree>
     <p:extLst>
       <p:ext uri="{BB962C8B-B14F-4D97-AF65-F5344CB8AC3E}">
-        <p14:creationId xmlns:p14="http://schemas.microsoft.com/office/powerpoint/2010/main" val="855715231"/>
+        <p14:creationId xmlns:p14="http://schemas.microsoft.com/office/powerpoint/2010/main" xmlns="" val="855715231"/>
       </p:ext>
     </p:extLst>
   </p:cSld>
@@ -983,6 +1417,7 @@
           <a:p>
             <a:fld id="{BEAF7D20-4BF2-414F-B6FF-0AD495B367B0}" type="datetimeFigureOut">
               <a:rPr lang="en-US" smtClean="0"/>
+              <a:pPr/>
               <a:t>8/12/2020</a:t>
             </a:fld>
             <a:endParaRPr lang="en-US"/>
@@ -1025,7 +1460,8 @@
           <a:p>
             <a:fld id="{F09D7957-130A-48A8-A6D5-4E3399AA36EB}" type="slidenum">
               <a:rPr lang="en-US" smtClean="0"/>
-              <a:t>‹#›</a:t>
+              <a:pPr/>
+              <a:t>‹N°›</a:t>
             </a:fld>
             <a:endParaRPr lang="en-US"/>
           </a:p>
@@ -1034,7 +1470,7 @@
     </p:spTree>
     <p:extLst>
       <p:ext uri="{BB962C8B-B14F-4D97-AF65-F5344CB8AC3E}">
-        <p14:creationId xmlns:p14="http://schemas.microsoft.com/office/powerpoint/2010/main" val="2035574099"/>
+        <p14:creationId xmlns:p14="http://schemas.microsoft.com/office/powerpoint/2010/main" xmlns="" val="2035574099"/>
       </p:ext>
     </p:extLst>
   </p:cSld>
@@ -1320,6 +1756,7 @@
           <a:p>
             <a:fld id="{BEAF7D20-4BF2-414F-B6FF-0AD495B367B0}" type="datetimeFigureOut">
               <a:rPr lang="en-US" smtClean="0"/>
+              <a:pPr/>
               <a:t>8/12/2020</a:t>
             </a:fld>
             <a:endParaRPr lang="en-US"/>
@@ -1362,7 +1799,8 @@
           <a:p>
             <a:fld id="{F09D7957-130A-48A8-A6D5-4E3399AA36EB}" type="slidenum">
               <a:rPr lang="en-US" smtClean="0"/>
-              <a:t>‹#›</a:t>
+              <a:pPr/>
+              <a:t>‹N°›</a:t>
             </a:fld>
             <a:endParaRPr lang="en-US"/>
           </a:p>
@@ -1409,7 +1847,7 @@
     </p:spTree>
     <p:extLst>
       <p:ext uri="{BB962C8B-B14F-4D97-AF65-F5344CB8AC3E}">
-        <p14:creationId xmlns:p14="http://schemas.microsoft.com/office/powerpoint/2010/main" val="3395251584"/>
+        <p14:creationId xmlns:p14="http://schemas.microsoft.com/office/powerpoint/2010/main" xmlns="" val="3395251584"/>
       </p:ext>
     </p:extLst>
   </p:cSld>
@@ -1595,6 +2033,7 @@
           <a:p>
             <a:fld id="{BEAF7D20-4BF2-414F-B6FF-0AD495B367B0}" type="datetimeFigureOut">
               <a:rPr lang="en-US" smtClean="0"/>
+              <a:pPr/>
               <a:t>8/12/2020</a:t>
             </a:fld>
             <a:endParaRPr lang="en-US"/>
@@ -1637,7 +2076,8 @@
           <a:p>
             <a:fld id="{F09D7957-130A-48A8-A6D5-4E3399AA36EB}" type="slidenum">
               <a:rPr lang="en-US" smtClean="0"/>
-              <a:t>‹#›</a:t>
+              <a:pPr/>
+              <a:t>‹N°›</a:t>
             </a:fld>
             <a:endParaRPr lang="en-US"/>
           </a:p>
@@ -1646,7 +2086,7 @@
     </p:spTree>
     <p:extLst>
       <p:ext uri="{BB962C8B-B14F-4D97-AF65-F5344CB8AC3E}">
-        <p14:creationId xmlns:p14="http://schemas.microsoft.com/office/powerpoint/2010/main" val="2793667609"/>
+        <p14:creationId xmlns:p14="http://schemas.microsoft.com/office/powerpoint/2010/main" xmlns="" val="2793667609"/>
       </p:ext>
     </p:extLst>
   </p:cSld>
@@ -1978,6 +2418,7 @@
           <a:p>
             <a:fld id="{BEAF7D20-4BF2-414F-B6FF-0AD495B367B0}" type="datetimeFigureOut">
               <a:rPr lang="en-US" smtClean="0"/>
+              <a:pPr/>
               <a:t>8/12/2020</a:t>
             </a:fld>
             <a:endParaRPr lang="en-US"/>
@@ -2020,7 +2461,8 @@
           <a:p>
             <a:fld id="{F09D7957-130A-48A8-A6D5-4E3399AA36EB}" type="slidenum">
               <a:rPr lang="en-US" smtClean="0"/>
-              <a:t>‹#›</a:t>
+              <a:pPr/>
+              <a:t>‹N°›</a:t>
             </a:fld>
             <a:endParaRPr lang="en-US"/>
           </a:p>
@@ -2029,7 +2471,7 @@
     </p:spTree>
     <p:extLst>
       <p:ext uri="{BB962C8B-B14F-4D97-AF65-F5344CB8AC3E}">
-        <p14:creationId xmlns:p14="http://schemas.microsoft.com/office/powerpoint/2010/main" val="1966699086"/>
+        <p14:creationId xmlns:p14="http://schemas.microsoft.com/office/powerpoint/2010/main" xmlns="" val="1966699086"/>
       </p:ext>
     </p:extLst>
   </p:cSld>
@@ -2096,6 +2538,7 @@
           <a:p>
             <a:fld id="{BEAF7D20-4BF2-414F-B6FF-0AD495B367B0}" type="datetimeFigureOut">
               <a:rPr lang="en-US" smtClean="0"/>
+              <a:pPr/>
               <a:t>8/12/2020</a:t>
             </a:fld>
             <a:endParaRPr lang="en-US"/>
@@ -2138,7 +2581,8 @@
           <a:p>
             <a:fld id="{F09D7957-130A-48A8-A6D5-4E3399AA36EB}" type="slidenum">
               <a:rPr lang="en-US" smtClean="0"/>
-              <a:t>‹#›</a:t>
+              <a:pPr/>
+              <a:t>‹N°›</a:t>
             </a:fld>
             <a:endParaRPr lang="en-US"/>
           </a:p>
@@ -2147,7 +2591,7 @@
     </p:spTree>
     <p:extLst>
       <p:ext uri="{BB962C8B-B14F-4D97-AF65-F5344CB8AC3E}">
-        <p14:creationId xmlns:p14="http://schemas.microsoft.com/office/powerpoint/2010/main" val="2048826626"/>
+        <p14:creationId xmlns:p14="http://schemas.microsoft.com/office/powerpoint/2010/main" xmlns="" val="2048826626"/>
       </p:ext>
     </p:extLst>
   </p:cSld>
@@ -2269,6 +2713,7 @@
           <a:p>
             <a:fld id="{BEAF7D20-4BF2-414F-B6FF-0AD495B367B0}" type="datetimeFigureOut">
               <a:rPr lang="en-US" smtClean="0"/>
+              <a:pPr/>
               <a:t>8/12/2020</a:t>
             </a:fld>
             <a:endParaRPr lang="en-US"/>
@@ -2319,7 +2764,8 @@
           <a:p>
             <a:fld id="{F09D7957-130A-48A8-A6D5-4E3399AA36EB}" type="slidenum">
               <a:rPr lang="en-US" smtClean="0"/>
-              <a:t>‹#›</a:t>
+              <a:pPr/>
+              <a:t>‹N°›</a:t>
             </a:fld>
             <a:endParaRPr lang="en-US"/>
           </a:p>
@@ -2328,7 +2774,7 @@
     </p:spTree>
     <p:extLst>
       <p:ext uri="{BB962C8B-B14F-4D97-AF65-F5344CB8AC3E}">
-        <p14:creationId xmlns:p14="http://schemas.microsoft.com/office/powerpoint/2010/main" val="1889078161"/>
+        <p14:creationId xmlns:p14="http://schemas.microsoft.com/office/powerpoint/2010/main" xmlns="" val="1889078161"/>
       </p:ext>
     </p:extLst>
   </p:cSld>
@@ -2625,6 +3071,7 @@
           <a:p>
             <a:fld id="{BEAF7D20-4BF2-414F-B6FF-0AD495B367B0}" type="datetimeFigureOut">
               <a:rPr lang="en-US" smtClean="0"/>
+              <a:pPr/>
               <a:t>8/12/2020</a:t>
             </a:fld>
             <a:endParaRPr lang="en-US"/>
@@ -2688,7 +3135,8 @@
           <a:p>
             <a:fld id="{F09D7957-130A-48A8-A6D5-4E3399AA36EB}" type="slidenum">
               <a:rPr lang="en-US" smtClean="0"/>
-              <a:t>‹#›</a:t>
+              <a:pPr/>
+              <a:t>‹N°›</a:t>
             </a:fld>
             <a:endParaRPr lang="en-US"/>
           </a:p>
@@ -2697,7 +3145,7 @@
     </p:spTree>
     <p:extLst>
       <p:ext uri="{BB962C8B-B14F-4D97-AF65-F5344CB8AC3E}">
-        <p14:creationId xmlns:p14="http://schemas.microsoft.com/office/powerpoint/2010/main" val="4048051450"/>
+        <p14:creationId xmlns:p14="http://schemas.microsoft.com/office/powerpoint/2010/main" xmlns="" val="4048051450"/>
       </p:ext>
     </p:extLst>
   </p:cSld>
@@ -2973,6 +3421,7 @@
           <a:p>
             <a:fld id="{BEAF7D20-4BF2-414F-B6FF-0AD495B367B0}" type="datetimeFigureOut">
               <a:rPr lang="en-US" smtClean="0"/>
+              <a:pPr/>
               <a:t>8/12/2020</a:t>
             </a:fld>
             <a:endParaRPr lang="en-US"/>
@@ -3031,7 +3480,8 @@
           <a:p>
             <a:fld id="{F09D7957-130A-48A8-A6D5-4E3399AA36EB}" type="slidenum">
               <a:rPr lang="en-US" smtClean="0"/>
-              <a:t>‹#›</a:t>
+              <a:pPr/>
+              <a:t>‹N°›</a:t>
             </a:fld>
             <a:endParaRPr lang="en-US"/>
           </a:p>
@@ -3040,7 +3490,7 @@
     </p:spTree>
     <p:extLst>
       <p:ext uri="{BB962C8B-B14F-4D97-AF65-F5344CB8AC3E}">
-        <p14:creationId xmlns:p14="http://schemas.microsoft.com/office/powerpoint/2010/main" val="2638286187"/>
+        <p14:creationId xmlns:p14="http://schemas.microsoft.com/office/powerpoint/2010/main" xmlns="" val="2638286187"/>
       </p:ext>
     </p:extLst>
   </p:cSld>
@@ -3284,6 +3734,7 @@
           <a:p>
             <a:fld id="{BEAF7D20-4BF2-414F-B6FF-0AD495B367B0}" type="datetimeFigureOut">
               <a:rPr lang="en-US" smtClean="0"/>
+              <a:pPr/>
               <a:t>8/12/2020</a:t>
             </a:fld>
             <a:endParaRPr lang="en-US"/>
@@ -3358,7 +3809,8 @@
           <a:p>
             <a:fld id="{F09D7957-130A-48A8-A6D5-4E3399AA36EB}" type="slidenum">
               <a:rPr lang="en-US" smtClean="0"/>
-              <a:t>‹#›</a:t>
+              <a:pPr/>
+              <a:t>‹N°›</a:t>
             </a:fld>
             <a:endParaRPr lang="en-US"/>
           </a:p>
@@ -3405,7 +3857,7 @@
     </p:spTree>
     <p:extLst>
       <p:ext uri="{BB962C8B-B14F-4D97-AF65-F5344CB8AC3E}">
-        <p14:creationId xmlns:p14="http://schemas.microsoft.com/office/powerpoint/2010/main" val="3943539580"/>
+        <p14:creationId xmlns:p14="http://schemas.microsoft.com/office/powerpoint/2010/main" xmlns="" val="3943539580"/>
       </p:ext>
     </p:extLst>
   </p:cSld>
@@ -3842,20 +4294,7 @@
                 </a:effectLst>
                 <a:latin typeface="Agency FB" panose="020B0503020202020204" pitchFamily="34" charset="0"/>
               </a:rPr>
-              <a:t>Child of </a:t>
-            </a:r>
-            <a:r>
-              <a:rPr lang="en-US" dirty="0" smtClean="0">
-                <a:effectLst>
-                  <a:outerShdw blurRad="38100" dist="38100" dir="2700000" algn="tl">
-                    <a:srgbClr val="000000">
-                      <a:alpha val="43137"/>
-                    </a:srgbClr>
-                  </a:outerShdw>
-                </a:effectLst>
-                <a:latin typeface="Agency FB" panose="020B0503020202020204" pitchFamily="34" charset="0"/>
-              </a:rPr>
-              <a:t>One</a:t>
+              <a:t>Child of One</a:t>
             </a:r>
             <a:endParaRPr lang="en-US" dirty="0">
               <a:effectLst>
@@ -3925,7 +4364,7 @@
           <a:blip r:embed="rId2">
             <a:extLst>
               <a:ext uri="{28A0092B-C50C-407E-A947-70E740481C1C}">
-                <a14:useLocalDpi xmlns:a14="http://schemas.microsoft.com/office/drawing/2010/main" val="0"/>
+                <a14:useLocalDpi xmlns:a14="http://schemas.microsoft.com/office/drawing/2010/main" xmlns="" val="0"/>
               </a:ext>
             </a:extLst>
           </a:blip>
@@ -4238,35 +4677,6 @@
           </a:p>
         </p:txBody>
       </p:sp>
-      <p:pic>
-        <p:nvPicPr>
-          <p:cNvPr id="7" name="Picture 6"/>
-          <p:cNvPicPr>
-            <a:picLocks noChangeAspect="1"/>
-          </p:cNvPicPr>
-          <p:nvPr/>
-        </p:nvPicPr>
-        <p:blipFill rotWithShape="1">
-          <a:blip r:embed="rId3">
-            <a:extLst>
-              <a:ext uri="{28A0092B-C50C-407E-A947-70E740481C1C}">
-                <a14:useLocalDpi xmlns:a14="http://schemas.microsoft.com/office/drawing/2010/main" val="0"/>
-              </a:ext>
-            </a:extLst>
-          </a:blip>
-          <a:srcRect l="10356" t="33747" r="46510" b="34210"/>
-          <a:stretch/>
-        </p:blipFill>
-        <p:spPr>
-          <a:xfrm>
-            <a:off x="11201880" y="5996367"/>
-            <a:ext cx="803138" cy="307451"/>
-          </a:xfrm>
-          <a:prstGeom prst="rect">
-            <a:avLst/>
-          </a:prstGeom>
-        </p:spPr>
-      </p:pic>
       <p:sp>
         <p:nvSpPr>
           <p:cNvPr id="8" name="Title 1"/>
@@ -4450,16 +4860,550 @@
           </a:p>
         </p:txBody>
       </p:sp>
+      <p:pic>
+        <p:nvPicPr>
+          <p:cNvPr id="10" name="Picture 3" descr="https://lh4.googleusercontent.com/4Wo_w--dESstuOhLyGi5_anej3dN8TpOFYRhrd4hW8Rhjcg7IBc82rGGYXC23jO5Z0IsU5I5RQCCT9CCz7ajbDwOsBM3SJprGAIRd4fhkeUtefASTNRpcZORRVAHTBqLAwFzw19z"/>
+          <p:cNvPicPr/>
+          <p:nvPr/>
+        </p:nvPicPr>
+        <p:blipFill>
+          <a:blip r:embed="rId3" cstate="print">
+            <a:extLst>
+              <a:ext uri="{28A0092B-C50C-407E-A947-70E740481C1C}">
+                <a14:useLocalDpi xmlns="" xmlns:wpc="http://schemas.microsoft.com/office/word/2010/wordprocessingCanvas" xmlns:cx="http://schemas.microsoft.com/office/drawing/2014/chartex" xmlns:mc="http://schemas.openxmlformats.org/markup-compatibility/2006" xmlns:o="urn:schemas-microsoft-com:office:office" xmlns:m="http://schemas.openxmlformats.org/officeDocument/2006/math" xmlns:v="urn:schemas-microsoft-com:vml" xmlns:wp14="http://schemas.microsoft.com/office/word/2010/wordprocessingDrawing" xmlns:wp="http://schemas.openxmlformats.org/drawingml/2006/wordprocessingDrawing" xmlns:w10="urn:schemas-microsoft-com:office:word" xmlns:w="http://schemas.openxmlformats.org/wordprocessingml/2006/main" xmlns:w14="http://schemas.microsoft.com/office/word/2010/wordml" xmlns:w15="http://schemas.microsoft.com/office/word/2012/wordml" xmlns:w16se="http://schemas.microsoft.com/office/word/2015/wordml/symex" xmlns:wpg="http://schemas.microsoft.com/office/word/2010/wordprocessingGroup" xmlns:wpi="http://schemas.microsoft.com/office/word/2010/wordprocessingInk" xmlns:wne="http://schemas.microsoft.com/office/word/2006/wordml" xmlns:wps="http://schemas.microsoft.com/office/word/2010/wordprocessingShape" xmlns:a14="http://schemas.microsoft.com/office/drawing/2010/main" xmlns:pic="http://schemas.openxmlformats.org/drawingml/2006/picture" xmlns:lc="http://schemas.openxmlformats.org/drawingml/2006/lockedCanvas" val="0"/>
+              </a:ext>
+            </a:extLst>
+          </a:blip>
+          <a:srcRect/>
+          <a:stretch>
+            <a:fillRect/>
+          </a:stretch>
+        </p:blipFill>
+        <p:spPr bwMode="auto">
+          <a:xfrm>
+            <a:off x="472353" y="5167745"/>
+            <a:ext cx="2949720" cy="1122219"/>
+          </a:xfrm>
+          <a:prstGeom prst="rect">
+            <a:avLst/>
+          </a:prstGeom>
+          <a:noFill/>
+          <a:ln>
+            <a:noFill/>
+          </a:ln>
+        </p:spPr>
+      </p:pic>
     </p:spTree>
     <p:extLst>
       <p:ext uri="{BB962C8B-B14F-4D97-AF65-F5344CB8AC3E}">
-        <p14:creationId xmlns:p14="http://schemas.microsoft.com/office/powerpoint/2010/main" val="4128054542"/>
+        <p14:creationId xmlns:p14="http://schemas.microsoft.com/office/powerpoint/2010/main" xmlns="" val="4128054542"/>
       </p:ext>
     </p:extLst>
   </p:cSld>
   <p:clrMapOvr>
     <a:masterClrMapping/>
   </p:clrMapOvr>
+  <p:timing>
+    <p:tnLst>
+      <p:par>
+        <p:cTn id="1" dur="indefinite" restart="never" nodeType="tmRoot"/>
+      </p:par>
+    </p:tnLst>
+  </p:timing>
+</p:sld>
+</file>
+
+<file path=ppt/slides/slide10.xml><?xml version="1.0" encoding="utf-8"?>
+<p:sld xmlns:a="http://schemas.openxmlformats.org/drawingml/2006/main" xmlns:r="http://schemas.openxmlformats.org/officeDocument/2006/relationships" xmlns:p="http://schemas.openxmlformats.org/presentationml/2006/main">
+  <p:cSld>
+    <p:spTree>
+      <p:nvGrpSpPr>
+        <p:cNvPr id="1" name=""/>
+        <p:cNvGrpSpPr/>
+        <p:nvPr/>
+      </p:nvGrpSpPr>
+      <p:grpSpPr>
+        <a:xfrm>
+          <a:off x="0" y="0"/>
+          <a:ext cx="0" cy="0"/>
+          <a:chOff x="0" y="0"/>
+          <a:chExt cx="0" cy="0"/>
+        </a:xfrm>
+      </p:grpSpPr>
+      <p:sp>
+        <p:nvSpPr>
+          <p:cNvPr id="2" name="Titre 1"/>
+          <p:cNvSpPr>
+            <a:spLocks noGrp="1"/>
+          </p:cNvSpPr>
+          <p:nvPr>
+            <p:ph type="title"/>
+          </p:nvPr>
+        </p:nvSpPr>
+        <p:spPr/>
+        <p:txBody>
+          <a:bodyPr>
+            <a:normAutofit/>
+          </a:bodyPr>
+          <a:lstStyle/>
+          <a:p>
+            <a:r>
+              <a:rPr lang="en-US" sz="4000" dirty="0" smtClean="0">
+                <a:latin typeface="Agency FB" pitchFamily="34" charset="0"/>
+              </a:rPr>
+              <a:t>All </a:t>
+            </a:r>
+            <a:r>
+              <a:rPr lang="en-US" sz="4000" dirty="0" err="1" smtClean="0">
+                <a:latin typeface="Agency FB" pitchFamily="34" charset="0"/>
+              </a:rPr>
+              <a:t>age_group</a:t>
+            </a:r>
+            <a:endParaRPr lang="en-US" sz="4000" dirty="0">
+              <a:latin typeface="Agency FB" pitchFamily="34" charset="0"/>
+            </a:endParaRPr>
+          </a:p>
+        </p:txBody>
+      </p:sp>
+      <p:pic>
+        <p:nvPicPr>
+          <p:cNvPr id="6" name="Espace réservé du contenu 5" descr="aall group.png"/>
+          <p:cNvPicPr>
+            <a:picLocks noGrp="1" noChangeAspect="1"/>
+          </p:cNvPicPr>
+          <p:nvPr>
+            <p:ph idx="1"/>
+          </p:nvPr>
+        </p:nvPicPr>
+        <p:blipFill>
+          <a:blip r:embed="rId2"/>
+          <a:stretch>
+            <a:fillRect/>
+          </a:stretch>
+        </p:blipFill>
+        <p:spPr>
+          <a:xfrm>
+            <a:off x="225083" y="1890892"/>
+            <a:ext cx="6822831" cy="3511102"/>
+          </a:xfrm>
+        </p:spPr>
+      </p:pic>
+      <p:sp>
+        <p:nvSpPr>
+          <p:cNvPr id="5" name="Espace réservé du contenu 2"/>
+          <p:cNvSpPr txBox="1">
+            <a:spLocks/>
+          </p:cNvSpPr>
+          <p:nvPr/>
+        </p:nvSpPr>
+        <p:spPr>
+          <a:xfrm>
+            <a:off x="450166" y="5542671"/>
+            <a:ext cx="11324492" cy="815925"/>
+          </a:xfrm>
+          <a:prstGeom prst="rect">
+            <a:avLst/>
+          </a:prstGeom>
+        </p:spPr>
+        <p:txBody>
+          <a:bodyPr vert="horz" lIns="0" tIns="45720" rIns="0" bIns="45720" rtlCol="0">
+            <a:normAutofit/>
+          </a:bodyPr>
+          <a:lstStyle/>
+          <a:p>
+            <a:pPr marL="91440" lvl="0" indent="-91440">
+              <a:lnSpc>
+                <a:spcPct val="90000"/>
+              </a:lnSpc>
+              <a:spcBef>
+                <a:spcPts val="1200"/>
+              </a:spcBef>
+              <a:spcAft>
+                <a:spcPts val="200"/>
+              </a:spcAft>
+              <a:buClr>
+                <a:schemeClr val="accent3"/>
+              </a:buClr>
+              <a:buSzPct val="100000"/>
+              <a:buFont typeface="Calibri" panose="020F0502020204030204" pitchFamily="34" charset="0"/>
+              <a:buChar char=" "/>
+            </a:pPr>
+            <a:r>
+              <a:rPr lang="en-US" sz="2200" dirty="0" smtClean="0">
+                <a:solidFill>
+                  <a:schemeClr val="tx1">
+                    <a:lumMod val="75000"/>
+                    <a:lumOff val="25000"/>
+                  </a:schemeClr>
+                </a:solidFill>
+                <a:latin typeface="Bell MT" pitchFamily="18" charset="0"/>
+              </a:rPr>
+              <a:t>This </a:t>
+            </a:r>
+            <a:r>
+              <a:rPr lang="en-US" sz="2200" dirty="0" smtClean="0">
+                <a:solidFill>
+                  <a:schemeClr val="tx1">
+                    <a:lumMod val="75000"/>
+                    <a:lumOff val="25000"/>
+                  </a:schemeClr>
+                </a:solidFill>
+                <a:latin typeface="Bell MT" pitchFamily="18" charset="0"/>
+              </a:rPr>
+              <a:t>chart shows that it's the young people most exposed to the media who have an early pregnancy.</a:t>
+            </a:r>
+            <a:endParaRPr kumimoji="0" lang="en-US" sz="2200" b="0" i="0" u="none" strike="noStrike" kern="1200" cap="none" spc="0" normalizeH="0" baseline="0" noProof="0" dirty="0">
+              <a:ln>
+                <a:noFill/>
+              </a:ln>
+              <a:solidFill>
+                <a:schemeClr val="tx1">
+                  <a:lumMod val="75000"/>
+                  <a:lumOff val="25000"/>
+                </a:schemeClr>
+              </a:solidFill>
+              <a:effectLst/>
+              <a:uLnTx/>
+              <a:uFillTx/>
+              <a:latin typeface="Bell MT" pitchFamily="18" charset="0"/>
+            </a:endParaRPr>
+          </a:p>
+        </p:txBody>
+      </p:sp>
+      <p:graphicFrame>
+        <p:nvGraphicFramePr>
+          <p:cNvPr id="7" name="Chart 1"/>
+          <p:cNvGraphicFramePr/>
+          <p:nvPr/>
+        </p:nvGraphicFramePr>
+        <p:xfrm>
+          <a:off x="7240172" y="1941342"/>
+          <a:ext cx="4717366" cy="3601329"/>
+        </p:xfrm>
+        <a:graphic>
+          <a:graphicData uri="http://schemas.openxmlformats.org/drawingml/2006/chart">
+            <c:chart xmlns:c="http://schemas.openxmlformats.org/drawingml/2006/chart" xmlns:r="http://schemas.openxmlformats.org/officeDocument/2006/relationships" r:id="rId3"/>
+          </a:graphicData>
+        </a:graphic>
+      </p:graphicFrame>
+    </p:spTree>
+  </p:cSld>
+  <p:clrMapOvr>
+    <a:masterClrMapping/>
+  </p:clrMapOvr>
+  <p:timing>
+    <p:tnLst>
+      <p:par>
+        <p:cTn id="1" dur="indefinite" restart="never" nodeType="tmRoot"/>
+      </p:par>
+    </p:tnLst>
+  </p:timing>
+</p:sld>
+</file>
+
+<file path=ppt/slides/slide11.xml><?xml version="1.0" encoding="utf-8"?>
+<p:sld xmlns:a="http://schemas.openxmlformats.org/drawingml/2006/main" xmlns:r="http://schemas.openxmlformats.org/officeDocument/2006/relationships" xmlns:p="http://schemas.openxmlformats.org/presentationml/2006/main">
+  <p:cSld>
+    <p:spTree>
+      <p:nvGrpSpPr>
+        <p:cNvPr id="1" name=""/>
+        <p:cNvGrpSpPr/>
+        <p:nvPr/>
+      </p:nvGrpSpPr>
+      <p:grpSpPr>
+        <a:xfrm>
+          <a:off x="0" y="0"/>
+          <a:ext cx="0" cy="0"/>
+          <a:chOff x="0" y="0"/>
+          <a:chExt cx="0" cy="0"/>
+        </a:xfrm>
+      </p:grpSpPr>
+      <p:sp>
+        <p:nvSpPr>
+          <p:cNvPr id="2" name="Titre 1"/>
+          <p:cNvSpPr>
+            <a:spLocks noGrp="1"/>
+          </p:cNvSpPr>
+          <p:nvPr>
+            <p:ph type="title"/>
+          </p:nvPr>
+        </p:nvSpPr>
+        <p:spPr/>
+        <p:txBody>
+          <a:bodyPr/>
+          <a:lstStyle/>
+          <a:p>
+            <a:r>
+              <a:rPr lang="en-US" dirty="0" smtClean="0"/>
+              <a:t>20-24 </a:t>
+            </a:r>
+            <a:r>
+              <a:rPr lang="en-US" smtClean="0"/>
+              <a:t>years old</a:t>
+            </a:r>
+            <a:endParaRPr lang="en-US"/>
+          </a:p>
+        </p:txBody>
+      </p:sp>
+      <p:sp>
+        <p:nvSpPr>
+          <p:cNvPr id="3" name="Espace réservé du contenu 2"/>
+          <p:cNvSpPr>
+            <a:spLocks noGrp="1"/>
+          </p:cNvSpPr>
+          <p:nvPr>
+            <p:ph idx="1"/>
+          </p:nvPr>
+        </p:nvSpPr>
+        <p:spPr/>
+        <p:txBody>
+          <a:bodyPr/>
+          <a:lstStyle/>
+          <a:p>
+            <a:endParaRPr lang="en-US"/>
+          </a:p>
+        </p:txBody>
+      </p:sp>
+    </p:spTree>
+  </p:cSld>
+  <p:clrMapOvr>
+    <a:masterClrMapping/>
+  </p:clrMapOvr>
+  <p:timing>
+    <p:tnLst>
+      <p:par>
+        <p:cTn id="1" dur="indefinite" restart="never" nodeType="tmRoot"/>
+      </p:par>
+    </p:tnLst>
+  </p:timing>
+</p:sld>
+</file>
+
+<file path=ppt/slides/slide12.xml><?xml version="1.0" encoding="utf-8"?>
+<p:sld xmlns:a="http://schemas.openxmlformats.org/drawingml/2006/main" xmlns:r="http://schemas.openxmlformats.org/officeDocument/2006/relationships" xmlns:p="http://schemas.openxmlformats.org/presentationml/2006/main">
+  <p:cSld>
+    <p:spTree>
+      <p:nvGrpSpPr>
+        <p:cNvPr id="1" name=""/>
+        <p:cNvGrpSpPr/>
+        <p:nvPr/>
+      </p:nvGrpSpPr>
+      <p:grpSpPr>
+        <a:xfrm>
+          <a:off x="0" y="0"/>
+          <a:ext cx="0" cy="0"/>
+          <a:chOff x="0" y="0"/>
+          <a:chExt cx="0" cy="0"/>
+        </a:xfrm>
+      </p:grpSpPr>
+      <p:sp>
+        <p:nvSpPr>
+          <p:cNvPr id="2" name="Titre 1"/>
+          <p:cNvSpPr>
+            <a:spLocks noGrp="1"/>
+          </p:cNvSpPr>
+          <p:nvPr>
+            <p:ph type="title"/>
+          </p:nvPr>
+        </p:nvSpPr>
+        <p:spPr/>
+        <p:txBody>
+          <a:bodyPr/>
+          <a:lstStyle/>
+          <a:p>
+            <a:endParaRPr lang="en-US"/>
+          </a:p>
+        </p:txBody>
+      </p:sp>
+      <p:sp>
+        <p:nvSpPr>
+          <p:cNvPr id="3" name="Espace réservé du contenu 2"/>
+          <p:cNvSpPr>
+            <a:spLocks noGrp="1"/>
+          </p:cNvSpPr>
+          <p:nvPr>
+            <p:ph idx="1"/>
+          </p:nvPr>
+        </p:nvSpPr>
+        <p:spPr/>
+        <p:txBody>
+          <a:bodyPr/>
+          <a:lstStyle/>
+          <a:p>
+            <a:endParaRPr lang="en-US"/>
+          </a:p>
+        </p:txBody>
+      </p:sp>
+    </p:spTree>
+  </p:cSld>
+  <p:clrMapOvr>
+    <a:masterClrMapping/>
+  </p:clrMapOvr>
+</p:sld>
+</file>
+
+<file path=ppt/slides/slide13.xml><?xml version="1.0" encoding="utf-8"?>
+<p:sld xmlns:a="http://schemas.openxmlformats.org/drawingml/2006/main" xmlns:r="http://schemas.openxmlformats.org/officeDocument/2006/relationships" xmlns:p="http://schemas.openxmlformats.org/presentationml/2006/main">
+  <p:cSld>
+    <p:spTree>
+      <p:nvGrpSpPr>
+        <p:cNvPr id="1" name=""/>
+        <p:cNvGrpSpPr/>
+        <p:nvPr/>
+      </p:nvGrpSpPr>
+      <p:grpSpPr>
+        <a:xfrm>
+          <a:off x="0" y="0"/>
+          <a:ext cx="0" cy="0"/>
+          <a:chOff x="0" y="0"/>
+          <a:chExt cx="0" cy="0"/>
+        </a:xfrm>
+      </p:grpSpPr>
+      <p:sp>
+        <p:nvSpPr>
+          <p:cNvPr id="2" name="Titre 1"/>
+          <p:cNvSpPr>
+            <a:spLocks noGrp="1"/>
+          </p:cNvSpPr>
+          <p:nvPr>
+            <p:ph type="title"/>
+          </p:nvPr>
+        </p:nvSpPr>
+        <p:spPr/>
+        <p:txBody>
+          <a:bodyPr/>
+          <a:lstStyle/>
+          <a:p>
+            <a:endParaRPr lang="en-US"/>
+          </a:p>
+        </p:txBody>
+      </p:sp>
+      <p:sp>
+        <p:nvSpPr>
+          <p:cNvPr id="3" name="Espace réservé du contenu 2"/>
+          <p:cNvSpPr>
+            <a:spLocks noGrp="1"/>
+          </p:cNvSpPr>
+          <p:nvPr>
+            <p:ph idx="1"/>
+          </p:nvPr>
+        </p:nvSpPr>
+        <p:spPr/>
+        <p:txBody>
+          <a:bodyPr/>
+          <a:lstStyle/>
+          <a:p>
+            <a:endParaRPr lang="en-US"/>
+          </a:p>
+        </p:txBody>
+      </p:sp>
+    </p:spTree>
+  </p:cSld>
+  <p:clrMapOvr>
+    <a:masterClrMapping/>
+  </p:clrMapOvr>
+</p:sld>
+</file>
+
+<file path=ppt/slides/slide14.xml><?xml version="1.0" encoding="utf-8"?>
+<p:sld xmlns:a="http://schemas.openxmlformats.org/drawingml/2006/main" xmlns:r="http://schemas.openxmlformats.org/officeDocument/2006/relationships" xmlns:p="http://schemas.openxmlformats.org/presentationml/2006/main">
+  <p:cSld>
+    <p:spTree>
+      <p:nvGrpSpPr>
+        <p:cNvPr id="1" name=""/>
+        <p:cNvGrpSpPr/>
+        <p:nvPr/>
+      </p:nvGrpSpPr>
+      <p:grpSpPr>
+        <a:xfrm>
+          <a:off x="0" y="0"/>
+          <a:ext cx="0" cy="0"/>
+          <a:chOff x="0" y="0"/>
+          <a:chExt cx="0" cy="0"/>
+        </a:xfrm>
+      </p:grpSpPr>
+      <p:sp>
+        <p:nvSpPr>
+          <p:cNvPr id="2" name="Title 1"/>
+          <p:cNvSpPr>
+            <a:spLocks noGrp="1"/>
+          </p:cNvSpPr>
+          <p:nvPr>
+            <p:ph type="title"/>
+          </p:nvPr>
+        </p:nvSpPr>
+        <p:spPr/>
+        <p:txBody>
+          <a:bodyPr/>
+          <a:lstStyle/>
+          <a:p>
+            <a:endParaRPr lang="en-US"/>
+          </a:p>
+        </p:txBody>
+      </p:sp>
+      <p:sp>
+        <p:nvSpPr>
+          <p:cNvPr id="3" name="Content Placeholder 2"/>
+          <p:cNvSpPr>
+            <a:spLocks noGrp="1"/>
+          </p:cNvSpPr>
+          <p:nvPr>
+            <p:ph idx="1"/>
+          </p:nvPr>
+        </p:nvSpPr>
+        <p:spPr/>
+        <p:txBody>
+          <a:bodyPr/>
+          <a:lstStyle/>
+          <a:p>
+            <a:r>
+              <a:rPr lang="en-US" dirty="0"/>
+              <a:t>- only 12% of sexual information is provided by family and 29% by friends;</a:t>
+            </a:r>
+          </a:p>
+          <a:p>
+            <a:r>
+              <a:rPr lang="en-US" dirty="0"/>
+              <a:t>- only 16% of the progenitors are adolescents and 47% are over 28 years of age;</a:t>
+            </a:r>
+          </a:p>
+          <a:p>
+            <a:r>
+              <a:rPr lang="en-US" dirty="0"/>
+              <a:t>- 93% of adolescent girls do not use condoms or use them only sometimes;</a:t>
+            </a:r>
+          </a:p>
+          <a:p>
+            <a:r>
+              <a:rPr lang="en-US" dirty="0"/>
+              <a:t>- 90% do not know about family planning methods and how they work;</a:t>
+            </a:r>
+          </a:p>
+          <a:p>
+            <a:r>
+              <a:rPr lang="en-US" dirty="0"/>
+              <a:t>- 92% do not know their menstrual cycle and 88% do not know their fertile period"</a:t>
+            </a:r>
+          </a:p>
+        </p:txBody>
+      </p:sp>
+    </p:spTree>
+    <p:extLst>
+      <p:ext uri="{BB962C8B-B14F-4D97-AF65-F5344CB8AC3E}">
+        <p14:creationId xmlns:p14="http://schemas.microsoft.com/office/powerpoint/2010/main" xmlns="" val="3329652236"/>
+      </p:ext>
+    </p:extLst>
+  </p:cSld>
+  <p:clrMapOvr>
+    <a:masterClrMapping/>
+  </p:clrMapOvr>
+  <p:timing>
+    <p:tnLst>
+      <p:par>
+        <p:cTn id="1" dur="indefinite" restart="never" nodeType="tmRoot"/>
+      </p:par>
+    </p:tnLst>
+  </p:timing>
 </p:sld>
 </file>
 
@@ -4497,6 +5441,9 @@
           <a:p>
             <a:r>
               <a:rPr lang="en-US" dirty="0" smtClean="0">
+                <a:solidFill>
+                  <a:srgbClr val="00B050"/>
+                </a:solidFill>
                 <a:effectLst>
                   <a:outerShdw blurRad="38100" dist="38100" dir="2700000" algn="tl">
                     <a:srgbClr val="000000">
@@ -4509,6 +5456,9 @@
               <a:t>Introduction</a:t>
             </a:r>
             <a:endParaRPr lang="en-US" dirty="0">
+              <a:solidFill>
+                <a:srgbClr val="00B050"/>
+              </a:solidFill>
               <a:effectLst>
                 <a:outerShdw blurRad="38100" dist="38100" dir="2700000" algn="tl">
                   <a:srgbClr val="000000">
@@ -4521,75 +5471,240 @@
           </a:p>
         </p:txBody>
       </p:sp>
-      <p:pic>
-        <p:nvPicPr>
-          <p:cNvPr id="6" name="Content Placeholder 5"/>
-          <p:cNvPicPr>
-            <a:picLocks noGrp="1" noChangeAspect="1"/>
-          </p:cNvPicPr>
-          <p:nvPr>
-            <p:ph idx="1"/>
-          </p:nvPr>
-        </p:nvPicPr>
-        <p:blipFill>
-          <a:blip r:embed="rId2">
-            <a:extLst>
-              <a:ext uri="{28A0092B-C50C-407E-A947-70E740481C1C}">
-                <a14:useLocalDpi xmlns:a14="http://schemas.microsoft.com/office/drawing/2010/main" val="0"/>
-              </a:ext>
-            </a:extLst>
-          </a:blip>
-          <a:stretch>
-            <a:fillRect/>
-          </a:stretch>
-        </p:blipFill>
+      <p:sp>
+        <p:nvSpPr>
+          <p:cNvPr id="5" name="Content Placeholder 2"/>
+          <p:cNvSpPr txBox="1">
+            <a:spLocks/>
+          </p:cNvSpPr>
+          <p:nvPr/>
+        </p:nvSpPr>
         <p:spPr>
           <a:xfrm>
-            <a:off x="6761019" y="2783664"/>
-            <a:ext cx="2273246" cy="2273246"/>
-          </a:xfrm>
-        </p:spPr>
-      </p:pic>
-      <p:pic>
-        <p:nvPicPr>
-          <p:cNvPr id="7" name="Picture 6"/>
-          <p:cNvPicPr>
-            <a:picLocks noChangeAspect="1"/>
-          </p:cNvPicPr>
-          <p:nvPr/>
-        </p:nvPicPr>
-        <p:blipFill>
-          <a:blip r:embed="rId3">
-            <a:extLst>
-              <a:ext uri="{28A0092B-C50C-407E-A947-70E740481C1C}">
-                <a14:useLocalDpi xmlns:a14="http://schemas.microsoft.com/office/drawing/2010/main" val="0"/>
-              </a:ext>
-            </a:extLst>
-          </a:blip>
-          <a:stretch>
-            <a:fillRect/>
-          </a:stretch>
-        </p:blipFill>
-        <p:spPr>
-          <a:xfrm>
-            <a:off x="898146" y="2527500"/>
-            <a:ext cx="3147382" cy="2403567"/>
+            <a:off x="1097280" y="1845734"/>
+            <a:ext cx="10485120" cy="4023360"/>
           </a:xfrm>
           <a:prstGeom prst="rect">
             <a:avLst/>
           </a:prstGeom>
         </p:spPr>
-      </p:pic>
+        <p:txBody>
+          <a:bodyPr vert="horz" lIns="0" tIns="45720" rIns="0" bIns="45720" rtlCol="0">
+            <a:normAutofit/>
+          </a:bodyPr>
+          <a:lstStyle/>
+          <a:p>
+            <a:pPr marL="544068" marR="0" lvl="1" indent="-342900" algn="l" defTabSz="914400" rtl="0" eaLnBrk="1" fontAlgn="base" latinLnBrk="0" hangingPunct="1">
+              <a:lnSpc>
+                <a:spcPct val="90000"/>
+              </a:lnSpc>
+              <a:spcBef>
+                <a:spcPts val="200"/>
+              </a:spcBef>
+              <a:spcAft>
+                <a:spcPts val="400"/>
+              </a:spcAft>
+              <a:buClr>
+                <a:schemeClr val="accent3"/>
+              </a:buClr>
+              <a:buSzTx/>
+              <a:buFont typeface="+mj-lt"/>
+              <a:buAutoNum type="alphaUcPeriod"/>
+              <a:tabLst/>
+              <a:defRPr/>
+            </a:pPr>
+            <a:r>
+              <a:rPr kumimoji="0" lang="en-US" sz="2400" b="1" i="0" u="none" strike="noStrike" kern="1200" cap="none" spc="0" normalizeH="0" baseline="0" noProof="0" dirty="0" smtClean="0">
+                <a:ln>
+                  <a:noFill/>
+                </a:ln>
+                <a:solidFill>
+                  <a:schemeClr val="tx1">
+                    <a:lumMod val="75000"/>
+                    <a:lumOff val="25000"/>
+                  </a:schemeClr>
+                </a:solidFill>
+                <a:effectLst/>
+                <a:uLnTx/>
+                <a:uFillTx/>
+                <a:latin typeface="Bell MT" pitchFamily="18" charset="0"/>
+              </a:rPr>
+              <a:t>Background</a:t>
+            </a:r>
+          </a:p>
+          <a:p>
+            <a:pPr marL="544068" lvl="1" indent="-342900" algn="just" fontAlgn="base">
+              <a:lnSpc>
+                <a:spcPct val="90000"/>
+              </a:lnSpc>
+              <a:spcBef>
+                <a:spcPts val="200"/>
+              </a:spcBef>
+              <a:spcAft>
+                <a:spcPts val="400"/>
+              </a:spcAft>
+              <a:buClr>
+                <a:schemeClr val="accent3"/>
+              </a:buClr>
+            </a:pPr>
+            <a:r>
+              <a:rPr lang="en-US" sz="2200" dirty="0" smtClean="0">
+                <a:solidFill>
+                  <a:schemeClr val="tx1">
+                    <a:lumMod val="75000"/>
+                    <a:lumOff val="25000"/>
+                  </a:schemeClr>
+                </a:solidFill>
+                <a:latin typeface="Bell MT" pitchFamily="18" charset="0"/>
+              </a:rPr>
+              <a:t>In Haiti's poor </a:t>
+            </a:r>
+            <a:r>
+              <a:rPr lang="en-US" sz="2200" dirty="0" err="1" smtClean="0">
+                <a:solidFill>
+                  <a:schemeClr val="tx1">
+                    <a:lumMod val="75000"/>
+                    <a:lumOff val="25000"/>
+                  </a:schemeClr>
+                </a:solidFill>
+                <a:latin typeface="Bell MT" pitchFamily="18" charset="0"/>
+              </a:rPr>
+              <a:t>neighbourhoods</a:t>
+            </a:r>
+            <a:r>
+              <a:rPr lang="en-US" sz="2200" dirty="0" smtClean="0">
+                <a:solidFill>
+                  <a:schemeClr val="tx1">
+                    <a:lumMod val="75000"/>
+                    <a:lumOff val="25000"/>
+                  </a:schemeClr>
+                </a:solidFill>
+                <a:latin typeface="Bell MT" pitchFamily="18" charset="0"/>
+              </a:rPr>
+              <a:t>, many girls drop out of school because of premature or unwanted pregnancies. Some have had the support of the father of their children to raise them or of their parents</a:t>
+            </a:r>
+            <a:r>
+              <a:rPr lang="en-US" sz="2200" dirty="0" smtClean="0">
+                <a:solidFill>
+                  <a:schemeClr val="tx1">
+                    <a:lumMod val="75000"/>
+                    <a:lumOff val="25000"/>
+                  </a:schemeClr>
+                </a:solidFill>
+                <a:latin typeface="Bell MT" pitchFamily="18" charset="0"/>
+              </a:rPr>
+              <a:t>, Others </a:t>
+            </a:r>
+            <a:r>
+              <a:rPr lang="en-US" sz="2200" dirty="0" smtClean="0">
+                <a:solidFill>
+                  <a:schemeClr val="tx1">
+                    <a:lumMod val="75000"/>
+                    <a:lumOff val="25000"/>
+                  </a:schemeClr>
+                </a:solidFill>
+                <a:latin typeface="Bell MT" pitchFamily="18" charset="0"/>
+              </a:rPr>
+              <a:t>do not, some do not know the identity of the father because 40% of these pregnancies are due to rape and sexual abuse, so they have to raise their children alone. These young teenage girls between the ages of 12 and 19 years old make all kinds of activities and sacrifices to provide for their children, many go into the informal sector trade, some go into domestic work as housekeepers, and some go into prostitution in the hope of having enough to feed themselves and their children. </a:t>
+            </a:r>
+            <a:endParaRPr lang="en-US" sz="2200" dirty="0" smtClean="0">
+              <a:solidFill>
+                <a:schemeClr val="tx1">
+                  <a:lumMod val="75000"/>
+                  <a:lumOff val="25000"/>
+                </a:schemeClr>
+              </a:solidFill>
+              <a:latin typeface="Bell MT" pitchFamily="18" charset="0"/>
+            </a:endParaRPr>
+          </a:p>
+          <a:p>
+            <a:pPr marL="544068" lvl="1" indent="-342900" algn="just" fontAlgn="base">
+              <a:lnSpc>
+                <a:spcPct val="90000"/>
+              </a:lnSpc>
+              <a:spcBef>
+                <a:spcPts val="200"/>
+              </a:spcBef>
+              <a:spcAft>
+                <a:spcPts val="400"/>
+              </a:spcAft>
+              <a:buClr>
+                <a:schemeClr val="accent3"/>
+              </a:buClr>
+            </a:pPr>
+            <a:endParaRPr kumimoji="0" lang="en-US" sz="2200" i="0" u="none" strike="noStrike" kern="1200" cap="none" spc="0" normalizeH="0" baseline="0" noProof="0" dirty="0" smtClean="0">
+              <a:ln>
+                <a:noFill/>
+              </a:ln>
+              <a:solidFill>
+                <a:schemeClr val="tx1">
+                  <a:lumMod val="75000"/>
+                  <a:lumOff val="25000"/>
+                </a:schemeClr>
+              </a:solidFill>
+              <a:effectLst/>
+              <a:uLnTx/>
+              <a:uFillTx/>
+              <a:latin typeface="Bell MT" pitchFamily="18" charset="0"/>
+            </a:endParaRPr>
+          </a:p>
+          <a:p>
+            <a:pPr marL="91440" marR="0" lvl="0" indent="-91440" algn="l" defTabSz="914400" rtl="0" eaLnBrk="1" fontAlgn="auto" latinLnBrk="0" hangingPunct="1">
+              <a:lnSpc>
+                <a:spcPct val="90000"/>
+              </a:lnSpc>
+              <a:spcBef>
+                <a:spcPts val="1200"/>
+              </a:spcBef>
+              <a:spcAft>
+                <a:spcPts val="200"/>
+              </a:spcAft>
+              <a:buClr>
+                <a:schemeClr val="accent3"/>
+              </a:buClr>
+              <a:buSzPct val="100000"/>
+              <a:buFont typeface="Calibri" panose="020F0502020204030204" pitchFamily="34" charset="0"/>
+              <a:buChar char=" "/>
+              <a:tabLst/>
+              <a:defRPr/>
+            </a:pPr>
+            <a:endParaRPr kumimoji="0" lang="en-US" sz="2000" b="0" i="0" u="none" strike="noStrike" kern="1200" cap="none" spc="0" normalizeH="0" baseline="0" noProof="0" dirty="0">
+              <a:ln>
+                <a:noFill/>
+              </a:ln>
+              <a:solidFill>
+                <a:schemeClr val="tx1">
+                  <a:lumMod val="75000"/>
+                  <a:lumOff val="25000"/>
+                </a:schemeClr>
+              </a:solidFill>
+              <a:effectLst/>
+              <a:uLnTx/>
+              <a:uFillTx/>
+              <a:latin typeface="+mn-lt"/>
+              <a:ea typeface="+mn-ea"/>
+              <a:cs typeface="+mn-cs"/>
+            </a:endParaRPr>
+          </a:p>
+        </p:txBody>
+      </p:sp>
     </p:spTree>
     <p:extLst>
       <p:ext uri="{BB962C8B-B14F-4D97-AF65-F5344CB8AC3E}">
-        <p14:creationId xmlns:p14="http://schemas.microsoft.com/office/powerpoint/2010/main" val="342560058"/>
+        <p14:creationId xmlns:p14="http://schemas.microsoft.com/office/powerpoint/2010/main" xmlns="" val="342560058"/>
       </p:ext>
     </p:extLst>
   </p:cSld>
   <p:clrMapOvr>
     <a:masterClrMapping/>
   </p:clrMapOvr>
+  <p:timing>
+    <p:tnLst>
+      <p:par>
+        <p:cTn id="1" dur="indefinite" restart="never" nodeType="tmRoot"/>
+      </p:par>
+    </p:tnLst>
+  </p:timing>
 </p:sld>
 </file>
 
@@ -4612,56 +5727,86 @@
       </p:grpSpPr>
       <p:sp>
         <p:nvSpPr>
-          <p:cNvPr id="2" name="Title 1"/>
-          <p:cNvSpPr>
-            <a:spLocks noGrp="1"/>
-          </p:cNvSpPr>
-          <p:nvPr>
-            <p:ph type="title"/>
-          </p:nvPr>
-        </p:nvSpPr>
-        <p:spPr/>
-        <p:txBody>
-          <a:bodyPr/>
+          <p:cNvPr id="3" name="Espace réservé du contenu 2"/>
+          <p:cNvSpPr>
+            <a:spLocks noGrp="1"/>
+          </p:cNvSpPr>
+          <p:nvPr>
+            <p:ph idx="1"/>
+          </p:nvPr>
+        </p:nvSpPr>
+        <p:spPr>
+          <a:xfrm>
+            <a:off x="3851566" y="2313725"/>
+            <a:ext cx="7401097" cy="3560613"/>
+          </a:xfrm>
+        </p:spPr>
+        <p:txBody>
+          <a:bodyPr>
+            <a:normAutofit/>
+          </a:bodyPr>
           <a:lstStyle/>
           <a:p>
             <a:r>
-              <a:rPr lang="en-US" dirty="0" smtClean="0"/>
-              <a:t>Causes</a:t>
-            </a:r>
-            <a:endParaRPr lang="en-US" dirty="0"/>
-          </a:p>
-        </p:txBody>
-      </p:sp>
-      <p:sp>
-        <p:nvSpPr>
-          <p:cNvPr id="3" name="Content Placeholder 2"/>
-          <p:cNvSpPr>
-            <a:spLocks noGrp="1"/>
-          </p:cNvSpPr>
-          <p:nvPr>
-            <p:ph idx="1"/>
-          </p:nvPr>
-        </p:nvSpPr>
-        <p:spPr/>
-        <p:txBody>
-          <a:bodyPr/>
-          <a:lstStyle/>
-          <a:p>
-            <a:endParaRPr lang="en-US" dirty="0"/>
-          </a:p>
-        </p:txBody>
-      </p:sp>
+              <a:rPr lang="en-US" sz="2200" dirty="0" smtClean="0">
+                <a:latin typeface="Bell MT" pitchFamily="18" charset="0"/>
+              </a:rPr>
+              <a:t>For every one thousand (1000) girls between the ages of fifteen (15) and nineteen (19), sixty-six (66) have at least one early pregnancy in Haiti according to the MSSP. 11% of adolescents are already mothers, the general hypothesis is that socio-cultural, socio-economic and family factors influence the second birth of adolescents under the effect of certain variables such as early union, early sexuality, and under-use of contraception</a:t>
+            </a:r>
+            <a:r>
+              <a:rPr lang="en-US" sz="2200" dirty="0" smtClean="0">
+                <a:latin typeface="Bell MT" pitchFamily="18" charset="0"/>
+              </a:rPr>
+              <a:t>. </a:t>
+            </a:r>
+            <a:endParaRPr lang="en-US" sz="2200" dirty="0">
+              <a:latin typeface="Bell MT" pitchFamily="18" charset="0"/>
+            </a:endParaRPr>
+          </a:p>
+        </p:txBody>
+      </p:sp>
+      <p:pic>
+        <p:nvPicPr>
+          <p:cNvPr id="4" name="Content Placeholder 3"/>
+          <p:cNvPicPr>
+            <a:picLocks noChangeAspect="1"/>
+          </p:cNvPicPr>
+          <p:nvPr/>
+        </p:nvPicPr>
+        <p:blipFill>
+          <a:blip r:embed="rId2">
+            <a:extLst>
+              <a:ext uri="{28A0092B-C50C-407E-A947-70E740481C1C}">
+                <a14:useLocalDpi xmlns:a14="http://schemas.microsoft.com/office/drawing/2010/main" xmlns="" val="0"/>
+              </a:ext>
+            </a:extLst>
+          </a:blip>
+          <a:stretch>
+            <a:fillRect/>
+          </a:stretch>
+        </p:blipFill>
+        <p:spPr>
+          <a:xfrm>
+            <a:off x="1152703" y="2022770"/>
+            <a:ext cx="2556393" cy="2563089"/>
+          </a:xfrm>
+          <a:prstGeom prst="rect">
+            <a:avLst/>
+          </a:prstGeom>
+        </p:spPr>
+      </p:pic>
     </p:spTree>
-    <p:extLst>
-      <p:ext uri="{BB962C8B-B14F-4D97-AF65-F5344CB8AC3E}">
-        <p14:creationId xmlns:p14="http://schemas.microsoft.com/office/powerpoint/2010/main" val="3715207080"/>
-      </p:ext>
-    </p:extLst>
   </p:cSld>
   <p:clrMapOvr>
     <a:masterClrMapping/>
   </p:clrMapOvr>
+  <p:timing>
+    <p:tnLst>
+      <p:par>
+        <p:cTn id="1" dur="indefinite" restart="never" nodeType="tmRoot"/>
+      </p:par>
+    </p:tnLst>
+  </p:timing>
 </p:sld>
 </file>
 
@@ -4697,7 +5842,44 @@
           <a:bodyPr/>
           <a:lstStyle/>
           <a:p>
-            <a:endParaRPr lang="en-US"/>
+            <a:pPr marL="658368" marR="0" lvl="1" indent="-457200" defTabSz="914400" rtl="0" eaLnBrk="1" fontAlgn="base" latinLnBrk="0" hangingPunct="1">
+              <a:lnSpc>
+                <a:spcPct val="90000"/>
+              </a:lnSpc>
+              <a:spcBef>
+                <a:spcPts val="200"/>
+              </a:spcBef>
+              <a:spcAft>
+                <a:spcPts val="400"/>
+              </a:spcAft>
+              <a:buClr>
+                <a:schemeClr val="accent3"/>
+              </a:buClr>
+              <a:buFont typeface="+mj-lt"/>
+              <a:buAutoNum type="alphaUcPeriod" startAt="2"/>
+              <a:tabLst/>
+              <a:defRPr/>
+            </a:pPr>
+            <a:r>
+              <a:rPr kumimoji="0" lang="en-US" sz="2400" b="1" i="0" u="none" strike="noStrike" kern="1200" cap="none" spc="0" normalizeH="0" baseline="0" noProof="0" dirty="0" smtClean="0">
+                <a:ln>
+                  <a:noFill/>
+                </a:ln>
+                <a:solidFill>
+                  <a:prstClr val="white">
+                    <a:lumMod val="75000"/>
+                    <a:lumOff val="25000"/>
+                  </a:prstClr>
+                </a:solidFill>
+                <a:effectLst/>
+                <a:uLnTx/>
+                <a:uFillTx/>
+                <a:latin typeface="Bell MT" pitchFamily="18" charset="0"/>
+                <a:ea typeface="+mn-ea"/>
+                <a:cs typeface="+mn-cs"/>
+              </a:rPr>
+              <a:t>Problem </a:t>
+            </a:r>
           </a:p>
         </p:txBody>
       </p:sp>
@@ -4711,52 +5893,160 @@
             <p:ph idx="1"/>
           </p:nvPr>
         </p:nvSpPr>
-        <p:spPr/>
-        <p:txBody>
-          <a:bodyPr/>
+        <p:spPr>
+          <a:xfrm>
+            <a:off x="512618" y="1845734"/>
+            <a:ext cx="8880765" cy="4347248"/>
+          </a:xfrm>
+        </p:spPr>
+        <p:txBody>
+          <a:bodyPr>
+            <a:normAutofit fontScale="92500" lnSpcReduction="10000"/>
+          </a:bodyPr>
           <a:lstStyle/>
           <a:p>
-            <a:r>
-              <a:rPr lang="en-US" dirty="0"/>
-              <a:t>- only 12% of sexual information is provided by family and 29% by friends;</a:t>
-            </a:r>
-          </a:p>
-          <a:p>
-            <a:r>
-              <a:rPr lang="en-US" dirty="0"/>
-              <a:t>- only 16% of the progenitors are adolescents and 47% are over 28 years of age;</a:t>
-            </a:r>
-          </a:p>
-          <a:p>
-            <a:r>
-              <a:rPr lang="en-US" dirty="0"/>
-              <a:t>- 93% of adolescent girls do not use condoms or use them only sometimes;</a:t>
-            </a:r>
-          </a:p>
-          <a:p>
-            <a:r>
-              <a:rPr lang="en-US" dirty="0"/>
-              <a:t>- 90% do not know about family planning methods and how they work;</a:t>
-            </a:r>
-          </a:p>
-          <a:p>
-            <a:r>
-              <a:rPr lang="en-US" dirty="0"/>
-              <a:t>- 92% do not know their menstrual cycle and 88% do not know their fertile period"</a:t>
-            </a:r>
-          </a:p>
-        </p:txBody>
-      </p:sp>
+            <a:pPr algn="just"/>
+            <a:r>
+              <a:rPr lang="en-US" sz="2400" dirty="0" smtClean="0">
+                <a:latin typeface="Bell MT" pitchFamily="18" charset="0"/>
+              </a:rPr>
+              <a:t>- Dropping out of school - According to a study we conducted, 58 per cent of girls never or rarely return to school after having a child. This figure increases when girls are also married.</a:t>
+            </a:r>
+          </a:p>
+          <a:p>
+            <a:pPr algn="just"/>
+            <a:r>
+              <a:rPr lang="en-US" sz="2400" dirty="0" smtClean="0">
+                <a:latin typeface="Bell MT" pitchFamily="18" charset="0"/>
+              </a:rPr>
+              <a:t>- Marginalization - In many societies, family </a:t>
+            </a:r>
+            <a:r>
+              <a:rPr lang="en-US" sz="2400" dirty="0" err="1" smtClean="0">
+                <a:latin typeface="Bell MT" pitchFamily="18" charset="0"/>
+              </a:rPr>
+              <a:t>honour</a:t>
+            </a:r>
+            <a:r>
+              <a:rPr lang="en-US" sz="2400" dirty="0" smtClean="0">
+                <a:latin typeface="Bell MT" pitchFamily="18" charset="0"/>
+              </a:rPr>
+              <a:t> is based on girls' virginity. Girls who are pregnant out of wedlock are therefore discriminated against and marginalized. They may be rejected by their families and thus become vulnerable to violence and abuse, domestic slavery and sexual exploitation.</a:t>
+            </a:r>
+          </a:p>
+          <a:p>
+            <a:pPr algn="just"/>
+            <a:r>
+              <a:rPr lang="en-US" sz="2400" dirty="0" smtClean="0">
+                <a:latin typeface="Bell MT" pitchFamily="18" charset="0"/>
+              </a:rPr>
+              <a:t>- Perpetuation of women's low status and poverty - Early marriages and pregnancies keep girls in their inferior status to men and do not enable them to escape poverty. This is an unjust situation and a huge lost potential for the development of communities and countries.</a:t>
+            </a:r>
+          </a:p>
+          <a:p>
+            <a:pPr marL="544068" lvl="1" indent="-342900" algn="ctr" fontAlgn="base">
+              <a:buNone/>
+            </a:pPr>
+            <a:r>
+              <a:rPr lang="en-US" sz="2400" b="1" dirty="0" smtClean="0">
+                <a:latin typeface="Bell MT" pitchFamily="18" charset="0"/>
+              </a:rPr>
+              <a:t>This consequences of early pregnancy, is the problem that our project want to try to find a solution for</a:t>
+            </a:r>
+            <a:endParaRPr lang="en-US" sz="2400" b="1" dirty="0" smtClean="0">
+              <a:latin typeface="Bell MT" pitchFamily="18" charset="0"/>
+            </a:endParaRPr>
+          </a:p>
+          <a:p>
+            <a:pPr marL="544068" lvl="1" indent="-342900" fontAlgn="base">
+              <a:buNone/>
+            </a:pPr>
+            <a:endParaRPr lang="en-US" sz="2800" b="1" dirty="0" smtClean="0">
+              <a:latin typeface="Bell MT" pitchFamily="18" charset="0"/>
+            </a:endParaRPr>
+          </a:p>
+          <a:p>
+            <a:endParaRPr lang="en-US" dirty="0"/>
+          </a:p>
+        </p:txBody>
+      </p:sp>
+      <p:pic>
+        <p:nvPicPr>
+          <p:cNvPr id="4" name="Picture 6"/>
+          <p:cNvPicPr>
+            <a:picLocks noChangeAspect="1"/>
+          </p:cNvPicPr>
+          <p:nvPr/>
+        </p:nvPicPr>
+        <p:blipFill>
+          <a:blip r:embed="rId2">
+            <a:extLst>
+              <a:ext uri="{28A0092B-C50C-407E-A947-70E740481C1C}">
+                <a14:useLocalDpi xmlns:a14="http://schemas.microsoft.com/office/drawing/2010/main" xmlns="" val="0"/>
+              </a:ext>
+            </a:extLst>
+          </a:blip>
+          <a:stretch>
+            <a:fillRect/>
+          </a:stretch>
+        </p:blipFill>
+        <p:spPr>
+          <a:xfrm>
+            <a:off x="9557239" y="1973320"/>
+            <a:ext cx="2259930" cy="1725845"/>
+          </a:xfrm>
+          <a:prstGeom prst="rect">
+            <a:avLst/>
+          </a:prstGeom>
+        </p:spPr>
+      </p:pic>
+      <p:pic>
+        <p:nvPicPr>
+          <p:cNvPr id="5" name="Content Placeholder 5"/>
+          <p:cNvPicPr>
+            <a:picLocks noChangeAspect="1"/>
+          </p:cNvPicPr>
+          <p:nvPr/>
+        </p:nvPicPr>
+        <p:blipFill>
+          <a:blip r:embed="rId3">
+            <a:extLst>
+              <a:ext uri="{28A0092B-C50C-407E-A947-70E740481C1C}">
+                <a14:useLocalDpi xmlns:a14="http://schemas.microsoft.com/office/drawing/2010/main" xmlns="" val="0"/>
+              </a:ext>
+            </a:extLst>
+          </a:blip>
+          <a:stretch>
+            <a:fillRect/>
+          </a:stretch>
+        </p:blipFill>
+        <p:spPr>
+          <a:xfrm>
+            <a:off x="9628912" y="3975152"/>
+            <a:ext cx="2008908" cy="2008908"/>
+          </a:xfrm>
+          <a:prstGeom prst="rect">
+            <a:avLst/>
+          </a:prstGeom>
+        </p:spPr>
+      </p:pic>
     </p:spTree>
     <p:extLst>
       <p:ext uri="{BB962C8B-B14F-4D97-AF65-F5344CB8AC3E}">
-        <p14:creationId xmlns:p14="http://schemas.microsoft.com/office/powerpoint/2010/main" val="3329652236"/>
+        <p14:creationId xmlns:p14="http://schemas.microsoft.com/office/powerpoint/2010/main" xmlns="" val="3715207080"/>
       </p:ext>
     </p:extLst>
   </p:cSld>
   <p:clrMapOvr>
     <a:masterClrMapping/>
   </p:clrMapOvr>
+  <p:timing>
+    <p:tnLst>
+      <p:par>
+        <p:cTn id="1" dur="indefinite" restart="never" nodeType="tmRoot"/>
+      </p:par>
+    </p:tnLst>
+  </p:timing>
 </p:sld>
 </file>
 
@@ -4779,7 +6069,7 @@
       </p:grpSpPr>
       <p:sp>
         <p:nvSpPr>
-          <p:cNvPr id="2" name="Title 1"/>
+          <p:cNvPr id="2" name="Titre 1"/>
           <p:cNvSpPr>
             <a:spLocks noGrp="1"/>
           </p:cNvSpPr>
@@ -4792,105 +6082,111 @@
           <a:bodyPr/>
           <a:lstStyle/>
           <a:p>
-            <a:r>
-              <a:rPr lang="en-US" dirty="0" smtClean="0"/>
-              <a:t>Consequences</a:t>
+            <a:pPr marL="658368" marR="0" lvl="1" indent="-457200" defTabSz="914400" rtl="0" eaLnBrk="1" fontAlgn="base" latinLnBrk="0" hangingPunct="1">
+              <a:lnSpc>
+                <a:spcPct val="90000"/>
+              </a:lnSpc>
+              <a:spcBef>
+                <a:spcPts val="200"/>
+              </a:spcBef>
+              <a:spcAft>
+                <a:spcPts val="400"/>
+              </a:spcAft>
+              <a:buClr>
+                <a:schemeClr val="accent3"/>
+              </a:buClr>
+              <a:buFont typeface="+mj-lt"/>
+              <a:buAutoNum type="alphaUcPeriod" startAt="3"/>
+              <a:tabLst/>
+              <a:defRPr/>
+            </a:pPr>
+            <a:r>
+              <a:rPr kumimoji="0" lang="en-US" sz="2400" b="1" i="0" u="none" strike="noStrike" kern="1200" cap="none" spc="0" normalizeH="0" baseline="0" noProof="0" dirty="0" smtClean="0">
+                <a:ln>
+                  <a:noFill/>
+                </a:ln>
+                <a:solidFill>
+                  <a:prstClr val="white">
+                    <a:lumMod val="75000"/>
+                    <a:lumOff val="25000"/>
+                  </a:prstClr>
+                </a:solidFill>
+                <a:effectLst/>
+                <a:uLnTx/>
+                <a:uFillTx/>
+                <a:latin typeface="Bell MT" pitchFamily="18" charset="0"/>
+                <a:ea typeface="+mn-ea"/>
+                <a:cs typeface="+mn-cs"/>
+              </a:rPr>
+              <a:t>Audience</a:t>
             </a:r>
             <a:endParaRPr lang="en-US" dirty="0"/>
           </a:p>
         </p:txBody>
       </p:sp>
-      <p:pic>
-        <p:nvPicPr>
-          <p:cNvPr id="4" name="Content Placeholder 3"/>
-          <p:cNvPicPr>
-            <a:picLocks noGrp="1" noChangeAspect="1"/>
-          </p:cNvPicPr>
+      <p:sp>
+        <p:nvSpPr>
+          <p:cNvPr id="3" name="Espace réservé du contenu 2"/>
+          <p:cNvSpPr>
+            <a:spLocks noGrp="1"/>
+          </p:cNvSpPr>
           <p:nvPr>
             <p:ph idx="1"/>
           </p:nvPr>
-        </p:nvPicPr>
-        <p:blipFill>
-          <a:blip r:embed="rId2">
-            <a:extLst>
-              <a:ext uri="{28A0092B-C50C-407E-A947-70E740481C1C}">
-                <a14:useLocalDpi xmlns:a14="http://schemas.microsoft.com/office/drawing/2010/main" val="0"/>
-              </a:ext>
-            </a:extLst>
-          </a:blip>
-          <a:stretch>
-            <a:fillRect/>
-          </a:stretch>
-        </p:blipFill>
-        <p:spPr>
-          <a:xfrm>
-            <a:off x="266012" y="1925784"/>
-            <a:ext cx="4209008" cy="4220033"/>
-          </a:xfrm>
-        </p:spPr>
-      </p:pic>
-      <p:sp>
-        <p:nvSpPr>
-          <p:cNvPr id="5" name="Title 1"/>
-          <p:cNvSpPr txBox="1">
-            <a:spLocks/>
-          </p:cNvSpPr>
-          <p:nvPr/>
-        </p:nvSpPr>
-        <p:spPr>
-          <a:xfrm>
-            <a:off x="4793674" y="1856509"/>
-            <a:ext cx="7051965" cy="4364181"/>
-          </a:xfrm>
-          <a:prstGeom prst="rect">
-            <a:avLst/>
-          </a:prstGeom>
-        </p:spPr>
-        <p:txBody>
-          <a:bodyPr vert="horz" lIns="91440" tIns="45720" rIns="91440" bIns="45720" rtlCol="0" anchor="b">
+        </p:nvSpPr>
+        <p:spPr/>
+        <p:txBody>
+          <a:bodyPr>
             <a:normAutofit/>
           </a:bodyPr>
-          <a:lstStyle>
-            <a:lvl1pPr algn="l" defTabSz="914400" rtl="0" eaLnBrk="1" latinLnBrk="0" hangingPunct="1">
-              <a:lnSpc>
-                <a:spcPct val="85000"/>
-              </a:lnSpc>
-              <a:spcBef>
-                <a:spcPct val="0"/>
-              </a:spcBef>
-              <a:buNone/>
-              <a:defRPr sz="4800" kern="1200" spc="-50" baseline="0">
-                <a:solidFill>
-                  <a:schemeClr val="tx1">
-                    <a:lumMod val="75000"/>
-                    <a:lumOff val="25000"/>
-                  </a:schemeClr>
-                </a:solidFill>
-                <a:latin typeface="+mj-lt"/>
-                <a:ea typeface="+mj-ea"/>
-                <a:cs typeface="+mj-cs"/>
-              </a:defRPr>
-            </a:lvl1pPr>
-          </a:lstStyle>
-          <a:p>
-            <a:r>
-              <a:rPr lang="en-US" dirty="0" smtClean="0"/>
-              <a:t>Consequences</a:t>
-            </a:r>
-            <a:endParaRPr lang="en-US" dirty="0"/>
+          <a:lstStyle/>
+          <a:p>
+            <a:r>
+              <a:rPr lang="en-US" sz="2400" dirty="0" smtClean="0">
+                <a:latin typeface="Bell MT" pitchFamily="18" charset="0"/>
+              </a:rPr>
+              <a:t>All young mothers</a:t>
+            </a:r>
+          </a:p>
+          <a:p>
+            <a:r>
+              <a:rPr lang="en-US" sz="2400" dirty="0" smtClean="0">
+                <a:latin typeface="Bell MT" pitchFamily="18" charset="0"/>
+              </a:rPr>
+              <a:t>ONGs </a:t>
+            </a:r>
+            <a:r>
+              <a:rPr lang="en-US" sz="2400" dirty="0" smtClean="0">
+                <a:latin typeface="Bell MT" pitchFamily="18" charset="0"/>
+              </a:rPr>
+              <a:t>working with and for young people, women</a:t>
+            </a:r>
+          </a:p>
+          <a:p>
+            <a:r>
+              <a:rPr lang="en-US" sz="2400" dirty="0" smtClean="0">
+                <a:latin typeface="Bell MT" pitchFamily="18" charset="0"/>
+              </a:rPr>
+              <a:t>Corporate philanthropy</a:t>
+            </a:r>
+            <a:endParaRPr lang="en-US" sz="2400" dirty="0">
+              <a:latin typeface="Bell MT" pitchFamily="18" charset="0"/>
+            </a:endParaRPr>
           </a:p>
         </p:txBody>
       </p:sp>
     </p:spTree>
-    <p:extLst>
-      <p:ext uri="{BB962C8B-B14F-4D97-AF65-F5344CB8AC3E}">
-        <p14:creationId xmlns:p14="http://schemas.microsoft.com/office/powerpoint/2010/main" val="2880376025"/>
-      </p:ext>
-    </p:extLst>
   </p:cSld>
   <p:clrMapOvr>
     <a:masterClrMapping/>
   </p:clrMapOvr>
+  <p:timing>
+    <p:tnLst>
+      <p:par>
+        <p:cTn id="1" dur="indefinite" restart="never" nodeType="tmRoot"/>
+      </p:par>
+    </p:tnLst>
+  </p:timing>
 </p:sld>
 </file>
 
@@ -4913,6 +6209,46 @@
       </p:grpSpPr>
       <p:sp>
         <p:nvSpPr>
+          <p:cNvPr id="8" name="Rectangle 7"/>
+          <p:cNvSpPr/>
+          <p:nvPr/>
+        </p:nvSpPr>
+        <p:spPr>
+          <a:xfrm>
+            <a:off x="7135097" y="1925782"/>
+            <a:ext cx="4696691" cy="3283527"/>
+          </a:xfrm>
+          <a:prstGeom prst="rect">
+            <a:avLst/>
+          </a:prstGeom>
+        </p:spPr>
+        <p:style>
+          <a:lnRef idx="2">
+            <a:schemeClr val="accent1">
+              <a:shade val="50000"/>
+            </a:schemeClr>
+          </a:lnRef>
+          <a:fillRef idx="1">
+            <a:schemeClr val="accent1"/>
+          </a:fillRef>
+          <a:effectRef idx="0">
+            <a:schemeClr val="accent1"/>
+          </a:effectRef>
+          <a:fontRef idx="minor">
+            <a:schemeClr val="lt1"/>
+          </a:fontRef>
+        </p:style>
+        <p:txBody>
+          <a:bodyPr rtlCol="0" anchor="ctr"/>
+          <a:lstStyle/>
+          <a:p>
+            <a:pPr algn="ctr"/>
+            <a:endParaRPr lang="en-US"/>
+          </a:p>
+        </p:txBody>
+      </p:sp>
+      <p:sp>
+        <p:nvSpPr>
           <p:cNvPr id="2" name="Title 1"/>
           <p:cNvSpPr>
             <a:spLocks noGrp="1"/>
@@ -4926,13 +6262,27 @@
           <a:bodyPr/>
           <a:lstStyle/>
           <a:p>
-            <a:endParaRPr lang="en-US"/>
-          </a:p>
-        </p:txBody>
-      </p:sp>
-      <p:sp>
-        <p:nvSpPr>
-          <p:cNvPr id="3" name="Content Placeholder 2"/>
+            <a:r>
+              <a:rPr lang="en-US" dirty="0" smtClean="0">
+                <a:solidFill>
+                  <a:srgbClr val="00B050"/>
+                </a:solidFill>
+                <a:latin typeface="Agency FB" pitchFamily="34" charset="0"/>
+              </a:rPr>
+              <a:t>Haitian demographics</a:t>
+            </a:r>
+            <a:endParaRPr lang="en-US" dirty="0">
+              <a:solidFill>
+                <a:srgbClr val="00B050"/>
+              </a:solidFill>
+              <a:latin typeface="Agency FB" pitchFamily="34" charset="0"/>
+            </a:endParaRPr>
+          </a:p>
+        </p:txBody>
+      </p:sp>
+      <p:sp>
+        <p:nvSpPr>
+          <p:cNvPr id="6" name="Espace réservé du contenu 5"/>
           <p:cNvSpPr>
             <a:spLocks noGrp="1"/>
           </p:cNvSpPr>
@@ -4940,25 +6290,385 @@
             <p:ph idx="1"/>
           </p:nvPr>
         </p:nvSpPr>
-        <p:spPr/>
-        <p:txBody>
-          <a:bodyPr/>
+        <p:spPr>
+          <a:xfrm>
+            <a:off x="568045" y="1845734"/>
+            <a:ext cx="6276109" cy="2684701"/>
+          </a:xfrm>
+        </p:spPr>
+        <p:txBody>
+          <a:bodyPr numCol="2">
+            <a:normAutofit/>
+          </a:bodyPr>
           <a:lstStyle/>
           <a:p>
-            <a:endParaRPr lang="en-US"/>
+            <a:pPr algn="just"/>
+            <a:r>
+              <a:rPr lang="en-US" dirty="0" smtClean="0">
+                <a:latin typeface="Bell MT" pitchFamily="18" charset="0"/>
+              </a:rPr>
+              <a:t>Haiti </a:t>
+            </a:r>
+            <a:r>
+              <a:rPr lang="en-US" dirty="0" smtClean="0">
+                <a:latin typeface="Bell MT" pitchFamily="18" charset="0"/>
+              </a:rPr>
+              <a:t>have 10  departments: </a:t>
+            </a:r>
+          </a:p>
+          <a:p>
+            <a:pPr algn="just"/>
+            <a:r>
+              <a:rPr lang="en-US" dirty="0" smtClean="0">
+                <a:latin typeface="Bell MT" pitchFamily="18" charset="0"/>
+              </a:rPr>
+              <a:t>0 : </a:t>
+            </a:r>
+            <a:r>
+              <a:rPr lang="en-US" dirty="0" err="1" smtClean="0">
+                <a:latin typeface="Bell MT" pitchFamily="18" charset="0"/>
+              </a:rPr>
+              <a:t>Artibonite</a:t>
+            </a:r>
+            <a:r>
+              <a:rPr lang="en-US" dirty="0" smtClean="0">
+                <a:latin typeface="Bell MT" pitchFamily="18" charset="0"/>
+              </a:rPr>
+              <a:t>   </a:t>
+            </a:r>
+            <a:endParaRPr lang="en-US" dirty="0" smtClean="0">
+              <a:latin typeface="Bell MT" pitchFamily="18" charset="0"/>
+            </a:endParaRPr>
+          </a:p>
+          <a:p>
+            <a:pPr algn="just"/>
+            <a:r>
+              <a:rPr lang="en-US" dirty="0" smtClean="0">
+                <a:latin typeface="Bell MT" pitchFamily="18" charset="0"/>
+              </a:rPr>
+              <a:t>1 </a:t>
+            </a:r>
+            <a:r>
+              <a:rPr lang="en-US" dirty="0" smtClean="0">
+                <a:latin typeface="Bell MT" pitchFamily="18" charset="0"/>
+              </a:rPr>
+              <a:t>: Centre   </a:t>
+            </a:r>
+          </a:p>
+          <a:p>
+            <a:pPr algn="just">
+              <a:buNone/>
+            </a:pPr>
+            <a:r>
+              <a:rPr lang="en-US" dirty="0" smtClean="0">
+                <a:latin typeface="Bell MT" pitchFamily="18" charset="0"/>
+              </a:rPr>
+              <a:t> </a:t>
+            </a:r>
+            <a:r>
+              <a:rPr lang="en-US" dirty="0" smtClean="0">
+                <a:latin typeface="Bell MT" pitchFamily="18" charset="0"/>
+              </a:rPr>
+              <a:t>2 : </a:t>
+            </a:r>
+            <a:r>
+              <a:rPr lang="en-US" dirty="0" err="1" smtClean="0">
+                <a:latin typeface="Bell MT" pitchFamily="18" charset="0"/>
+              </a:rPr>
+              <a:t>Grande'Anse</a:t>
+            </a:r>
+            <a:r>
+              <a:rPr lang="en-US" dirty="0" smtClean="0">
+                <a:latin typeface="Bell MT" pitchFamily="18" charset="0"/>
+              </a:rPr>
+              <a:t>   </a:t>
+            </a:r>
+          </a:p>
+          <a:p>
+            <a:pPr algn="just"/>
+            <a:r>
+              <a:rPr lang="en-US" dirty="0" smtClean="0">
+                <a:latin typeface="Bell MT" pitchFamily="18" charset="0"/>
+              </a:rPr>
+              <a:t>3 </a:t>
+            </a:r>
+            <a:r>
+              <a:rPr lang="en-US" dirty="0" smtClean="0">
+                <a:latin typeface="Bell MT" pitchFamily="18" charset="0"/>
+              </a:rPr>
+              <a:t>: </a:t>
+            </a:r>
+            <a:r>
+              <a:rPr lang="en-US" dirty="0" err="1" smtClean="0">
+                <a:latin typeface="Bell MT" pitchFamily="18" charset="0"/>
+              </a:rPr>
+              <a:t>Nippes</a:t>
+            </a:r>
+            <a:r>
+              <a:rPr lang="en-US" dirty="0" smtClean="0">
+                <a:latin typeface="Bell MT" pitchFamily="18" charset="0"/>
+              </a:rPr>
+              <a:t>   </a:t>
+            </a:r>
+          </a:p>
+          <a:p>
+            <a:pPr algn="just"/>
+            <a:r>
+              <a:rPr lang="en-US" dirty="0" smtClean="0">
+                <a:latin typeface="Bell MT" pitchFamily="18" charset="0"/>
+              </a:rPr>
+              <a:t> </a:t>
+            </a:r>
+            <a:r>
+              <a:rPr lang="en-US" dirty="0" smtClean="0">
+                <a:latin typeface="Bell MT" pitchFamily="18" charset="0"/>
+              </a:rPr>
+              <a:t>4 : North   </a:t>
+            </a:r>
+          </a:p>
+          <a:p>
+            <a:pPr algn="just"/>
+            <a:r>
+              <a:rPr lang="en-US" dirty="0" smtClean="0">
+                <a:latin typeface="Bell MT" pitchFamily="18" charset="0"/>
+              </a:rPr>
+              <a:t>5 </a:t>
+            </a:r>
+            <a:r>
+              <a:rPr lang="en-US" dirty="0" smtClean="0">
+                <a:latin typeface="Bell MT" pitchFamily="18" charset="0"/>
+              </a:rPr>
+              <a:t>: North-East   </a:t>
+            </a:r>
+          </a:p>
+          <a:p>
+            <a:pPr algn="just"/>
+            <a:r>
+              <a:rPr lang="en-US" dirty="0" smtClean="0">
+                <a:latin typeface="Bell MT" pitchFamily="18" charset="0"/>
+              </a:rPr>
+              <a:t>6 </a:t>
+            </a:r>
+            <a:r>
+              <a:rPr lang="en-US" dirty="0" smtClean="0">
+                <a:latin typeface="Bell MT" pitchFamily="18" charset="0"/>
+              </a:rPr>
+              <a:t>: North-West   </a:t>
+            </a:r>
+          </a:p>
+          <a:p>
+            <a:pPr algn="just"/>
+            <a:r>
+              <a:rPr lang="en-US" dirty="0" smtClean="0">
+                <a:latin typeface="Bell MT" pitchFamily="18" charset="0"/>
+              </a:rPr>
+              <a:t>7 </a:t>
+            </a:r>
+            <a:r>
+              <a:rPr lang="en-US" dirty="0" smtClean="0">
+                <a:latin typeface="Bell MT" pitchFamily="18" charset="0"/>
+              </a:rPr>
+              <a:t>: South   </a:t>
+            </a:r>
+          </a:p>
+          <a:p>
+            <a:pPr algn="just"/>
+            <a:r>
+              <a:rPr lang="en-US" dirty="0" smtClean="0">
+                <a:latin typeface="Bell MT" pitchFamily="18" charset="0"/>
+              </a:rPr>
+              <a:t>8 </a:t>
+            </a:r>
+            <a:r>
+              <a:rPr lang="en-US" dirty="0" smtClean="0">
+                <a:latin typeface="Bell MT" pitchFamily="18" charset="0"/>
+              </a:rPr>
+              <a:t>: South-East   </a:t>
+            </a:r>
+          </a:p>
+          <a:p>
+            <a:pPr algn="just"/>
+            <a:r>
+              <a:rPr lang="en-US" dirty="0" smtClean="0">
+                <a:latin typeface="Bell MT" pitchFamily="18" charset="0"/>
+              </a:rPr>
+              <a:t>9 </a:t>
+            </a:r>
+            <a:r>
+              <a:rPr lang="en-US" dirty="0" smtClean="0">
+                <a:latin typeface="Bell MT" pitchFamily="18" charset="0"/>
+              </a:rPr>
+              <a:t>: West   </a:t>
+            </a:r>
+            <a:endParaRPr lang="en-US" dirty="0" smtClean="0">
+              <a:latin typeface="Bell MT" pitchFamily="18" charset="0"/>
+            </a:endParaRPr>
+          </a:p>
+        </p:txBody>
+      </p:sp>
+      <p:pic>
+        <p:nvPicPr>
+          <p:cNvPr id="7" name="Image 6" descr="Haitian demographic.png"/>
+          <p:cNvPicPr>
+            <a:picLocks noChangeAspect="1"/>
+          </p:cNvPicPr>
+          <p:nvPr/>
+        </p:nvPicPr>
+        <p:blipFill>
+          <a:blip r:embed="rId2"/>
+          <a:stretch>
+            <a:fillRect/>
+          </a:stretch>
+        </p:blipFill>
+        <p:spPr>
+          <a:xfrm>
+            <a:off x="7151817" y="2056425"/>
+            <a:ext cx="4624553" cy="3071865"/>
+          </a:xfrm>
+          <a:prstGeom prst="rect">
+            <a:avLst/>
+          </a:prstGeom>
+        </p:spPr>
+      </p:pic>
+      <p:sp>
+        <p:nvSpPr>
+          <p:cNvPr id="9" name="Espace réservé du contenu 5"/>
+          <p:cNvSpPr txBox="1">
+            <a:spLocks/>
+          </p:cNvSpPr>
+          <p:nvPr/>
+        </p:nvSpPr>
+        <p:spPr>
+          <a:xfrm>
+            <a:off x="207818" y="4685915"/>
+            <a:ext cx="6830292" cy="1451648"/>
+          </a:xfrm>
+          <a:prstGeom prst="rect">
+            <a:avLst/>
+          </a:prstGeom>
+        </p:spPr>
+        <p:txBody>
+          <a:bodyPr vert="horz" lIns="0" tIns="45720" rIns="0" bIns="45720" numCol="1" rtlCol="0">
+            <a:normAutofit/>
+          </a:bodyPr>
+          <a:lstStyle/>
+          <a:p>
+            <a:pPr marL="91440" marR="0" lvl="0" indent="-91440" algn="just" defTabSz="914400" rtl="0" eaLnBrk="1" fontAlgn="auto" latinLnBrk="0" hangingPunct="1">
+              <a:lnSpc>
+                <a:spcPct val="90000"/>
+              </a:lnSpc>
+              <a:spcBef>
+                <a:spcPts val="1200"/>
+              </a:spcBef>
+              <a:spcAft>
+                <a:spcPts val="200"/>
+              </a:spcAft>
+              <a:buClr>
+                <a:schemeClr val="accent3"/>
+              </a:buClr>
+              <a:buSzPct val="100000"/>
+              <a:buFont typeface="Calibri" panose="020F0502020204030204" pitchFamily="34" charset="0"/>
+              <a:buChar char=" "/>
+              <a:tabLst/>
+              <a:defRPr/>
+            </a:pPr>
+            <a:r>
+              <a:rPr kumimoji="0" lang="en-US" sz="2000" b="0" i="0" u="none" strike="noStrike" kern="1200" cap="none" spc="0" normalizeH="0" baseline="0" noProof="0" dirty="0" smtClean="0">
+                <a:ln>
+                  <a:noFill/>
+                </a:ln>
+                <a:solidFill>
+                  <a:schemeClr val="tx1">
+                    <a:lumMod val="75000"/>
+                    <a:lumOff val="25000"/>
+                  </a:schemeClr>
+                </a:solidFill>
+                <a:effectLst/>
+                <a:uLnTx/>
+                <a:uFillTx/>
+                <a:latin typeface="Bell MT" pitchFamily="18" charset="0"/>
+                <a:ea typeface="+mn-ea"/>
+                <a:cs typeface="+mn-cs"/>
+              </a:rPr>
+              <a:t> The three departments with the largest population are respectively (in descending order): West, </a:t>
+            </a:r>
+            <a:r>
+              <a:rPr kumimoji="0" lang="en-US" sz="2000" b="0" i="0" u="none" strike="noStrike" kern="1200" cap="none" spc="0" normalizeH="0" baseline="0" noProof="0" dirty="0" err="1" smtClean="0">
+                <a:ln>
+                  <a:noFill/>
+                </a:ln>
+                <a:solidFill>
+                  <a:schemeClr val="tx1">
+                    <a:lumMod val="75000"/>
+                    <a:lumOff val="25000"/>
+                  </a:schemeClr>
+                </a:solidFill>
+                <a:effectLst/>
+                <a:uLnTx/>
+                <a:uFillTx/>
+                <a:latin typeface="Bell MT" pitchFamily="18" charset="0"/>
+                <a:ea typeface="+mn-ea"/>
+                <a:cs typeface="+mn-cs"/>
+              </a:rPr>
+              <a:t>Artibonite</a:t>
+            </a:r>
+            <a:r>
+              <a:rPr kumimoji="0" lang="en-US" sz="2000" b="0" i="0" u="none" strike="noStrike" kern="1200" cap="none" spc="0" normalizeH="0" baseline="0" noProof="0" dirty="0" smtClean="0">
+                <a:ln>
+                  <a:noFill/>
+                </a:ln>
+                <a:solidFill>
+                  <a:schemeClr val="tx1">
+                    <a:lumMod val="75000"/>
+                    <a:lumOff val="25000"/>
+                  </a:schemeClr>
+                </a:solidFill>
+                <a:effectLst/>
+                <a:uLnTx/>
+                <a:uFillTx/>
+                <a:latin typeface="Bell MT" pitchFamily="18" charset="0"/>
+                <a:ea typeface="+mn-ea"/>
+                <a:cs typeface="+mn-cs"/>
+              </a:rPr>
+              <a:t> and North. So they're the three with the most young people(15-24 years).</a:t>
+            </a:r>
+            <a:endParaRPr kumimoji="0" lang="en-US" sz="2000" b="0" i="0" u="none" strike="noStrike" kern="1200" cap="none" spc="0" normalizeH="0" baseline="0" noProof="0" dirty="0">
+              <a:ln>
+                <a:noFill/>
+              </a:ln>
+              <a:solidFill>
+                <a:schemeClr val="tx1">
+                  <a:lumMod val="75000"/>
+                  <a:lumOff val="25000"/>
+                </a:schemeClr>
+              </a:solidFill>
+              <a:effectLst/>
+              <a:uLnTx/>
+              <a:uFillTx/>
+              <a:latin typeface="Bell MT" pitchFamily="18" charset="0"/>
+              <a:ea typeface="+mn-ea"/>
+              <a:cs typeface="+mn-cs"/>
+            </a:endParaRPr>
           </a:p>
         </p:txBody>
       </p:sp>
     </p:spTree>
     <p:extLst>
       <p:ext uri="{BB962C8B-B14F-4D97-AF65-F5344CB8AC3E}">
-        <p14:creationId xmlns:p14="http://schemas.microsoft.com/office/powerpoint/2010/main" val="1975060793"/>
+        <p14:creationId xmlns:p14="http://schemas.microsoft.com/office/powerpoint/2010/main" xmlns="" val="2880376025"/>
       </p:ext>
     </p:extLst>
   </p:cSld>
   <p:clrMapOvr>
     <a:masterClrMapping/>
   </p:clrMapOvr>
+  <p:timing>
+    <p:tnLst>
+      <p:par>
+        <p:cTn id="1" dur="indefinite" restart="never" nodeType="tmRoot"/>
+      </p:par>
+    </p:tnLst>
+  </p:timing>
 </p:sld>
 </file>
 
@@ -4979,54 +6689,47 @@
           <a:chExt cx="0" cy="0"/>
         </a:xfrm>
       </p:grpSpPr>
-      <p:sp>
-        <p:nvSpPr>
-          <p:cNvPr id="2" name="Title 1"/>
-          <p:cNvSpPr>
-            <a:spLocks noGrp="1"/>
-          </p:cNvSpPr>
-          <p:nvPr>
-            <p:ph type="title"/>
-          </p:nvPr>
-        </p:nvSpPr>
-        <p:spPr/>
-        <p:txBody>
-          <a:bodyPr/>
-          <a:lstStyle/>
-          <a:p>
-            <a:endParaRPr lang="en-US"/>
-          </a:p>
-        </p:txBody>
-      </p:sp>
-      <p:sp>
-        <p:nvSpPr>
-          <p:cNvPr id="3" name="Content Placeholder 2"/>
-          <p:cNvSpPr>
-            <a:spLocks noGrp="1"/>
-          </p:cNvSpPr>
+      <p:pic>
+        <p:nvPicPr>
+          <p:cNvPr id="4" name="Espace réservé du contenu 3" descr="newplot.png"/>
+          <p:cNvPicPr>
+            <a:picLocks noGrp="1" noChangeAspect="1"/>
+          </p:cNvPicPr>
           <p:nvPr>
             <p:ph idx="1"/>
           </p:nvPr>
-        </p:nvSpPr>
-        <p:spPr/>
-        <p:txBody>
-          <a:bodyPr/>
-          <a:lstStyle/>
-          <a:p>
-            <a:endParaRPr lang="en-US"/>
-          </a:p>
-        </p:txBody>
-      </p:sp>
+        </p:nvPicPr>
+        <p:blipFill>
+          <a:blip r:embed="rId2"/>
+          <a:srcRect l="15034" t="9567" b="13440"/>
+          <a:stretch>
+            <a:fillRect/>
+          </a:stretch>
+        </p:blipFill>
+        <p:spPr>
+          <a:xfrm>
+            <a:off x="1149927" y="526467"/>
+            <a:ext cx="10002981" cy="5488648"/>
+          </a:xfrm>
+        </p:spPr>
+      </p:pic>
     </p:spTree>
     <p:extLst>
       <p:ext uri="{BB962C8B-B14F-4D97-AF65-F5344CB8AC3E}">
-        <p14:creationId xmlns:p14="http://schemas.microsoft.com/office/powerpoint/2010/main" val="2136448961"/>
+        <p14:creationId xmlns:p14="http://schemas.microsoft.com/office/powerpoint/2010/main" xmlns="" val="1975060793"/>
       </p:ext>
     </p:extLst>
   </p:cSld>
   <p:clrMapOvr>
     <a:masterClrMapping/>
   </p:clrMapOvr>
+  <p:timing>
+    <p:tnLst>
+      <p:par>
+        <p:cTn id="1" dur="indefinite" restart="never" nodeType="tmRoot"/>
+      </p:par>
+    </p:tnLst>
+  </p:timing>
 </p:sld>
 </file>
 
@@ -5062,7 +6765,39 @@
           <a:bodyPr/>
           <a:lstStyle/>
           <a:p>
-            <a:endParaRPr lang="en-US"/>
+            <a:r>
+              <a:rPr lang="en-US" dirty="0" smtClean="0">
+                <a:solidFill>
+                  <a:srgbClr val="00B050"/>
+                </a:solidFill>
+                <a:latin typeface="Agency FB" pitchFamily="34" charset="0"/>
+              </a:rPr>
+              <a:t>Keys </a:t>
+            </a:r>
+            <a:r>
+              <a:rPr lang="en-US" dirty="0" err="1" smtClean="0">
+                <a:solidFill>
+                  <a:srgbClr val="00B050"/>
+                </a:solidFill>
+                <a:latin typeface="Agency FB" pitchFamily="34" charset="0"/>
+              </a:rPr>
+              <a:t>indicateur</a:t>
+            </a:r>
+            <a:r>
+              <a:rPr lang="en-US" dirty="0" smtClean="0">
+                <a:solidFill>
+                  <a:srgbClr val="00B050"/>
+                </a:solidFill>
+                <a:latin typeface="Agency FB" pitchFamily="34" charset="0"/>
+              </a:rPr>
+              <a:t> of young aged 15-24</a:t>
+            </a:r>
+            <a:endParaRPr lang="en-US" dirty="0">
+              <a:solidFill>
+                <a:srgbClr val="00B050"/>
+              </a:solidFill>
+              <a:latin typeface="Agency FB" pitchFamily="34" charset="0"/>
+            </a:endParaRPr>
           </a:p>
         </p:txBody>
       </p:sp>
@@ -5078,23 +6813,366 @@
         </p:nvSpPr>
         <p:spPr/>
         <p:txBody>
-          <a:bodyPr/>
+          <a:bodyPr>
+            <a:noAutofit/>
+          </a:bodyPr>
           <a:lstStyle/>
           <a:p>
-            <a:endParaRPr lang="en-US"/>
+            <a:pPr algn="just"/>
+            <a:r>
+              <a:rPr lang="en-US" sz="2200" dirty="0" smtClean="0">
+                <a:latin typeface="Bell MT" pitchFamily="18" charset="0"/>
+              </a:rPr>
+              <a:t>Variables used are : </a:t>
+            </a:r>
+          </a:p>
+          <a:p>
+            <a:pPr algn="just"/>
+            <a:r>
+              <a:rPr lang="en-US" sz="2200" dirty="0" smtClean="0">
+                <a:latin typeface="Bell MT" pitchFamily="18" charset="0"/>
+              </a:rPr>
+              <a:t>Percentage </a:t>
+            </a:r>
+            <a:r>
+              <a:rPr lang="en-US" sz="2200" dirty="0" smtClean="0">
+                <a:latin typeface="Bell MT" pitchFamily="18" charset="0"/>
+              </a:rPr>
+              <a:t>of youth who cannot </a:t>
+            </a:r>
+            <a:r>
+              <a:rPr lang="en-US" sz="2200" dirty="0" smtClean="0">
+                <a:latin typeface="Bell MT" pitchFamily="18" charset="0"/>
+              </a:rPr>
+              <a:t>read, Percentage </a:t>
+            </a:r>
+            <a:r>
+              <a:rPr lang="en-US" sz="2200" dirty="0" smtClean="0">
+                <a:latin typeface="Bell MT" pitchFamily="18" charset="0"/>
+              </a:rPr>
+              <a:t>of youth with completed primary </a:t>
+            </a:r>
+            <a:r>
+              <a:rPr lang="en-US" sz="2200" dirty="0" smtClean="0">
+                <a:latin typeface="Bell MT" pitchFamily="18" charset="0"/>
+              </a:rPr>
+              <a:t>education, Percentage </a:t>
+            </a:r>
+            <a:r>
+              <a:rPr lang="en-US" sz="2200" dirty="0" smtClean="0">
+                <a:latin typeface="Bell MT" pitchFamily="18" charset="0"/>
+              </a:rPr>
+              <a:t>of youth exposed to at least one media source (newspaper, radio, television) at least once a </a:t>
+            </a:r>
+            <a:r>
+              <a:rPr lang="en-US" sz="2200" dirty="0" smtClean="0">
+                <a:latin typeface="Bell MT" pitchFamily="18" charset="0"/>
+              </a:rPr>
+              <a:t>week, Percentage </a:t>
+            </a:r>
+            <a:r>
+              <a:rPr lang="en-US" sz="2200" dirty="0" smtClean="0">
+                <a:latin typeface="Bell MT" pitchFamily="18" charset="0"/>
+              </a:rPr>
+              <a:t>of youth currently </a:t>
+            </a:r>
+            <a:r>
+              <a:rPr lang="en-US" sz="2200" dirty="0" smtClean="0">
+                <a:latin typeface="Bell MT" pitchFamily="18" charset="0"/>
+              </a:rPr>
+              <a:t>married, Percentage </a:t>
+            </a:r>
+            <a:r>
+              <a:rPr lang="en-US" sz="2200" dirty="0" smtClean="0">
+                <a:latin typeface="Bell MT" pitchFamily="18" charset="0"/>
+              </a:rPr>
+              <a:t>of youth currently living </a:t>
+            </a:r>
+            <a:r>
+              <a:rPr lang="en-US" sz="2200" dirty="0" smtClean="0">
+                <a:latin typeface="Bell MT" pitchFamily="18" charset="0"/>
+              </a:rPr>
+              <a:t>together, Percentage </a:t>
+            </a:r>
+            <a:r>
+              <a:rPr lang="en-US" sz="2200" dirty="0" smtClean="0">
+                <a:latin typeface="Bell MT" pitchFamily="18" charset="0"/>
+              </a:rPr>
+              <a:t>of youth who had sexual intercourse before age </a:t>
+            </a:r>
+            <a:r>
+              <a:rPr lang="en-US" sz="2200" dirty="0" smtClean="0">
+                <a:latin typeface="Bell MT" pitchFamily="18" charset="0"/>
+              </a:rPr>
+              <a:t>15, Percentage </a:t>
+            </a:r>
+            <a:r>
+              <a:rPr lang="en-US" sz="2200" dirty="0" smtClean="0">
+                <a:latin typeface="Bell MT" pitchFamily="18" charset="0"/>
+              </a:rPr>
+              <a:t>of youth who had sexual intercourse before age </a:t>
+            </a:r>
+            <a:r>
+              <a:rPr lang="en-US" sz="2200" dirty="0" smtClean="0">
+                <a:latin typeface="Bell MT" pitchFamily="18" charset="0"/>
+              </a:rPr>
+              <a:t>18,  </a:t>
+            </a:r>
+            <a:r>
+              <a:rPr lang="en-US" sz="2200" dirty="0" smtClean="0">
+                <a:latin typeface="Bell MT" pitchFamily="18" charset="0"/>
+              </a:rPr>
+              <a:t>Percentage of youth who have begun </a:t>
+            </a:r>
+            <a:r>
+              <a:rPr lang="en-US" sz="2200" dirty="0" smtClean="0">
+                <a:latin typeface="Bell MT" pitchFamily="18" charset="0"/>
+              </a:rPr>
+              <a:t>childbearing, Percentage </a:t>
+            </a:r>
+            <a:r>
+              <a:rPr lang="en-US" sz="2200" dirty="0" smtClean="0">
+                <a:latin typeface="Bell MT" pitchFamily="18" charset="0"/>
+              </a:rPr>
+              <a:t>of youth who have ever been </a:t>
+            </a:r>
+            <a:r>
+              <a:rPr lang="en-US" sz="2200" dirty="0" smtClean="0">
+                <a:latin typeface="Bell MT" pitchFamily="18" charset="0"/>
+              </a:rPr>
+              <a:t>pregnant, Percentage </a:t>
+            </a:r>
+            <a:r>
+              <a:rPr lang="en-US" sz="2200" dirty="0" smtClean="0">
+                <a:latin typeface="Bell MT" pitchFamily="18" charset="0"/>
+              </a:rPr>
+              <a:t>of youth currently using a modern contraceptive </a:t>
+            </a:r>
+            <a:r>
+              <a:rPr lang="en-US" sz="2200" dirty="0" smtClean="0">
+                <a:latin typeface="Bell MT" pitchFamily="18" charset="0"/>
+              </a:rPr>
+              <a:t>method, Percentage </a:t>
+            </a:r>
+            <a:r>
+              <a:rPr lang="en-US" sz="2200" dirty="0" smtClean="0">
+                <a:latin typeface="Bell MT" pitchFamily="18" charset="0"/>
+              </a:rPr>
+              <a:t>of sexually active youth who have ever used any contraceptive </a:t>
+            </a:r>
+            <a:r>
+              <a:rPr lang="en-US" sz="2200" dirty="0" smtClean="0">
+                <a:latin typeface="Bell MT" pitchFamily="18" charset="0"/>
+              </a:rPr>
+              <a:t>method, Percentage </a:t>
+            </a:r>
+            <a:r>
+              <a:rPr lang="en-US" sz="2200" dirty="0" smtClean="0">
+                <a:latin typeface="Bell MT" pitchFamily="18" charset="0"/>
+              </a:rPr>
+              <a:t>of youth who have had sexual intercourse and who say that their first experience was against their will   </a:t>
+            </a:r>
+          </a:p>
+          <a:p>
+            <a:pPr algn="just"/>
+            <a:r>
+              <a:rPr lang="en-US" sz="2200" dirty="0" smtClean="0">
+                <a:latin typeface="Bell MT" pitchFamily="18" charset="0"/>
+              </a:rPr>
+              <a:t>That treats four age groups: 15-19 years old, 15-24 years old, 20-24 years old,18-24 years </a:t>
+            </a:r>
+            <a:r>
+              <a:rPr lang="en-US" sz="2200" dirty="0" err="1" smtClean="0">
+                <a:latin typeface="Bell MT" pitchFamily="18" charset="0"/>
+              </a:rPr>
+              <a:t>oold</a:t>
+            </a:r>
+            <a:endParaRPr lang="en-US" sz="2200" dirty="0">
+              <a:latin typeface="Bell MT" pitchFamily="18" charset="0"/>
+            </a:endParaRPr>
           </a:p>
         </p:txBody>
       </p:sp>
     </p:spTree>
     <p:extLst>
       <p:ext uri="{BB962C8B-B14F-4D97-AF65-F5344CB8AC3E}">
-        <p14:creationId xmlns:p14="http://schemas.microsoft.com/office/powerpoint/2010/main" val="3988319637"/>
+        <p14:creationId xmlns:p14="http://schemas.microsoft.com/office/powerpoint/2010/main" xmlns="" val="2136448961"/>
       </p:ext>
     </p:extLst>
   </p:cSld>
   <p:clrMapOvr>
     <a:masterClrMapping/>
   </p:clrMapOvr>
+  <p:timing>
+    <p:tnLst>
+      <p:par>
+        <p:cTn id="1" dur="indefinite" restart="never" nodeType="tmRoot"/>
+      </p:par>
+    </p:tnLst>
+  </p:timing>
+</p:sld>
+</file>
+
+<file path=ppt/slides/slide9.xml><?xml version="1.0" encoding="utf-8"?>
+<p:sld xmlns:a="http://schemas.openxmlformats.org/drawingml/2006/main" xmlns:r="http://schemas.openxmlformats.org/officeDocument/2006/relationships" xmlns:p="http://schemas.openxmlformats.org/presentationml/2006/main">
+  <p:cSld>
+    <p:spTree>
+      <p:nvGrpSpPr>
+        <p:cNvPr id="1" name=""/>
+        <p:cNvGrpSpPr/>
+        <p:nvPr/>
+      </p:nvGrpSpPr>
+      <p:grpSpPr>
+        <a:xfrm>
+          <a:off x="0" y="0"/>
+          <a:ext cx="0" cy="0"/>
+          <a:chOff x="0" y="0"/>
+          <a:chExt cx="0" cy="0"/>
+        </a:xfrm>
+      </p:grpSpPr>
+      <p:sp>
+        <p:nvSpPr>
+          <p:cNvPr id="6" name="Rectangle 5"/>
+          <p:cNvSpPr/>
+          <p:nvPr/>
+        </p:nvSpPr>
+        <p:spPr>
+          <a:xfrm>
+            <a:off x="5767756" y="2039815"/>
+            <a:ext cx="6203866" cy="3981158"/>
+          </a:xfrm>
+          <a:prstGeom prst="rect">
+            <a:avLst/>
+          </a:prstGeom>
+        </p:spPr>
+        <p:style>
+          <a:lnRef idx="2">
+            <a:schemeClr val="accent1">
+              <a:shade val="50000"/>
+            </a:schemeClr>
+          </a:lnRef>
+          <a:fillRef idx="1">
+            <a:schemeClr val="accent1"/>
+          </a:fillRef>
+          <a:effectRef idx="0">
+            <a:schemeClr val="accent1"/>
+          </a:effectRef>
+          <a:fontRef idx="minor">
+            <a:schemeClr val="lt1"/>
+          </a:fontRef>
+        </p:style>
+        <p:txBody>
+          <a:bodyPr rtlCol="0" anchor="ctr"/>
+          <a:lstStyle/>
+          <a:p>
+            <a:pPr algn="ctr"/>
+            <a:endParaRPr lang="en-US"/>
+          </a:p>
+        </p:txBody>
+      </p:sp>
+      <p:pic>
+        <p:nvPicPr>
+          <p:cNvPr id="4" name="Espace réservé du contenu 3" descr="keys_data.png"/>
+          <p:cNvPicPr>
+            <a:picLocks noGrp="1" noChangeAspect="1"/>
+          </p:cNvPicPr>
+          <p:nvPr>
+            <p:ph idx="1"/>
+          </p:nvPr>
+        </p:nvPicPr>
+        <p:blipFill>
+          <a:blip r:embed="rId2"/>
+          <a:stretch>
+            <a:fillRect/>
+          </a:stretch>
+        </p:blipFill>
+        <p:spPr>
+          <a:xfrm>
+            <a:off x="295421" y="2970461"/>
+            <a:ext cx="5401994" cy="1742215"/>
+          </a:xfrm>
+        </p:spPr>
+      </p:pic>
+      <p:pic>
+        <p:nvPicPr>
+          <p:cNvPr id="5" name="Image 4" descr="women data.png"/>
+          <p:cNvPicPr>
+            <a:picLocks noChangeAspect="1"/>
+          </p:cNvPicPr>
+          <p:nvPr/>
+        </p:nvPicPr>
+        <p:blipFill>
+          <a:blip r:embed="rId3"/>
+          <a:stretch>
+            <a:fillRect/>
+          </a:stretch>
+        </p:blipFill>
+        <p:spPr>
+          <a:xfrm rot="5400000">
+            <a:off x="6990116" y="1027753"/>
+            <a:ext cx="3795491" cy="6111221"/>
+          </a:xfrm>
+          <a:prstGeom prst="rect">
+            <a:avLst/>
+          </a:prstGeom>
+        </p:spPr>
+      </p:pic>
+      <p:sp>
+        <p:nvSpPr>
+          <p:cNvPr id="7" name="Rectangle 6"/>
+          <p:cNvSpPr/>
+          <p:nvPr/>
+        </p:nvSpPr>
+        <p:spPr>
+          <a:xfrm>
+            <a:off x="1659988" y="984746"/>
+            <a:ext cx="9369082" cy="707886"/>
+          </a:xfrm>
+          <a:prstGeom prst="rect">
+            <a:avLst/>
+          </a:prstGeom>
+        </p:spPr>
+        <p:txBody>
+          <a:bodyPr wrap="square">
+            <a:spAutoFit/>
+          </a:bodyPr>
+          <a:lstStyle/>
+          <a:p>
+            <a:r>
+              <a:rPr lang="en-US" sz="4000" dirty="0" smtClean="0">
+                <a:latin typeface="Agency FB" pitchFamily="34" charset="0"/>
+              </a:rPr>
+              <a:t>The </a:t>
+            </a:r>
+            <a:r>
+              <a:rPr lang="en-US" sz="4000" dirty="0" smtClean="0">
+                <a:latin typeface="Agency FB" pitchFamily="34" charset="0"/>
+              </a:rPr>
+              <a:t>number of young people interviewed</a:t>
+            </a:r>
+            <a:endParaRPr lang="en-US" sz="4000" dirty="0">
+              <a:latin typeface="Agency FB" pitchFamily="34" charset="0"/>
+            </a:endParaRPr>
+          </a:p>
+        </p:txBody>
+      </p:sp>
+    </p:spTree>
+    <p:extLst>
+      <p:ext uri="{BB962C8B-B14F-4D97-AF65-F5344CB8AC3E}">
+        <p14:creationId xmlns:p14="http://schemas.microsoft.com/office/powerpoint/2010/main" xmlns="" val="3988319637"/>
+      </p:ext>
+    </p:extLst>
+  </p:cSld>
+  <p:clrMapOvr>
+    <a:masterClrMapping/>
+  </p:clrMapOvr>
+  <p:timing>
+    <p:tnLst>
+      <p:par>
+        <p:cTn id="1" dur="indefinite" restart="never" nodeType="tmRoot"/>
+      </p:par>
+    </p:tnLst>
+  </p:timing>
 </p:sld>
 </file>
 
@@ -5141,7 +7219,7 @@
     </a:clrScheme>
     <a:fontScheme name="Retrospect">
       <a:majorFont>
-        <a:latin typeface="Calibri Light" panose="020F0302020204030204"/>
+        <a:latin typeface="Calibri Light"/>
         <a:ea typeface=""/>
         <a:cs typeface=""/>
         <a:font script="Jpan" typeface="ＭＳ Ｐゴシック"/>
@@ -5176,7 +7254,7 @@
         <a:font script="Geor" typeface="Sylfaen"/>
       </a:majorFont>
       <a:minorFont>
-        <a:latin typeface="Calibri" panose="020F0502020204030204"/>
+        <a:latin typeface="Calibri"/>
         <a:ea typeface=""/>
         <a:cs typeface=""/>
         <a:font script="Jpan" typeface="ＭＳ Ｐゴシック"/>
@@ -5375,7 +7453,7 @@
   <a:extraClrSchemeLst/>
   <a:extLst>
     <a:ext uri="{05A4C25C-085E-4340-85A3-A5531E510DB2}">
-      <thm15:themeFamily xmlns:thm15="http://schemas.microsoft.com/office/thememl/2012/main" name="Retrospect" id="{5F128B03-DCCA-4EEB-AB3B-CF2899314A46}" vid="{E3DA18C2-75F1-4980-A5F0-165F6F71DE6D}"/>
+      <thm15:themeFamily xmlns:thm15="http://schemas.microsoft.com/office/thememl/2012/main" xmlns="" name="Retrospect" id="{5F128B03-DCCA-4EEB-AB3B-CF2899314A46}" vid="{E3DA18C2-75F1-4980-A5F0-165F6F71DE6D}"/>
     </a:ext>
   </a:extLst>
 </a:theme>

--- a/Result/Presentation.pptx
+++ b/Result/Presentation.pptx
@@ -18,7 +18,10 @@
     <p:sldId id="267" r:id="rId12"/>
     <p:sldId id="268" r:id="rId13"/>
     <p:sldId id="269" r:id="rId14"/>
-    <p:sldId id="263" r:id="rId15"/>
+    <p:sldId id="270" r:id="rId15"/>
+    <p:sldId id="271" r:id="rId16"/>
+    <p:sldId id="273" r:id="rId17"/>
+    <p:sldId id="272" r:id="rId18"/>
   </p:sldIdLst>
   <p:sldSz cx="12192000" cy="6858000"/>
   <p:notesSz cx="6858000" cy="9144000"/>
@@ -119,7 +122,7 @@
   </p:defaultTextStyle>
   <p:extLst>
     <p:ext uri="{EFAFB233-063F-42B5-8137-9DF3F51BA10A}">
-      <p15:sldGuideLst xmlns:p15="http://schemas.microsoft.com/office/powerpoint/2012/main" xmlns=""/>
+      <p15:sldGuideLst xmlns="" xmlns:p15="http://schemas.microsoft.com/office/powerpoint/2012/main"/>
     </p:ext>
   </p:extLst>
 </p:presentation>
@@ -127,6 +130,7 @@
 
 <file path=ppt/charts/chart1.xml><?xml version="1.0" encoding="utf-8"?>
 <c:chartSpace xmlns:c="http://schemas.openxmlformats.org/drawingml/2006/chart" xmlns:a="http://schemas.openxmlformats.org/drawingml/2006/main" xmlns:r="http://schemas.openxmlformats.org/officeDocument/2006/relationships">
+  <c:date1904 val="1"/>
   <c:lang val="en-US"/>
   <c:pivotSource>
     <c:name>[child_of_one.xlsx]All group!PivotTable1</c:name>
@@ -360,12 +364,12 @@
           </c:extLst>
         </c:ser>
         <c:shape val="box"/>
-        <c:axId val="109676416"/>
-        <c:axId val="114098560"/>
+        <c:axId val="87344256"/>
+        <c:axId val="87345792"/>
         <c:axId val="0"/>
       </c:bar3DChart>
       <c:catAx>
-        <c:axId val="109676416"/>
+        <c:axId val="87344256"/>
         <c:scaling>
           <c:orientation val="minMax"/>
         </c:scaling>
@@ -400,14 +404,14 @@
             <a:endParaRPr lang="en-US"/>
           </a:p>
         </c:txPr>
-        <c:crossAx val="114098560"/>
+        <c:crossAx val="87345792"/>
         <c:crosses val="autoZero"/>
         <c:auto val="1"/>
         <c:lblAlgn val="ctr"/>
         <c:lblOffset val="100"/>
       </c:catAx>
       <c:valAx>
-        <c:axId val="114098560"/>
+        <c:axId val="87345792"/>
         <c:scaling>
           <c:orientation val="minMax"/>
         </c:scaling>
@@ -456,7 +460,1203 @@
             <a:endParaRPr lang="en-US"/>
           </a:p>
         </c:txPr>
-        <c:crossAx val="109676416"/>
+        <c:crossAx val="87344256"/>
+        <c:crosses val="autoZero"/>
+        <c:crossBetween val="between"/>
+      </c:valAx>
+      <c:spPr>
+        <a:noFill/>
+        <a:ln>
+          <a:noFill/>
+        </a:ln>
+        <a:effectLst/>
+      </c:spPr>
+    </c:plotArea>
+    <c:legend>
+      <c:legendPos val="r"/>
+      <c:layout/>
+      <c:spPr>
+        <a:noFill/>
+        <a:ln>
+          <a:noFill/>
+        </a:ln>
+        <a:effectLst/>
+      </c:spPr>
+      <c:txPr>
+        <a:bodyPr rot="0" spcFirstLastPara="1" vertOverflow="ellipsis" vert="horz" wrap="square" anchor="ctr" anchorCtr="1"/>
+        <a:lstStyle/>
+        <a:p>
+          <a:pPr>
+            <a:defRPr sz="900" b="0" i="0" u="none" strike="noStrike" kern="1200" baseline="0">
+              <a:solidFill>
+                <a:schemeClr val="tx1">
+                  <a:lumMod val="65000"/>
+                  <a:lumOff val="35000"/>
+                </a:schemeClr>
+              </a:solidFill>
+              <a:latin typeface="+mn-lt"/>
+              <a:ea typeface="+mn-ea"/>
+              <a:cs typeface="+mn-cs"/>
+            </a:defRPr>
+          </a:pPr>
+          <a:endParaRPr lang="en-US"/>
+        </a:p>
+      </c:txPr>
+    </c:legend>
+    <c:plotVisOnly val="1"/>
+    <c:dispBlanksAs val="gap"/>
+  </c:chart>
+  <c:spPr>
+    <a:solidFill>
+      <a:schemeClr val="bg1"/>
+    </a:solidFill>
+    <a:ln w="9525" cap="flat" cmpd="sng" algn="ctr">
+      <a:solidFill>
+        <a:schemeClr val="tx1">
+          <a:lumMod val="15000"/>
+          <a:lumOff val="85000"/>
+        </a:schemeClr>
+      </a:solidFill>
+      <a:round/>
+    </a:ln>
+    <a:effectLst/>
+  </c:spPr>
+  <c:txPr>
+    <a:bodyPr/>
+    <a:lstStyle/>
+    <a:p>
+      <a:pPr>
+        <a:defRPr/>
+      </a:pPr>
+      <a:endParaRPr lang="en-US"/>
+    </a:p>
+  </c:txPr>
+  <c:externalData r:id="rId1"/>
+  <c:extLst xmlns:c16r2="http://schemas.microsoft.com/office/drawing/2015/06/chart">
+    <c:ext xmlns:c14="http://schemas.microsoft.com/office/drawing/2007/8/2/chart" uri="{781A3756-C4B2-4CAC-9D66-4F8BD8637D16}">
+      <c14:pivotOptions>
+        <c14:dropZoneFilter val="1"/>
+        <c14:dropZoneCategories val="1"/>
+        <c14:dropZoneData val="1"/>
+        <c14:dropZoneSeries val="1"/>
+        <c14:dropZonesVisible val="1"/>
+      </c14:pivotOptions>
+    </c:ext>
+    <c:ext xmlns:c16="http://schemas.microsoft.com/office/drawing/2014/chart" uri="{E28EC0CA-F0BB-4C9C-879D-F8772B89E7AC}">
+      <c16:pivotOptions16>
+        <c16:showExpandCollapseFieldButtons val="1"/>
+      </c16:pivotOptions16>
+    </c:ext>
+  </c:extLst>
+</c:chartSpace>
+</file>
+
+<file path=ppt/charts/chart2.xml><?xml version="1.0" encoding="utf-8"?>
+<c:chartSpace xmlns:c="http://schemas.openxmlformats.org/drawingml/2006/chart" xmlns:a="http://schemas.openxmlformats.org/drawingml/2006/main" xmlns:r="http://schemas.openxmlformats.org/officeDocument/2006/relationships">
+  <c:lang val="en-US"/>
+  <c:pivotSource>
+    <c:name>[child_of_one.xlsx]20-24 years!PivotTable5</c:name>
+    <c:fmtId val="2"/>
+  </c:pivotSource>
+  <c:chart>
+    <c:title>
+      <c:layout/>
+      <c:spPr>
+        <a:noFill/>
+        <a:ln>
+          <a:noFill/>
+        </a:ln>
+        <a:effectLst/>
+      </c:spPr>
+      <c:txPr>
+        <a:bodyPr rot="0" spcFirstLastPara="1" vertOverflow="ellipsis" vert="horz" wrap="square" anchor="ctr" anchorCtr="1"/>
+        <a:lstStyle/>
+        <a:p>
+          <a:pPr>
+            <a:defRPr sz="1400" b="0" i="0" u="none" strike="noStrike" kern="1200" spc="0" baseline="0">
+              <a:solidFill>
+                <a:schemeClr val="tx1">
+                  <a:lumMod val="65000"/>
+                  <a:lumOff val="35000"/>
+                </a:schemeClr>
+              </a:solidFill>
+              <a:latin typeface="+mn-lt"/>
+              <a:ea typeface="+mn-ea"/>
+              <a:cs typeface="+mn-cs"/>
+            </a:defRPr>
+          </a:pPr>
+          <a:endParaRPr lang="en-US"/>
+        </a:p>
+      </c:txPr>
+    </c:title>
+    <c:pivotFmts>
+      <c:pivotFmt>
+        <c:idx val="0"/>
+        <c:spPr>
+          <a:solidFill>
+            <a:srgbClr val="00B050"/>
+          </a:solidFill>
+          <a:ln>
+            <a:noFill/>
+          </a:ln>
+          <a:effectLst>
+            <a:glow rad="88900">
+              <a:schemeClr val="tx1">
+                <a:alpha val="90000"/>
+              </a:schemeClr>
+            </a:glow>
+          </a:effectLst>
+        </c:spPr>
+        <c:marker>
+          <c:symbol val="none"/>
+        </c:marker>
+      </c:pivotFmt>
+      <c:pivotFmt>
+        <c:idx val="1"/>
+        <c:spPr>
+          <a:solidFill>
+            <a:srgbClr val="00B050"/>
+          </a:solidFill>
+          <a:ln>
+            <a:noFill/>
+          </a:ln>
+          <a:effectLst>
+            <a:glow rad="88900">
+              <a:schemeClr val="tx1">
+                <a:alpha val="90000"/>
+              </a:schemeClr>
+            </a:glow>
+          </a:effectLst>
+        </c:spPr>
+        <c:marker>
+          <c:symbol val="none"/>
+        </c:marker>
+      </c:pivotFmt>
+    </c:pivotFmts>
+    <c:plotArea>
+      <c:layout>
+        <c:manualLayout>
+          <c:layoutTarget val="inner"/>
+          <c:xMode val="edge"/>
+          <c:yMode val="edge"/>
+          <c:x val="0.14191426071741056"/>
+          <c:y val="0.3502271070282883"/>
+          <c:w val="0.76112270341207389"/>
+          <c:h val="0.29460228929717147"/>
+        </c:manualLayout>
+      </c:layout>
+      <c:barChart>
+        <c:barDir val="col"/>
+        <c:grouping val="clustered"/>
+        <c:ser>
+          <c:idx val="0"/>
+          <c:order val="0"/>
+          <c:tx>
+            <c:strRef>
+              <c:f>'20-24 years'!$B$3</c:f>
+              <c:strCache>
+                <c:ptCount val="1"/>
+                <c:pt idx="0">
+                  <c:v>Total</c:v>
+                </c:pt>
+              </c:strCache>
+            </c:strRef>
+          </c:tx>
+          <c:spPr>
+            <a:solidFill>
+              <a:srgbClr val="00B050"/>
+            </a:solidFill>
+            <a:ln>
+              <a:noFill/>
+            </a:ln>
+            <a:effectLst>
+              <a:glow rad="88900">
+                <a:schemeClr val="tx1">
+                  <a:alpha val="90000"/>
+                </a:schemeClr>
+              </a:glow>
+            </a:effectLst>
+          </c:spPr>
+          <c:cat>
+            <c:strRef>
+              <c:f>'20-24 years'!$A$4:$A$13</c:f>
+              <c:strCache>
+                <c:ptCount val="9"/>
+                <c:pt idx="0">
+                  <c:v>Percentage of sexually active youth who have ever used any contraceptive method</c:v>
+                </c:pt>
+                <c:pt idx="1">
+                  <c:v>Percentage of youth currently living together</c:v>
+                </c:pt>
+                <c:pt idx="2">
+                  <c:v>Percentage of youth currently married</c:v>
+                </c:pt>
+                <c:pt idx="3">
+                  <c:v>Percentage of youth currently using a modern contraceptive method</c:v>
+                </c:pt>
+                <c:pt idx="4">
+                  <c:v>Percentage of youth exposed to at least one media source (newspaper, radio, television) at least once a week</c:v>
+                </c:pt>
+                <c:pt idx="5">
+                  <c:v>Percentage of youth who cannot read</c:v>
+                </c:pt>
+                <c:pt idx="6">
+                  <c:v>Percentage of youth who had sexual intercourse before age 15</c:v>
+                </c:pt>
+                <c:pt idx="7">
+                  <c:v>Percentage of youth who have had sexual intercourse and who say that their first experience was against their will</c:v>
+                </c:pt>
+                <c:pt idx="8">
+                  <c:v>Percentage of youth with completed primary education</c:v>
+                </c:pt>
+              </c:strCache>
+            </c:strRef>
+          </c:cat>
+          <c:val>
+            <c:numRef>
+              <c:f>'20-24 years'!$B$4:$B$13</c:f>
+              <c:numCache>
+                <c:formatCode>General</c:formatCode>
+                <c:ptCount val="9"/>
+                <c:pt idx="0">
+                  <c:v>3321</c:v>
+                </c:pt>
+                <c:pt idx="1">
+                  <c:v>1120</c:v>
+                </c:pt>
+                <c:pt idx="2">
+                  <c:v>1406</c:v>
+                </c:pt>
+                <c:pt idx="3">
+                  <c:v>917</c:v>
+                </c:pt>
+                <c:pt idx="4">
+                  <c:v>3886</c:v>
+                </c:pt>
+                <c:pt idx="5">
+                  <c:v>898</c:v>
+                </c:pt>
+                <c:pt idx="6">
+                  <c:v>635</c:v>
+                </c:pt>
+                <c:pt idx="7">
+                  <c:v>941</c:v>
+                </c:pt>
+                <c:pt idx="8">
+                  <c:v>2822</c:v>
+                </c:pt>
+              </c:numCache>
+            </c:numRef>
+          </c:val>
+          <c:extLst xmlns:c16r2="http://schemas.microsoft.com/office/drawing/2015/06/chart">
+            <c:ext xmlns:c16="http://schemas.microsoft.com/office/drawing/2014/chart" uri="{C3380CC4-5D6E-409C-BE32-E72D297353CC}">
+              <c16:uniqueId val="{00000000-A0DD-41F2-9452-04B4EF7BBC03}"/>
+            </c:ext>
+          </c:extLst>
+        </c:ser>
+        <c:gapWidth val="219"/>
+        <c:overlap val="-27"/>
+        <c:axId val="82182144"/>
+        <c:axId val="82183680"/>
+      </c:barChart>
+      <c:catAx>
+        <c:axId val="82182144"/>
+        <c:scaling>
+          <c:orientation val="minMax"/>
+        </c:scaling>
+        <c:axPos val="b"/>
+        <c:numFmt formatCode="General" sourceLinked="1"/>
+        <c:majorTickMark val="none"/>
+        <c:tickLblPos val="nextTo"/>
+        <c:spPr>
+          <a:noFill/>
+          <a:ln w="9525" cap="flat" cmpd="sng" algn="ctr">
+            <a:solidFill>
+              <a:schemeClr val="tx1">
+                <a:lumMod val="15000"/>
+                <a:lumOff val="85000"/>
+              </a:schemeClr>
+            </a:solidFill>
+            <a:round/>
+          </a:ln>
+          <a:effectLst/>
+        </c:spPr>
+        <c:txPr>
+          <a:bodyPr rot="-60000000" spcFirstLastPara="1" vertOverflow="ellipsis" vert="horz" wrap="square" anchor="ctr" anchorCtr="1"/>
+          <a:lstStyle/>
+          <a:p>
+            <a:pPr>
+              <a:defRPr sz="900" b="0" i="0" u="none" strike="noStrike" kern="1200" baseline="0">
+                <a:solidFill>
+                  <a:schemeClr val="tx1">
+                    <a:lumMod val="65000"/>
+                    <a:lumOff val="35000"/>
+                  </a:schemeClr>
+                </a:solidFill>
+                <a:latin typeface="+mn-lt"/>
+                <a:ea typeface="+mn-ea"/>
+                <a:cs typeface="+mn-cs"/>
+              </a:defRPr>
+            </a:pPr>
+            <a:endParaRPr lang="en-US"/>
+          </a:p>
+        </c:txPr>
+        <c:crossAx val="82183680"/>
+        <c:crosses val="autoZero"/>
+        <c:auto val="1"/>
+        <c:lblAlgn val="ctr"/>
+        <c:lblOffset val="100"/>
+      </c:catAx>
+      <c:valAx>
+        <c:axId val="82183680"/>
+        <c:scaling>
+          <c:orientation val="minMax"/>
+        </c:scaling>
+        <c:axPos val="l"/>
+        <c:majorGridlines>
+          <c:spPr>
+            <a:ln w="9525" cap="flat" cmpd="sng" algn="ctr">
+              <a:solidFill>
+                <a:schemeClr val="tx1">
+                  <a:lumMod val="15000"/>
+                  <a:lumOff val="85000"/>
+                </a:schemeClr>
+              </a:solidFill>
+              <a:round/>
+            </a:ln>
+            <a:effectLst/>
+          </c:spPr>
+        </c:majorGridlines>
+        <c:numFmt formatCode="General" sourceLinked="1"/>
+        <c:majorTickMark val="none"/>
+        <c:tickLblPos val="nextTo"/>
+        <c:spPr>
+          <a:noFill/>
+          <a:ln>
+            <a:noFill/>
+          </a:ln>
+          <a:effectLst/>
+        </c:spPr>
+        <c:txPr>
+          <a:bodyPr rot="-60000000" spcFirstLastPara="1" vertOverflow="ellipsis" vert="horz" wrap="square" anchor="ctr" anchorCtr="1"/>
+          <a:lstStyle/>
+          <a:p>
+            <a:pPr>
+              <a:defRPr sz="900" b="0" i="0" u="none" strike="noStrike" kern="1200" baseline="0">
+                <a:solidFill>
+                  <a:schemeClr val="tx1">
+                    <a:lumMod val="65000"/>
+                    <a:lumOff val="35000"/>
+                  </a:schemeClr>
+                </a:solidFill>
+                <a:latin typeface="+mn-lt"/>
+                <a:ea typeface="+mn-ea"/>
+                <a:cs typeface="+mn-cs"/>
+              </a:defRPr>
+            </a:pPr>
+            <a:endParaRPr lang="en-US"/>
+          </a:p>
+        </c:txPr>
+        <c:crossAx val="82182144"/>
+        <c:crosses val="autoZero"/>
+        <c:crossBetween val="between"/>
+      </c:valAx>
+      <c:spPr>
+        <a:noFill/>
+        <a:ln>
+          <a:noFill/>
+        </a:ln>
+        <a:effectLst/>
+      </c:spPr>
+    </c:plotArea>
+    <c:legend>
+      <c:legendPos val="r"/>
+      <c:layout/>
+      <c:spPr>
+        <a:noFill/>
+        <a:ln>
+          <a:noFill/>
+        </a:ln>
+        <a:effectLst/>
+      </c:spPr>
+      <c:txPr>
+        <a:bodyPr rot="0" spcFirstLastPara="1" vertOverflow="ellipsis" vert="horz" wrap="square" anchor="ctr" anchorCtr="1"/>
+        <a:lstStyle/>
+        <a:p>
+          <a:pPr>
+            <a:defRPr sz="900" b="0" i="0" u="none" strike="noStrike" kern="1200" baseline="0">
+              <a:solidFill>
+                <a:schemeClr val="tx1">
+                  <a:lumMod val="65000"/>
+                  <a:lumOff val="35000"/>
+                </a:schemeClr>
+              </a:solidFill>
+              <a:latin typeface="+mn-lt"/>
+              <a:ea typeface="+mn-ea"/>
+              <a:cs typeface="+mn-cs"/>
+            </a:defRPr>
+          </a:pPr>
+          <a:endParaRPr lang="en-US"/>
+        </a:p>
+      </c:txPr>
+    </c:legend>
+    <c:plotVisOnly val="1"/>
+    <c:dispBlanksAs val="gap"/>
+  </c:chart>
+  <c:spPr>
+    <a:solidFill>
+      <a:schemeClr val="bg1"/>
+    </a:solidFill>
+    <a:ln w="9525" cap="flat" cmpd="sng" algn="ctr">
+      <a:solidFill>
+        <a:schemeClr val="tx1">
+          <a:lumMod val="15000"/>
+          <a:lumOff val="85000"/>
+        </a:schemeClr>
+      </a:solidFill>
+      <a:round/>
+    </a:ln>
+    <a:effectLst/>
+  </c:spPr>
+  <c:txPr>
+    <a:bodyPr/>
+    <a:lstStyle/>
+    <a:p>
+      <a:pPr>
+        <a:defRPr/>
+      </a:pPr>
+      <a:endParaRPr lang="en-US"/>
+    </a:p>
+  </c:txPr>
+  <c:externalData r:id="rId1"/>
+  <c:extLst xmlns:c16r2="http://schemas.microsoft.com/office/drawing/2015/06/chart">
+    <c:ext xmlns:c14="http://schemas.microsoft.com/office/drawing/2007/8/2/chart" uri="{781A3756-C4B2-4CAC-9D66-4F8BD8637D16}">
+      <c14:pivotOptions>
+        <c14:dropZoneFilter val="1"/>
+        <c14:dropZoneCategories val="1"/>
+        <c14:dropZoneData val="1"/>
+        <c14:dropZoneSeries val="1"/>
+        <c14:dropZonesVisible val="1"/>
+      </c14:pivotOptions>
+    </c:ext>
+    <c:ext xmlns:c16="http://schemas.microsoft.com/office/drawing/2014/chart" uri="{E28EC0CA-F0BB-4C9C-879D-F8772B89E7AC}">
+      <c16:pivotOptions16>
+        <c16:showExpandCollapseFieldButtons val="1"/>
+      </c16:pivotOptions16>
+    </c:ext>
+  </c:extLst>
+</c:chartSpace>
+</file>
+
+<file path=ppt/charts/chart3.xml><?xml version="1.0" encoding="utf-8"?>
+<c:chartSpace xmlns:c="http://schemas.openxmlformats.org/drawingml/2006/chart" xmlns:a="http://schemas.openxmlformats.org/drawingml/2006/main" xmlns:r="http://schemas.openxmlformats.org/officeDocument/2006/relationships">
+  <c:lang val="en-US"/>
+  <c:pivotSource>
+    <c:name>[child_of_one.xlsx]15-24 years!PivotTable3</c:name>
+    <c:fmtId val="2"/>
+  </c:pivotSource>
+  <c:chart>
+    <c:title>
+      <c:layout/>
+      <c:spPr>
+        <a:noFill/>
+        <a:ln>
+          <a:noFill/>
+        </a:ln>
+        <a:effectLst/>
+      </c:spPr>
+      <c:txPr>
+        <a:bodyPr rot="0" spcFirstLastPara="1" vertOverflow="ellipsis" vert="horz" wrap="square" anchor="ctr" anchorCtr="1"/>
+        <a:lstStyle/>
+        <a:p>
+          <a:pPr>
+            <a:defRPr sz="1400" b="0" i="0" u="none" strike="noStrike" kern="1200" spc="0" baseline="0">
+              <a:solidFill>
+                <a:schemeClr val="tx1">
+                  <a:lumMod val="65000"/>
+                  <a:lumOff val="35000"/>
+                </a:schemeClr>
+              </a:solidFill>
+              <a:latin typeface="+mn-lt"/>
+              <a:ea typeface="+mn-ea"/>
+              <a:cs typeface="+mn-cs"/>
+            </a:defRPr>
+          </a:pPr>
+          <a:endParaRPr lang="en-US"/>
+        </a:p>
+      </c:txPr>
+    </c:title>
+    <c:pivotFmts>
+      <c:pivotFmt>
+        <c:idx val="0"/>
+        <c:spPr>
+          <a:solidFill>
+            <a:srgbClr val="00B050"/>
+          </a:solidFill>
+          <a:ln>
+            <a:noFill/>
+          </a:ln>
+          <a:effectLst>
+            <a:glow rad="76200">
+              <a:schemeClr val="tx1">
+                <a:alpha val="90000"/>
+              </a:schemeClr>
+            </a:glow>
+          </a:effectLst>
+        </c:spPr>
+        <c:marker>
+          <c:symbol val="none"/>
+        </c:marker>
+      </c:pivotFmt>
+      <c:pivotFmt>
+        <c:idx val="1"/>
+        <c:spPr>
+          <a:solidFill>
+            <a:srgbClr val="00B050"/>
+          </a:solidFill>
+          <a:ln>
+            <a:noFill/>
+          </a:ln>
+          <a:effectLst>
+            <a:glow rad="76200">
+              <a:schemeClr val="tx1">
+                <a:alpha val="90000"/>
+              </a:schemeClr>
+            </a:glow>
+          </a:effectLst>
+        </c:spPr>
+        <c:marker>
+          <c:symbol val="none"/>
+        </c:marker>
+      </c:pivotFmt>
+    </c:pivotFmts>
+    <c:plotArea>
+      <c:layout/>
+      <c:barChart>
+        <c:barDir val="col"/>
+        <c:grouping val="clustered"/>
+        <c:ser>
+          <c:idx val="0"/>
+          <c:order val="0"/>
+          <c:tx>
+            <c:strRef>
+              <c:f>'15-24 years'!$B$3</c:f>
+              <c:strCache>
+                <c:ptCount val="1"/>
+                <c:pt idx="0">
+                  <c:v>Total</c:v>
+                </c:pt>
+              </c:strCache>
+            </c:strRef>
+          </c:tx>
+          <c:spPr>
+            <a:solidFill>
+              <a:srgbClr val="00B050"/>
+            </a:solidFill>
+            <a:ln>
+              <a:noFill/>
+            </a:ln>
+            <a:effectLst>
+              <a:glow rad="76200">
+                <a:schemeClr val="tx1">
+                  <a:alpha val="90000"/>
+                </a:schemeClr>
+              </a:glow>
+            </a:effectLst>
+          </c:spPr>
+          <c:cat>
+            <c:strRef>
+              <c:f>'15-24 years'!$A$4:$A$13</c:f>
+              <c:strCache>
+                <c:ptCount val="9"/>
+                <c:pt idx="0">
+                  <c:v>Percentage of sexually active youth who have ever used any contraceptive method</c:v>
+                </c:pt>
+                <c:pt idx="1">
+                  <c:v>Percentage of youth currently living together</c:v>
+                </c:pt>
+                <c:pt idx="2">
+                  <c:v>Percentage of youth currently married</c:v>
+                </c:pt>
+                <c:pt idx="3">
+                  <c:v>Percentage of youth currently using a modern contraceptive method</c:v>
+                </c:pt>
+                <c:pt idx="4">
+                  <c:v>Percentage of youth exposed to at least one media source (newspaper, radio, television) at least once a week</c:v>
+                </c:pt>
+                <c:pt idx="5">
+                  <c:v>Percentage of youth who cannot read</c:v>
+                </c:pt>
+                <c:pt idx="6">
+                  <c:v>Percentage of youth who had sexual intercourse before age 15</c:v>
+                </c:pt>
+                <c:pt idx="7">
+                  <c:v>Percentage of youth who have had sexual intercourse and who say that their first experience was against their will</c:v>
+                </c:pt>
+                <c:pt idx="8">
+                  <c:v>Percentage of youth with completed primary education</c:v>
+                </c:pt>
+              </c:strCache>
+            </c:strRef>
+          </c:cat>
+          <c:val>
+            <c:numRef>
+              <c:f>'15-24 years'!$B$4:$B$13</c:f>
+              <c:numCache>
+                <c:formatCode>General</c:formatCode>
+                <c:ptCount val="9"/>
+                <c:pt idx="0">
+                  <c:v>3161</c:v>
+                </c:pt>
+                <c:pt idx="1">
+                  <c:v>771</c:v>
+                </c:pt>
+                <c:pt idx="2">
+                  <c:v>753</c:v>
+                </c:pt>
+                <c:pt idx="3">
+                  <c:v>593</c:v>
+                </c:pt>
+                <c:pt idx="4">
+                  <c:v>3890</c:v>
+                </c:pt>
+                <c:pt idx="5">
+                  <c:v>870</c:v>
+                </c:pt>
+                <c:pt idx="6">
+                  <c:v>687</c:v>
+                </c:pt>
+                <c:pt idx="7">
+                  <c:v>983</c:v>
+                </c:pt>
+                <c:pt idx="8">
+                  <c:v>2521</c:v>
+                </c:pt>
+              </c:numCache>
+            </c:numRef>
+          </c:val>
+          <c:extLst xmlns:c16r2="http://schemas.microsoft.com/office/drawing/2015/06/chart">
+            <c:ext xmlns:c16="http://schemas.microsoft.com/office/drawing/2014/chart" uri="{C3380CC4-5D6E-409C-BE32-E72D297353CC}">
+              <c16:uniqueId val="{00000000-D4FE-4CB1-BA64-3271A41A6419}"/>
+            </c:ext>
+          </c:extLst>
+        </c:ser>
+        <c:gapWidth val="219"/>
+        <c:overlap val="-27"/>
+        <c:axId val="82885632"/>
+        <c:axId val="86049536"/>
+      </c:barChart>
+      <c:catAx>
+        <c:axId val="82885632"/>
+        <c:scaling>
+          <c:orientation val="minMax"/>
+        </c:scaling>
+        <c:axPos val="b"/>
+        <c:numFmt formatCode="General" sourceLinked="1"/>
+        <c:majorTickMark val="none"/>
+        <c:tickLblPos val="nextTo"/>
+        <c:spPr>
+          <a:noFill/>
+          <a:ln w="9525" cap="flat" cmpd="sng" algn="ctr">
+            <a:solidFill>
+              <a:schemeClr val="tx1">
+                <a:lumMod val="15000"/>
+                <a:lumOff val="85000"/>
+              </a:schemeClr>
+            </a:solidFill>
+            <a:round/>
+          </a:ln>
+          <a:effectLst/>
+        </c:spPr>
+        <c:txPr>
+          <a:bodyPr rot="-60000000" spcFirstLastPara="1" vertOverflow="ellipsis" vert="horz" wrap="square" anchor="ctr" anchorCtr="1"/>
+          <a:lstStyle/>
+          <a:p>
+            <a:pPr>
+              <a:defRPr sz="900" b="0" i="0" u="none" strike="noStrike" kern="1200" baseline="0">
+                <a:solidFill>
+                  <a:schemeClr val="tx1">
+                    <a:lumMod val="65000"/>
+                    <a:lumOff val="35000"/>
+                  </a:schemeClr>
+                </a:solidFill>
+                <a:latin typeface="+mn-lt"/>
+                <a:ea typeface="+mn-ea"/>
+                <a:cs typeface="+mn-cs"/>
+              </a:defRPr>
+            </a:pPr>
+            <a:endParaRPr lang="en-US"/>
+          </a:p>
+        </c:txPr>
+        <c:crossAx val="86049536"/>
+        <c:crosses val="autoZero"/>
+        <c:auto val="1"/>
+        <c:lblAlgn val="ctr"/>
+        <c:lblOffset val="100"/>
+      </c:catAx>
+      <c:valAx>
+        <c:axId val="86049536"/>
+        <c:scaling>
+          <c:orientation val="minMax"/>
+        </c:scaling>
+        <c:axPos val="l"/>
+        <c:majorGridlines>
+          <c:spPr>
+            <a:ln w="9525" cap="flat" cmpd="sng" algn="ctr">
+              <a:solidFill>
+                <a:schemeClr val="tx1">
+                  <a:lumMod val="15000"/>
+                  <a:lumOff val="85000"/>
+                </a:schemeClr>
+              </a:solidFill>
+              <a:round/>
+            </a:ln>
+            <a:effectLst/>
+          </c:spPr>
+        </c:majorGridlines>
+        <c:numFmt formatCode="General" sourceLinked="1"/>
+        <c:majorTickMark val="none"/>
+        <c:tickLblPos val="nextTo"/>
+        <c:spPr>
+          <a:noFill/>
+          <a:ln>
+            <a:noFill/>
+          </a:ln>
+          <a:effectLst/>
+        </c:spPr>
+        <c:txPr>
+          <a:bodyPr rot="-60000000" spcFirstLastPara="1" vertOverflow="ellipsis" vert="horz" wrap="square" anchor="ctr" anchorCtr="1"/>
+          <a:lstStyle/>
+          <a:p>
+            <a:pPr>
+              <a:defRPr sz="900" b="0" i="0" u="none" strike="noStrike" kern="1200" baseline="0">
+                <a:solidFill>
+                  <a:schemeClr val="tx1">
+                    <a:lumMod val="65000"/>
+                    <a:lumOff val="35000"/>
+                  </a:schemeClr>
+                </a:solidFill>
+                <a:latin typeface="+mn-lt"/>
+                <a:ea typeface="+mn-ea"/>
+                <a:cs typeface="+mn-cs"/>
+              </a:defRPr>
+            </a:pPr>
+            <a:endParaRPr lang="en-US"/>
+          </a:p>
+        </c:txPr>
+        <c:crossAx val="82885632"/>
+        <c:crosses val="autoZero"/>
+        <c:crossBetween val="between"/>
+      </c:valAx>
+      <c:spPr>
+        <a:noFill/>
+        <a:ln>
+          <a:noFill/>
+        </a:ln>
+        <a:effectLst/>
+      </c:spPr>
+    </c:plotArea>
+    <c:legend>
+      <c:legendPos val="r"/>
+      <c:layout/>
+      <c:spPr>
+        <a:noFill/>
+        <a:ln>
+          <a:noFill/>
+        </a:ln>
+        <a:effectLst/>
+      </c:spPr>
+      <c:txPr>
+        <a:bodyPr rot="0" spcFirstLastPara="1" vertOverflow="ellipsis" vert="horz" wrap="square" anchor="ctr" anchorCtr="1"/>
+        <a:lstStyle/>
+        <a:p>
+          <a:pPr>
+            <a:defRPr sz="900" b="0" i="0" u="none" strike="noStrike" kern="1200" baseline="0">
+              <a:solidFill>
+                <a:schemeClr val="tx1">
+                  <a:lumMod val="65000"/>
+                  <a:lumOff val="35000"/>
+                </a:schemeClr>
+              </a:solidFill>
+              <a:latin typeface="+mn-lt"/>
+              <a:ea typeface="+mn-ea"/>
+              <a:cs typeface="+mn-cs"/>
+            </a:defRPr>
+          </a:pPr>
+          <a:endParaRPr lang="en-US"/>
+        </a:p>
+      </c:txPr>
+    </c:legend>
+    <c:plotVisOnly val="1"/>
+    <c:dispBlanksAs val="gap"/>
+  </c:chart>
+  <c:spPr>
+    <a:solidFill>
+      <a:schemeClr val="bg1"/>
+    </a:solidFill>
+    <a:ln w="9525" cap="flat" cmpd="sng" algn="ctr">
+      <a:solidFill>
+        <a:schemeClr val="tx1">
+          <a:lumMod val="15000"/>
+          <a:lumOff val="85000"/>
+        </a:schemeClr>
+      </a:solidFill>
+      <a:round/>
+    </a:ln>
+    <a:effectLst/>
+  </c:spPr>
+  <c:txPr>
+    <a:bodyPr/>
+    <a:lstStyle/>
+    <a:p>
+      <a:pPr>
+        <a:defRPr/>
+      </a:pPr>
+      <a:endParaRPr lang="en-US"/>
+    </a:p>
+  </c:txPr>
+  <c:externalData r:id="rId1"/>
+  <c:extLst xmlns:c16r2="http://schemas.microsoft.com/office/drawing/2015/06/chart">
+    <c:ext xmlns:c14="http://schemas.microsoft.com/office/drawing/2007/8/2/chart" uri="{781A3756-C4B2-4CAC-9D66-4F8BD8637D16}">
+      <c14:pivotOptions>
+        <c14:dropZoneFilter val="1"/>
+        <c14:dropZoneCategories val="1"/>
+        <c14:dropZoneData val="1"/>
+        <c14:dropZoneSeries val="1"/>
+        <c14:dropZonesVisible val="1"/>
+      </c14:pivotOptions>
+    </c:ext>
+    <c:ext xmlns:c16="http://schemas.microsoft.com/office/drawing/2014/chart" uri="{E28EC0CA-F0BB-4C9C-879D-F8772B89E7AC}">
+      <c16:pivotOptions16>
+        <c16:showExpandCollapseFieldButtons val="1"/>
+      </c16:pivotOptions16>
+    </c:ext>
+  </c:extLst>
+</c:chartSpace>
+</file>
+
+<file path=ppt/charts/chart4.xml><?xml version="1.0" encoding="utf-8"?>
+<c:chartSpace xmlns:c="http://schemas.openxmlformats.org/drawingml/2006/chart" xmlns:a="http://schemas.openxmlformats.org/drawingml/2006/main" xmlns:r="http://schemas.openxmlformats.org/officeDocument/2006/relationships">
+  <c:lang val="en-US"/>
+  <c:pivotSource>
+    <c:name>[child_of_one.xlsx]15-19 years!PivotTable2</c:name>
+    <c:fmtId val="2"/>
+  </c:pivotSource>
+  <c:chart>
+    <c:title>
+      <c:layout/>
+      <c:spPr>
+        <a:noFill/>
+        <a:ln>
+          <a:noFill/>
+        </a:ln>
+        <a:effectLst/>
+      </c:spPr>
+      <c:txPr>
+        <a:bodyPr rot="0" spcFirstLastPara="1" vertOverflow="ellipsis" vert="horz" wrap="square" anchor="ctr" anchorCtr="1"/>
+        <a:lstStyle/>
+        <a:p>
+          <a:pPr>
+            <a:defRPr sz="1400" b="0" i="0" u="none" strike="noStrike" kern="1200" spc="0" baseline="0">
+              <a:solidFill>
+                <a:schemeClr val="tx1">
+                  <a:lumMod val="65000"/>
+                  <a:lumOff val="35000"/>
+                </a:schemeClr>
+              </a:solidFill>
+              <a:latin typeface="+mn-lt"/>
+              <a:ea typeface="+mn-ea"/>
+              <a:cs typeface="+mn-cs"/>
+            </a:defRPr>
+          </a:pPr>
+          <a:endParaRPr lang="en-US"/>
+        </a:p>
+      </c:txPr>
+    </c:title>
+    <c:pivotFmts>
+      <c:pivotFmt>
+        <c:idx val="0"/>
+        <c:spPr>
+          <a:solidFill>
+            <a:srgbClr val="00B050"/>
+          </a:solidFill>
+          <a:ln>
+            <a:noFill/>
+          </a:ln>
+          <a:effectLst/>
+          <a:sp3d/>
+        </c:spPr>
+        <c:marker>
+          <c:symbol val="none"/>
+        </c:marker>
+      </c:pivotFmt>
+      <c:pivotFmt>
+        <c:idx val="1"/>
+        <c:spPr>
+          <a:solidFill>
+            <a:srgbClr val="00B050"/>
+          </a:solidFill>
+          <a:ln>
+            <a:noFill/>
+          </a:ln>
+          <a:effectLst/>
+          <a:sp3d/>
+        </c:spPr>
+        <c:marker>
+          <c:symbol val="none"/>
+        </c:marker>
+      </c:pivotFmt>
+    </c:pivotFmts>
+    <c:view3D>
+      <c:depthPercent val="100"/>
+      <c:rAngAx val="1"/>
+    </c:view3D>
+    <c:floor>
+      <c:spPr>
+        <a:noFill/>
+        <a:ln>
+          <a:noFill/>
+        </a:ln>
+        <a:effectLst/>
+        <a:sp3d/>
+      </c:spPr>
+    </c:floor>
+    <c:sideWall>
+      <c:spPr>
+        <a:noFill/>
+        <a:ln>
+          <a:noFill/>
+        </a:ln>
+        <a:effectLst/>
+        <a:sp3d/>
+      </c:spPr>
+    </c:sideWall>
+    <c:backWall>
+      <c:spPr>
+        <a:noFill/>
+        <a:ln>
+          <a:noFill/>
+        </a:ln>
+        <a:effectLst/>
+        <a:sp3d/>
+      </c:spPr>
+    </c:backWall>
+    <c:plotArea>
+      <c:layout/>
+      <c:bar3DChart>
+        <c:barDir val="bar"/>
+        <c:grouping val="clustered"/>
+        <c:ser>
+          <c:idx val="0"/>
+          <c:order val="0"/>
+          <c:tx>
+            <c:strRef>
+              <c:f>'15-19 years'!$B$3</c:f>
+              <c:strCache>
+                <c:ptCount val="1"/>
+                <c:pt idx="0">
+                  <c:v>Total</c:v>
+                </c:pt>
+              </c:strCache>
+            </c:strRef>
+          </c:tx>
+          <c:spPr>
+            <a:solidFill>
+              <a:srgbClr val="00B050"/>
+            </a:solidFill>
+            <a:ln>
+              <a:noFill/>
+            </a:ln>
+            <a:effectLst/>
+            <a:sp3d/>
+          </c:spPr>
+          <c:cat>
+            <c:strRef>
+              <c:f>'15-19 years'!$A$4:$A$15</c:f>
+              <c:strCache>
+                <c:ptCount val="11"/>
+                <c:pt idx="0">
+                  <c:v>Percentage of sexually active youth who have ever used any contraceptive method</c:v>
+                </c:pt>
+                <c:pt idx="1">
+                  <c:v>Percentage of youth currently living together</c:v>
+                </c:pt>
+                <c:pt idx="2">
+                  <c:v>Percentage of youth currently married</c:v>
+                </c:pt>
+                <c:pt idx="3">
+                  <c:v>Percentage of youth currently using a modern contraceptive method</c:v>
+                </c:pt>
+                <c:pt idx="4">
+                  <c:v>Percentage of youth exposed to at least one media source (newspaper, radio, television) at least once a week</c:v>
+                </c:pt>
+                <c:pt idx="5">
+                  <c:v>Percentage of youth who cannot read</c:v>
+                </c:pt>
+                <c:pt idx="6">
+                  <c:v>Percentage of youth who had sexual intercourse before age 15</c:v>
+                </c:pt>
+                <c:pt idx="7">
+                  <c:v>Percentage of youth who have begun childbearing</c:v>
+                </c:pt>
+                <c:pt idx="8">
+                  <c:v>Percentage of youth who have ever been pregnant</c:v>
+                </c:pt>
+                <c:pt idx="9">
+                  <c:v>Percentage of youth who have had sexual intercourse and who say that their first experience was against their will</c:v>
+                </c:pt>
+                <c:pt idx="10">
+                  <c:v>Percentage of youth with completed primary education</c:v>
+                </c:pt>
+              </c:strCache>
+            </c:strRef>
+          </c:cat>
+          <c:val>
+            <c:numRef>
+              <c:f>'15-19 years'!$B$4:$B$15</c:f>
+              <c:numCache>
+                <c:formatCode>General</c:formatCode>
+                <c:ptCount val="11"/>
+                <c:pt idx="0">
+                  <c:v>2818</c:v>
+                </c:pt>
+                <c:pt idx="1">
+                  <c:v>513</c:v>
+                </c:pt>
+                <c:pt idx="2">
+                  <c:v>268</c:v>
+                </c:pt>
+                <c:pt idx="3">
+                  <c:v>353</c:v>
+                </c:pt>
+                <c:pt idx="4">
+                  <c:v>3895</c:v>
+                </c:pt>
+                <c:pt idx="5">
+                  <c:v>842</c:v>
+                </c:pt>
+                <c:pt idx="6">
+                  <c:v>720</c:v>
+                </c:pt>
+                <c:pt idx="7">
+                  <c:v>659</c:v>
+                </c:pt>
+                <c:pt idx="8">
+                  <c:v>682</c:v>
+                </c:pt>
+                <c:pt idx="9">
+                  <c:v>1063</c:v>
+                </c:pt>
+                <c:pt idx="10">
+                  <c:v>2296</c:v>
+                </c:pt>
+              </c:numCache>
+            </c:numRef>
+          </c:val>
+          <c:extLst xmlns:c16r2="http://schemas.microsoft.com/office/drawing/2015/06/chart">
+            <c:ext xmlns:c16="http://schemas.microsoft.com/office/drawing/2014/chart" uri="{C3380CC4-5D6E-409C-BE32-E72D297353CC}">
+              <c16:uniqueId val="{00000000-154F-4199-AAF8-9ECDF68355DF}"/>
+            </c:ext>
+          </c:extLst>
+        </c:ser>
+        <c:shape val="box"/>
+        <c:axId val="86073728"/>
+        <c:axId val="86079360"/>
+        <c:axId val="0"/>
+      </c:bar3DChart>
+      <c:catAx>
+        <c:axId val="86073728"/>
+        <c:scaling>
+          <c:orientation val="minMax"/>
+        </c:scaling>
+        <c:axPos val="l"/>
+        <c:numFmt formatCode="General" sourceLinked="1"/>
+        <c:majorTickMark val="none"/>
+        <c:tickLblPos val="nextTo"/>
+        <c:spPr>
+          <a:noFill/>
+          <a:ln>
+            <a:noFill/>
+          </a:ln>
+          <a:effectLst/>
+        </c:spPr>
+        <c:txPr>
+          <a:bodyPr rot="-60000000" spcFirstLastPara="1" vertOverflow="ellipsis" vert="horz" wrap="square" anchor="ctr" anchorCtr="1"/>
+          <a:lstStyle/>
+          <a:p>
+            <a:pPr>
+              <a:defRPr sz="900" b="0" i="0" u="none" strike="noStrike" kern="1200" baseline="0">
+                <a:solidFill>
+                  <a:schemeClr val="tx1">
+                    <a:lumMod val="65000"/>
+                    <a:lumOff val="35000"/>
+                  </a:schemeClr>
+                </a:solidFill>
+                <a:latin typeface="+mn-lt"/>
+                <a:ea typeface="+mn-ea"/>
+                <a:cs typeface="+mn-cs"/>
+              </a:defRPr>
+            </a:pPr>
+            <a:endParaRPr lang="en-US"/>
+          </a:p>
+        </c:txPr>
+        <c:crossAx val="86079360"/>
+        <c:crosses val="autoZero"/>
+        <c:auto val="1"/>
+        <c:lblAlgn val="ctr"/>
+        <c:lblOffset val="100"/>
+      </c:catAx>
+      <c:valAx>
+        <c:axId val="86079360"/>
+        <c:scaling>
+          <c:orientation val="minMax"/>
+        </c:scaling>
+        <c:axPos val="b"/>
+        <c:majorGridlines>
+          <c:spPr>
+            <a:ln w="9525" cap="flat" cmpd="sng" algn="ctr">
+              <a:solidFill>
+                <a:schemeClr val="tx1">
+                  <a:lumMod val="15000"/>
+                  <a:lumOff val="85000"/>
+                </a:schemeClr>
+              </a:solidFill>
+              <a:round/>
+            </a:ln>
+            <a:effectLst/>
+          </c:spPr>
+        </c:majorGridlines>
+        <c:numFmt formatCode="General" sourceLinked="1"/>
+        <c:majorTickMark val="none"/>
+        <c:tickLblPos val="nextTo"/>
+        <c:spPr>
+          <a:noFill/>
+          <a:ln>
+            <a:noFill/>
+          </a:ln>
+          <a:effectLst/>
+        </c:spPr>
+        <c:txPr>
+          <a:bodyPr rot="-60000000" spcFirstLastPara="1" vertOverflow="ellipsis" vert="horz" wrap="square" anchor="ctr" anchorCtr="1"/>
+          <a:lstStyle/>
+          <a:p>
+            <a:pPr>
+              <a:defRPr sz="900" b="0" i="0" u="none" strike="noStrike" kern="1200" baseline="0">
+                <a:solidFill>
+                  <a:schemeClr val="tx1">
+                    <a:lumMod val="65000"/>
+                    <a:lumOff val="35000"/>
+                  </a:schemeClr>
+                </a:solidFill>
+                <a:latin typeface="+mn-lt"/>
+                <a:ea typeface="+mn-ea"/>
+                <a:cs typeface="+mn-cs"/>
+              </a:defRPr>
+            </a:pPr>
+            <a:endParaRPr lang="en-US"/>
+          </a:p>
+        </c:txPr>
+        <c:crossAx val="86073728"/>
         <c:crosses val="autoZero"/>
         <c:crossBetween val="between"/>
       </c:valAx>
@@ -776,7 +1976,7 @@
             <a:fld id="{BEAF7D20-4BF2-414F-B6FF-0AD495B367B0}" type="datetimeFigureOut">
               <a:rPr lang="en-US" smtClean="0"/>
               <a:pPr/>
-              <a:t>8/12/2020</a:t>
+              <a:t>8/13/2020</a:t>
             </a:fld>
             <a:endParaRPr lang="en-US"/>
           </a:p>
@@ -866,7 +2066,7 @@
     </p:spTree>
     <p:extLst>
       <p:ext uri="{BB962C8B-B14F-4D97-AF65-F5344CB8AC3E}">
-        <p14:creationId xmlns:p14="http://schemas.microsoft.com/office/powerpoint/2010/main" xmlns="" val="2812007631"/>
+        <p14:creationId xmlns="" xmlns:p14="http://schemas.microsoft.com/office/powerpoint/2010/main" val="2812007631"/>
       </p:ext>
     </p:extLst>
   </p:cSld>
@@ -986,7 +2186,7 @@
             <a:fld id="{BEAF7D20-4BF2-414F-B6FF-0AD495B367B0}" type="datetimeFigureOut">
               <a:rPr lang="en-US" smtClean="0"/>
               <a:pPr/>
-              <a:t>8/12/2020</a:t>
+              <a:t>8/13/2020</a:t>
             </a:fld>
             <a:endParaRPr lang="en-US"/>
           </a:p>
@@ -1038,7 +2238,7 @@
     </p:spTree>
     <p:extLst>
       <p:ext uri="{BB962C8B-B14F-4D97-AF65-F5344CB8AC3E}">
-        <p14:creationId xmlns:p14="http://schemas.microsoft.com/office/powerpoint/2010/main" xmlns="" val="1736152266"/>
+        <p14:creationId xmlns="" xmlns:p14="http://schemas.microsoft.com/office/powerpoint/2010/main" val="1736152266"/>
       </p:ext>
     </p:extLst>
   </p:cSld>
@@ -1246,7 +2446,7 @@
             <a:fld id="{BEAF7D20-4BF2-414F-B6FF-0AD495B367B0}" type="datetimeFigureOut">
               <a:rPr lang="en-US" smtClean="0"/>
               <a:pPr/>
-              <a:t>8/12/2020</a:t>
+              <a:t>8/13/2020</a:t>
             </a:fld>
             <a:endParaRPr lang="en-US"/>
           </a:p>
@@ -1298,7 +2498,7 @@
     </p:spTree>
     <p:extLst>
       <p:ext uri="{BB962C8B-B14F-4D97-AF65-F5344CB8AC3E}">
-        <p14:creationId xmlns:p14="http://schemas.microsoft.com/office/powerpoint/2010/main" xmlns="" val="855715231"/>
+        <p14:creationId xmlns="" xmlns:p14="http://schemas.microsoft.com/office/powerpoint/2010/main" val="855715231"/>
       </p:ext>
     </p:extLst>
   </p:cSld>
@@ -1418,7 +2618,7 @@
             <a:fld id="{BEAF7D20-4BF2-414F-B6FF-0AD495B367B0}" type="datetimeFigureOut">
               <a:rPr lang="en-US" smtClean="0"/>
               <a:pPr/>
-              <a:t>8/12/2020</a:t>
+              <a:t>8/13/2020</a:t>
             </a:fld>
             <a:endParaRPr lang="en-US"/>
           </a:p>
@@ -1470,7 +2670,7 @@
     </p:spTree>
     <p:extLst>
       <p:ext uri="{BB962C8B-B14F-4D97-AF65-F5344CB8AC3E}">
-        <p14:creationId xmlns:p14="http://schemas.microsoft.com/office/powerpoint/2010/main" xmlns="" val="2035574099"/>
+        <p14:creationId xmlns="" xmlns:p14="http://schemas.microsoft.com/office/powerpoint/2010/main" val="2035574099"/>
       </p:ext>
     </p:extLst>
   </p:cSld>
@@ -1757,7 +2957,7 @@
             <a:fld id="{BEAF7D20-4BF2-414F-B6FF-0AD495B367B0}" type="datetimeFigureOut">
               <a:rPr lang="en-US" smtClean="0"/>
               <a:pPr/>
-              <a:t>8/12/2020</a:t>
+              <a:t>8/13/2020</a:t>
             </a:fld>
             <a:endParaRPr lang="en-US"/>
           </a:p>
@@ -1847,7 +3047,7 @@
     </p:spTree>
     <p:extLst>
       <p:ext uri="{BB962C8B-B14F-4D97-AF65-F5344CB8AC3E}">
-        <p14:creationId xmlns:p14="http://schemas.microsoft.com/office/powerpoint/2010/main" xmlns="" val="3395251584"/>
+        <p14:creationId xmlns="" xmlns:p14="http://schemas.microsoft.com/office/powerpoint/2010/main" val="3395251584"/>
       </p:ext>
     </p:extLst>
   </p:cSld>
@@ -2034,7 +3234,7 @@
             <a:fld id="{BEAF7D20-4BF2-414F-B6FF-0AD495B367B0}" type="datetimeFigureOut">
               <a:rPr lang="en-US" smtClean="0"/>
               <a:pPr/>
-              <a:t>8/12/2020</a:t>
+              <a:t>8/13/2020</a:t>
             </a:fld>
             <a:endParaRPr lang="en-US"/>
           </a:p>
@@ -2086,7 +3286,7 @@
     </p:spTree>
     <p:extLst>
       <p:ext uri="{BB962C8B-B14F-4D97-AF65-F5344CB8AC3E}">
-        <p14:creationId xmlns:p14="http://schemas.microsoft.com/office/powerpoint/2010/main" xmlns="" val="2793667609"/>
+        <p14:creationId xmlns="" xmlns:p14="http://schemas.microsoft.com/office/powerpoint/2010/main" val="2793667609"/>
       </p:ext>
     </p:extLst>
   </p:cSld>
@@ -2419,7 +3619,7 @@
             <a:fld id="{BEAF7D20-4BF2-414F-B6FF-0AD495B367B0}" type="datetimeFigureOut">
               <a:rPr lang="en-US" smtClean="0"/>
               <a:pPr/>
-              <a:t>8/12/2020</a:t>
+              <a:t>8/13/2020</a:t>
             </a:fld>
             <a:endParaRPr lang="en-US"/>
           </a:p>
@@ -2471,7 +3671,7 @@
     </p:spTree>
     <p:extLst>
       <p:ext uri="{BB962C8B-B14F-4D97-AF65-F5344CB8AC3E}">
-        <p14:creationId xmlns:p14="http://schemas.microsoft.com/office/powerpoint/2010/main" xmlns="" val="1966699086"/>
+        <p14:creationId xmlns="" xmlns:p14="http://schemas.microsoft.com/office/powerpoint/2010/main" val="1966699086"/>
       </p:ext>
     </p:extLst>
   </p:cSld>
@@ -2539,7 +3739,7 @@
             <a:fld id="{BEAF7D20-4BF2-414F-B6FF-0AD495B367B0}" type="datetimeFigureOut">
               <a:rPr lang="en-US" smtClean="0"/>
               <a:pPr/>
-              <a:t>8/12/2020</a:t>
+              <a:t>8/13/2020</a:t>
             </a:fld>
             <a:endParaRPr lang="en-US"/>
           </a:p>
@@ -2591,7 +3791,7 @@
     </p:spTree>
     <p:extLst>
       <p:ext uri="{BB962C8B-B14F-4D97-AF65-F5344CB8AC3E}">
-        <p14:creationId xmlns:p14="http://schemas.microsoft.com/office/powerpoint/2010/main" xmlns="" val="2048826626"/>
+        <p14:creationId xmlns="" xmlns:p14="http://schemas.microsoft.com/office/powerpoint/2010/main" val="2048826626"/>
       </p:ext>
     </p:extLst>
   </p:cSld>
@@ -2714,7 +3914,7 @@
             <a:fld id="{BEAF7D20-4BF2-414F-B6FF-0AD495B367B0}" type="datetimeFigureOut">
               <a:rPr lang="en-US" smtClean="0"/>
               <a:pPr/>
-              <a:t>8/12/2020</a:t>
+              <a:t>8/13/2020</a:t>
             </a:fld>
             <a:endParaRPr lang="en-US"/>
           </a:p>
@@ -2774,7 +3974,7 @@
     </p:spTree>
     <p:extLst>
       <p:ext uri="{BB962C8B-B14F-4D97-AF65-F5344CB8AC3E}">
-        <p14:creationId xmlns:p14="http://schemas.microsoft.com/office/powerpoint/2010/main" xmlns="" val="1889078161"/>
+        <p14:creationId xmlns="" xmlns:p14="http://schemas.microsoft.com/office/powerpoint/2010/main" val="1889078161"/>
       </p:ext>
     </p:extLst>
   </p:cSld>
@@ -3072,7 +4272,7 @@
             <a:fld id="{BEAF7D20-4BF2-414F-B6FF-0AD495B367B0}" type="datetimeFigureOut">
               <a:rPr lang="en-US" smtClean="0"/>
               <a:pPr/>
-              <a:t>8/12/2020</a:t>
+              <a:t>8/13/2020</a:t>
             </a:fld>
             <a:endParaRPr lang="en-US"/>
           </a:p>
@@ -3145,7 +4345,7 @@
     </p:spTree>
     <p:extLst>
       <p:ext uri="{BB962C8B-B14F-4D97-AF65-F5344CB8AC3E}">
-        <p14:creationId xmlns:p14="http://schemas.microsoft.com/office/powerpoint/2010/main" xmlns="" val="4048051450"/>
+        <p14:creationId xmlns="" xmlns:p14="http://schemas.microsoft.com/office/powerpoint/2010/main" val="4048051450"/>
       </p:ext>
     </p:extLst>
   </p:cSld>
@@ -3422,7 +4622,7 @@
             <a:fld id="{BEAF7D20-4BF2-414F-B6FF-0AD495B367B0}" type="datetimeFigureOut">
               <a:rPr lang="en-US" smtClean="0"/>
               <a:pPr/>
-              <a:t>8/12/2020</a:t>
+              <a:t>8/13/2020</a:t>
             </a:fld>
             <a:endParaRPr lang="en-US"/>
           </a:p>
@@ -3490,7 +4690,7 @@
     </p:spTree>
     <p:extLst>
       <p:ext uri="{BB962C8B-B14F-4D97-AF65-F5344CB8AC3E}">
-        <p14:creationId xmlns:p14="http://schemas.microsoft.com/office/powerpoint/2010/main" xmlns="" val="2638286187"/>
+        <p14:creationId xmlns="" xmlns:p14="http://schemas.microsoft.com/office/powerpoint/2010/main" val="2638286187"/>
       </p:ext>
     </p:extLst>
   </p:cSld>
@@ -3735,7 +4935,7 @@
             <a:fld id="{BEAF7D20-4BF2-414F-B6FF-0AD495B367B0}" type="datetimeFigureOut">
               <a:rPr lang="en-US" smtClean="0"/>
               <a:pPr/>
-              <a:t>8/12/2020</a:t>
+              <a:t>8/13/2020</a:t>
             </a:fld>
             <a:endParaRPr lang="en-US"/>
           </a:p>
@@ -3857,7 +5057,7 @@
     </p:spTree>
     <p:extLst>
       <p:ext uri="{BB962C8B-B14F-4D97-AF65-F5344CB8AC3E}">
-        <p14:creationId xmlns:p14="http://schemas.microsoft.com/office/powerpoint/2010/main" xmlns="" val="3943539580"/>
+        <p14:creationId xmlns="" xmlns:p14="http://schemas.microsoft.com/office/powerpoint/2010/main" val="3943539580"/>
       </p:ext>
     </p:extLst>
   </p:cSld>
@@ -4364,7 +5564,7 @@
           <a:blip r:embed="rId2">
             <a:extLst>
               <a:ext uri="{28A0092B-C50C-407E-A947-70E740481C1C}">
-                <a14:useLocalDpi xmlns:a14="http://schemas.microsoft.com/office/drawing/2010/main" xmlns="" val="0"/>
+                <a14:useLocalDpi xmlns="" xmlns:a14="http://schemas.microsoft.com/office/drawing/2010/main" val="0"/>
               </a:ext>
             </a:extLst>
           </a:blip>
@@ -4870,7 +6070,7 @@
           <a:blip r:embed="rId3" cstate="print">
             <a:extLst>
               <a:ext uri="{28A0092B-C50C-407E-A947-70E740481C1C}">
-                <a14:useLocalDpi xmlns="" xmlns:wpc="http://schemas.microsoft.com/office/word/2010/wordprocessingCanvas" xmlns:cx="http://schemas.microsoft.com/office/drawing/2014/chartex" xmlns:mc="http://schemas.openxmlformats.org/markup-compatibility/2006" xmlns:o="urn:schemas-microsoft-com:office:office" xmlns:m="http://schemas.openxmlformats.org/officeDocument/2006/math" xmlns:v="urn:schemas-microsoft-com:vml" xmlns:wp14="http://schemas.microsoft.com/office/word/2010/wordprocessingDrawing" xmlns:wp="http://schemas.openxmlformats.org/drawingml/2006/wordprocessingDrawing" xmlns:w10="urn:schemas-microsoft-com:office:word" xmlns:w="http://schemas.openxmlformats.org/wordprocessingml/2006/main" xmlns:w14="http://schemas.microsoft.com/office/word/2010/wordml" xmlns:w15="http://schemas.microsoft.com/office/word/2012/wordml" xmlns:w16se="http://schemas.microsoft.com/office/word/2015/wordml/symex" xmlns:wpg="http://schemas.microsoft.com/office/word/2010/wordprocessingGroup" xmlns:wpi="http://schemas.microsoft.com/office/word/2010/wordprocessingInk" xmlns:wne="http://schemas.microsoft.com/office/word/2006/wordml" xmlns:wps="http://schemas.microsoft.com/office/word/2010/wordprocessingShape" xmlns:a14="http://schemas.microsoft.com/office/drawing/2010/main" xmlns:pic="http://schemas.openxmlformats.org/drawingml/2006/picture" xmlns:lc="http://schemas.openxmlformats.org/drawingml/2006/lockedCanvas" val="0"/>
+                <a14:useLocalDpi xmlns:lc="http://schemas.openxmlformats.org/drawingml/2006/lockedCanvas" xmlns:pic="http://schemas.openxmlformats.org/drawingml/2006/picture" xmlns:a14="http://schemas.microsoft.com/office/drawing/2010/main" xmlns:wps="http://schemas.microsoft.com/office/word/2010/wordprocessingShape" xmlns:wne="http://schemas.microsoft.com/office/word/2006/wordml" xmlns:wpi="http://schemas.microsoft.com/office/word/2010/wordprocessingInk" xmlns:wpg="http://schemas.microsoft.com/office/word/2010/wordprocessingGroup" xmlns:w16se="http://schemas.microsoft.com/office/word/2015/wordml/symex" xmlns:w15="http://schemas.microsoft.com/office/word/2012/wordml" xmlns:w14="http://schemas.microsoft.com/office/word/2010/wordml" xmlns:w="http://schemas.openxmlformats.org/wordprocessingml/2006/main" xmlns:w10="urn:schemas-microsoft-com:office:word" xmlns:wp="http://schemas.openxmlformats.org/drawingml/2006/wordprocessingDrawing" xmlns:wp14="http://schemas.microsoft.com/office/word/2010/wordprocessingDrawing" xmlns:v="urn:schemas-microsoft-com:vml" xmlns:m="http://schemas.openxmlformats.org/officeDocument/2006/math" xmlns:o="urn:schemas-microsoft-com:office:office" xmlns:mc="http://schemas.openxmlformats.org/markup-compatibility/2006" xmlns:cx="http://schemas.microsoft.com/office/drawing/2014/chartex" xmlns:wpc="http://schemas.microsoft.com/office/word/2010/wordprocessingCanvas" xmlns="" val="0"/>
               </a:ext>
             </a:extLst>
           </a:blip>
@@ -4896,7 +6096,7 @@
     </p:spTree>
     <p:extLst>
       <p:ext uri="{BB962C8B-B14F-4D97-AF65-F5344CB8AC3E}">
-        <p14:creationId xmlns:p14="http://schemas.microsoft.com/office/powerpoint/2010/main" xmlns="" val="4128054542"/>
+        <p14:creationId xmlns="" xmlns:p14="http://schemas.microsoft.com/office/powerpoint/2010/main" val="4128054542"/>
       </p:ext>
     </p:extLst>
   </p:cSld>
@@ -5038,7 +6238,7 @@
                 </a:solidFill>
                 <a:latin typeface="Bell MT" pitchFamily="18" charset="0"/>
               </a:rPr>
-              <a:t>This </a:t>
+              <a:t>This chart shows that </a:t>
             </a:r>
             <a:r>
               <a:rPr lang="en-US" sz="2200" dirty="0" smtClean="0">
@@ -5050,7 +6250,31 @@
                 </a:solidFill>
                 <a:latin typeface="Bell MT" pitchFamily="18" charset="0"/>
               </a:rPr>
-              <a:t>chart shows that it's the young people most exposed to the media who have an early pregnancy.</a:t>
+              <a:t>it's the </a:t>
+            </a:r>
+            <a:r>
+              <a:rPr lang="en-US" sz="2200" dirty="0" smtClean="0">
+                <a:solidFill>
+                  <a:schemeClr val="tx1">
+                    <a:lumMod val="75000"/>
+                    <a:lumOff val="25000"/>
+                  </a:schemeClr>
+                </a:solidFill>
+                <a:latin typeface="Bell MT" pitchFamily="18" charset="0"/>
+              </a:rPr>
+              <a:t>young people most exposed to the media who have an early pregnancy</a:t>
+            </a:r>
+            <a:r>
+              <a:rPr lang="en-US" sz="2200" dirty="0" smtClean="0">
+                <a:solidFill>
+                  <a:schemeClr val="tx1">
+                    <a:lumMod val="75000"/>
+                    <a:lumOff val="25000"/>
+                  </a:schemeClr>
+                </a:solidFill>
+                <a:latin typeface="Bell MT" pitchFamily="18" charset="0"/>
+              </a:rPr>
+              <a:t>.</a:t>
             </a:r>
             <a:endParaRPr kumimoji="0" lang="en-US" sz="2200" b="0" i="0" u="none" strike="noStrike" kern="1200" cap="none" spc="0" normalizeH="0" baseline="0" noProof="0" dirty="0">
               <a:ln>
@@ -5135,13 +6359,9 @@
           <a:p>
             <a:r>
               <a:rPr lang="en-US" dirty="0" smtClean="0"/>
-              <a:t>20-24 </a:t>
-            </a:r>
-            <a:r>
-              <a:rPr lang="en-US" smtClean="0"/>
-              <a:t>years old</a:t>
-            </a:r>
-            <a:endParaRPr lang="en-US"/>
+              <a:t>20-24 years old</a:t>
+            </a:r>
+            <a:endParaRPr lang="en-US" dirty="0"/>
           </a:p>
         </p:txBody>
       </p:sp>
@@ -5155,15 +6375,82 @@
             <p:ph idx="1"/>
           </p:nvPr>
         </p:nvSpPr>
-        <p:spPr/>
+        <p:spPr>
+          <a:xfrm>
+            <a:off x="1111347" y="5289453"/>
+            <a:ext cx="10058400" cy="846928"/>
+          </a:xfrm>
+        </p:spPr>
         <p:txBody>
           <a:bodyPr/>
           <a:lstStyle/>
           <a:p>
-            <a:endParaRPr lang="en-US"/>
-          </a:p>
-        </p:txBody>
-      </p:sp>
+            <a:r>
+              <a:rPr lang="en-US" dirty="0" smtClean="0"/>
+              <a:t>It’s same for group aged between 20 and 24 years old, </a:t>
+            </a:r>
+            <a:r>
+              <a:rPr lang="en-US" dirty="0" smtClean="0">
+                <a:latin typeface="Bell MT" pitchFamily="18" charset="0"/>
+              </a:rPr>
+              <a:t>it's </a:t>
+            </a:r>
+            <a:r>
+              <a:rPr lang="en-US" dirty="0" smtClean="0">
+                <a:latin typeface="Bell MT" pitchFamily="18" charset="0"/>
+              </a:rPr>
+              <a:t>them </a:t>
+            </a:r>
+            <a:r>
+              <a:rPr lang="en-US" dirty="0" smtClean="0">
+                <a:latin typeface="Bell MT" pitchFamily="18" charset="0"/>
+              </a:rPr>
+              <a:t>most exposed to the media who have an early pregnancy.</a:t>
+            </a:r>
+            <a:endParaRPr lang="en-US" dirty="0"/>
+          </a:p>
+        </p:txBody>
+      </p:sp>
+      <p:pic>
+        <p:nvPicPr>
+          <p:cNvPr id="4" name="Image 3" descr="20-24.png"/>
+          <p:cNvPicPr>
+            <a:picLocks noChangeAspect="1"/>
+          </p:cNvPicPr>
+          <p:nvPr/>
+        </p:nvPicPr>
+        <p:blipFill>
+          <a:blip r:embed="rId2"/>
+          <a:stretch>
+            <a:fillRect/>
+          </a:stretch>
+        </p:blipFill>
+        <p:spPr>
+          <a:xfrm>
+            <a:off x="599002" y="2162220"/>
+            <a:ext cx="5506376" cy="2944352"/>
+          </a:xfrm>
+          <a:prstGeom prst="rect">
+            <a:avLst/>
+          </a:prstGeom>
+        </p:spPr>
+      </p:pic>
+      <p:graphicFrame>
+        <p:nvGraphicFramePr>
+          <p:cNvPr id="5" name="Chart 1"/>
+          <p:cNvGraphicFramePr/>
+          <p:nvPr/>
+        </p:nvGraphicFramePr>
+        <p:xfrm>
+          <a:off x="6344529" y="2057400"/>
+          <a:ext cx="5371514" cy="3077308"/>
+        </p:xfrm>
+        <a:graphic>
+          <a:graphicData uri="http://schemas.openxmlformats.org/drawingml/2006/chart">
+            <c:chart xmlns:c="http://schemas.openxmlformats.org/drawingml/2006/chart" xmlns:r="http://schemas.openxmlformats.org/officeDocument/2006/relationships" r:id="rId3"/>
+          </a:graphicData>
+        </a:graphic>
+      </p:graphicFrame>
     </p:spTree>
   </p:cSld>
   <p:clrMapOvr>
@@ -5211,26 +6498,232 @@
           <a:bodyPr/>
           <a:lstStyle/>
           <a:p>
-            <a:endParaRPr lang="en-US"/>
-          </a:p>
-        </p:txBody>
-      </p:sp>
-      <p:sp>
-        <p:nvSpPr>
-          <p:cNvPr id="3" name="Espace réservé du contenu 2"/>
-          <p:cNvSpPr>
-            <a:spLocks noGrp="1"/>
-          </p:cNvSpPr>
+            <a:r>
+              <a:rPr lang="en-US" dirty="0" smtClean="0"/>
+              <a:t>15-24 </a:t>
+            </a:r>
+            <a:r>
+              <a:rPr lang="en-US" dirty="0" smtClean="0"/>
+              <a:t>years old</a:t>
+            </a:r>
+            <a:endParaRPr lang="en-US" dirty="0"/>
+          </a:p>
+        </p:txBody>
+      </p:sp>
+      <p:pic>
+        <p:nvPicPr>
+          <p:cNvPr id="4" name="Espace réservé du contenu 3" descr="15-24.png"/>
+          <p:cNvPicPr>
+            <a:picLocks noGrp="1" noChangeAspect="1"/>
+          </p:cNvPicPr>
           <p:nvPr>
             <p:ph idx="1"/>
           </p:nvPr>
-        </p:nvSpPr>
-        <p:spPr/>
-        <p:txBody>
-          <a:bodyPr/>
+        </p:nvPicPr>
+        <p:blipFill>
+          <a:blip r:embed="rId2"/>
+          <a:stretch>
+            <a:fillRect/>
+          </a:stretch>
+        </p:blipFill>
+        <p:spPr>
+          <a:xfrm>
+            <a:off x="337625" y="2082019"/>
+            <a:ext cx="5570807" cy="3165230"/>
+          </a:xfrm>
+        </p:spPr>
+      </p:pic>
+      <p:graphicFrame>
+        <p:nvGraphicFramePr>
+          <p:cNvPr id="5" name="Chart 1"/>
+          <p:cNvGraphicFramePr/>
+          <p:nvPr/>
+        </p:nvGraphicFramePr>
+        <p:xfrm>
+          <a:off x="6189785" y="2025748"/>
+          <a:ext cx="5190978" cy="3221501"/>
+        </p:xfrm>
+        <a:graphic>
+          <a:graphicData uri="http://schemas.openxmlformats.org/drawingml/2006/chart">
+            <c:chart xmlns:c="http://schemas.openxmlformats.org/drawingml/2006/chart" xmlns:r="http://schemas.openxmlformats.org/officeDocument/2006/relationships" r:id="rId3"/>
+          </a:graphicData>
+        </a:graphic>
+      </p:graphicFrame>
+      <p:sp>
+        <p:nvSpPr>
+          <p:cNvPr id="6" name="Espace réservé du contenu 2"/>
+          <p:cNvSpPr txBox="1">
+            <a:spLocks/>
+          </p:cNvSpPr>
+          <p:nvPr/>
+        </p:nvSpPr>
+        <p:spPr>
+          <a:xfrm>
+            <a:off x="450166" y="5486400"/>
+            <a:ext cx="11324492" cy="815925"/>
+          </a:xfrm>
+          <a:prstGeom prst="rect">
+            <a:avLst/>
+          </a:prstGeom>
+        </p:spPr>
+        <p:txBody>
+          <a:bodyPr vert="horz" lIns="0" tIns="45720" rIns="0" bIns="45720" rtlCol="0">
+            <a:normAutofit/>
+          </a:bodyPr>
           <a:lstStyle/>
           <a:p>
-            <a:endParaRPr lang="en-US"/>
+            <a:pPr marL="91440" lvl="0" indent="-91440">
+              <a:lnSpc>
+                <a:spcPct val="90000"/>
+              </a:lnSpc>
+              <a:spcBef>
+                <a:spcPts val="1200"/>
+              </a:spcBef>
+              <a:spcAft>
+                <a:spcPts val="200"/>
+              </a:spcAft>
+              <a:buClr>
+                <a:schemeClr val="accent3"/>
+              </a:buClr>
+              <a:buSzPct val="100000"/>
+              <a:buFont typeface="Calibri" panose="020F0502020204030204" pitchFamily="34" charset="0"/>
+              <a:buChar char=" "/>
+            </a:pPr>
+            <a:r>
+              <a:rPr lang="en-US" sz="2200" dirty="0" smtClean="0">
+                <a:solidFill>
+                  <a:schemeClr val="tx1">
+                    <a:lumMod val="75000"/>
+                    <a:lumOff val="25000"/>
+                  </a:schemeClr>
+                </a:solidFill>
+                <a:latin typeface="Bell MT" pitchFamily="18" charset="0"/>
+              </a:rPr>
+              <a:t>This chart shows that </a:t>
+            </a:r>
+            <a:r>
+              <a:rPr lang="en-US" sz="2200" dirty="0" smtClean="0">
+                <a:solidFill>
+                  <a:schemeClr val="tx1">
+                    <a:lumMod val="75000"/>
+                    <a:lumOff val="25000"/>
+                  </a:schemeClr>
+                </a:solidFill>
+                <a:latin typeface="Bell MT" pitchFamily="18" charset="0"/>
+              </a:rPr>
+              <a:t>more </a:t>
+            </a:r>
+            <a:r>
+              <a:rPr lang="en-US" sz="2200" dirty="0" smtClean="0">
+                <a:solidFill>
+                  <a:schemeClr val="tx1">
+                    <a:lumMod val="75000"/>
+                    <a:lumOff val="25000"/>
+                  </a:schemeClr>
+                </a:solidFill>
+                <a:latin typeface="Bell MT" pitchFamily="18" charset="0"/>
+              </a:rPr>
+              <a:t>the </a:t>
+            </a:r>
+            <a:r>
+              <a:rPr lang="en-US" sz="2200" dirty="0" smtClean="0">
+                <a:solidFill>
+                  <a:schemeClr val="tx1">
+                    <a:lumMod val="75000"/>
+                    <a:lumOff val="25000"/>
+                  </a:schemeClr>
+                </a:solidFill>
+                <a:latin typeface="Bell MT" pitchFamily="18" charset="0"/>
+              </a:rPr>
+              <a:t>young people most exposed to the media </a:t>
+            </a:r>
+            <a:r>
+              <a:rPr lang="en-US" sz="2200" dirty="0" smtClean="0">
+                <a:solidFill>
+                  <a:schemeClr val="tx1">
+                    <a:lumMod val="75000"/>
+                    <a:lumOff val="25000"/>
+                  </a:schemeClr>
+                </a:solidFill>
+                <a:latin typeface="Bell MT" pitchFamily="18" charset="0"/>
+              </a:rPr>
+              <a:t>more he</a:t>
+            </a:r>
+            <a:r>
+              <a:rPr lang="en-US" sz="2200" dirty="0" smtClean="0">
+                <a:solidFill>
+                  <a:schemeClr val="tx1">
+                    <a:lumMod val="75000"/>
+                    <a:lumOff val="25000"/>
+                  </a:schemeClr>
+                </a:solidFill>
+                <a:latin typeface="Bell MT" pitchFamily="18" charset="0"/>
+              </a:rPr>
+              <a:t> </a:t>
+            </a:r>
+            <a:r>
+              <a:rPr lang="en-US" sz="2200" dirty="0" smtClean="0">
+                <a:solidFill>
+                  <a:schemeClr val="tx1">
+                    <a:lumMod val="75000"/>
+                    <a:lumOff val="25000"/>
+                  </a:schemeClr>
+                </a:solidFill>
+                <a:latin typeface="Bell MT" pitchFamily="18" charset="0"/>
+              </a:rPr>
+              <a:t>have </a:t>
+            </a:r>
+            <a:r>
+              <a:rPr lang="en-US" sz="2200" dirty="0" smtClean="0">
+                <a:solidFill>
+                  <a:schemeClr val="tx1">
+                    <a:lumMod val="75000"/>
+                    <a:lumOff val="25000"/>
+                  </a:schemeClr>
+                </a:solidFill>
+                <a:latin typeface="Bell MT" pitchFamily="18" charset="0"/>
+              </a:rPr>
+              <a:t>chance to have an </a:t>
+            </a:r>
+            <a:r>
+              <a:rPr lang="en-US" sz="2200" dirty="0" smtClean="0">
+                <a:solidFill>
+                  <a:schemeClr val="tx1">
+                    <a:lumMod val="75000"/>
+                    <a:lumOff val="25000"/>
+                  </a:schemeClr>
+                </a:solidFill>
+                <a:latin typeface="Bell MT" pitchFamily="18" charset="0"/>
+              </a:rPr>
+              <a:t>early pregnancy</a:t>
+            </a:r>
+            <a:r>
+              <a:rPr lang="en-US" sz="2200" dirty="0" smtClean="0">
+                <a:solidFill>
+                  <a:schemeClr val="tx1">
+                    <a:lumMod val="75000"/>
+                    <a:lumOff val="25000"/>
+                  </a:schemeClr>
+                </a:solidFill>
+                <a:latin typeface="Bell MT" pitchFamily="18" charset="0"/>
+              </a:rPr>
+              <a:t>.</a:t>
+            </a:r>
+            <a:endParaRPr kumimoji="0" lang="en-US" sz="2200" b="0" i="0" u="none" strike="noStrike" kern="1200" cap="none" spc="0" normalizeH="0" baseline="0" noProof="0" dirty="0">
+              <a:ln>
+                <a:noFill/>
+              </a:ln>
+              <a:solidFill>
+                <a:schemeClr val="tx1">
+                  <a:lumMod val="75000"/>
+                  <a:lumOff val="25000"/>
+                </a:schemeClr>
+              </a:solidFill>
+              <a:effectLst/>
+              <a:uLnTx/>
+              <a:uFillTx/>
+              <a:latin typeface="Bell MT" pitchFamily="18" charset="0"/>
+            </a:endParaRPr>
           </a:p>
         </p:txBody>
       </p:sp>
@@ -5274,26 +6767,197 @@
           <a:bodyPr/>
           <a:lstStyle/>
           <a:p>
-            <a:endParaRPr lang="en-US"/>
-          </a:p>
-        </p:txBody>
-      </p:sp>
-      <p:sp>
-        <p:nvSpPr>
-          <p:cNvPr id="3" name="Espace réservé du contenu 2"/>
-          <p:cNvSpPr>
-            <a:spLocks noGrp="1"/>
-          </p:cNvSpPr>
+            <a:r>
+              <a:rPr lang="en-US" dirty="0" smtClean="0"/>
+              <a:t>15-19 years </a:t>
+            </a:r>
+            <a:r>
+              <a:rPr lang="en-US" dirty="0" smtClean="0"/>
+              <a:t>old</a:t>
+            </a:r>
+            <a:endParaRPr lang="en-US" dirty="0"/>
+          </a:p>
+        </p:txBody>
+      </p:sp>
+      <p:pic>
+        <p:nvPicPr>
+          <p:cNvPr id="4" name="Espace réservé du contenu 3" descr="15-19.png"/>
+          <p:cNvPicPr>
+            <a:picLocks noGrp="1" noChangeAspect="1"/>
+          </p:cNvPicPr>
           <p:nvPr>
             <p:ph idx="1"/>
           </p:nvPr>
-        </p:nvSpPr>
-        <p:spPr/>
-        <p:txBody>
-          <a:bodyPr/>
+        </p:nvPicPr>
+        <p:blipFill>
+          <a:blip r:embed="rId2"/>
+          <a:stretch>
+            <a:fillRect/>
+          </a:stretch>
+        </p:blipFill>
+        <p:spPr>
+          <a:xfrm>
+            <a:off x="534573" y="1973747"/>
+            <a:ext cx="6625882" cy="2867425"/>
+          </a:xfrm>
+        </p:spPr>
+      </p:pic>
+      <p:graphicFrame>
+        <p:nvGraphicFramePr>
+          <p:cNvPr id="5" name="Chart 1"/>
+          <p:cNvGraphicFramePr/>
+          <p:nvPr/>
+        </p:nvGraphicFramePr>
+        <p:xfrm>
+          <a:off x="7338646" y="2071468"/>
+          <a:ext cx="4572000" cy="2743200"/>
+        </p:xfrm>
+        <a:graphic>
+          <a:graphicData uri="http://schemas.openxmlformats.org/drawingml/2006/chart">
+            <c:chart xmlns:c="http://schemas.openxmlformats.org/drawingml/2006/chart" xmlns:r="http://schemas.openxmlformats.org/officeDocument/2006/relationships" r:id="rId3"/>
+          </a:graphicData>
+        </a:graphic>
+      </p:graphicFrame>
+      <p:sp>
+        <p:nvSpPr>
+          <p:cNvPr id="6" name="Espace réservé du contenu 2"/>
+          <p:cNvSpPr txBox="1">
+            <a:spLocks/>
+          </p:cNvSpPr>
+          <p:nvPr/>
+        </p:nvSpPr>
+        <p:spPr>
+          <a:xfrm>
+            <a:off x="1111347" y="5289453"/>
+            <a:ext cx="10058400" cy="846928"/>
+          </a:xfrm>
+          <a:prstGeom prst="rect">
+            <a:avLst/>
+          </a:prstGeom>
+        </p:spPr>
+        <p:txBody>
+          <a:bodyPr vert="horz" lIns="0" tIns="45720" rIns="0" bIns="45720" rtlCol="0">
+            <a:normAutofit lnSpcReduction="10000"/>
+          </a:bodyPr>
           <a:lstStyle/>
           <a:p>
-            <a:endParaRPr lang="en-US"/>
+            <a:pPr marL="91440" lvl="0" indent="-91440">
+              <a:lnSpc>
+                <a:spcPct val="90000"/>
+              </a:lnSpc>
+              <a:spcBef>
+                <a:spcPts val="1200"/>
+              </a:spcBef>
+              <a:spcAft>
+                <a:spcPts val="200"/>
+              </a:spcAft>
+              <a:buClr>
+                <a:schemeClr val="accent3"/>
+              </a:buClr>
+              <a:buSzPct val="100000"/>
+              <a:buFont typeface="Calibri" panose="020F0502020204030204" pitchFamily="34" charset="0"/>
+              <a:buChar char=" "/>
+            </a:pPr>
+            <a:r>
+              <a:rPr lang="en-US" sz="2000" dirty="0" smtClean="0">
+                <a:solidFill>
+                  <a:schemeClr val="tx1">
+                    <a:lumMod val="75000"/>
+                    <a:lumOff val="25000"/>
+                  </a:schemeClr>
+                </a:solidFill>
+              </a:rPr>
+              <a:t>F</a:t>
+            </a:r>
+            <a:r>
+              <a:rPr kumimoji="0" lang="en-US" sz="2000" b="0" i="0" u="none" strike="noStrike" kern="1200" cap="none" spc="0" normalizeH="0" baseline="0" noProof="0" dirty="0" smtClean="0">
+                <a:ln>
+                  <a:noFill/>
+                </a:ln>
+                <a:solidFill>
+                  <a:schemeClr val="tx1">
+                    <a:lumMod val="75000"/>
+                    <a:lumOff val="25000"/>
+                  </a:schemeClr>
+                </a:solidFill>
+                <a:effectLst/>
+                <a:uLnTx/>
+                <a:uFillTx/>
+                <a:latin typeface="+mn-lt"/>
+                <a:ea typeface="+mn-ea"/>
+                <a:cs typeface="+mn-cs"/>
+              </a:rPr>
+              <a:t>or group aged between 15 and 19 years old, </a:t>
+            </a:r>
+            <a:r>
+              <a:rPr kumimoji="0" lang="en-US" sz="2000" b="0" i="0" u="none" strike="noStrike" kern="1200" cap="none" spc="0" normalizeH="0" baseline="0" noProof="0" dirty="0" smtClean="0">
+                <a:ln>
+                  <a:noFill/>
+                </a:ln>
+                <a:solidFill>
+                  <a:schemeClr val="tx1">
+                    <a:lumMod val="75000"/>
+                    <a:lumOff val="25000"/>
+                  </a:schemeClr>
+                </a:solidFill>
+                <a:effectLst/>
+                <a:uLnTx/>
+                <a:uFillTx/>
+                <a:latin typeface="Bell MT" pitchFamily="18" charset="0"/>
+                <a:ea typeface="+mn-ea"/>
+                <a:cs typeface="+mn-cs"/>
+              </a:rPr>
+              <a:t>it's them most exposed to the media who have an early pregnancy,</a:t>
+            </a:r>
+            <a:r>
+              <a:rPr kumimoji="0" lang="en-US" sz="2000" b="0" i="0" u="none" strike="noStrike" kern="1200" cap="none" spc="0" normalizeH="0" noProof="0" dirty="0" smtClean="0">
+                <a:ln>
+                  <a:noFill/>
+                </a:ln>
+                <a:solidFill>
+                  <a:schemeClr val="tx1">
+                    <a:lumMod val="75000"/>
+                    <a:lumOff val="25000"/>
+                  </a:schemeClr>
+                </a:solidFill>
+                <a:effectLst/>
+                <a:uLnTx/>
+                <a:uFillTx/>
+                <a:latin typeface="Bell MT" pitchFamily="18" charset="0"/>
+                <a:ea typeface="+mn-ea"/>
+                <a:cs typeface="+mn-cs"/>
+              </a:rPr>
+              <a:t> follow by the p</a:t>
+            </a:r>
+            <a:r>
+              <a:rPr lang="en-US" sz="2000" dirty="0" err="1" smtClean="0"/>
+              <a:t>ercentage</a:t>
+            </a:r>
+            <a:r>
+              <a:rPr lang="en-US" sz="2000" dirty="0" smtClean="0"/>
+              <a:t> </a:t>
+            </a:r>
+            <a:r>
+              <a:rPr lang="en-US" sz="2000" dirty="0" smtClean="0"/>
+              <a:t>of sexually active youth who have ever used any contraceptive method </a:t>
+            </a:r>
+            <a:endParaRPr kumimoji="0" lang="en-US" sz="2000" b="0" i="0" u="none" strike="noStrike" kern="1200" cap="none" spc="0" normalizeH="0" baseline="0" noProof="0" dirty="0">
+              <a:ln>
+                <a:noFill/>
+              </a:ln>
+              <a:solidFill>
+                <a:schemeClr val="tx1">
+                  <a:lumMod val="75000"/>
+                  <a:lumOff val="25000"/>
+                </a:schemeClr>
+              </a:solidFill>
+              <a:effectLst/>
+              <a:uLnTx/>
+              <a:uFillTx/>
+              <a:latin typeface="+mn-lt"/>
+              <a:ea typeface="+mn-ea"/>
+              <a:cs typeface="+mn-cs"/>
+            </a:endParaRPr>
           </a:p>
         </p:txBody>
       </p:sp>
@@ -5324,7 +6988,156 @@
       </p:grpSpPr>
       <p:sp>
         <p:nvSpPr>
-          <p:cNvPr id="2" name="Title 1"/>
+          <p:cNvPr id="3" name="Espace réservé du contenu 2"/>
+          <p:cNvSpPr>
+            <a:spLocks noGrp="1"/>
+          </p:cNvSpPr>
+          <p:nvPr>
+            <p:ph idx="1"/>
+          </p:nvPr>
+        </p:nvSpPr>
+        <p:spPr>
+          <a:xfrm>
+            <a:off x="506437" y="1845734"/>
+            <a:ext cx="11057206" cy="4470660"/>
+          </a:xfrm>
+        </p:spPr>
+        <p:txBody>
+          <a:bodyPr>
+            <a:noAutofit/>
+          </a:bodyPr>
+          <a:lstStyle/>
+          <a:p>
+            <a:pPr algn="just"/>
+            <a:r>
+              <a:rPr lang="en-US" dirty="0" smtClean="0">
+                <a:latin typeface="Bell MT" pitchFamily="18" charset="0"/>
+              </a:rPr>
+              <a:t>Whatever </a:t>
+            </a:r>
+            <a:r>
+              <a:rPr lang="en-US" dirty="0" smtClean="0">
+                <a:latin typeface="Bell MT" pitchFamily="18" charset="0"/>
+              </a:rPr>
+              <a:t>t</a:t>
+            </a:r>
+            <a:r>
+              <a:rPr lang="en-US" dirty="0" smtClean="0">
+                <a:latin typeface="Bell MT" pitchFamily="18" charset="0"/>
+              </a:rPr>
+              <a:t>he age group, media exposure is the most recorded variable because: </a:t>
+            </a:r>
+          </a:p>
+          <a:p>
+            <a:pPr algn="just"/>
+            <a:r>
+              <a:rPr lang="en-US" dirty="0" smtClean="0">
+                <a:latin typeface="Bell MT" pitchFamily="18" charset="0"/>
+              </a:rPr>
+              <a:t>only 12% of sexual information is provided by family and 29% by friends</a:t>
+            </a:r>
+            <a:r>
+              <a:rPr lang="en-US" dirty="0" smtClean="0">
+                <a:latin typeface="Bell MT" pitchFamily="18" charset="0"/>
+              </a:rPr>
+              <a:t>;</a:t>
+            </a:r>
+          </a:p>
+          <a:p>
+            <a:pPr algn="just"/>
+            <a:r>
+              <a:rPr lang="en-US" b="1" dirty="0" smtClean="0">
+                <a:latin typeface="Bell MT" pitchFamily="18" charset="0"/>
+              </a:rPr>
+              <a:t>All the variable let’s us know that</a:t>
+            </a:r>
+            <a:r>
+              <a:rPr lang="en-US" dirty="0" smtClean="0">
+                <a:latin typeface="Bell MT" pitchFamily="18" charset="0"/>
+              </a:rPr>
+              <a:t>: </a:t>
+            </a:r>
+          </a:p>
+          <a:p>
+            <a:pPr algn="just"/>
+            <a:r>
+              <a:rPr lang="en-US" dirty="0" smtClean="0">
+                <a:latin typeface="Bell MT" pitchFamily="18" charset="0"/>
+              </a:rPr>
+              <a:t>the average age at first sexual intercourse is 13;</a:t>
+            </a:r>
+          </a:p>
+          <a:p>
+            <a:pPr algn="just"/>
+            <a:r>
+              <a:rPr lang="en-US" dirty="0" smtClean="0">
+                <a:latin typeface="Bell MT" pitchFamily="18" charset="0"/>
+              </a:rPr>
+              <a:t>3% of teenage girls have already had 3 children;</a:t>
+            </a:r>
+          </a:p>
+          <a:p>
+            <a:pPr algn="just"/>
+            <a:r>
+              <a:rPr lang="en-US" dirty="0" smtClean="0">
+                <a:latin typeface="Bell MT" pitchFamily="18" charset="0"/>
+              </a:rPr>
+              <a:t>the maximum number of pregnancies is 5;</a:t>
+            </a:r>
+          </a:p>
+          <a:p>
+            <a:pPr algn="just"/>
+            <a:r>
+              <a:rPr lang="en-US" dirty="0" smtClean="0">
+                <a:latin typeface="Bell MT" pitchFamily="18" charset="0"/>
+              </a:rPr>
+              <a:t>only </a:t>
+            </a:r>
+            <a:r>
+              <a:rPr lang="en-US" dirty="0" smtClean="0">
+                <a:latin typeface="Bell MT" pitchFamily="18" charset="0"/>
+              </a:rPr>
+              <a:t>16% of the progenitors are adolescents and 47% are over 28 years of age;</a:t>
+            </a:r>
+          </a:p>
+          <a:p>
+            <a:pPr algn="just"/>
+            <a:r>
+              <a:rPr lang="en-US" dirty="0" smtClean="0">
+                <a:latin typeface="Bell MT" pitchFamily="18" charset="0"/>
+              </a:rPr>
+              <a:t>93% of adolescent girls do not use condoms or use them only sometimes;</a:t>
+            </a:r>
+          </a:p>
+          <a:p>
+            <a:pPr algn="just"/>
+            <a:r>
+              <a:rPr lang="en-US" dirty="0" smtClean="0">
+                <a:latin typeface="Bell MT" pitchFamily="18" charset="0"/>
+              </a:rPr>
+              <a:t>90% do not know about family planning methods and how they work;</a:t>
+            </a:r>
+          </a:p>
+          <a:p>
+            <a:pPr algn="just"/>
+            <a:r>
+              <a:rPr lang="en-US" dirty="0" smtClean="0">
+                <a:latin typeface="Bell MT" pitchFamily="18" charset="0"/>
+              </a:rPr>
+              <a:t>92% do not know their menstrual cycle and 88% do not know their fertile period</a:t>
+            </a:r>
+          </a:p>
+          <a:p>
+            <a:pPr algn="just"/>
+            <a:endParaRPr lang="en-US" dirty="0">
+              <a:latin typeface="Bell MT" pitchFamily="18" charset="0"/>
+            </a:endParaRPr>
+          </a:p>
+        </p:txBody>
+      </p:sp>
+      <p:sp>
+        <p:nvSpPr>
+          <p:cNvPr id="4" name="Titre 1"/>
           <p:cNvSpPr>
             <a:spLocks noGrp="1"/>
           </p:cNvSpPr>
@@ -5332,18 +7145,95 @@
             <p:ph type="title"/>
           </p:nvPr>
         </p:nvSpPr>
-        <p:spPr/>
+        <p:spPr>
+          <a:xfrm>
+            <a:off x="1097280" y="286603"/>
+            <a:ext cx="10058400" cy="1450757"/>
+          </a:xfrm>
+        </p:spPr>
         <p:txBody>
           <a:bodyPr/>
           <a:lstStyle/>
           <a:p>
-            <a:endParaRPr lang="en-US"/>
-          </a:p>
-        </p:txBody>
-      </p:sp>
-      <p:sp>
-        <p:nvSpPr>
-          <p:cNvPr id="3" name="Content Placeholder 2"/>
+            <a:r>
+              <a:rPr lang="en-US" dirty="0" smtClean="0">
+                <a:solidFill>
+                  <a:srgbClr val="00B050"/>
+                </a:solidFill>
+                <a:latin typeface="Agency FB" pitchFamily="34" charset="0"/>
+              </a:rPr>
+              <a:t>Abstract</a:t>
+            </a:r>
+            <a:endParaRPr lang="en-US" dirty="0">
+              <a:solidFill>
+                <a:srgbClr val="00B050"/>
+              </a:solidFill>
+              <a:latin typeface="Agency FB" pitchFamily="34" charset="0"/>
+            </a:endParaRPr>
+          </a:p>
+        </p:txBody>
+      </p:sp>
+    </p:spTree>
+  </p:cSld>
+  <p:clrMapOvr>
+    <a:masterClrMapping/>
+  </p:clrMapOvr>
+</p:sld>
+</file>
+
+<file path=ppt/slides/slide15.xml><?xml version="1.0" encoding="utf-8"?>
+<p:sld xmlns:a="http://schemas.openxmlformats.org/drawingml/2006/main" xmlns:r="http://schemas.openxmlformats.org/officeDocument/2006/relationships" xmlns:p="http://schemas.openxmlformats.org/presentationml/2006/main">
+  <p:cSld>
+    <p:spTree>
+      <p:nvGrpSpPr>
+        <p:cNvPr id="1" name=""/>
+        <p:cNvGrpSpPr/>
+        <p:nvPr/>
+      </p:nvGrpSpPr>
+      <p:grpSpPr>
+        <a:xfrm>
+          <a:off x="0" y="0"/>
+          <a:ext cx="0" cy="0"/>
+          <a:chOff x="0" y="0"/>
+          <a:chExt cx="0" cy="0"/>
+        </a:xfrm>
+      </p:grpSpPr>
+      <p:sp>
+        <p:nvSpPr>
+          <p:cNvPr id="2" name="Titre 1"/>
+          <p:cNvSpPr>
+            <a:spLocks noGrp="1"/>
+          </p:cNvSpPr>
+          <p:nvPr>
+            <p:ph type="title"/>
+          </p:nvPr>
+        </p:nvSpPr>
+        <p:spPr/>
+        <p:txBody>
+          <a:bodyPr/>
+          <a:lstStyle/>
+          <a:p>
+            <a:r>
+              <a:rPr lang="en-US" dirty="0" smtClean="0">
+                <a:solidFill>
+                  <a:srgbClr val="00B050"/>
+                </a:solidFill>
+                <a:latin typeface="Agency FB" pitchFamily="34" charset="0"/>
+              </a:rPr>
+              <a:t>Abstract &amp; Discussion</a:t>
+            </a:r>
+            <a:endParaRPr lang="en-US" dirty="0">
+              <a:solidFill>
+                <a:srgbClr val="00B050"/>
+              </a:solidFill>
+              <a:latin typeface="Agency FB" pitchFamily="34" charset="0"/>
+            </a:endParaRPr>
+          </a:p>
+        </p:txBody>
+      </p:sp>
+      <p:sp>
+        <p:nvSpPr>
+          <p:cNvPr id="3" name="Espace réservé du contenu 2"/>
           <p:cNvSpPr>
             <a:spLocks noGrp="1"/>
           </p:cNvSpPr>
@@ -5351,59 +7241,363 @@
             <p:ph idx="1"/>
           </p:nvPr>
         </p:nvSpPr>
-        <p:spPr/>
-        <p:txBody>
-          <a:bodyPr/>
+        <p:spPr>
+          <a:xfrm>
+            <a:off x="464234" y="1845734"/>
+            <a:ext cx="11324492" cy="4273712"/>
+          </a:xfrm>
+        </p:spPr>
+        <p:txBody>
+          <a:bodyPr>
+            <a:normAutofit/>
+          </a:bodyPr>
           <a:lstStyle/>
           <a:p>
-            <a:r>
-              <a:rPr lang="en-US" dirty="0"/>
-              <a:t>- only 12% of sexual information is provided by family and 29% by friends;</a:t>
-            </a:r>
-          </a:p>
-          <a:p>
-            <a:r>
-              <a:rPr lang="en-US" dirty="0"/>
-              <a:t>- only 16% of the progenitors are adolescents and 47% are over 28 years of age;</a:t>
-            </a:r>
-          </a:p>
-          <a:p>
-            <a:r>
-              <a:rPr lang="en-US" dirty="0"/>
-              <a:t>- 93% of adolescent girls do not use condoms or use them only sometimes;</a:t>
-            </a:r>
-          </a:p>
-          <a:p>
-            <a:r>
-              <a:rPr lang="en-US" dirty="0"/>
-              <a:t>- 90% do not know about family planning methods and how they work;</a:t>
-            </a:r>
-          </a:p>
-          <a:p>
-            <a:r>
-              <a:rPr lang="en-US" dirty="0"/>
-              <a:t>- 92% do not know their menstrual cycle and 88% do not know their fertile period"</a:t>
-            </a:r>
+            <a:pPr algn="just"/>
+            <a:r>
+              <a:rPr lang="en-US" sz="2200" dirty="0" smtClean="0">
+                <a:latin typeface="Bell MT" pitchFamily="18" charset="0"/>
+              </a:rPr>
+              <a:t>A girl's pregnancy can radically change her life. She may be forced to drop out of school, reducing her employment prospects. She also becomes more vulnerable to poverty and exclusion. Her health can also suffer, as complications related to pregnancy and childbirth are one of the leading causes of death among adolescents.</a:t>
+            </a:r>
+          </a:p>
+          <a:p>
+            <a:pPr algn="just"/>
+            <a:r>
+              <a:rPr lang="en-US" sz="2200" dirty="0" smtClean="0">
+                <a:latin typeface="Bell MT" pitchFamily="18" charset="0"/>
+              </a:rPr>
+              <a:t>The Ministry of Education and Vocational Training should integrate sex education as a specific course in the academic curriculum. Not just for secondary school, but all three levels of formal education</a:t>
+            </a:r>
+            <a:r>
+              <a:rPr lang="en-US" sz="2200" dirty="0" smtClean="0">
+                <a:latin typeface="Bell MT" pitchFamily="18" charset="0"/>
+              </a:rPr>
+              <a:t>.</a:t>
+            </a:r>
+          </a:p>
+          <a:p>
+            <a:pPr algn="just"/>
+            <a:r>
+              <a:rPr lang="en-US" sz="2200" dirty="0" smtClean="0">
+                <a:latin typeface="Bell MT" pitchFamily="18" charset="0"/>
+              </a:rPr>
+              <a:t>Sexuality education consists of information about sexuality and the transmission of a number of values and </a:t>
+            </a:r>
+            <a:r>
+              <a:rPr lang="en-US" sz="2200" dirty="0" err="1" smtClean="0">
+                <a:latin typeface="Bell MT" pitchFamily="18" charset="0"/>
+              </a:rPr>
+              <a:t>recommendations.It</a:t>
+            </a:r>
+            <a:r>
+              <a:rPr lang="en-US" sz="2200" dirty="0" smtClean="0">
+                <a:latin typeface="Bell MT" pitchFamily="18" charset="0"/>
+              </a:rPr>
+              <a:t> begins in childhood and continues to some extent throughout life</a:t>
+            </a:r>
+            <a:r>
+              <a:rPr lang="en-US" sz="2200" dirty="0" smtClean="0">
+                <a:latin typeface="Bell MT" pitchFamily="18" charset="0"/>
+              </a:rPr>
+              <a:t>.</a:t>
+            </a:r>
+            <a:endParaRPr lang="en-US" sz="2200" dirty="0" smtClean="0">
+              <a:latin typeface="Bell MT" pitchFamily="18" charset="0"/>
+            </a:endParaRPr>
           </a:p>
         </p:txBody>
       </p:sp>
     </p:spTree>
-    <p:extLst>
-      <p:ext uri="{BB962C8B-B14F-4D97-AF65-F5344CB8AC3E}">
-        <p14:creationId xmlns:p14="http://schemas.microsoft.com/office/powerpoint/2010/main" xmlns="" val="3329652236"/>
-      </p:ext>
-    </p:extLst>
   </p:cSld>
   <p:clrMapOvr>
     <a:masterClrMapping/>
   </p:clrMapOvr>
-  <p:timing>
-    <p:tnLst>
-      <p:par>
-        <p:cTn id="1" dur="indefinite" restart="never" nodeType="tmRoot"/>
-      </p:par>
-    </p:tnLst>
-  </p:timing>
+</p:sld>
+</file>
+
+<file path=ppt/slides/slide16.xml><?xml version="1.0" encoding="utf-8"?>
+<p:sld xmlns:a="http://schemas.openxmlformats.org/drawingml/2006/main" xmlns:r="http://schemas.openxmlformats.org/officeDocument/2006/relationships" xmlns:p="http://schemas.openxmlformats.org/presentationml/2006/main">
+  <p:cSld>
+    <p:spTree>
+      <p:nvGrpSpPr>
+        <p:cNvPr id="1" name=""/>
+        <p:cNvGrpSpPr/>
+        <p:nvPr/>
+      </p:nvGrpSpPr>
+      <p:grpSpPr>
+        <a:xfrm>
+          <a:off x="0" y="0"/>
+          <a:ext cx="0" cy="0"/>
+          <a:chOff x="0" y="0"/>
+          <a:chExt cx="0" cy="0"/>
+        </a:xfrm>
+      </p:grpSpPr>
+      <p:sp>
+        <p:nvSpPr>
+          <p:cNvPr id="2" name="Titre 1"/>
+          <p:cNvSpPr>
+            <a:spLocks noGrp="1"/>
+          </p:cNvSpPr>
+          <p:nvPr>
+            <p:ph type="title"/>
+          </p:nvPr>
+        </p:nvSpPr>
+        <p:spPr/>
+        <p:txBody>
+          <a:bodyPr/>
+          <a:lstStyle/>
+          <a:p>
+            <a:r>
+              <a:rPr lang="en-US" dirty="0" smtClean="0">
+                <a:solidFill>
+                  <a:srgbClr val="00B050"/>
+                </a:solidFill>
+                <a:latin typeface="Agency FB" pitchFamily="34" charset="0"/>
+              </a:rPr>
+              <a:t>Abstract &amp; Discussion</a:t>
+            </a:r>
+            <a:endParaRPr lang="en-US" dirty="0">
+              <a:solidFill>
+                <a:srgbClr val="00B050"/>
+              </a:solidFill>
+            </a:endParaRPr>
+          </a:p>
+        </p:txBody>
+      </p:sp>
+      <p:sp>
+        <p:nvSpPr>
+          <p:cNvPr id="3" name="Espace réservé du contenu 2"/>
+          <p:cNvSpPr>
+            <a:spLocks noGrp="1"/>
+          </p:cNvSpPr>
+          <p:nvPr>
+            <p:ph idx="1"/>
+          </p:nvPr>
+        </p:nvSpPr>
+        <p:spPr/>
+        <p:txBody>
+          <a:bodyPr>
+            <a:noAutofit/>
+          </a:bodyPr>
+          <a:lstStyle/>
+          <a:p>
+            <a:pPr algn="just"/>
+            <a:r>
+              <a:rPr lang="en-US" sz="2200" dirty="0" smtClean="0">
+                <a:latin typeface="Bell MT" pitchFamily="18" charset="0"/>
+              </a:rPr>
+              <a:t>It may include the expression and discussion of feelings of love, sexual practices, sexual and reproductive health, consent and mutual respect.</a:t>
+            </a:r>
+          </a:p>
+          <a:p>
+            <a:pPr algn="just"/>
+            <a:r>
+              <a:rPr lang="en-US" sz="2200" dirty="0" smtClean="0">
+                <a:latin typeface="Bell MT" pitchFamily="18" charset="0"/>
+              </a:rPr>
+              <a:t>Sexuality education should provide young people with reliable knowledge about sexuality, strengthen their ability to make responsible decisions, enable them to explore and define their own values, and provide them with a healthy model of sexual </a:t>
+            </a:r>
+            <a:r>
+              <a:rPr lang="en-US" sz="2200" dirty="0" err="1" smtClean="0">
+                <a:latin typeface="Bell MT" pitchFamily="18" charset="0"/>
+              </a:rPr>
+              <a:t>behaviour</a:t>
+            </a:r>
+            <a:r>
+              <a:rPr lang="en-US" sz="2200" dirty="0" smtClean="0">
+                <a:latin typeface="Bell MT" pitchFamily="18" charset="0"/>
+              </a:rPr>
+              <a:t>.</a:t>
+            </a:r>
+          </a:p>
+          <a:p>
+            <a:pPr algn="just"/>
+            <a:r>
+              <a:rPr lang="en-US" sz="2200" dirty="0" smtClean="0">
+                <a:latin typeface="Bell MT" pitchFamily="18" charset="0"/>
+              </a:rPr>
+              <a:t>An educational reintegration </a:t>
+            </a:r>
+            <a:r>
+              <a:rPr lang="en-US" sz="2200" dirty="0" err="1" smtClean="0">
+                <a:latin typeface="Bell MT" pitchFamily="18" charset="0"/>
+              </a:rPr>
+              <a:t>programme</a:t>
+            </a:r>
+            <a:r>
+              <a:rPr lang="en-US" sz="2200" dirty="0" smtClean="0">
+                <a:latin typeface="Bell MT" pitchFamily="18" charset="0"/>
+              </a:rPr>
+              <a:t> should be set up for them, which will be parallel to a </a:t>
+            </a:r>
+            <a:r>
+              <a:rPr lang="en-US" sz="2200" dirty="0" err="1" smtClean="0">
+                <a:latin typeface="Bell MT" pitchFamily="18" charset="0"/>
+              </a:rPr>
+              <a:t>programme</a:t>
+            </a:r>
+            <a:r>
+              <a:rPr lang="en-US" sz="2200" dirty="0" smtClean="0">
+                <a:latin typeface="Bell MT" pitchFamily="18" charset="0"/>
+              </a:rPr>
+              <a:t> of odd jobs conditional on prior training which they will have received in relation to the educational level they have reached before giving birth.</a:t>
+            </a:r>
+          </a:p>
+          <a:p>
+            <a:endParaRPr lang="en-US" sz="2200" dirty="0"/>
+          </a:p>
+        </p:txBody>
+      </p:sp>
+    </p:spTree>
+  </p:cSld>
+  <p:clrMapOvr>
+    <a:masterClrMapping/>
+  </p:clrMapOvr>
+</p:sld>
+</file>
+
+<file path=ppt/slides/slide17.xml><?xml version="1.0" encoding="utf-8"?>
+<p:sld xmlns:a="http://schemas.openxmlformats.org/drawingml/2006/main" xmlns:r="http://schemas.openxmlformats.org/officeDocument/2006/relationships" xmlns:p="http://schemas.openxmlformats.org/presentationml/2006/main">
+  <p:cSld>
+    <p:spTree>
+      <p:nvGrpSpPr>
+        <p:cNvPr id="1" name=""/>
+        <p:cNvGrpSpPr/>
+        <p:nvPr/>
+      </p:nvGrpSpPr>
+      <p:grpSpPr>
+        <a:xfrm>
+          <a:off x="0" y="0"/>
+          <a:ext cx="0" cy="0"/>
+          <a:chOff x="0" y="0"/>
+          <a:chExt cx="0" cy="0"/>
+        </a:xfrm>
+      </p:grpSpPr>
+      <p:sp>
+        <p:nvSpPr>
+          <p:cNvPr id="2" name="Titre 1"/>
+          <p:cNvSpPr>
+            <a:spLocks noGrp="1"/>
+          </p:cNvSpPr>
+          <p:nvPr>
+            <p:ph type="title"/>
+          </p:nvPr>
+        </p:nvSpPr>
+        <p:spPr>
+          <a:xfrm>
+            <a:off x="4839286" y="2067951"/>
+            <a:ext cx="6766560" cy="4178104"/>
+          </a:xfrm>
+        </p:spPr>
+        <p:txBody>
+          <a:bodyPr>
+            <a:normAutofit fontScale="90000"/>
+          </a:bodyPr>
+          <a:lstStyle/>
+          <a:p>
+            <a:pPr algn="ctr"/>
+            <a:r>
+              <a:rPr lang="en-US" sz="3600" i="1" dirty="0" smtClean="0">
+                <a:latin typeface="Bell MT" pitchFamily="18" charset="0"/>
+              </a:rPr>
+              <a:t>Haiti have </a:t>
+            </a:r>
+            <a:r>
+              <a:rPr lang="en-US" sz="3600" i="1" dirty="0" smtClean="0">
+                <a:latin typeface="Bell MT" pitchFamily="18" charset="0"/>
+              </a:rPr>
+              <a:t>a young age </a:t>
+            </a:r>
+            <a:r>
+              <a:rPr lang="en-US" sz="3600" i="1" dirty="0" smtClean="0">
+                <a:latin typeface="Bell MT" pitchFamily="18" charset="0"/>
+              </a:rPr>
+              <a:t>structure, it would not be wise  to neglect teenage mothers in this way.</a:t>
+            </a:r>
+            <a:br>
+              <a:rPr lang="en-US" sz="3600" i="1" dirty="0" smtClean="0">
+                <a:latin typeface="Bell MT" pitchFamily="18" charset="0"/>
+              </a:rPr>
+            </a:br>
+            <a:r>
+              <a:rPr lang="en-US" sz="3600" i="1" dirty="0" smtClean="0">
+                <a:latin typeface="Bell MT" pitchFamily="18" charset="0"/>
+              </a:rPr>
+              <a:t>Adolescent pregnancy is usually less a deliberate choice than a lack of choice: it is the consequence of little or no access to education, information and health care</a:t>
+            </a:r>
+            <a:r>
+              <a:rPr lang="en-US" sz="3600" i="1" dirty="0" smtClean="0">
+                <a:latin typeface="Bell MT" pitchFamily="18" charset="0"/>
+              </a:rPr>
+              <a:t>.</a:t>
+            </a:r>
+            <a:br>
+              <a:rPr lang="en-US" sz="3600" i="1" dirty="0" smtClean="0">
+                <a:latin typeface="Bell MT" pitchFamily="18" charset="0"/>
+              </a:rPr>
+            </a:br>
+            <a:r>
+              <a:rPr lang="en-US" sz="3600" i="1" dirty="0" smtClean="0">
+                <a:latin typeface="Bell MT" pitchFamily="18" charset="0"/>
+              </a:rPr>
+              <a:t/>
+            </a:r>
+            <a:br>
+              <a:rPr lang="en-US" sz="3600" i="1" dirty="0" smtClean="0">
+                <a:latin typeface="Bell MT" pitchFamily="18" charset="0"/>
+              </a:rPr>
+            </a:br>
+            <a:r>
+              <a:rPr lang="en-US" sz="3600" b="1" i="1" dirty="0" smtClean="0">
+                <a:solidFill>
+                  <a:srgbClr val="00B050"/>
+                </a:solidFill>
+                <a:latin typeface="Bell MT" pitchFamily="18" charset="0"/>
+              </a:rPr>
+              <a:t>Take care of them</a:t>
+            </a:r>
+            <a:r>
+              <a:rPr lang="en-US" sz="3600" dirty="0" smtClean="0"/>
+              <a:t/>
+            </a:r>
+            <a:br>
+              <a:rPr lang="en-US" sz="3600" dirty="0" smtClean="0"/>
+            </a:br>
+            <a:endParaRPr lang="en-US" sz="3600" i="1" dirty="0">
+              <a:latin typeface="Bell MT" pitchFamily="18" charset="0"/>
+            </a:endParaRPr>
+          </a:p>
+        </p:txBody>
+      </p:sp>
+      <p:pic>
+        <p:nvPicPr>
+          <p:cNvPr id="4" name="Espace réservé du contenu 3" descr="grossesse2.jpg"/>
+          <p:cNvPicPr>
+            <a:picLocks noGrp="1" noChangeAspect="1"/>
+          </p:cNvPicPr>
+          <p:nvPr>
+            <p:ph idx="1"/>
+          </p:nvPr>
+        </p:nvPicPr>
+        <p:blipFill>
+          <a:blip r:embed="rId2"/>
+          <a:stretch>
+            <a:fillRect/>
+          </a:stretch>
+        </p:blipFill>
+        <p:spPr>
+          <a:xfrm>
+            <a:off x="980780" y="2096087"/>
+            <a:ext cx="3802235" cy="3718674"/>
+          </a:xfrm>
+        </p:spPr>
+      </p:pic>
+    </p:spTree>
+  </p:cSld>
+  <p:clrMapOvr>
+    <a:masterClrMapping/>
+  </p:clrMapOvr>
 </p:sld>
 </file>
 
@@ -5581,41 +7775,8 @@
                 </a:solidFill>
                 <a:latin typeface="Bell MT" pitchFamily="18" charset="0"/>
               </a:rPr>
-              <a:t>, many girls drop out of school because of premature or unwanted pregnancies. Some have had the support of the father of their children to raise them or of their parents</a:t>
-            </a:r>
-            <a:r>
-              <a:rPr lang="en-US" sz="2200" dirty="0" smtClean="0">
-                <a:solidFill>
-                  <a:schemeClr val="tx1">
-                    <a:lumMod val="75000"/>
-                    <a:lumOff val="25000"/>
-                  </a:schemeClr>
-                </a:solidFill>
-                <a:latin typeface="Bell MT" pitchFamily="18" charset="0"/>
-              </a:rPr>
-              <a:t>, Others </a:t>
-            </a:r>
-            <a:r>
-              <a:rPr lang="en-US" sz="2200" dirty="0" smtClean="0">
-                <a:solidFill>
-                  <a:schemeClr val="tx1">
-                    <a:lumMod val="75000"/>
-                    <a:lumOff val="25000"/>
-                  </a:schemeClr>
-                </a:solidFill>
-                <a:latin typeface="Bell MT" pitchFamily="18" charset="0"/>
-              </a:rPr>
-              <a:t>do not, some do not know the identity of the father because 40% of these pregnancies are due to rape and sexual abuse, so they have to raise their children alone. These young teenage girls between the ages of 12 and 19 years old make all kinds of activities and sacrifices to provide for their children, many go into the informal sector trade, some go into domestic work as housekeepers, and some go into prostitution in the hope of having enough to feed themselves and their children. </a:t>
-            </a:r>
-            <a:endParaRPr lang="en-US" sz="2200" dirty="0" smtClean="0">
-              <a:solidFill>
-                <a:schemeClr val="tx1">
-                  <a:lumMod val="75000"/>
-                  <a:lumOff val="25000"/>
-                </a:schemeClr>
-              </a:solidFill>
-              <a:latin typeface="Bell MT" pitchFamily="18" charset="0"/>
-            </a:endParaRPr>
+              <a:t>, many girls drop out of school because of premature or unwanted pregnancies. Some have had the support of the father of their children to raise them or of their parents, Others do not, some do not know the identity of the father because 40% of these pregnancies are due to rape and sexual abuse, so they have to raise their children alone. These young teenage girls between the ages of 12 and 19 years old make all kinds of activities and sacrifices to provide for their children, many go into the informal sector trade, some go into domestic work as housekeepers, and some go into prostitution in the hope of having enough to feed themselves and their children. </a:t>
+            </a:r>
           </a:p>
           <a:p>
             <a:pPr marL="544068" lvl="1" indent="-342900" algn="just" fontAlgn="base">
@@ -5691,7 +7852,7 @@
     </p:spTree>
     <p:extLst>
       <p:ext uri="{BB962C8B-B14F-4D97-AF65-F5344CB8AC3E}">
-        <p14:creationId xmlns:p14="http://schemas.microsoft.com/office/powerpoint/2010/main" xmlns="" val="342560058"/>
+        <p14:creationId xmlns="" xmlns:p14="http://schemas.microsoft.com/office/powerpoint/2010/main" val="342560058"/>
       </p:ext>
     </p:extLst>
   </p:cSld>
@@ -5751,13 +7912,7 @@
               <a:rPr lang="en-US" sz="2200" dirty="0" smtClean="0">
                 <a:latin typeface="Bell MT" pitchFamily="18" charset="0"/>
               </a:rPr>
-              <a:t>For every one thousand (1000) girls between the ages of fifteen (15) and nineteen (19), sixty-six (66) have at least one early pregnancy in Haiti according to the MSSP. 11% of adolescents are already mothers, the general hypothesis is that socio-cultural, socio-economic and family factors influence the second birth of adolescents under the effect of certain variables such as early union, early sexuality, and under-use of contraception</a:t>
-            </a:r>
-            <a:r>
-              <a:rPr lang="en-US" sz="2200" dirty="0" smtClean="0">
-                <a:latin typeface="Bell MT" pitchFamily="18" charset="0"/>
-              </a:rPr>
-              <a:t>. </a:t>
+              <a:t>For every one thousand (1000) girls between the ages of fifteen (15) and nineteen (19), sixty-six (66) have at least one early pregnancy in Haiti according to the MSSP. 11% of adolescents are already mothers, the general hypothesis is that socio-cultural, socio-economic and family factors influence the second birth of adolescents under the effect of certain variables such as early union, early sexuality, and under-use of contraception. </a:t>
             </a:r>
             <a:endParaRPr lang="en-US" sz="2200" dirty="0">
               <a:latin typeface="Bell MT" pitchFamily="18" charset="0"/>
@@ -5777,7 +7932,7 @@
           <a:blip r:embed="rId2">
             <a:extLst>
               <a:ext uri="{28A0092B-C50C-407E-A947-70E740481C1C}">
-                <a14:useLocalDpi xmlns:a14="http://schemas.microsoft.com/office/drawing/2010/main" xmlns="" val="0"/>
+                <a14:useLocalDpi xmlns="" xmlns:a14="http://schemas.microsoft.com/office/drawing/2010/main" val="0"/>
               </a:ext>
             </a:extLst>
           </a:blip>
@@ -5953,9 +8108,6 @@
               </a:rPr>
               <a:t>This consequences of early pregnancy, is the problem that our project want to try to find a solution for</a:t>
             </a:r>
-            <a:endParaRPr lang="en-US" sz="2400" b="1" dirty="0" smtClean="0">
-              <a:latin typeface="Bell MT" pitchFamily="18" charset="0"/>
-            </a:endParaRPr>
           </a:p>
           <a:p>
             <a:pPr marL="544068" lvl="1" indent="-342900" fontAlgn="base">
@@ -5982,7 +8134,7 @@
           <a:blip r:embed="rId2">
             <a:extLst>
               <a:ext uri="{28A0092B-C50C-407E-A947-70E740481C1C}">
-                <a14:useLocalDpi xmlns:a14="http://schemas.microsoft.com/office/drawing/2010/main" xmlns="" val="0"/>
+                <a14:useLocalDpi xmlns="" xmlns:a14="http://schemas.microsoft.com/office/drawing/2010/main" val="0"/>
               </a:ext>
             </a:extLst>
           </a:blip>
@@ -6012,7 +8164,7 @@
           <a:blip r:embed="rId3">
             <a:extLst>
               <a:ext uri="{28A0092B-C50C-407E-A947-70E740481C1C}">
-                <a14:useLocalDpi xmlns:a14="http://schemas.microsoft.com/office/drawing/2010/main" xmlns="" val="0"/>
+                <a14:useLocalDpi xmlns="" xmlns:a14="http://schemas.microsoft.com/office/drawing/2010/main" val="0"/>
               </a:ext>
             </a:extLst>
           </a:blip>
@@ -6033,7 +8185,7 @@
     </p:spTree>
     <p:extLst>
       <p:ext uri="{BB962C8B-B14F-4D97-AF65-F5344CB8AC3E}">
-        <p14:creationId xmlns:p14="http://schemas.microsoft.com/office/powerpoint/2010/main" xmlns="" val="3715207080"/>
+        <p14:creationId xmlns="" xmlns:p14="http://schemas.microsoft.com/office/powerpoint/2010/main" val="3715207080"/>
       </p:ext>
     </p:extLst>
   </p:cSld>
@@ -6153,13 +8305,7 @@
               <a:rPr lang="en-US" sz="2400" dirty="0" smtClean="0">
                 <a:latin typeface="Bell MT" pitchFamily="18" charset="0"/>
               </a:rPr>
-              <a:t>ONGs </a:t>
-            </a:r>
-            <a:r>
-              <a:rPr lang="en-US" sz="2400" dirty="0" smtClean="0">
-                <a:latin typeface="Bell MT" pitchFamily="18" charset="0"/>
-              </a:rPr>
-              <a:t>working with and for young people, women</a:t>
+              <a:t>ONGs working with and for young people, women</a:t>
             </a:r>
           </a:p>
           <a:p>
@@ -6307,13 +8453,28 @@
               <a:rPr lang="en-US" dirty="0" smtClean="0">
                 <a:latin typeface="Bell MT" pitchFamily="18" charset="0"/>
               </a:rPr>
-              <a:t>Haiti </a:t>
-            </a:r>
+              <a:t>Haiti have 10  departments: </a:t>
+            </a:r>
+          </a:p>
+          <a:p>
+            <a:pPr algn="just"/>
             <a:r>
               <a:rPr lang="en-US" dirty="0" smtClean="0">
                 <a:latin typeface="Bell MT" pitchFamily="18" charset="0"/>
               </a:rPr>
-              <a:t>have 10  departments: </a:t>
+              <a:t>0 : </a:t>
+            </a:r>
+            <a:r>
+              <a:rPr lang="en-US" dirty="0" err="1" smtClean="0">
+                <a:latin typeface="Bell MT" pitchFamily="18" charset="0"/>
+              </a:rPr>
+              <a:t>Artibonite</a:t>
+            </a:r>
+            <a:r>
+              <a:rPr lang="en-US" dirty="0" smtClean="0">
+                <a:latin typeface="Bell MT" pitchFamily="18" charset="0"/>
+              </a:rPr>
+              <a:t>   </a:t>
             </a:r>
           </a:p>
           <a:p>
@@ -6322,37 +8483,7 @@
               <a:rPr lang="en-US" dirty="0" smtClean="0">
                 <a:latin typeface="Bell MT" pitchFamily="18" charset="0"/>
               </a:rPr>
-              <a:t>0 : </a:t>
-            </a:r>
-            <a:r>
-              <a:rPr lang="en-US" dirty="0" err="1" smtClean="0">
-                <a:latin typeface="Bell MT" pitchFamily="18" charset="0"/>
-              </a:rPr>
-              <a:t>Artibonite</a:t>
-            </a:r>
-            <a:r>
-              <a:rPr lang="en-US" dirty="0" smtClean="0">
-                <a:latin typeface="Bell MT" pitchFamily="18" charset="0"/>
-              </a:rPr>
-              <a:t>   </a:t>
-            </a:r>
-            <a:endParaRPr lang="en-US" dirty="0" smtClean="0">
-              <a:latin typeface="Bell MT" pitchFamily="18" charset="0"/>
-            </a:endParaRPr>
-          </a:p>
-          <a:p>
-            <a:pPr algn="just"/>
-            <a:r>
-              <a:rPr lang="en-US" dirty="0" smtClean="0">
-                <a:latin typeface="Bell MT" pitchFamily="18" charset="0"/>
-              </a:rPr>
-              <a:t>1 </a:t>
-            </a:r>
-            <a:r>
-              <a:rPr lang="en-US" dirty="0" smtClean="0">
-                <a:latin typeface="Bell MT" pitchFamily="18" charset="0"/>
-              </a:rPr>
-              <a:t>: Centre   </a:t>
+              <a:t>1 : Centre   </a:t>
             </a:r>
           </a:p>
           <a:p>
@@ -6363,19 +8494,34 @@
               <a:rPr lang="en-US" dirty="0" smtClean="0">
                 <a:latin typeface="Bell MT" pitchFamily="18" charset="0"/>
               </a:rPr>
-              <a:t> </a:t>
+              <a:t> 2 : </a:t>
+            </a:r>
+            <a:r>
+              <a:rPr lang="en-US" dirty="0" err="1" smtClean="0">
+                <a:latin typeface="Bell MT" pitchFamily="18" charset="0"/>
+              </a:rPr>
+              <a:t>Grande'Anse</a:t>
             </a:r>
             <a:r>
               <a:rPr lang="en-US" dirty="0" smtClean="0">
                 <a:latin typeface="Bell MT" pitchFamily="18" charset="0"/>
               </a:rPr>
-              <a:t>2 : </a:t>
+              <a:t>   </a:t>
+            </a:r>
+          </a:p>
+          <a:p>
+            <a:pPr algn="just"/>
+            <a:r>
+              <a:rPr lang="en-US" dirty="0" smtClean="0">
+                <a:latin typeface="Bell MT" pitchFamily="18" charset="0"/>
+              </a:rPr>
+              <a:t>3 : </a:t>
             </a:r>
             <a:r>
               <a:rPr lang="en-US" dirty="0" err="1" smtClean="0">
                 <a:latin typeface="Bell MT" pitchFamily="18" charset="0"/>
               </a:rPr>
-              <a:t>Grande'Anse</a:t>
+              <a:t>Nippes</a:t>
             </a:r>
             <a:r>
               <a:rPr lang="en-US" dirty="0" smtClean="0">
@@ -6390,25 +8536,25 @@
               <a:rPr lang="en-US" dirty="0" smtClean="0">
                 <a:latin typeface="Bell MT" pitchFamily="18" charset="0"/>
               </a:rPr>
-              <a:t>3 </a:t>
-            </a:r>
+              <a:t> 4 : North   </a:t>
+            </a:r>
+          </a:p>
+          <a:p>
+            <a:pPr algn="just"/>
             <a:r>
               <a:rPr lang="en-US" dirty="0" smtClean="0">
                 <a:latin typeface="Bell MT" pitchFamily="18" charset="0"/>
               </a:rPr>
-              <a:t>: </a:t>
-            </a:r>
-            <a:r>
-              <a:rPr lang="en-US" dirty="0" err="1" smtClean="0">
-                <a:latin typeface="Bell MT" pitchFamily="18" charset="0"/>
-              </a:rPr>
-              <a:t>Nippes</a:t>
-            </a:r>
+              <a:t>5 : North-East   </a:t>
+            </a:r>
+          </a:p>
+          <a:p>
+            <a:pPr algn="just"/>
             <a:r>
               <a:rPr lang="en-US" dirty="0" smtClean="0">
                 <a:latin typeface="Bell MT" pitchFamily="18" charset="0"/>
               </a:rPr>
-              <a:t>   </a:t>
+              <a:t>6 : North-West   </a:t>
             </a:r>
           </a:p>
           <a:p>
@@ -6417,13 +8563,16 @@
               <a:rPr lang="en-US" dirty="0" smtClean="0">
                 <a:latin typeface="Bell MT" pitchFamily="18" charset="0"/>
               </a:rPr>
-              <a:t> </a:t>
-            </a:r>
+              <a:t>7 : South   </a:t>
+            </a:r>
+          </a:p>
+          <a:p>
+            <a:pPr algn="just"/>
             <a:r>
               <a:rPr lang="en-US" dirty="0" smtClean="0">
                 <a:latin typeface="Bell MT" pitchFamily="18" charset="0"/>
               </a:rPr>
-              <a:t>4 : North   </a:t>
+              <a:t>8 : South-East   </a:t>
             </a:r>
           </a:p>
           <a:p>
@@ -6432,77 +8581,8 @@
               <a:rPr lang="en-US" dirty="0" smtClean="0">
                 <a:latin typeface="Bell MT" pitchFamily="18" charset="0"/>
               </a:rPr>
-              <a:t>5 </a:t>
-            </a:r>
-            <a:r>
-              <a:rPr lang="en-US" dirty="0" smtClean="0">
-                <a:latin typeface="Bell MT" pitchFamily="18" charset="0"/>
-              </a:rPr>
-              <a:t>: North-East   </a:t>
-            </a:r>
-          </a:p>
-          <a:p>
-            <a:pPr algn="just"/>
-            <a:r>
-              <a:rPr lang="en-US" dirty="0" smtClean="0">
-                <a:latin typeface="Bell MT" pitchFamily="18" charset="0"/>
-              </a:rPr>
-              <a:t>6 </a:t>
-            </a:r>
-            <a:r>
-              <a:rPr lang="en-US" dirty="0" smtClean="0">
-                <a:latin typeface="Bell MT" pitchFamily="18" charset="0"/>
-              </a:rPr>
-              <a:t>: North-West   </a:t>
-            </a:r>
-          </a:p>
-          <a:p>
-            <a:pPr algn="just"/>
-            <a:r>
-              <a:rPr lang="en-US" dirty="0" smtClean="0">
-                <a:latin typeface="Bell MT" pitchFamily="18" charset="0"/>
-              </a:rPr>
-              <a:t>7 </a:t>
-            </a:r>
-            <a:r>
-              <a:rPr lang="en-US" dirty="0" smtClean="0">
-                <a:latin typeface="Bell MT" pitchFamily="18" charset="0"/>
-              </a:rPr>
-              <a:t>: South   </a:t>
-            </a:r>
-          </a:p>
-          <a:p>
-            <a:pPr algn="just"/>
-            <a:r>
-              <a:rPr lang="en-US" dirty="0" smtClean="0">
-                <a:latin typeface="Bell MT" pitchFamily="18" charset="0"/>
-              </a:rPr>
-              <a:t>8 </a:t>
-            </a:r>
-            <a:r>
-              <a:rPr lang="en-US" dirty="0" smtClean="0">
-                <a:latin typeface="Bell MT" pitchFamily="18" charset="0"/>
-              </a:rPr>
-              <a:t>: South-East   </a:t>
-            </a:r>
-          </a:p>
-          <a:p>
-            <a:pPr algn="just"/>
-            <a:r>
-              <a:rPr lang="en-US" dirty="0" smtClean="0">
-                <a:latin typeface="Bell MT" pitchFamily="18" charset="0"/>
-              </a:rPr>
-              <a:t>9 </a:t>
-            </a:r>
-            <a:r>
-              <a:rPr lang="en-US" dirty="0" smtClean="0">
-                <a:latin typeface="Bell MT" pitchFamily="18" charset="0"/>
-              </a:rPr>
-              <a:t>: West   </a:t>
-            </a:r>
-            <a:endParaRPr lang="en-US" dirty="0" smtClean="0">
-              <a:latin typeface="Bell MT" pitchFamily="18" charset="0"/>
-            </a:endParaRPr>
+              <a:t>9 : West   </a:t>
+            </a:r>
           </a:p>
         </p:txBody>
       </p:sp>
@@ -6655,7 +8735,7 @@
     </p:spTree>
     <p:extLst>
       <p:ext uri="{BB962C8B-B14F-4D97-AF65-F5344CB8AC3E}">
-        <p14:creationId xmlns:p14="http://schemas.microsoft.com/office/powerpoint/2010/main" xmlns="" val="2880376025"/>
+        <p14:creationId xmlns="" xmlns:p14="http://schemas.microsoft.com/office/powerpoint/2010/main" val="2880376025"/>
       </p:ext>
     </p:extLst>
   </p:cSld>
@@ -6716,7 +8796,7 @@
     </p:spTree>
     <p:extLst>
       <p:ext uri="{BB962C8B-B14F-4D97-AF65-F5344CB8AC3E}">
-        <p14:creationId xmlns:p14="http://schemas.microsoft.com/office/powerpoint/2010/main" xmlns="" val="1975060793"/>
+        <p14:creationId xmlns="" xmlns:p14="http://schemas.microsoft.com/office/powerpoint/2010/main" val="1975060793"/>
       </p:ext>
     </p:extLst>
   </p:cSld>
@@ -6832,145 +8912,7 @@
               <a:rPr lang="en-US" sz="2200" dirty="0" smtClean="0">
                 <a:latin typeface="Bell MT" pitchFamily="18" charset="0"/>
               </a:rPr>
-              <a:t>Percentage </a:t>
-            </a:r>
-            <a:r>
-              <a:rPr lang="en-US" sz="2200" dirty="0" smtClean="0">
-                <a:latin typeface="Bell MT" pitchFamily="18" charset="0"/>
-              </a:rPr>
-              <a:t>of youth who cannot </a:t>
-            </a:r>
-            <a:r>
-              <a:rPr lang="en-US" sz="2200" dirty="0" smtClean="0">
-                <a:latin typeface="Bell MT" pitchFamily="18" charset="0"/>
-              </a:rPr>
-              <a:t>read, Percentage </a:t>
-            </a:r>
-            <a:r>
-              <a:rPr lang="en-US" sz="2200" dirty="0" smtClean="0">
-                <a:latin typeface="Bell MT" pitchFamily="18" charset="0"/>
-              </a:rPr>
-              <a:t>of youth with completed primary </a:t>
-            </a:r>
-            <a:r>
-              <a:rPr lang="en-US" sz="2200" dirty="0" smtClean="0">
-                <a:latin typeface="Bell MT" pitchFamily="18" charset="0"/>
-              </a:rPr>
-              <a:t>education, Percentage </a:t>
-            </a:r>
-            <a:r>
-              <a:rPr lang="en-US" sz="2200" dirty="0" smtClean="0">
-                <a:latin typeface="Bell MT" pitchFamily="18" charset="0"/>
-              </a:rPr>
-              <a:t>of youth exposed to at least one media source (newspaper, radio, television) at least once a </a:t>
-            </a:r>
-            <a:r>
-              <a:rPr lang="en-US" sz="2200" dirty="0" smtClean="0">
-                <a:latin typeface="Bell MT" pitchFamily="18" charset="0"/>
-              </a:rPr>
-              <a:t>week, Percentage </a:t>
-            </a:r>
-            <a:r>
-              <a:rPr lang="en-US" sz="2200" dirty="0" smtClean="0">
-                <a:latin typeface="Bell MT" pitchFamily="18" charset="0"/>
-              </a:rPr>
-              <a:t>of youth currently </a:t>
-            </a:r>
-            <a:r>
-              <a:rPr lang="en-US" sz="2200" dirty="0" smtClean="0">
-                <a:latin typeface="Bell MT" pitchFamily="18" charset="0"/>
-              </a:rPr>
-              <a:t>married, Percentage </a:t>
-            </a:r>
-            <a:r>
-              <a:rPr lang="en-US" sz="2200" dirty="0" smtClean="0">
-                <a:latin typeface="Bell MT" pitchFamily="18" charset="0"/>
-              </a:rPr>
-              <a:t>of youth currently living </a:t>
-            </a:r>
-            <a:r>
-              <a:rPr lang="en-US" sz="2200" dirty="0" smtClean="0">
-                <a:latin typeface="Bell MT" pitchFamily="18" charset="0"/>
-              </a:rPr>
-              <a:t>together, Percentage </a:t>
-            </a:r>
-            <a:r>
-              <a:rPr lang="en-US" sz="2200" dirty="0" smtClean="0">
-                <a:latin typeface="Bell MT" pitchFamily="18" charset="0"/>
-              </a:rPr>
-              <a:t>of youth who had sexual intercourse before age </a:t>
-            </a:r>
-            <a:r>
-              <a:rPr lang="en-US" sz="2200" dirty="0" smtClean="0">
-                <a:latin typeface="Bell MT" pitchFamily="18" charset="0"/>
-              </a:rPr>
-              <a:t>15, Percentage </a:t>
-            </a:r>
-            <a:r>
-              <a:rPr lang="en-US" sz="2200" dirty="0" smtClean="0">
-                <a:latin typeface="Bell MT" pitchFamily="18" charset="0"/>
-              </a:rPr>
-              <a:t>of youth who had sexual intercourse before age </a:t>
-            </a:r>
-            <a:r>
-              <a:rPr lang="en-US" sz="2200" dirty="0" smtClean="0">
-                <a:latin typeface="Bell MT" pitchFamily="18" charset="0"/>
-              </a:rPr>
-              <a:t>18,  </a:t>
-            </a:r>
-            <a:r>
-              <a:rPr lang="en-US" sz="2200" dirty="0" smtClean="0">
-                <a:latin typeface="Bell MT" pitchFamily="18" charset="0"/>
-              </a:rPr>
-              <a:t>Percentage of youth who have begun </a:t>
-            </a:r>
-            <a:r>
-              <a:rPr lang="en-US" sz="2200" dirty="0" smtClean="0">
-                <a:latin typeface="Bell MT" pitchFamily="18" charset="0"/>
-              </a:rPr>
-              <a:t>childbearing, Percentage </a:t>
-            </a:r>
-            <a:r>
-              <a:rPr lang="en-US" sz="2200" dirty="0" smtClean="0">
-                <a:latin typeface="Bell MT" pitchFamily="18" charset="0"/>
-              </a:rPr>
-              <a:t>of youth who have ever been </a:t>
-            </a:r>
-            <a:r>
-              <a:rPr lang="en-US" sz="2200" dirty="0" smtClean="0">
-                <a:latin typeface="Bell MT" pitchFamily="18" charset="0"/>
-              </a:rPr>
-              <a:t>pregnant, Percentage </a:t>
-            </a:r>
-            <a:r>
-              <a:rPr lang="en-US" sz="2200" dirty="0" smtClean="0">
-                <a:latin typeface="Bell MT" pitchFamily="18" charset="0"/>
-              </a:rPr>
-              <a:t>of youth currently using a modern contraceptive </a:t>
-            </a:r>
-            <a:r>
-              <a:rPr lang="en-US" sz="2200" dirty="0" smtClean="0">
-                <a:latin typeface="Bell MT" pitchFamily="18" charset="0"/>
-              </a:rPr>
-              <a:t>method, Percentage </a:t>
-            </a:r>
-            <a:r>
-              <a:rPr lang="en-US" sz="2200" dirty="0" smtClean="0">
-                <a:latin typeface="Bell MT" pitchFamily="18" charset="0"/>
-              </a:rPr>
-              <a:t>of sexually active youth who have ever used any contraceptive </a:t>
-            </a:r>
-            <a:r>
-              <a:rPr lang="en-US" sz="2200" dirty="0" smtClean="0">
-                <a:latin typeface="Bell MT" pitchFamily="18" charset="0"/>
-              </a:rPr>
-              <a:t>method, Percentage </a:t>
-            </a:r>
-            <a:r>
-              <a:rPr lang="en-US" sz="2200" dirty="0" smtClean="0">
-                <a:latin typeface="Bell MT" pitchFamily="18" charset="0"/>
-              </a:rPr>
-              <a:t>of youth who have had sexual intercourse and who say that their first experience was against their will   </a:t>
+              <a:t>Percentage of youth who cannot read, Percentage of youth with completed primary education, Percentage of youth exposed to at least one media source (newspaper, radio, television) at least once a week, Percentage of youth currently married, Percentage of youth currently living together, Percentage of youth who had sexual intercourse before age 15, Percentage of youth who had sexual intercourse before age 18,  Percentage of youth who have begun childbearing, Percentage of youth who have ever been pregnant, Percentage of youth currently using a modern contraceptive method, Percentage of sexually active youth who have ever used any contraceptive method, Percentage of youth who have had sexual intercourse and who say that their first experience was against their will   </a:t>
             </a:r>
           </a:p>
           <a:p>
@@ -6996,7 +8938,7 @@
     </p:spTree>
     <p:extLst>
       <p:ext uri="{BB962C8B-B14F-4D97-AF65-F5344CB8AC3E}">
-        <p14:creationId xmlns:p14="http://schemas.microsoft.com/office/powerpoint/2010/main" xmlns="" val="2136448961"/>
+        <p14:creationId xmlns="" xmlns:p14="http://schemas.microsoft.com/office/powerpoint/2010/main" val="2136448961"/>
       </p:ext>
     </p:extLst>
   </p:cSld>
@@ -7142,13 +9084,7 @@
               <a:rPr lang="en-US" sz="4000" dirty="0" smtClean="0">
                 <a:latin typeface="Agency FB" pitchFamily="34" charset="0"/>
               </a:rPr>
-              <a:t>The </a:t>
-            </a:r>
-            <a:r>
-              <a:rPr lang="en-US" sz="4000" dirty="0" smtClean="0">
-                <a:latin typeface="Agency FB" pitchFamily="34" charset="0"/>
-              </a:rPr>
-              <a:t>number of young people interviewed</a:t>
+              <a:t>The number of young people interviewed</a:t>
             </a:r>
             <a:endParaRPr lang="en-US" sz="4000" dirty="0">
               <a:latin typeface="Agency FB" pitchFamily="34" charset="0"/>
@@ -7159,7 +9095,7 @@
     </p:spTree>
     <p:extLst>
       <p:ext uri="{BB962C8B-B14F-4D97-AF65-F5344CB8AC3E}">
-        <p14:creationId xmlns:p14="http://schemas.microsoft.com/office/powerpoint/2010/main" xmlns="" val="3988319637"/>
+        <p14:creationId xmlns="" xmlns:p14="http://schemas.microsoft.com/office/powerpoint/2010/main" val="3988319637"/>
       </p:ext>
     </p:extLst>
   </p:cSld>
@@ -7453,7 +9389,7 @@
   <a:extraClrSchemeLst/>
   <a:extLst>
     <a:ext uri="{05A4C25C-085E-4340-85A3-A5531E510DB2}">
-      <thm15:themeFamily xmlns:thm15="http://schemas.microsoft.com/office/thememl/2012/main" xmlns="" name="Retrospect" id="{5F128B03-DCCA-4EEB-AB3B-CF2899314A46}" vid="{E3DA18C2-75F1-4980-A5F0-165F6F71DE6D}"/>
+      <thm15:themeFamily xmlns="" xmlns:thm15="http://schemas.microsoft.com/office/thememl/2012/main" name="Retrospect" id="{5F128B03-DCCA-4EEB-AB3B-CF2899314A46}" vid="{E3DA18C2-75F1-4980-A5F0-165F6F71DE6D}"/>
     </a:ext>
   </a:extLst>
 </a:theme>

--- a/Result/Presentation.pptx
+++ b/Result/Presentation.pptx
@@ -2,7 +2,7 @@
 <file path=ppt/presentation.xml><?xml version="1.0" encoding="utf-8"?>
 <p:presentation xmlns:a="http://schemas.openxmlformats.org/drawingml/2006/main" xmlns:r="http://schemas.openxmlformats.org/officeDocument/2006/relationships" xmlns:p="http://schemas.openxmlformats.org/presentationml/2006/main" saveSubsetFonts="1">
   <p:sldMasterIdLst>
-    <p:sldMasterId id="2147483689" r:id="rId1"/>
+    <p:sldMasterId id="2147483701" r:id="rId1"/>
   </p:sldMasterIdLst>
   <p:sldIdLst>
     <p:sldId id="256" r:id="rId2"/>
@@ -122,23 +122,43 @@
   </p:defaultTextStyle>
   <p:extLst>
     <p:ext uri="{EFAFB233-063F-42B5-8137-9DF3F51BA10A}">
-      <p15:sldGuideLst xmlns="" xmlns:p15="http://schemas.microsoft.com/office/powerpoint/2012/main"/>
+      <p15:sldGuideLst xmlns:p15="http://schemas.microsoft.com/office/powerpoint/2012/main">
+        <p15:guide id="1" orient="horz" pos="2160">
+          <p15:clr>
+            <a:srgbClr val="A4A3A4"/>
+          </p15:clr>
+        </p15:guide>
+        <p15:guide id="2" pos="3840">
+          <p15:clr>
+            <a:srgbClr val="A4A3A4"/>
+          </p15:clr>
+        </p15:guide>
+      </p15:sldGuideLst>
     </p:ext>
   </p:extLst>
 </p:presentation>
 </file>
 
 <file path=ppt/charts/chart1.xml><?xml version="1.0" encoding="utf-8"?>
-<c:chartSpace xmlns:c="http://schemas.openxmlformats.org/drawingml/2006/chart" xmlns:a="http://schemas.openxmlformats.org/drawingml/2006/main" xmlns:r="http://schemas.openxmlformats.org/officeDocument/2006/relationships">
-  <c:date1904 val="1"/>
+<c:chartSpace xmlns:c="http://schemas.openxmlformats.org/drawingml/2006/chart" xmlns:a="http://schemas.openxmlformats.org/drawingml/2006/main" xmlns:r="http://schemas.openxmlformats.org/officeDocument/2006/relationships" xmlns:c16r2="http://schemas.microsoft.com/office/drawing/2015/06/chart">
+  <c:date1904 val="0"/>
   <c:lang val="en-US"/>
+  <c:roundedCorners val="0"/>
+  <mc:AlternateContent xmlns:mc="http://schemas.openxmlformats.org/markup-compatibility/2006">
+    <mc:Choice xmlns:c14="http://schemas.microsoft.com/office/drawing/2007/8/2/chart" Requires="c14">
+      <c14:style val="102"/>
+    </mc:Choice>
+    <mc:Fallback>
+      <c:style val="2"/>
+    </mc:Fallback>
+  </mc:AlternateContent>
   <c:pivotSource>
     <c:name>[child_of_one.xlsx]All group!PivotTable1</c:name>
     <c:fmtId val="6"/>
   </c:pivotSource>
   <c:chart>
     <c:title>
-      <c:layout/>
+      <c:overlay val="0"/>
       <c:spPr>
         <a:noFill/>
         <a:ln>
@@ -167,6 +187,7 @@
         </a:p>
       </c:txPr>
     </c:title>
+    <c:autoTitleDeleted val="0"/>
     <c:pivotFmts>
       <c:pivotFmt>
         <c:idx val="0"/>
@@ -202,14 +223,20 @@
         <c:dLbl>
           <c:idx val="0"/>
           <c:delete val="1"/>
+          <c:extLst>
+            <c:ext xmlns:c15="http://schemas.microsoft.com/office/drawing/2012/chart" uri="{CE6537A1-D6FC-4f65-9D91-7224C49458BB}"/>
+          </c:extLst>
         </c:dLbl>
       </c:pivotFmt>
     </c:pivotFmts>
     <c:view3D>
+      <c:rotX val="15"/>
+      <c:rotY val="20"/>
       <c:depthPercent val="100"/>
       <c:rAngAx val="1"/>
     </c:view3D>
     <c:floor>
+      <c:thickness val="0"/>
       <c:spPr>
         <a:noFill/>
         <a:ln>
@@ -220,6 +247,7 @@
       </c:spPr>
     </c:floor>
     <c:sideWall>
+      <c:thickness val="0"/>
       <c:spPr>
         <a:noFill/>
         <a:ln>
@@ -230,6 +258,7 @@
       </c:spPr>
     </c:sideWall>
     <c:backWall>
+      <c:thickness val="0"/>
       <c:spPr>
         <a:noFill/>
         <a:ln>
@@ -244,6 +273,7 @@
       <c:bar3DChart>
         <c:barDir val="bar"/>
         <c:grouping val="clustered"/>
+        <c:varyColors val="0"/>
         <c:ser>
           <c:idx val="0"/>
           <c:order val="0"/>
@@ -268,6 +298,7 @@
             <a:effectLst/>
             <a:sp3d/>
           </c:spPr>
+          <c:invertIfNegative val="0"/>
           <c:cat>
             <c:strRef>
               <c:f>'All group'!$A$4:$A$16</c:f>
@@ -357,12 +388,21 @@
               </c:numCache>
             </c:numRef>
           </c:val>
-          <c:extLst xmlns:c16r2="http://schemas.microsoft.com/office/drawing/2015/06/chart">
+          <c:extLst>
             <c:ext xmlns:c16="http://schemas.microsoft.com/office/drawing/2014/chart" uri="{C3380CC4-5D6E-409C-BE32-E72D297353CC}">
               <c16:uniqueId val="{00000000-FF5B-4539-8F5E-F5F5E61E903C}"/>
             </c:ext>
           </c:extLst>
         </c:ser>
+        <c:dLbls>
+          <c:showLegendKey val="0"/>
+          <c:showVal val="0"/>
+          <c:showCatName val="0"/>
+          <c:showSerName val="0"/>
+          <c:showPercent val="0"/>
+          <c:showBubbleSize val="0"/>
+        </c:dLbls>
+        <c:gapWidth val="150"/>
         <c:shape val="box"/>
         <c:axId val="87344256"/>
         <c:axId val="87345792"/>
@@ -373,9 +413,11 @@
         <c:scaling>
           <c:orientation val="minMax"/>
         </c:scaling>
+        <c:delete val="0"/>
         <c:axPos val="l"/>
         <c:numFmt formatCode="General" sourceLinked="1"/>
         <c:majorTickMark val="none"/>
+        <c:minorTickMark val="none"/>
         <c:tickLblPos val="nextTo"/>
         <c:spPr>
           <a:noFill/>
@@ -409,12 +451,14 @@
         <c:auto val="1"/>
         <c:lblAlgn val="ctr"/>
         <c:lblOffset val="100"/>
+        <c:noMultiLvlLbl val="0"/>
       </c:catAx>
       <c:valAx>
         <c:axId val="87345792"/>
         <c:scaling>
           <c:orientation val="minMax"/>
         </c:scaling>
+        <c:delete val="0"/>
         <c:axPos val="b"/>
         <c:majorGridlines>
           <c:spPr>
@@ -432,6 +476,7 @@
         </c:majorGridlines>
         <c:numFmt formatCode="General" sourceLinked="1"/>
         <c:majorTickMark val="none"/>
+        <c:minorTickMark val="none"/>
         <c:tickLblPos val="nextTo"/>
         <c:spPr>
           <a:noFill/>
@@ -474,7 +519,7 @@
     </c:plotArea>
     <c:legend>
       <c:legendPos val="r"/>
-      <c:layout/>
+      <c:overlay val="0"/>
       <c:spPr>
         <a:noFill/>
         <a:ln>
@@ -505,6 +550,7 @@
     </c:legend>
     <c:plotVisOnly val="1"/>
     <c:dispBlanksAs val="gap"/>
+    <c:showDLblsOverMax val="0"/>
   </c:chart>
   <c:spPr>
     <a:solidFill>
@@ -531,8 +577,10 @@
       <a:endParaRPr lang="en-US"/>
     </a:p>
   </c:txPr>
-  <c:externalData r:id="rId1"/>
-  <c:extLst xmlns:c16r2="http://schemas.microsoft.com/office/drawing/2015/06/chart">
+  <c:externalData r:id="rId1">
+    <c:autoUpdate val="0"/>
+  </c:externalData>
+  <c:extLst>
     <c:ext xmlns:c14="http://schemas.microsoft.com/office/drawing/2007/8/2/chart" uri="{781A3756-C4B2-4CAC-9D66-4F8BD8637D16}">
       <c14:pivotOptions>
         <c14:dropZoneFilter val="1"/>
@@ -552,15 +600,25 @@
 </file>
 
 <file path=ppt/charts/chart2.xml><?xml version="1.0" encoding="utf-8"?>
-<c:chartSpace xmlns:c="http://schemas.openxmlformats.org/drawingml/2006/chart" xmlns:a="http://schemas.openxmlformats.org/drawingml/2006/main" xmlns:r="http://schemas.openxmlformats.org/officeDocument/2006/relationships">
+<c:chartSpace xmlns:c="http://schemas.openxmlformats.org/drawingml/2006/chart" xmlns:a="http://schemas.openxmlformats.org/drawingml/2006/main" xmlns:r="http://schemas.openxmlformats.org/officeDocument/2006/relationships" xmlns:c16r2="http://schemas.microsoft.com/office/drawing/2015/06/chart">
+  <c:date1904 val="0"/>
   <c:lang val="en-US"/>
+  <c:roundedCorners val="0"/>
+  <mc:AlternateContent xmlns:mc="http://schemas.openxmlformats.org/markup-compatibility/2006">
+    <mc:Choice xmlns:c14="http://schemas.microsoft.com/office/drawing/2007/8/2/chart" Requires="c14">
+      <c14:style val="102"/>
+    </mc:Choice>
+    <mc:Fallback>
+      <c:style val="2"/>
+    </mc:Fallback>
+  </mc:AlternateContent>
   <c:pivotSource>
     <c:name>[child_of_one.xlsx]20-24 years!PivotTable5</c:name>
     <c:fmtId val="2"/>
   </c:pivotSource>
   <c:chart>
     <c:title>
-      <c:layout/>
+      <c:overlay val="0"/>
       <c:spPr>
         <a:noFill/>
         <a:ln>
@@ -589,6 +647,7 @@
         </a:p>
       </c:txPr>
     </c:title>
+    <c:autoTitleDeleted val="0"/>
     <c:pivotFmts>
       <c:pivotFmt>
         <c:idx val="0"/>
@@ -648,6 +707,7 @@
       <c:barChart>
         <c:barDir val="col"/>
         <c:grouping val="clustered"/>
+        <c:varyColors val="0"/>
         <c:ser>
           <c:idx val="0"/>
           <c:order val="0"/>
@@ -677,6 +737,7 @@
               </a:glow>
             </a:effectLst>
           </c:spPr>
+          <c:invertIfNegative val="0"/>
           <c:cat>
             <c:strRef>
               <c:f>'20-24 years'!$A$4:$A$13</c:f>
@@ -748,12 +809,20 @@
               </c:numCache>
             </c:numRef>
           </c:val>
-          <c:extLst xmlns:c16r2="http://schemas.microsoft.com/office/drawing/2015/06/chart">
+          <c:extLst>
             <c:ext xmlns:c16="http://schemas.microsoft.com/office/drawing/2014/chart" uri="{C3380CC4-5D6E-409C-BE32-E72D297353CC}">
               <c16:uniqueId val="{00000000-A0DD-41F2-9452-04B4EF7BBC03}"/>
             </c:ext>
           </c:extLst>
         </c:ser>
+        <c:dLbls>
+          <c:showLegendKey val="0"/>
+          <c:showVal val="0"/>
+          <c:showCatName val="0"/>
+          <c:showSerName val="0"/>
+          <c:showPercent val="0"/>
+          <c:showBubbleSize val="0"/>
+        </c:dLbls>
         <c:gapWidth val="219"/>
         <c:overlap val="-27"/>
         <c:axId val="82182144"/>
@@ -764,9 +833,11 @@
         <c:scaling>
           <c:orientation val="minMax"/>
         </c:scaling>
+        <c:delete val="0"/>
         <c:axPos val="b"/>
         <c:numFmt formatCode="General" sourceLinked="1"/>
         <c:majorTickMark val="none"/>
+        <c:minorTickMark val="none"/>
         <c:tickLblPos val="nextTo"/>
         <c:spPr>
           <a:noFill/>
@@ -806,12 +877,14 @@
         <c:auto val="1"/>
         <c:lblAlgn val="ctr"/>
         <c:lblOffset val="100"/>
+        <c:noMultiLvlLbl val="0"/>
       </c:catAx>
       <c:valAx>
         <c:axId val="82183680"/>
         <c:scaling>
           <c:orientation val="minMax"/>
         </c:scaling>
+        <c:delete val="0"/>
         <c:axPos val="l"/>
         <c:majorGridlines>
           <c:spPr>
@@ -829,6 +902,7 @@
         </c:majorGridlines>
         <c:numFmt formatCode="General" sourceLinked="1"/>
         <c:majorTickMark val="none"/>
+        <c:minorTickMark val="none"/>
         <c:tickLblPos val="nextTo"/>
         <c:spPr>
           <a:noFill/>
@@ -871,7 +945,7 @@
     </c:plotArea>
     <c:legend>
       <c:legendPos val="r"/>
-      <c:layout/>
+      <c:overlay val="0"/>
       <c:spPr>
         <a:noFill/>
         <a:ln>
@@ -902,6 +976,7 @@
     </c:legend>
     <c:plotVisOnly val="1"/>
     <c:dispBlanksAs val="gap"/>
+    <c:showDLblsOverMax val="0"/>
   </c:chart>
   <c:spPr>
     <a:solidFill>
@@ -928,8 +1003,10 @@
       <a:endParaRPr lang="en-US"/>
     </a:p>
   </c:txPr>
-  <c:externalData r:id="rId1"/>
-  <c:extLst xmlns:c16r2="http://schemas.microsoft.com/office/drawing/2015/06/chart">
+  <c:externalData r:id="rId1">
+    <c:autoUpdate val="0"/>
+  </c:externalData>
+  <c:extLst>
     <c:ext xmlns:c14="http://schemas.microsoft.com/office/drawing/2007/8/2/chart" uri="{781A3756-C4B2-4CAC-9D66-4F8BD8637D16}">
       <c14:pivotOptions>
         <c14:dropZoneFilter val="1"/>
@@ -949,15 +1026,25 @@
 </file>
 
 <file path=ppt/charts/chart3.xml><?xml version="1.0" encoding="utf-8"?>
-<c:chartSpace xmlns:c="http://schemas.openxmlformats.org/drawingml/2006/chart" xmlns:a="http://schemas.openxmlformats.org/drawingml/2006/main" xmlns:r="http://schemas.openxmlformats.org/officeDocument/2006/relationships">
+<c:chartSpace xmlns:c="http://schemas.openxmlformats.org/drawingml/2006/chart" xmlns:a="http://schemas.openxmlformats.org/drawingml/2006/main" xmlns:r="http://schemas.openxmlformats.org/officeDocument/2006/relationships" xmlns:c16r2="http://schemas.microsoft.com/office/drawing/2015/06/chart">
+  <c:date1904 val="0"/>
   <c:lang val="en-US"/>
+  <c:roundedCorners val="0"/>
+  <mc:AlternateContent xmlns:mc="http://schemas.openxmlformats.org/markup-compatibility/2006">
+    <mc:Choice xmlns:c14="http://schemas.microsoft.com/office/drawing/2007/8/2/chart" Requires="c14">
+      <c14:style val="102"/>
+    </mc:Choice>
+    <mc:Fallback>
+      <c:style val="2"/>
+    </mc:Fallback>
+  </mc:AlternateContent>
   <c:pivotSource>
     <c:name>[child_of_one.xlsx]15-24 years!PivotTable3</c:name>
     <c:fmtId val="2"/>
   </c:pivotSource>
   <c:chart>
     <c:title>
-      <c:layout/>
+      <c:overlay val="0"/>
       <c:spPr>
         <a:noFill/>
         <a:ln>
@@ -986,6 +1073,7 @@
         </a:p>
       </c:txPr>
     </c:title>
+    <c:autoTitleDeleted val="0"/>
     <c:pivotFmts>
       <c:pivotFmt>
         <c:idx val="0"/>
@@ -1035,6 +1123,7 @@
       <c:barChart>
         <c:barDir val="col"/>
         <c:grouping val="clustered"/>
+        <c:varyColors val="0"/>
         <c:ser>
           <c:idx val="0"/>
           <c:order val="0"/>
@@ -1064,6 +1153,7 @@
               </a:glow>
             </a:effectLst>
           </c:spPr>
+          <c:invertIfNegative val="0"/>
           <c:cat>
             <c:strRef>
               <c:f>'15-24 years'!$A$4:$A$13</c:f>
@@ -1135,12 +1225,20 @@
               </c:numCache>
             </c:numRef>
           </c:val>
-          <c:extLst xmlns:c16r2="http://schemas.microsoft.com/office/drawing/2015/06/chart">
+          <c:extLst>
             <c:ext xmlns:c16="http://schemas.microsoft.com/office/drawing/2014/chart" uri="{C3380CC4-5D6E-409C-BE32-E72D297353CC}">
               <c16:uniqueId val="{00000000-D4FE-4CB1-BA64-3271A41A6419}"/>
             </c:ext>
           </c:extLst>
         </c:ser>
+        <c:dLbls>
+          <c:showLegendKey val="0"/>
+          <c:showVal val="0"/>
+          <c:showCatName val="0"/>
+          <c:showSerName val="0"/>
+          <c:showPercent val="0"/>
+          <c:showBubbleSize val="0"/>
+        </c:dLbls>
         <c:gapWidth val="219"/>
         <c:overlap val="-27"/>
         <c:axId val="82885632"/>
@@ -1151,9 +1249,11 @@
         <c:scaling>
           <c:orientation val="minMax"/>
         </c:scaling>
+        <c:delete val="0"/>
         <c:axPos val="b"/>
         <c:numFmt formatCode="General" sourceLinked="1"/>
         <c:majorTickMark val="none"/>
+        <c:minorTickMark val="none"/>
         <c:tickLblPos val="nextTo"/>
         <c:spPr>
           <a:noFill/>
@@ -1193,12 +1293,14 @@
         <c:auto val="1"/>
         <c:lblAlgn val="ctr"/>
         <c:lblOffset val="100"/>
+        <c:noMultiLvlLbl val="0"/>
       </c:catAx>
       <c:valAx>
         <c:axId val="86049536"/>
         <c:scaling>
           <c:orientation val="minMax"/>
         </c:scaling>
+        <c:delete val="0"/>
         <c:axPos val="l"/>
         <c:majorGridlines>
           <c:spPr>
@@ -1216,6 +1318,7 @@
         </c:majorGridlines>
         <c:numFmt formatCode="General" sourceLinked="1"/>
         <c:majorTickMark val="none"/>
+        <c:minorTickMark val="none"/>
         <c:tickLblPos val="nextTo"/>
         <c:spPr>
           <a:noFill/>
@@ -1258,7 +1361,7 @@
     </c:plotArea>
     <c:legend>
       <c:legendPos val="r"/>
-      <c:layout/>
+      <c:overlay val="0"/>
       <c:spPr>
         <a:noFill/>
         <a:ln>
@@ -1289,6 +1392,7 @@
     </c:legend>
     <c:plotVisOnly val="1"/>
     <c:dispBlanksAs val="gap"/>
+    <c:showDLblsOverMax val="0"/>
   </c:chart>
   <c:spPr>
     <a:solidFill>
@@ -1315,8 +1419,10 @@
       <a:endParaRPr lang="en-US"/>
     </a:p>
   </c:txPr>
-  <c:externalData r:id="rId1"/>
-  <c:extLst xmlns:c16r2="http://schemas.microsoft.com/office/drawing/2015/06/chart">
+  <c:externalData r:id="rId1">
+    <c:autoUpdate val="0"/>
+  </c:externalData>
+  <c:extLst>
     <c:ext xmlns:c14="http://schemas.microsoft.com/office/drawing/2007/8/2/chart" uri="{781A3756-C4B2-4CAC-9D66-4F8BD8637D16}">
       <c14:pivotOptions>
         <c14:dropZoneFilter val="1"/>
@@ -1336,15 +1442,25 @@
 </file>
 
 <file path=ppt/charts/chart4.xml><?xml version="1.0" encoding="utf-8"?>
-<c:chartSpace xmlns:c="http://schemas.openxmlformats.org/drawingml/2006/chart" xmlns:a="http://schemas.openxmlformats.org/drawingml/2006/main" xmlns:r="http://schemas.openxmlformats.org/officeDocument/2006/relationships">
+<c:chartSpace xmlns:c="http://schemas.openxmlformats.org/drawingml/2006/chart" xmlns:a="http://schemas.openxmlformats.org/drawingml/2006/main" xmlns:r="http://schemas.openxmlformats.org/officeDocument/2006/relationships" xmlns:c16r2="http://schemas.microsoft.com/office/drawing/2015/06/chart">
+  <c:date1904 val="0"/>
   <c:lang val="en-US"/>
+  <c:roundedCorners val="0"/>
+  <mc:AlternateContent xmlns:mc="http://schemas.openxmlformats.org/markup-compatibility/2006">
+    <mc:Choice xmlns:c14="http://schemas.microsoft.com/office/drawing/2007/8/2/chart" Requires="c14">
+      <c14:style val="102"/>
+    </mc:Choice>
+    <mc:Fallback>
+      <c:style val="2"/>
+    </mc:Fallback>
+  </mc:AlternateContent>
   <c:pivotSource>
     <c:name>[child_of_one.xlsx]15-19 years!PivotTable2</c:name>
     <c:fmtId val="2"/>
   </c:pivotSource>
   <c:chart>
     <c:title>
-      <c:layout/>
+      <c:overlay val="0"/>
       <c:spPr>
         <a:noFill/>
         <a:ln>
@@ -1373,6 +1489,7 @@
         </a:p>
       </c:txPr>
     </c:title>
+    <c:autoTitleDeleted val="0"/>
     <c:pivotFmts>
       <c:pivotFmt>
         <c:idx val="0"/>
@@ -1408,10 +1525,13 @@
       </c:pivotFmt>
     </c:pivotFmts>
     <c:view3D>
+      <c:rotX val="15"/>
+      <c:rotY val="20"/>
       <c:depthPercent val="100"/>
       <c:rAngAx val="1"/>
     </c:view3D>
     <c:floor>
+      <c:thickness val="0"/>
       <c:spPr>
         <a:noFill/>
         <a:ln>
@@ -1422,6 +1542,7 @@
       </c:spPr>
     </c:floor>
     <c:sideWall>
+      <c:thickness val="0"/>
       <c:spPr>
         <a:noFill/>
         <a:ln>
@@ -1432,6 +1553,7 @@
       </c:spPr>
     </c:sideWall>
     <c:backWall>
+      <c:thickness val="0"/>
       <c:spPr>
         <a:noFill/>
         <a:ln>
@@ -1446,6 +1568,7 @@
       <c:bar3DChart>
         <c:barDir val="bar"/>
         <c:grouping val="clustered"/>
+        <c:varyColors val="0"/>
         <c:ser>
           <c:idx val="0"/>
           <c:order val="0"/>
@@ -1470,6 +1593,7 @@
             <a:effectLst/>
             <a:sp3d/>
           </c:spPr>
+          <c:invertIfNegative val="0"/>
           <c:cat>
             <c:strRef>
               <c:f>'15-19 years'!$A$4:$A$15</c:f>
@@ -1553,12 +1677,21 @@
               </c:numCache>
             </c:numRef>
           </c:val>
-          <c:extLst xmlns:c16r2="http://schemas.microsoft.com/office/drawing/2015/06/chart">
+          <c:extLst>
             <c:ext xmlns:c16="http://schemas.microsoft.com/office/drawing/2014/chart" uri="{C3380CC4-5D6E-409C-BE32-E72D297353CC}">
               <c16:uniqueId val="{00000000-154F-4199-AAF8-9ECDF68355DF}"/>
             </c:ext>
           </c:extLst>
         </c:ser>
+        <c:dLbls>
+          <c:showLegendKey val="0"/>
+          <c:showVal val="0"/>
+          <c:showCatName val="0"/>
+          <c:showSerName val="0"/>
+          <c:showPercent val="0"/>
+          <c:showBubbleSize val="0"/>
+        </c:dLbls>
+        <c:gapWidth val="150"/>
         <c:shape val="box"/>
         <c:axId val="86073728"/>
         <c:axId val="86079360"/>
@@ -1569,9 +1702,11 @@
         <c:scaling>
           <c:orientation val="minMax"/>
         </c:scaling>
+        <c:delete val="0"/>
         <c:axPos val="l"/>
         <c:numFmt formatCode="General" sourceLinked="1"/>
         <c:majorTickMark val="none"/>
+        <c:minorTickMark val="none"/>
         <c:tickLblPos val="nextTo"/>
         <c:spPr>
           <a:noFill/>
@@ -1605,12 +1740,14 @@
         <c:auto val="1"/>
         <c:lblAlgn val="ctr"/>
         <c:lblOffset val="100"/>
+        <c:noMultiLvlLbl val="0"/>
       </c:catAx>
       <c:valAx>
         <c:axId val="86079360"/>
         <c:scaling>
           <c:orientation val="minMax"/>
         </c:scaling>
+        <c:delete val="0"/>
         <c:axPos val="b"/>
         <c:majorGridlines>
           <c:spPr>
@@ -1628,6 +1765,7 @@
         </c:majorGridlines>
         <c:numFmt formatCode="General" sourceLinked="1"/>
         <c:majorTickMark val="none"/>
+        <c:minorTickMark val="none"/>
         <c:tickLblPos val="nextTo"/>
         <c:spPr>
           <a:noFill/>
@@ -1670,7 +1808,7 @@
     </c:plotArea>
     <c:legend>
       <c:legendPos val="r"/>
-      <c:layout/>
+      <c:overlay val="0"/>
       <c:spPr>
         <a:noFill/>
         <a:ln>
@@ -1701,6 +1839,7 @@
     </c:legend>
     <c:plotVisOnly val="1"/>
     <c:dispBlanksAs val="gap"/>
+    <c:showDLblsOverMax val="0"/>
   </c:chart>
   <c:spPr>
     <a:solidFill>
@@ -1727,8 +1866,10 @@
       <a:endParaRPr lang="en-US"/>
     </a:p>
   </c:txPr>
-  <c:externalData r:id="rId1"/>
-  <c:extLst xmlns:c16r2="http://schemas.microsoft.com/office/drawing/2015/06/chart">
+  <c:externalData r:id="rId1">
+    <c:autoUpdate val="0"/>
+  </c:externalData>
+  <c:extLst>
     <c:ext xmlns:c14="http://schemas.microsoft.com/office/drawing/2007/8/2/chart" uri="{781A3756-C4B2-4CAC-9D66-4F8BD8637D16}">
       <c14:pivotOptions>
         <c14:dropZoneFilter val="1"/>
@@ -1750,6 +1891,16 @@
 <file path=ppt/slideLayouts/slideLayout1.xml><?xml version="1.0" encoding="utf-8"?>
 <p:sldLayout xmlns:a="http://schemas.openxmlformats.org/drawingml/2006/main" xmlns:r="http://schemas.openxmlformats.org/officeDocument/2006/relationships" xmlns:p="http://schemas.openxmlformats.org/presentationml/2006/main" showMasterSp="0" type="title" preserve="1">
   <p:cSld name="Title Slide">
+    <p:bg>
+      <p:bgPr>
+        <a:solidFill>
+          <a:schemeClr val="bg2">
+            <a:lumMod val="75000"/>
+          </a:schemeClr>
+        </a:solidFill>
+        <a:effectLst/>
+      </p:bgPr>
+    </p:bg>
     <p:spTree>
       <p:nvGrpSpPr>
         <p:cNvPr id="1" name=""/>
@@ -1766,54 +1917,225 @@
       </p:grpSpPr>
       <p:sp>
         <p:nvSpPr>
+          <p:cNvPr id="2" name="Title 1"/>
+          <p:cNvSpPr>
+            <a:spLocks noGrp="1"/>
+          </p:cNvSpPr>
+          <p:nvPr>
+            <p:ph type="ctrTitle"/>
+          </p:nvPr>
+        </p:nvSpPr>
+        <p:spPr>
+          <a:xfrm>
+            <a:off x="1261872" y="758952"/>
+            <a:ext cx="9418320" cy="4041648"/>
+          </a:xfrm>
+        </p:spPr>
+        <p:txBody>
+          <a:bodyPr anchor="b">
+            <a:normAutofit/>
+          </a:bodyPr>
+          <a:lstStyle>
+            <a:lvl1pPr algn="l">
+              <a:lnSpc>
+                <a:spcPct val="85000"/>
+              </a:lnSpc>
+              <a:defRPr sz="7200" baseline="0">
+                <a:solidFill>
+                  <a:schemeClr val="tx1"/>
+                </a:solidFill>
+              </a:defRPr>
+            </a:lvl1pPr>
+          </a:lstStyle>
+          <a:p>
+            <a:r>
+              <a:rPr lang="en-US" smtClean="0"/>
+              <a:t>Click to edit Master title style</a:t>
+            </a:r>
+            <a:endParaRPr lang="en-US" dirty="0"/>
+          </a:p>
+        </p:txBody>
+      </p:sp>
+      <p:sp>
+        <p:nvSpPr>
+          <p:cNvPr id="3" name="Subtitle 2"/>
+          <p:cNvSpPr>
+            <a:spLocks noGrp="1"/>
+          </p:cNvSpPr>
+          <p:nvPr>
+            <p:ph type="subTitle" idx="1"/>
+          </p:nvPr>
+        </p:nvSpPr>
+        <p:spPr>
+          <a:xfrm>
+            <a:off x="1261872" y="4800600"/>
+            <a:ext cx="9418320" cy="1691640"/>
+          </a:xfrm>
+        </p:spPr>
+        <p:txBody>
+          <a:bodyPr>
+            <a:normAutofit/>
+          </a:bodyPr>
+          <a:lstStyle>
+            <a:lvl1pPr marL="0" indent="0" algn="l">
+              <a:buNone/>
+              <a:defRPr sz="2200" baseline="0">
+                <a:solidFill>
+                  <a:schemeClr val="tx1">
+                    <a:lumMod val="75000"/>
+                  </a:schemeClr>
+                </a:solidFill>
+              </a:defRPr>
+            </a:lvl1pPr>
+            <a:lvl2pPr marL="457200" indent="0" algn="ctr">
+              <a:buNone/>
+              <a:defRPr sz="2200"/>
+            </a:lvl2pPr>
+            <a:lvl3pPr marL="914400" indent="0" algn="ctr">
+              <a:buNone/>
+              <a:defRPr sz="2200"/>
+            </a:lvl3pPr>
+            <a:lvl4pPr marL="1371600" indent="0" algn="ctr">
+              <a:buNone/>
+              <a:defRPr sz="2000"/>
+            </a:lvl4pPr>
+            <a:lvl5pPr marL="1828800" indent="0" algn="ctr">
+              <a:buNone/>
+              <a:defRPr sz="2000"/>
+            </a:lvl5pPr>
+            <a:lvl6pPr marL="2286000" indent="0" algn="ctr">
+              <a:buNone/>
+              <a:defRPr sz="2000"/>
+            </a:lvl6pPr>
+            <a:lvl7pPr marL="2743200" indent="0" algn="ctr">
+              <a:buNone/>
+              <a:defRPr sz="2000"/>
+            </a:lvl7pPr>
+            <a:lvl8pPr marL="3200400" indent="0" algn="ctr">
+              <a:buNone/>
+              <a:defRPr sz="2000"/>
+            </a:lvl8pPr>
+            <a:lvl9pPr marL="3657600" indent="0" algn="ctr">
+              <a:buNone/>
+              <a:defRPr sz="2000"/>
+            </a:lvl9pPr>
+          </a:lstStyle>
+          <a:p>
+            <a:r>
+              <a:rPr lang="en-US" smtClean="0"/>
+              <a:t>Click to edit Master subtitle style</a:t>
+            </a:r>
+            <a:endParaRPr lang="en-US" dirty="0"/>
+          </a:p>
+        </p:txBody>
+      </p:sp>
+      <p:sp>
+        <p:nvSpPr>
+          <p:cNvPr id="4" name="Date Placeholder 3"/>
+          <p:cNvSpPr>
+            <a:spLocks noGrp="1"/>
+          </p:cNvSpPr>
+          <p:nvPr>
+            <p:ph type="dt" sz="half" idx="10"/>
+          </p:nvPr>
+        </p:nvSpPr>
+        <p:spPr/>
+        <p:txBody>
+          <a:bodyPr/>
+          <a:lstStyle>
+            <a:lvl1pPr>
+              <a:defRPr>
+                <a:solidFill>
+                  <a:schemeClr val="tx1">
+                    <a:lumMod val="50000"/>
+                  </a:schemeClr>
+                </a:solidFill>
+              </a:defRPr>
+            </a:lvl1pPr>
+          </a:lstStyle>
+          <a:p>
+            <a:fld id="{BEAF7D20-4BF2-414F-B6FF-0AD495B367B0}" type="datetimeFigureOut">
+              <a:rPr lang="en-US" smtClean="0"/>
+              <a:pPr/>
+              <a:t>8/14/2020</a:t>
+            </a:fld>
+            <a:endParaRPr lang="en-US"/>
+          </a:p>
+        </p:txBody>
+      </p:sp>
+      <p:sp>
+        <p:nvSpPr>
+          <p:cNvPr id="5" name="Footer Placeholder 4"/>
+          <p:cNvSpPr>
+            <a:spLocks noGrp="1"/>
+          </p:cNvSpPr>
+          <p:nvPr>
+            <p:ph type="ftr" sz="quarter" idx="11"/>
+          </p:nvPr>
+        </p:nvSpPr>
+        <p:spPr/>
+        <p:txBody>
+          <a:bodyPr/>
+          <a:lstStyle>
+            <a:lvl1pPr>
+              <a:defRPr>
+                <a:solidFill>
+                  <a:schemeClr val="tx1">
+                    <a:lumMod val="65000"/>
+                  </a:schemeClr>
+                </a:solidFill>
+              </a:defRPr>
+            </a:lvl1pPr>
+          </a:lstStyle>
+          <a:p>
+            <a:endParaRPr lang="en-US"/>
+          </a:p>
+        </p:txBody>
+      </p:sp>
+      <p:sp>
+        <p:nvSpPr>
+          <p:cNvPr id="6" name="Slide Number Placeholder 5"/>
+          <p:cNvSpPr>
+            <a:spLocks noGrp="1"/>
+          </p:cNvSpPr>
+          <p:nvPr>
+            <p:ph type="sldNum" sz="quarter" idx="12"/>
+          </p:nvPr>
+        </p:nvSpPr>
+        <p:spPr/>
+        <p:txBody>
+          <a:bodyPr/>
+          <a:lstStyle>
+            <a:lvl1pPr>
+              <a:defRPr>
+                <a:solidFill>
+                  <a:schemeClr val="tx1">
+                    <a:lumMod val="65000"/>
+                  </a:schemeClr>
+                </a:solidFill>
+              </a:defRPr>
+            </a:lvl1pPr>
+          </a:lstStyle>
+          <a:p>
+            <a:fld id="{F09D7957-130A-48A8-A6D5-4E3399AA36EB}" type="slidenum">
+              <a:rPr lang="en-US" smtClean="0"/>
+              <a:pPr/>
+              <a:t>‹#›</a:t>
+            </a:fld>
+            <a:endParaRPr lang="en-US"/>
+          </a:p>
+        </p:txBody>
+      </p:sp>
+      <p:sp>
+        <p:nvSpPr>
           <p:cNvPr id="7" name="Rectangle 6"/>
           <p:cNvSpPr/>
           <p:nvPr/>
         </p:nvSpPr>
         <p:spPr>
           <a:xfrm>
-            <a:off x="3175" y="6400800"/>
-            <a:ext cx="12188825" cy="457200"/>
-          </a:xfrm>
-          <a:prstGeom prst="rect">
-            <a:avLst/>
-          </a:prstGeom>
-          <a:solidFill>
-            <a:schemeClr val="accent1">
-              <a:lumMod val="75000"/>
-            </a:schemeClr>
-          </a:solidFill>
-          <a:ln>
-            <a:noFill/>
-          </a:ln>
-        </p:spPr>
-        <p:style>
-          <a:lnRef idx="2">
-            <a:schemeClr val="accent1">
-              <a:shade val="50000"/>
-            </a:schemeClr>
-          </a:lnRef>
-          <a:fillRef idx="1">
-            <a:schemeClr val="accent1"/>
-          </a:fillRef>
-          <a:effectRef idx="0">
-            <a:schemeClr val="accent1"/>
-          </a:effectRef>
-          <a:fontRef idx="minor">
-            <a:schemeClr val="lt1"/>
-          </a:fontRef>
-        </p:style>
-      </p:sp>
-      <p:sp>
-        <p:nvSpPr>
-          <p:cNvPr id="8" name="Rectangle 7"/>
-          <p:cNvSpPr/>
-          <p:nvPr/>
-        </p:nvSpPr>
-        <p:spPr>
-          <a:xfrm>
-            <a:off x="15" y="6334316"/>
-            <a:ext cx="12188825" cy="64008"/>
+            <a:off x="0" y="0"/>
+            <a:ext cx="457200" cy="6858000"/>
           </a:xfrm>
           <a:prstGeom prst="rect">
             <a:avLst/>
@@ -1842,236 +2164,15 @@
           </a:fontRef>
         </p:style>
       </p:sp>
-      <p:sp>
-        <p:nvSpPr>
-          <p:cNvPr id="2" name="Title 1"/>
-          <p:cNvSpPr>
-            <a:spLocks noGrp="1"/>
-          </p:cNvSpPr>
-          <p:nvPr>
-            <p:ph type="ctrTitle"/>
-          </p:nvPr>
-        </p:nvSpPr>
-        <p:spPr>
-          <a:xfrm>
-            <a:off x="1097280" y="758952"/>
-            <a:ext cx="10058400" cy="3566160"/>
-          </a:xfrm>
-        </p:spPr>
-        <p:txBody>
-          <a:bodyPr anchor="b">
-            <a:normAutofit/>
-          </a:bodyPr>
-          <a:lstStyle>
-            <a:lvl1pPr algn="l">
-              <a:lnSpc>
-                <a:spcPct val="85000"/>
-              </a:lnSpc>
-              <a:defRPr sz="8000" spc="-50" baseline="0">
-                <a:solidFill>
-                  <a:schemeClr val="tx1">
-                    <a:lumMod val="85000"/>
-                    <a:lumOff val="15000"/>
-                  </a:schemeClr>
-                </a:solidFill>
-              </a:defRPr>
-            </a:lvl1pPr>
-          </a:lstStyle>
-          <a:p>
-            <a:r>
-              <a:rPr lang="en-US" smtClean="0"/>
-              <a:t>Click to edit Master title style</a:t>
-            </a:r>
-            <a:endParaRPr lang="en-US" dirty="0"/>
-          </a:p>
-        </p:txBody>
-      </p:sp>
-      <p:sp>
-        <p:nvSpPr>
-          <p:cNvPr id="3" name="Subtitle 2"/>
-          <p:cNvSpPr>
-            <a:spLocks noGrp="1"/>
-          </p:cNvSpPr>
-          <p:nvPr>
-            <p:ph type="subTitle" idx="1"/>
-          </p:nvPr>
-        </p:nvSpPr>
-        <p:spPr>
-          <a:xfrm>
-            <a:off x="1100051" y="4455621"/>
-            <a:ext cx="10058400" cy="1143000"/>
-          </a:xfrm>
-        </p:spPr>
-        <p:txBody>
-          <a:bodyPr lIns="91440" rIns="91440">
-            <a:normAutofit/>
-          </a:bodyPr>
-          <a:lstStyle>
-            <a:lvl1pPr marL="0" indent="0" algn="l">
-              <a:buNone/>
-              <a:defRPr sz="2400" cap="all" spc="200" baseline="0">
-                <a:solidFill>
-                  <a:schemeClr val="tx2"/>
-                </a:solidFill>
-                <a:latin typeface="+mj-lt"/>
-              </a:defRPr>
-            </a:lvl1pPr>
-            <a:lvl2pPr marL="457200" indent="0" algn="ctr">
-              <a:buNone/>
-              <a:defRPr sz="2400"/>
-            </a:lvl2pPr>
-            <a:lvl3pPr marL="914400" indent="0" algn="ctr">
-              <a:buNone/>
-              <a:defRPr sz="2400"/>
-            </a:lvl3pPr>
-            <a:lvl4pPr marL="1371600" indent="0" algn="ctr">
-              <a:buNone/>
-              <a:defRPr sz="2000"/>
-            </a:lvl4pPr>
-            <a:lvl5pPr marL="1828800" indent="0" algn="ctr">
-              <a:buNone/>
-              <a:defRPr sz="2000"/>
-            </a:lvl5pPr>
-            <a:lvl6pPr marL="2286000" indent="0" algn="ctr">
-              <a:buNone/>
-              <a:defRPr sz="2000"/>
-            </a:lvl6pPr>
-            <a:lvl7pPr marL="2743200" indent="0" algn="ctr">
-              <a:buNone/>
-              <a:defRPr sz="2000"/>
-            </a:lvl7pPr>
-            <a:lvl8pPr marL="3200400" indent="0" algn="ctr">
-              <a:buNone/>
-              <a:defRPr sz="2000"/>
-            </a:lvl8pPr>
-            <a:lvl9pPr marL="3657600" indent="0" algn="ctr">
-              <a:buNone/>
-              <a:defRPr sz="2000"/>
-            </a:lvl9pPr>
-          </a:lstStyle>
-          <a:p>
-            <a:r>
-              <a:rPr lang="en-US" smtClean="0"/>
-              <a:t>Click to edit Master subtitle style</a:t>
-            </a:r>
-            <a:endParaRPr lang="en-US" dirty="0"/>
-          </a:p>
-        </p:txBody>
-      </p:sp>
-      <p:sp>
-        <p:nvSpPr>
-          <p:cNvPr id="4" name="Date Placeholder 3"/>
-          <p:cNvSpPr>
-            <a:spLocks noGrp="1"/>
-          </p:cNvSpPr>
-          <p:nvPr>
-            <p:ph type="dt" sz="half" idx="10"/>
-          </p:nvPr>
-        </p:nvSpPr>
-        <p:spPr/>
-        <p:txBody>
-          <a:bodyPr/>
-          <a:lstStyle/>
-          <a:p>
-            <a:fld id="{BEAF7D20-4BF2-414F-B6FF-0AD495B367B0}" type="datetimeFigureOut">
-              <a:rPr lang="en-US" smtClean="0"/>
-              <a:pPr/>
-              <a:t>8/13/2020</a:t>
-            </a:fld>
-            <a:endParaRPr lang="en-US"/>
-          </a:p>
-        </p:txBody>
-      </p:sp>
-      <p:sp>
-        <p:nvSpPr>
-          <p:cNvPr id="5" name="Footer Placeholder 4"/>
-          <p:cNvSpPr>
-            <a:spLocks noGrp="1"/>
-          </p:cNvSpPr>
-          <p:nvPr>
-            <p:ph type="ftr" sz="quarter" idx="11"/>
-          </p:nvPr>
-        </p:nvSpPr>
-        <p:spPr/>
-        <p:txBody>
-          <a:bodyPr/>
-          <a:lstStyle/>
-          <a:p>
-            <a:endParaRPr lang="en-US"/>
-          </a:p>
-        </p:txBody>
-      </p:sp>
-      <p:sp>
-        <p:nvSpPr>
-          <p:cNvPr id="6" name="Slide Number Placeholder 5"/>
-          <p:cNvSpPr>
-            <a:spLocks noGrp="1"/>
-          </p:cNvSpPr>
-          <p:nvPr>
-            <p:ph type="sldNum" sz="quarter" idx="12"/>
-          </p:nvPr>
-        </p:nvSpPr>
-        <p:spPr/>
-        <p:txBody>
-          <a:bodyPr/>
-          <a:lstStyle/>
-          <a:p>
-            <a:fld id="{F09D7957-130A-48A8-A6D5-4E3399AA36EB}" type="slidenum">
-              <a:rPr lang="en-US" smtClean="0"/>
-              <a:pPr/>
-              <a:t>‹N°›</a:t>
-            </a:fld>
-            <a:endParaRPr lang="en-US"/>
-          </a:p>
-        </p:txBody>
-      </p:sp>
-      <p:cxnSp>
-        <p:nvCxnSpPr>
-          <p:cNvPr id="9" name="Straight Connector 8"/>
-          <p:cNvCxnSpPr/>
-          <p:nvPr/>
-        </p:nvCxnSpPr>
-        <p:spPr>
-          <a:xfrm>
-            <a:off x="1207658" y="4343400"/>
-            <a:ext cx="9875520" cy="0"/>
-          </a:xfrm>
-          <a:prstGeom prst="line">
-            <a:avLst/>
-          </a:prstGeom>
-          <a:ln w="6350">
-            <a:solidFill>
-              <a:schemeClr val="tx1">
-                <a:lumMod val="50000"/>
-                <a:lumOff val="50000"/>
-              </a:schemeClr>
-            </a:solidFill>
-          </a:ln>
-        </p:spPr>
-        <p:style>
-          <a:lnRef idx="1">
-            <a:schemeClr val="accent1"/>
-          </a:lnRef>
-          <a:fillRef idx="0">
-            <a:schemeClr val="accent1"/>
-          </a:fillRef>
-          <a:effectRef idx="0">
-            <a:schemeClr val="accent1"/>
-          </a:effectRef>
-          <a:fontRef idx="minor">
-            <a:schemeClr val="tx1"/>
-          </a:fontRef>
-        </p:style>
-      </p:cxnSp>
     </p:spTree>
     <p:extLst>
       <p:ext uri="{BB962C8B-B14F-4D97-AF65-F5344CB8AC3E}">
-        <p14:creationId xmlns="" xmlns:p14="http://schemas.microsoft.com/office/powerpoint/2010/main" val="2812007631"/>
+        <p14:creationId xmlns:p14="http://schemas.microsoft.com/office/powerpoint/2010/main" val="2597544138"/>
       </p:ext>
     </p:extLst>
   </p:cSld>
   <p:clrMapOvr>
-    <a:masterClrMapping/>
+    <a:overrideClrMapping bg1="dk1" tx1="lt1" bg2="dk2" tx2="lt2" accent1="accent1" accent2="accent2" accent3="accent3" accent4="accent4" accent5="accent5" accent6="accent6" hlink="hlink" folHlink="folHlink"/>
   </p:clrMapOvr>
 </p:sldLayout>
 </file>
@@ -2128,7 +2229,7 @@
         </p:nvSpPr>
         <p:spPr/>
         <p:txBody>
-          <a:bodyPr vert="eaVert" lIns="45720" tIns="0" rIns="45720" bIns="0"/>
+          <a:bodyPr vert="eaVert"/>
           <a:lstStyle/>
           <a:p>
             <a:pPr lvl="0"/>
@@ -2186,7 +2287,7 @@
             <a:fld id="{BEAF7D20-4BF2-414F-B6FF-0AD495B367B0}" type="datetimeFigureOut">
               <a:rPr lang="en-US" smtClean="0"/>
               <a:pPr/>
-              <a:t>8/13/2020</a:t>
+              <a:t>8/14/2020</a:t>
             </a:fld>
             <a:endParaRPr lang="en-US"/>
           </a:p>
@@ -2229,7 +2330,7 @@
             <a:fld id="{F09D7957-130A-48A8-A6D5-4E3399AA36EB}" type="slidenum">
               <a:rPr lang="en-US" smtClean="0"/>
               <a:pPr/>
-              <a:t>‹N°›</a:t>
+              <a:t>‹#›</a:t>
             </a:fld>
             <a:endParaRPr lang="en-US"/>
           </a:p>
@@ -2238,7 +2339,7 @@
     </p:spTree>
     <p:extLst>
       <p:ext uri="{BB962C8B-B14F-4D97-AF65-F5344CB8AC3E}">
-        <p14:creationId xmlns="" xmlns:p14="http://schemas.microsoft.com/office/powerpoint/2010/main" val="1736152266"/>
+        <p14:creationId xmlns:p14="http://schemas.microsoft.com/office/powerpoint/2010/main" val="2988624143"/>
       </p:ext>
     </p:extLst>
   </p:cSld>
@@ -2249,7 +2350,7 @@
 </file>
 
 <file path=ppt/slideLayouts/slideLayout11.xml><?xml version="1.0" encoding="utf-8"?>
-<p:sldLayout xmlns:a="http://schemas.openxmlformats.org/drawingml/2006/main" xmlns:r="http://schemas.openxmlformats.org/officeDocument/2006/relationships" xmlns:p="http://schemas.openxmlformats.org/presentationml/2006/main" showMasterSp="0" type="vertTitleAndTx" preserve="1">
+<p:sldLayout xmlns:a="http://schemas.openxmlformats.org/drawingml/2006/main" xmlns:r="http://schemas.openxmlformats.org/officeDocument/2006/relationships" xmlns:p="http://schemas.openxmlformats.org/presentationml/2006/main" type="vertTitleAndTx" preserve="1">
   <p:cSld name="Vertical Title and Text">
     <p:spTree>
       <p:nvGrpSpPr>
@@ -2267,84 +2368,6 @@
       </p:grpSpPr>
       <p:sp>
         <p:nvSpPr>
-          <p:cNvPr id="7" name="Rectangle 6"/>
-          <p:cNvSpPr/>
-          <p:nvPr/>
-        </p:nvSpPr>
-        <p:spPr>
-          <a:xfrm>
-            <a:off x="3175" y="6400800"/>
-            <a:ext cx="12188825" cy="457200"/>
-          </a:xfrm>
-          <a:prstGeom prst="rect">
-            <a:avLst/>
-          </a:prstGeom>
-          <a:solidFill>
-            <a:schemeClr val="accent1">
-              <a:lumMod val="75000"/>
-            </a:schemeClr>
-          </a:solidFill>
-          <a:ln>
-            <a:noFill/>
-          </a:ln>
-        </p:spPr>
-        <p:style>
-          <a:lnRef idx="2">
-            <a:schemeClr val="accent1">
-              <a:shade val="50000"/>
-            </a:schemeClr>
-          </a:lnRef>
-          <a:fillRef idx="1">
-            <a:schemeClr val="accent1"/>
-          </a:fillRef>
-          <a:effectRef idx="0">
-            <a:schemeClr val="accent1"/>
-          </a:effectRef>
-          <a:fontRef idx="minor">
-            <a:schemeClr val="lt1"/>
-          </a:fontRef>
-        </p:style>
-      </p:sp>
-      <p:sp>
-        <p:nvSpPr>
-          <p:cNvPr id="8" name="Rectangle 7"/>
-          <p:cNvSpPr/>
-          <p:nvPr/>
-        </p:nvSpPr>
-        <p:spPr>
-          <a:xfrm>
-            <a:off x="15" y="6334316"/>
-            <a:ext cx="12188825" cy="64008"/>
-          </a:xfrm>
-          <a:prstGeom prst="rect">
-            <a:avLst/>
-          </a:prstGeom>
-          <a:solidFill>
-            <a:schemeClr val="accent1"/>
-          </a:solidFill>
-          <a:ln>
-            <a:noFill/>
-          </a:ln>
-        </p:spPr>
-        <p:style>
-          <a:lnRef idx="2">
-            <a:schemeClr val="accent1">
-              <a:shade val="50000"/>
-            </a:schemeClr>
-          </a:lnRef>
-          <a:fillRef idx="1">
-            <a:schemeClr val="accent1"/>
-          </a:fillRef>
-          <a:effectRef idx="0">
-            <a:schemeClr val="accent1"/>
-          </a:effectRef>
-          <a:fontRef idx="minor">
-            <a:schemeClr val="lt1"/>
-          </a:fontRef>
-        </p:style>
-      </p:sp>
-      <p:sp>
-        <p:nvSpPr>
           <p:cNvPr id="2" name="Vertical Title 1"/>
           <p:cNvSpPr>
             <a:spLocks noGrp="1"/>
@@ -2355,8 +2378,8 @@
         </p:nvSpPr>
         <p:spPr>
           <a:xfrm>
-            <a:off x="8724900" y="412302"/>
-            <a:ext cx="2628900" cy="5759898"/>
+            <a:off x="8648700" y="381000"/>
+            <a:ext cx="2476500" cy="5897562"/>
           </a:xfrm>
         </p:spPr>
         <p:txBody>
@@ -2383,12 +2406,12 @@
         </p:nvSpPr>
         <p:spPr>
           <a:xfrm>
-            <a:off x="838200" y="412302"/>
-            <a:ext cx="7734300" cy="5759898"/>
+            <a:off x="762000" y="381000"/>
+            <a:ext cx="7734300" cy="5897562"/>
           </a:xfrm>
         </p:spPr>
         <p:txBody>
-          <a:bodyPr vert="eaVert" lIns="45720" tIns="0" rIns="45720" bIns="0"/>
+          <a:bodyPr vert="eaVert"/>
           <a:lstStyle/>
           <a:p>
             <a:pPr lvl="0"/>
@@ -2446,7 +2469,7 @@
             <a:fld id="{BEAF7D20-4BF2-414F-B6FF-0AD495B367B0}" type="datetimeFigureOut">
               <a:rPr lang="en-US" smtClean="0"/>
               <a:pPr/>
-              <a:t>8/13/2020</a:t>
+              <a:t>8/14/2020</a:t>
             </a:fld>
             <a:endParaRPr lang="en-US"/>
           </a:p>
@@ -2489,7 +2512,7 @@
             <a:fld id="{F09D7957-130A-48A8-A6D5-4E3399AA36EB}" type="slidenum">
               <a:rPr lang="en-US" smtClean="0"/>
               <a:pPr/>
-              <a:t>‹N°›</a:t>
+              <a:t>‹#›</a:t>
             </a:fld>
             <a:endParaRPr lang="en-US"/>
           </a:p>
@@ -2498,7 +2521,7 @@
     </p:spTree>
     <p:extLst>
       <p:ext uri="{BB962C8B-B14F-4D97-AF65-F5344CB8AC3E}">
-        <p14:creationId xmlns="" xmlns:p14="http://schemas.microsoft.com/office/powerpoint/2010/main" val="855715231"/>
+        <p14:creationId xmlns:p14="http://schemas.microsoft.com/office/powerpoint/2010/main" val="3791963201"/>
       </p:ext>
     </p:extLst>
   </p:cSld>
@@ -2618,7 +2641,7 @@
             <a:fld id="{BEAF7D20-4BF2-414F-B6FF-0AD495B367B0}" type="datetimeFigureOut">
               <a:rPr lang="en-US" smtClean="0"/>
               <a:pPr/>
-              <a:t>8/13/2020</a:t>
+              <a:t>8/14/2020</a:t>
             </a:fld>
             <a:endParaRPr lang="en-US"/>
           </a:p>
@@ -2661,7 +2684,7 @@
             <a:fld id="{F09D7957-130A-48A8-A6D5-4E3399AA36EB}" type="slidenum">
               <a:rPr lang="en-US" smtClean="0"/>
               <a:pPr/>
-              <a:t>‹N°›</a:t>
+              <a:t>‹#›</a:t>
             </a:fld>
             <a:endParaRPr lang="en-US"/>
           </a:p>
@@ -2670,7 +2693,7 @@
     </p:spTree>
     <p:extLst>
       <p:ext uri="{BB962C8B-B14F-4D97-AF65-F5344CB8AC3E}">
-        <p14:creationId xmlns="" xmlns:p14="http://schemas.microsoft.com/office/powerpoint/2010/main" val="2035574099"/>
+        <p14:creationId xmlns:p14="http://schemas.microsoft.com/office/powerpoint/2010/main" val="2885663113"/>
       </p:ext>
     </p:extLst>
   </p:cSld>
@@ -2681,7 +2704,7 @@
 </file>
 
 <file path=ppt/slideLayouts/slideLayout3.xml><?xml version="1.0" encoding="utf-8"?>
-<p:sldLayout xmlns:a="http://schemas.openxmlformats.org/drawingml/2006/main" xmlns:r="http://schemas.openxmlformats.org/officeDocument/2006/relationships" xmlns:p="http://schemas.openxmlformats.org/presentationml/2006/main" showMasterSp="0" type="secHead" preserve="1">
+<p:sldLayout xmlns:a="http://schemas.openxmlformats.org/drawingml/2006/main" xmlns:r="http://schemas.openxmlformats.org/officeDocument/2006/relationships" xmlns:p="http://schemas.openxmlformats.org/presentationml/2006/main" type="secHead" preserve="1">
   <p:cSld name="Section Header">
     <p:spTree>
       <p:nvGrpSpPr>
@@ -2699,84 +2722,6 @@
       </p:grpSpPr>
       <p:sp>
         <p:nvSpPr>
-          <p:cNvPr id="7" name="Rectangle 6"/>
-          <p:cNvSpPr/>
-          <p:nvPr/>
-        </p:nvSpPr>
-        <p:spPr>
-          <a:xfrm>
-            <a:off x="3175" y="6400800"/>
-            <a:ext cx="12188825" cy="457200"/>
-          </a:xfrm>
-          <a:prstGeom prst="rect">
-            <a:avLst/>
-          </a:prstGeom>
-          <a:solidFill>
-            <a:schemeClr val="accent1">
-              <a:lumMod val="75000"/>
-            </a:schemeClr>
-          </a:solidFill>
-          <a:ln>
-            <a:noFill/>
-          </a:ln>
-        </p:spPr>
-        <p:style>
-          <a:lnRef idx="2">
-            <a:schemeClr val="accent1">
-              <a:shade val="50000"/>
-            </a:schemeClr>
-          </a:lnRef>
-          <a:fillRef idx="1">
-            <a:schemeClr val="accent1"/>
-          </a:fillRef>
-          <a:effectRef idx="0">
-            <a:schemeClr val="accent1"/>
-          </a:effectRef>
-          <a:fontRef idx="minor">
-            <a:schemeClr val="lt1"/>
-          </a:fontRef>
-        </p:style>
-      </p:sp>
-      <p:sp>
-        <p:nvSpPr>
-          <p:cNvPr id="8" name="Rectangle 7"/>
-          <p:cNvSpPr/>
-          <p:nvPr/>
-        </p:nvSpPr>
-        <p:spPr>
-          <a:xfrm>
-            <a:off x="15" y="6334316"/>
-            <a:ext cx="12188825" cy="64008"/>
-          </a:xfrm>
-          <a:prstGeom prst="rect">
-            <a:avLst/>
-          </a:prstGeom>
-          <a:solidFill>
-            <a:schemeClr val="accent1"/>
-          </a:solidFill>
-          <a:ln>
-            <a:noFill/>
-          </a:ln>
-        </p:spPr>
-        <p:style>
-          <a:lnRef idx="2">
-            <a:schemeClr val="accent1">
-              <a:shade val="50000"/>
-            </a:schemeClr>
-          </a:lnRef>
-          <a:fillRef idx="1">
-            <a:schemeClr val="accent1"/>
-          </a:fillRef>
-          <a:effectRef idx="0">
-            <a:schemeClr val="accent1"/>
-          </a:effectRef>
-          <a:fontRef idx="minor">
-            <a:schemeClr val="lt1"/>
-          </a:fontRef>
-        </p:style>
-      </p:sp>
-      <p:sp>
-        <p:nvSpPr>
           <p:cNvPr id="2" name="Title 1"/>
           <p:cNvSpPr>
             <a:spLocks noGrp="1"/>
@@ -2787,12 +2732,12 @@
         </p:nvSpPr>
         <p:spPr>
           <a:xfrm>
-            <a:off x="1097280" y="758952"/>
-            <a:ext cx="10058400" cy="3566160"/>
+            <a:off x="1261872" y="758952"/>
+            <a:ext cx="9418320" cy="4041648"/>
           </a:xfrm>
         </p:spPr>
         <p:txBody>
-          <a:bodyPr anchor="b" anchorCtr="0">
+          <a:bodyPr anchor="b">
             <a:normAutofit/>
           </a:bodyPr>
           <a:lstStyle>
@@ -2800,14 +2745,7 @@
               <a:lnSpc>
                 <a:spcPct val="85000"/>
               </a:lnSpc>
-              <a:defRPr sz="8000" b="0">
-                <a:solidFill>
-                  <a:schemeClr val="tx1">
-                    <a:lumMod val="85000"/>
-                    <a:lumOff val="15000"/>
-                  </a:schemeClr>
-                </a:solidFill>
-              </a:defRPr>
+              <a:defRPr sz="7200" b="0"/>
             </a:lvl1pPr>
           </a:lstStyle>
           <a:p>
@@ -2831,22 +2769,24 @@
         </p:nvSpPr>
         <p:spPr>
           <a:xfrm>
-            <a:off x="1097280" y="4453128"/>
-            <a:ext cx="10058400" cy="1143000"/>
+            <a:off x="1261872" y="4800600"/>
+            <a:ext cx="9418320" cy="1691640"/>
           </a:xfrm>
         </p:spPr>
         <p:txBody>
-          <a:bodyPr lIns="91440" rIns="91440" anchor="t" anchorCtr="0">
+          <a:bodyPr anchor="t">
             <a:normAutofit/>
           </a:bodyPr>
           <a:lstStyle>
             <a:lvl1pPr marL="0" indent="0">
               <a:buNone/>
-              <a:defRPr sz="2400" cap="all" spc="200" baseline="0">
+              <a:defRPr sz="2200">
                 <a:solidFill>
-                  <a:schemeClr val="tx2"/>
+                  <a:schemeClr val="tx1">
+                    <a:lumMod val="65000"/>
+                    <a:lumOff val="35000"/>
+                  </a:schemeClr>
                 </a:solidFill>
-                <a:latin typeface="+mj-lt"/>
               </a:defRPr>
             </a:lvl1pPr>
             <a:lvl2pPr marL="457200" indent="0">
@@ -2957,7 +2897,7 @@
             <a:fld id="{BEAF7D20-4BF2-414F-B6FF-0AD495B367B0}" type="datetimeFigureOut">
               <a:rPr lang="en-US" smtClean="0"/>
               <a:pPr/>
-              <a:t>8/13/2020</a:t>
+              <a:t>8/14/2020</a:t>
             </a:fld>
             <a:endParaRPr lang="en-US"/>
           </a:p>
@@ -3000,54 +2940,54 @@
             <a:fld id="{F09D7957-130A-48A8-A6D5-4E3399AA36EB}" type="slidenum">
               <a:rPr lang="en-US" smtClean="0"/>
               <a:pPr/>
-              <a:t>‹N°›</a:t>
+              <a:t>‹#›</a:t>
             </a:fld>
             <a:endParaRPr lang="en-US"/>
           </a:p>
         </p:txBody>
       </p:sp>
-      <p:cxnSp>
-        <p:nvCxnSpPr>
-          <p:cNvPr id="9" name="Straight Connector 8"/>
-          <p:cNvCxnSpPr/>
+      <p:sp>
+        <p:nvSpPr>
+          <p:cNvPr id="7" name="Rectangle 6"/>
+          <p:cNvSpPr/>
           <p:nvPr/>
-        </p:nvCxnSpPr>
+        </p:nvSpPr>
         <p:spPr>
           <a:xfrm>
-            <a:off x="1207658" y="4343400"/>
-            <a:ext cx="9875520" cy="0"/>
+            <a:off x="0" y="0"/>
+            <a:ext cx="457200" cy="6858000"/>
           </a:xfrm>
-          <a:prstGeom prst="line">
+          <a:prstGeom prst="rect">
             <a:avLst/>
           </a:prstGeom>
-          <a:ln w="6350">
-            <a:solidFill>
-              <a:schemeClr val="tx1">
-                <a:lumMod val="50000"/>
-                <a:lumOff val="50000"/>
-              </a:schemeClr>
-            </a:solidFill>
+          <a:solidFill>
+            <a:schemeClr val="accent1"/>
+          </a:solidFill>
+          <a:ln>
+            <a:noFill/>
           </a:ln>
         </p:spPr>
         <p:style>
-          <a:lnRef idx="1">
-            <a:schemeClr val="accent1"/>
+          <a:lnRef idx="2">
+            <a:schemeClr val="accent1">
+              <a:shade val="50000"/>
+            </a:schemeClr>
           </a:lnRef>
-          <a:fillRef idx="0">
+          <a:fillRef idx="1">
             <a:schemeClr val="accent1"/>
           </a:fillRef>
           <a:effectRef idx="0">
             <a:schemeClr val="accent1"/>
           </a:effectRef>
           <a:fontRef idx="minor">
-            <a:schemeClr val="tx1"/>
+            <a:schemeClr val="lt1"/>
           </a:fontRef>
         </p:style>
-      </p:cxnSp>
+      </p:sp>
     </p:spTree>
     <p:extLst>
       <p:ext uri="{BB962C8B-B14F-4D97-AF65-F5344CB8AC3E}">
-        <p14:creationId xmlns="" xmlns:p14="http://schemas.microsoft.com/office/powerpoint/2010/main" val="3395251584"/>
+        <p14:creationId xmlns:p14="http://schemas.microsoft.com/office/powerpoint/2010/main" val="3638915559"/>
       </p:ext>
     </p:extLst>
   </p:cSld>
@@ -3076,7 +3016,7 @@
       </p:grpSpPr>
       <p:sp>
         <p:nvSpPr>
-          <p:cNvPr id="8" name="Title 7"/>
+          <p:cNvPr id="2" name="Title 1"/>
           <p:cNvSpPr>
             <a:spLocks noGrp="1"/>
           </p:cNvSpPr>
@@ -3084,12 +3024,7 @@
             <p:ph type="title"/>
           </p:nvPr>
         </p:nvSpPr>
-        <p:spPr>
-          <a:xfrm>
-            <a:off x="1097280" y="286603"/>
-            <a:ext cx="10058400" cy="1450757"/>
-          </a:xfrm>
-        </p:spPr>
+        <p:spPr/>
         <p:txBody>
           <a:bodyPr/>
           <a:lstStyle/>
@@ -3114,13 +3049,41 @@
         </p:nvSpPr>
         <p:spPr>
           <a:xfrm>
-            <a:off x="1097278" y="1845734"/>
-            <a:ext cx="4937760" cy="4023359"/>
+            <a:off x="1261872" y="1828800"/>
+            <a:ext cx="4480560" cy="4351337"/>
           </a:xfrm>
         </p:spPr>
         <p:txBody>
           <a:bodyPr/>
-          <a:lstStyle/>
+          <a:lstStyle>
+            <a:lvl1pPr>
+              <a:defRPr sz="1800"/>
+            </a:lvl1pPr>
+            <a:lvl2pPr>
+              <a:defRPr sz="1600"/>
+            </a:lvl2pPr>
+            <a:lvl3pPr>
+              <a:defRPr sz="1400"/>
+            </a:lvl3pPr>
+            <a:lvl4pPr>
+              <a:defRPr sz="1400"/>
+            </a:lvl4pPr>
+            <a:lvl5pPr>
+              <a:defRPr sz="1400"/>
+            </a:lvl5pPr>
+            <a:lvl6pPr>
+              <a:defRPr sz="1400"/>
+            </a:lvl6pPr>
+            <a:lvl7pPr>
+              <a:defRPr sz="1400"/>
+            </a:lvl7pPr>
+            <a:lvl8pPr>
+              <a:defRPr sz="1400"/>
+            </a:lvl8pPr>
+            <a:lvl9pPr>
+              <a:defRPr sz="1400"/>
+            </a:lvl9pPr>
+          </a:lstStyle>
           <a:p>
             <a:pPr lvl="0"/>
             <a:r>
@@ -3171,13 +3134,41 @@
         </p:nvSpPr>
         <p:spPr>
           <a:xfrm>
-            <a:off x="6217920" y="1845735"/>
-            <a:ext cx="4937760" cy="4023360"/>
+            <a:off x="6126480" y="1828800"/>
+            <a:ext cx="4480560" cy="4351337"/>
           </a:xfrm>
         </p:spPr>
         <p:txBody>
           <a:bodyPr/>
-          <a:lstStyle/>
+          <a:lstStyle>
+            <a:lvl1pPr>
+              <a:defRPr sz="1800"/>
+            </a:lvl1pPr>
+            <a:lvl2pPr>
+              <a:defRPr sz="1600"/>
+            </a:lvl2pPr>
+            <a:lvl3pPr>
+              <a:defRPr sz="1400"/>
+            </a:lvl3pPr>
+            <a:lvl4pPr>
+              <a:defRPr sz="1400"/>
+            </a:lvl4pPr>
+            <a:lvl5pPr>
+              <a:defRPr sz="1400"/>
+            </a:lvl5pPr>
+            <a:lvl6pPr>
+              <a:defRPr sz="1400"/>
+            </a:lvl6pPr>
+            <a:lvl7pPr>
+              <a:defRPr sz="1400"/>
+            </a:lvl7pPr>
+            <a:lvl8pPr>
+              <a:defRPr sz="1400"/>
+            </a:lvl8pPr>
+            <a:lvl9pPr>
+              <a:defRPr sz="1400"/>
+            </a:lvl9pPr>
+          </a:lstStyle>
           <a:p>
             <a:pPr lvl="0"/>
             <a:r>
@@ -3234,7 +3225,7 @@
             <a:fld id="{BEAF7D20-4BF2-414F-B6FF-0AD495B367B0}" type="datetimeFigureOut">
               <a:rPr lang="en-US" smtClean="0"/>
               <a:pPr/>
-              <a:t>8/13/2020</a:t>
+              <a:t>8/14/2020</a:t>
             </a:fld>
             <a:endParaRPr lang="en-US"/>
           </a:p>
@@ -3277,7 +3268,7 @@
             <a:fld id="{F09D7957-130A-48A8-A6D5-4E3399AA36EB}" type="slidenum">
               <a:rPr lang="en-US" smtClean="0"/>
               <a:pPr/>
-              <a:t>‹N°›</a:t>
+              <a:t>‹#›</a:t>
             </a:fld>
             <a:endParaRPr lang="en-US"/>
           </a:p>
@@ -3286,7 +3277,7 @@
     </p:spTree>
     <p:extLst>
       <p:ext uri="{BB962C8B-B14F-4D97-AF65-F5344CB8AC3E}">
-        <p14:creationId xmlns="" xmlns:p14="http://schemas.microsoft.com/office/powerpoint/2010/main" val="2793667609"/>
+        <p14:creationId xmlns:p14="http://schemas.microsoft.com/office/powerpoint/2010/main" val="1700852118"/>
       </p:ext>
     </p:extLst>
   </p:cSld>
@@ -3323,12 +3314,7 @@
             <p:ph type="title"/>
           </p:nvPr>
         </p:nvSpPr>
-        <p:spPr>
-          <a:xfrm>
-            <a:off x="1097280" y="286603"/>
-            <a:ext cx="10058400" cy="1450757"/>
-          </a:xfrm>
-        </p:spPr>
+        <p:spPr/>
         <p:txBody>
           <a:bodyPr/>
           <a:lstStyle/>
@@ -3353,22 +3339,23 @@
         </p:nvSpPr>
         <p:spPr>
           <a:xfrm>
-            <a:off x="1097280" y="1846052"/>
-            <a:ext cx="4937760" cy="736282"/>
+            <a:off x="1261872" y="1713655"/>
+            <a:ext cx="4480560" cy="731520"/>
           </a:xfrm>
         </p:spPr>
         <p:txBody>
-          <a:bodyPr lIns="91440" rIns="91440" anchor="ctr">
+          <a:bodyPr anchor="b">
             <a:normAutofit/>
           </a:bodyPr>
           <a:lstStyle>
             <a:lvl1pPr marL="0" indent="0">
+              <a:spcBef>
+                <a:spcPts val="0"/>
+              </a:spcBef>
               <a:buNone/>
-              <a:defRPr sz="2000" b="0" cap="all" baseline="0">
+              <a:defRPr sz="2000" b="0">
                 <a:solidFill>
-                  <a:schemeClr val="tx2">
-                    <a:lumMod val="90000"/>
-                  </a:schemeClr>
+                  <a:schemeClr val="tx2"/>
                 </a:solidFill>
               </a:defRPr>
             </a:lvl1pPr>
@@ -3426,13 +3413,41 @@
         </p:nvSpPr>
         <p:spPr>
           <a:xfrm>
-            <a:off x="1097280" y="2582334"/>
-            <a:ext cx="4937760" cy="3378200"/>
+            <a:off x="1261872" y="2507550"/>
+            <a:ext cx="4480560" cy="3664650"/>
           </a:xfrm>
         </p:spPr>
         <p:txBody>
           <a:bodyPr/>
-          <a:lstStyle/>
+          <a:lstStyle>
+            <a:lvl1pPr>
+              <a:defRPr sz="1800"/>
+            </a:lvl1pPr>
+            <a:lvl2pPr>
+              <a:defRPr sz="1600"/>
+            </a:lvl2pPr>
+            <a:lvl3pPr>
+              <a:defRPr sz="1400"/>
+            </a:lvl3pPr>
+            <a:lvl4pPr>
+              <a:defRPr sz="1400"/>
+            </a:lvl4pPr>
+            <a:lvl5pPr>
+              <a:defRPr sz="1400"/>
+            </a:lvl5pPr>
+            <a:lvl6pPr>
+              <a:defRPr sz="1400"/>
+            </a:lvl6pPr>
+            <a:lvl7pPr>
+              <a:defRPr sz="1400"/>
+            </a:lvl7pPr>
+            <a:lvl8pPr>
+              <a:defRPr sz="1400"/>
+            </a:lvl8pPr>
+            <a:lvl9pPr>
+              <a:defRPr sz="1400"/>
+            </a:lvl9pPr>
+          </a:lstStyle>
           <a:p>
             <a:pPr lvl="0"/>
             <a:r>
@@ -3483,23 +3498,30 @@
         </p:nvSpPr>
         <p:spPr>
           <a:xfrm>
-            <a:off x="6217920" y="1846052"/>
-            <a:ext cx="4937760" cy="736282"/>
+            <a:off x="6126480" y="1713655"/>
+            <a:ext cx="4480560" cy="731520"/>
           </a:xfrm>
         </p:spPr>
         <p:txBody>
-          <a:bodyPr lIns="91440" rIns="91440" anchor="ctr">
+          <a:bodyPr anchor="b">
             <a:normAutofit/>
           </a:bodyPr>
           <a:lstStyle>
             <a:lvl1pPr marL="0" indent="0">
+              <a:lnSpc>
+                <a:spcPct val="95000"/>
+              </a:lnSpc>
+              <a:spcBef>
+                <a:spcPts val="0"/>
+              </a:spcBef>
               <a:buNone/>
-              <a:defRPr sz="2000" b="0" cap="all" baseline="0">
+              <a:defRPr lang="en-US" sz="2000" b="0" kern="1200" dirty="0">
                 <a:solidFill>
-                  <a:schemeClr val="tx2">
-                    <a:lumMod val="90000"/>
-                  </a:schemeClr>
+                  <a:schemeClr val="tx2"/>
                 </a:solidFill>
+                <a:latin typeface="+mn-lt"/>
+                <a:ea typeface="+mn-ea"/>
+                <a:cs typeface="+mn-cs"/>
               </a:defRPr>
             </a:lvl1pPr>
             <a:lvl2pPr marL="457200" indent="0">
@@ -3536,7 +3558,16 @@
             </a:lvl9pPr>
           </a:lstStyle>
           <a:p>
-            <a:pPr lvl="0"/>
+            <a:pPr marL="0" lvl="0" indent="0" algn="l" defTabSz="914400" rtl="0" eaLnBrk="1" latinLnBrk="0" hangingPunct="1">
+              <a:lnSpc>
+                <a:spcPct val="90000"/>
+              </a:lnSpc>
+              <a:spcBef>
+                <a:spcPts val="2000"/>
+              </a:spcBef>
+              <a:buFontTx/>
+              <a:buNone/>
+            </a:pPr>
             <a:r>
               <a:rPr lang="en-US" smtClean="0"/>
               <a:t>Edit Master text styles</a:t>
@@ -3556,13 +3587,41 @@
         </p:nvSpPr>
         <p:spPr>
           <a:xfrm>
-            <a:off x="6217920" y="2582334"/>
-            <a:ext cx="4937760" cy="3378200"/>
+            <a:off x="6126480" y="2507550"/>
+            <a:ext cx="4480560" cy="3664650"/>
           </a:xfrm>
         </p:spPr>
         <p:txBody>
           <a:bodyPr/>
-          <a:lstStyle/>
+          <a:lstStyle>
+            <a:lvl1pPr>
+              <a:defRPr sz="1800"/>
+            </a:lvl1pPr>
+            <a:lvl2pPr>
+              <a:defRPr sz="1600"/>
+            </a:lvl2pPr>
+            <a:lvl3pPr>
+              <a:defRPr sz="1400"/>
+            </a:lvl3pPr>
+            <a:lvl4pPr>
+              <a:defRPr sz="1400"/>
+            </a:lvl4pPr>
+            <a:lvl5pPr>
+              <a:defRPr sz="1400"/>
+            </a:lvl5pPr>
+            <a:lvl6pPr>
+              <a:defRPr sz="1400"/>
+            </a:lvl6pPr>
+            <a:lvl7pPr>
+              <a:defRPr sz="1400"/>
+            </a:lvl7pPr>
+            <a:lvl8pPr>
+              <a:defRPr sz="1400"/>
+            </a:lvl8pPr>
+            <a:lvl9pPr>
+              <a:defRPr sz="1400"/>
+            </a:lvl9pPr>
+          </a:lstStyle>
           <a:p>
             <a:pPr lvl="0"/>
             <a:r>
@@ -3619,7 +3678,7 @@
             <a:fld id="{BEAF7D20-4BF2-414F-B6FF-0AD495B367B0}" type="datetimeFigureOut">
               <a:rPr lang="en-US" smtClean="0"/>
               <a:pPr/>
-              <a:t>8/13/2020</a:t>
+              <a:t>8/14/2020</a:t>
             </a:fld>
             <a:endParaRPr lang="en-US"/>
           </a:p>
@@ -3662,7 +3721,7 @@
             <a:fld id="{F09D7957-130A-48A8-A6D5-4E3399AA36EB}" type="slidenum">
               <a:rPr lang="en-US" smtClean="0"/>
               <a:pPr/>
-              <a:t>‹N°›</a:t>
+              <a:t>‹#›</a:t>
             </a:fld>
             <a:endParaRPr lang="en-US"/>
           </a:p>
@@ -3671,7 +3730,7 @@
     </p:spTree>
     <p:extLst>
       <p:ext uri="{BB962C8B-B14F-4D97-AF65-F5344CB8AC3E}">
-        <p14:creationId xmlns="" xmlns:p14="http://schemas.microsoft.com/office/powerpoint/2010/main" val="1966699086"/>
+        <p14:creationId xmlns:p14="http://schemas.microsoft.com/office/powerpoint/2010/main" val="2419004197"/>
       </p:ext>
     </p:extLst>
   </p:cSld>
@@ -3700,7 +3759,7 @@
       </p:grpSpPr>
       <p:sp>
         <p:nvSpPr>
-          <p:cNvPr id="2" name="Title 1"/>
+          <p:cNvPr id="6" name="Title 5"/>
           <p:cNvSpPr>
             <a:spLocks noGrp="1"/>
           </p:cNvSpPr>
@@ -3739,7 +3798,7 @@
             <a:fld id="{BEAF7D20-4BF2-414F-B6FF-0AD495B367B0}" type="datetimeFigureOut">
               <a:rPr lang="en-US" smtClean="0"/>
               <a:pPr/>
-              <a:t>8/13/2020</a:t>
+              <a:t>8/14/2020</a:t>
             </a:fld>
             <a:endParaRPr lang="en-US"/>
           </a:p>
@@ -3782,7 +3841,7 @@
             <a:fld id="{F09D7957-130A-48A8-A6D5-4E3399AA36EB}" type="slidenum">
               <a:rPr lang="en-US" smtClean="0"/>
               <a:pPr/>
-              <a:t>‹N°›</a:t>
+              <a:t>‹#›</a:t>
             </a:fld>
             <a:endParaRPr lang="en-US"/>
           </a:p>
@@ -3791,7 +3850,7 @@
     </p:spTree>
     <p:extLst>
       <p:ext uri="{BB962C8B-B14F-4D97-AF65-F5344CB8AC3E}">
-        <p14:creationId xmlns="" xmlns:p14="http://schemas.microsoft.com/office/powerpoint/2010/main" val="2048826626"/>
+        <p14:creationId xmlns:p14="http://schemas.microsoft.com/office/powerpoint/2010/main" val="3336074528"/>
       </p:ext>
     </p:extLst>
   </p:cSld>
@@ -3802,7 +3861,7 @@
 </file>
 
 <file path=ppt/slideLayouts/slideLayout7.xml><?xml version="1.0" encoding="utf-8"?>
-<p:sldLayout xmlns:a="http://schemas.openxmlformats.org/drawingml/2006/main" xmlns:r="http://schemas.openxmlformats.org/officeDocument/2006/relationships" xmlns:p="http://schemas.openxmlformats.org/presentationml/2006/main" showMasterSp="0" type="blank" preserve="1">
+<p:sldLayout xmlns:a="http://schemas.openxmlformats.org/drawingml/2006/main" xmlns:r="http://schemas.openxmlformats.org/officeDocument/2006/relationships" xmlns:p="http://schemas.openxmlformats.org/presentationml/2006/main" type="blank" preserve="1">
   <p:cSld name="Blank">
     <p:spTree>
       <p:nvGrpSpPr>
@@ -3820,22 +3879,406 @@
       </p:grpSpPr>
       <p:sp>
         <p:nvSpPr>
-          <p:cNvPr id="5" name="Rectangle 4"/>
+          <p:cNvPr id="2" name="Date Placeholder 1"/>
+          <p:cNvSpPr>
+            <a:spLocks noGrp="1"/>
+          </p:cNvSpPr>
+          <p:nvPr>
+            <p:ph type="dt" sz="half" idx="10"/>
+          </p:nvPr>
+        </p:nvSpPr>
+        <p:spPr/>
+        <p:txBody>
+          <a:bodyPr/>
+          <a:lstStyle/>
+          <a:p>
+            <a:fld id="{BEAF7D20-4BF2-414F-B6FF-0AD495B367B0}" type="datetimeFigureOut">
+              <a:rPr lang="en-US" smtClean="0"/>
+              <a:pPr/>
+              <a:t>8/14/2020</a:t>
+            </a:fld>
+            <a:endParaRPr lang="en-US"/>
+          </a:p>
+        </p:txBody>
+      </p:sp>
+      <p:sp>
+        <p:nvSpPr>
+          <p:cNvPr id="3" name="Footer Placeholder 2"/>
+          <p:cNvSpPr>
+            <a:spLocks noGrp="1"/>
+          </p:cNvSpPr>
+          <p:nvPr>
+            <p:ph type="ftr" sz="quarter" idx="11"/>
+          </p:nvPr>
+        </p:nvSpPr>
+        <p:spPr/>
+        <p:txBody>
+          <a:bodyPr/>
+          <a:lstStyle/>
+          <a:p>
+            <a:endParaRPr lang="en-US"/>
+          </a:p>
+        </p:txBody>
+      </p:sp>
+      <p:sp>
+        <p:nvSpPr>
+          <p:cNvPr id="4" name="Slide Number Placeholder 3"/>
+          <p:cNvSpPr>
+            <a:spLocks noGrp="1"/>
+          </p:cNvSpPr>
+          <p:nvPr>
+            <p:ph type="sldNum" sz="quarter" idx="12"/>
+          </p:nvPr>
+        </p:nvSpPr>
+        <p:spPr/>
+        <p:txBody>
+          <a:bodyPr/>
+          <a:lstStyle/>
+          <a:p>
+            <a:fld id="{F09D7957-130A-48A8-A6D5-4E3399AA36EB}" type="slidenum">
+              <a:rPr lang="en-US" smtClean="0"/>
+              <a:pPr/>
+              <a:t>‹#›</a:t>
+            </a:fld>
+            <a:endParaRPr lang="en-US"/>
+          </a:p>
+        </p:txBody>
+      </p:sp>
+    </p:spTree>
+    <p:extLst>
+      <p:ext uri="{BB962C8B-B14F-4D97-AF65-F5344CB8AC3E}">
+        <p14:creationId xmlns:p14="http://schemas.microsoft.com/office/powerpoint/2010/main" val="261779164"/>
+      </p:ext>
+    </p:extLst>
+  </p:cSld>
+  <p:clrMapOvr>
+    <a:masterClrMapping/>
+  </p:clrMapOvr>
+</p:sldLayout>
+</file>
+
+<file path=ppt/slideLayouts/slideLayout8.xml><?xml version="1.0" encoding="utf-8"?>
+<p:sldLayout xmlns:a="http://schemas.openxmlformats.org/drawingml/2006/main" xmlns:r="http://schemas.openxmlformats.org/officeDocument/2006/relationships" xmlns:p="http://schemas.openxmlformats.org/presentationml/2006/main" type="objTx" preserve="1">
+  <p:cSld name="Content with Caption">
+    <p:spTree>
+      <p:nvGrpSpPr>
+        <p:cNvPr id="1" name=""/>
+        <p:cNvGrpSpPr/>
+        <p:nvPr/>
+      </p:nvGrpSpPr>
+      <p:grpSpPr>
+        <a:xfrm>
+          <a:off x="0" y="0"/>
+          <a:ext cx="0" cy="0"/>
+          <a:chOff x="0" y="0"/>
+          <a:chExt cx="0" cy="0"/>
+        </a:xfrm>
+      </p:grpSpPr>
+      <p:sp>
+        <p:nvSpPr>
+          <p:cNvPr id="2" name="Title 1"/>
+          <p:cNvSpPr>
+            <a:spLocks noGrp="1"/>
+          </p:cNvSpPr>
+          <p:nvPr>
+            <p:ph type="title"/>
+          </p:nvPr>
+        </p:nvSpPr>
+        <p:spPr>
+          <a:xfrm>
+            <a:off x="841248" y="457200"/>
+            <a:ext cx="3200400" cy="1600197"/>
+          </a:xfrm>
+        </p:spPr>
+        <p:txBody>
+          <a:bodyPr anchor="b">
+            <a:normAutofit/>
+          </a:bodyPr>
+          <a:lstStyle>
+            <a:lvl1pPr>
+              <a:defRPr sz="3200" b="0" baseline="0"/>
+            </a:lvl1pPr>
+          </a:lstStyle>
+          <a:p>
+            <a:r>
+              <a:rPr lang="en-US" smtClean="0"/>
+              <a:t>Click to edit Master title style</a:t>
+            </a:r>
+            <a:endParaRPr lang="en-US" dirty="0"/>
+          </a:p>
+        </p:txBody>
+      </p:sp>
+      <p:sp>
+        <p:nvSpPr>
+          <p:cNvPr id="3" name="Content Placeholder 2"/>
+          <p:cNvSpPr>
+            <a:spLocks noGrp="1"/>
+          </p:cNvSpPr>
+          <p:nvPr>
+            <p:ph idx="1"/>
+          </p:nvPr>
+        </p:nvSpPr>
+        <p:spPr>
+          <a:xfrm>
+            <a:off x="4504267" y="685800"/>
+            <a:ext cx="6079066" cy="5486400"/>
+          </a:xfrm>
+        </p:spPr>
+        <p:txBody>
+          <a:bodyPr/>
+          <a:lstStyle>
+            <a:lvl1pPr>
+              <a:defRPr sz="2000"/>
+            </a:lvl1pPr>
+            <a:lvl2pPr>
+              <a:defRPr sz="1800"/>
+            </a:lvl2pPr>
+            <a:lvl3pPr>
+              <a:defRPr sz="1600"/>
+            </a:lvl3pPr>
+            <a:lvl4pPr>
+              <a:defRPr sz="1400"/>
+            </a:lvl4pPr>
+            <a:lvl5pPr>
+              <a:defRPr sz="1400"/>
+            </a:lvl5pPr>
+            <a:lvl6pPr>
+              <a:defRPr sz="1400"/>
+            </a:lvl6pPr>
+            <a:lvl7pPr>
+              <a:defRPr sz="1400"/>
+            </a:lvl7pPr>
+            <a:lvl8pPr>
+              <a:defRPr sz="1400"/>
+            </a:lvl8pPr>
+            <a:lvl9pPr>
+              <a:defRPr sz="1400"/>
+            </a:lvl9pPr>
+          </a:lstStyle>
+          <a:p>
+            <a:pPr lvl="0"/>
+            <a:r>
+              <a:rPr lang="en-US" smtClean="0"/>
+              <a:t>Edit Master text styles</a:t>
+            </a:r>
+          </a:p>
+          <a:p>
+            <a:pPr lvl="1"/>
+            <a:r>
+              <a:rPr lang="en-US" smtClean="0"/>
+              <a:t>Second level</a:t>
+            </a:r>
+          </a:p>
+          <a:p>
+            <a:pPr lvl="2"/>
+            <a:r>
+              <a:rPr lang="en-US" smtClean="0"/>
+              <a:t>Third level</a:t>
+            </a:r>
+          </a:p>
+          <a:p>
+            <a:pPr lvl="3"/>
+            <a:r>
+              <a:rPr lang="en-US" smtClean="0"/>
+              <a:t>Fourth level</a:t>
+            </a:r>
+          </a:p>
+          <a:p>
+            <a:pPr lvl="4"/>
+            <a:r>
+              <a:rPr lang="en-US" smtClean="0"/>
+              <a:t>Fifth level</a:t>
+            </a:r>
+            <a:endParaRPr lang="en-US" dirty="0"/>
+          </a:p>
+        </p:txBody>
+      </p:sp>
+      <p:sp>
+        <p:nvSpPr>
+          <p:cNvPr id="4" name="Text Placeholder 3"/>
+          <p:cNvSpPr>
+            <a:spLocks noGrp="1"/>
+          </p:cNvSpPr>
+          <p:nvPr>
+            <p:ph type="body" sz="half" idx="2"/>
+          </p:nvPr>
+        </p:nvSpPr>
+        <p:spPr>
+          <a:xfrm>
+            <a:off x="841248" y="2099734"/>
+            <a:ext cx="3200400" cy="3810001"/>
+          </a:xfrm>
+        </p:spPr>
+        <p:txBody>
+          <a:bodyPr>
+            <a:normAutofit/>
+          </a:bodyPr>
+          <a:lstStyle>
+            <a:lvl1pPr marL="0" indent="0">
+              <a:lnSpc>
+                <a:spcPct val="114000"/>
+              </a:lnSpc>
+              <a:spcBef>
+                <a:spcPts val="800"/>
+              </a:spcBef>
+              <a:buNone/>
+              <a:defRPr sz="1300"/>
+            </a:lvl1pPr>
+            <a:lvl2pPr marL="457200" indent="0">
+              <a:buNone/>
+              <a:defRPr sz="1200"/>
+            </a:lvl2pPr>
+            <a:lvl3pPr marL="914400" indent="0">
+              <a:buNone/>
+              <a:defRPr sz="1000"/>
+            </a:lvl3pPr>
+            <a:lvl4pPr marL="1371600" indent="0">
+              <a:buNone/>
+              <a:defRPr sz="900"/>
+            </a:lvl4pPr>
+            <a:lvl5pPr marL="1828800" indent="0">
+              <a:buNone/>
+              <a:defRPr sz="900"/>
+            </a:lvl5pPr>
+            <a:lvl6pPr marL="2286000" indent="0">
+              <a:buNone/>
+              <a:defRPr sz="900"/>
+            </a:lvl6pPr>
+            <a:lvl7pPr marL="2743200" indent="0">
+              <a:buNone/>
+              <a:defRPr sz="900"/>
+            </a:lvl7pPr>
+            <a:lvl8pPr marL="3200400" indent="0">
+              <a:buNone/>
+              <a:defRPr sz="900"/>
+            </a:lvl8pPr>
+            <a:lvl9pPr marL="3657600" indent="0">
+              <a:buNone/>
+              <a:defRPr sz="900"/>
+            </a:lvl9pPr>
+          </a:lstStyle>
+          <a:p>
+            <a:pPr lvl="0"/>
+            <a:r>
+              <a:rPr lang="en-US" smtClean="0"/>
+              <a:t>Edit Master text styles</a:t>
+            </a:r>
+          </a:p>
+        </p:txBody>
+      </p:sp>
+      <p:sp>
+        <p:nvSpPr>
+          <p:cNvPr id="5" name="Date Placeholder 4"/>
+          <p:cNvSpPr>
+            <a:spLocks noGrp="1"/>
+          </p:cNvSpPr>
+          <p:nvPr>
+            <p:ph type="dt" sz="half" idx="10"/>
+          </p:nvPr>
+        </p:nvSpPr>
+        <p:spPr/>
+        <p:txBody>
+          <a:bodyPr/>
+          <a:lstStyle/>
+          <a:p>
+            <a:fld id="{BEAF7D20-4BF2-414F-B6FF-0AD495B367B0}" type="datetimeFigureOut">
+              <a:rPr lang="en-US" smtClean="0"/>
+              <a:pPr/>
+              <a:t>8/14/2020</a:t>
+            </a:fld>
+            <a:endParaRPr lang="en-US"/>
+          </a:p>
+        </p:txBody>
+      </p:sp>
+      <p:sp>
+        <p:nvSpPr>
+          <p:cNvPr id="6" name="Footer Placeholder 5"/>
+          <p:cNvSpPr>
+            <a:spLocks noGrp="1"/>
+          </p:cNvSpPr>
+          <p:nvPr>
+            <p:ph type="ftr" sz="quarter" idx="11"/>
+          </p:nvPr>
+        </p:nvSpPr>
+        <p:spPr/>
+        <p:txBody>
+          <a:bodyPr/>
+          <a:lstStyle/>
+          <a:p>
+            <a:endParaRPr lang="en-US"/>
+          </a:p>
+        </p:txBody>
+      </p:sp>
+      <p:sp>
+        <p:nvSpPr>
+          <p:cNvPr id="7" name="Slide Number Placeholder 6"/>
+          <p:cNvSpPr>
+            <a:spLocks noGrp="1"/>
+          </p:cNvSpPr>
+          <p:nvPr>
+            <p:ph type="sldNum" sz="quarter" idx="12"/>
+          </p:nvPr>
+        </p:nvSpPr>
+        <p:spPr/>
+        <p:txBody>
+          <a:bodyPr/>
+          <a:lstStyle/>
+          <a:p>
+            <a:fld id="{F09D7957-130A-48A8-A6D5-4E3399AA36EB}" type="slidenum">
+              <a:rPr lang="en-US" smtClean="0"/>
+              <a:pPr/>
+              <a:t>‹#›</a:t>
+            </a:fld>
+            <a:endParaRPr lang="en-US"/>
+          </a:p>
+        </p:txBody>
+      </p:sp>
+    </p:spTree>
+    <p:extLst>
+      <p:ext uri="{BB962C8B-B14F-4D97-AF65-F5344CB8AC3E}">
+        <p14:creationId xmlns:p14="http://schemas.microsoft.com/office/powerpoint/2010/main" val="3458730372"/>
+      </p:ext>
+    </p:extLst>
+  </p:cSld>
+  <p:clrMapOvr>
+    <a:masterClrMapping/>
+  </p:clrMapOvr>
+</p:sldLayout>
+</file>
+
+<file path=ppt/slideLayouts/slideLayout9.xml><?xml version="1.0" encoding="utf-8"?>
+<p:sldLayout xmlns:a="http://schemas.openxmlformats.org/drawingml/2006/main" xmlns:r="http://schemas.openxmlformats.org/officeDocument/2006/relationships" xmlns:p="http://schemas.openxmlformats.org/presentationml/2006/main" type="picTx" preserve="1">
+  <p:cSld name="Picture with Caption">
+    <p:spTree>
+      <p:nvGrpSpPr>
+        <p:cNvPr id="1" name=""/>
+        <p:cNvGrpSpPr/>
+        <p:nvPr/>
+      </p:nvGrpSpPr>
+      <p:grpSpPr>
+        <a:xfrm>
+          <a:off x="0" y="0"/>
+          <a:ext cx="0" cy="0"/>
+          <a:chOff x="0" y="0"/>
+          <a:chExt cx="0" cy="0"/>
+        </a:xfrm>
+      </p:grpSpPr>
+      <p:sp>
+        <p:nvSpPr>
+          <p:cNvPr id="8" name="Rectangle 7"/>
           <p:cNvSpPr/>
           <p:nvPr/>
         </p:nvSpPr>
         <p:spPr>
           <a:xfrm>
-            <a:off x="3175" y="6400800"/>
-            <a:ext cx="12188825" cy="457200"/>
+            <a:off x="0" y="5105400"/>
+            <a:ext cx="11292840" cy="1752600"/>
           </a:xfrm>
           <a:prstGeom prst="rect">
             <a:avLst/>
           </a:prstGeom>
           <a:solidFill>
-            <a:schemeClr val="accent1">
-              <a:lumMod val="75000"/>
-            </a:schemeClr>
+            <a:srgbClr val="000000"/>
           </a:solidFill>
           <a:ln>
             <a:noFill/>
@@ -3860,227 +4303,6 @@
       </p:sp>
       <p:sp>
         <p:nvSpPr>
-          <p:cNvPr id="6" name="Rectangle 5"/>
-          <p:cNvSpPr/>
-          <p:nvPr/>
-        </p:nvSpPr>
-        <p:spPr>
-          <a:xfrm>
-            <a:off x="15" y="6334316"/>
-            <a:ext cx="12188825" cy="64008"/>
-          </a:xfrm>
-          <a:prstGeom prst="rect">
-            <a:avLst/>
-          </a:prstGeom>
-          <a:solidFill>
-            <a:schemeClr val="accent1"/>
-          </a:solidFill>
-          <a:ln>
-            <a:noFill/>
-          </a:ln>
-        </p:spPr>
-        <p:style>
-          <a:lnRef idx="2">
-            <a:schemeClr val="accent1">
-              <a:shade val="50000"/>
-            </a:schemeClr>
-          </a:lnRef>
-          <a:fillRef idx="1">
-            <a:schemeClr val="accent1"/>
-          </a:fillRef>
-          <a:effectRef idx="0">
-            <a:schemeClr val="accent1"/>
-          </a:effectRef>
-          <a:fontRef idx="minor">
-            <a:schemeClr val="lt1"/>
-          </a:fontRef>
-        </p:style>
-      </p:sp>
-      <p:sp>
-        <p:nvSpPr>
-          <p:cNvPr id="7" name="Date Placeholder 6"/>
-          <p:cNvSpPr>
-            <a:spLocks noGrp="1"/>
-          </p:cNvSpPr>
-          <p:nvPr>
-            <p:ph type="dt" sz="half" idx="10"/>
-          </p:nvPr>
-        </p:nvSpPr>
-        <p:spPr/>
-        <p:txBody>
-          <a:bodyPr/>
-          <a:lstStyle/>
-          <a:p>
-            <a:fld id="{BEAF7D20-4BF2-414F-B6FF-0AD495B367B0}" type="datetimeFigureOut">
-              <a:rPr lang="en-US" smtClean="0"/>
-              <a:pPr/>
-              <a:t>8/13/2020</a:t>
-            </a:fld>
-            <a:endParaRPr lang="en-US"/>
-          </a:p>
-        </p:txBody>
-      </p:sp>
-      <p:sp>
-        <p:nvSpPr>
-          <p:cNvPr id="8" name="Footer Placeholder 7"/>
-          <p:cNvSpPr>
-            <a:spLocks noGrp="1"/>
-          </p:cNvSpPr>
-          <p:nvPr>
-            <p:ph type="ftr" sz="quarter" idx="11"/>
-          </p:nvPr>
-        </p:nvSpPr>
-        <p:spPr/>
-        <p:txBody>
-          <a:bodyPr/>
-          <a:lstStyle>
-            <a:lvl1pPr>
-              <a:defRPr>
-                <a:solidFill>
-                  <a:srgbClr val="FFFFFF"/>
-                </a:solidFill>
-              </a:defRPr>
-            </a:lvl1pPr>
-          </a:lstStyle>
-          <a:p>
-            <a:endParaRPr lang="en-US"/>
-          </a:p>
-        </p:txBody>
-      </p:sp>
-      <p:sp>
-        <p:nvSpPr>
-          <p:cNvPr id="9" name="Slide Number Placeholder 8"/>
-          <p:cNvSpPr>
-            <a:spLocks noGrp="1"/>
-          </p:cNvSpPr>
-          <p:nvPr>
-            <p:ph type="sldNum" sz="quarter" idx="12"/>
-          </p:nvPr>
-        </p:nvSpPr>
-        <p:spPr/>
-        <p:txBody>
-          <a:bodyPr/>
-          <a:lstStyle/>
-          <a:p>
-            <a:fld id="{F09D7957-130A-48A8-A6D5-4E3399AA36EB}" type="slidenum">
-              <a:rPr lang="en-US" smtClean="0"/>
-              <a:pPr/>
-              <a:t>‹N°›</a:t>
-            </a:fld>
-            <a:endParaRPr lang="en-US"/>
-          </a:p>
-        </p:txBody>
-      </p:sp>
-    </p:spTree>
-    <p:extLst>
-      <p:ext uri="{BB962C8B-B14F-4D97-AF65-F5344CB8AC3E}">
-        <p14:creationId xmlns="" xmlns:p14="http://schemas.microsoft.com/office/powerpoint/2010/main" val="1889078161"/>
-      </p:ext>
-    </p:extLst>
-  </p:cSld>
-  <p:clrMapOvr>
-    <a:masterClrMapping/>
-  </p:clrMapOvr>
-</p:sldLayout>
-</file>
-
-<file path=ppt/slideLayouts/slideLayout8.xml><?xml version="1.0" encoding="utf-8"?>
-<p:sldLayout xmlns:a="http://schemas.openxmlformats.org/drawingml/2006/main" xmlns:r="http://schemas.openxmlformats.org/officeDocument/2006/relationships" xmlns:p="http://schemas.openxmlformats.org/presentationml/2006/main" showMasterSp="0" type="objTx" preserve="1">
-  <p:cSld name="Content with Caption">
-    <p:spTree>
-      <p:nvGrpSpPr>
-        <p:cNvPr id="1" name=""/>
-        <p:cNvGrpSpPr/>
-        <p:nvPr/>
-      </p:nvGrpSpPr>
-      <p:grpSpPr>
-        <a:xfrm>
-          <a:off x="0" y="0"/>
-          <a:ext cx="0" cy="0"/>
-          <a:chOff x="0" y="0"/>
-          <a:chExt cx="0" cy="0"/>
-        </a:xfrm>
-      </p:grpSpPr>
-      <p:sp>
-        <p:nvSpPr>
-          <p:cNvPr id="8" name="Rectangle 7"/>
-          <p:cNvSpPr/>
-          <p:nvPr/>
-        </p:nvSpPr>
-        <p:spPr>
-          <a:xfrm>
-            <a:off x="0" y="0"/>
-            <a:ext cx="4050791" cy="6858000"/>
-          </a:xfrm>
-          <a:prstGeom prst="rect">
-            <a:avLst/>
-          </a:prstGeom>
-          <a:solidFill>
-            <a:schemeClr val="accent1">
-              <a:lumMod val="75000"/>
-            </a:schemeClr>
-          </a:solidFill>
-          <a:ln>
-            <a:noFill/>
-          </a:ln>
-        </p:spPr>
-        <p:style>
-          <a:lnRef idx="2">
-            <a:schemeClr val="accent1">
-              <a:shade val="50000"/>
-            </a:schemeClr>
-          </a:lnRef>
-          <a:fillRef idx="1">
-            <a:schemeClr val="accent1"/>
-          </a:fillRef>
-          <a:effectRef idx="0">
-            <a:schemeClr val="accent1"/>
-          </a:effectRef>
-          <a:fontRef idx="minor">
-            <a:schemeClr val="lt1"/>
-          </a:fontRef>
-        </p:style>
-      </p:sp>
-      <p:sp>
-        <p:nvSpPr>
-          <p:cNvPr id="9" name="Rectangle 8"/>
-          <p:cNvSpPr/>
-          <p:nvPr/>
-        </p:nvSpPr>
-        <p:spPr>
-          <a:xfrm>
-            <a:off x="4040071" y="0"/>
-            <a:ext cx="64008" cy="6858000"/>
-          </a:xfrm>
-          <a:prstGeom prst="rect">
-            <a:avLst/>
-          </a:prstGeom>
-          <a:solidFill>
-            <a:schemeClr val="accent1"/>
-          </a:solidFill>
-          <a:ln>
-            <a:noFill/>
-          </a:ln>
-        </p:spPr>
-        <p:style>
-          <a:lnRef idx="2">
-            <a:schemeClr val="accent1">
-              <a:shade val="50000"/>
-            </a:schemeClr>
-          </a:lnRef>
-          <a:fillRef idx="1">
-            <a:schemeClr val="accent1"/>
-          </a:fillRef>
-          <a:effectRef idx="0">
-            <a:schemeClr val="accent1"/>
-          </a:effectRef>
-          <a:fontRef idx="minor">
-            <a:schemeClr val="lt1"/>
-          </a:fontRef>
-        </p:style>
-      </p:sp>
-      <p:sp>
-        <p:nvSpPr>
           <p:cNvPr id="2" name="Title 1"/>
           <p:cNvSpPr>
             <a:spLocks noGrp="1"/>
@@ -4091,8 +4313,8 @@
         </p:nvSpPr>
         <p:spPr>
           <a:xfrm>
-            <a:off x="457200" y="594359"/>
-            <a:ext cx="3200400" cy="2286000"/>
+            <a:off x="914400" y="5257800"/>
+            <a:ext cx="9982200" cy="914400"/>
           </a:xfrm>
         </p:spPr>
         <p:txBody>
@@ -4101,9 +4323,9 @@
           </a:bodyPr>
           <a:lstStyle>
             <a:lvl1pPr>
-              <a:defRPr sz="3600" b="0">
+              <a:defRPr sz="2800" b="0">
                 <a:solidFill>
-                  <a:srgbClr val="FFFFFF"/>
+                  <a:schemeClr val="bg1"/>
                 </a:solidFill>
               </a:defRPr>
             </a:lvl1pPr>
@@ -4119,56 +4341,71 @@
       </p:sp>
       <p:sp>
         <p:nvSpPr>
-          <p:cNvPr id="3" name="Content Placeholder 2"/>
+          <p:cNvPr id="3" name="Picture Placeholder 2"/>
           <p:cNvSpPr>
-            <a:spLocks noGrp="1"/>
-          </p:cNvSpPr>
-          <p:nvPr>
-            <p:ph idx="1"/>
+            <a:spLocks noGrp="1" noChangeAspect="1"/>
+          </p:cNvSpPr>
+          <p:nvPr>
+            <p:ph type="pic" idx="1"/>
           </p:nvPr>
         </p:nvSpPr>
         <p:spPr>
           <a:xfrm>
-            <a:off x="4800600" y="731520"/>
-            <a:ext cx="6492240" cy="5257800"/>
+            <a:off x="0" y="0"/>
+            <a:ext cx="11292840" cy="5128923"/>
           </a:xfrm>
+          <a:solidFill>
+            <a:schemeClr val="accent1"/>
+          </a:solidFill>
         </p:spPr>
         <p:txBody>
-          <a:bodyPr/>
-          <a:lstStyle/>
-          <a:p>
-            <a:pPr lvl="0"/>
+          <a:bodyPr anchor="t"/>
+          <a:lstStyle>
+            <a:lvl1pPr marL="0" indent="0">
+              <a:buNone/>
+              <a:defRPr sz="3200">
+                <a:solidFill>
+                  <a:schemeClr val="bg1"/>
+                </a:solidFill>
+              </a:defRPr>
+            </a:lvl1pPr>
+            <a:lvl2pPr marL="457200" indent="0">
+              <a:buNone/>
+              <a:defRPr sz="2800"/>
+            </a:lvl2pPr>
+            <a:lvl3pPr marL="914400" indent="0">
+              <a:buNone/>
+              <a:defRPr sz="2400"/>
+            </a:lvl3pPr>
+            <a:lvl4pPr marL="1371600" indent="0">
+              <a:buNone/>
+              <a:defRPr sz="2000"/>
+            </a:lvl4pPr>
+            <a:lvl5pPr marL="1828800" indent="0">
+              <a:buNone/>
+              <a:defRPr sz="2000"/>
+            </a:lvl5pPr>
+            <a:lvl6pPr marL="2286000" indent="0">
+              <a:buNone/>
+              <a:defRPr sz="2000"/>
+            </a:lvl6pPr>
+            <a:lvl7pPr marL="2743200" indent="0">
+              <a:buNone/>
+              <a:defRPr sz="2000"/>
+            </a:lvl7pPr>
+            <a:lvl8pPr marL="3200400" indent="0">
+              <a:buNone/>
+              <a:defRPr sz="2000"/>
+            </a:lvl8pPr>
+            <a:lvl9pPr marL="3657600" indent="0">
+              <a:buNone/>
+              <a:defRPr sz="2000"/>
+            </a:lvl9pPr>
+          </a:lstStyle>
+          <a:p>
             <a:r>
               <a:rPr lang="en-US" smtClean="0"/>
-              <a:t>Edit Master text styles</a:t>
-            </a:r>
-          </a:p>
-          <a:p>
-            <a:pPr lvl="1"/>
-            <a:r>
-              <a:rPr lang="en-US" smtClean="0"/>
-              <a:t>Second level</a:t>
-            </a:r>
-          </a:p>
-          <a:p>
-            <a:pPr lvl="2"/>
-            <a:r>
-              <a:rPr lang="en-US" smtClean="0"/>
-              <a:t>Third level</a:t>
-            </a:r>
-          </a:p>
-          <a:p>
-            <a:pPr lvl="3"/>
-            <a:r>
-              <a:rPr lang="en-US" smtClean="0"/>
-              <a:t>Fourth level</a:t>
-            </a:r>
-          </a:p>
-          <a:p>
-            <a:pPr lvl="4"/>
-            <a:r>
-              <a:rPr lang="en-US" smtClean="0"/>
-              <a:t>Fifth level</a:t>
+              <a:t>Click icon to add picture</a:t>
             </a:r>
             <a:endParaRPr lang="en-US" dirty="0"/>
           </a:p>
@@ -4186,20 +4423,28 @@
         </p:nvSpPr>
         <p:spPr>
           <a:xfrm>
-            <a:off x="457200" y="2926080"/>
-            <a:ext cx="3200400" cy="3379124"/>
+            <a:off x="914400" y="6108589"/>
+            <a:ext cx="9982200" cy="597011"/>
           </a:xfrm>
         </p:spPr>
         <p:txBody>
-          <a:bodyPr lIns="91440" rIns="91440">
+          <a:bodyPr>
             <a:normAutofit/>
           </a:bodyPr>
           <a:lstStyle>
             <a:lvl1pPr marL="0" indent="0">
+              <a:lnSpc>
+                <a:spcPct val="100000"/>
+              </a:lnSpc>
+              <a:spcBef>
+                <a:spcPts val="800"/>
+              </a:spcBef>
               <a:buNone/>
-              <a:defRPr sz="1500">
+              <a:defRPr sz="1300">
                 <a:solidFill>
-                  <a:srgbClr val="FFFFFF"/>
+                  <a:schemeClr val="bg1">
+                    <a:lumMod val="85000"/>
+                  </a:schemeClr>
                 </a:solidFill>
               </a:defRPr>
             </a:lvl1pPr>
@@ -4255,24 +4500,15 @@
             <p:ph type="dt" sz="half" idx="10"/>
           </p:nvPr>
         </p:nvSpPr>
-        <p:spPr>
-          <a:xfrm>
-            <a:off x="465512" y="6459785"/>
-            <a:ext cx="2618510" cy="365125"/>
-          </a:xfrm>
-        </p:spPr>
+        <p:spPr/>
         <p:txBody>
           <a:bodyPr/>
-          <a:lstStyle>
-            <a:lvl1pPr algn="l">
-              <a:defRPr/>
-            </a:lvl1pPr>
-          </a:lstStyle>
+          <a:lstStyle/>
           <a:p>
             <a:fld id="{BEAF7D20-4BF2-414F-B6FF-0AD495B367B0}" type="datetimeFigureOut">
               <a:rPr lang="en-US" smtClean="0"/>
               <a:pPr/>
-              <a:t>8/13/2020</a:t>
+              <a:t>8/14/2020</a:t>
             </a:fld>
             <a:endParaRPr lang="en-US"/>
           </a:p>
@@ -4288,23 +4524,10 @@
             <p:ph type="ftr" sz="quarter" idx="11"/>
           </p:nvPr>
         </p:nvSpPr>
-        <p:spPr>
-          <a:xfrm>
-            <a:off x="4800600" y="6459785"/>
-            <a:ext cx="4648200" cy="365125"/>
-          </a:xfrm>
-        </p:spPr>
+        <p:spPr/>
         <p:txBody>
           <a:bodyPr/>
-          <a:lstStyle>
-            <a:lvl1pPr algn="l">
-              <a:defRPr>
-                <a:solidFill>
-                  <a:schemeClr val="tx2"/>
-                </a:solidFill>
-              </a:defRPr>
-            </a:lvl1pPr>
-          </a:lstStyle>
+          <a:lstStyle/>
           <a:p>
             <a:endParaRPr lang="en-US"/>
           </a:p>
@@ -4323,20 +4546,12 @@
         <p:spPr/>
         <p:txBody>
           <a:bodyPr/>
-          <a:lstStyle>
-            <a:lvl1pPr>
-              <a:defRPr>
-                <a:solidFill>
-                  <a:schemeClr val="tx2"/>
-                </a:solidFill>
-              </a:defRPr>
-            </a:lvl1pPr>
-          </a:lstStyle>
+          <a:lstStyle/>
           <a:p>
             <a:fld id="{F09D7957-130A-48A8-A6D5-4E3399AA36EB}" type="slidenum">
               <a:rPr lang="en-US" smtClean="0"/>
               <a:pPr/>
-              <a:t>‹N°›</a:t>
+              <a:t>‹#›</a:t>
             </a:fld>
             <a:endParaRPr lang="en-US"/>
           </a:p>
@@ -4345,352 +4560,7 @@
     </p:spTree>
     <p:extLst>
       <p:ext uri="{BB962C8B-B14F-4D97-AF65-F5344CB8AC3E}">
-        <p14:creationId xmlns="" xmlns:p14="http://schemas.microsoft.com/office/powerpoint/2010/main" val="4048051450"/>
-      </p:ext>
-    </p:extLst>
-  </p:cSld>
-  <p:clrMapOvr>
-    <a:masterClrMapping/>
-  </p:clrMapOvr>
-</p:sldLayout>
-</file>
-
-<file path=ppt/slideLayouts/slideLayout9.xml><?xml version="1.0" encoding="utf-8"?>
-<p:sldLayout xmlns:a="http://schemas.openxmlformats.org/drawingml/2006/main" xmlns:r="http://schemas.openxmlformats.org/officeDocument/2006/relationships" xmlns:p="http://schemas.openxmlformats.org/presentationml/2006/main" showMasterSp="0" type="picTx" preserve="1">
-  <p:cSld name="Picture with Caption">
-    <p:spTree>
-      <p:nvGrpSpPr>
-        <p:cNvPr id="1" name=""/>
-        <p:cNvGrpSpPr/>
-        <p:nvPr/>
-      </p:nvGrpSpPr>
-      <p:grpSpPr>
-        <a:xfrm>
-          <a:off x="0" y="0"/>
-          <a:ext cx="0" cy="0"/>
-          <a:chOff x="0" y="0"/>
-          <a:chExt cx="0" cy="0"/>
-        </a:xfrm>
-      </p:grpSpPr>
-      <p:sp>
-        <p:nvSpPr>
-          <p:cNvPr id="9" name="Rectangle 8"/>
-          <p:cNvSpPr/>
-          <p:nvPr/>
-        </p:nvSpPr>
-        <p:spPr>
-          <a:xfrm>
-            <a:off x="15" y="4915076"/>
-            <a:ext cx="12188825" cy="64008"/>
-          </a:xfrm>
-          <a:prstGeom prst="rect">
-            <a:avLst/>
-          </a:prstGeom>
-          <a:solidFill>
-            <a:schemeClr val="accent1"/>
-          </a:solidFill>
-          <a:ln>
-            <a:noFill/>
-          </a:ln>
-        </p:spPr>
-        <p:style>
-          <a:lnRef idx="2">
-            <a:schemeClr val="accent1">
-              <a:shade val="50000"/>
-            </a:schemeClr>
-          </a:lnRef>
-          <a:fillRef idx="1">
-            <a:schemeClr val="accent1"/>
-          </a:fillRef>
-          <a:effectRef idx="0">
-            <a:schemeClr val="accent1"/>
-          </a:effectRef>
-          <a:fontRef idx="minor">
-            <a:schemeClr val="lt1"/>
-          </a:fontRef>
-        </p:style>
-      </p:sp>
-      <p:sp>
-        <p:nvSpPr>
-          <p:cNvPr id="2" name="Title 1"/>
-          <p:cNvSpPr>
-            <a:spLocks noGrp="1"/>
-          </p:cNvSpPr>
-          <p:nvPr>
-            <p:ph type="title"/>
-          </p:nvPr>
-        </p:nvSpPr>
-        <p:spPr>
-          <a:xfrm>
-            <a:off x="1097280" y="5074920"/>
-            <a:ext cx="10113645" cy="822960"/>
-          </a:xfrm>
-        </p:spPr>
-        <p:txBody>
-          <a:bodyPr tIns="0" bIns="0" anchor="b">
-            <a:noAutofit/>
-          </a:bodyPr>
-          <a:lstStyle>
-            <a:lvl1pPr>
-              <a:defRPr sz="3600" b="0">
-                <a:solidFill>
-                  <a:schemeClr val="tx1"/>
-                </a:solidFill>
-              </a:defRPr>
-            </a:lvl1pPr>
-          </a:lstStyle>
-          <a:p>
-            <a:r>
-              <a:rPr lang="en-US" smtClean="0"/>
-              <a:t>Click to edit Master title style</a:t>
-            </a:r>
-            <a:endParaRPr lang="en-US" dirty="0"/>
-          </a:p>
-        </p:txBody>
-      </p:sp>
-      <p:sp>
-        <p:nvSpPr>
-          <p:cNvPr id="3" name="Picture Placeholder 2"/>
-          <p:cNvSpPr>
-            <a:spLocks noGrp="1" noChangeAspect="1"/>
-          </p:cNvSpPr>
-          <p:nvPr>
-            <p:ph type="pic" idx="1"/>
-          </p:nvPr>
-        </p:nvSpPr>
-        <p:spPr>
-          <a:xfrm>
-            <a:off x="15" y="0"/>
-            <a:ext cx="12191985" cy="4915076"/>
-          </a:xfrm>
-          <a:solidFill>
-            <a:schemeClr val="bg1">
-              <a:lumMod val="50000"/>
-              <a:lumOff val="50000"/>
-            </a:schemeClr>
-          </a:solidFill>
-        </p:spPr>
-        <p:txBody>
-          <a:bodyPr lIns="457200" tIns="457200" anchor="t"/>
-          <a:lstStyle>
-            <a:lvl1pPr marL="0" indent="0">
-              <a:buNone/>
-              <a:defRPr sz="3200"/>
-            </a:lvl1pPr>
-            <a:lvl2pPr marL="457200" indent="0">
-              <a:buNone/>
-              <a:defRPr sz="2800"/>
-            </a:lvl2pPr>
-            <a:lvl3pPr marL="914400" indent="0">
-              <a:buNone/>
-              <a:defRPr sz="2400"/>
-            </a:lvl3pPr>
-            <a:lvl4pPr marL="1371600" indent="0">
-              <a:buNone/>
-              <a:defRPr sz="2000"/>
-            </a:lvl4pPr>
-            <a:lvl5pPr marL="1828800" indent="0">
-              <a:buNone/>
-              <a:defRPr sz="2000"/>
-            </a:lvl5pPr>
-            <a:lvl6pPr marL="2286000" indent="0">
-              <a:buNone/>
-              <a:defRPr sz="2000"/>
-            </a:lvl6pPr>
-            <a:lvl7pPr marL="2743200" indent="0">
-              <a:buNone/>
-              <a:defRPr sz="2000"/>
-            </a:lvl7pPr>
-            <a:lvl8pPr marL="3200400" indent="0">
-              <a:buNone/>
-              <a:defRPr sz="2000"/>
-            </a:lvl8pPr>
-            <a:lvl9pPr marL="3657600" indent="0">
-              <a:buNone/>
-              <a:defRPr sz="2000"/>
-            </a:lvl9pPr>
-          </a:lstStyle>
-          <a:p>
-            <a:r>
-              <a:rPr lang="en-US" smtClean="0"/>
-              <a:t>Click icon to add picture</a:t>
-            </a:r>
-            <a:endParaRPr lang="en-US" dirty="0"/>
-          </a:p>
-        </p:txBody>
-      </p:sp>
-      <p:sp>
-        <p:nvSpPr>
-          <p:cNvPr id="4" name="Text Placeholder 3"/>
-          <p:cNvSpPr>
-            <a:spLocks noGrp="1"/>
-          </p:cNvSpPr>
-          <p:nvPr>
-            <p:ph type="body" sz="half" idx="2"/>
-          </p:nvPr>
-        </p:nvSpPr>
-        <p:spPr>
-          <a:xfrm>
-            <a:off x="1097280" y="5907024"/>
-            <a:ext cx="10113264" cy="594360"/>
-          </a:xfrm>
-        </p:spPr>
-        <p:txBody>
-          <a:bodyPr lIns="91440" tIns="0" rIns="91440" bIns="0">
-            <a:normAutofit/>
-          </a:bodyPr>
-          <a:lstStyle>
-            <a:lvl1pPr marL="0" indent="0">
-              <a:spcBef>
-                <a:spcPts val="0"/>
-              </a:spcBef>
-              <a:spcAft>
-                <a:spcPts val="600"/>
-              </a:spcAft>
-              <a:buNone/>
-              <a:defRPr sz="1500">
-                <a:solidFill>
-                  <a:schemeClr val="tx1"/>
-                </a:solidFill>
-              </a:defRPr>
-            </a:lvl1pPr>
-            <a:lvl2pPr marL="457200" indent="0">
-              <a:buNone/>
-              <a:defRPr sz="1200"/>
-            </a:lvl2pPr>
-            <a:lvl3pPr marL="914400" indent="0">
-              <a:buNone/>
-              <a:defRPr sz="1000"/>
-            </a:lvl3pPr>
-            <a:lvl4pPr marL="1371600" indent="0">
-              <a:buNone/>
-              <a:defRPr sz="900"/>
-            </a:lvl4pPr>
-            <a:lvl5pPr marL="1828800" indent="0">
-              <a:buNone/>
-              <a:defRPr sz="900"/>
-            </a:lvl5pPr>
-            <a:lvl6pPr marL="2286000" indent="0">
-              <a:buNone/>
-              <a:defRPr sz="900"/>
-            </a:lvl6pPr>
-            <a:lvl7pPr marL="2743200" indent="0">
-              <a:buNone/>
-              <a:defRPr sz="900"/>
-            </a:lvl7pPr>
-            <a:lvl8pPr marL="3200400" indent="0">
-              <a:buNone/>
-              <a:defRPr sz="900"/>
-            </a:lvl8pPr>
-            <a:lvl9pPr marL="3657600" indent="0">
-              <a:buNone/>
-              <a:defRPr sz="900"/>
-            </a:lvl9pPr>
-          </a:lstStyle>
-          <a:p>
-            <a:pPr lvl="0"/>
-            <a:r>
-              <a:rPr lang="en-US" smtClean="0"/>
-              <a:t>Edit Master text styles</a:t>
-            </a:r>
-          </a:p>
-        </p:txBody>
-      </p:sp>
-      <p:sp>
-        <p:nvSpPr>
-          <p:cNvPr id="5" name="Date Placeholder 4"/>
-          <p:cNvSpPr>
-            <a:spLocks noGrp="1"/>
-          </p:cNvSpPr>
-          <p:nvPr>
-            <p:ph type="dt" sz="half" idx="10"/>
-          </p:nvPr>
-        </p:nvSpPr>
-        <p:spPr/>
-        <p:txBody>
-          <a:bodyPr/>
-          <a:lstStyle>
-            <a:lvl1pPr>
-              <a:defRPr>
-                <a:solidFill>
-                  <a:schemeClr val="tx2"/>
-                </a:solidFill>
-              </a:defRPr>
-            </a:lvl1pPr>
-          </a:lstStyle>
-          <a:p>
-            <a:fld id="{BEAF7D20-4BF2-414F-B6FF-0AD495B367B0}" type="datetimeFigureOut">
-              <a:rPr lang="en-US" smtClean="0"/>
-              <a:pPr/>
-              <a:t>8/13/2020</a:t>
-            </a:fld>
-            <a:endParaRPr lang="en-US"/>
-          </a:p>
-        </p:txBody>
-      </p:sp>
-      <p:sp>
-        <p:nvSpPr>
-          <p:cNvPr id="6" name="Footer Placeholder 5"/>
-          <p:cNvSpPr>
-            <a:spLocks noGrp="1"/>
-          </p:cNvSpPr>
-          <p:nvPr>
-            <p:ph type="ftr" sz="quarter" idx="11"/>
-          </p:nvPr>
-        </p:nvSpPr>
-        <p:spPr/>
-        <p:txBody>
-          <a:bodyPr/>
-          <a:lstStyle>
-            <a:lvl1pPr>
-              <a:defRPr>
-                <a:solidFill>
-                  <a:schemeClr val="tx2"/>
-                </a:solidFill>
-              </a:defRPr>
-            </a:lvl1pPr>
-          </a:lstStyle>
-          <a:p>
-            <a:endParaRPr lang="en-US"/>
-          </a:p>
-        </p:txBody>
-      </p:sp>
-      <p:sp>
-        <p:nvSpPr>
-          <p:cNvPr id="7" name="Slide Number Placeholder 6"/>
-          <p:cNvSpPr>
-            <a:spLocks noGrp="1"/>
-          </p:cNvSpPr>
-          <p:nvPr>
-            <p:ph type="sldNum" sz="quarter" idx="12"/>
-          </p:nvPr>
-        </p:nvSpPr>
-        <p:spPr/>
-        <p:txBody>
-          <a:bodyPr/>
-          <a:lstStyle>
-            <a:lvl1pPr>
-              <a:defRPr>
-                <a:solidFill>
-                  <a:schemeClr val="tx2"/>
-                </a:solidFill>
-              </a:defRPr>
-            </a:lvl1pPr>
-          </a:lstStyle>
-          <a:p>
-            <a:fld id="{F09D7957-130A-48A8-A6D5-4E3399AA36EB}" type="slidenum">
-              <a:rPr lang="en-US" smtClean="0"/>
-              <a:pPr/>
-              <a:t>‹N°›</a:t>
-            </a:fld>
-            <a:endParaRPr lang="en-US"/>
-          </a:p>
-        </p:txBody>
-      </p:sp>
-    </p:spTree>
-    <p:extLst>
-      <p:ext uri="{BB962C8B-B14F-4D97-AF65-F5344CB8AC3E}">
-        <p14:creationId xmlns="" xmlns:p14="http://schemas.microsoft.com/office/powerpoint/2010/main" val="2638286187"/>
+        <p14:creationId xmlns:p14="http://schemas.microsoft.com/office/powerpoint/2010/main" val="750088706"/>
       </p:ext>
     </p:extLst>
   </p:cSld>
@@ -4704,15 +4574,9 @@
 <p:sldMaster xmlns:a="http://schemas.openxmlformats.org/drawingml/2006/main" xmlns:r="http://schemas.openxmlformats.org/officeDocument/2006/relationships" xmlns:p="http://schemas.openxmlformats.org/presentationml/2006/main">
   <p:cSld>
     <p:bg>
-      <p:bgPr>
-        <a:solidFill>
-          <a:schemeClr val="bg1">
-            <a:lumMod val="75000"/>
-            <a:lumOff val="25000"/>
-          </a:schemeClr>
-        </a:solidFill>
-        <a:effectLst/>
-      </p:bgPr>
+      <p:bgRef idx="1001">
+        <a:schemeClr val="bg1"/>
+      </p:bgRef>
     </p:bg>
     <p:spTree>
       <p:nvGrpSpPr>
@@ -4736,14 +4600,14 @@
         </p:nvSpPr>
         <p:spPr>
           <a:xfrm>
-            <a:off x="1" y="6400800"/>
-            <a:ext cx="12192000" cy="457200"/>
+            <a:off x="11292840" y="0"/>
+            <a:ext cx="914400" cy="6858000"/>
           </a:xfrm>
           <a:prstGeom prst="rect">
             <a:avLst/>
           </a:prstGeom>
           <a:solidFill>
-            <a:schemeClr val="accent1">
+            <a:schemeClr val="tx2">
               <a:lumMod val="75000"/>
             </a:schemeClr>
           </a:solidFill>
@@ -4770,44 +4634,6 @@
       </p:sp>
       <p:sp>
         <p:nvSpPr>
-          <p:cNvPr id="9" name="Rectangle 8"/>
-          <p:cNvSpPr/>
-          <p:nvPr/>
-        </p:nvSpPr>
-        <p:spPr>
-          <a:xfrm>
-            <a:off x="1" y="6334316"/>
-            <a:ext cx="12192000" cy="66484"/>
-          </a:xfrm>
-          <a:prstGeom prst="rect">
-            <a:avLst/>
-          </a:prstGeom>
-          <a:solidFill>
-            <a:schemeClr val="accent1"/>
-          </a:solidFill>
-          <a:ln>
-            <a:noFill/>
-          </a:ln>
-        </p:spPr>
-        <p:style>
-          <a:lnRef idx="2">
-            <a:schemeClr val="accent1">
-              <a:shade val="50000"/>
-            </a:schemeClr>
-          </a:lnRef>
-          <a:fillRef idx="1">
-            <a:schemeClr val="accent1"/>
-          </a:fillRef>
-          <a:effectRef idx="0">
-            <a:schemeClr val="accent1"/>
-          </a:effectRef>
-          <a:fontRef idx="minor">
-            <a:schemeClr val="lt1"/>
-          </a:fontRef>
-        </p:style>
-      </p:sp>
-      <p:sp>
-        <p:nvSpPr>
           <p:cNvPr id="2" name="Title Placeholder 1"/>
           <p:cNvSpPr>
             <a:spLocks noGrp="1"/>
@@ -4818,8 +4644,8 @@
         </p:nvSpPr>
         <p:spPr>
           <a:xfrm>
-            <a:off x="1097280" y="286603"/>
-            <a:ext cx="10058400" cy="1450757"/>
+            <a:off x="1261872" y="365760"/>
+            <a:ext cx="9692640" cy="1325562"/>
           </a:xfrm>
           <a:prstGeom prst="rect">
             <a:avLst/>
@@ -4851,15 +4677,15 @@
         </p:nvSpPr>
         <p:spPr>
           <a:xfrm>
-            <a:off x="1097280" y="1845734"/>
-            <a:ext cx="10058400" cy="4023360"/>
+            <a:off x="1261872" y="1828800"/>
+            <a:ext cx="8595360" cy="4351337"/>
           </a:xfrm>
           <a:prstGeom prst="rect">
             <a:avLst/>
           </a:prstGeom>
         </p:spPr>
         <p:txBody>
-          <a:bodyPr vert="horz" lIns="0" tIns="45720" rIns="0" bIns="45720" rtlCol="0">
+          <a:bodyPr vert="horz" lIns="91440" tIns="45720" rIns="91440" bIns="45720" rtlCol="0">
             <a:normAutofit/>
           </a:bodyPr>
           <a:lstStyle/>
@@ -4912,9 +4738,9 @@
           </p:nvPr>
         </p:nvSpPr>
         <p:spPr>
-          <a:xfrm>
-            <a:off x="1097280" y="6459785"/>
-            <a:ext cx="2472271" cy="365125"/>
+          <a:xfrm rot="16200000">
+            <a:off x="10797542" y="998537"/>
+            <a:ext cx="1904999" cy="365125"/>
           </a:xfrm>
           <a:prstGeom prst="rect">
             <a:avLst/>
@@ -4923,10 +4749,13 @@
         <p:txBody>
           <a:bodyPr vert="horz" lIns="91440" tIns="45720" rIns="91440" bIns="45720" rtlCol="0" anchor="ctr"/>
           <a:lstStyle>
-            <a:lvl1pPr algn="l">
-              <a:defRPr sz="900">
+            <a:lvl1pPr algn="r">
+              <a:defRPr sz="1050" b="0">
                 <a:solidFill>
-                  <a:srgbClr val="FFFFFF"/>
+                  <a:schemeClr val="tx2">
+                    <a:lumMod val="20000"/>
+                    <a:lumOff val="80000"/>
+                  </a:schemeClr>
                 </a:solidFill>
               </a:defRPr>
             </a:lvl1pPr>
@@ -4935,7 +4764,7 @@
             <a:fld id="{BEAF7D20-4BF2-414F-B6FF-0AD495B367B0}" type="datetimeFigureOut">
               <a:rPr lang="en-US" smtClean="0"/>
               <a:pPr/>
-              <a:t>8/13/2020</a:t>
+              <a:t>8/14/2020</a:t>
             </a:fld>
             <a:endParaRPr lang="en-US"/>
           </a:p>
@@ -4952,9 +4781,9 @@
           </p:nvPr>
         </p:nvSpPr>
         <p:spPr>
-          <a:xfrm>
-            <a:off x="3686185" y="6459785"/>
-            <a:ext cx="4822804" cy="365125"/>
+          <a:xfrm rot="16200000">
+            <a:off x="9959341" y="4046537"/>
+            <a:ext cx="3581400" cy="365125"/>
           </a:xfrm>
           <a:prstGeom prst="rect">
             <a:avLst/>
@@ -4963,10 +4792,13 @@
         <p:txBody>
           <a:bodyPr vert="horz" lIns="91440" tIns="45720" rIns="91440" bIns="45720" rtlCol="0" anchor="ctr"/>
           <a:lstStyle>
-            <a:lvl1pPr algn="ctr">
-              <a:defRPr sz="900" cap="all" baseline="0">
+            <a:lvl1pPr algn="l">
+              <a:defRPr sz="1050">
                 <a:solidFill>
-                  <a:srgbClr val="FFFFFF"/>
+                  <a:schemeClr val="tx2">
+                    <a:lumMod val="20000"/>
+                    <a:lumOff val="80000"/>
+                  </a:schemeClr>
                 </a:solidFill>
               </a:defRPr>
             </a:lvl1pPr>
@@ -4988,20 +4820,25 @@
         </p:nvSpPr>
         <p:spPr>
           <a:xfrm>
-            <a:off x="9900458" y="6459785"/>
-            <a:ext cx="1312025" cy="365125"/>
+            <a:off x="11292840" y="6172200"/>
+            <a:ext cx="914400" cy="593725"/>
           </a:xfrm>
           <a:prstGeom prst="rect">
             <a:avLst/>
           </a:prstGeom>
         </p:spPr>
         <p:txBody>
-          <a:bodyPr vert="horz" lIns="91440" tIns="45720" rIns="91440" bIns="45720" rtlCol="0" anchor="ctr"/>
+          <a:bodyPr vert="horz" lIns="45720" tIns="45720" rIns="45720" bIns="45720" rtlCol="0" anchor="ctr">
+            <a:normAutofit/>
+          </a:bodyPr>
           <a:lstStyle>
-            <a:lvl1pPr algn="r">
-              <a:defRPr sz="1050">
+            <a:lvl1pPr algn="ctr">
+              <a:defRPr sz="3600">
                 <a:solidFill>
-                  <a:srgbClr val="FFFFFF"/>
+                  <a:schemeClr val="tx2">
+                    <a:lumMod val="60000"/>
+                    <a:lumOff val="40000"/>
+                  </a:schemeClr>
                 </a:solidFill>
               </a:defRPr>
             </a:lvl1pPr>
@@ -5010,87 +4847,46 @@
             <a:fld id="{F09D7957-130A-48A8-A6D5-4E3399AA36EB}" type="slidenum">
               <a:rPr lang="en-US" smtClean="0"/>
               <a:pPr/>
-              <a:t>‹N°›</a:t>
+              <a:t>‹#›</a:t>
             </a:fld>
             <a:endParaRPr lang="en-US"/>
           </a:p>
         </p:txBody>
       </p:sp>
-      <p:cxnSp>
-        <p:nvCxnSpPr>
-          <p:cNvPr id="10" name="Straight Connector 9"/>
-          <p:cNvCxnSpPr/>
-          <p:nvPr/>
-        </p:nvCxnSpPr>
-        <p:spPr>
-          <a:xfrm>
-            <a:off x="1193532" y="1737845"/>
-            <a:ext cx="9966960" cy="0"/>
-          </a:xfrm>
-          <a:prstGeom prst="line">
-            <a:avLst/>
-          </a:prstGeom>
-          <a:ln w="6350">
-            <a:solidFill>
-              <a:schemeClr val="tx1">
-                <a:lumMod val="50000"/>
-                <a:lumOff val="50000"/>
-              </a:schemeClr>
-            </a:solidFill>
-          </a:ln>
-        </p:spPr>
-        <p:style>
-          <a:lnRef idx="1">
-            <a:schemeClr val="accent1"/>
-          </a:lnRef>
-          <a:fillRef idx="0">
-            <a:schemeClr val="accent1"/>
-          </a:fillRef>
-          <a:effectRef idx="0">
-            <a:schemeClr val="accent1"/>
-          </a:effectRef>
-          <a:fontRef idx="minor">
-            <a:schemeClr val="tx1"/>
-          </a:fontRef>
-        </p:style>
-      </p:cxnSp>
     </p:spTree>
     <p:extLst>
       <p:ext uri="{BB962C8B-B14F-4D97-AF65-F5344CB8AC3E}">
-        <p14:creationId xmlns="" xmlns:p14="http://schemas.microsoft.com/office/powerpoint/2010/main" val="3943539580"/>
+        <p14:creationId xmlns:p14="http://schemas.microsoft.com/office/powerpoint/2010/main" val="1947742253"/>
       </p:ext>
     </p:extLst>
   </p:cSld>
-  <p:clrMap bg1="dk1" tx1="lt1" bg2="dk2" tx2="lt2" accent1="accent1" accent2="accent2" accent3="accent3" accent4="accent4" accent5="accent5" accent6="accent6" hlink="hlink" folHlink="folHlink"/>
+  <p:clrMap bg1="lt1" tx1="dk1" bg2="lt2" tx2="dk2" accent1="accent1" accent2="accent2" accent3="accent3" accent4="accent4" accent5="accent5" accent6="accent6" hlink="hlink" folHlink="folHlink"/>
   <p:sldLayoutIdLst>
-    <p:sldLayoutId id="2147483690" r:id="rId1"/>
-    <p:sldLayoutId id="2147483691" r:id="rId2"/>
-    <p:sldLayoutId id="2147483692" r:id="rId3"/>
-    <p:sldLayoutId id="2147483693" r:id="rId4"/>
-    <p:sldLayoutId id="2147483694" r:id="rId5"/>
-    <p:sldLayoutId id="2147483695" r:id="rId6"/>
-    <p:sldLayoutId id="2147483696" r:id="rId7"/>
-    <p:sldLayoutId id="2147483697" r:id="rId8"/>
-    <p:sldLayoutId id="2147483698" r:id="rId9"/>
-    <p:sldLayoutId id="2147483699" r:id="rId10"/>
-    <p:sldLayoutId id="2147483700" r:id="rId11"/>
+    <p:sldLayoutId id="2147483702" r:id="rId1"/>
+    <p:sldLayoutId id="2147483703" r:id="rId2"/>
+    <p:sldLayoutId id="2147483704" r:id="rId3"/>
+    <p:sldLayoutId id="2147483705" r:id="rId4"/>
+    <p:sldLayoutId id="2147483706" r:id="rId5"/>
+    <p:sldLayoutId id="2147483707" r:id="rId6"/>
+    <p:sldLayoutId id="2147483708" r:id="rId7"/>
+    <p:sldLayoutId id="2147483709" r:id="rId8"/>
+    <p:sldLayoutId id="2147483710" r:id="rId9"/>
+    <p:sldLayoutId id="2147483711" r:id="rId10"/>
+    <p:sldLayoutId id="2147483712" r:id="rId11"/>
   </p:sldLayoutIdLst>
   <p:txStyles>
     <p:titleStyle>
       <a:lvl1pPr algn="l" defTabSz="914400" rtl="0" eaLnBrk="1" latinLnBrk="0" hangingPunct="1">
         <a:lnSpc>
-          <a:spcPct val="85000"/>
+          <a:spcPct val="90000"/>
         </a:lnSpc>
         <a:spcBef>
           <a:spcPct val="0"/>
         </a:spcBef>
         <a:buNone/>
-        <a:defRPr sz="4800" kern="1200" spc="-50" baseline="0">
+        <a:defRPr sz="4400" kern="1200" spc="-50" baseline="0">
           <a:solidFill>
-            <a:schemeClr val="tx1">
-              <a:lumMod val="75000"/>
-              <a:lumOff val="25000"/>
-            </a:schemeClr>
+            <a:schemeClr val="tx1"/>
           </a:solidFill>
           <a:latin typeface="+mj-lt"/>
           <a:ea typeface="+mj-ea"/>
@@ -5099,54 +4895,51 @@
       </a:lvl1pPr>
     </p:titleStyle>
     <p:bodyStyle>
-      <a:lvl1pPr marL="91440" indent="-91440" algn="l" defTabSz="914400" rtl="0" eaLnBrk="1" latinLnBrk="0" hangingPunct="1">
+      <a:lvl1pPr marL="182880" indent="-182880" algn="l" defTabSz="914400" rtl="0" eaLnBrk="1" latinLnBrk="0" hangingPunct="1">
         <a:lnSpc>
-          <a:spcPct val="90000"/>
+          <a:spcPct val="95000"/>
         </a:lnSpc>
         <a:spcBef>
-          <a:spcPts val="1200"/>
+          <a:spcPts val="1400"/>
         </a:spcBef>
         <a:spcAft>
           <a:spcPts val="200"/>
         </a:spcAft>
         <a:buClr>
-          <a:schemeClr val="accent3"/>
+          <a:schemeClr val="accent1"/>
         </a:buClr>
-        <a:buSzPct val="100000"/>
-        <a:buFont typeface="Calibri" panose="020F0502020204030204" pitchFamily="34" charset="0"/>
-        <a:buChar char=" "/>
-        <a:defRPr sz="2000" kern="1200">
+        <a:buSzPct val="80000"/>
+        <a:buFont typeface="Arial" pitchFamily="34" charset="0"/>
+        <a:buChar char="•"/>
+        <a:defRPr sz="1800" kern="1200" spc="10" baseline="0">
           <a:solidFill>
-            <a:schemeClr val="tx1">
-              <a:lumMod val="75000"/>
-              <a:lumOff val="25000"/>
-            </a:schemeClr>
+            <a:schemeClr val="tx1"/>
           </a:solidFill>
           <a:latin typeface="+mn-lt"/>
           <a:ea typeface="+mn-ea"/>
           <a:cs typeface="+mn-cs"/>
         </a:defRPr>
       </a:lvl1pPr>
-      <a:lvl2pPr marL="384048" indent="-182880" algn="l" defTabSz="914400" rtl="0" eaLnBrk="1" latinLnBrk="0" hangingPunct="1">
+      <a:lvl2pPr marL="457200" indent="-182880" algn="l" defTabSz="914400" rtl="0" eaLnBrk="1" latinLnBrk="0" hangingPunct="1">
         <a:lnSpc>
           <a:spcPct val="90000"/>
         </a:lnSpc>
         <a:spcBef>
-          <a:spcPts val="200"/>
+          <a:spcPts val="300"/>
         </a:spcBef>
         <a:spcAft>
-          <a:spcPts val="400"/>
+          <a:spcPts val="300"/>
         </a:spcAft>
         <a:buClr>
-          <a:schemeClr val="accent3"/>
+          <a:schemeClr val="accent1"/>
         </a:buClr>
-        <a:buFont typeface="Calibri" pitchFamily="34" charset="0"/>
-        <a:buChar char="◦"/>
-        <a:defRPr sz="1800" kern="1200">
+        <a:buFont typeface="Wingdings 2" pitchFamily="18" charset="2"/>
+        <a:buChar char=""/>
+        <a:defRPr sz="1600" kern="1200">
           <a:solidFill>
             <a:schemeClr val="tx1">
-              <a:lumMod val="75000"/>
-              <a:lumOff val="25000"/>
+              <a:lumMod val="85000"/>
+              <a:lumOff val="15000"/>
             </a:schemeClr>
           </a:solidFill>
           <a:latin typeface="+mn-lt"/>
@@ -5154,26 +4947,26 @@
           <a:cs typeface="+mn-cs"/>
         </a:defRPr>
       </a:lvl2pPr>
-      <a:lvl3pPr marL="566928" indent="-182880" algn="l" defTabSz="914400" rtl="0" eaLnBrk="1" latinLnBrk="0" hangingPunct="1">
+      <a:lvl3pPr marL="731520" indent="-182880" algn="l" defTabSz="914400" rtl="0" eaLnBrk="1" latinLnBrk="0" hangingPunct="1">
         <a:lnSpc>
           <a:spcPct val="90000"/>
         </a:lnSpc>
         <a:spcBef>
-          <a:spcPts val="200"/>
+          <a:spcPts val="300"/>
         </a:spcBef>
         <a:spcAft>
-          <a:spcPts val="400"/>
+          <a:spcPts val="300"/>
         </a:spcAft>
         <a:buClr>
-          <a:schemeClr val="accent3"/>
+          <a:schemeClr val="accent1"/>
         </a:buClr>
-        <a:buFont typeface="Calibri" pitchFamily="34" charset="0"/>
-        <a:buChar char="◦"/>
+        <a:buFont typeface="Wingdings 2" pitchFamily="18" charset="2"/>
+        <a:buChar char=""/>
         <a:defRPr sz="1400" kern="1200">
           <a:solidFill>
             <a:schemeClr val="tx1">
-              <a:lumMod val="75000"/>
-              <a:lumOff val="25000"/>
+              <a:lumMod val="85000"/>
+              <a:lumOff val="15000"/>
             </a:schemeClr>
           </a:solidFill>
           <a:latin typeface="+mn-lt"/>
@@ -5181,26 +4974,26 @@
           <a:cs typeface="+mn-cs"/>
         </a:defRPr>
       </a:lvl3pPr>
-      <a:lvl4pPr marL="749808" indent="-182880" algn="l" defTabSz="914400" rtl="0" eaLnBrk="1" latinLnBrk="0" hangingPunct="1">
+      <a:lvl4pPr marL="1005840" indent="-182880" algn="l" defTabSz="914400" rtl="0" eaLnBrk="1" latinLnBrk="0" hangingPunct="1">
         <a:lnSpc>
           <a:spcPct val="90000"/>
         </a:lnSpc>
         <a:spcBef>
-          <a:spcPts val="200"/>
+          <a:spcPts val="300"/>
         </a:spcBef>
         <a:spcAft>
-          <a:spcPts val="400"/>
+          <a:spcPts val="300"/>
         </a:spcAft>
         <a:buClr>
-          <a:schemeClr val="accent3"/>
+          <a:schemeClr val="accent1"/>
         </a:buClr>
-        <a:buFont typeface="Calibri" pitchFamily="34" charset="0"/>
-        <a:buChar char="◦"/>
+        <a:buFont typeface="Wingdings 2" pitchFamily="18" charset="2"/>
+        <a:buChar char=""/>
         <a:defRPr sz="1400" kern="1200">
           <a:solidFill>
             <a:schemeClr val="tx1">
-              <a:lumMod val="75000"/>
-              <a:lumOff val="25000"/>
+              <a:lumMod val="85000"/>
+              <a:lumOff val="15000"/>
             </a:schemeClr>
           </a:solidFill>
           <a:latin typeface="+mn-lt"/>
@@ -5208,26 +5001,26 @@
           <a:cs typeface="+mn-cs"/>
         </a:defRPr>
       </a:lvl4pPr>
-      <a:lvl5pPr marL="932688" indent="-182880" algn="l" defTabSz="914400" rtl="0" eaLnBrk="1" latinLnBrk="0" hangingPunct="1">
+      <a:lvl5pPr marL="1280160" indent="-182880" algn="l" defTabSz="914400" rtl="0" eaLnBrk="1" latinLnBrk="0" hangingPunct="1">
         <a:lnSpc>
           <a:spcPct val="90000"/>
         </a:lnSpc>
         <a:spcBef>
-          <a:spcPts val="200"/>
+          <a:spcPts val="300"/>
         </a:spcBef>
         <a:spcAft>
-          <a:spcPts val="400"/>
+          <a:spcPts val="300"/>
         </a:spcAft>
         <a:buClr>
-          <a:schemeClr val="accent3"/>
+          <a:schemeClr val="accent1"/>
         </a:buClr>
-        <a:buFont typeface="Calibri" pitchFamily="34" charset="0"/>
-        <a:buChar char="◦"/>
+        <a:buFont typeface="Wingdings 2" pitchFamily="18" charset="2"/>
+        <a:buChar char=""/>
         <a:defRPr sz="1400" kern="1200">
           <a:solidFill>
             <a:schemeClr val="tx1">
-              <a:lumMod val="75000"/>
-              <a:lumOff val="25000"/>
+              <a:lumMod val="85000"/>
+              <a:lumOff val="15000"/>
             </a:schemeClr>
           </a:solidFill>
           <a:latin typeface="+mn-lt"/>
@@ -5235,26 +5028,26 @@
           <a:cs typeface="+mn-cs"/>
         </a:defRPr>
       </a:lvl5pPr>
-      <a:lvl6pPr marL="1100000" indent="-228600" algn="l" defTabSz="914400" rtl="0" eaLnBrk="1" latinLnBrk="0" hangingPunct="1">
+      <a:lvl6pPr marL="1600000" indent="-228600" algn="l" defTabSz="914400" rtl="0" eaLnBrk="1" latinLnBrk="0" hangingPunct="1">
         <a:lnSpc>
           <a:spcPct val="90000"/>
         </a:lnSpc>
         <a:spcBef>
-          <a:spcPts val="200"/>
+          <a:spcPts val="300"/>
         </a:spcBef>
         <a:spcAft>
-          <a:spcPts val="400"/>
+          <a:spcPts val="300"/>
         </a:spcAft>
         <a:buClr>
-          <a:schemeClr val="accent3"/>
+          <a:schemeClr val="accent1"/>
         </a:buClr>
-        <a:buFont typeface="Calibri" pitchFamily="34" charset="0"/>
-        <a:buChar char="◦"/>
+        <a:buFont typeface="Wingdings 2" pitchFamily="18" charset="2"/>
+        <a:buChar char=""/>
         <a:defRPr sz="1400" kern="1200">
           <a:solidFill>
             <a:schemeClr val="tx1">
-              <a:lumMod val="75000"/>
-              <a:lumOff val="25000"/>
+              <a:lumMod val="85000"/>
+              <a:lumOff val="15000"/>
             </a:schemeClr>
           </a:solidFill>
           <a:latin typeface="+mn-lt"/>
@@ -5262,26 +5055,26 @@
           <a:cs typeface="+mn-cs"/>
         </a:defRPr>
       </a:lvl6pPr>
-      <a:lvl7pPr marL="1300000" indent="-228600" algn="l" defTabSz="914400" rtl="0" eaLnBrk="1" latinLnBrk="0" hangingPunct="1">
+      <a:lvl7pPr marL="1900000" indent="-228600" algn="l" defTabSz="914400" rtl="0" eaLnBrk="1" latinLnBrk="0" hangingPunct="1">
         <a:lnSpc>
           <a:spcPct val="90000"/>
         </a:lnSpc>
         <a:spcBef>
-          <a:spcPts val="200"/>
+          <a:spcPts val="300"/>
         </a:spcBef>
         <a:spcAft>
-          <a:spcPts val="400"/>
+          <a:spcPts val="300"/>
         </a:spcAft>
         <a:buClr>
-          <a:schemeClr val="accent3"/>
+          <a:schemeClr val="accent1"/>
         </a:buClr>
-        <a:buFont typeface="Calibri" pitchFamily="34" charset="0"/>
-        <a:buChar char="◦"/>
+        <a:buFont typeface="Wingdings 2" pitchFamily="18" charset="2"/>
+        <a:buChar char=""/>
         <a:defRPr sz="1400" kern="1200">
           <a:solidFill>
             <a:schemeClr val="tx1">
-              <a:lumMod val="75000"/>
-              <a:lumOff val="25000"/>
+              <a:lumMod val="85000"/>
+              <a:lumOff val="15000"/>
             </a:schemeClr>
           </a:solidFill>
           <a:latin typeface="+mn-lt"/>
@@ -5289,26 +5082,26 @@
           <a:cs typeface="+mn-cs"/>
         </a:defRPr>
       </a:lvl7pPr>
-      <a:lvl8pPr marL="1500000" indent="-228600" algn="l" defTabSz="914400" rtl="0" eaLnBrk="1" latinLnBrk="0" hangingPunct="1">
+      <a:lvl8pPr marL="2200000" indent="-228600" algn="l" defTabSz="914400" rtl="0" eaLnBrk="1" latinLnBrk="0" hangingPunct="1">
         <a:lnSpc>
           <a:spcPct val="90000"/>
         </a:lnSpc>
         <a:spcBef>
-          <a:spcPts val="200"/>
+          <a:spcPts val="300"/>
         </a:spcBef>
         <a:spcAft>
-          <a:spcPts val="400"/>
+          <a:spcPts val="300"/>
         </a:spcAft>
         <a:buClr>
-          <a:schemeClr val="accent3"/>
+          <a:schemeClr val="accent1"/>
         </a:buClr>
-        <a:buFont typeface="Calibri" pitchFamily="34" charset="0"/>
-        <a:buChar char="◦"/>
+        <a:buFont typeface="Wingdings 2" pitchFamily="18" charset="2"/>
+        <a:buChar char=""/>
         <a:defRPr sz="1400" kern="1200">
           <a:solidFill>
             <a:schemeClr val="tx1">
-              <a:lumMod val="75000"/>
-              <a:lumOff val="25000"/>
+              <a:lumMod val="85000"/>
+              <a:lumOff val="15000"/>
             </a:schemeClr>
           </a:solidFill>
           <a:latin typeface="+mn-lt"/>
@@ -5316,26 +5109,26 @@
           <a:cs typeface="+mn-cs"/>
         </a:defRPr>
       </a:lvl8pPr>
-      <a:lvl9pPr marL="1700000" indent="-228600" algn="l" defTabSz="914400" rtl="0" eaLnBrk="1" latinLnBrk="0" hangingPunct="1">
+      <a:lvl9pPr marL="2500000" indent="-228600" algn="l" defTabSz="914400" rtl="0" eaLnBrk="1" latinLnBrk="0" hangingPunct="1">
         <a:lnSpc>
           <a:spcPct val="90000"/>
         </a:lnSpc>
         <a:spcBef>
-          <a:spcPts val="200"/>
+          <a:spcPts val="300"/>
         </a:spcBef>
         <a:spcAft>
-          <a:spcPts val="400"/>
+          <a:spcPts val="300"/>
         </a:spcAft>
         <a:buClr>
-          <a:schemeClr val="accent3"/>
+          <a:schemeClr val="accent1"/>
         </a:buClr>
-        <a:buFont typeface="Calibri" pitchFamily="34" charset="0"/>
-        <a:buChar char="◦"/>
+        <a:buFont typeface="Wingdings 2" pitchFamily="18" charset="2"/>
+        <a:buChar char=""/>
         <a:defRPr sz="1400" kern="1200">
           <a:solidFill>
             <a:schemeClr val="tx1">
-              <a:lumMod val="75000"/>
-              <a:lumOff val="25000"/>
+              <a:lumMod val="85000"/>
+              <a:lumOff val="15000"/>
             </a:schemeClr>
           </a:solidFill>
           <a:latin typeface="+mn-lt"/>
@@ -5472,7 +5265,7 @@
         </p:nvSpPr>
         <p:spPr>
           <a:xfrm>
-            <a:off x="4281055" y="612915"/>
+            <a:off x="4281054" y="986988"/>
             <a:ext cx="7557709" cy="1010467"/>
           </a:xfrm>
         </p:spPr>
@@ -5511,79 +5304,6 @@
       </p:sp>
       <p:sp>
         <p:nvSpPr>
-          <p:cNvPr id="5" name="Rectangle 4"/>
-          <p:cNvSpPr/>
-          <p:nvPr/>
-        </p:nvSpPr>
-        <p:spPr>
-          <a:xfrm>
-            <a:off x="-13855" y="-13855"/>
-            <a:ext cx="4031673" cy="6303818"/>
-          </a:xfrm>
-          <a:prstGeom prst="rect">
-            <a:avLst/>
-          </a:prstGeom>
-          <a:solidFill>
-            <a:schemeClr val="tx1"/>
-          </a:solidFill>
-        </p:spPr>
-        <p:style>
-          <a:lnRef idx="2">
-            <a:schemeClr val="accent1">
-              <a:shade val="50000"/>
-            </a:schemeClr>
-          </a:lnRef>
-          <a:fillRef idx="1">
-            <a:schemeClr val="accent1"/>
-          </a:fillRef>
-          <a:effectRef idx="0">
-            <a:schemeClr val="accent1"/>
-          </a:effectRef>
-          <a:fontRef idx="minor">
-            <a:schemeClr val="lt1"/>
-          </a:fontRef>
-        </p:style>
-        <p:txBody>
-          <a:bodyPr rtlCol="0" anchor="ctr"/>
-          <a:lstStyle/>
-          <a:p>
-            <a:pPr algn="ctr"/>
-            <a:endParaRPr lang="en-US"/>
-          </a:p>
-        </p:txBody>
-      </p:sp>
-      <p:pic>
-        <p:nvPicPr>
-          <p:cNvPr id="4" name="Picture 3"/>
-          <p:cNvPicPr>
-            <a:picLocks noChangeAspect="1"/>
-          </p:cNvPicPr>
-          <p:nvPr/>
-        </p:nvPicPr>
-        <p:blipFill>
-          <a:blip r:embed="rId2">
-            <a:extLst>
-              <a:ext uri="{28A0092B-C50C-407E-A947-70E740481C1C}">
-                <a14:useLocalDpi xmlns="" xmlns:a14="http://schemas.microsoft.com/office/drawing/2010/main" val="0"/>
-              </a:ext>
-            </a:extLst>
-          </a:blip>
-          <a:stretch>
-            <a:fillRect/>
-          </a:stretch>
-        </p:blipFill>
-        <p:spPr>
-          <a:xfrm>
-            <a:off x="1" y="777706"/>
-            <a:ext cx="3837708" cy="4362330"/>
-          </a:xfrm>
-          <a:prstGeom prst="rect">
-            <a:avLst/>
-          </a:prstGeom>
-        </p:spPr>
-      </p:pic>
-      <p:sp>
-        <p:nvSpPr>
           <p:cNvPr id="3" name="Subtitle 2"/>
           <p:cNvSpPr>
             <a:spLocks noGrp="1"/>
@@ -5594,13 +5314,13 @@
         </p:nvSpPr>
         <p:spPr>
           <a:xfrm>
-            <a:off x="8132618" y="4513815"/>
+            <a:off x="8174181" y="4707779"/>
             <a:ext cx="3872400" cy="1807917"/>
           </a:xfrm>
         </p:spPr>
         <p:txBody>
           <a:bodyPr>
-            <a:normAutofit fontScale="92500" lnSpcReduction="10000"/>
+            <a:normAutofit fontScale="92500" lnSpcReduction="20000"/>
           </a:bodyPr>
           <a:lstStyle/>
           <a:p>
@@ -5879,6 +5599,79 @@
       </p:sp>
       <p:sp>
         <p:nvSpPr>
+          <p:cNvPr id="5" name="Rectangle 4"/>
+          <p:cNvSpPr/>
+          <p:nvPr/>
+        </p:nvSpPr>
+        <p:spPr>
+          <a:xfrm>
+            <a:off x="-13855" y="-13856"/>
+            <a:ext cx="4031673" cy="6871855"/>
+          </a:xfrm>
+          <a:prstGeom prst="rect">
+            <a:avLst/>
+          </a:prstGeom>
+          <a:solidFill>
+            <a:schemeClr val="tx1"/>
+          </a:solidFill>
+        </p:spPr>
+        <p:style>
+          <a:lnRef idx="2">
+            <a:schemeClr val="accent1">
+              <a:shade val="50000"/>
+            </a:schemeClr>
+          </a:lnRef>
+          <a:fillRef idx="1">
+            <a:schemeClr val="accent1"/>
+          </a:fillRef>
+          <a:effectRef idx="0">
+            <a:schemeClr val="accent1"/>
+          </a:effectRef>
+          <a:fontRef idx="minor">
+            <a:schemeClr val="lt1"/>
+          </a:fontRef>
+        </p:style>
+        <p:txBody>
+          <a:bodyPr rtlCol="0" anchor="ctr"/>
+          <a:lstStyle/>
+          <a:p>
+            <a:pPr algn="ctr"/>
+            <a:endParaRPr lang="en-US"/>
+          </a:p>
+        </p:txBody>
+      </p:sp>
+      <p:pic>
+        <p:nvPicPr>
+          <p:cNvPr id="4" name="Picture 3"/>
+          <p:cNvPicPr>
+            <a:picLocks noChangeAspect="1"/>
+          </p:cNvPicPr>
+          <p:nvPr/>
+        </p:nvPicPr>
+        <p:blipFill>
+          <a:blip r:embed="rId2">
+            <a:extLst>
+              <a:ext uri="{28A0092B-C50C-407E-A947-70E740481C1C}">
+                <a14:useLocalDpi xmlns:a14="http://schemas.microsoft.com/office/drawing/2010/main" val="0"/>
+              </a:ext>
+            </a:extLst>
+          </a:blip>
+          <a:stretch>
+            <a:fillRect/>
+          </a:stretch>
+        </p:blipFill>
+        <p:spPr>
+          <a:xfrm>
+            <a:off x="48492" y="459795"/>
+            <a:ext cx="3837708" cy="4707950"/>
+          </a:xfrm>
+          <a:prstGeom prst="rect">
+            <a:avLst/>
+          </a:prstGeom>
+        </p:spPr>
+      </p:pic>
+      <p:sp>
+        <p:nvSpPr>
           <p:cNvPr id="8" name="Title 1"/>
           <p:cNvSpPr txBox="1">
             <a:spLocks/>
@@ -5887,8 +5680,8 @@
         </p:nvSpPr>
         <p:spPr>
           <a:xfrm>
-            <a:off x="4281055" y="2205063"/>
-            <a:ext cx="7557709" cy="1399037"/>
+            <a:off x="4281054" y="2355239"/>
+            <a:ext cx="7557709" cy="1207264"/>
           </a:xfrm>
           <a:prstGeom prst="rect">
             <a:avLst/>
@@ -5980,7 +5773,7 @@
         </p:nvSpPr>
         <p:spPr>
           <a:xfrm>
-            <a:off x="4281055" y="4513815"/>
+            <a:off x="4017818" y="4640552"/>
             <a:ext cx="2535381" cy="1054386"/>
           </a:xfrm>
           <a:prstGeom prst="rect">
@@ -6014,9 +5807,8 @@
             </a:lvl1pPr>
           </a:lstStyle>
           <a:p>
-            <a:pPr algn="ctr"/>
-            <a:r>
-              <a:rPr lang="en-US" sz="2400" dirty="0" smtClean="0">
+            <a:r>
+              <a:rPr lang="en-US" sz="2000" dirty="0" smtClean="0">
                 <a:effectLst>
                   <a:outerShdw blurRad="38100" dist="38100" dir="2700000" algn="tl">
                     <a:srgbClr val="000000">
@@ -6029,7 +5821,7 @@
               <a:t>It’s </a:t>
             </a:r>
             <a:r>
-              <a:rPr lang="en-US" sz="2400" dirty="0">
+              <a:rPr lang="en-US" sz="2000" dirty="0">
                 <a:effectLst>
                   <a:outerShdw blurRad="38100" dist="38100" dir="2700000" algn="tl">
                     <a:srgbClr val="000000">
@@ -6042,7 +5834,7 @@
               <a:t>important to sexually educating our </a:t>
             </a:r>
             <a:r>
-              <a:rPr lang="en-US" sz="2400" dirty="0" smtClean="0">
+              <a:rPr lang="en-US" sz="2000" dirty="0" smtClean="0">
                 <a:effectLst>
                   <a:outerShdw blurRad="38100" dist="38100" dir="2700000" algn="tl">
                     <a:srgbClr val="000000">
@@ -6054,7 +5846,7 @@
               </a:rPr>
               <a:t>children</a:t>
             </a:r>
-            <a:endParaRPr lang="en-US" sz="1100" dirty="0">
+            <a:endParaRPr lang="en-US" sz="1000" dirty="0">
               <a:latin typeface="Agency FB" panose="020B0503020202020204" pitchFamily="34" charset="0"/>
             </a:endParaRPr>
           </a:p>
@@ -6070,7 +5862,7 @@
           <a:blip r:embed="rId3" cstate="print">
             <a:extLst>
               <a:ext uri="{28A0092B-C50C-407E-A947-70E740481C1C}">
-                <a14:useLocalDpi xmlns:lc="http://schemas.openxmlformats.org/drawingml/2006/lockedCanvas" xmlns:pic="http://schemas.openxmlformats.org/drawingml/2006/picture" xmlns:a14="http://schemas.microsoft.com/office/drawing/2010/main" xmlns:wps="http://schemas.microsoft.com/office/word/2010/wordprocessingShape" xmlns:wne="http://schemas.microsoft.com/office/word/2006/wordml" xmlns:wpi="http://schemas.microsoft.com/office/word/2010/wordprocessingInk" xmlns:wpg="http://schemas.microsoft.com/office/word/2010/wordprocessingGroup" xmlns:w16se="http://schemas.microsoft.com/office/word/2015/wordml/symex" xmlns:w15="http://schemas.microsoft.com/office/word/2012/wordml" xmlns:w14="http://schemas.microsoft.com/office/word/2010/wordml" xmlns:w="http://schemas.openxmlformats.org/wordprocessingml/2006/main" xmlns:w10="urn:schemas-microsoft-com:office:word" xmlns:wp="http://schemas.openxmlformats.org/drawingml/2006/wordprocessingDrawing" xmlns:wp14="http://schemas.microsoft.com/office/word/2010/wordprocessingDrawing" xmlns:v="urn:schemas-microsoft-com:vml" xmlns:m="http://schemas.openxmlformats.org/officeDocument/2006/math" xmlns:o="urn:schemas-microsoft-com:office:office" xmlns:mc="http://schemas.openxmlformats.org/markup-compatibility/2006" xmlns:cx="http://schemas.microsoft.com/office/drawing/2014/chartex" xmlns:wpc="http://schemas.microsoft.com/office/word/2010/wordprocessingCanvas" xmlns="" val="0"/>
+                <a14:useLocalDpi xmlns:a14="http://schemas.microsoft.com/office/drawing/2010/main" val="0"/>
               </a:ext>
             </a:extLst>
           </a:blip>
@@ -6081,7 +5873,7 @@
         </p:blipFill>
         <p:spPr bwMode="auto">
           <a:xfrm>
-            <a:off x="472353" y="5167745"/>
+            <a:off x="492486" y="5407331"/>
             <a:ext cx="2949720" cy="1122219"/>
           </a:xfrm>
           <a:prstGeom prst="rect">
@@ -6093,10 +5885,45 @@
           </a:ln>
         </p:spPr>
       </p:pic>
+      <p:cxnSp>
+        <p:nvCxnSpPr>
+          <p:cNvPr id="7" name="Straight Connector 6"/>
+          <p:cNvCxnSpPr/>
+          <p:nvPr/>
+        </p:nvCxnSpPr>
+        <p:spPr>
+          <a:xfrm flipV="1">
+            <a:off x="3927765" y="3976257"/>
+            <a:ext cx="8260799" cy="13854"/>
+          </a:xfrm>
+          <a:prstGeom prst="line">
+            <a:avLst/>
+          </a:prstGeom>
+          <a:ln w="38100">
+            <a:solidFill>
+              <a:schemeClr val="tx1"/>
+            </a:solidFill>
+          </a:ln>
+        </p:spPr>
+        <p:style>
+          <a:lnRef idx="1">
+            <a:schemeClr val="accent1"/>
+          </a:lnRef>
+          <a:fillRef idx="0">
+            <a:schemeClr val="accent1"/>
+          </a:fillRef>
+          <a:effectRef idx="0">
+            <a:schemeClr val="accent1"/>
+          </a:effectRef>
+          <a:fontRef idx="minor">
+            <a:schemeClr val="tx1"/>
+          </a:fontRef>
+        </p:style>
+      </p:cxnSp>
     </p:spTree>
     <p:extLst>
       <p:ext uri="{BB962C8B-B14F-4D97-AF65-F5344CB8AC3E}">
-        <p14:creationId xmlns="" xmlns:p14="http://schemas.microsoft.com/office/powerpoint/2010/main" val="4128054542"/>
+        <p14:creationId xmlns:p14="http://schemas.microsoft.com/office/powerpoint/2010/main" val="4128054542"/>
       </p:ext>
     </p:extLst>
   </p:cSld>
@@ -6238,43 +6065,7 @@
                 </a:solidFill>
                 <a:latin typeface="Bell MT" pitchFamily="18" charset="0"/>
               </a:rPr>
-              <a:t>This chart shows that </a:t>
-            </a:r>
-            <a:r>
-              <a:rPr lang="en-US" sz="2200" dirty="0" smtClean="0">
-                <a:solidFill>
-                  <a:schemeClr val="tx1">
-                    <a:lumMod val="75000"/>
-                    <a:lumOff val="25000"/>
-                  </a:schemeClr>
-                </a:solidFill>
-                <a:latin typeface="Bell MT" pitchFamily="18" charset="0"/>
-              </a:rPr>
-              <a:t>it's the </a:t>
-            </a:r>
-            <a:r>
-              <a:rPr lang="en-US" sz="2200" dirty="0" smtClean="0">
-                <a:solidFill>
-                  <a:schemeClr val="tx1">
-                    <a:lumMod val="75000"/>
-                    <a:lumOff val="25000"/>
-                  </a:schemeClr>
-                </a:solidFill>
-                <a:latin typeface="Bell MT" pitchFamily="18" charset="0"/>
-              </a:rPr>
-              <a:t>young people most exposed to the media who have an early pregnancy</a:t>
-            </a:r>
-            <a:r>
-              <a:rPr lang="en-US" sz="2200" dirty="0" smtClean="0">
-                <a:solidFill>
-                  <a:schemeClr val="tx1">
-                    <a:lumMod val="75000"/>
-                    <a:lumOff val="25000"/>
-                  </a:schemeClr>
-                </a:solidFill>
-                <a:latin typeface="Bell MT" pitchFamily="18" charset="0"/>
-              </a:rPr>
-              <a:t>.</a:t>
+              <a:t>This chart shows that it's the young people most exposed to the media who have an early pregnancy.</a:t>
             </a:r>
             <a:endParaRPr kumimoji="0" lang="en-US" sz="2200" b="0" i="0" u="none" strike="noStrike" kern="1200" cap="none" spc="0" normalizeH="0" baseline="0" noProof="0" dirty="0">
               <a:ln>
@@ -6393,19 +6184,7 @@
               <a:rPr lang="en-US" dirty="0" smtClean="0">
                 <a:latin typeface="Bell MT" pitchFamily="18" charset="0"/>
               </a:rPr>
-              <a:t>it's </a:t>
-            </a:r>
-            <a:r>
-              <a:rPr lang="en-US" dirty="0" smtClean="0">
-                <a:latin typeface="Bell MT" pitchFamily="18" charset="0"/>
-              </a:rPr>
-              <a:t>them </a:t>
-            </a:r>
-            <a:r>
-              <a:rPr lang="en-US" dirty="0" smtClean="0">
-                <a:latin typeface="Bell MT" pitchFamily="18" charset="0"/>
-              </a:rPr>
-              <a:t>most exposed to the media who have an early pregnancy.</a:t>
+              <a:t>it's them most exposed to the media who have an early pregnancy.</a:t>
             </a:r>
             <a:endParaRPr lang="en-US" dirty="0"/>
           </a:p>
@@ -6500,11 +6279,7 @@
           <a:p>
             <a:r>
               <a:rPr lang="en-US" dirty="0" smtClean="0"/>
-              <a:t>15-24 </a:t>
-            </a:r>
-            <a:r>
-              <a:rPr lang="en-US" dirty="0" smtClean="0"/>
-              <a:t>years old</a:t>
+              <a:t>15-24 years old</a:t>
             </a:r>
             <a:endParaRPr lang="en-US" dirty="0"/>
           </a:p>
@@ -6599,115 +6374,7 @@
                 </a:solidFill>
                 <a:latin typeface="Bell MT" pitchFamily="18" charset="0"/>
               </a:rPr>
-              <a:t>This chart shows that </a:t>
-            </a:r>
-            <a:r>
-              <a:rPr lang="en-US" sz="2200" dirty="0" smtClean="0">
-                <a:solidFill>
-                  <a:schemeClr val="tx1">
-                    <a:lumMod val="75000"/>
-                    <a:lumOff val="25000"/>
-                  </a:schemeClr>
-                </a:solidFill>
-                <a:latin typeface="Bell MT" pitchFamily="18" charset="0"/>
-              </a:rPr>
-              <a:t>more </a:t>
-            </a:r>
-            <a:r>
-              <a:rPr lang="en-US" sz="2200" dirty="0" smtClean="0">
-                <a:solidFill>
-                  <a:schemeClr val="tx1">
-                    <a:lumMod val="75000"/>
-                    <a:lumOff val="25000"/>
-                  </a:schemeClr>
-                </a:solidFill>
-                <a:latin typeface="Bell MT" pitchFamily="18" charset="0"/>
-              </a:rPr>
-              <a:t>the </a:t>
-            </a:r>
-            <a:r>
-              <a:rPr lang="en-US" sz="2200" dirty="0" smtClean="0">
-                <a:solidFill>
-                  <a:schemeClr val="tx1">
-                    <a:lumMod val="75000"/>
-                    <a:lumOff val="25000"/>
-                  </a:schemeClr>
-                </a:solidFill>
-                <a:latin typeface="Bell MT" pitchFamily="18" charset="0"/>
-              </a:rPr>
-              <a:t>young people most exposed to the media </a:t>
-            </a:r>
-            <a:r>
-              <a:rPr lang="en-US" sz="2200" dirty="0" smtClean="0">
-                <a:solidFill>
-                  <a:schemeClr val="tx1">
-                    <a:lumMod val="75000"/>
-                    <a:lumOff val="25000"/>
-                  </a:schemeClr>
-                </a:solidFill>
-                <a:latin typeface="Bell MT" pitchFamily="18" charset="0"/>
-              </a:rPr>
-              <a:t>more he</a:t>
-            </a:r>
-            <a:r>
-              <a:rPr lang="en-US" sz="2200" dirty="0" smtClean="0">
-                <a:solidFill>
-                  <a:schemeClr val="tx1">
-                    <a:lumMod val="75000"/>
-                    <a:lumOff val="25000"/>
-                  </a:schemeClr>
-                </a:solidFill>
-                <a:latin typeface="Bell MT" pitchFamily="18" charset="0"/>
-              </a:rPr>
-              <a:t> </a:t>
-            </a:r>
-            <a:r>
-              <a:rPr lang="en-US" sz="2200" dirty="0" smtClean="0">
-                <a:solidFill>
-                  <a:schemeClr val="tx1">
-                    <a:lumMod val="75000"/>
-                    <a:lumOff val="25000"/>
-                  </a:schemeClr>
-                </a:solidFill>
-                <a:latin typeface="Bell MT" pitchFamily="18" charset="0"/>
-              </a:rPr>
-              <a:t>have </a:t>
-            </a:r>
-            <a:r>
-              <a:rPr lang="en-US" sz="2200" dirty="0" smtClean="0">
-                <a:solidFill>
-                  <a:schemeClr val="tx1">
-                    <a:lumMod val="75000"/>
-                    <a:lumOff val="25000"/>
-                  </a:schemeClr>
-                </a:solidFill>
-                <a:latin typeface="Bell MT" pitchFamily="18" charset="0"/>
-              </a:rPr>
-              <a:t>chance to have an </a:t>
-            </a:r>
-            <a:r>
-              <a:rPr lang="en-US" sz="2200" dirty="0" smtClean="0">
-                <a:solidFill>
-                  <a:schemeClr val="tx1">
-                    <a:lumMod val="75000"/>
-                    <a:lumOff val="25000"/>
-                  </a:schemeClr>
-                </a:solidFill>
-                <a:latin typeface="Bell MT" pitchFamily="18" charset="0"/>
-              </a:rPr>
-              <a:t>early pregnancy</a:t>
-            </a:r>
-            <a:r>
-              <a:rPr lang="en-US" sz="2200" dirty="0" smtClean="0">
-                <a:solidFill>
-                  <a:schemeClr val="tx1">
-                    <a:lumMod val="75000"/>
-                    <a:lumOff val="25000"/>
-                  </a:schemeClr>
-                </a:solidFill>
-                <a:latin typeface="Bell MT" pitchFamily="18" charset="0"/>
-              </a:rPr>
-              <a:t>.</a:t>
+              <a:t>This chart shows that more the young people most exposed to the media more he have chance to have an early pregnancy.</a:t>
             </a:r>
             <a:endParaRPr kumimoji="0" lang="en-US" sz="2200" b="0" i="0" u="none" strike="noStrike" kern="1200" cap="none" spc="0" normalizeH="0" baseline="0" noProof="0" dirty="0">
               <a:ln>
@@ -6769,11 +6436,7 @@
           <a:p>
             <a:r>
               <a:rPr lang="en-US" dirty="0" smtClean="0"/>
-              <a:t>15-19 years </a:t>
-            </a:r>
-            <a:r>
-              <a:rPr lang="en-US" dirty="0" smtClean="0"/>
-              <a:t>old</a:t>
+              <a:t>15-19 years old</a:t>
             </a:r>
             <a:endParaRPr lang="en-US" dirty="0"/>
           </a:p>
@@ -6935,11 +6598,7 @@
             </a:r>
             <a:r>
               <a:rPr lang="en-US" sz="2000" dirty="0" smtClean="0"/>
-              <a:t> </a:t>
-            </a:r>
-            <a:r>
-              <a:rPr lang="en-US" sz="2000" dirty="0" smtClean="0"/>
-              <a:t>of sexually active youth who have ever used any contraceptive method </a:t>
+              <a:t> of sexually active youth who have ever used any contraceptive method </a:t>
             </a:r>
             <a:endParaRPr kumimoji="0" lang="en-US" sz="2000" b="0" i="0" u="none" strike="noStrike" kern="1200" cap="none" spc="0" normalizeH="0" baseline="0" noProof="0" dirty="0">
               <a:ln>
@@ -6988,6 +6647,39 @@
       </p:grpSpPr>
       <p:sp>
         <p:nvSpPr>
+          <p:cNvPr id="4" name="Titre 1"/>
+          <p:cNvSpPr>
+            <a:spLocks noGrp="1"/>
+          </p:cNvSpPr>
+          <p:nvPr>
+            <p:ph type="title"/>
+          </p:nvPr>
+        </p:nvSpPr>
+        <p:spPr/>
+        <p:txBody>
+          <a:bodyPr/>
+          <a:lstStyle/>
+          <a:p>
+            <a:r>
+              <a:rPr lang="en-US" dirty="0" smtClean="0">
+                <a:solidFill>
+                  <a:srgbClr val="00B050"/>
+                </a:solidFill>
+                <a:latin typeface="Agency FB" pitchFamily="34" charset="0"/>
+              </a:rPr>
+              <a:t>Abstract</a:t>
+            </a:r>
+            <a:endParaRPr lang="en-US" dirty="0">
+              <a:solidFill>
+                <a:srgbClr val="00B050"/>
+              </a:solidFill>
+              <a:latin typeface="Agency FB" pitchFamily="34" charset="0"/>
+            </a:endParaRPr>
+          </a:p>
+        </p:txBody>
+      </p:sp>
+      <p:sp>
+        <p:nvSpPr>
           <p:cNvPr id="3" name="Espace réservé du contenu 2"/>
           <p:cNvSpPr>
             <a:spLocks noGrp="1"/>
@@ -7013,19 +6705,31 @@
               <a:rPr lang="en-US" dirty="0" smtClean="0">
                 <a:latin typeface="Bell MT" pitchFamily="18" charset="0"/>
               </a:rPr>
-              <a:t>Whatever </a:t>
-            </a:r>
+              <a:t>Whatever the age group, media exposure is the most recorded variable because: </a:t>
+            </a:r>
+          </a:p>
+          <a:p>
+            <a:pPr algn="just"/>
             <a:r>
               <a:rPr lang="en-US" dirty="0" smtClean="0">
                 <a:latin typeface="Bell MT" pitchFamily="18" charset="0"/>
               </a:rPr>
-              <a:t>t</a:t>
+              <a:t>only 12% of sexual information is provided by family and 29% by friends;</a:t>
+            </a:r>
+          </a:p>
+          <a:p>
+            <a:pPr algn="just"/>
+            <a:r>
+              <a:rPr lang="en-US" b="1" dirty="0" smtClean="0">
+                <a:latin typeface="Bell MT" pitchFamily="18" charset="0"/>
+              </a:rPr>
+              <a:t>All the variable let’s us know that</a:t>
             </a:r>
             <a:r>
               <a:rPr lang="en-US" dirty="0" smtClean="0">
                 <a:latin typeface="Bell MT" pitchFamily="18" charset="0"/>
               </a:rPr>
-              <a:t>he age group, media exposure is the most recorded variable because: </a:t>
+              <a:t>: </a:t>
             </a:r>
           </a:p>
           <a:p>
@@ -7034,28 +6738,25 @@
               <a:rPr lang="en-US" dirty="0" smtClean="0">
                 <a:latin typeface="Bell MT" pitchFamily="18" charset="0"/>
               </a:rPr>
-              <a:t>only 12% of sexual information is provided by family and 29% by friends</a:t>
-            </a:r>
+              <a:t>the average age at first sexual intercourse is 13;</a:t>
+            </a:r>
+          </a:p>
+          <a:p>
+            <a:pPr algn="just"/>
             <a:r>
               <a:rPr lang="en-US" dirty="0" smtClean="0">
                 <a:latin typeface="Bell MT" pitchFamily="18" charset="0"/>
               </a:rPr>
-              <a:t>;</a:t>
+              <a:t>3% of teenage girls have already had 3 children;</a:t>
             </a:r>
           </a:p>
           <a:p>
             <a:pPr algn="just"/>
-            <a:r>
-              <a:rPr lang="en-US" b="1" dirty="0" smtClean="0">
-                <a:latin typeface="Bell MT" pitchFamily="18" charset="0"/>
-              </a:rPr>
-              <a:t>All the variable let’s us know that</a:t>
-            </a:r>
             <a:r>
               <a:rPr lang="en-US" dirty="0" smtClean="0">
                 <a:latin typeface="Bell MT" pitchFamily="18" charset="0"/>
               </a:rPr>
-              <a:t>: </a:t>
+              <a:t>the maximum number of pregnancies is 5;</a:t>
             </a:r>
           </a:p>
           <a:p>
@@ -7064,40 +6765,7 @@
               <a:rPr lang="en-US" dirty="0" smtClean="0">
                 <a:latin typeface="Bell MT" pitchFamily="18" charset="0"/>
               </a:rPr>
-              <a:t>the average age at first sexual intercourse is 13;</a:t>
-            </a:r>
-          </a:p>
-          <a:p>
-            <a:pPr algn="just"/>
-            <a:r>
-              <a:rPr lang="en-US" dirty="0" smtClean="0">
-                <a:latin typeface="Bell MT" pitchFamily="18" charset="0"/>
-              </a:rPr>
-              <a:t>3% of teenage girls have already had 3 children;</a:t>
-            </a:r>
-          </a:p>
-          <a:p>
-            <a:pPr algn="just"/>
-            <a:r>
-              <a:rPr lang="en-US" dirty="0" smtClean="0">
-                <a:latin typeface="Bell MT" pitchFamily="18" charset="0"/>
-              </a:rPr>
-              <a:t>the maximum number of pregnancies is 5;</a:t>
-            </a:r>
-          </a:p>
-          <a:p>
-            <a:pPr algn="just"/>
-            <a:r>
-              <a:rPr lang="en-US" dirty="0" smtClean="0">
-                <a:latin typeface="Bell MT" pitchFamily="18" charset="0"/>
-              </a:rPr>
-              <a:t>only </a:t>
-            </a:r>
-            <a:r>
-              <a:rPr lang="en-US" dirty="0" smtClean="0">
-                <a:latin typeface="Bell MT" pitchFamily="18" charset="0"/>
-              </a:rPr>
-              <a:t>16% of the progenitors are adolescents and 47% are over 28 years of age;</a:t>
+              <a:t>only 16% of the progenitors are adolescents and 47% are over 28 years of age;</a:t>
             </a:r>
           </a:p>
           <a:p>
@@ -7131,44 +6799,6 @@
             <a:pPr algn="just"/>
             <a:endParaRPr lang="en-US" dirty="0">
               <a:latin typeface="Bell MT" pitchFamily="18" charset="0"/>
-            </a:endParaRPr>
-          </a:p>
-        </p:txBody>
-      </p:sp>
-      <p:sp>
-        <p:nvSpPr>
-          <p:cNvPr id="4" name="Titre 1"/>
-          <p:cNvSpPr>
-            <a:spLocks noGrp="1"/>
-          </p:cNvSpPr>
-          <p:nvPr>
-            <p:ph type="title"/>
-          </p:nvPr>
-        </p:nvSpPr>
-        <p:spPr>
-          <a:xfrm>
-            <a:off x="1097280" y="286603"/>
-            <a:ext cx="10058400" cy="1450757"/>
-          </a:xfrm>
-        </p:spPr>
-        <p:txBody>
-          <a:bodyPr/>
-          <a:lstStyle/>
-          <a:p>
-            <a:r>
-              <a:rPr lang="en-US" dirty="0" smtClean="0">
-                <a:solidFill>
-                  <a:srgbClr val="00B050"/>
-                </a:solidFill>
-                <a:latin typeface="Agency FB" pitchFamily="34" charset="0"/>
-              </a:rPr>
-              <a:t>Abstract</a:t>
-            </a:r>
-            <a:endParaRPr lang="en-US" dirty="0">
-              <a:solidFill>
-                <a:srgbClr val="00B050"/>
-              </a:solidFill>
-              <a:latin typeface="Agency FB" pitchFamily="34" charset="0"/>
             </a:endParaRPr>
           </a:p>
         </p:txBody>
@@ -7267,44 +6897,29 @@
               <a:rPr lang="en-US" sz="2200" dirty="0" smtClean="0">
                 <a:latin typeface="Bell MT" pitchFamily="18" charset="0"/>
               </a:rPr>
-              <a:t>The Ministry of Education and Vocational Training should integrate sex education as a specific course in the academic curriculum. Not just for secondary school, but all three levels of formal education</a:t>
-            </a:r>
+              <a:t>The Ministry of Education and Vocational Training should integrate sex education as a specific course in the academic curriculum. Not just for secondary school, but all three levels of formal education.</a:t>
+            </a:r>
+          </a:p>
+          <a:p>
+            <a:pPr algn="just"/>
             <a:r>
               <a:rPr lang="en-US" sz="2200" dirty="0" smtClean="0">
                 <a:latin typeface="Bell MT" pitchFamily="18" charset="0"/>
               </a:rPr>
-              <a:t>.</a:t>
-            </a:r>
-          </a:p>
-          <a:p>
-            <a:pPr algn="just"/>
+              <a:t>Sexuality education consists of information about sexuality and the transmission of a number of values and </a:t>
+            </a:r>
+            <a:r>
+              <a:rPr lang="en-US" sz="2200" dirty="0" err="1" smtClean="0">
+                <a:latin typeface="Bell MT" pitchFamily="18" charset="0"/>
+              </a:rPr>
+              <a:t>recommendations.It</a:t>
+            </a:r>
             <a:r>
               <a:rPr lang="en-US" sz="2200" dirty="0" smtClean="0">
                 <a:latin typeface="Bell MT" pitchFamily="18" charset="0"/>
               </a:rPr>
-              <a:t>Sexuality education consists of information about sexuality and the transmission of a number of values and </a:t>
-            </a:r>
-            <a:r>
-              <a:rPr lang="en-US" sz="2200" dirty="0" err="1" smtClean="0">
-                <a:latin typeface="Bell MT" pitchFamily="18" charset="0"/>
-              </a:rPr>
-              <a:t>recommendations.It</a:t>
-            </a:r>
-            <a:r>
-              <a:rPr lang="en-US" sz="2200" dirty="0" smtClean="0">
-                <a:latin typeface="Bell MT" pitchFamily="18" charset="0"/>
-              </a:rPr>
-              <a:t> begins in childhood and continues to some extent throughout life</a:t>
-            </a:r>
-            <a:r>
-              <a:rPr lang="en-US" sz="2200" dirty="0" smtClean="0">
-                <a:latin typeface="Bell MT" pitchFamily="18" charset="0"/>
-              </a:rPr>
-              <a:t>.</a:t>
-            </a:r>
-            <a:endParaRPr lang="en-US" sz="2200" dirty="0" smtClean="0">
-              <a:latin typeface="Bell MT" pitchFamily="18" charset="0"/>
-            </a:endParaRPr>
+              <a:t> begins in childhood and continues to some extent throughout life.</a:t>
+            </a:r>
           </a:p>
         </p:txBody>
       </p:sp>
@@ -7501,19 +7116,7 @@
               <a:rPr lang="en-US" sz="3600" i="1" dirty="0" smtClean="0">
                 <a:latin typeface="Bell MT" pitchFamily="18" charset="0"/>
               </a:rPr>
-              <a:t>Haiti have </a:t>
-            </a:r>
-            <a:r>
-              <a:rPr lang="en-US" sz="3600" i="1" dirty="0" smtClean="0">
-                <a:latin typeface="Bell MT" pitchFamily="18" charset="0"/>
-              </a:rPr>
-              <a:t>a young age </a:t>
-            </a:r>
-            <a:r>
-              <a:rPr lang="en-US" sz="3600" i="1" dirty="0" smtClean="0">
-                <a:latin typeface="Bell MT" pitchFamily="18" charset="0"/>
-              </a:rPr>
-              <a:t>structure, it would not be wise  to neglect teenage mothers in this way.</a:t>
+              <a:t>Haiti have a young age structure, it would not be wise  to neglect teenage mothers in this way.</a:t>
             </a:r>
             <a:br>
               <a:rPr lang="en-US" sz="3600" i="1" dirty="0" smtClean="0">
@@ -7524,13 +7127,7 @@
               <a:rPr lang="en-US" sz="3600" i="1" dirty="0" smtClean="0">
                 <a:latin typeface="Bell MT" pitchFamily="18" charset="0"/>
               </a:rPr>
-              <a:t>Adolescent pregnancy is usually less a deliberate choice than a lack of choice: it is the consequence of little or no access to education, information and health care</a:t>
-            </a:r>
-            <a:r>
-              <a:rPr lang="en-US" sz="3600" i="1" dirty="0" smtClean="0">
-                <a:latin typeface="Bell MT" pitchFamily="18" charset="0"/>
-              </a:rPr>
-              <a:t>.</a:t>
+              <a:t>Adolescent pregnancy is usually less a deliberate choice than a lack of choice: it is the consequence of little or no access to education, information and health care.</a:t>
             </a:r>
             <a:br>
               <a:rPr lang="en-US" sz="3600" i="1" dirty="0" smtClean="0">
@@ -7852,7 +7449,7 @@
     </p:spTree>
     <p:extLst>
       <p:ext uri="{BB962C8B-B14F-4D97-AF65-F5344CB8AC3E}">
-        <p14:creationId xmlns="" xmlns:p14="http://schemas.microsoft.com/office/powerpoint/2010/main" val="342560058"/>
+        <p14:creationId xmlns:p14="http://schemas.microsoft.com/office/powerpoint/2010/main" val="342560058"/>
       </p:ext>
     </p:extLst>
   </p:cSld>
@@ -7932,7 +7529,7 @@
           <a:blip r:embed="rId2">
             <a:extLst>
               <a:ext uri="{28A0092B-C50C-407E-A947-70E740481C1C}">
-                <a14:useLocalDpi xmlns="" xmlns:a14="http://schemas.microsoft.com/office/drawing/2010/main" val="0"/>
+                <a14:useLocalDpi xmlns:a14="http://schemas.microsoft.com/office/drawing/2010/main" val="0"/>
               </a:ext>
             </a:extLst>
           </a:blip>
@@ -8056,7 +7653,7 @@
         </p:spPr>
         <p:txBody>
           <a:bodyPr>
-            <a:normAutofit fontScale="92500" lnSpcReduction="10000"/>
+            <a:normAutofit fontScale="92500" lnSpcReduction="20000"/>
           </a:bodyPr>
           <a:lstStyle/>
           <a:p>
@@ -8134,7 +7731,7 @@
           <a:blip r:embed="rId2">
             <a:extLst>
               <a:ext uri="{28A0092B-C50C-407E-A947-70E740481C1C}">
-                <a14:useLocalDpi xmlns="" xmlns:a14="http://schemas.microsoft.com/office/drawing/2010/main" val="0"/>
+                <a14:useLocalDpi xmlns:a14="http://schemas.microsoft.com/office/drawing/2010/main" val="0"/>
               </a:ext>
             </a:extLst>
           </a:blip>
@@ -8164,7 +7761,7 @@
           <a:blip r:embed="rId3">
             <a:extLst>
               <a:ext uri="{28A0092B-C50C-407E-A947-70E740481C1C}">
-                <a14:useLocalDpi xmlns="" xmlns:a14="http://schemas.microsoft.com/office/drawing/2010/main" val="0"/>
+                <a14:useLocalDpi xmlns:a14="http://schemas.microsoft.com/office/drawing/2010/main" val="0"/>
               </a:ext>
             </a:extLst>
           </a:blip>
@@ -8185,7 +7782,7 @@
     </p:spTree>
     <p:extLst>
       <p:ext uri="{BB962C8B-B14F-4D97-AF65-F5344CB8AC3E}">
-        <p14:creationId xmlns="" xmlns:p14="http://schemas.microsoft.com/office/powerpoint/2010/main" val="3715207080"/>
+        <p14:creationId xmlns:p14="http://schemas.microsoft.com/office/powerpoint/2010/main" val="3715207080"/>
       </p:ext>
     </p:extLst>
   </p:cSld>
@@ -8444,7 +8041,7 @@
         </p:spPr>
         <p:txBody>
           <a:bodyPr numCol="2">
-            <a:normAutofit/>
+            <a:normAutofit lnSpcReduction="10000"/>
           </a:bodyPr>
           <a:lstStyle/>
           <a:p>
@@ -8735,7 +8332,7 @@
     </p:spTree>
     <p:extLst>
       <p:ext uri="{BB962C8B-B14F-4D97-AF65-F5344CB8AC3E}">
-        <p14:creationId xmlns="" xmlns:p14="http://schemas.microsoft.com/office/powerpoint/2010/main" val="2880376025"/>
+        <p14:creationId xmlns:p14="http://schemas.microsoft.com/office/powerpoint/2010/main" val="2880376025"/>
       </p:ext>
     </p:extLst>
   </p:cSld>
@@ -8796,7 +8393,7 @@
     </p:spTree>
     <p:extLst>
       <p:ext uri="{BB962C8B-B14F-4D97-AF65-F5344CB8AC3E}">
-        <p14:creationId xmlns="" xmlns:p14="http://schemas.microsoft.com/office/powerpoint/2010/main" val="1975060793"/>
+        <p14:creationId xmlns:p14="http://schemas.microsoft.com/office/powerpoint/2010/main" val="1975060793"/>
       </p:ext>
     </p:extLst>
   </p:cSld>
@@ -8938,7 +8535,7 @@
     </p:spTree>
     <p:extLst>
       <p:ext uri="{BB962C8B-B14F-4D97-AF65-F5344CB8AC3E}">
-        <p14:creationId xmlns="" xmlns:p14="http://schemas.microsoft.com/office/powerpoint/2010/main" val="2136448961"/>
+        <p14:creationId xmlns:p14="http://schemas.microsoft.com/office/powerpoint/2010/main" val="2136448961"/>
       </p:ext>
     </p:extLst>
   </p:cSld>
@@ -9095,7 +8692,7 @@
     </p:spTree>
     <p:extLst>
       <p:ext uri="{BB962C8B-B14F-4D97-AF65-F5344CB8AC3E}">
-        <p14:creationId xmlns="" xmlns:p14="http://schemas.microsoft.com/office/powerpoint/2010/main" val="3988319637"/>
+        <p14:creationId xmlns:p14="http://schemas.microsoft.com/office/powerpoint/2010/main" val="3988319637"/>
       </p:ext>
     </p:extLst>
   </p:cSld>
@@ -9113,93 +8710,58 @@
 </file>
 
 <file path=ppt/theme/theme1.xml><?xml version="1.0" encoding="utf-8"?>
-<a:theme xmlns:a="http://schemas.openxmlformats.org/drawingml/2006/main" name="Retrospect">
+<a:theme xmlns:a="http://schemas.openxmlformats.org/drawingml/2006/main" name="View">
   <a:themeElements>
-    <a:clrScheme name="Retrospect">
+    <a:clrScheme name="View">
       <a:dk1>
-        <a:sysClr val="windowText" lastClr="000000"/>
+        <a:srgbClr val="000000"/>
       </a:dk1>
       <a:lt1>
-        <a:sysClr val="window" lastClr="FFFFFF"/>
+        <a:srgbClr val="FFFFFF"/>
       </a:lt1>
       <a:dk2>
-        <a:srgbClr val="564B3C"/>
+        <a:srgbClr val="46464A"/>
       </a:dk2>
       <a:lt2>
-        <a:srgbClr val="ECEDD1"/>
+        <a:srgbClr val="D6D3CC"/>
       </a:lt2>
       <a:accent1>
-        <a:srgbClr val="93A299"/>
+        <a:srgbClr val="6F6F74"/>
       </a:accent1>
       <a:accent2>
-        <a:srgbClr val="CF543F"/>
+        <a:srgbClr val="92A9B9"/>
       </a:accent2>
       <a:accent3>
-        <a:srgbClr val="B5AE53"/>
+        <a:srgbClr val="A7B789"/>
       </a:accent3>
       <a:accent4>
-        <a:srgbClr val="848058"/>
+        <a:srgbClr val="B9A489"/>
       </a:accent4>
       <a:accent5>
-        <a:srgbClr val="E8B54D"/>
+        <a:srgbClr val="8D6374"/>
       </a:accent5>
       <a:accent6>
-        <a:srgbClr val="786C71"/>
+        <a:srgbClr val="9B7362"/>
       </a:accent6>
       <a:hlink>
-        <a:srgbClr val="CCCC00"/>
+        <a:srgbClr val="67AABF"/>
       </a:hlink>
       <a:folHlink>
-        <a:srgbClr val="B2B2B2"/>
+        <a:srgbClr val="ABAFA5"/>
       </a:folHlink>
     </a:clrScheme>
-    <a:fontScheme name="Retrospect">
+    <a:fontScheme name="View">
       <a:majorFont>
-        <a:latin typeface="Calibri Light"/>
+        <a:latin typeface="Century Schoolbook" panose="02040604050505020304"/>
         <a:ea typeface=""/>
         <a:cs typeface=""/>
-        <a:font script="Jpan" typeface="ＭＳ Ｐゴシック"/>
+        <a:font script="Jpan" typeface="ＭＳ ゴシック"/>
         <a:font script="Hang" typeface="맑은 고딕"/>
         <a:font script="Hans" typeface="宋体"/>
         <a:font script="Hant" typeface="新細明體"/>
-        <a:font script="Arab" typeface="Times New Roman"/>
-        <a:font script="Hebr" typeface="Times New Roman"/>
-        <a:font script="Thai" typeface="Angsana New"/>
-        <a:font script="Ethi" typeface="Nyala"/>
-        <a:font script="Beng" typeface="Vrinda"/>
-        <a:font script="Gujr" typeface="Shruti"/>
-        <a:font script="Khmr" typeface="MoolBoran"/>
-        <a:font script="Knda" typeface="Tunga"/>
-        <a:font script="Guru" typeface="Raavi"/>
-        <a:font script="Cans" typeface="Euphemia"/>
-        <a:font script="Cher" typeface="Plantagenet Cherokee"/>
-        <a:font script="Yiii" typeface="Microsoft Yi Baiti"/>
-        <a:font script="Tibt" typeface="Microsoft Himalaya"/>
-        <a:font script="Thaa" typeface="MV Boli"/>
-        <a:font script="Deva" typeface="Mangal"/>
-        <a:font script="Telu" typeface="Gautami"/>
-        <a:font script="Taml" typeface="Latha"/>
-        <a:font script="Syrc" typeface="Estrangelo Edessa"/>
-        <a:font script="Orya" typeface="Kalinga"/>
-        <a:font script="Mlym" typeface="Kartika"/>
-        <a:font script="Laoo" typeface="DokChampa"/>
-        <a:font script="Sinh" typeface="Iskoola Pota"/>
-        <a:font script="Mong" typeface="Mongolian Baiti"/>
-        <a:font script="Viet" typeface="Times New Roman"/>
-        <a:font script="Uigh" typeface="Microsoft Uighur"/>
-        <a:font script="Geor" typeface="Sylfaen"/>
-      </a:majorFont>
-      <a:minorFont>
-        <a:latin typeface="Calibri"/>
-        <a:ea typeface=""/>
-        <a:cs typeface=""/>
-        <a:font script="Jpan" typeface="ＭＳ Ｐゴシック"/>
-        <a:font script="Hang" typeface="맑은 고딕"/>
-        <a:font script="Hans" typeface="宋体"/>
-        <a:font script="Hant" typeface="新細明體"/>
-        <a:font script="Arab" typeface="Arial"/>
-        <a:font script="Hebr" typeface="Arial"/>
-        <a:font script="Thai" typeface="Cordia New"/>
+        <a:font script="Arab" typeface="Tahoma"/>
+        <a:font script="Hebr" typeface="Gisha"/>
+        <a:font script="Thai" typeface="DilleniaUPC"/>
         <a:font script="Ethi" typeface="Nyala"/>
         <a:font script="Beng" typeface="Vrinda"/>
         <a:font script="Gujr" typeface="Shruti"/>
@@ -9220,93 +8782,84 @@
         <a:font script="Laoo" typeface="DokChampa"/>
         <a:font script="Sinh" typeface="Iskoola Pota"/>
         <a:font script="Mong" typeface="Mongolian Baiti"/>
-        <a:font script="Viet" typeface="Arial"/>
+        <a:font script="Viet" typeface="Tahoma"/>
+        <a:font script="Uigh" typeface="Microsoft Uighur"/>
+        <a:font script="Geor" typeface="Sylfaen"/>
+      </a:majorFont>
+      <a:minorFont>
+        <a:latin typeface="Century Schoolbook" panose="02040604050505020304"/>
+        <a:ea typeface=""/>
+        <a:cs typeface=""/>
+        <a:font script="Jpan" typeface="ＭＳ ゴシック"/>
+        <a:font script="Hang" typeface="맑은 고딕"/>
+        <a:font script="Hans" typeface="宋体"/>
+        <a:font script="Hant" typeface="新細明體"/>
+        <a:font script="Arab" typeface="Tahoma"/>
+        <a:font script="Hebr" typeface="Gisha"/>
+        <a:font script="Thai" typeface="DilleniaUPC"/>
+        <a:font script="Ethi" typeface="Nyala"/>
+        <a:font script="Beng" typeface="Vrinda"/>
+        <a:font script="Gujr" typeface="Shruti"/>
+        <a:font script="Khmr" typeface="DaunPenh"/>
+        <a:font script="Knda" typeface="Tunga"/>
+        <a:font script="Guru" typeface="Raavi"/>
+        <a:font script="Cans" typeface="Euphemia"/>
+        <a:font script="Cher" typeface="Plantagenet Cherokee"/>
+        <a:font script="Yiii" typeface="Microsoft Yi Baiti"/>
+        <a:font script="Tibt" typeface="Microsoft Himalaya"/>
+        <a:font script="Thaa" typeface="MV Boli"/>
+        <a:font script="Deva" typeface="Mangal"/>
+        <a:font script="Telu" typeface="Gautami"/>
+        <a:font script="Taml" typeface="Latha"/>
+        <a:font script="Syrc" typeface="Estrangelo Edessa"/>
+        <a:font script="Orya" typeface="Kalinga"/>
+        <a:font script="Mlym" typeface="Kartika"/>
+        <a:font script="Laoo" typeface="DokChampa"/>
+        <a:font script="Sinh" typeface="Iskoola Pota"/>
+        <a:font script="Mong" typeface="Mongolian Baiti"/>
+        <a:font script="Viet" typeface="Verdana"/>
         <a:font script="Uigh" typeface="Microsoft Uighur"/>
         <a:font script="Geor" typeface="Sylfaen"/>
       </a:minorFont>
     </a:fontScheme>
-    <a:fmtScheme name="Retrospect">
+    <a:fmtScheme name="View">
       <a:fillStyleLst>
         <a:solidFill>
           <a:schemeClr val="phClr"/>
         </a:solidFill>
-        <a:gradFill rotWithShape="1">
-          <a:gsLst>
-            <a:gs pos="0">
-              <a:schemeClr val="phClr">
-                <a:tint val="65000"/>
-                <a:shade val="92000"/>
-                <a:satMod val="130000"/>
-              </a:schemeClr>
-            </a:gs>
-            <a:gs pos="45000">
-              <a:schemeClr val="phClr">
-                <a:tint val="60000"/>
-                <a:shade val="99000"/>
-                <a:satMod val="120000"/>
-              </a:schemeClr>
-            </a:gs>
-            <a:gs pos="100000">
-              <a:schemeClr val="phClr">
-                <a:tint val="55000"/>
-                <a:satMod val="140000"/>
-              </a:schemeClr>
-            </a:gs>
-          </a:gsLst>
-          <a:path path="circle">
-            <a:fillToRect l="100000" t="100000" r="100000" b="100000"/>
-          </a:path>
-        </a:gradFill>
-        <a:gradFill rotWithShape="1">
-          <a:gsLst>
-            <a:gs pos="0">
-              <a:schemeClr val="phClr">
-                <a:shade val="85000"/>
-                <a:satMod val="130000"/>
-              </a:schemeClr>
-            </a:gs>
-            <a:gs pos="34000">
-              <a:schemeClr val="phClr">
-                <a:shade val="87000"/>
-                <a:satMod val="125000"/>
-              </a:schemeClr>
-            </a:gs>
-            <a:gs pos="70000">
-              <a:schemeClr val="phClr">
-                <a:tint val="100000"/>
-                <a:shade val="90000"/>
-                <a:satMod val="130000"/>
-              </a:schemeClr>
-            </a:gs>
-            <a:gs pos="100000">
-              <a:schemeClr val="phClr">
-                <a:tint val="100000"/>
-                <a:shade val="100000"/>
-                <a:satMod val="110000"/>
-              </a:schemeClr>
-            </a:gs>
-          </a:gsLst>
-          <a:path path="circle">
-            <a:fillToRect l="100000" t="100000" r="100000" b="100000"/>
-          </a:path>
-        </a:gradFill>
+        <a:solidFill>
+          <a:schemeClr val="phClr">
+            <a:tint val="60000"/>
+            <a:satMod val="120000"/>
+          </a:schemeClr>
+        </a:solidFill>
+        <a:solidFill>
+          <a:schemeClr val="phClr">
+            <a:shade val="75000"/>
+            <a:satMod val="160000"/>
+          </a:schemeClr>
+        </a:solidFill>
       </a:fillStyleLst>
       <a:lnStyleLst>
-        <a:ln w="12700" cap="flat" cmpd="sng" algn="ctr">
+        <a:ln w="9525" cap="flat" cmpd="sng" algn="ctr">
           <a:solidFill>
             <a:schemeClr val="phClr"/>
           </a:solidFill>
           <a:prstDash val="solid"/>
         </a:ln>
-        <a:ln w="15875" cap="flat" cmpd="sng" algn="ctr">
+        <a:ln w="13970" cap="flat" cmpd="sng" algn="ctr">
           <a:solidFill>
             <a:schemeClr val="phClr"/>
           </a:solidFill>
           <a:prstDash val="solid"/>
         </a:ln>
-        <a:ln w="25400" cap="flat" cmpd="sng" algn="ctr">
+        <a:ln w="17145" cap="flat" cmpd="sng" algn="ctr">
           <a:solidFill>
-            <a:schemeClr val="phClr"/>
+            <a:schemeClr val="phClr">
+              <a:shade val="95000"/>
+              <a:alpha val="95000"/>
+              <a:satMod val="150000"/>
+            </a:schemeClr>
           </a:solidFill>
           <a:prstDash val="solid"/>
         </a:ln>
@@ -9317,18 +8870,9 @@
         </a:effectStyle>
         <a:effectStyle>
           <a:effectLst>
-            <a:outerShdw blurRad="38100" dist="25400" dir="2700000" algn="br" rotWithShape="0">
+            <a:outerShdw blurRad="50800" dist="15240" dir="5400000" algn="tl" rotWithShape="0">
               <a:srgbClr val="000000">
-                <a:alpha val="60000"/>
-              </a:srgbClr>
-            </a:outerShdw>
-          </a:effectLst>
-        </a:effectStyle>
-        <a:effectStyle>
-          <a:effectLst>
-            <a:outerShdw blurRad="44450" dist="25400" dir="2700000" algn="br" rotWithShape="0">
-              <a:srgbClr val="000000">
-                <a:alpha val="60000"/>
+                <a:alpha val="75000"/>
               </a:srgbClr>
             </a:outerShdw>
           </a:effectLst>
@@ -9336,12 +8880,40 @@
             <a:camera prst="orthographicFront">
               <a:rot lat="0" lon="0" rev="0"/>
             </a:camera>
-            <a:lightRig rig="threePt" dir="t">
-              <a:rot lat="0" lon="0" rev="19800000"/>
-            </a:lightRig>
+            <a:lightRig rig="brightRoom" dir="tl"/>
           </a:scene3d>
-          <a:sp3d prstMaterial="flat">
-            <a:bevelT w="25400" h="31750"/>
+          <a:sp3d contourW="9525" prstMaterial="flat">
+            <a:bevelT w="0" h="0" prst="coolSlant"/>
+            <a:contourClr>
+              <a:schemeClr val="phClr">
+                <a:shade val="35000"/>
+                <a:satMod val="130000"/>
+              </a:schemeClr>
+            </a:contourClr>
+          </a:sp3d>
+        </a:effectStyle>
+        <a:effectStyle>
+          <a:effectLst>
+            <a:outerShdw blurRad="76200" dist="25400" dir="5400000" algn="tl" rotWithShape="0">
+              <a:srgbClr val="000000">
+                <a:alpha val="55000"/>
+              </a:srgbClr>
+            </a:outerShdw>
+          </a:effectLst>
+          <a:scene3d>
+            <a:camera prst="orthographicFront">
+              <a:rot lat="0" lon="0" rev="0"/>
+            </a:camera>
+            <a:lightRig rig="brightRoom" dir="tl"/>
+          </a:scene3d>
+          <a:sp3d contourW="19050" prstMaterial="flat">
+            <a:bevelT w="0" h="0" prst="coolSlant"/>
+            <a:contourClr>
+              <a:schemeClr val="phClr">
+                <a:shade val="25000"/>
+                <a:satMod val="140000"/>
+              </a:schemeClr>
+            </a:contourClr>
           </a:sp3d>
         </a:effectStyle>
       </a:effectStyleLst>
@@ -9351,36 +8923,31 @@
         </a:solidFill>
         <a:solidFill>
           <a:schemeClr val="phClr">
-            <a:tint val="90000"/>
-            <a:shade val="97000"/>
-            <a:satMod val="130000"/>
+            <a:tint val="95000"/>
+            <a:satMod val="170000"/>
           </a:schemeClr>
         </a:solidFill>
         <a:gradFill rotWithShape="1">
           <a:gsLst>
             <a:gs pos="0">
               <a:schemeClr val="phClr">
-                <a:tint val="96000"/>
-                <a:shade val="99000"/>
-                <a:satMod val="140000"/>
-              </a:schemeClr>
-            </a:gs>
-            <a:gs pos="65000">
-              <a:schemeClr val="phClr">
-                <a:tint val="100000"/>
-                <a:shade val="80000"/>
+                <a:tint val="94000"/>
+                <a:shade val="98000"/>
                 <a:satMod val="130000"/>
+                <a:lumMod val="102000"/>
               </a:schemeClr>
             </a:gs>
             <a:gs pos="100000">
               <a:schemeClr val="phClr">
-                <a:tint val="100000"/>
-                <a:shade val="48000"/>
-                <a:satMod val="120000"/>
+                <a:tint val="98000"/>
+                <a:shade val="78000"/>
+                <a:satMod val="140000"/>
               </a:schemeClr>
             </a:gs>
           </a:gsLst>
-          <a:lin ang="16200000" scaled="0"/>
+          <a:path path="circle">
+            <a:fillToRect l="100000" t="100000" r="100000" b="100000"/>
+          </a:path>
         </a:gradFill>
       </a:bgFillStyleLst>
     </a:fmtScheme>
@@ -9389,7 +8956,7 @@
   <a:extraClrSchemeLst/>
   <a:extLst>
     <a:ext uri="{05A4C25C-085E-4340-85A3-A5531E510DB2}">
-      <thm15:themeFamily xmlns="" xmlns:thm15="http://schemas.microsoft.com/office/thememl/2012/main" name="Retrospect" id="{5F128B03-DCCA-4EEB-AB3B-CF2899314A46}" vid="{E3DA18C2-75F1-4980-A5F0-165F6F71DE6D}"/>
+      <thm15:themeFamily xmlns:thm15="http://schemas.microsoft.com/office/thememl/2012/main" name="View" id="{BA0EB5A6-F2D4-4F82-977B-64ADEE4A2A69}" vid="{3969A8A2-35DB-4E3B-8885-16FD20568674}"/>
     </a:ext>
   </a:extLst>
 </a:theme>

--- a/Result/Presentation.pptx
+++ b/Result/Presentation.pptx
@@ -4,24 +4,29 @@
   <p:sldMasterIdLst>
     <p:sldMasterId id="2147483701" r:id="rId1"/>
   </p:sldMasterIdLst>
+  <p:notesMasterIdLst>
+    <p:notesMasterId r:id="rId21"/>
+  </p:notesMasterIdLst>
   <p:sldIdLst>
     <p:sldId id="256" r:id="rId2"/>
-    <p:sldId id="257" r:id="rId3"/>
-    <p:sldId id="264" r:id="rId4"/>
+    <p:sldId id="274" r:id="rId3"/>
+    <p:sldId id="257" r:id="rId4"/>
     <p:sldId id="262" r:id="rId5"/>
     <p:sldId id="265" r:id="rId6"/>
-    <p:sldId id="258" r:id="rId7"/>
-    <p:sldId id="259" r:id="rId8"/>
-    <p:sldId id="260" r:id="rId9"/>
-    <p:sldId id="261" r:id="rId10"/>
-    <p:sldId id="266" r:id="rId11"/>
-    <p:sldId id="267" r:id="rId12"/>
-    <p:sldId id="268" r:id="rId13"/>
-    <p:sldId id="269" r:id="rId14"/>
-    <p:sldId id="270" r:id="rId15"/>
-    <p:sldId id="271" r:id="rId16"/>
-    <p:sldId id="273" r:id="rId17"/>
-    <p:sldId id="272" r:id="rId18"/>
+    <p:sldId id="275" r:id="rId7"/>
+    <p:sldId id="258" r:id="rId8"/>
+    <p:sldId id="259" r:id="rId9"/>
+    <p:sldId id="260" r:id="rId10"/>
+    <p:sldId id="261" r:id="rId11"/>
+    <p:sldId id="266" r:id="rId12"/>
+    <p:sldId id="267" r:id="rId13"/>
+    <p:sldId id="268" r:id="rId14"/>
+    <p:sldId id="269" r:id="rId15"/>
+    <p:sldId id="276" r:id="rId16"/>
+    <p:sldId id="270" r:id="rId17"/>
+    <p:sldId id="271" r:id="rId18"/>
+    <p:sldId id="273" r:id="rId19"/>
+    <p:sldId id="272" r:id="rId20"/>
   </p:sldIdLst>
   <p:sldSz cx="12192000" cy="6858000"/>
   <p:notesSz cx="6858000" cy="9144000"/>
@@ -158,6 +163,7 @@
   </c:pivotSource>
   <c:chart>
     <c:title>
+      <c:layout/>
       <c:overlay val="0"/>
       <c:spPr>
         <a:noFill/>
@@ -519,6 +525,7 @@
     </c:plotArea>
     <c:legend>
       <c:legendPos val="r"/>
+      <c:layout/>
       <c:overlay val="0"/>
       <c:spPr>
         <a:noFill/>
@@ -618,6 +625,7 @@
   </c:pivotSource>
   <c:chart>
     <c:title>
+      <c:layout/>
       <c:overlay val="0"/>
       <c:spPr>
         <a:noFill/>
@@ -945,6 +953,7 @@
     </c:plotArea>
     <c:legend>
       <c:legendPos val="r"/>
+      <c:layout/>
       <c:overlay val="0"/>
       <c:spPr>
         <a:noFill/>
@@ -1044,6 +1053,7 @@
   </c:pivotSource>
   <c:chart>
     <c:title>
+      <c:layout/>
       <c:overlay val="0"/>
       <c:spPr>
         <a:noFill/>
@@ -1361,6 +1371,7 @@
     </c:plotArea>
     <c:legend>
       <c:legendPos val="r"/>
+      <c:layout/>
       <c:overlay val="0"/>
       <c:spPr>
         <a:noFill/>
@@ -1460,6 +1471,7 @@
   </c:pivotSource>
   <c:chart>
     <c:title>
+      <c:layout/>
       <c:overlay val="0"/>
       <c:spPr>
         <a:noFill/>
@@ -1808,6 +1820,7 @@
     </c:plotArea>
     <c:legend>
       <c:legendPos val="r"/>
+      <c:layout/>
       <c:overlay val="0"/>
       <c:spPr>
         <a:noFill/>
@@ -1886,6 +1899,440 @@
     </c:ext>
   </c:extLst>
 </c:chartSpace>
+</file>
+
+<file path=ppt/notesMasters/notesMaster1.xml><?xml version="1.0" encoding="utf-8"?>
+<p:notesMaster xmlns:a="http://schemas.openxmlformats.org/drawingml/2006/main" xmlns:r="http://schemas.openxmlformats.org/officeDocument/2006/relationships" xmlns:p="http://schemas.openxmlformats.org/presentationml/2006/main">
+  <p:cSld>
+    <p:bg>
+      <p:bgRef idx="1001">
+        <a:schemeClr val="bg1"/>
+      </p:bgRef>
+    </p:bg>
+    <p:spTree>
+      <p:nvGrpSpPr>
+        <p:cNvPr id="1" name=""/>
+        <p:cNvGrpSpPr/>
+        <p:nvPr/>
+      </p:nvGrpSpPr>
+      <p:grpSpPr>
+        <a:xfrm>
+          <a:off x="0" y="0"/>
+          <a:ext cx="0" cy="0"/>
+          <a:chOff x="0" y="0"/>
+          <a:chExt cx="0" cy="0"/>
+        </a:xfrm>
+      </p:grpSpPr>
+      <p:sp>
+        <p:nvSpPr>
+          <p:cNvPr id="2" name="Header Placeholder 1"/>
+          <p:cNvSpPr>
+            <a:spLocks noGrp="1"/>
+          </p:cNvSpPr>
+          <p:nvPr>
+            <p:ph type="hdr" sz="quarter"/>
+          </p:nvPr>
+        </p:nvSpPr>
+        <p:spPr>
+          <a:xfrm>
+            <a:off x="0" y="0"/>
+            <a:ext cx="2971800" cy="458788"/>
+          </a:xfrm>
+          <a:prstGeom prst="rect">
+            <a:avLst/>
+          </a:prstGeom>
+        </p:spPr>
+        <p:txBody>
+          <a:bodyPr vert="horz" lIns="91440" tIns="45720" rIns="91440" bIns="45720" rtlCol="0"/>
+          <a:lstStyle>
+            <a:lvl1pPr algn="l">
+              <a:defRPr sz="1200"/>
+            </a:lvl1pPr>
+          </a:lstStyle>
+          <a:p>
+            <a:endParaRPr lang="en-US"/>
+          </a:p>
+        </p:txBody>
+      </p:sp>
+      <p:sp>
+        <p:nvSpPr>
+          <p:cNvPr id="3" name="Date Placeholder 2"/>
+          <p:cNvSpPr>
+            <a:spLocks noGrp="1"/>
+          </p:cNvSpPr>
+          <p:nvPr>
+            <p:ph type="dt" idx="1"/>
+          </p:nvPr>
+        </p:nvSpPr>
+        <p:spPr>
+          <a:xfrm>
+            <a:off x="3884613" y="0"/>
+            <a:ext cx="2971800" cy="458788"/>
+          </a:xfrm>
+          <a:prstGeom prst="rect">
+            <a:avLst/>
+          </a:prstGeom>
+        </p:spPr>
+        <p:txBody>
+          <a:bodyPr vert="horz" lIns="91440" tIns="45720" rIns="91440" bIns="45720" rtlCol="0"/>
+          <a:lstStyle>
+            <a:lvl1pPr algn="r">
+              <a:defRPr sz="1200"/>
+            </a:lvl1pPr>
+          </a:lstStyle>
+          <a:p>
+            <a:fld id="{FF6571B2-BAB0-4C1A-A8A8-1202E07912A8}" type="datetimeFigureOut">
+              <a:rPr lang="en-US" smtClean="0"/>
+              <a:t>8/14/2020</a:t>
+            </a:fld>
+            <a:endParaRPr lang="en-US"/>
+          </a:p>
+        </p:txBody>
+      </p:sp>
+      <p:sp>
+        <p:nvSpPr>
+          <p:cNvPr id="4" name="Slide Image Placeholder 3"/>
+          <p:cNvSpPr>
+            <a:spLocks noGrp="1" noRot="1" noChangeAspect="1"/>
+          </p:cNvSpPr>
+          <p:nvPr>
+            <p:ph type="sldImg" idx="2"/>
+          </p:nvPr>
+        </p:nvSpPr>
+        <p:spPr>
+          <a:xfrm>
+            <a:off x="685800" y="1143000"/>
+            <a:ext cx="5486400" cy="3086100"/>
+          </a:xfrm>
+          <a:prstGeom prst="rect">
+            <a:avLst/>
+          </a:prstGeom>
+          <a:noFill/>
+          <a:ln w="12700">
+            <a:solidFill>
+              <a:prstClr val="black"/>
+            </a:solidFill>
+          </a:ln>
+        </p:spPr>
+        <p:txBody>
+          <a:bodyPr vert="horz" lIns="91440" tIns="45720" rIns="91440" bIns="45720" rtlCol="0" anchor="ctr"/>
+          <a:lstStyle/>
+          <a:p>
+            <a:endParaRPr lang="en-US"/>
+          </a:p>
+        </p:txBody>
+      </p:sp>
+      <p:sp>
+        <p:nvSpPr>
+          <p:cNvPr id="5" name="Notes Placeholder 4"/>
+          <p:cNvSpPr>
+            <a:spLocks noGrp="1"/>
+          </p:cNvSpPr>
+          <p:nvPr>
+            <p:ph type="body" sz="quarter" idx="3"/>
+          </p:nvPr>
+        </p:nvSpPr>
+        <p:spPr>
+          <a:xfrm>
+            <a:off x="685800" y="4400550"/>
+            <a:ext cx="5486400" cy="3600450"/>
+          </a:xfrm>
+          <a:prstGeom prst="rect">
+            <a:avLst/>
+          </a:prstGeom>
+        </p:spPr>
+        <p:txBody>
+          <a:bodyPr vert="horz" lIns="91440" tIns="45720" rIns="91440" bIns="45720" rtlCol="0"/>
+          <a:lstStyle/>
+          <a:p>
+            <a:pPr lvl="0"/>
+            <a:r>
+              <a:rPr lang="en-US" smtClean="0"/>
+              <a:t>Edit Master text styles</a:t>
+            </a:r>
+          </a:p>
+          <a:p>
+            <a:pPr lvl="1"/>
+            <a:r>
+              <a:rPr lang="en-US" smtClean="0"/>
+              <a:t>Second level</a:t>
+            </a:r>
+          </a:p>
+          <a:p>
+            <a:pPr lvl="2"/>
+            <a:r>
+              <a:rPr lang="en-US" smtClean="0"/>
+              <a:t>Third level</a:t>
+            </a:r>
+          </a:p>
+          <a:p>
+            <a:pPr lvl="3"/>
+            <a:r>
+              <a:rPr lang="en-US" smtClean="0"/>
+              <a:t>Fourth level</a:t>
+            </a:r>
+          </a:p>
+          <a:p>
+            <a:pPr lvl="4"/>
+            <a:r>
+              <a:rPr lang="en-US" smtClean="0"/>
+              <a:t>Fifth level</a:t>
+            </a:r>
+            <a:endParaRPr lang="en-US"/>
+          </a:p>
+        </p:txBody>
+      </p:sp>
+      <p:sp>
+        <p:nvSpPr>
+          <p:cNvPr id="6" name="Footer Placeholder 5"/>
+          <p:cNvSpPr>
+            <a:spLocks noGrp="1"/>
+          </p:cNvSpPr>
+          <p:nvPr>
+            <p:ph type="ftr" sz="quarter" idx="4"/>
+          </p:nvPr>
+        </p:nvSpPr>
+        <p:spPr>
+          <a:xfrm>
+            <a:off x="0" y="8685213"/>
+            <a:ext cx="2971800" cy="458787"/>
+          </a:xfrm>
+          <a:prstGeom prst="rect">
+            <a:avLst/>
+          </a:prstGeom>
+        </p:spPr>
+        <p:txBody>
+          <a:bodyPr vert="horz" lIns="91440" tIns="45720" rIns="91440" bIns="45720" rtlCol="0" anchor="b"/>
+          <a:lstStyle>
+            <a:lvl1pPr algn="l">
+              <a:defRPr sz="1200"/>
+            </a:lvl1pPr>
+          </a:lstStyle>
+          <a:p>
+            <a:endParaRPr lang="en-US"/>
+          </a:p>
+        </p:txBody>
+      </p:sp>
+      <p:sp>
+        <p:nvSpPr>
+          <p:cNvPr id="7" name="Slide Number Placeholder 6"/>
+          <p:cNvSpPr>
+            <a:spLocks noGrp="1"/>
+          </p:cNvSpPr>
+          <p:nvPr>
+            <p:ph type="sldNum" sz="quarter" idx="5"/>
+          </p:nvPr>
+        </p:nvSpPr>
+        <p:spPr>
+          <a:xfrm>
+            <a:off x="3884613" y="8685213"/>
+            <a:ext cx="2971800" cy="458787"/>
+          </a:xfrm>
+          <a:prstGeom prst="rect">
+            <a:avLst/>
+          </a:prstGeom>
+        </p:spPr>
+        <p:txBody>
+          <a:bodyPr vert="horz" lIns="91440" tIns="45720" rIns="91440" bIns="45720" rtlCol="0" anchor="b"/>
+          <a:lstStyle>
+            <a:lvl1pPr algn="r">
+              <a:defRPr sz="1200"/>
+            </a:lvl1pPr>
+          </a:lstStyle>
+          <a:p>
+            <a:fld id="{1269D03C-0769-45B7-B86E-A8B179105AB6}" type="slidenum">
+              <a:rPr lang="en-US" smtClean="0"/>
+              <a:t>‹#›</a:t>
+            </a:fld>
+            <a:endParaRPr lang="en-US"/>
+          </a:p>
+        </p:txBody>
+      </p:sp>
+    </p:spTree>
+    <p:extLst>
+      <p:ext uri="{BB962C8B-B14F-4D97-AF65-F5344CB8AC3E}">
+        <p14:creationId xmlns:p14="http://schemas.microsoft.com/office/powerpoint/2010/main" val="2762773214"/>
+      </p:ext>
+    </p:extLst>
+  </p:cSld>
+  <p:clrMap bg1="lt1" tx1="dk1" bg2="lt2" tx2="dk2" accent1="accent1" accent2="accent2" accent3="accent3" accent4="accent4" accent5="accent5" accent6="accent6" hlink="hlink" folHlink="folHlink"/>
+  <p:notesStyle>
+    <a:lvl1pPr marL="0" algn="l" defTabSz="914400" rtl="0" eaLnBrk="1" latinLnBrk="0" hangingPunct="1">
+      <a:defRPr sz="1200" kern="1200">
+        <a:solidFill>
+          <a:schemeClr val="tx1"/>
+        </a:solidFill>
+        <a:latin typeface="+mn-lt"/>
+        <a:ea typeface="+mn-ea"/>
+        <a:cs typeface="+mn-cs"/>
+      </a:defRPr>
+    </a:lvl1pPr>
+    <a:lvl2pPr marL="457200" algn="l" defTabSz="914400" rtl="0" eaLnBrk="1" latinLnBrk="0" hangingPunct="1">
+      <a:defRPr sz="1200" kern="1200">
+        <a:solidFill>
+          <a:schemeClr val="tx1"/>
+        </a:solidFill>
+        <a:latin typeface="+mn-lt"/>
+        <a:ea typeface="+mn-ea"/>
+        <a:cs typeface="+mn-cs"/>
+      </a:defRPr>
+    </a:lvl2pPr>
+    <a:lvl3pPr marL="914400" algn="l" defTabSz="914400" rtl="0" eaLnBrk="1" latinLnBrk="0" hangingPunct="1">
+      <a:defRPr sz="1200" kern="1200">
+        <a:solidFill>
+          <a:schemeClr val="tx1"/>
+        </a:solidFill>
+        <a:latin typeface="+mn-lt"/>
+        <a:ea typeface="+mn-ea"/>
+        <a:cs typeface="+mn-cs"/>
+      </a:defRPr>
+    </a:lvl3pPr>
+    <a:lvl4pPr marL="1371600" algn="l" defTabSz="914400" rtl="0" eaLnBrk="1" latinLnBrk="0" hangingPunct="1">
+      <a:defRPr sz="1200" kern="1200">
+        <a:solidFill>
+          <a:schemeClr val="tx1"/>
+        </a:solidFill>
+        <a:latin typeface="+mn-lt"/>
+        <a:ea typeface="+mn-ea"/>
+        <a:cs typeface="+mn-cs"/>
+      </a:defRPr>
+    </a:lvl4pPr>
+    <a:lvl5pPr marL="1828800" algn="l" defTabSz="914400" rtl="0" eaLnBrk="1" latinLnBrk="0" hangingPunct="1">
+      <a:defRPr sz="1200" kern="1200">
+        <a:solidFill>
+          <a:schemeClr val="tx1"/>
+        </a:solidFill>
+        <a:latin typeface="+mn-lt"/>
+        <a:ea typeface="+mn-ea"/>
+        <a:cs typeface="+mn-cs"/>
+      </a:defRPr>
+    </a:lvl5pPr>
+    <a:lvl6pPr marL="2286000" algn="l" defTabSz="914400" rtl="0" eaLnBrk="1" latinLnBrk="0" hangingPunct="1">
+      <a:defRPr sz="1200" kern="1200">
+        <a:solidFill>
+          <a:schemeClr val="tx1"/>
+        </a:solidFill>
+        <a:latin typeface="+mn-lt"/>
+        <a:ea typeface="+mn-ea"/>
+        <a:cs typeface="+mn-cs"/>
+      </a:defRPr>
+    </a:lvl6pPr>
+    <a:lvl7pPr marL="2743200" algn="l" defTabSz="914400" rtl="0" eaLnBrk="1" latinLnBrk="0" hangingPunct="1">
+      <a:defRPr sz="1200" kern="1200">
+        <a:solidFill>
+          <a:schemeClr val="tx1"/>
+        </a:solidFill>
+        <a:latin typeface="+mn-lt"/>
+        <a:ea typeface="+mn-ea"/>
+        <a:cs typeface="+mn-cs"/>
+      </a:defRPr>
+    </a:lvl7pPr>
+    <a:lvl8pPr marL="3200400" algn="l" defTabSz="914400" rtl="0" eaLnBrk="1" latinLnBrk="0" hangingPunct="1">
+      <a:defRPr sz="1200" kern="1200">
+        <a:solidFill>
+          <a:schemeClr val="tx1"/>
+        </a:solidFill>
+        <a:latin typeface="+mn-lt"/>
+        <a:ea typeface="+mn-ea"/>
+        <a:cs typeface="+mn-cs"/>
+      </a:defRPr>
+    </a:lvl8pPr>
+    <a:lvl9pPr marL="3657600" algn="l" defTabSz="914400" rtl="0" eaLnBrk="1" latinLnBrk="0" hangingPunct="1">
+      <a:defRPr sz="1200" kern="1200">
+        <a:solidFill>
+          <a:schemeClr val="tx1"/>
+        </a:solidFill>
+        <a:latin typeface="+mn-lt"/>
+        <a:ea typeface="+mn-ea"/>
+        <a:cs typeface="+mn-cs"/>
+      </a:defRPr>
+    </a:lvl9pPr>
+  </p:notesStyle>
+</p:notesMaster>
+</file>
+
+<file path=ppt/notesSlides/notesSlide1.xml><?xml version="1.0" encoding="utf-8"?>
+<p:notes xmlns:a="http://schemas.openxmlformats.org/drawingml/2006/main" xmlns:r="http://schemas.openxmlformats.org/officeDocument/2006/relationships" xmlns:p="http://schemas.openxmlformats.org/presentationml/2006/main">
+  <p:cSld>
+    <p:spTree>
+      <p:nvGrpSpPr>
+        <p:cNvPr id="1" name=""/>
+        <p:cNvGrpSpPr/>
+        <p:nvPr/>
+      </p:nvGrpSpPr>
+      <p:grpSpPr>
+        <a:xfrm>
+          <a:off x="0" y="0"/>
+          <a:ext cx="0" cy="0"/>
+          <a:chOff x="0" y="0"/>
+          <a:chExt cx="0" cy="0"/>
+        </a:xfrm>
+      </p:grpSpPr>
+      <p:sp>
+        <p:nvSpPr>
+          <p:cNvPr id="2" name="Slide Image Placeholder 1"/>
+          <p:cNvSpPr>
+            <a:spLocks noGrp="1" noRot="1" noChangeAspect="1"/>
+          </p:cNvSpPr>
+          <p:nvPr>
+            <p:ph type="sldImg"/>
+          </p:nvPr>
+        </p:nvSpPr>
+        <p:spPr/>
+      </p:sp>
+      <p:sp>
+        <p:nvSpPr>
+          <p:cNvPr id="3" name="Notes Placeholder 2"/>
+          <p:cNvSpPr>
+            <a:spLocks noGrp="1"/>
+          </p:cNvSpPr>
+          <p:nvPr>
+            <p:ph type="body" idx="1"/>
+          </p:nvPr>
+        </p:nvSpPr>
+        <p:spPr/>
+        <p:txBody>
+          <a:bodyPr/>
+          <a:lstStyle/>
+          <a:p>
+            <a:endParaRPr lang="en-US" dirty="0"/>
+          </a:p>
+        </p:txBody>
+      </p:sp>
+      <p:sp>
+        <p:nvSpPr>
+          <p:cNvPr id="4" name="Slide Number Placeholder 3"/>
+          <p:cNvSpPr>
+            <a:spLocks noGrp="1"/>
+          </p:cNvSpPr>
+          <p:nvPr>
+            <p:ph type="sldNum" sz="quarter" idx="10"/>
+          </p:nvPr>
+        </p:nvSpPr>
+        <p:spPr/>
+        <p:txBody>
+          <a:bodyPr/>
+          <a:lstStyle/>
+          <a:p>
+            <a:fld id="{1269D03C-0769-45B7-B86E-A8B179105AB6}" type="slidenum">
+              <a:rPr lang="en-US" smtClean="0"/>
+              <a:t>1</a:t>
+            </a:fld>
+            <a:endParaRPr lang="en-US"/>
+          </a:p>
+        </p:txBody>
+      </p:sp>
+    </p:spTree>
+    <p:extLst>
+      <p:ext uri="{BB962C8B-B14F-4D97-AF65-F5344CB8AC3E}">
+        <p14:creationId xmlns:p14="http://schemas.microsoft.com/office/powerpoint/2010/main" val="2371805660"/>
+      </p:ext>
+    </p:extLst>
+  </p:cSld>
+  <p:clrMapOvr>
+    <a:masterClrMapping/>
+  </p:clrMapOvr>
+</p:notes>
 </file>
 
 <file path=ppt/slideLayouts/slideLayout1.xml><?xml version="1.0" encoding="utf-8"?>
@@ -5314,7 +5761,7 @@
         </p:nvSpPr>
         <p:spPr>
           <a:xfrm>
-            <a:off x="8174181" y="4707779"/>
+            <a:off x="8174181" y="4595781"/>
             <a:ext cx="3872400" cy="1807917"/>
           </a:xfrm>
         </p:spPr>
@@ -5605,8 +6052,8 @@
         </p:nvSpPr>
         <p:spPr>
           <a:xfrm>
-            <a:off x="-13855" y="-13856"/>
-            <a:ext cx="4031673" cy="6871855"/>
+            <a:off x="-13855" y="-13855"/>
+            <a:ext cx="4031673" cy="6269902"/>
           </a:xfrm>
           <a:prstGeom prst="rect">
             <a:avLst/>
@@ -5649,7 +6096,7 @@
           <p:nvPr/>
         </p:nvPicPr>
         <p:blipFill>
-          <a:blip r:embed="rId2">
+          <a:blip r:embed="rId3">
             <a:extLst>
               <a:ext uri="{28A0092B-C50C-407E-A947-70E740481C1C}">
                 <a14:useLocalDpi xmlns:a14="http://schemas.microsoft.com/office/drawing/2010/main" val="0"/>
@@ -5773,7 +6220,7 @@
         </p:nvSpPr>
         <p:spPr>
           <a:xfrm>
-            <a:off x="4017818" y="4640552"/>
+            <a:off x="4017818" y="4427570"/>
             <a:ext cx="2535381" cy="1054386"/>
           </a:xfrm>
           <a:prstGeom prst="rect">
@@ -5852,39 +6299,6 @@
           </a:p>
         </p:txBody>
       </p:sp>
-      <p:pic>
-        <p:nvPicPr>
-          <p:cNvPr id="10" name="Picture 3" descr="https://lh4.googleusercontent.com/4Wo_w--dESstuOhLyGi5_anej3dN8TpOFYRhrd4hW8Rhjcg7IBc82rGGYXC23jO5Z0IsU5I5RQCCT9CCz7ajbDwOsBM3SJprGAIRd4fhkeUtefASTNRpcZORRVAHTBqLAwFzw19z"/>
-          <p:cNvPicPr/>
-          <p:nvPr/>
-        </p:nvPicPr>
-        <p:blipFill>
-          <a:blip r:embed="rId3" cstate="print">
-            <a:extLst>
-              <a:ext uri="{28A0092B-C50C-407E-A947-70E740481C1C}">
-                <a14:useLocalDpi xmlns:a14="http://schemas.microsoft.com/office/drawing/2010/main" val="0"/>
-              </a:ext>
-            </a:extLst>
-          </a:blip>
-          <a:srcRect/>
-          <a:stretch>
-            <a:fillRect/>
-          </a:stretch>
-        </p:blipFill>
-        <p:spPr bwMode="auto">
-          <a:xfrm>
-            <a:off x="492486" y="5407331"/>
-            <a:ext cx="2949720" cy="1122219"/>
-          </a:xfrm>
-          <a:prstGeom prst="rect">
-            <a:avLst/>
-          </a:prstGeom>
-          <a:noFill/>
-          <a:ln>
-            <a:noFill/>
-          </a:ln>
-        </p:spPr>
-      </p:pic>
       <p:cxnSp>
         <p:nvCxnSpPr>
           <p:cNvPr id="7" name="Straight Connector 6"/>
@@ -5893,7 +6307,7 @@
         </p:nvCxnSpPr>
         <p:spPr>
           <a:xfrm flipV="1">
-            <a:off x="3927765" y="3976257"/>
+            <a:off x="3927765" y="3934692"/>
             <a:ext cx="8260799" cy="13854"/>
           </a:xfrm>
           <a:prstGeom prst="line">
@@ -5920,6 +6334,92 @@
           </a:fontRef>
         </p:style>
       </p:cxnSp>
+      <p:sp>
+        <p:nvSpPr>
+          <p:cNvPr id="6" name="Rectangle 5"/>
+          <p:cNvSpPr/>
+          <p:nvPr/>
+        </p:nvSpPr>
+        <p:spPr>
+          <a:xfrm>
+            <a:off x="-13855" y="6256047"/>
+            <a:ext cx="12202419" cy="601953"/>
+          </a:xfrm>
+          <a:prstGeom prst="rect">
+            <a:avLst/>
+          </a:prstGeom>
+          <a:solidFill>
+            <a:schemeClr val="accent2">
+              <a:lumMod val="50000"/>
+            </a:schemeClr>
+          </a:solidFill>
+          <a:ln w="28575">
+            <a:solidFill>
+              <a:schemeClr val="tx1"/>
+            </a:solidFill>
+          </a:ln>
+        </p:spPr>
+        <p:style>
+          <a:lnRef idx="2">
+            <a:schemeClr val="accent6"/>
+          </a:lnRef>
+          <a:fillRef idx="1">
+            <a:schemeClr val="lt1"/>
+          </a:fillRef>
+          <a:effectRef idx="0">
+            <a:schemeClr val="accent6"/>
+          </a:effectRef>
+          <a:fontRef idx="minor">
+            <a:schemeClr val="dk1"/>
+          </a:fontRef>
+        </p:style>
+        <p:txBody>
+          <a:bodyPr rot="0" spcFirstLastPara="0" vertOverflow="overflow" horzOverflow="overflow" vert="horz" wrap="square" lIns="91440" tIns="45720" rIns="91440" bIns="45720" numCol="1" spcCol="0" rtlCol="0" fromWordArt="0" anchor="ctr" anchorCtr="0" forceAA="0" compatLnSpc="1">
+            <a:prstTxWarp prst="textNoShape">
+              <a:avLst/>
+            </a:prstTxWarp>
+            <a:noAutofit/>
+          </a:bodyPr>
+          <a:lstStyle/>
+          <a:p>
+            <a:pPr algn="ctr"/>
+            <a:endParaRPr lang="en-US" sz="1400" dirty="0"/>
+          </a:p>
+        </p:txBody>
+      </p:sp>
+      <p:pic>
+        <p:nvPicPr>
+          <p:cNvPr id="10" name="Picture 3" descr="https://lh4.googleusercontent.com/4Wo_w--dESstuOhLyGi5_anej3dN8TpOFYRhrd4hW8Rhjcg7IBc82rGGYXC23jO5Z0IsU5I5RQCCT9CCz7ajbDwOsBM3SJprGAIRd4fhkeUtefASTNRpcZORRVAHTBqLAwFzw19z"/>
+          <p:cNvPicPr/>
+          <p:nvPr/>
+        </p:nvPicPr>
+        <p:blipFill>
+          <a:blip r:embed="rId4" cstate="print">
+            <a:extLst>
+              <a:ext uri="{28A0092B-C50C-407E-A947-70E740481C1C}">
+                <a14:useLocalDpi xmlns:a14="http://schemas.microsoft.com/office/drawing/2010/main" val="0"/>
+              </a:ext>
+            </a:extLst>
+          </a:blip>
+          <a:srcRect/>
+          <a:stretch>
+            <a:fillRect/>
+          </a:stretch>
+        </p:blipFill>
+        <p:spPr bwMode="auto">
+          <a:xfrm>
+            <a:off x="527122" y="5261623"/>
+            <a:ext cx="2949720" cy="900546"/>
+          </a:xfrm>
+          <a:prstGeom prst="rect">
+            <a:avLst/>
+          </a:prstGeom>
+          <a:noFill/>
+          <a:ln>
+            <a:noFill/>
+          </a:ln>
+        </p:spPr>
+      </p:pic>
     </p:spTree>
     <p:extLst>
       <p:ext uri="{BB962C8B-B14F-4D97-AF65-F5344CB8AC3E}">
@@ -5957,44 +6457,9 @@
           <a:chExt cx="0" cy="0"/>
         </a:xfrm>
       </p:grpSpPr>
-      <p:sp>
-        <p:nvSpPr>
-          <p:cNvPr id="2" name="Titre 1"/>
-          <p:cNvSpPr>
-            <a:spLocks noGrp="1"/>
-          </p:cNvSpPr>
-          <p:nvPr>
-            <p:ph type="title"/>
-          </p:nvPr>
-        </p:nvSpPr>
-        <p:spPr/>
-        <p:txBody>
-          <a:bodyPr>
-            <a:normAutofit/>
-          </a:bodyPr>
-          <a:lstStyle/>
-          <a:p>
-            <a:r>
-              <a:rPr lang="en-US" sz="4000" dirty="0" smtClean="0">
-                <a:latin typeface="Agency FB" pitchFamily="34" charset="0"/>
-              </a:rPr>
-              <a:t>All </a:t>
-            </a:r>
-            <a:r>
-              <a:rPr lang="en-US" sz="4000" dirty="0" err="1" smtClean="0">
-                <a:latin typeface="Agency FB" pitchFamily="34" charset="0"/>
-              </a:rPr>
-              <a:t>age_group</a:t>
-            </a:r>
-            <a:endParaRPr lang="en-US" sz="4000" dirty="0">
-              <a:latin typeface="Agency FB" pitchFamily="34" charset="0"/>
-            </a:endParaRPr>
-          </a:p>
-        </p:txBody>
-      </p:sp>
       <p:pic>
         <p:nvPicPr>
-          <p:cNvPr id="6" name="Espace réservé du contenu 5" descr="aall group.png"/>
+          <p:cNvPr id="4" name="Espace réservé du contenu 3" descr="keys_data.png"/>
           <p:cNvPicPr>
             <a:picLocks noGrp="1" noChangeAspect="1"/>
           </p:cNvPicPr>
@@ -6010,11 +6475,140 @@
         </p:blipFill>
         <p:spPr>
           <a:xfrm>
-            <a:off x="225083" y="1890892"/>
-            <a:ext cx="6822831" cy="3511102"/>
+            <a:off x="253857" y="2185618"/>
+            <a:ext cx="5401994" cy="1742215"/>
           </a:xfrm>
         </p:spPr>
       </p:pic>
+      <p:pic>
+        <p:nvPicPr>
+          <p:cNvPr id="5" name="Image 4" descr="women data.png"/>
+          <p:cNvPicPr>
+            <a:picLocks noChangeAspect="1"/>
+          </p:cNvPicPr>
+          <p:nvPr/>
+        </p:nvPicPr>
+        <p:blipFill>
+          <a:blip r:embed="rId3"/>
+          <a:stretch>
+            <a:fillRect/>
+          </a:stretch>
+        </p:blipFill>
+        <p:spPr>
+          <a:xfrm rot="5400000">
+            <a:off x="6075714" y="1152444"/>
+            <a:ext cx="3795491" cy="6111221"/>
+          </a:xfrm>
+          <a:prstGeom prst="rect">
+            <a:avLst/>
+          </a:prstGeom>
+        </p:spPr>
+      </p:pic>
+      <p:sp>
+        <p:nvSpPr>
+          <p:cNvPr id="7" name="Rectangle 6"/>
+          <p:cNvSpPr/>
+          <p:nvPr/>
+        </p:nvSpPr>
+        <p:spPr>
+          <a:xfrm>
+            <a:off x="1659988" y="984746"/>
+            <a:ext cx="9369082" cy="707886"/>
+          </a:xfrm>
+          <a:prstGeom prst="rect">
+            <a:avLst/>
+          </a:prstGeom>
+        </p:spPr>
+        <p:txBody>
+          <a:bodyPr wrap="square">
+            <a:spAutoFit/>
+          </a:bodyPr>
+          <a:lstStyle/>
+          <a:p>
+            <a:r>
+              <a:rPr lang="en-US" sz="4000" dirty="0" smtClean="0">
+                <a:latin typeface="Agency FB" pitchFamily="34" charset="0"/>
+              </a:rPr>
+              <a:t>The number of young people interviewed</a:t>
+            </a:r>
+            <a:endParaRPr lang="en-US" sz="4000" dirty="0">
+              <a:latin typeface="Agency FB" pitchFamily="34" charset="0"/>
+            </a:endParaRPr>
+          </a:p>
+        </p:txBody>
+      </p:sp>
+    </p:spTree>
+    <p:extLst>
+      <p:ext uri="{BB962C8B-B14F-4D97-AF65-F5344CB8AC3E}">
+        <p14:creationId xmlns:p14="http://schemas.microsoft.com/office/powerpoint/2010/main" val="3988319637"/>
+      </p:ext>
+    </p:extLst>
+  </p:cSld>
+  <p:clrMapOvr>
+    <a:masterClrMapping/>
+  </p:clrMapOvr>
+  <p:timing>
+    <p:tnLst>
+      <p:par>
+        <p:cTn id="1" dur="indefinite" restart="never" nodeType="tmRoot"/>
+      </p:par>
+    </p:tnLst>
+  </p:timing>
+</p:sld>
+</file>
+
+<file path=ppt/slides/slide11.xml><?xml version="1.0" encoding="utf-8"?>
+<p:sld xmlns:a="http://schemas.openxmlformats.org/drawingml/2006/main" xmlns:r="http://schemas.openxmlformats.org/officeDocument/2006/relationships" xmlns:p="http://schemas.openxmlformats.org/presentationml/2006/main">
+  <p:cSld>
+    <p:spTree>
+      <p:nvGrpSpPr>
+        <p:cNvPr id="1" name=""/>
+        <p:cNvGrpSpPr/>
+        <p:nvPr/>
+      </p:nvGrpSpPr>
+      <p:grpSpPr>
+        <a:xfrm>
+          <a:off x="0" y="0"/>
+          <a:ext cx="0" cy="0"/>
+          <a:chOff x="0" y="0"/>
+          <a:chExt cx="0" cy="0"/>
+        </a:xfrm>
+      </p:grpSpPr>
+      <p:sp>
+        <p:nvSpPr>
+          <p:cNvPr id="2" name="Titre 1"/>
+          <p:cNvSpPr>
+            <a:spLocks noGrp="1"/>
+          </p:cNvSpPr>
+          <p:nvPr>
+            <p:ph type="title"/>
+          </p:nvPr>
+        </p:nvSpPr>
+        <p:spPr/>
+        <p:txBody>
+          <a:bodyPr>
+            <a:normAutofit/>
+          </a:bodyPr>
+          <a:lstStyle/>
+          <a:p>
+            <a:r>
+              <a:rPr lang="en-US" sz="4000" dirty="0" smtClean="0">
+                <a:latin typeface="Agency FB" pitchFamily="34" charset="0"/>
+              </a:rPr>
+              <a:t>All </a:t>
+            </a:r>
+            <a:r>
+              <a:rPr lang="en-US" sz="4000" dirty="0" smtClean="0">
+                <a:latin typeface="Agency FB" pitchFamily="34" charset="0"/>
+              </a:rPr>
+              <a:t>age group</a:t>
+            </a:r>
+            <a:endParaRPr lang="en-US" sz="4000" dirty="0">
+              <a:latin typeface="Agency FB" pitchFamily="34" charset="0"/>
+            </a:endParaRPr>
+          </a:p>
+        </p:txBody>
+      </p:sp>
       <p:sp>
         <p:nvSpPr>
           <p:cNvPr id="5" name="Espace réservé du contenu 2"/>
@@ -6089,18 +6683,43 @@
         <p:nvGraphicFramePr>
           <p:cNvPr id="7" name="Chart 1"/>
           <p:cNvGraphicFramePr/>
-          <p:nvPr/>
+          <p:nvPr>
+            <p:extLst>
+              <p:ext uri="{D42A27DB-BD31-4B8C-83A1-F6EECF244321}">
+                <p14:modId xmlns:p14="http://schemas.microsoft.com/office/powerpoint/2010/main" val="1513435719"/>
+              </p:ext>
+            </p:extLst>
+          </p:nvPr>
         </p:nvGraphicFramePr>
         <p:xfrm>
-          <a:off x="7240172" y="1941342"/>
+          <a:off x="3471735" y="2203803"/>
           <a:ext cx="4717366" cy="3601329"/>
         </p:xfrm>
         <a:graphic>
           <a:graphicData uri="http://schemas.openxmlformats.org/drawingml/2006/chart">
-            <c:chart xmlns:c="http://schemas.openxmlformats.org/drawingml/2006/chart" xmlns:r="http://schemas.openxmlformats.org/officeDocument/2006/relationships" r:id="rId3"/>
+            <c:chart xmlns:c="http://schemas.openxmlformats.org/drawingml/2006/chart" xmlns:r="http://schemas.openxmlformats.org/officeDocument/2006/relationships" r:id="rId2"/>
           </a:graphicData>
         </a:graphic>
       </p:graphicFrame>
+      <p:sp>
+        <p:nvSpPr>
+          <p:cNvPr id="3" name="Content Placeholder 2"/>
+          <p:cNvSpPr>
+            <a:spLocks noGrp="1"/>
+          </p:cNvSpPr>
+          <p:nvPr>
+            <p:ph idx="1"/>
+          </p:nvPr>
+        </p:nvSpPr>
+        <p:spPr/>
+        <p:txBody>
+          <a:bodyPr/>
+          <a:lstStyle/>
+          <a:p>
+            <a:endParaRPr lang="en-US" dirty="0"/>
+          </a:p>
+        </p:txBody>
+      </p:sp>
     </p:spTree>
   </p:cSld>
   <p:clrMapOvr>
@@ -6116,7 +6735,7 @@
 </p:sld>
 </file>
 
-<file path=ppt/slides/slide11.xml><?xml version="1.0" encoding="utf-8"?>
+<file path=ppt/slides/slide12.xml><?xml version="1.0" encoding="utf-8"?>
 <p:sld xmlns:a="http://schemas.openxmlformats.org/drawingml/2006/main" xmlns:r="http://schemas.openxmlformats.org/officeDocument/2006/relationships" xmlns:p="http://schemas.openxmlformats.org/presentationml/2006/main">
   <p:cSld>
     <p:spTree>
@@ -6245,7 +6864,7 @@
 </p:sld>
 </file>
 
-<file path=ppt/slides/slide12.xml><?xml version="1.0" encoding="utf-8"?>
+<file path=ppt/slides/slide13.xml><?xml version="1.0" encoding="utf-8"?>
 <p:sld xmlns:a="http://schemas.openxmlformats.org/drawingml/2006/main" xmlns:r="http://schemas.openxmlformats.org/officeDocument/2006/relationships" xmlns:p="http://schemas.openxmlformats.org/presentationml/2006/main">
   <p:cSld>
     <p:spTree>
@@ -6402,7 +7021,7 @@
 </p:sld>
 </file>
 
-<file path=ppt/slides/slide13.xml><?xml version="1.0" encoding="utf-8"?>
+<file path=ppt/slides/slide14.xml><?xml version="1.0" encoding="utf-8"?>
 <p:sld xmlns:a="http://schemas.openxmlformats.org/drawingml/2006/main" xmlns:r="http://schemas.openxmlformats.org/officeDocument/2006/relationships" xmlns:p="http://schemas.openxmlformats.org/presentationml/2006/main">
   <p:cSld>
     <p:spTree>
@@ -6628,189 +7247,6 @@
 </p:sld>
 </file>
 
-<file path=ppt/slides/slide14.xml><?xml version="1.0" encoding="utf-8"?>
-<p:sld xmlns:a="http://schemas.openxmlformats.org/drawingml/2006/main" xmlns:r="http://schemas.openxmlformats.org/officeDocument/2006/relationships" xmlns:p="http://schemas.openxmlformats.org/presentationml/2006/main">
-  <p:cSld>
-    <p:spTree>
-      <p:nvGrpSpPr>
-        <p:cNvPr id="1" name=""/>
-        <p:cNvGrpSpPr/>
-        <p:nvPr/>
-      </p:nvGrpSpPr>
-      <p:grpSpPr>
-        <a:xfrm>
-          <a:off x="0" y="0"/>
-          <a:ext cx="0" cy="0"/>
-          <a:chOff x="0" y="0"/>
-          <a:chExt cx="0" cy="0"/>
-        </a:xfrm>
-      </p:grpSpPr>
-      <p:sp>
-        <p:nvSpPr>
-          <p:cNvPr id="4" name="Titre 1"/>
-          <p:cNvSpPr>
-            <a:spLocks noGrp="1"/>
-          </p:cNvSpPr>
-          <p:nvPr>
-            <p:ph type="title"/>
-          </p:nvPr>
-        </p:nvSpPr>
-        <p:spPr/>
-        <p:txBody>
-          <a:bodyPr/>
-          <a:lstStyle/>
-          <a:p>
-            <a:r>
-              <a:rPr lang="en-US" dirty="0" smtClean="0">
-                <a:solidFill>
-                  <a:srgbClr val="00B050"/>
-                </a:solidFill>
-                <a:latin typeface="Agency FB" pitchFamily="34" charset="0"/>
-              </a:rPr>
-              <a:t>Abstract</a:t>
-            </a:r>
-            <a:endParaRPr lang="en-US" dirty="0">
-              <a:solidFill>
-                <a:srgbClr val="00B050"/>
-              </a:solidFill>
-              <a:latin typeface="Agency FB" pitchFamily="34" charset="0"/>
-            </a:endParaRPr>
-          </a:p>
-        </p:txBody>
-      </p:sp>
-      <p:sp>
-        <p:nvSpPr>
-          <p:cNvPr id="3" name="Espace réservé du contenu 2"/>
-          <p:cNvSpPr>
-            <a:spLocks noGrp="1"/>
-          </p:cNvSpPr>
-          <p:nvPr>
-            <p:ph idx="1"/>
-          </p:nvPr>
-        </p:nvSpPr>
-        <p:spPr>
-          <a:xfrm>
-            <a:off x="506437" y="1845734"/>
-            <a:ext cx="11057206" cy="4470660"/>
-          </a:xfrm>
-        </p:spPr>
-        <p:txBody>
-          <a:bodyPr>
-            <a:noAutofit/>
-          </a:bodyPr>
-          <a:lstStyle/>
-          <a:p>
-            <a:pPr algn="just"/>
-            <a:r>
-              <a:rPr lang="en-US" dirty="0" smtClean="0">
-                <a:latin typeface="Bell MT" pitchFamily="18" charset="0"/>
-              </a:rPr>
-              <a:t>Whatever the age group, media exposure is the most recorded variable because: </a:t>
-            </a:r>
-          </a:p>
-          <a:p>
-            <a:pPr algn="just"/>
-            <a:r>
-              <a:rPr lang="en-US" dirty="0" smtClean="0">
-                <a:latin typeface="Bell MT" pitchFamily="18" charset="0"/>
-              </a:rPr>
-              <a:t>only 12% of sexual information is provided by family and 29% by friends;</a:t>
-            </a:r>
-          </a:p>
-          <a:p>
-            <a:pPr algn="just"/>
-            <a:r>
-              <a:rPr lang="en-US" b="1" dirty="0" smtClean="0">
-                <a:latin typeface="Bell MT" pitchFamily="18" charset="0"/>
-              </a:rPr>
-              <a:t>All the variable let’s us know that</a:t>
-            </a:r>
-            <a:r>
-              <a:rPr lang="en-US" dirty="0" smtClean="0">
-                <a:latin typeface="Bell MT" pitchFamily="18" charset="0"/>
-              </a:rPr>
-              <a:t>: </a:t>
-            </a:r>
-          </a:p>
-          <a:p>
-            <a:pPr algn="just"/>
-            <a:r>
-              <a:rPr lang="en-US" dirty="0" smtClean="0">
-                <a:latin typeface="Bell MT" pitchFamily="18" charset="0"/>
-              </a:rPr>
-              <a:t>the average age at first sexual intercourse is 13;</a:t>
-            </a:r>
-          </a:p>
-          <a:p>
-            <a:pPr algn="just"/>
-            <a:r>
-              <a:rPr lang="en-US" dirty="0" smtClean="0">
-                <a:latin typeface="Bell MT" pitchFamily="18" charset="0"/>
-              </a:rPr>
-              <a:t>3% of teenage girls have already had 3 children;</a:t>
-            </a:r>
-          </a:p>
-          <a:p>
-            <a:pPr algn="just"/>
-            <a:r>
-              <a:rPr lang="en-US" dirty="0" smtClean="0">
-                <a:latin typeface="Bell MT" pitchFamily="18" charset="0"/>
-              </a:rPr>
-              <a:t>the maximum number of pregnancies is 5;</a:t>
-            </a:r>
-          </a:p>
-          <a:p>
-            <a:pPr algn="just"/>
-            <a:r>
-              <a:rPr lang="en-US" dirty="0" smtClean="0">
-                <a:latin typeface="Bell MT" pitchFamily="18" charset="0"/>
-              </a:rPr>
-              <a:t>only 16% of the progenitors are adolescents and 47% are over 28 years of age;</a:t>
-            </a:r>
-          </a:p>
-          <a:p>
-            <a:pPr algn="just"/>
-            <a:r>
-              <a:rPr lang="en-US" dirty="0" smtClean="0">
-                <a:latin typeface="Bell MT" pitchFamily="18" charset="0"/>
-              </a:rPr>
-              <a:t>93% of adolescent girls do not use condoms or use them only sometimes;</a:t>
-            </a:r>
-          </a:p>
-          <a:p>
-            <a:pPr algn="just"/>
-            <a:r>
-              <a:rPr lang="en-US" dirty="0" smtClean="0">
-                <a:latin typeface="Bell MT" pitchFamily="18" charset="0"/>
-              </a:rPr>
-              <a:t>90% do not know about family planning methods and how they work;</a:t>
-            </a:r>
-          </a:p>
-          <a:p>
-            <a:pPr algn="just"/>
-            <a:r>
-              <a:rPr lang="en-US" dirty="0" smtClean="0">
-                <a:latin typeface="Bell MT" pitchFamily="18" charset="0"/>
-              </a:rPr>
-              <a:t>92% do not know their menstrual cycle and 88% do not know their fertile period</a:t>
-            </a:r>
-          </a:p>
-          <a:p>
-            <a:pPr algn="just"/>
-            <a:endParaRPr lang="en-US" dirty="0">
-              <a:latin typeface="Bell MT" pitchFamily="18" charset="0"/>
-            </a:endParaRPr>
-          </a:p>
-        </p:txBody>
-      </p:sp>
-    </p:spTree>
-  </p:cSld>
-  <p:clrMapOvr>
-    <a:masterClrMapping/>
-  </p:clrMapOvr>
-</p:sld>
-</file>
-
 <file path=ppt/slides/slide15.xml><?xml version="1.0" encoding="utf-8"?>
 <p:sld xmlns:a="http://schemas.openxmlformats.org/drawingml/2006/main" xmlns:r="http://schemas.openxmlformats.org/officeDocument/2006/relationships" xmlns:p="http://schemas.openxmlformats.org/presentationml/2006/main">
   <p:cSld>
@@ -6830,40 +7266,7 @@
       </p:grpSpPr>
       <p:sp>
         <p:nvSpPr>
-          <p:cNvPr id="2" name="Titre 1"/>
-          <p:cNvSpPr>
-            <a:spLocks noGrp="1"/>
-          </p:cNvSpPr>
-          <p:nvPr>
-            <p:ph type="title"/>
-          </p:nvPr>
-        </p:nvSpPr>
-        <p:spPr/>
-        <p:txBody>
-          <a:bodyPr/>
-          <a:lstStyle/>
-          <a:p>
-            <a:r>
-              <a:rPr lang="en-US" dirty="0" smtClean="0">
-                <a:solidFill>
-                  <a:srgbClr val="00B050"/>
-                </a:solidFill>
-                <a:latin typeface="Agency FB" pitchFamily="34" charset="0"/>
-              </a:rPr>
-              <a:t>Abstract &amp; Discussion</a:t>
-            </a:r>
-            <a:endParaRPr lang="en-US" dirty="0">
-              <a:solidFill>
-                <a:srgbClr val="00B050"/>
-              </a:solidFill>
-              <a:latin typeface="Agency FB" pitchFamily="34" charset="0"/>
-            </a:endParaRPr>
-          </a:p>
-        </p:txBody>
-      </p:sp>
-      <p:sp>
-        <p:nvSpPr>
-          <p:cNvPr id="3" name="Espace réservé du contenu 2"/>
+          <p:cNvPr id="3" name="Content Placeholder 2"/>
           <p:cNvSpPr>
             <a:spLocks noGrp="1"/>
           </p:cNvSpPr>
@@ -6873,57 +7276,413 @@
         </p:nvSpPr>
         <p:spPr>
           <a:xfrm>
-            <a:off x="464234" y="1845734"/>
-            <a:ext cx="11324492" cy="4273712"/>
+            <a:off x="595745" y="1427018"/>
+            <a:ext cx="9261487" cy="5209309"/>
           </a:xfrm>
         </p:spPr>
         <p:txBody>
-          <a:bodyPr>
-            <a:normAutofit/>
+          <a:bodyPr/>
+          <a:lstStyle/>
+          <a:p>
+            <a:pPr marL="0" indent="0">
+              <a:buNone/>
+            </a:pPr>
+            <a:endParaRPr lang="en-US" dirty="0" smtClean="0"/>
+          </a:p>
+          <a:p>
+            <a:pPr marL="0" indent="0">
+              <a:buNone/>
+            </a:pPr>
+            <a:r>
+              <a:rPr lang="en-US" dirty="0" smtClean="0"/>
+              <a:t>Exposure </a:t>
+            </a:r>
+            <a:r>
+              <a:rPr lang="en-US" dirty="0"/>
+              <a:t>to the </a:t>
+            </a:r>
+            <a:r>
+              <a:rPr lang="en-US" dirty="0" smtClean="0"/>
+              <a:t>media</a:t>
+            </a:r>
+          </a:p>
+          <a:p>
+            <a:pPr marL="0" indent="0">
+              <a:buNone/>
+            </a:pPr>
+            <a:endParaRPr lang="en-US" dirty="0" smtClean="0"/>
+          </a:p>
+          <a:p>
+            <a:pPr marL="0" indent="0">
+              <a:buNone/>
+            </a:pPr>
+            <a:endParaRPr lang="en-US" dirty="0" smtClean="0"/>
+          </a:p>
+          <a:p>
+            <a:pPr marL="0" indent="0">
+              <a:buNone/>
+            </a:pPr>
+            <a:r>
+              <a:rPr lang="en-US" dirty="0" smtClean="0"/>
+              <a:t>Use </a:t>
+            </a:r>
+            <a:r>
+              <a:rPr lang="en-US" dirty="0"/>
+              <a:t>of contraceptive </a:t>
+            </a:r>
+            <a:r>
+              <a:rPr lang="en-US" dirty="0" smtClean="0"/>
+              <a:t>methods</a:t>
+            </a:r>
+          </a:p>
+          <a:p>
+            <a:pPr marL="0" indent="0">
+              <a:buNone/>
+            </a:pPr>
+            <a:endParaRPr lang="en-US" dirty="0" smtClean="0"/>
+          </a:p>
+          <a:p>
+            <a:pPr marL="0" indent="0">
+              <a:buNone/>
+            </a:pPr>
+            <a:r>
+              <a:rPr lang="en-US" dirty="0" smtClean="0"/>
+              <a:t> </a:t>
+            </a:r>
+          </a:p>
+          <a:p>
+            <a:pPr marL="0" indent="0">
+              <a:buNone/>
+            </a:pPr>
+            <a:r>
+              <a:rPr lang="en-US" dirty="0" smtClean="0"/>
+              <a:t>Complete </a:t>
+            </a:r>
+            <a:r>
+              <a:rPr lang="en-US" dirty="0"/>
+              <a:t>primary school </a:t>
+            </a:r>
+            <a:r>
+              <a:rPr lang="en-US" dirty="0" smtClean="0"/>
+              <a:t>education</a:t>
+            </a:r>
+          </a:p>
+          <a:p>
+            <a:pPr marL="0" indent="0">
+              <a:buNone/>
+            </a:pPr>
+            <a:endParaRPr lang="en-US" dirty="0" smtClean="0"/>
+          </a:p>
+          <a:p>
+            <a:pPr marL="0" indent="0">
+              <a:buNone/>
+            </a:pPr>
+            <a:r>
+              <a:rPr lang="en-US" dirty="0" smtClean="0"/>
+              <a:t> </a:t>
+            </a:r>
+          </a:p>
+          <a:p>
+            <a:pPr marL="0" indent="0">
+              <a:buNone/>
+            </a:pPr>
+            <a:r>
+              <a:rPr lang="en-US" dirty="0" smtClean="0"/>
+              <a:t>Rape </a:t>
+            </a:r>
+            <a:r>
+              <a:rPr lang="en-US" dirty="0"/>
+              <a:t>at first sexual </a:t>
+            </a:r>
+            <a:r>
+              <a:rPr lang="en-US" dirty="0" smtClean="0"/>
+              <a:t>experience</a:t>
+            </a:r>
+          </a:p>
+          <a:p>
+            <a:pPr marL="0" indent="0">
+              <a:buNone/>
+            </a:pPr>
+            <a:endParaRPr lang="en-US" dirty="0" smtClean="0"/>
+          </a:p>
+          <a:p>
+            <a:pPr marL="0" indent="0">
+              <a:buNone/>
+            </a:pPr>
+            <a:endParaRPr lang="en-US" dirty="0"/>
+          </a:p>
+        </p:txBody>
+      </p:sp>
+      <p:pic>
+        <p:nvPicPr>
+          <p:cNvPr id="4" name="Picture 3"/>
+          <p:cNvPicPr>
+            <a:picLocks noChangeAspect="1"/>
+          </p:cNvPicPr>
+          <p:nvPr/>
+        </p:nvPicPr>
+        <p:blipFill>
+          <a:blip r:embed="rId2">
+            <a:biLevel thresh="75000"/>
+            <a:extLst>
+              <a:ext uri="{28A0092B-C50C-407E-A947-70E740481C1C}">
+                <a14:useLocalDpi xmlns:a14="http://schemas.microsoft.com/office/drawing/2010/main" val="0"/>
+              </a:ext>
+            </a:extLst>
+          </a:blip>
+          <a:stretch>
+            <a:fillRect/>
+          </a:stretch>
+        </p:blipFill>
+        <p:spPr>
+          <a:xfrm>
+            <a:off x="3876830" y="2934583"/>
+            <a:ext cx="2197941" cy="930143"/>
+          </a:xfrm>
+          <a:prstGeom prst="rect">
+            <a:avLst/>
+          </a:prstGeom>
+        </p:spPr>
+      </p:pic>
+      <p:pic>
+        <p:nvPicPr>
+          <p:cNvPr id="5" name="Picture 4"/>
+          <p:cNvPicPr>
+            <a:picLocks noChangeAspect="1"/>
+          </p:cNvPicPr>
+          <p:nvPr/>
+        </p:nvPicPr>
+        <p:blipFill>
+          <a:blip r:embed="rId3" cstate="print">
+            <a:extLst>
+              <a:ext uri="{28A0092B-C50C-407E-A947-70E740481C1C}">
+                <a14:useLocalDpi xmlns:a14="http://schemas.microsoft.com/office/drawing/2010/main" val="0"/>
+              </a:ext>
+            </a:extLst>
+          </a:blip>
+          <a:stretch>
+            <a:fillRect/>
+          </a:stretch>
+        </p:blipFill>
+        <p:spPr>
+          <a:xfrm>
+            <a:off x="4570156" y="4480892"/>
+            <a:ext cx="839253" cy="839253"/>
+          </a:xfrm>
+          <a:prstGeom prst="rect">
+            <a:avLst/>
+          </a:prstGeom>
+        </p:spPr>
+      </p:pic>
+      <p:pic>
+        <p:nvPicPr>
+          <p:cNvPr id="6" name="Picture 5"/>
+          <p:cNvPicPr>
+            <a:picLocks noChangeAspect="1"/>
+          </p:cNvPicPr>
+          <p:nvPr/>
+        </p:nvPicPr>
+        <p:blipFill>
+          <a:blip r:embed="rId4" cstate="print">
+            <a:extLst>
+              <a:ext uri="{28A0092B-C50C-407E-A947-70E740481C1C}">
+                <a14:useLocalDpi xmlns:a14="http://schemas.microsoft.com/office/drawing/2010/main" val="0"/>
+              </a:ext>
+            </a:extLst>
+          </a:blip>
+          <a:stretch>
+            <a:fillRect/>
+          </a:stretch>
+        </p:blipFill>
+        <p:spPr>
+          <a:xfrm>
+            <a:off x="3182055" y="1618341"/>
+            <a:ext cx="1894097" cy="914765"/>
+          </a:xfrm>
+          <a:prstGeom prst="rect">
+            <a:avLst/>
+          </a:prstGeom>
+        </p:spPr>
+      </p:pic>
+      <p:pic>
+        <p:nvPicPr>
+          <p:cNvPr id="7" name="Picture 6"/>
+          <p:cNvPicPr>
+            <a:picLocks noChangeAspect="1"/>
+          </p:cNvPicPr>
+          <p:nvPr/>
+        </p:nvPicPr>
+        <p:blipFill>
+          <a:blip r:embed="rId5" cstate="print">
+            <a:extLst>
+              <a:ext uri="{28A0092B-C50C-407E-A947-70E740481C1C}">
+                <a14:useLocalDpi xmlns:a14="http://schemas.microsoft.com/office/drawing/2010/main" val="0"/>
+              </a:ext>
+            </a:extLst>
+          </a:blip>
+          <a:stretch>
+            <a:fillRect/>
+          </a:stretch>
+        </p:blipFill>
+        <p:spPr>
+          <a:xfrm>
+            <a:off x="4129104" y="5680373"/>
+            <a:ext cx="1061184" cy="1061184"/>
+          </a:xfrm>
+          <a:prstGeom prst="rect">
+            <a:avLst/>
+          </a:prstGeom>
+        </p:spPr>
+      </p:pic>
+      <p:sp>
+        <p:nvSpPr>
+          <p:cNvPr id="8" name="Line Callout 2 7"/>
+          <p:cNvSpPr/>
+          <p:nvPr/>
+        </p:nvSpPr>
+        <p:spPr>
+          <a:xfrm>
+            <a:off x="1400422" y="554182"/>
+            <a:ext cx="1980087" cy="581892"/>
+          </a:xfrm>
+          <a:prstGeom prst="borderCallout2">
+            <a:avLst>
+              <a:gd name="adj1" fmla="val 18750"/>
+              <a:gd name="adj2" fmla="val -8333"/>
+              <a:gd name="adj3" fmla="val 18750"/>
+              <a:gd name="adj4" fmla="val -16667"/>
+              <a:gd name="adj5" fmla="val 105037"/>
+              <a:gd name="adj6" fmla="val -37118"/>
+            </a:avLst>
+          </a:prstGeom>
+          <a:solidFill>
+            <a:schemeClr val="accent2">
+              <a:lumMod val="60000"/>
+              <a:lumOff val="40000"/>
+            </a:schemeClr>
+          </a:solidFill>
+          <a:ln w="28575">
+            <a:solidFill>
+              <a:schemeClr val="accent3">
+                <a:lumMod val="50000"/>
+              </a:schemeClr>
+            </a:solidFill>
+          </a:ln>
+        </p:spPr>
+        <p:style>
+          <a:lnRef idx="2">
+            <a:schemeClr val="accent6"/>
+          </a:lnRef>
+          <a:fillRef idx="1">
+            <a:schemeClr val="lt1"/>
+          </a:fillRef>
+          <a:effectRef idx="0">
+            <a:schemeClr val="accent6"/>
+          </a:effectRef>
+          <a:fontRef idx="minor">
+            <a:schemeClr val="dk1"/>
+          </a:fontRef>
+        </p:style>
+        <p:txBody>
+          <a:bodyPr rot="0" spcFirstLastPara="0" vertOverflow="overflow" horzOverflow="overflow" vert="horz" wrap="square" lIns="91440" tIns="45720" rIns="91440" bIns="45720" numCol="1" spcCol="0" rtlCol="0" fromWordArt="0" anchor="ctr" anchorCtr="0" forceAA="0" compatLnSpc="1">
+            <a:prstTxWarp prst="textNoShape">
+              <a:avLst/>
+            </a:prstTxWarp>
+            <a:noAutofit/>
           </a:bodyPr>
           <a:lstStyle/>
           <a:p>
-            <a:pPr algn="just"/>
-            <a:r>
-              <a:rPr lang="en-US" sz="2200" dirty="0" smtClean="0">
-                <a:latin typeface="Bell MT" pitchFamily="18" charset="0"/>
-              </a:rPr>
-              <a:t>A girl's pregnancy can radically change her life. She may be forced to drop out of school, reducing her employment prospects. She also becomes more vulnerable to poverty and exclusion. Her health can also suffer, as complications related to pregnancy and childbirth are one of the leading causes of death among adolescents.</a:t>
-            </a:r>
-          </a:p>
-          <a:p>
-            <a:pPr algn="just"/>
-            <a:r>
-              <a:rPr lang="en-US" sz="2200" dirty="0" smtClean="0">
-                <a:latin typeface="Bell MT" pitchFamily="18" charset="0"/>
-              </a:rPr>
-              <a:t>The Ministry of Education and Vocational Training should integrate sex education as a specific course in the academic curriculum. Not just for secondary school, but all three levels of formal education.</a:t>
-            </a:r>
-          </a:p>
-          <a:p>
-            <a:pPr algn="just"/>
-            <a:r>
-              <a:rPr lang="en-US" sz="2200" dirty="0" smtClean="0">
-                <a:latin typeface="Bell MT" pitchFamily="18" charset="0"/>
-              </a:rPr>
-              <a:t>Sexuality education consists of information about sexuality and the transmission of a number of values and </a:t>
-            </a:r>
-            <a:r>
-              <a:rPr lang="en-US" sz="2200" dirty="0" err="1" smtClean="0">
-                <a:latin typeface="Bell MT" pitchFamily="18" charset="0"/>
-              </a:rPr>
-              <a:t>recommendations.It</a:t>
-            </a:r>
-            <a:r>
-              <a:rPr lang="en-US" sz="2200" dirty="0" smtClean="0">
-                <a:latin typeface="Bell MT" pitchFamily="18" charset="0"/>
-              </a:rPr>
-              <a:t> begins in childhood and continues to some extent throughout life.</a:t>
+            <a:pPr marL="0" lvl="1" algn="ctr"/>
+            <a:r>
+              <a:rPr lang="en-US" sz="2400" dirty="0">
+                <a:solidFill>
+                  <a:srgbClr val="002060"/>
+                </a:solidFill>
+                <a:latin typeface="Bell MT" panose="02020503060305020303" pitchFamily="18" charset="0"/>
+              </a:rPr>
+              <a:t>Abstract</a:t>
+            </a:r>
+          </a:p>
+        </p:txBody>
+      </p:sp>
+      <p:sp>
+        <p:nvSpPr>
+          <p:cNvPr id="9" name="Right Brace 8"/>
+          <p:cNvSpPr/>
+          <p:nvPr/>
+        </p:nvSpPr>
+        <p:spPr>
+          <a:xfrm>
+            <a:off x="6074771" y="1618341"/>
+            <a:ext cx="1129599" cy="5017986"/>
+          </a:xfrm>
+          <a:prstGeom prst="rightBrace">
+            <a:avLst/>
+          </a:prstGeom>
+        </p:spPr>
+        <p:style>
+          <a:lnRef idx="3">
+            <a:schemeClr val="dk1"/>
+          </a:lnRef>
+          <a:fillRef idx="0">
+            <a:schemeClr val="dk1"/>
+          </a:fillRef>
+          <a:effectRef idx="2">
+            <a:schemeClr val="dk1"/>
+          </a:effectRef>
+          <a:fontRef idx="minor">
+            <a:schemeClr val="tx1"/>
+          </a:fontRef>
+        </p:style>
+        <p:txBody>
+          <a:bodyPr rtlCol="0" anchor="ctr"/>
+          <a:lstStyle/>
+          <a:p>
+            <a:pPr algn="ctr"/>
+            <a:endParaRPr lang="en-US"/>
+          </a:p>
+        </p:txBody>
+      </p:sp>
+      <p:sp>
+        <p:nvSpPr>
+          <p:cNvPr id="10" name="Rectangle 9"/>
+          <p:cNvSpPr/>
+          <p:nvPr/>
+        </p:nvSpPr>
+        <p:spPr>
+          <a:xfrm>
+            <a:off x="7537051" y="3665669"/>
+            <a:ext cx="2652862" cy="923330"/>
+          </a:xfrm>
+          <a:prstGeom prst="rect">
+            <a:avLst/>
+          </a:prstGeom>
+        </p:spPr>
+        <p:txBody>
+          <a:bodyPr wrap="square">
+            <a:spAutoFit/>
+          </a:bodyPr>
+          <a:lstStyle/>
+          <a:p>
+            <a:r>
+              <a:rPr lang="en-US" dirty="0"/>
+              <a:t> </a:t>
+            </a:r>
+            <a:r>
+              <a:rPr lang="en-US" b="1" dirty="0">
+                <a:latin typeface="Bell MT" panose="02020503060305020303" pitchFamily="18" charset="0"/>
+              </a:rPr>
+              <a:t>The four key factors that predominate across all age groups.</a:t>
             </a:r>
           </a:p>
         </p:txBody>
       </p:sp>
     </p:spTree>
+    <p:extLst>
+      <p:ext uri="{BB962C8B-B14F-4D97-AF65-F5344CB8AC3E}">
+        <p14:creationId xmlns:p14="http://schemas.microsoft.com/office/powerpoint/2010/main" val="2709323230"/>
+      </p:ext>
+    </p:extLst>
   </p:cSld>
   <p:clrMapOvr>
     <a:masterClrMapping/>
@@ -6950,7 +7709,7 @@
       </p:grpSpPr>
       <p:sp>
         <p:nvSpPr>
-          <p:cNvPr id="2" name="Titre 1"/>
+          <p:cNvPr id="4" name="Titre 1"/>
           <p:cNvSpPr>
             <a:spLocks noGrp="1"/>
           </p:cNvSpPr>
@@ -6970,12 +7729,13 @@
                 </a:solidFill>
                 <a:latin typeface="Agency FB" pitchFamily="34" charset="0"/>
               </a:rPr>
-              <a:t>Abstract &amp; Discussion</a:t>
+              <a:t>Abstract</a:t>
             </a:r>
             <a:endParaRPr lang="en-US" dirty="0">
               <a:solidFill>
                 <a:srgbClr val="00B050"/>
               </a:solidFill>
+              <a:latin typeface="Agency FB" pitchFamily="34" charset="0"/>
             </a:endParaRPr>
           </a:p>
         </p:txBody>
@@ -6990,7 +7750,12 @@
             <p:ph idx="1"/>
           </p:nvPr>
         </p:nvSpPr>
-        <p:spPr/>
+        <p:spPr>
+          <a:xfrm>
+            <a:off x="506437" y="1845734"/>
+            <a:ext cx="11057206" cy="4470660"/>
+          </a:xfrm>
+        </p:spPr>
         <p:txBody>
           <a:bodyPr>
             <a:noAutofit/>
@@ -6999,68 +7764,104 @@
           <a:p>
             <a:pPr algn="just"/>
             <a:r>
-              <a:rPr lang="en-US" sz="2200" dirty="0" smtClean="0">
-                <a:latin typeface="Bell MT" pitchFamily="18" charset="0"/>
-              </a:rPr>
-              <a:t>It may include the expression and discussion of feelings of love, sexual practices, sexual and reproductive health, consent and mutual respect.</a:t>
+              <a:rPr lang="en-US" dirty="0" smtClean="0">
+                <a:latin typeface="Bell MT" pitchFamily="18" charset="0"/>
+              </a:rPr>
+              <a:t>Whatever the age group, media exposure is the most recorded variable because: </a:t>
             </a:r>
           </a:p>
           <a:p>
             <a:pPr algn="just"/>
             <a:r>
-              <a:rPr lang="en-US" sz="2200" dirty="0" smtClean="0">
-                <a:latin typeface="Bell MT" pitchFamily="18" charset="0"/>
-              </a:rPr>
-              <a:t>Sexuality education should provide young people with reliable knowledge about sexuality, strengthen their ability to make responsible decisions, enable them to explore and define their own values, and provide them with a healthy model of sexual </a:t>
-            </a:r>
-            <a:r>
-              <a:rPr lang="en-US" sz="2200" dirty="0" err="1" smtClean="0">
-                <a:latin typeface="Bell MT" pitchFamily="18" charset="0"/>
-              </a:rPr>
-              <a:t>behaviour</a:t>
-            </a:r>
-            <a:r>
-              <a:rPr lang="en-US" sz="2200" dirty="0" smtClean="0">
-                <a:latin typeface="Bell MT" pitchFamily="18" charset="0"/>
-              </a:rPr>
-              <a:t>.</a:t>
+              <a:rPr lang="en-US" dirty="0" smtClean="0">
+                <a:latin typeface="Bell MT" pitchFamily="18" charset="0"/>
+              </a:rPr>
+              <a:t>only 12% of sexual information is provided by family and 29% by friends;</a:t>
             </a:r>
           </a:p>
           <a:p>
             <a:pPr algn="just"/>
             <a:r>
-              <a:rPr lang="en-US" sz="2200" dirty="0" smtClean="0">
-                <a:latin typeface="Bell MT" pitchFamily="18" charset="0"/>
-              </a:rPr>
-              <a:t>An educational reintegration </a:t>
-            </a:r>
-            <a:r>
-              <a:rPr lang="en-US" sz="2200" dirty="0" err="1" smtClean="0">
-                <a:latin typeface="Bell MT" pitchFamily="18" charset="0"/>
-              </a:rPr>
-              <a:t>programme</a:t>
-            </a:r>
-            <a:r>
-              <a:rPr lang="en-US" sz="2200" dirty="0" smtClean="0">
-                <a:latin typeface="Bell MT" pitchFamily="18" charset="0"/>
-              </a:rPr>
-              <a:t> should be set up for them, which will be parallel to a </a:t>
-            </a:r>
-            <a:r>
-              <a:rPr lang="en-US" sz="2200" dirty="0" err="1" smtClean="0">
-                <a:latin typeface="Bell MT" pitchFamily="18" charset="0"/>
-              </a:rPr>
-              <a:t>programme</a:t>
-            </a:r>
-            <a:r>
-              <a:rPr lang="en-US" sz="2200" dirty="0" smtClean="0">
-                <a:latin typeface="Bell MT" pitchFamily="18" charset="0"/>
-              </a:rPr>
-              <a:t> of odd jobs conditional on prior training which they will have received in relation to the educational level they have reached before giving birth.</a:t>
-            </a:r>
-          </a:p>
-          <a:p>
-            <a:endParaRPr lang="en-US" sz="2200" dirty="0"/>
+              <a:rPr lang="en-US" b="1" dirty="0" smtClean="0">
+                <a:latin typeface="Bell MT" pitchFamily="18" charset="0"/>
+              </a:rPr>
+              <a:t>All the variable let’s us know that</a:t>
+            </a:r>
+            <a:r>
+              <a:rPr lang="en-US" dirty="0" smtClean="0">
+                <a:latin typeface="Bell MT" pitchFamily="18" charset="0"/>
+              </a:rPr>
+              <a:t>: </a:t>
+            </a:r>
+          </a:p>
+          <a:p>
+            <a:pPr algn="just"/>
+            <a:r>
+              <a:rPr lang="en-US" dirty="0" smtClean="0">
+                <a:latin typeface="Bell MT" pitchFamily="18" charset="0"/>
+              </a:rPr>
+              <a:t>the average age at first sexual intercourse is 13;</a:t>
+            </a:r>
+          </a:p>
+          <a:p>
+            <a:pPr algn="just"/>
+            <a:r>
+              <a:rPr lang="en-US" dirty="0" smtClean="0">
+                <a:latin typeface="Bell MT" pitchFamily="18" charset="0"/>
+              </a:rPr>
+              <a:t>3% of teenage girls have already had 3 children;</a:t>
+            </a:r>
+          </a:p>
+          <a:p>
+            <a:pPr algn="just"/>
+            <a:r>
+              <a:rPr lang="en-US" dirty="0" smtClean="0">
+                <a:latin typeface="Bell MT" pitchFamily="18" charset="0"/>
+              </a:rPr>
+              <a:t>the maximum number of pregnancies is 5;</a:t>
+            </a:r>
+          </a:p>
+          <a:p>
+            <a:pPr algn="just"/>
+            <a:r>
+              <a:rPr lang="en-US" dirty="0" smtClean="0">
+                <a:latin typeface="Bell MT" pitchFamily="18" charset="0"/>
+              </a:rPr>
+              <a:t>only 16% of the progenitors are adolescents and 47% are over 28 years of age;</a:t>
+            </a:r>
+          </a:p>
+          <a:p>
+            <a:pPr algn="just"/>
+            <a:r>
+              <a:rPr lang="en-US" dirty="0" smtClean="0">
+                <a:latin typeface="Bell MT" pitchFamily="18" charset="0"/>
+              </a:rPr>
+              <a:t>93% of adolescent girls do not use condoms or use them only sometimes;</a:t>
+            </a:r>
+          </a:p>
+          <a:p>
+            <a:pPr algn="just"/>
+            <a:r>
+              <a:rPr lang="en-US" dirty="0" smtClean="0">
+                <a:latin typeface="Bell MT" pitchFamily="18" charset="0"/>
+              </a:rPr>
+              <a:t>90% do not know about family planning methods and how they work;</a:t>
+            </a:r>
+          </a:p>
+          <a:p>
+            <a:pPr algn="just"/>
+            <a:r>
+              <a:rPr lang="en-US" dirty="0" smtClean="0">
+                <a:latin typeface="Bell MT" pitchFamily="18" charset="0"/>
+              </a:rPr>
+              <a:t>92% do not know their menstrual cycle and 88% do not know their fertile period</a:t>
+            </a:r>
+          </a:p>
+          <a:p>
+            <a:pPr algn="just"/>
+            <a:endParaRPr lang="en-US" dirty="0">
+              <a:latin typeface="Bell MT" pitchFamily="18" charset="0"/>
+            </a:endParaRPr>
           </a:p>
         </p:txBody>
       </p:sp>
@@ -7099,10 +7900,271 @@
             <p:ph type="title"/>
           </p:nvPr>
         </p:nvSpPr>
+        <p:spPr/>
+        <p:txBody>
+          <a:bodyPr/>
+          <a:lstStyle/>
+          <a:p>
+            <a:r>
+              <a:rPr lang="en-US" dirty="0" smtClean="0">
+                <a:solidFill>
+                  <a:srgbClr val="00B050"/>
+                </a:solidFill>
+                <a:latin typeface="Agency FB" pitchFamily="34" charset="0"/>
+              </a:rPr>
+              <a:t>Abstract &amp; Discussion</a:t>
+            </a:r>
+            <a:endParaRPr lang="en-US" dirty="0">
+              <a:solidFill>
+                <a:srgbClr val="00B050"/>
+              </a:solidFill>
+              <a:latin typeface="Agency FB" pitchFamily="34" charset="0"/>
+            </a:endParaRPr>
+          </a:p>
+        </p:txBody>
+      </p:sp>
+      <p:sp>
+        <p:nvSpPr>
+          <p:cNvPr id="3" name="Espace réservé du contenu 2"/>
+          <p:cNvSpPr>
+            <a:spLocks noGrp="1"/>
+          </p:cNvSpPr>
+          <p:nvPr>
+            <p:ph idx="1"/>
+          </p:nvPr>
+        </p:nvSpPr>
         <p:spPr>
           <a:xfrm>
-            <a:off x="4839286" y="2067951"/>
-            <a:ext cx="6766560" cy="4178104"/>
+            <a:off x="464234" y="1845734"/>
+            <a:ext cx="11324492" cy="4273712"/>
+          </a:xfrm>
+        </p:spPr>
+        <p:txBody>
+          <a:bodyPr>
+            <a:normAutofit/>
+          </a:bodyPr>
+          <a:lstStyle/>
+          <a:p>
+            <a:pPr algn="just"/>
+            <a:r>
+              <a:rPr lang="en-US" sz="2200" dirty="0" smtClean="0">
+                <a:latin typeface="Bell MT" pitchFamily="18" charset="0"/>
+              </a:rPr>
+              <a:t>A girl's pregnancy can radically change her life. She may be forced to drop out of school, reducing her employment prospects. She also becomes more vulnerable to poverty and exclusion. Her health can also suffer, as complications related to pregnancy and childbirth are one of the leading causes of death among adolescents.</a:t>
+            </a:r>
+          </a:p>
+          <a:p>
+            <a:pPr algn="just"/>
+            <a:r>
+              <a:rPr lang="en-US" sz="2200" dirty="0" smtClean="0">
+                <a:latin typeface="Bell MT" pitchFamily="18" charset="0"/>
+              </a:rPr>
+              <a:t>The Ministry of Education and Vocational Training should integrate sex education as a specific course in the academic curriculum. Not just for secondary school, but all three levels of formal education.</a:t>
+            </a:r>
+          </a:p>
+          <a:p>
+            <a:pPr algn="just"/>
+            <a:r>
+              <a:rPr lang="en-US" sz="2200" dirty="0" smtClean="0">
+                <a:latin typeface="Bell MT" pitchFamily="18" charset="0"/>
+              </a:rPr>
+              <a:t>Sexuality education consists of information about sexuality and the transmission of a number of values and </a:t>
+            </a:r>
+            <a:r>
+              <a:rPr lang="en-US" sz="2200" dirty="0" err="1" smtClean="0">
+                <a:latin typeface="Bell MT" pitchFamily="18" charset="0"/>
+              </a:rPr>
+              <a:t>recommendations.It</a:t>
+            </a:r>
+            <a:r>
+              <a:rPr lang="en-US" sz="2200" dirty="0" smtClean="0">
+                <a:latin typeface="Bell MT" pitchFamily="18" charset="0"/>
+              </a:rPr>
+              <a:t> begins in childhood and continues to some extent throughout life.</a:t>
+            </a:r>
+          </a:p>
+        </p:txBody>
+      </p:sp>
+    </p:spTree>
+  </p:cSld>
+  <p:clrMapOvr>
+    <a:masterClrMapping/>
+  </p:clrMapOvr>
+</p:sld>
+</file>
+
+<file path=ppt/slides/slide18.xml><?xml version="1.0" encoding="utf-8"?>
+<p:sld xmlns:a="http://schemas.openxmlformats.org/drawingml/2006/main" xmlns:r="http://schemas.openxmlformats.org/officeDocument/2006/relationships" xmlns:p="http://schemas.openxmlformats.org/presentationml/2006/main">
+  <p:cSld>
+    <p:spTree>
+      <p:nvGrpSpPr>
+        <p:cNvPr id="1" name=""/>
+        <p:cNvGrpSpPr/>
+        <p:nvPr/>
+      </p:nvGrpSpPr>
+      <p:grpSpPr>
+        <a:xfrm>
+          <a:off x="0" y="0"/>
+          <a:ext cx="0" cy="0"/>
+          <a:chOff x="0" y="0"/>
+          <a:chExt cx="0" cy="0"/>
+        </a:xfrm>
+      </p:grpSpPr>
+      <p:sp>
+        <p:nvSpPr>
+          <p:cNvPr id="2" name="Titre 1"/>
+          <p:cNvSpPr>
+            <a:spLocks noGrp="1"/>
+          </p:cNvSpPr>
+          <p:nvPr>
+            <p:ph type="title"/>
+          </p:nvPr>
+        </p:nvSpPr>
+        <p:spPr/>
+        <p:txBody>
+          <a:bodyPr/>
+          <a:lstStyle/>
+          <a:p>
+            <a:r>
+              <a:rPr lang="en-US" dirty="0" smtClean="0">
+                <a:solidFill>
+                  <a:srgbClr val="00B050"/>
+                </a:solidFill>
+                <a:latin typeface="Agency FB" pitchFamily="34" charset="0"/>
+              </a:rPr>
+              <a:t>Abstract &amp; Discussion</a:t>
+            </a:r>
+            <a:endParaRPr lang="en-US" dirty="0">
+              <a:solidFill>
+                <a:srgbClr val="00B050"/>
+              </a:solidFill>
+            </a:endParaRPr>
+          </a:p>
+        </p:txBody>
+      </p:sp>
+      <p:sp>
+        <p:nvSpPr>
+          <p:cNvPr id="3" name="Espace réservé du contenu 2"/>
+          <p:cNvSpPr>
+            <a:spLocks noGrp="1"/>
+          </p:cNvSpPr>
+          <p:nvPr>
+            <p:ph idx="1"/>
+          </p:nvPr>
+        </p:nvSpPr>
+        <p:spPr/>
+        <p:txBody>
+          <a:bodyPr>
+            <a:noAutofit/>
+          </a:bodyPr>
+          <a:lstStyle/>
+          <a:p>
+            <a:pPr algn="just"/>
+            <a:r>
+              <a:rPr lang="en-US" sz="2200" dirty="0" smtClean="0">
+                <a:latin typeface="Bell MT" pitchFamily="18" charset="0"/>
+              </a:rPr>
+              <a:t>It may include the expression and discussion of feelings of love, sexual practices, sexual and reproductive health, consent and mutual respect.</a:t>
+            </a:r>
+          </a:p>
+          <a:p>
+            <a:pPr algn="just"/>
+            <a:r>
+              <a:rPr lang="en-US" sz="2200" dirty="0" smtClean="0">
+                <a:latin typeface="Bell MT" pitchFamily="18" charset="0"/>
+              </a:rPr>
+              <a:t>Sexuality education should provide young people with reliable knowledge about sexuality, strengthen their ability to make responsible decisions, enable them to explore and define their own values, and provide them with a healthy model of sexual </a:t>
+            </a:r>
+            <a:r>
+              <a:rPr lang="en-US" sz="2200" dirty="0" err="1" smtClean="0">
+                <a:latin typeface="Bell MT" pitchFamily="18" charset="0"/>
+              </a:rPr>
+              <a:t>behaviour</a:t>
+            </a:r>
+            <a:r>
+              <a:rPr lang="en-US" sz="2200" dirty="0" smtClean="0">
+                <a:latin typeface="Bell MT" pitchFamily="18" charset="0"/>
+              </a:rPr>
+              <a:t>.</a:t>
+            </a:r>
+          </a:p>
+          <a:p>
+            <a:pPr algn="just"/>
+            <a:r>
+              <a:rPr lang="en-US" sz="2200" dirty="0" smtClean="0">
+                <a:latin typeface="Bell MT" pitchFamily="18" charset="0"/>
+              </a:rPr>
+              <a:t>An educational reintegration </a:t>
+            </a:r>
+            <a:r>
+              <a:rPr lang="en-US" sz="2200" dirty="0" err="1" smtClean="0">
+                <a:latin typeface="Bell MT" pitchFamily="18" charset="0"/>
+              </a:rPr>
+              <a:t>programme</a:t>
+            </a:r>
+            <a:r>
+              <a:rPr lang="en-US" sz="2200" dirty="0" smtClean="0">
+                <a:latin typeface="Bell MT" pitchFamily="18" charset="0"/>
+              </a:rPr>
+              <a:t> should be set up for them, which will be parallel to a </a:t>
+            </a:r>
+            <a:r>
+              <a:rPr lang="en-US" sz="2200" dirty="0" err="1" smtClean="0">
+                <a:latin typeface="Bell MT" pitchFamily="18" charset="0"/>
+              </a:rPr>
+              <a:t>programme</a:t>
+            </a:r>
+            <a:r>
+              <a:rPr lang="en-US" sz="2200" dirty="0" smtClean="0">
+                <a:latin typeface="Bell MT" pitchFamily="18" charset="0"/>
+              </a:rPr>
+              <a:t> of odd jobs conditional on prior training which they will have received in relation to the educational level they have reached before giving birth.</a:t>
+            </a:r>
+          </a:p>
+          <a:p>
+            <a:endParaRPr lang="en-US" sz="2200" dirty="0"/>
+          </a:p>
+        </p:txBody>
+      </p:sp>
+    </p:spTree>
+  </p:cSld>
+  <p:clrMapOvr>
+    <a:masterClrMapping/>
+  </p:clrMapOvr>
+</p:sld>
+</file>
+
+<file path=ppt/slides/slide19.xml><?xml version="1.0" encoding="utf-8"?>
+<p:sld xmlns:a="http://schemas.openxmlformats.org/drawingml/2006/main" xmlns:r="http://schemas.openxmlformats.org/officeDocument/2006/relationships" xmlns:p="http://schemas.openxmlformats.org/presentationml/2006/main">
+  <p:cSld>
+    <p:spTree>
+      <p:nvGrpSpPr>
+        <p:cNvPr id="1" name=""/>
+        <p:cNvGrpSpPr/>
+        <p:nvPr/>
+      </p:nvGrpSpPr>
+      <p:grpSpPr>
+        <a:xfrm>
+          <a:off x="0" y="0"/>
+          <a:ext cx="0" cy="0"/>
+          <a:chOff x="0" y="0"/>
+          <a:chExt cx="0" cy="0"/>
+        </a:xfrm>
+      </p:grpSpPr>
+      <p:sp>
+        <p:nvSpPr>
+          <p:cNvPr id="2" name="Titre 1"/>
+          <p:cNvSpPr>
+            <a:spLocks noGrp="1"/>
+          </p:cNvSpPr>
+          <p:nvPr>
+            <p:ph type="title"/>
+          </p:nvPr>
+        </p:nvSpPr>
+        <p:spPr>
+          <a:xfrm>
+            <a:off x="4214978" y="706582"/>
+            <a:ext cx="6766560" cy="5290091"/>
           </a:xfrm>
         </p:spPr>
         <p:txBody>
@@ -7146,22 +8208,33 @@
               </a:rPr>
             </a:br>
             <a:r>
-              <a:rPr lang="en-US" sz="3600" b="1" i="1" dirty="0" smtClean="0">
+              <a:rPr lang="en-US" sz="4000" b="1" i="1" dirty="0" smtClean="0">
                 <a:solidFill>
-                  <a:srgbClr val="00B050"/>
+                  <a:srgbClr val="002060"/>
                 </a:solidFill>
                 <a:latin typeface="Bell MT" pitchFamily="18" charset="0"/>
               </a:rPr>
               <a:t>Take care of them</a:t>
             </a:r>
             <a:r>
-              <a:rPr lang="en-US" sz="3600" dirty="0" smtClean="0"/>
+              <a:rPr lang="en-US" sz="4000" dirty="0" smtClean="0">
+                <a:solidFill>
+                  <a:srgbClr val="002060"/>
+                </a:solidFill>
+              </a:rPr>
               <a:t/>
             </a:r>
             <a:br>
-              <a:rPr lang="en-US" sz="3600" dirty="0" smtClean="0"/>
+              <a:rPr lang="en-US" sz="4000" dirty="0" smtClean="0">
+                <a:solidFill>
+                  <a:srgbClr val="002060"/>
+                </a:solidFill>
+              </a:rPr>
             </a:br>
             <a:endParaRPr lang="en-US" sz="3600" i="1" dirty="0">
+              <a:solidFill>
+                <a:srgbClr val="002060"/>
+              </a:solidFill>
               <a:latin typeface="Bell MT" pitchFamily="18" charset="0"/>
             </a:endParaRPr>
           </a:p>
@@ -7185,9 +8258,18 @@
         </p:blipFill>
         <p:spPr>
           <a:xfrm>
-            <a:off x="980780" y="2096087"/>
-            <a:ext cx="3802235" cy="3718674"/>
+            <a:off x="717544" y="1435283"/>
+            <a:ext cx="3663824" cy="4134243"/>
           </a:xfrm>
+          <a:prstGeom prst="ellipse">
+            <a:avLst/>
+          </a:prstGeom>
+          <a:ln>
+            <a:noFill/>
+          </a:ln>
+          <a:effectLst>
+            <a:softEdge rad="112500"/>
+          </a:effectLst>
         </p:spPr>
       </p:pic>
     </p:spTree>
@@ -7217,129 +8299,51 @@
       </p:grpSpPr>
       <p:sp>
         <p:nvSpPr>
-          <p:cNvPr id="2" name="Title 1"/>
+          <p:cNvPr id="3" name="Content Placeholder 2"/>
           <p:cNvSpPr>
             <a:spLocks noGrp="1"/>
           </p:cNvSpPr>
           <p:nvPr>
-            <p:ph type="title"/>
+            <p:ph idx="1"/>
           </p:nvPr>
         </p:nvSpPr>
-        <p:spPr/>
+        <p:spPr>
+          <a:xfrm>
+            <a:off x="1261872" y="1219200"/>
+            <a:ext cx="8595360" cy="4960938"/>
+          </a:xfrm>
+        </p:spPr>
         <p:txBody>
           <a:bodyPr/>
           <a:lstStyle/>
           <a:p>
-            <a:r>
-              <a:rPr lang="en-US" dirty="0" smtClean="0">
-                <a:solidFill>
-                  <a:srgbClr val="00B050"/>
-                </a:solidFill>
-                <a:effectLst>
-                  <a:outerShdw blurRad="38100" dist="38100" dir="2700000" algn="tl">
-                    <a:srgbClr val="000000">
-                      <a:alpha val="43137"/>
-                    </a:srgbClr>
-                  </a:outerShdw>
-                </a:effectLst>
-                <a:latin typeface="Agency FB" panose="020B0503020202020204" pitchFamily="34" charset="0"/>
-              </a:rPr>
-              <a:t>Introduction</a:t>
-            </a:r>
-            <a:endParaRPr lang="en-US" dirty="0">
-              <a:solidFill>
-                <a:srgbClr val="00B050"/>
-              </a:solidFill>
-              <a:effectLst>
-                <a:outerShdw blurRad="38100" dist="38100" dir="2700000" algn="tl">
-                  <a:srgbClr val="000000">
-                    <a:alpha val="43137"/>
-                  </a:srgbClr>
-                </a:outerShdw>
-              </a:effectLst>
-              <a:latin typeface="Agency FB" panose="020B0503020202020204" pitchFamily="34" charset="0"/>
-            </a:endParaRPr>
-          </a:p>
-        </p:txBody>
-      </p:sp>
-      <p:sp>
-        <p:nvSpPr>
-          <p:cNvPr id="5" name="Content Placeholder 2"/>
-          <p:cNvSpPr txBox="1">
-            <a:spLocks/>
-          </p:cNvSpPr>
-          <p:nvPr/>
-        </p:nvSpPr>
-        <p:spPr>
-          <a:xfrm>
-            <a:off x="1097280" y="1845734"/>
-            <a:ext cx="10485120" cy="4023360"/>
-          </a:xfrm>
-          <a:prstGeom prst="rect">
-            <a:avLst/>
-          </a:prstGeom>
-        </p:spPr>
-        <p:txBody>
-          <a:bodyPr vert="horz" lIns="0" tIns="45720" rIns="0" bIns="45720" rtlCol="0">
-            <a:normAutofit/>
-          </a:bodyPr>
-          <a:lstStyle/>
-          <a:p>
-            <a:pPr marL="544068" marR="0" lvl="1" indent="-342900" algn="l" defTabSz="914400" rtl="0" eaLnBrk="1" fontAlgn="base" latinLnBrk="0" hangingPunct="1">
+            <a:pPr marL="0" lvl="1" indent="0" algn="just">
               <a:lnSpc>
-                <a:spcPct val="90000"/>
+                <a:spcPct val="95000"/>
               </a:lnSpc>
               <a:spcBef>
-                <a:spcPts val="200"/>
+                <a:spcPts val="1400"/>
               </a:spcBef>
               <a:spcAft>
-                <a:spcPts val="400"/>
+                <a:spcPts val="200"/>
               </a:spcAft>
-              <a:buClr>
-                <a:schemeClr val="accent3"/>
-              </a:buClr>
-              <a:buSzTx/>
-              <a:buFont typeface="+mj-lt"/>
-              <a:buAutoNum type="alphaUcPeriod"/>
-              <a:tabLst/>
-              <a:defRPr/>
+              <a:buSzPct val="80000"/>
+              <a:buNone/>
             </a:pPr>
             <a:r>
-              <a:rPr kumimoji="0" lang="en-US" sz="2400" b="1" i="0" u="none" strike="noStrike" kern="1200" cap="none" spc="0" normalizeH="0" baseline="0" noProof="0" dirty="0" smtClean="0">
-                <a:ln>
-                  <a:noFill/>
-                </a:ln>
+              <a:rPr lang="en-US" sz="2200" dirty="0">
                 <a:solidFill>
                   <a:schemeClr val="tx1">
                     <a:lumMod val="75000"/>
                     <a:lumOff val="25000"/>
                   </a:schemeClr>
                 </a:solidFill>
-                <a:effectLst/>
-                <a:uLnTx/>
-                <a:uFillTx/>
-                <a:latin typeface="Bell MT" pitchFamily="18" charset="0"/>
-              </a:rPr>
-              <a:t>Background</a:t>
-            </a:r>
-          </a:p>
-          <a:p>
-            <a:pPr marL="544068" lvl="1" indent="-342900" algn="just" fontAlgn="base">
-              <a:lnSpc>
-                <a:spcPct val="90000"/>
-              </a:lnSpc>
-              <a:spcBef>
-                <a:spcPts val="200"/>
-              </a:spcBef>
-              <a:spcAft>
-                <a:spcPts val="400"/>
-              </a:spcAft>
-              <a:buClr>
-                <a:schemeClr val="accent3"/>
-              </a:buClr>
-            </a:pPr>
-            <a:r>
-              <a:rPr lang="en-US" sz="2200" dirty="0" smtClean="0">
+                <a:latin typeface="Bell MT" pitchFamily="18" charset="0"/>
+              </a:rPr>
+              <a:t>In Haiti's poor </a:t>
+            </a:r>
+            <a:r>
+              <a:rPr lang="en-US" sz="2200" dirty="0" err="1">
                 <a:solidFill>
                   <a:schemeClr val="tx1">
                     <a:lumMod val="75000"/>
@@ -7348,10 +8352,10 @@
                 </a:solidFill>
                 <a:latin typeface="Bell MT" pitchFamily="18" charset="0"/>
               </a:rPr>
-              <a:t>In Haiti's poor </a:t>
-            </a:r>
-            <a:r>
-              <a:rPr lang="en-US" sz="2200" dirty="0" err="1" smtClean="0">
+              <a:t>neighbourhoods</a:t>
+            </a:r>
+            <a:r>
+              <a:rPr lang="en-US" sz="2200" dirty="0">
                 <a:solidFill>
                   <a:schemeClr val="tx1">
                     <a:lumMod val="75000"/>
@@ -7360,88 +8364,106 @@
                 </a:solidFill>
                 <a:latin typeface="Bell MT" pitchFamily="18" charset="0"/>
               </a:rPr>
-              <a:t>neighbourhoods</a:t>
-            </a:r>
-            <a:r>
-              <a:rPr lang="en-US" sz="2200" dirty="0" smtClean="0">
-                <a:solidFill>
-                  <a:schemeClr val="tx1">
-                    <a:lumMod val="75000"/>
-                    <a:lumOff val="25000"/>
-                  </a:schemeClr>
-                </a:solidFill>
-                <a:latin typeface="Bell MT" pitchFamily="18" charset="0"/>
-              </a:rPr>
               <a:t>, many girls drop out of school because of premature or unwanted pregnancies. Some have had the support of the father of their children to raise them or of their parents, Others do not, some do not know the identity of the father because 40% of these pregnancies are due to rape and sexual abuse, so they have to raise their children alone. These young teenage girls between the ages of 12 and 19 years old make all kinds of activities and sacrifices to provide for their children, many go into the informal sector trade, some go into domestic work as housekeepers, and some go into prostitution in the hope of having enough to feed themselves and their children. </a:t>
             </a:r>
-          </a:p>
-          <a:p>
-            <a:pPr marL="544068" lvl="1" indent="-342900" algn="just" fontAlgn="base">
-              <a:lnSpc>
-                <a:spcPct val="90000"/>
-              </a:lnSpc>
-              <a:spcBef>
-                <a:spcPts val="200"/>
-              </a:spcBef>
-              <a:spcAft>
-                <a:spcPts val="400"/>
-              </a:spcAft>
-              <a:buClr>
-                <a:schemeClr val="accent3"/>
-              </a:buClr>
-            </a:pPr>
-            <a:endParaRPr kumimoji="0" lang="en-US" sz="2200" i="0" u="none" strike="noStrike" kern="1200" cap="none" spc="0" normalizeH="0" baseline="0" noProof="0" dirty="0" smtClean="0">
-              <a:ln>
-                <a:noFill/>
-              </a:ln>
+            <a:endParaRPr lang="en-US" sz="2200" dirty="0" smtClean="0">
               <a:solidFill>
                 <a:schemeClr val="tx1">
                   <a:lumMod val="75000"/>
                   <a:lumOff val="25000"/>
                 </a:schemeClr>
               </a:solidFill>
-              <a:effectLst/>
-              <a:uLnTx/>
-              <a:uFillTx/>
               <a:latin typeface="Bell MT" pitchFamily="18" charset="0"/>
             </a:endParaRPr>
           </a:p>
           <a:p>
-            <a:pPr marL="91440" marR="0" lvl="0" indent="-91440" algn="l" defTabSz="914400" rtl="0" eaLnBrk="1" fontAlgn="auto" latinLnBrk="0" hangingPunct="1">
+            <a:pPr marL="0" lvl="1" indent="0" algn="just">
               <a:lnSpc>
-                <a:spcPct val="90000"/>
+                <a:spcPct val="95000"/>
               </a:lnSpc>
               <a:spcBef>
-                <a:spcPts val="1200"/>
+                <a:spcPts val="1400"/>
               </a:spcBef>
               <a:spcAft>
                 <a:spcPts val="200"/>
               </a:spcAft>
-              <a:buClr>
-                <a:schemeClr val="accent3"/>
-              </a:buClr>
-              <a:buSzPct val="100000"/>
-              <a:buFont typeface="Calibri" panose="020F0502020204030204" pitchFamily="34" charset="0"/>
-              <a:buChar char=" "/>
-              <a:tabLst/>
-              <a:defRPr/>
+              <a:buSzPct val="80000"/>
+              <a:buNone/>
             </a:pPr>
-            <a:endParaRPr kumimoji="0" lang="en-US" sz="2000" b="0" i="0" u="none" strike="noStrike" kern="1200" cap="none" spc="0" normalizeH="0" baseline="0" noProof="0" dirty="0">
-              <a:ln>
-                <a:noFill/>
-              </a:ln>
+            <a:endParaRPr lang="en-US" sz="2200" dirty="0">
               <a:solidFill>
                 <a:schemeClr val="tx1">
                   <a:lumMod val="75000"/>
                   <a:lumOff val="25000"/>
                 </a:schemeClr>
               </a:solidFill>
-              <a:effectLst/>
-              <a:uLnTx/>
-              <a:uFillTx/>
-              <a:latin typeface="+mn-lt"/>
-              <a:ea typeface="+mn-ea"/>
-              <a:cs typeface="+mn-cs"/>
+              <a:latin typeface="Bell MT" pitchFamily="18" charset="0"/>
+            </a:endParaRPr>
+          </a:p>
+          <a:p>
+            <a:pPr marL="0" lvl="1" indent="0" algn="just">
+              <a:lnSpc>
+                <a:spcPct val="95000"/>
+              </a:lnSpc>
+              <a:spcBef>
+                <a:spcPts val="1400"/>
+              </a:spcBef>
+              <a:spcAft>
+                <a:spcPts val="200"/>
+              </a:spcAft>
+              <a:buSzPct val="80000"/>
+              <a:buNone/>
+            </a:pPr>
+            <a:r>
+              <a:rPr lang="en-US" sz="2400" b="1" dirty="0" smtClean="0">
+                <a:solidFill>
+                  <a:srgbClr val="002060"/>
+                </a:solidFill>
+                <a:latin typeface="Bell MT" pitchFamily="18" charset="0"/>
+              </a:rPr>
+              <a:t>Why </a:t>
+            </a:r>
+            <a:r>
+              <a:rPr lang="en-US" sz="2400" b="1" dirty="0">
+                <a:solidFill>
+                  <a:srgbClr val="002060"/>
+                </a:solidFill>
+                <a:latin typeface="Bell MT" pitchFamily="18" charset="0"/>
+              </a:rPr>
+              <a:t>a teenager mom don't have the same choice of </a:t>
+            </a:r>
+            <a:r>
+              <a:rPr lang="en-US" sz="2400" b="1" dirty="0" err="1">
+                <a:solidFill>
+                  <a:srgbClr val="002060"/>
+                </a:solidFill>
+                <a:latin typeface="Bell MT" pitchFamily="18" charset="0"/>
+              </a:rPr>
+              <a:t>futur</a:t>
+            </a:r>
+            <a:r>
+              <a:rPr lang="en-US" sz="2400" b="1" dirty="0">
+                <a:solidFill>
+                  <a:srgbClr val="002060"/>
+                </a:solidFill>
+                <a:latin typeface="Bell MT" pitchFamily="18" charset="0"/>
+              </a:rPr>
+              <a:t> with other teenager in Haiti</a:t>
+            </a:r>
+            <a:r>
+              <a:rPr lang="en-US" sz="2400" b="1" dirty="0" smtClean="0">
+                <a:solidFill>
+                  <a:srgbClr val="002060"/>
+                </a:solidFill>
+                <a:latin typeface="Bell MT" pitchFamily="18" charset="0"/>
+              </a:rPr>
+              <a:t>?</a:t>
+            </a:r>
+            <a:endParaRPr lang="en-US" sz="2400" b="1" dirty="0">
+              <a:solidFill>
+                <a:srgbClr val="002060"/>
+              </a:solidFill>
+              <a:latin typeface="Bell MT" pitchFamily="18" charset="0"/>
             </a:endParaRPr>
           </a:p>
         </p:txBody>
@@ -7449,20 +8471,13 @@
     </p:spTree>
     <p:extLst>
       <p:ext uri="{BB962C8B-B14F-4D97-AF65-F5344CB8AC3E}">
-        <p14:creationId xmlns:p14="http://schemas.microsoft.com/office/powerpoint/2010/main" val="342560058"/>
+        <p14:creationId xmlns:p14="http://schemas.microsoft.com/office/powerpoint/2010/main" val="4134895557"/>
       </p:ext>
     </p:extLst>
   </p:cSld>
   <p:clrMapOvr>
     <a:masterClrMapping/>
   </p:clrMapOvr>
-  <p:timing>
-    <p:tnLst>
-      <p:par>
-        <p:cTn id="1" dur="indefinite" restart="never" nodeType="tmRoot"/>
-      </p:par>
-    </p:tnLst>
-  </p:timing>
 </p:sld>
 </file>
 
@@ -7485,41 +8500,267 @@
       </p:grpSpPr>
       <p:sp>
         <p:nvSpPr>
-          <p:cNvPr id="3" name="Espace réservé du contenu 2"/>
-          <p:cNvSpPr>
-            <a:spLocks noGrp="1"/>
-          </p:cNvSpPr>
-          <p:nvPr>
-            <p:ph idx="1"/>
-          </p:nvPr>
+          <p:cNvPr id="6" name="Regular Pentagon 5"/>
+          <p:cNvSpPr/>
+          <p:nvPr/>
+        </p:nvSpPr>
+        <p:spPr>
+          <a:xfrm rot="19366856">
+            <a:off x="4000119" y="810109"/>
+            <a:ext cx="3257987" cy="3085216"/>
+          </a:xfrm>
+          <a:prstGeom prst="pentagon">
+            <a:avLst/>
+          </a:prstGeom>
+          <a:solidFill>
+            <a:schemeClr val="accent2">
+              <a:lumMod val="75000"/>
+            </a:schemeClr>
+          </a:solidFill>
+          <a:ln w="28575">
+            <a:solidFill>
+              <a:schemeClr val="tx1"/>
+            </a:solidFill>
+          </a:ln>
+        </p:spPr>
+        <p:style>
+          <a:lnRef idx="2">
+            <a:schemeClr val="accent6"/>
+          </a:lnRef>
+          <a:fillRef idx="1">
+            <a:schemeClr val="lt1"/>
+          </a:fillRef>
+          <a:effectRef idx="0">
+            <a:schemeClr val="accent6"/>
+          </a:effectRef>
+          <a:fontRef idx="minor">
+            <a:schemeClr val="dk1"/>
+          </a:fontRef>
+        </p:style>
+        <p:txBody>
+          <a:bodyPr rtlCol="0" anchor="ctr"/>
+          <a:lstStyle/>
+          <a:p>
+            <a:pPr algn="ctr"/>
+            <a:r>
+              <a:rPr lang="en-US" dirty="0">
+                <a:solidFill>
+                  <a:schemeClr val="tx1"/>
+                </a:solidFill>
+              </a:rPr>
+              <a:t>For every 1000 girls between the ages of 15 and 19, 66 have at least one early pregnancy in Haiti</a:t>
+            </a:r>
+          </a:p>
+        </p:txBody>
+      </p:sp>
+      <p:sp>
+        <p:nvSpPr>
+          <p:cNvPr id="7" name="Regular Pentagon 6"/>
+          <p:cNvSpPr/>
+          <p:nvPr/>
         </p:nvSpPr>
         <p:spPr>
           <a:xfrm>
-            <a:off x="3851566" y="2313725"/>
-            <a:ext cx="7401097" cy="3560613"/>
+            <a:off x="6024973" y="3325091"/>
+            <a:ext cx="3202154" cy="3228108"/>
           </a:xfrm>
+          <a:prstGeom prst="pentagon">
+            <a:avLst/>
+          </a:prstGeom>
+          <a:solidFill>
+            <a:schemeClr val="accent2">
+              <a:lumMod val="75000"/>
+            </a:schemeClr>
+          </a:solidFill>
+          <a:ln w="28575">
+            <a:solidFill>
+              <a:schemeClr val="tx1"/>
+            </a:solidFill>
+          </a:ln>
         </p:spPr>
-        <p:txBody>
-          <a:bodyPr>
-            <a:normAutofit/>
+        <p:style>
+          <a:lnRef idx="2">
+            <a:schemeClr val="accent6"/>
+          </a:lnRef>
+          <a:fillRef idx="1">
+            <a:schemeClr val="lt1"/>
+          </a:fillRef>
+          <a:effectRef idx="0">
+            <a:schemeClr val="accent6"/>
+          </a:effectRef>
+          <a:fontRef idx="minor">
+            <a:schemeClr val="dk1"/>
+          </a:fontRef>
+        </p:style>
+        <p:txBody>
+          <a:bodyPr rtlCol="0" anchor="ctr"/>
+          <a:lstStyle/>
+          <a:p>
+            <a:pPr marL="0" lvl="1" algn="ctr"/>
+            <a:r>
+              <a:rPr lang="en-US" dirty="0" smtClean="0">
+                <a:solidFill>
+                  <a:schemeClr val="tx1"/>
+                </a:solidFill>
+              </a:rPr>
+              <a:t>Under </a:t>
+            </a:r>
+            <a:r>
+              <a:rPr lang="en-US" dirty="0">
+                <a:solidFill>
+                  <a:schemeClr val="tx1"/>
+                </a:solidFill>
+              </a:rPr>
+              <a:t>the effect of certain variables such as Rape and sexual abuse</a:t>
+            </a:r>
+          </a:p>
+          <a:p>
+            <a:pPr algn="ctr"/>
+            <a:r>
+              <a:rPr lang="en-US" dirty="0" smtClean="0">
+                <a:solidFill>
+                  <a:schemeClr val="tx1"/>
+                </a:solidFill>
+              </a:rPr>
+              <a:t>early </a:t>
+            </a:r>
+            <a:r>
+              <a:rPr lang="en-US" dirty="0">
+                <a:solidFill>
+                  <a:schemeClr val="tx1"/>
+                </a:solidFill>
+              </a:rPr>
+              <a:t>union, early sexuality, and under-use of contraception</a:t>
+            </a:r>
+          </a:p>
+        </p:txBody>
+      </p:sp>
+      <p:sp>
+        <p:nvSpPr>
+          <p:cNvPr id="8" name="Regular Pentagon 7"/>
+          <p:cNvSpPr/>
+          <p:nvPr/>
+        </p:nvSpPr>
+        <p:spPr>
+          <a:xfrm rot="2131321">
+            <a:off x="8057006" y="624369"/>
+            <a:ext cx="3202154" cy="3228108"/>
+          </a:xfrm>
+          <a:prstGeom prst="pentagon">
+            <a:avLst/>
+          </a:prstGeom>
+          <a:solidFill>
+            <a:schemeClr val="accent2">
+              <a:lumMod val="75000"/>
+            </a:schemeClr>
+          </a:solidFill>
+          <a:ln w="28575">
+            <a:solidFill>
+              <a:schemeClr val="tx1"/>
+            </a:solidFill>
+          </a:ln>
+        </p:spPr>
+        <p:style>
+          <a:lnRef idx="2">
+            <a:schemeClr val="accent6"/>
+          </a:lnRef>
+          <a:fillRef idx="1">
+            <a:schemeClr val="lt1"/>
+          </a:fillRef>
+          <a:effectRef idx="0">
+            <a:schemeClr val="accent6"/>
+          </a:effectRef>
+          <a:fontRef idx="minor">
+            <a:schemeClr val="dk1"/>
+          </a:fontRef>
+        </p:style>
+        <p:txBody>
+          <a:bodyPr rtlCol="0" anchor="ctr"/>
+          <a:lstStyle/>
+          <a:p>
+            <a:pPr marL="0" lvl="1" algn="ctr"/>
+            <a:endParaRPr lang="en-US" sz="1600" dirty="0"/>
+          </a:p>
+        </p:txBody>
+      </p:sp>
+      <p:sp>
+        <p:nvSpPr>
+          <p:cNvPr id="10" name="Line Callout 2 9"/>
+          <p:cNvSpPr/>
+          <p:nvPr/>
+        </p:nvSpPr>
+        <p:spPr>
+          <a:xfrm>
+            <a:off x="1358835" y="512619"/>
+            <a:ext cx="2548149" cy="928253"/>
+          </a:xfrm>
+          <a:prstGeom prst="borderCallout2">
+            <a:avLst>
+              <a:gd name="adj1" fmla="val 18750"/>
+              <a:gd name="adj2" fmla="val -8333"/>
+              <a:gd name="adj3" fmla="val 18750"/>
+              <a:gd name="adj4" fmla="val -16667"/>
+              <a:gd name="adj5" fmla="val 118470"/>
+              <a:gd name="adj6" fmla="val -45036"/>
+            </a:avLst>
+          </a:prstGeom>
+          <a:solidFill>
+            <a:schemeClr val="accent2">
+              <a:lumMod val="60000"/>
+              <a:lumOff val="40000"/>
+            </a:schemeClr>
+          </a:solidFill>
+          <a:ln w="28575">
+            <a:solidFill>
+              <a:schemeClr val="accent3">
+                <a:lumMod val="50000"/>
+              </a:schemeClr>
+            </a:solidFill>
+          </a:ln>
+        </p:spPr>
+        <p:style>
+          <a:lnRef idx="2">
+            <a:schemeClr val="accent6"/>
+          </a:lnRef>
+          <a:fillRef idx="1">
+            <a:schemeClr val="lt1"/>
+          </a:fillRef>
+          <a:effectRef idx="0">
+            <a:schemeClr val="accent6"/>
+          </a:effectRef>
+          <a:fontRef idx="minor">
+            <a:schemeClr val="dk1"/>
+          </a:fontRef>
+        </p:style>
+        <p:txBody>
+          <a:bodyPr rot="0" spcFirstLastPara="0" vertOverflow="overflow" horzOverflow="overflow" vert="horz" wrap="square" lIns="91440" tIns="45720" rIns="91440" bIns="45720" numCol="1" spcCol="0" rtlCol="0" fromWordArt="0" anchor="b" anchorCtr="0" forceAA="0" compatLnSpc="1">
+            <a:prstTxWarp prst="textNoShape">
+              <a:avLst/>
+            </a:prstTxWarp>
+            <a:noAutofit/>
           </a:bodyPr>
           <a:lstStyle/>
           <a:p>
-            <a:r>
-              <a:rPr lang="en-US" sz="2200" dirty="0" smtClean="0">
-                <a:latin typeface="Bell MT" pitchFamily="18" charset="0"/>
-              </a:rPr>
-              <a:t>For every one thousand (1000) girls between the ages of fifteen (15) and nineteen (19), sixty-six (66) have at least one early pregnancy in Haiti according to the MSSP. 11% of adolescents are already mothers, the general hypothesis is that socio-cultural, socio-economic and family factors influence the second birth of adolescents under the effect of certain variables such as early union, early sexuality, and under-use of contraception. </a:t>
-            </a:r>
-            <a:endParaRPr lang="en-US" sz="2200" dirty="0">
-              <a:latin typeface="Bell MT" pitchFamily="18" charset="0"/>
-            </a:endParaRPr>
+            <a:pPr marL="0" lvl="1" algn="ctr"/>
+            <a:r>
+              <a:rPr lang="en-US" sz="2400" b="1" dirty="0">
+                <a:solidFill>
+                  <a:srgbClr val="002060"/>
+                </a:solidFill>
+                <a:latin typeface="Bell MT" pitchFamily="18" charset="0"/>
+              </a:rPr>
+              <a:t>Background</a:t>
+            </a:r>
+          </a:p>
+          <a:p>
+            <a:pPr algn="ctr"/>
+            <a:endParaRPr lang="en-US" sz="1400" dirty="0"/>
           </a:p>
         </p:txBody>
       </p:sp>
       <p:pic>
         <p:nvPicPr>
-          <p:cNvPr id="4" name="Content Placeholder 3"/>
+          <p:cNvPr id="11" name="Content Placeholder 3"/>
           <p:cNvPicPr>
             <a:picLocks noChangeAspect="1"/>
           </p:cNvPicPr>
@@ -7527,6 +8768,13 @@
         </p:nvPicPr>
         <p:blipFill>
           <a:blip r:embed="rId2">
+            <a:duotone>
+              <a:prstClr val="black"/>
+              <a:schemeClr val="accent2">
+                <a:tint val="45000"/>
+                <a:satMod val="400000"/>
+              </a:schemeClr>
+            </a:duotone>
             <a:extLst>
               <a:ext uri="{28A0092B-C50C-407E-A947-70E740481C1C}">
                 <a14:useLocalDpi xmlns:a14="http://schemas.microsoft.com/office/drawing/2010/main" val="0"/>
@@ -7539,15 +8787,33 @@
         </p:blipFill>
         <p:spPr>
           <a:xfrm>
-            <a:off x="1152703" y="2022770"/>
-            <a:ext cx="2556393" cy="2563089"/>
+            <a:off x="492121" y="1814517"/>
+            <a:ext cx="3523673" cy="4032101"/>
           </a:xfrm>
-          <a:prstGeom prst="rect">
-            <a:avLst/>
+          <a:prstGeom prst="roundRect">
+            <a:avLst>
+              <a:gd name="adj" fmla="val 8594"/>
+            </a:avLst>
           </a:prstGeom>
+          <a:solidFill>
+            <a:srgbClr val="FFFFFF">
+              <a:shade val="85000"/>
+            </a:srgbClr>
+          </a:solidFill>
+          <a:ln>
+            <a:noFill/>
+          </a:ln>
+          <a:effectLst>
+            <a:reflection blurRad="12700" stA="38000" endPos="28000" dist="5000" dir="5400000" sy="-100000" algn="bl" rotWithShape="0"/>
+          </a:effectLst>
         </p:spPr>
       </p:pic>
     </p:spTree>
+    <p:extLst>
+      <p:ext uri="{BB962C8B-B14F-4D97-AF65-F5344CB8AC3E}">
+        <p14:creationId xmlns:p14="http://schemas.microsoft.com/office/powerpoint/2010/main" val="342560058"/>
+      </p:ext>
+    </p:extLst>
   </p:cSld>
   <p:clrMapOvr>
     <a:masterClrMapping/>
@@ -7579,62 +8845,6 @@
           <a:chExt cx="0" cy="0"/>
         </a:xfrm>
       </p:grpSpPr>
-      <p:sp>
-        <p:nvSpPr>
-          <p:cNvPr id="2" name="Title 1"/>
-          <p:cNvSpPr>
-            <a:spLocks noGrp="1"/>
-          </p:cNvSpPr>
-          <p:nvPr>
-            <p:ph type="title"/>
-          </p:nvPr>
-        </p:nvSpPr>
-        <p:spPr/>
-        <p:txBody>
-          <a:bodyPr/>
-          <a:lstStyle/>
-          <a:p>
-            <a:pPr marL="658368" marR="0" lvl="1" indent="-457200" defTabSz="914400" rtl="0" eaLnBrk="1" fontAlgn="base" latinLnBrk="0" hangingPunct="1">
-              <a:lnSpc>
-                <a:spcPct val="90000"/>
-              </a:lnSpc>
-              <a:spcBef>
-                <a:spcPts val="200"/>
-              </a:spcBef>
-              <a:spcAft>
-                <a:spcPts val="400"/>
-              </a:spcAft>
-              <a:buClr>
-                <a:schemeClr val="accent3"/>
-              </a:buClr>
-              <a:buFont typeface="+mj-lt"/>
-              <a:buAutoNum type="alphaUcPeriod" startAt="2"/>
-              <a:tabLst/>
-              <a:defRPr/>
-            </a:pPr>
-            <a:r>
-              <a:rPr kumimoji="0" lang="en-US" sz="2400" b="1" i="0" u="none" strike="noStrike" kern="1200" cap="none" spc="0" normalizeH="0" baseline="0" noProof="0" dirty="0" smtClean="0">
-                <a:ln>
-                  <a:noFill/>
-                </a:ln>
-                <a:solidFill>
-                  <a:prstClr val="white">
-                    <a:lumMod val="75000"/>
-                    <a:lumOff val="25000"/>
-                  </a:prstClr>
-                </a:solidFill>
-                <a:effectLst/>
-                <a:uLnTx/>
-                <a:uFillTx/>
-                <a:latin typeface="Bell MT" pitchFamily="18" charset="0"/>
-                <a:ea typeface="+mn-ea"/>
-                <a:cs typeface="+mn-cs"/>
-              </a:rPr>
-              <a:t>Problem </a:t>
-            </a:r>
-          </a:p>
-        </p:txBody>
-      </p:sp>
       <p:sp>
         <p:nvSpPr>
           <p:cNvPr id="3" name="Content Placeholder 2"/>
@@ -7779,6 +8989,78 @@
           </a:prstGeom>
         </p:spPr>
       </p:pic>
+      <p:sp>
+        <p:nvSpPr>
+          <p:cNvPr id="6" name="Line Callout 2 5"/>
+          <p:cNvSpPr/>
+          <p:nvPr/>
+        </p:nvSpPr>
+        <p:spPr>
+          <a:xfrm>
+            <a:off x="1303437" y="417714"/>
+            <a:ext cx="2548149" cy="928253"/>
+          </a:xfrm>
+          <a:prstGeom prst="borderCallout2">
+            <a:avLst>
+              <a:gd name="adj1" fmla="val 18750"/>
+              <a:gd name="adj2" fmla="val -8333"/>
+              <a:gd name="adj3" fmla="val 18750"/>
+              <a:gd name="adj4" fmla="val -16667"/>
+              <a:gd name="adj5" fmla="val 118470"/>
+              <a:gd name="adj6" fmla="val -42861"/>
+            </a:avLst>
+          </a:prstGeom>
+          <a:solidFill>
+            <a:schemeClr val="accent2">
+              <a:lumMod val="60000"/>
+              <a:lumOff val="40000"/>
+            </a:schemeClr>
+          </a:solidFill>
+          <a:ln w="28575">
+            <a:solidFill>
+              <a:schemeClr val="accent3">
+                <a:lumMod val="50000"/>
+              </a:schemeClr>
+            </a:solidFill>
+          </a:ln>
+        </p:spPr>
+        <p:style>
+          <a:lnRef idx="2">
+            <a:schemeClr val="accent6"/>
+          </a:lnRef>
+          <a:fillRef idx="1">
+            <a:schemeClr val="lt1"/>
+          </a:fillRef>
+          <a:effectRef idx="0">
+            <a:schemeClr val="accent6"/>
+          </a:effectRef>
+          <a:fontRef idx="minor">
+            <a:schemeClr val="dk1"/>
+          </a:fontRef>
+        </p:style>
+        <p:txBody>
+          <a:bodyPr rot="0" spcFirstLastPara="0" vertOverflow="overflow" horzOverflow="overflow" vert="horz" wrap="square" lIns="91440" tIns="45720" rIns="91440" bIns="45720" numCol="1" spcCol="0" rtlCol="0" fromWordArt="0" anchor="ctr" anchorCtr="0" forceAA="0" compatLnSpc="1">
+            <a:prstTxWarp prst="textNoShape">
+              <a:avLst/>
+            </a:prstTxWarp>
+            <a:noAutofit/>
+          </a:bodyPr>
+          <a:lstStyle/>
+          <a:p>
+            <a:pPr marL="0" lvl="1" algn="ctr"/>
+            <a:r>
+              <a:rPr lang="en-US" sz="2400" b="1" dirty="0">
+                <a:solidFill>
+                  <a:srgbClr val="002060"/>
+                </a:solidFill>
+                <a:latin typeface="Bell MT" pitchFamily="18" charset="0"/>
+              </a:rPr>
+              <a:t>Problem </a:t>
+            </a:r>
+            <a:endParaRPr lang="en-US" sz="1400" dirty="0"/>
+          </a:p>
+        </p:txBody>
+      </p:sp>
     </p:spTree>
     <p:extLst>
       <p:ext uri="{BB962C8B-B14F-4D97-AF65-F5344CB8AC3E}">
@@ -7816,63 +9098,35 @@
           <a:chExt cx="0" cy="0"/>
         </a:xfrm>
       </p:grpSpPr>
-      <p:sp>
-        <p:nvSpPr>
-          <p:cNvPr id="2" name="Titre 1"/>
-          <p:cNvSpPr>
-            <a:spLocks noGrp="1"/>
-          </p:cNvSpPr>
-          <p:nvPr>
-            <p:ph type="title"/>
-          </p:nvPr>
-        </p:nvSpPr>
-        <p:spPr/>
-        <p:txBody>
-          <a:bodyPr/>
-          <a:lstStyle/>
-          <a:p>
-            <a:pPr marL="658368" marR="0" lvl="1" indent="-457200" defTabSz="914400" rtl="0" eaLnBrk="1" fontAlgn="base" latinLnBrk="0" hangingPunct="1">
-              <a:lnSpc>
-                <a:spcPct val="90000"/>
-              </a:lnSpc>
-              <a:spcBef>
-                <a:spcPts val="200"/>
-              </a:spcBef>
-              <a:spcAft>
-                <a:spcPts val="400"/>
-              </a:spcAft>
-              <a:buClr>
-                <a:schemeClr val="accent3"/>
-              </a:buClr>
-              <a:buFont typeface="+mj-lt"/>
-              <a:buAutoNum type="alphaUcPeriod" startAt="3"/>
-              <a:tabLst/>
-              <a:defRPr/>
-            </a:pPr>
-            <a:r>
-              <a:rPr kumimoji="0" lang="en-US" sz="2400" b="1" i="0" u="none" strike="noStrike" kern="1200" cap="none" spc="0" normalizeH="0" baseline="0" noProof="0" dirty="0" smtClean="0">
-                <a:ln>
-                  <a:noFill/>
-                </a:ln>
-                <a:solidFill>
-                  <a:prstClr val="white">
-                    <a:lumMod val="75000"/>
-                    <a:lumOff val="25000"/>
-                  </a:prstClr>
-                </a:solidFill>
-                <a:effectLst/>
-                <a:uLnTx/>
-                <a:uFillTx/>
-                <a:latin typeface="Bell MT" pitchFamily="18" charset="0"/>
-                <a:ea typeface="+mn-ea"/>
-                <a:cs typeface="+mn-cs"/>
-              </a:rPr>
-              <a:t>Audience</a:t>
-            </a:r>
-            <a:endParaRPr lang="en-US" dirty="0"/>
-          </a:p>
-        </p:txBody>
-      </p:sp>
+      <p:pic>
+        <p:nvPicPr>
+          <p:cNvPr id="7" name="Picture 6"/>
+          <p:cNvPicPr>
+            <a:picLocks noChangeAspect="1"/>
+          </p:cNvPicPr>
+          <p:nvPr/>
+        </p:nvPicPr>
+        <p:blipFill rotWithShape="1">
+          <a:blip r:embed="rId2" cstate="print">
+            <a:extLst>
+              <a:ext uri="{28A0092B-C50C-407E-A947-70E740481C1C}">
+                <a14:useLocalDpi xmlns:a14="http://schemas.microsoft.com/office/drawing/2010/main" val="0"/>
+              </a:ext>
+            </a:extLst>
+          </a:blip>
+          <a:srcRect l="14181" t="5397" r="12523" b="23580"/>
+          <a:stretch/>
+        </p:blipFill>
+        <p:spPr>
+          <a:xfrm>
+            <a:off x="9240704" y="2651169"/>
+            <a:ext cx="886970" cy="859467"/>
+          </a:xfrm>
+          <a:prstGeom prst="rect">
+            <a:avLst/>
+          </a:prstGeom>
+        </p:spPr>
+      </p:pic>
       <p:sp>
         <p:nvSpPr>
           <p:cNvPr id="3" name="Espace réservé du contenu 2"/>
@@ -7883,7 +9137,12 @@
             <p:ph idx="1"/>
           </p:nvPr>
         </p:nvSpPr>
-        <p:spPr/>
+        <p:spPr>
+          <a:xfrm>
+            <a:off x="2673926" y="1828800"/>
+            <a:ext cx="7183305" cy="4351337"/>
+          </a:xfrm>
+        </p:spPr>
         <p:txBody>
           <a:bodyPr>
             <a:normAutofit/>
@@ -7894,23 +9153,57 @@
               <a:rPr lang="en-US" sz="2400" dirty="0" smtClean="0">
                 <a:latin typeface="Bell MT" pitchFamily="18" charset="0"/>
               </a:rPr>
-              <a:t>All young mothers</a:t>
-            </a:r>
-          </a:p>
-          <a:p>
+              <a:t>All young </a:t>
+            </a:r>
             <a:r>
               <a:rPr lang="en-US" sz="2400" dirty="0" smtClean="0">
                 <a:latin typeface="Bell MT" pitchFamily="18" charset="0"/>
               </a:rPr>
-              <a:t>ONGs working with and for young people, women</a:t>
-            </a:r>
+              <a:t>mothers</a:t>
+            </a:r>
+          </a:p>
+          <a:p>
+            <a:pPr marL="0" indent="0">
+              <a:buNone/>
+            </a:pPr>
+            <a:endParaRPr lang="en-US" sz="2400" dirty="0" smtClean="0">
+              <a:latin typeface="Bell MT" pitchFamily="18" charset="0"/>
+            </a:endParaRPr>
           </a:p>
           <a:p>
             <a:r>
               <a:rPr lang="en-US" sz="2400" dirty="0" smtClean="0">
                 <a:latin typeface="Bell MT" pitchFamily="18" charset="0"/>
               </a:rPr>
-              <a:t>Corporate philanthropy</a:t>
+              <a:t>NGOs </a:t>
+            </a:r>
+            <a:r>
+              <a:rPr lang="en-US" sz="2400" dirty="0" smtClean="0">
+                <a:latin typeface="Bell MT" pitchFamily="18" charset="0"/>
+              </a:rPr>
+              <a:t>working with and for young people, women</a:t>
+            </a:r>
+          </a:p>
+          <a:p>
+            <a:pPr marL="0" indent="0">
+              <a:buNone/>
+            </a:pPr>
+            <a:endParaRPr lang="en-US" sz="2400" dirty="0" smtClean="0">
+              <a:latin typeface="Bell MT" pitchFamily="18" charset="0"/>
+            </a:endParaRPr>
+          </a:p>
+          <a:p>
+            <a:r>
+              <a:rPr lang="en-US" sz="2400" dirty="0" smtClean="0">
+                <a:latin typeface="Bell MT" pitchFamily="18" charset="0"/>
+              </a:rPr>
+              <a:t>Corporate </a:t>
+            </a:r>
+            <a:r>
+              <a:rPr lang="en-US" sz="2400" dirty="0" smtClean="0">
+                <a:latin typeface="Bell MT" pitchFamily="18" charset="0"/>
+              </a:rPr>
+              <a:t>philanthropy</a:t>
             </a:r>
             <a:endParaRPr lang="en-US" sz="2400" dirty="0">
               <a:latin typeface="Bell MT" pitchFamily="18" charset="0"/>
@@ -7918,6 +9211,149 @@
           </a:p>
         </p:txBody>
       </p:sp>
+      <p:sp>
+        <p:nvSpPr>
+          <p:cNvPr id="4" name="Line Callout 2 3"/>
+          <p:cNvSpPr/>
+          <p:nvPr/>
+        </p:nvSpPr>
+        <p:spPr>
+          <a:xfrm>
+            <a:off x="1331147" y="486989"/>
+            <a:ext cx="2548149" cy="928253"/>
+          </a:xfrm>
+          <a:prstGeom prst="borderCallout2">
+            <a:avLst>
+              <a:gd name="adj1" fmla="val 18750"/>
+              <a:gd name="adj2" fmla="val -8333"/>
+              <a:gd name="adj3" fmla="val 18750"/>
+              <a:gd name="adj4" fmla="val -16667"/>
+              <a:gd name="adj5" fmla="val 118470"/>
+              <a:gd name="adj6" fmla="val -37424"/>
+            </a:avLst>
+          </a:prstGeom>
+          <a:solidFill>
+            <a:schemeClr val="accent2">
+              <a:lumMod val="60000"/>
+              <a:lumOff val="40000"/>
+            </a:schemeClr>
+          </a:solidFill>
+          <a:ln w="28575">
+            <a:solidFill>
+              <a:schemeClr val="accent3">
+                <a:lumMod val="50000"/>
+              </a:schemeClr>
+            </a:solidFill>
+          </a:ln>
+        </p:spPr>
+        <p:style>
+          <a:lnRef idx="2">
+            <a:schemeClr val="accent6"/>
+          </a:lnRef>
+          <a:fillRef idx="1">
+            <a:schemeClr val="lt1"/>
+          </a:fillRef>
+          <a:effectRef idx="0">
+            <a:schemeClr val="accent6"/>
+          </a:effectRef>
+          <a:fontRef idx="minor">
+            <a:schemeClr val="dk1"/>
+          </a:fontRef>
+        </p:style>
+        <p:txBody>
+          <a:bodyPr rot="0" spcFirstLastPara="0" vertOverflow="overflow" horzOverflow="overflow" vert="horz" wrap="square" lIns="91440" tIns="45720" rIns="91440" bIns="45720" numCol="1" spcCol="0" rtlCol="0" fromWordArt="0" anchor="ctr" anchorCtr="0" forceAA="0" compatLnSpc="1">
+            <a:prstTxWarp prst="textNoShape">
+              <a:avLst/>
+            </a:prstTxWarp>
+            <a:noAutofit/>
+          </a:bodyPr>
+          <a:lstStyle/>
+          <a:p>
+            <a:pPr marL="0" lvl="1" algn="ctr"/>
+            <a:r>
+              <a:rPr lang="en-US" sz="2400" b="1" dirty="0">
+                <a:solidFill>
+                  <a:srgbClr val="002060"/>
+                </a:solidFill>
+                <a:latin typeface="Bell MT" pitchFamily="18" charset="0"/>
+              </a:rPr>
+              <a:t>Audience </a:t>
+            </a:r>
+            <a:endParaRPr lang="en-US" sz="1400" dirty="0">
+              <a:solidFill>
+                <a:srgbClr val="002060"/>
+              </a:solidFill>
+            </a:endParaRPr>
+          </a:p>
+        </p:txBody>
+      </p:sp>
+      <p:pic>
+        <p:nvPicPr>
+          <p:cNvPr id="5" name="Picture 4"/>
+          <p:cNvPicPr>
+            <a:picLocks noChangeAspect="1"/>
+          </p:cNvPicPr>
+          <p:nvPr/>
+        </p:nvPicPr>
+        <p:blipFill>
+          <a:blip r:embed="rId3">
+            <a:extLst>
+              <a:ext uri="{28A0092B-C50C-407E-A947-70E740481C1C}">
+                <a14:useLocalDpi xmlns:a14="http://schemas.microsoft.com/office/drawing/2010/main" val="0"/>
+              </a:ext>
+            </a:extLst>
+          </a:blip>
+          <a:stretch>
+            <a:fillRect/>
+          </a:stretch>
+        </p:blipFill>
+        <p:spPr>
+          <a:xfrm flipH="1">
+            <a:off x="5093521" y="1620982"/>
+            <a:ext cx="822369" cy="822369"/>
+          </a:xfrm>
+          <a:prstGeom prst="rect">
+            <a:avLst/>
+          </a:prstGeom>
+        </p:spPr>
+      </p:pic>
+      <p:pic>
+        <p:nvPicPr>
+          <p:cNvPr id="8" name="Picture 7"/>
+          <p:cNvPicPr>
+            <a:picLocks noChangeAspect="1"/>
+          </p:cNvPicPr>
+          <p:nvPr/>
+        </p:nvPicPr>
+        <p:blipFill>
+          <a:blip r:embed="rId4" cstate="print">
+            <a:duotone>
+              <a:schemeClr val="accent4">
+                <a:shade val="45000"/>
+                <a:satMod val="135000"/>
+              </a:schemeClr>
+              <a:prstClr val="white"/>
+            </a:duotone>
+            <a:extLst>
+              <a:ext uri="{28A0092B-C50C-407E-A947-70E740481C1C}">
+                <a14:useLocalDpi xmlns:a14="http://schemas.microsoft.com/office/drawing/2010/main" val="0"/>
+              </a:ext>
+            </a:extLst>
+          </a:blip>
+          <a:stretch>
+            <a:fillRect/>
+          </a:stretch>
+        </p:blipFill>
+        <p:spPr>
+          <a:xfrm>
+            <a:off x="5915890" y="3986511"/>
+            <a:ext cx="516216" cy="516216"/>
+          </a:xfrm>
+          <a:prstGeom prst="rect">
+            <a:avLst/>
+          </a:prstGeom>
+        </p:spPr>
+      </p:pic>
     </p:spTree>
   </p:cSld>
   <p:clrMapOvr>
@@ -7950,79 +9386,235 @@
           <a:chExt cx="0" cy="0"/>
         </a:xfrm>
       </p:grpSpPr>
-      <p:sp>
-        <p:nvSpPr>
-          <p:cNvPr id="8" name="Rectangle 7"/>
+      <p:pic>
+        <p:nvPicPr>
+          <p:cNvPr id="6" name="Content Placeholder 5"/>
+          <p:cNvPicPr>
+            <a:picLocks noGrp="1" noChangeAspect="1"/>
+          </p:cNvPicPr>
+          <p:nvPr>
+            <p:ph idx="1"/>
+          </p:nvPr>
+        </p:nvPicPr>
+        <p:blipFill>
+          <a:blip r:embed="rId2">
+            <a:extLst>
+              <a:ext uri="{28A0092B-C50C-407E-A947-70E740481C1C}">
+                <a14:useLocalDpi xmlns:a14="http://schemas.microsoft.com/office/drawing/2010/main" val="0"/>
+              </a:ext>
+            </a:extLst>
+          </a:blip>
+          <a:stretch>
+            <a:fillRect/>
+          </a:stretch>
+        </p:blipFill>
+        <p:spPr>
+          <a:xfrm>
+            <a:off x="530225" y="2159467"/>
+            <a:ext cx="3017652" cy="1077733"/>
+          </a:xfrm>
+        </p:spPr>
+      </p:pic>
+      <p:sp>
+        <p:nvSpPr>
+          <p:cNvPr id="5" name="Line Callout 2 4"/>
           <p:cNvSpPr/>
           <p:nvPr/>
         </p:nvSpPr>
         <p:spPr>
           <a:xfrm>
-            <a:off x="7135097" y="1925782"/>
-            <a:ext cx="4696691" cy="3283527"/>
+            <a:off x="1606486" y="697022"/>
+            <a:ext cx="1941391" cy="626207"/>
+          </a:xfrm>
+          <a:prstGeom prst="borderCallout2">
+            <a:avLst>
+              <a:gd name="adj1" fmla="val 18750"/>
+              <a:gd name="adj2" fmla="val -8333"/>
+              <a:gd name="adj3" fmla="val 18750"/>
+              <a:gd name="adj4" fmla="val -16667"/>
+              <a:gd name="adj5" fmla="val 112500"/>
+              <a:gd name="adj6" fmla="val -44492"/>
+            </a:avLst>
+          </a:prstGeom>
+          <a:solidFill>
+            <a:schemeClr val="accent2">
+              <a:lumMod val="60000"/>
+              <a:lumOff val="40000"/>
+            </a:schemeClr>
+          </a:solidFill>
+          <a:ln w="28575">
+            <a:solidFill>
+              <a:schemeClr val="accent3">
+                <a:lumMod val="50000"/>
+              </a:schemeClr>
+            </a:solidFill>
+          </a:ln>
+        </p:spPr>
+        <p:style>
+          <a:lnRef idx="2">
+            <a:schemeClr val="accent6"/>
+          </a:lnRef>
+          <a:fillRef idx="1">
+            <a:schemeClr val="lt1"/>
+          </a:fillRef>
+          <a:effectRef idx="0">
+            <a:schemeClr val="accent6"/>
+          </a:effectRef>
+          <a:fontRef idx="minor">
+            <a:schemeClr val="dk1"/>
+          </a:fontRef>
+        </p:style>
+        <p:txBody>
+          <a:bodyPr rot="0" spcFirstLastPara="0" vertOverflow="overflow" horzOverflow="overflow" vert="horz" wrap="square" lIns="91440" tIns="45720" rIns="91440" bIns="45720" numCol="1" spcCol="0" rtlCol="0" fromWordArt="0" anchor="ctr" anchorCtr="0" forceAA="0" compatLnSpc="1">
+            <a:prstTxWarp prst="textNoShape">
+              <a:avLst/>
+            </a:prstTxWarp>
+            <a:noAutofit/>
+          </a:bodyPr>
+          <a:lstStyle/>
+          <a:p>
+            <a:pPr marL="0" lvl="1" algn="ctr"/>
+            <a:r>
+              <a:rPr lang="en-US" sz="2400" b="1" dirty="0" smtClean="0">
+                <a:solidFill>
+                  <a:srgbClr val="002060"/>
+                </a:solidFill>
+                <a:latin typeface="Bell MT" pitchFamily="18" charset="0"/>
+              </a:rPr>
+              <a:t>Data</a:t>
+            </a:r>
+            <a:endParaRPr lang="en-US" sz="1400" dirty="0">
+              <a:solidFill>
+                <a:srgbClr val="002060"/>
+              </a:solidFill>
+            </a:endParaRPr>
+          </a:p>
+        </p:txBody>
+      </p:sp>
+      <p:sp>
+        <p:nvSpPr>
+          <p:cNvPr id="7" name="Rectangle 6"/>
+          <p:cNvSpPr/>
+          <p:nvPr/>
+        </p:nvSpPr>
+        <p:spPr>
+          <a:xfrm>
+            <a:off x="3547877" y="2375167"/>
+            <a:ext cx="7563468" cy="646331"/>
           </a:xfrm>
           <a:prstGeom prst="rect">
             <a:avLst/>
           </a:prstGeom>
         </p:spPr>
-        <p:style>
-          <a:lnRef idx="2">
-            <a:schemeClr val="accent1">
-              <a:shade val="50000"/>
-            </a:schemeClr>
-          </a:lnRef>
-          <a:fillRef idx="1">
-            <a:schemeClr val="accent1"/>
-          </a:fillRef>
-          <a:effectRef idx="0">
-            <a:schemeClr val="accent1"/>
-          </a:effectRef>
-          <a:fontRef idx="minor">
-            <a:schemeClr val="lt1"/>
-          </a:fontRef>
-        </p:style>
-        <p:txBody>
-          <a:bodyPr rtlCol="0" anchor="ctr"/>
+        <p:txBody>
+          <a:bodyPr wrap="square">
+            <a:spAutoFit/>
+          </a:bodyPr>
           <a:lstStyle/>
           <a:p>
-            <a:pPr algn="ctr"/>
-            <a:endParaRPr lang="en-US"/>
-          </a:p>
-        </p:txBody>
-      </p:sp>
-      <p:sp>
-        <p:nvSpPr>
-          <p:cNvPr id="2" name="Title 1"/>
-          <p:cNvSpPr>
-            <a:spLocks noGrp="1"/>
-          </p:cNvSpPr>
-          <p:nvPr>
-            <p:ph type="title"/>
-          </p:nvPr>
-        </p:nvSpPr>
-        <p:spPr/>
-        <p:txBody>
-          <a:bodyPr/>
+            <a:r>
+              <a:rPr lang="en-US" b="1" dirty="0">
+                <a:solidFill>
+                  <a:srgbClr val="00B0F0"/>
+                </a:solidFill>
+              </a:rPr>
+              <a:t>https://dhsprogram.com/topics/Youth-Corner/haiti-dhs-key-indicators.cfm</a:t>
+            </a:r>
+          </a:p>
+        </p:txBody>
+      </p:sp>
+      <p:pic>
+        <p:nvPicPr>
+          <p:cNvPr id="8" name="Picture 7"/>
+          <p:cNvPicPr>
+            <a:picLocks noChangeAspect="1"/>
+          </p:cNvPicPr>
+          <p:nvPr/>
+        </p:nvPicPr>
+        <p:blipFill>
+          <a:blip r:embed="rId3">
+            <a:extLst>
+              <a:ext uri="{28A0092B-C50C-407E-A947-70E740481C1C}">
+                <a14:useLocalDpi xmlns:a14="http://schemas.microsoft.com/office/drawing/2010/main" val="0"/>
+              </a:ext>
+            </a:extLst>
+          </a:blip>
+          <a:stretch>
+            <a:fillRect/>
+          </a:stretch>
+        </p:blipFill>
+        <p:spPr>
+          <a:xfrm>
+            <a:off x="805563" y="3868446"/>
+            <a:ext cx="2466975" cy="1476375"/>
+          </a:xfrm>
+          <a:prstGeom prst="rect">
+            <a:avLst/>
+          </a:prstGeom>
+        </p:spPr>
+      </p:pic>
+      <p:sp>
+        <p:nvSpPr>
+          <p:cNvPr id="9" name="Rectangle 8"/>
+          <p:cNvSpPr/>
+          <p:nvPr/>
+        </p:nvSpPr>
+        <p:spPr>
+          <a:xfrm>
+            <a:off x="3547877" y="4283469"/>
+            <a:ext cx="6096000" cy="646331"/>
+          </a:xfrm>
+          <a:prstGeom prst="rect">
+            <a:avLst/>
+          </a:prstGeom>
+        </p:spPr>
+        <p:txBody>
+          <a:bodyPr>
+            <a:spAutoFit/>
+          </a:bodyPr>
           <a:lstStyle/>
           <a:p>
             <a:r>
-              <a:rPr lang="en-US" dirty="0" smtClean="0">
+              <a:rPr lang="en-US" b="1" dirty="0">
                 <a:solidFill>
-                  <a:srgbClr val="00B050"/>
+                  <a:srgbClr val="00B0F0"/>
                 </a:solidFill>
-                <a:latin typeface="Agency FB" pitchFamily="34" charset="0"/>
-              </a:rPr>
-              <a:t>Haitian demographics</a:t>
-            </a:r>
-            <a:endParaRPr lang="en-US" dirty="0">
-              <a:solidFill>
-                <a:srgbClr val="00B050"/>
-              </a:solidFill>
-              <a:latin typeface="Agency FB" pitchFamily="34" charset="0"/>
-            </a:endParaRPr>
-          </a:p>
-        </p:txBody>
-      </p:sp>
+              </a:rPr>
+              <a:t> https://data.humdata.org/dataset/777e8b06-337f-4295-80bc-ca1515244215</a:t>
+            </a:r>
+          </a:p>
+        </p:txBody>
+      </p:sp>
+    </p:spTree>
+    <p:extLst>
+      <p:ext uri="{BB962C8B-B14F-4D97-AF65-F5344CB8AC3E}">
+        <p14:creationId xmlns:p14="http://schemas.microsoft.com/office/powerpoint/2010/main" val="3777798042"/>
+      </p:ext>
+    </p:extLst>
+  </p:cSld>
+  <p:clrMapOvr>
+    <a:masterClrMapping/>
+  </p:clrMapOvr>
+</p:sld>
+</file>
+
+<file path=ppt/slides/slide7.xml><?xml version="1.0" encoding="utf-8"?>
+<p:sld xmlns:a="http://schemas.openxmlformats.org/drawingml/2006/main" xmlns:r="http://schemas.openxmlformats.org/officeDocument/2006/relationships" xmlns:p="http://schemas.openxmlformats.org/presentationml/2006/main">
+  <p:cSld>
+    <p:spTree>
+      <p:nvGrpSpPr>
+        <p:cNvPr id="1" name=""/>
+        <p:cNvGrpSpPr/>
+        <p:nvPr/>
+      </p:nvGrpSpPr>
+      <p:grpSpPr>
+        <a:xfrm>
+          <a:off x="0" y="0"/>
+          <a:ext cx="0" cy="0"/>
+          <a:chOff x="0" y="0"/>
+          <a:chExt cx="0" cy="0"/>
+        </a:xfrm>
+      </p:grpSpPr>
       <p:sp>
         <p:nvSpPr>
           <p:cNvPr id="6" name="Espace réservé du contenu 5"/>
@@ -8035,40 +9627,67 @@
         </p:nvSpPr>
         <p:spPr>
           <a:xfrm>
-            <a:off x="568045" y="1845734"/>
-            <a:ext cx="6276109" cy="2684701"/>
+            <a:off x="667892" y="2221455"/>
+            <a:ext cx="5278573" cy="2421466"/>
           </a:xfrm>
         </p:spPr>
         <p:txBody>
           <a:bodyPr numCol="2">
-            <a:normAutofit lnSpcReduction="10000"/>
+            <a:noAutofit/>
           </a:bodyPr>
           <a:lstStyle/>
           <a:p>
             <a:pPr algn="just"/>
             <a:r>
-              <a:rPr lang="en-US" dirty="0" smtClean="0">
-                <a:latin typeface="Bell MT" pitchFamily="18" charset="0"/>
-              </a:rPr>
-              <a:t>Haiti have 10  departments: </a:t>
+              <a:rPr lang="en-US" sz="2200" dirty="0" smtClean="0">
+                <a:latin typeface="Bell MT" pitchFamily="18" charset="0"/>
+              </a:rPr>
+              <a:t>0 </a:t>
+            </a:r>
+            <a:r>
+              <a:rPr lang="en-US" sz="2200" dirty="0" smtClean="0">
+                <a:latin typeface="Bell MT" pitchFamily="18" charset="0"/>
+              </a:rPr>
+              <a:t>: </a:t>
+            </a:r>
+            <a:r>
+              <a:rPr lang="en-US" sz="2200" dirty="0" err="1" smtClean="0">
+                <a:latin typeface="Bell MT" pitchFamily="18" charset="0"/>
+              </a:rPr>
+              <a:t>Artibonite</a:t>
+            </a:r>
+            <a:r>
+              <a:rPr lang="en-US" sz="2200" dirty="0" smtClean="0">
+                <a:latin typeface="Bell MT" pitchFamily="18" charset="0"/>
+              </a:rPr>
+              <a:t>   </a:t>
             </a:r>
           </a:p>
           <a:p>
             <a:pPr algn="just"/>
             <a:r>
-              <a:rPr lang="en-US" dirty="0" smtClean="0">
-                <a:latin typeface="Bell MT" pitchFamily="18" charset="0"/>
-              </a:rPr>
-              <a:t>0 : </a:t>
-            </a:r>
-            <a:r>
-              <a:rPr lang="en-US" dirty="0" err="1" smtClean="0">
-                <a:latin typeface="Bell MT" pitchFamily="18" charset="0"/>
-              </a:rPr>
-              <a:t>Artibonite</a:t>
-            </a:r>
-            <a:r>
-              <a:rPr lang="en-US" dirty="0" smtClean="0">
+              <a:rPr lang="en-US" sz="2200" dirty="0" smtClean="0">
+                <a:latin typeface="Bell MT" pitchFamily="18" charset="0"/>
+              </a:rPr>
+              <a:t>1 : Centre   </a:t>
+            </a:r>
+          </a:p>
+          <a:p>
+            <a:pPr algn="just"/>
+            <a:r>
+              <a:rPr lang="en-US" sz="2200" dirty="0" smtClean="0">
+                <a:latin typeface="Bell MT" pitchFamily="18" charset="0"/>
+              </a:rPr>
+              <a:t> 2 : </a:t>
+            </a:r>
+            <a:r>
+              <a:rPr lang="en-US" sz="2200" dirty="0" err="1" smtClean="0">
+                <a:latin typeface="Bell MT" pitchFamily="18" charset="0"/>
+              </a:rPr>
+              <a:t>Grande'Anse</a:t>
+            </a:r>
+            <a:r>
+              <a:rPr lang="en-US" sz="2200" dirty="0" smtClean="0">
                 <a:latin typeface="Bell MT" pitchFamily="18" charset="0"/>
               </a:rPr>
               <a:t>   </a:t>
@@ -8077,30 +9696,19 @@
           <a:p>
             <a:pPr algn="just"/>
             <a:r>
-              <a:rPr lang="en-US" dirty="0" smtClean="0">
-                <a:latin typeface="Bell MT" pitchFamily="18" charset="0"/>
-              </a:rPr>
-              <a:t>1 : Centre   </a:t>
-            </a:r>
-          </a:p>
-          <a:p>
-            <a:pPr algn="just">
-              <a:buNone/>
-            </a:pPr>
-            <a:r>
-              <a:rPr lang="en-US" dirty="0" smtClean="0">
-                <a:latin typeface="Bell MT" pitchFamily="18" charset="0"/>
-              </a:rPr>
-              <a:t> 2 : </a:t>
-            </a:r>
-            <a:r>
-              <a:rPr lang="en-US" dirty="0" err="1" smtClean="0">
-                <a:latin typeface="Bell MT" pitchFamily="18" charset="0"/>
-              </a:rPr>
-              <a:t>Grande'Anse</a:t>
-            </a:r>
-            <a:r>
-              <a:rPr lang="en-US" dirty="0" smtClean="0">
+              <a:rPr lang="en-US" sz="2200" dirty="0" smtClean="0">
+                <a:latin typeface="Bell MT" pitchFamily="18" charset="0"/>
+              </a:rPr>
+              <a:t>3 : </a:t>
+            </a:r>
+            <a:r>
+              <a:rPr lang="en-US" sz="2200" dirty="0" err="1" smtClean="0">
+                <a:latin typeface="Bell MT" pitchFamily="18" charset="0"/>
+              </a:rPr>
+              <a:t>Nippes</a:t>
+            </a:r>
+            <a:r>
+              <a:rPr lang="en-US" sz="2200" dirty="0" smtClean="0">
                 <a:latin typeface="Bell MT" pitchFamily="18" charset="0"/>
               </a:rPr>
               <a:t>   </a:t>
@@ -8109,73 +9717,52 @@
           <a:p>
             <a:pPr algn="just"/>
             <a:r>
-              <a:rPr lang="en-US" dirty="0" smtClean="0">
-                <a:latin typeface="Bell MT" pitchFamily="18" charset="0"/>
-              </a:rPr>
-              <a:t>3 : </a:t>
-            </a:r>
-            <a:r>
-              <a:rPr lang="en-US" dirty="0" err="1" smtClean="0">
-                <a:latin typeface="Bell MT" pitchFamily="18" charset="0"/>
-              </a:rPr>
-              <a:t>Nippes</a:t>
-            </a:r>
-            <a:r>
-              <a:rPr lang="en-US" dirty="0" smtClean="0">
-                <a:latin typeface="Bell MT" pitchFamily="18" charset="0"/>
-              </a:rPr>
-              <a:t>   </a:t>
+              <a:rPr lang="en-US" sz="2200" dirty="0" smtClean="0">
+                <a:latin typeface="Bell MT" pitchFamily="18" charset="0"/>
+              </a:rPr>
+              <a:t> 4 : North   </a:t>
             </a:r>
           </a:p>
           <a:p>
             <a:pPr algn="just"/>
             <a:r>
-              <a:rPr lang="en-US" dirty="0" smtClean="0">
-                <a:latin typeface="Bell MT" pitchFamily="18" charset="0"/>
-              </a:rPr>
-              <a:t> 4 : North   </a:t>
+              <a:rPr lang="en-US" sz="2200" dirty="0" smtClean="0">
+                <a:latin typeface="Bell MT" pitchFamily="18" charset="0"/>
+              </a:rPr>
+              <a:t>5 : North-East   </a:t>
             </a:r>
           </a:p>
           <a:p>
             <a:pPr algn="just"/>
             <a:r>
-              <a:rPr lang="en-US" dirty="0" smtClean="0">
-                <a:latin typeface="Bell MT" pitchFamily="18" charset="0"/>
-              </a:rPr>
-              <a:t>5 : North-East   </a:t>
+              <a:rPr lang="en-US" sz="2200" dirty="0" smtClean="0">
+                <a:latin typeface="Bell MT" pitchFamily="18" charset="0"/>
+              </a:rPr>
+              <a:t>6 : North-West   </a:t>
             </a:r>
           </a:p>
           <a:p>
             <a:pPr algn="just"/>
             <a:r>
-              <a:rPr lang="en-US" dirty="0" smtClean="0">
-                <a:latin typeface="Bell MT" pitchFamily="18" charset="0"/>
-              </a:rPr>
-              <a:t>6 : North-West   </a:t>
+              <a:rPr lang="en-US" sz="2200" dirty="0" smtClean="0">
+                <a:latin typeface="Bell MT" pitchFamily="18" charset="0"/>
+              </a:rPr>
+              <a:t>7 : South   </a:t>
             </a:r>
           </a:p>
           <a:p>
             <a:pPr algn="just"/>
             <a:r>
-              <a:rPr lang="en-US" dirty="0" smtClean="0">
-                <a:latin typeface="Bell MT" pitchFamily="18" charset="0"/>
-              </a:rPr>
-              <a:t>7 : South   </a:t>
+              <a:rPr lang="en-US" sz="2200" dirty="0" smtClean="0">
+                <a:latin typeface="Bell MT" pitchFamily="18" charset="0"/>
+              </a:rPr>
+              <a:t>8 : South-East   </a:t>
             </a:r>
           </a:p>
           <a:p>
             <a:pPr algn="just"/>
             <a:r>
-              <a:rPr lang="en-US" dirty="0" smtClean="0">
-                <a:latin typeface="Bell MT" pitchFamily="18" charset="0"/>
-              </a:rPr>
-              <a:t>8 : South-East   </a:t>
-            </a:r>
-          </a:p>
-          <a:p>
-            <a:pPr algn="just"/>
-            <a:r>
-              <a:rPr lang="en-US" dirty="0" smtClean="0">
+              <a:rPr lang="en-US" sz="2200" dirty="0" smtClean="0">
                 <a:latin typeface="Bell MT" pitchFamily="18" charset="0"/>
               </a:rPr>
               <a:t>9 : West   </a:t>
@@ -8199,7 +9786,7 @@
         </p:blipFill>
         <p:spPr>
           <a:xfrm>
-            <a:off x="7151817" y="2056425"/>
+            <a:off x="5946465" y="1571056"/>
             <a:ext cx="4624553" cy="3071865"/>
           </a:xfrm>
           <a:prstGeom prst="rect">
@@ -8217,8 +9804,8 @@
         </p:nvSpPr>
         <p:spPr>
           <a:xfrm>
-            <a:off x="207818" y="4685915"/>
-            <a:ext cx="6830292" cy="1451648"/>
+            <a:off x="221672" y="5108654"/>
+            <a:ext cx="10349346" cy="1451648"/>
           </a:xfrm>
           <a:prstGeom prst="rect">
             <a:avLst/>
@@ -8250,7 +9837,7 @@
               <a:defRPr/>
             </a:pPr>
             <a:r>
-              <a:rPr kumimoji="0" lang="en-US" sz="2000" b="0" i="0" u="none" strike="noStrike" kern="1200" cap="none" spc="0" normalizeH="0" baseline="0" noProof="0" dirty="0" smtClean="0">
+              <a:rPr kumimoji="0" lang="en-US" sz="2400" i="0" u="none" strike="noStrike" kern="1200" cap="none" spc="0" normalizeH="0" baseline="0" noProof="0" dirty="0" smtClean="0">
                 <a:ln>
                   <a:noFill/>
                 </a:ln>
@@ -8267,19 +9854,13 @@
                 <a:ea typeface="+mn-ea"/>
                 <a:cs typeface="+mn-cs"/>
               </a:rPr>
-              <a:t> The three departments with the largest population are respectively (in descending order): West, </a:t>
-            </a:r>
-            <a:r>
-              <a:rPr kumimoji="0" lang="en-US" sz="2000" b="0" i="0" u="none" strike="noStrike" kern="1200" cap="none" spc="0" normalizeH="0" baseline="0" noProof="0" dirty="0" err="1" smtClean="0">
+              <a:t> </a:t>
+            </a:r>
+            <a:r>
+              <a:rPr kumimoji="0" lang="en-US" sz="2400" i="0" u="none" strike="noStrike" kern="1200" cap="none" spc="0" normalizeH="0" baseline="0" noProof="0" dirty="0" smtClean="0">
                 <a:ln>
                   <a:noFill/>
                 </a:ln>
-                <a:solidFill>
-                  <a:schemeClr val="tx1">
-                    <a:lumMod val="75000"/>
-                    <a:lumOff val="25000"/>
-                  </a:schemeClr>
-                </a:solidFill>
                 <a:effectLst/>
                 <a:uLnTx/>
                 <a:uFillTx/>
@@ -8287,19 +9868,13 @@
                 <a:ea typeface="+mn-ea"/>
                 <a:cs typeface="+mn-cs"/>
               </a:rPr>
-              <a:t>Artibonite</a:t>
-            </a:r>
-            <a:r>
-              <a:rPr kumimoji="0" lang="en-US" sz="2000" b="0" i="0" u="none" strike="noStrike" kern="1200" cap="none" spc="0" normalizeH="0" baseline="0" noProof="0" dirty="0" smtClean="0">
+              <a:t>The three departments with the largest population are respectively (in descending order): West, </a:t>
+            </a:r>
+            <a:r>
+              <a:rPr kumimoji="0" lang="en-US" sz="2400" i="0" u="none" strike="noStrike" kern="1200" cap="none" spc="0" normalizeH="0" baseline="0" noProof="0" dirty="0" err="1" smtClean="0">
                 <a:ln>
                   <a:noFill/>
                 </a:ln>
-                <a:solidFill>
-                  <a:schemeClr val="tx1">
-                    <a:lumMod val="75000"/>
-                    <a:lumOff val="25000"/>
-                  </a:schemeClr>
-                </a:solidFill>
                 <a:effectLst/>
                 <a:uLnTx/>
                 <a:uFillTx/>
@@ -8307,18 +9882,26 @@
                 <a:ea typeface="+mn-ea"/>
                 <a:cs typeface="+mn-cs"/>
               </a:rPr>
+              <a:t>Artibonite</a:t>
+            </a:r>
+            <a:r>
+              <a:rPr kumimoji="0" lang="en-US" sz="2400" i="0" u="none" strike="noStrike" kern="1200" cap="none" spc="0" normalizeH="0" baseline="0" noProof="0" dirty="0" smtClean="0">
+                <a:ln>
+                  <a:noFill/>
+                </a:ln>
+                <a:effectLst/>
+                <a:uLnTx/>
+                <a:uFillTx/>
+                <a:latin typeface="Bell MT" pitchFamily="18" charset="0"/>
+                <a:ea typeface="+mn-ea"/>
+                <a:cs typeface="+mn-cs"/>
+              </a:rPr>
               <a:t> and North. So they're the three with the most young people(15-24 years).</a:t>
             </a:r>
-            <a:endParaRPr kumimoji="0" lang="en-US" sz="2000" b="0" i="0" u="none" strike="noStrike" kern="1200" cap="none" spc="0" normalizeH="0" baseline="0" noProof="0" dirty="0">
+            <a:endParaRPr kumimoji="0" lang="en-US" sz="2400" i="0" u="none" strike="noStrike" kern="1200" cap="none" spc="0" normalizeH="0" baseline="0" noProof="0" dirty="0">
               <a:ln>
                 <a:noFill/>
               </a:ln>
-              <a:solidFill>
-                <a:schemeClr val="tx1">
-                  <a:lumMod val="75000"/>
-                  <a:lumOff val="25000"/>
-                </a:schemeClr>
-              </a:solidFill>
               <a:effectLst/>
               <a:uLnTx/>
               <a:uFillTx/>
@@ -8326,6 +9909,114 @@
               <a:ea typeface="+mn-ea"/>
               <a:cs typeface="+mn-cs"/>
             </a:endParaRPr>
+          </a:p>
+        </p:txBody>
+      </p:sp>
+      <p:sp>
+        <p:nvSpPr>
+          <p:cNvPr id="10" name="Line Callout 2 9"/>
+          <p:cNvSpPr/>
+          <p:nvPr/>
+        </p:nvSpPr>
+        <p:spPr>
+          <a:xfrm>
+            <a:off x="1400422" y="486989"/>
+            <a:ext cx="3046889" cy="928253"/>
+          </a:xfrm>
+          <a:prstGeom prst="borderCallout2">
+            <a:avLst>
+              <a:gd name="adj1" fmla="val 18750"/>
+              <a:gd name="adj2" fmla="val -8333"/>
+              <a:gd name="adj3" fmla="val 18750"/>
+              <a:gd name="adj4" fmla="val -16667"/>
+              <a:gd name="adj5" fmla="val 105037"/>
+              <a:gd name="adj6" fmla="val -37118"/>
+            </a:avLst>
+          </a:prstGeom>
+          <a:solidFill>
+            <a:schemeClr val="accent2">
+              <a:lumMod val="60000"/>
+              <a:lumOff val="40000"/>
+            </a:schemeClr>
+          </a:solidFill>
+          <a:ln w="28575">
+            <a:solidFill>
+              <a:schemeClr val="accent3">
+                <a:lumMod val="50000"/>
+              </a:schemeClr>
+            </a:solidFill>
+          </a:ln>
+        </p:spPr>
+        <p:style>
+          <a:lnRef idx="2">
+            <a:schemeClr val="accent6"/>
+          </a:lnRef>
+          <a:fillRef idx="1">
+            <a:schemeClr val="lt1"/>
+          </a:fillRef>
+          <a:effectRef idx="0">
+            <a:schemeClr val="accent6"/>
+          </a:effectRef>
+          <a:fontRef idx="minor">
+            <a:schemeClr val="dk1"/>
+          </a:fontRef>
+        </p:style>
+        <p:txBody>
+          <a:bodyPr rot="0" spcFirstLastPara="0" vertOverflow="overflow" horzOverflow="overflow" vert="horz" wrap="square" lIns="91440" tIns="45720" rIns="91440" bIns="45720" numCol="1" spcCol="0" rtlCol="0" fromWordArt="0" anchor="ctr" anchorCtr="0" forceAA="0" compatLnSpc="1">
+            <a:prstTxWarp prst="textNoShape">
+              <a:avLst/>
+            </a:prstTxWarp>
+            <a:noAutofit/>
+          </a:bodyPr>
+          <a:lstStyle/>
+          <a:p>
+            <a:pPr marL="0" lvl="1" algn="ctr"/>
+            <a:r>
+              <a:rPr lang="en-US" sz="2400" dirty="0">
+                <a:solidFill>
+                  <a:srgbClr val="002060"/>
+                </a:solidFill>
+                <a:latin typeface="Bell MT" panose="02020503060305020303" pitchFamily="18" charset="0"/>
+              </a:rPr>
+              <a:t>Haitian demographics</a:t>
+            </a:r>
+            <a:endParaRPr lang="en-US" sz="1400" dirty="0">
+              <a:solidFill>
+                <a:srgbClr val="002060"/>
+              </a:solidFill>
+              <a:latin typeface="Bell MT" panose="02020503060305020303" pitchFamily="18" charset="0"/>
+            </a:endParaRPr>
+          </a:p>
+        </p:txBody>
+      </p:sp>
+      <p:sp>
+        <p:nvSpPr>
+          <p:cNvPr id="3" name="Rectangle 2"/>
+          <p:cNvSpPr/>
+          <p:nvPr/>
+        </p:nvSpPr>
+        <p:spPr>
+          <a:xfrm>
+            <a:off x="1113610" y="1755722"/>
+            <a:ext cx="3647858" cy="430887"/>
+          </a:xfrm>
+          <a:prstGeom prst="rect">
+            <a:avLst/>
+          </a:prstGeom>
+        </p:spPr>
+        <p:txBody>
+          <a:bodyPr wrap="none">
+            <a:spAutoFit/>
+          </a:bodyPr>
+          <a:lstStyle/>
+          <a:p>
+            <a:pPr algn="just"/>
+            <a:r>
+              <a:rPr lang="en-US" sz="2200" b="1" dirty="0">
+                <a:latin typeface="Bell MT" pitchFamily="18" charset="0"/>
+              </a:rPr>
+              <a:t>Haiti have 10  departments: </a:t>
+            </a:r>
           </a:p>
         </p:txBody>
       </p:sp>
@@ -8349,7 +10040,7 @@
 </p:sld>
 </file>
 
-<file path=ppt/slides/slide7.xml><?xml version="1.0" encoding="utf-8"?>
+<file path=ppt/slides/slide8.xml><?xml version="1.0" encoding="utf-8"?>
 <p:sld xmlns:a="http://schemas.openxmlformats.org/drawingml/2006/main" xmlns:r="http://schemas.openxmlformats.org/officeDocument/2006/relationships" xmlns:p="http://schemas.openxmlformats.org/presentationml/2006/main">
   <p:cSld>
     <p:spTree>
@@ -8385,8 +10076,8 @@
         </p:blipFill>
         <p:spPr>
           <a:xfrm>
-            <a:off x="1149927" y="526467"/>
-            <a:ext cx="10002981" cy="5488648"/>
+            <a:off x="41565" y="457192"/>
+            <a:ext cx="11160383" cy="6123716"/>
           </a:xfrm>
         </p:spPr>
       </p:pic>
@@ -8394,148 +10085,6 @@
     <p:extLst>
       <p:ext uri="{BB962C8B-B14F-4D97-AF65-F5344CB8AC3E}">
         <p14:creationId xmlns:p14="http://schemas.microsoft.com/office/powerpoint/2010/main" val="1975060793"/>
-      </p:ext>
-    </p:extLst>
-  </p:cSld>
-  <p:clrMapOvr>
-    <a:masterClrMapping/>
-  </p:clrMapOvr>
-  <p:timing>
-    <p:tnLst>
-      <p:par>
-        <p:cTn id="1" dur="indefinite" restart="never" nodeType="tmRoot"/>
-      </p:par>
-    </p:tnLst>
-  </p:timing>
-</p:sld>
-</file>
-
-<file path=ppt/slides/slide8.xml><?xml version="1.0" encoding="utf-8"?>
-<p:sld xmlns:a="http://schemas.openxmlformats.org/drawingml/2006/main" xmlns:r="http://schemas.openxmlformats.org/officeDocument/2006/relationships" xmlns:p="http://schemas.openxmlformats.org/presentationml/2006/main">
-  <p:cSld>
-    <p:spTree>
-      <p:nvGrpSpPr>
-        <p:cNvPr id="1" name=""/>
-        <p:cNvGrpSpPr/>
-        <p:nvPr/>
-      </p:nvGrpSpPr>
-      <p:grpSpPr>
-        <a:xfrm>
-          <a:off x="0" y="0"/>
-          <a:ext cx="0" cy="0"/>
-          <a:chOff x="0" y="0"/>
-          <a:chExt cx="0" cy="0"/>
-        </a:xfrm>
-      </p:grpSpPr>
-      <p:sp>
-        <p:nvSpPr>
-          <p:cNvPr id="2" name="Title 1"/>
-          <p:cNvSpPr>
-            <a:spLocks noGrp="1"/>
-          </p:cNvSpPr>
-          <p:nvPr>
-            <p:ph type="title"/>
-          </p:nvPr>
-        </p:nvSpPr>
-        <p:spPr/>
-        <p:txBody>
-          <a:bodyPr/>
-          <a:lstStyle/>
-          <a:p>
-            <a:r>
-              <a:rPr lang="en-US" dirty="0" smtClean="0">
-                <a:solidFill>
-                  <a:srgbClr val="00B050"/>
-                </a:solidFill>
-                <a:latin typeface="Agency FB" pitchFamily="34" charset="0"/>
-              </a:rPr>
-              <a:t>Keys </a:t>
-            </a:r>
-            <a:r>
-              <a:rPr lang="en-US" dirty="0" err="1" smtClean="0">
-                <a:solidFill>
-                  <a:srgbClr val="00B050"/>
-                </a:solidFill>
-                <a:latin typeface="Agency FB" pitchFamily="34" charset="0"/>
-              </a:rPr>
-              <a:t>indicateur</a:t>
-            </a:r>
-            <a:r>
-              <a:rPr lang="en-US" dirty="0" smtClean="0">
-                <a:solidFill>
-                  <a:srgbClr val="00B050"/>
-                </a:solidFill>
-                <a:latin typeface="Agency FB" pitchFamily="34" charset="0"/>
-              </a:rPr>
-              <a:t> of young aged 15-24</a:t>
-            </a:r>
-            <a:endParaRPr lang="en-US" dirty="0">
-              <a:solidFill>
-                <a:srgbClr val="00B050"/>
-              </a:solidFill>
-              <a:latin typeface="Agency FB" pitchFamily="34" charset="0"/>
-            </a:endParaRPr>
-          </a:p>
-        </p:txBody>
-      </p:sp>
-      <p:sp>
-        <p:nvSpPr>
-          <p:cNvPr id="3" name="Content Placeholder 2"/>
-          <p:cNvSpPr>
-            <a:spLocks noGrp="1"/>
-          </p:cNvSpPr>
-          <p:nvPr>
-            <p:ph idx="1"/>
-          </p:nvPr>
-        </p:nvSpPr>
-        <p:spPr/>
-        <p:txBody>
-          <a:bodyPr>
-            <a:noAutofit/>
-          </a:bodyPr>
-          <a:lstStyle/>
-          <a:p>
-            <a:pPr algn="just"/>
-            <a:r>
-              <a:rPr lang="en-US" sz="2200" dirty="0" smtClean="0">
-                <a:latin typeface="Bell MT" pitchFamily="18" charset="0"/>
-              </a:rPr>
-              <a:t>Variables used are : </a:t>
-            </a:r>
-          </a:p>
-          <a:p>
-            <a:pPr algn="just"/>
-            <a:r>
-              <a:rPr lang="en-US" sz="2200" dirty="0" smtClean="0">
-                <a:latin typeface="Bell MT" pitchFamily="18" charset="0"/>
-              </a:rPr>
-              <a:t>Percentage of youth who cannot read, Percentage of youth with completed primary education, Percentage of youth exposed to at least one media source (newspaper, radio, television) at least once a week, Percentage of youth currently married, Percentage of youth currently living together, Percentage of youth who had sexual intercourse before age 15, Percentage of youth who had sexual intercourse before age 18,  Percentage of youth who have begun childbearing, Percentage of youth who have ever been pregnant, Percentage of youth currently using a modern contraceptive method, Percentage of sexually active youth who have ever used any contraceptive method, Percentage of youth who have had sexual intercourse and who say that their first experience was against their will   </a:t>
-            </a:r>
-          </a:p>
-          <a:p>
-            <a:pPr algn="just"/>
-            <a:r>
-              <a:rPr lang="en-US" sz="2200" dirty="0" smtClean="0">
-                <a:latin typeface="Bell MT" pitchFamily="18" charset="0"/>
-              </a:rPr>
-              <a:t>That treats four age groups: 15-19 years old, 15-24 years old, 20-24 years old,18-24 years </a:t>
-            </a:r>
-            <a:r>
-              <a:rPr lang="en-US" sz="2200" dirty="0" err="1" smtClean="0">
-                <a:latin typeface="Bell MT" pitchFamily="18" charset="0"/>
-              </a:rPr>
-              <a:t>oold</a:t>
-            </a:r>
-            <a:endParaRPr lang="en-US" sz="2200" dirty="0">
-              <a:latin typeface="Bell MT" pitchFamily="18" charset="0"/>
-            </a:endParaRPr>
-          </a:p>
-        </p:txBody>
-      </p:sp>
-    </p:spTree>
-    <p:extLst>
-      <p:ext uri="{BB962C8B-B14F-4D97-AF65-F5344CB8AC3E}">
-        <p14:creationId xmlns:p14="http://schemas.microsoft.com/office/powerpoint/2010/main" val="2136448961"/>
       </p:ext>
     </p:extLst>
   </p:cSld>
@@ -8571,128 +10120,499 @@
       </p:grpSpPr>
       <p:sp>
         <p:nvSpPr>
-          <p:cNvPr id="6" name="Rectangle 5"/>
+          <p:cNvPr id="3" name="Content Placeholder 2"/>
+          <p:cNvSpPr>
+            <a:spLocks noGrp="1"/>
+          </p:cNvSpPr>
+          <p:nvPr>
+            <p:ph idx="1"/>
+          </p:nvPr>
+        </p:nvSpPr>
+        <p:spPr>
+          <a:xfrm>
+            <a:off x="417770" y="2222624"/>
+            <a:ext cx="10388777" cy="3605589"/>
+          </a:xfrm>
+        </p:spPr>
+        <p:txBody>
+          <a:bodyPr numCol="2">
+            <a:noAutofit/>
+          </a:bodyPr>
+          <a:lstStyle/>
+          <a:p>
+            <a:pPr algn="just"/>
+            <a:r>
+              <a:rPr lang="en-US" dirty="0" smtClean="0">
+                <a:latin typeface="Bell MT" pitchFamily="18" charset="0"/>
+              </a:rPr>
+              <a:t>who </a:t>
+            </a:r>
+            <a:r>
+              <a:rPr lang="en-US" dirty="0" smtClean="0">
+                <a:latin typeface="Bell MT" pitchFamily="18" charset="0"/>
+              </a:rPr>
+              <a:t>cannot </a:t>
+            </a:r>
+            <a:r>
+              <a:rPr lang="en-US" dirty="0" smtClean="0">
+                <a:latin typeface="Bell MT" pitchFamily="18" charset="0"/>
+              </a:rPr>
+              <a:t>read</a:t>
+            </a:r>
+          </a:p>
+          <a:p>
+            <a:pPr algn="just"/>
+            <a:r>
+              <a:rPr lang="en-US" dirty="0" smtClean="0">
+                <a:latin typeface="Bell MT" pitchFamily="18" charset="0"/>
+              </a:rPr>
+              <a:t>with </a:t>
+            </a:r>
+            <a:r>
+              <a:rPr lang="en-US" dirty="0" smtClean="0">
+                <a:latin typeface="Bell MT" pitchFamily="18" charset="0"/>
+              </a:rPr>
+              <a:t>completed primary </a:t>
+            </a:r>
+            <a:r>
+              <a:rPr lang="en-US" dirty="0" smtClean="0">
+                <a:latin typeface="Bell MT" pitchFamily="18" charset="0"/>
+              </a:rPr>
+              <a:t>education</a:t>
+            </a:r>
+          </a:p>
+          <a:p>
+            <a:pPr algn="just"/>
+            <a:r>
+              <a:rPr lang="en-US" dirty="0" smtClean="0">
+                <a:latin typeface="Bell MT" pitchFamily="18" charset="0"/>
+              </a:rPr>
+              <a:t>exposed </a:t>
+            </a:r>
+            <a:r>
+              <a:rPr lang="en-US" dirty="0" smtClean="0">
+                <a:latin typeface="Bell MT" pitchFamily="18" charset="0"/>
+              </a:rPr>
+              <a:t>to at least one media source </a:t>
+            </a:r>
+            <a:r>
+              <a:rPr lang="en-US" dirty="0" smtClean="0">
+                <a:latin typeface="Bell MT" pitchFamily="18" charset="0"/>
+              </a:rPr>
+              <a:t>at </a:t>
+            </a:r>
+            <a:r>
+              <a:rPr lang="en-US" dirty="0" smtClean="0">
+                <a:latin typeface="Bell MT" pitchFamily="18" charset="0"/>
+              </a:rPr>
+              <a:t>least once a </a:t>
+            </a:r>
+            <a:r>
+              <a:rPr lang="en-US" dirty="0" smtClean="0">
+                <a:latin typeface="Bell MT" pitchFamily="18" charset="0"/>
+              </a:rPr>
+              <a:t>week</a:t>
+            </a:r>
+          </a:p>
+          <a:p>
+            <a:pPr algn="just"/>
+            <a:r>
+              <a:rPr lang="en-US" dirty="0" smtClean="0">
+                <a:latin typeface="Bell MT" pitchFamily="18" charset="0"/>
+              </a:rPr>
+              <a:t>currently married</a:t>
+            </a:r>
+          </a:p>
+          <a:p>
+            <a:pPr algn="just"/>
+            <a:r>
+              <a:rPr lang="en-US" dirty="0" smtClean="0">
+                <a:latin typeface="Bell MT" pitchFamily="18" charset="0"/>
+              </a:rPr>
+              <a:t>currently </a:t>
+            </a:r>
+            <a:r>
+              <a:rPr lang="en-US" dirty="0" smtClean="0">
+                <a:latin typeface="Bell MT" pitchFamily="18" charset="0"/>
+              </a:rPr>
+              <a:t>living </a:t>
+            </a:r>
+            <a:r>
+              <a:rPr lang="en-US" dirty="0" smtClean="0">
+                <a:latin typeface="Bell MT" pitchFamily="18" charset="0"/>
+              </a:rPr>
+              <a:t>together</a:t>
+            </a:r>
+          </a:p>
+          <a:p>
+            <a:pPr algn="just"/>
+            <a:r>
+              <a:rPr lang="en-US" dirty="0" smtClean="0">
+                <a:latin typeface="Bell MT" pitchFamily="18" charset="0"/>
+              </a:rPr>
+              <a:t>who </a:t>
+            </a:r>
+            <a:r>
+              <a:rPr lang="en-US" dirty="0" smtClean="0">
+                <a:latin typeface="Bell MT" pitchFamily="18" charset="0"/>
+              </a:rPr>
+              <a:t>had sexual intercourse before age </a:t>
+            </a:r>
+            <a:r>
+              <a:rPr lang="en-US" dirty="0" smtClean="0">
+                <a:latin typeface="Bell MT" pitchFamily="18" charset="0"/>
+              </a:rPr>
+              <a:t>15</a:t>
+            </a:r>
+          </a:p>
+          <a:p>
+            <a:pPr algn="just"/>
+            <a:r>
+              <a:rPr lang="en-US" dirty="0" smtClean="0">
+                <a:latin typeface="Bell MT" pitchFamily="18" charset="0"/>
+              </a:rPr>
+              <a:t>who </a:t>
+            </a:r>
+            <a:r>
+              <a:rPr lang="en-US" dirty="0" smtClean="0">
+                <a:latin typeface="Bell MT" pitchFamily="18" charset="0"/>
+              </a:rPr>
+              <a:t>had sexual intercourse before age </a:t>
+            </a:r>
+            <a:r>
+              <a:rPr lang="en-US" dirty="0" smtClean="0">
+                <a:latin typeface="Bell MT" pitchFamily="18" charset="0"/>
+              </a:rPr>
+              <a:t>18</a:t>
+            </a:r>
+          </a:p>
+          <a:p>
+            <a:pPr algn="just"/>
+            <a:r>
+              <a:rPr lang="en-US" dirty="0" smtClean="0">
+                <a:latin typeface="Bell MT" pitchFamily="18" charset="0"/>
+              </a:rPr>
+              <a:t>who </a:t>
+            </a:r>
+            <a:r>
+              <a:rPr lang="en-US" dirty="0" smtClean="0">
+                <a:latin typeface="Bell MT" pitchFamily="18" charset="0"/>
+              </a:rPr>
+              <a:t>have begun </a:t>
+            </a:r>
+            <a:r>
+              <a:rPr lang="en-US" dirty="0" smtClean="0">
+                <a:latin typeface="Bell MT" pitchFamily="18" charset="0"/>
+              </a:rPr>
+              <a:t>childbearing</a:t>
+            </a:r>
+          </a:p>
+          <a:p>
+            <a:pPr algn="just"/>
+            <a:r>
+              <a:rPr lang="en-US" dirty="0" smtClean="0">
+                <a:latin typeface="Bell MT" pitchFamily="18" charset="0"/>
+              </a:rPr>
+              <a:t>who </a:t>
+            </a:r>
+            <a:r>
+              <a:rPr lang="en-US" dirty="0" smtClean="0">
+                <a:latin typeface="Bell MT" pitchFamily="18" charset="0"/>
+              </a:rPr>
+              <a:t>have ever been </a:t>
+            </a:r>
+            <a:r>
+              <a:rPr lang="en-US" dirty="0" smtClean="0">
+                <a:latin typeface="Bell MT" pitchFamily="18" charset="0"/>
+              </a:rPr>
+              <a:t>pregnant</a:t>
+            </a:r>
+          </a:p>
+          <a:p>
+            <a:pPr algn="just"/>
+            <a:r>
+              <a:rPr lang="en-US" dirty="0" smtClean="0">
+                <a:latin typeface="Bell MT" pitchFamily="18" charset="0"/>
+              </a:rPr>
+              <a:t>currently </a:t>
+            </a:r>
+            <a:r>
+              <a:rPr lang="en-US" dirty="0" smtClean="0">
+                <a:latin typeface="Bell MT" pitchFamily="18" charset="0"/>
+              </a:rPr>
+              <a:t>using a modern contraceptive </a:t>
+            </a:r>
+            <a:r>
+              <a:rPr lang="en-US" dirty="0" smtClean="0">
+                <a:latin typeface="Bell MT" pitchFamily="18" charset="0"/>
+              </a:rPr>
+              <a:t>method</a:t>
+            </a:r>
+          </a:p>
+          <a:p>
+            <a:pPr algn="just"/>
+            <a:r>
+              <a:rPr lang="en-US" dirty="0" smtClean="0">
+                <a:latin typeface="Bell MT" pitchFamily="18" charset="0"/>
+              </a:rPr>
+              <a:t>who are </a:t>
+            </a:r>
+            <a:r>
+              <a:rPr lang="en-US" dirty="0" smtClean="0">
+                <a:latin typeface="Bell MT" pitchFamily="18" charset="0"/>
+              </a:rPr>
+              <a:t>sexually </a:t>
+            </a:r>
+            <a:r>
+              <a:rPr lang="en-US" dirty="0">
+                <a:latin typeface="Bell MT" pitchFamily="18" charset="0"/>
+              </a:rPr>
+              <a:t>active </a:t>
+            </a:r>
+            <a:r>
+              <a:rPr lang="en-US" dirty="0" smtClean="0">
+                <a:latin typeface="Bell MT" pitchFamily="18" charset="0"/>
+              </a:rPr>
+              <a:t>and have </a:t>
+            </a:r>
+            <a:r>
+              <a:rPr lang="en-US" dirty="0" smtClean="0">
+                <a:latin typeface="Bell MT" pitchFamily="18" charset="0"/>
+              </a:rPr>
+              <a:t>ever used any contraceptive </a:t>
+            </a:r>
+            <a:r>
+              <a:rPr lang="en-US" dirty="0" smtClean="0">
+                <a:latin typeface="Bell MT" pitchFamily="18" charset="0"/>
+              </a:rPr>
+              <a:t>method</a:t>
+            </a:r>
+          </a:p>
+          <a:p>
+            <a:pPr algn="just"/>
+            <a:r>
+              <a:rPr lang="en-US" dirty="0" smtClean="0">
+                <a:latin typeface="Bell MT" pitchFamily="18" charset="0"/>
+              </a:rPr>
+              <a:t>who </a:t>
+            </a:r>
+            <a:r>
+              <a:rPr lang="en-US" dirty="0" smtClean="0">
+                <a:latin typeface="Bell MT" pitchFamily="18" charset="0"/>
+              </a:rPr>
+              <a:t>have had sexual intercourse and who say that their first experience was against their will   </a:t>
+            </a:r>
+          </a:p>
+        </p:txBody>
+      </p:sp>
+      <p:sp>
+        <p:nvSpPr>
+          <p:cNvPr id="4" name="Line Callout 2 3"/>
           <p:cNvSpPr/>
           <p:nvPr/>
         </p:nvSpPr>
         <p:spPr>
           <a:xfrm>
-            <a:off x="5767756" y="2039815"/>
-            <a:ext cx="6203866" cy="3981158"/>
+            <a:off x="1579419" y="460713"/>
+            <a:ext cx="4849089" cy="746065"/>
+          </a:xfrm>
+          <a:prstGeom prst="borderCallout2">
+            <a:avLst>
+              <a:gd name="adj1" fmla="val 18750"/>
+              <a:gd name="adj2" fmla="val -8333"/>
+              <a:gd name="adj3" fmla="val 18750"/>
+              <a:gd name="adj4" fmla="val -16667"/>
+              <a:gd name="adj5" fmla="val 108022"/>
+              <a:gd name="adj6" fmla="val -24105"/>
+            </a:avLst>
+          </a:prstGeom>
+          <a:solidFill>
+            <a:schemeClr val="accent2">
+              <a:lumMod val="60000"/>
+              <a:lumOff val="40000"/>
+            </a:schemeClr>
+          </a:solidFill>
+          <a:ln w="28575">
+            <a:solidFill>
+              <a:schemeClr val="accent3">
+                <a:lumMod val="50000"/>
+              </a:schemeClr>
+            </a:solidFill>
+          </a:ln>
+        </p:spPr>
+        <p:style>
+          <a:lnRef idx="2">
+            <a:schemeClr val="accent6"/>
+          </a:lnRef>
+          <a:fillRef idx="1">
+            <a:schemeClr val="lt1"/>
+          </a:fillRef>
+          <a:effectRef idx="0">
+            <a:schemeClr val="accent6"/>
+          </a:effectRef>
+          <a:fontRef idx="minor">
+            <a:schemeClr val="dk1"/>
+          </a:fontRef>
+        </p:style>
+        <p:txBody>
+          <a:bodyPr rot="0" spcFirstLastPara="0" vertOverflow="overflow" horzOverflow="overflow" vert="horz" wrap="square" lIns="91440" tIns="45720" rIns="91440" bIns="45720" numCol="1" spcCol="0" rtlCol="0" fromWordArt="0" anchor="ctr" anchorCtr="0" forceAA="0" compatLnSpc="1">
+            <a:prstTxWarp prst="textNoShape">
+              <a:avLst/>
+            </a:prstTxWarp>
+            <a:noAutofit/>
+          </a:bodyPr>
+          <a:lstStyle/>
+          <a:p>
+            <a:pPr marL="0" lvl="1" algn="ctr"/>
+            <a:r>
+              <a:rPr lang="en-US" sz="2400" dirty="0">
+                <a:solidFill>
+                  <a:srgbClr val="002060"/>
+                </a:solidFill>
+                <a:latin typeface="Bell MT" panose="02020503060305020303" pitchFamily="18" charset="0"/>
+              </a:rPr>
+              <a:t>Keys </a:t>
+            </a:r>
+            <a:r>
+              <a:rPr lang="en-US" sz="2400" dirty="0" smtClean="0">
+                <a:solidFill>
+                  <a:srgbClr val="002060"/>
+                </a:solidFill>
+                <a:latin typeface="Bell MT" panose="02020503060305020303" pitchFamily="18" charset="0"/>
+              </a:rPr>
+              <a:t>indicator </a:t>
+            </a:r>
+            <a:r>
+              <a:rPr lang="en-US" sz="2400" dirty="0">
+                <a:solidFill>
+                  <a:srgbClr val="002060"/>
+                </a:solidFill>
+                <a:latin typeface="Bell MT" panose="02020503060305020303" pitchFamily="18" charset="0"/>
+              </a:rPr>
+              <a:t>of young aged 15-24</a:t>
+            </a:r>
+            <a:endParaRPr lang="en-US" sz="1400" dirty="0">
+              <a:solidFill>
+                <a:srgbClr val="002060"/>
+              </a:solidFill>
+              <a:latin typeface="Bell MT" panose="02020503060305020303" pitchFamily="18" charset="0"/>
+            </a:endParaRPr>
+          </a:p>
+        </p:txBody>
+      </p:sp>
+      <p:sp>
+        <p:nvSpPr>
+          <p:cNvPr id="5" name="Rectangle 4"/>
+          <p:cNvSpPr/>
+          <p:nvPr/>
+        </p:nvSpPr>
+        <p:spPr>
+          <a:xfrm>
+            <a:off x="581890" y="5913836"/>
+            <a:ext cx="10002982" cy="430887"/>
           </a:xfrm>
           <a:prstGeom prst="rect">
             <a:avLst/>
           </a:prstGeom>
         </p:spPr>
-        <p:style>
-          <a:lnRef idx="2">
-            <a:schemeClr val="accent1">
-              <a:shade val="50000"/>
-            </a:schemeClr>
-          </a:lnRef>
-          <a:fillRef idx="1">
-            <a:schemeClr val="accent1"/>
-          </a:fillRef>
-          <a:effectRef idx="0">
-            <a:schemeClr val="accent1"/>
-          </a:effectRef>
-          <a:fontRef idx="minor">
-            <a:schemeClr val="lt1"/>
-          </a:fontRef>
-        </p:style>
-        <p:txBody>
-          <a:bodyPr rtlCol="0" anchor="ctr"/>
+        <p:txBody>
+          <a:bodyPr wrap="square">
+            <a:spAutoFit/>
+          </a:bodyPr>
           <a:lstStyle/>
           <a:p>
-            <a:pPr algn="ctr"/>
-            <a:endParaRPr lang="en-US"/>
+            <a:pPr algn="just"/>
+            <a:r>
+              <a:rPr lang="en-US" b="1" dirty="0">
+                <a:latin typeface="Bell MT" pitchFamily="18" charset="0"/>
+              </a:rPr>
+              <a:t>That treats four age groups: 15-19 years old, 15-24 years old, 20-24 years </a:t>
+            </a:r>
+            <a:r>
+              <a:rPr lang="en-US" sz="2200" b="1" dirty="0">
+                <a:latin typeface="Bell MT" pitchFamily="18" charset="0"/>
+              </a:rPr>
+              <a:t>old,18-24 years old</a:t>
+            </a:r>
+            <a:endParaRPr lang="en-US" sz="2200" b="1" dirty="0">
+              <a:latin typeface="Bell MT" pitchFamily="18" charset="0"/>
+            </a:endParaRPr>
+          </a:p>
+        </p:txBody>
+      </p:sp>
+      <p:sp>
+        <p:nvSpPr>
+          <p:cNvPr id="6" name="Rectangle 5"/>
+          <p:cNvSpPr/>
+          <p:nvPr/>
+        </p:nvSpPr>
+        <p:spPr>
+          <a:xfrm>
+            <a:off x="417770" y="1727271"/>
+            <a:ext cx="4302396" cy="369332"/>
+          </a:xfrm>
+          <a:prstGeom prst="rect">
+            <a:avLst/>
+          </a:prstGeom>
+        </p:spPr>
+        <p:txBody>
+          <a:bodyPr wrap="none">
+            <a:spAutoFit/>
+          </a:bodyPr>
+          <a:lstStyle/>
+          <a:p>
+            <a:r>
+              <a:rPr lang="en-US" b="1" dirty="0">
+                <a:latin typeface="Bell MT" panose="02020503060305020303" pitchFamily="18" charset="0"/>
+              </a:rPr>
+              <a:t>Variables used are percentage of youth : </a:t>
+            </a:r>
+            <a:endParaRPr lang="en-US" b="1" dirty="0">
+              <a:latin typeface="Bell MT" panose="02020503060305020303" pitchFamily="18" charset="0"/>
+            </a:endParaRPr>
           </a:p>
         </p:txBody>
       </p:sp>
       <p:pic>
         <p:nvPicPr>
-          <p:cNvPr id="4" name="Espace réservé du contenu 3" descr="keys_data.png"/>
+          <p:cNvPr id="7" name="Picture 6"/>
           <p:cNvPicPr>
-            <a:picLocks noGrp="1" noChangeAspect="1"/>
+            <a:picLocks noChangeAspect="1"/>
           </p:cNvPicPr>
-          <p:nvPr>
-            <p:ph idx="1"/>
-          </p:nvPr>
+          <p:nvPr/>
         </p:nvPicPr>
         <p:blipFill>
-          <a:blip r:embed="rId2"/>
+          <a:blip r:embed="rId2" cstate="print">
+            <a:extLst>
+              <a:ext uri="{28A0092B-C50C-407E-A947-70E740481C1C}">
+                <a14:useLocalDpi xmlns:a14="http://schemas.microsoft.com/office/drawing/2010/main" val="0"/>
+              </a:ext>
+            </a:extLst>
+          </a:blip>
           <a:stretch>
             <a:fillRect/>
           </a:stretch>
         </p:blipFill>
         <p:spPr>
           <a:xfrm>
-            <a:off x="295421" y="2970461"/>
-            <a:ext cx="5401994" cy="1742215"/>
+            <a:off x="7065430" y="804603"/>
+            <a:ext cx="1178025" cy="1123100"/>
           </a:xfrm>
+          <a:prstGeom prst="ellipse">
+            <a:avLst/>
+          </a:prstGeom>
+          <a:ln>
+            <a:noFill/>
+          </a:ln>
+          <a:effectLst>
+            <a:softEdge rad="112500"/>
+          </a:effectLst>
         </p:spPr>
       </p:pic>
-      <p:pic>
-        <p:nvPicPr>
-          <p:cNvPr id="5" name="Image 4" descr="women data.png"/>
-          <p:cNvPicPr>
-            <a:picLocks noChangeAspect="1"/>
-          </p:cNvPicPr>
-          <p:nvPr/>
-        </p:nvPicPr>
-        <p:blipFill>
-          <a:blip r:embed="rId3"/>
-          <a:stretch>
-            <a:fillRect/>
-          </a:stretch>
-        </p:blipFill>
-        <p:spPr>
-          <a:xfrm rot="5400000">
-            <a:off x="6990116" y="1027753"/>
-            <a:ext cx="3795491" cy="6111221"/>
-          </a:xfrm>
-          <a:prstGeom prst="rect">
-            <a:avLst/>
-          </a:prstGeom>
-        </p:spPr>
-      </p:pic>
-      <p:sp>
-        <p:nvSpPr>
-          <p:cNvPr id="7" name="Rectangle 6"/>
-          <p:cNvSpPr/>
-          <p:nvPr/>
-        </p:nvSpPr>
-        <p:spPr>
-          <a:xfrm>
-            <a:off x="1659988" y="984746"/>
-            <a:ext cx="9369082" cy="707886"/>
-          </a:xfrm>
-          <a:prstGeom prst="rect">
-            <a:avLst/>
-          </a:prstGeom>
-        </p:spPr>
-        <p:txBody>
-          <a:bodyPr wrap="square">
-            <a:spAutoFit/>
-          </a:bodyPr>
-          <a:lstStyle/>
-          <a:p>
-            <a:r>
-              <a:rPr lang="en-US" sz="4000" dirty="0" smtClean="0">
-                <a:latin typeface="Agency FB" pitchFamily="34" charset="0"/>
-              </a:rPr>
-              <a:t>The number of young people interviewed</a:t>
-            </a:r>
-            <a:endParaRPr lang="en-US" sz="4000" dirty="0">
-              <a:latin typeface="Agency FB" pitchFamily="34" charset="0"/>
-            </a:endParaRPr>
-          </a:p>
-        </p:txBody>
-      </p:sp>
     </p:spTree>
     <p:extLst>
       <p:ext uri="{BB962C8B-B14F-4D97-AF65-F5344CB8AC3E}">
-        <p14:creationId xmlns:p14="http://schemas.microsoft.com/office/powerpoint/2010/main" val="3988319637"/>
+        <p14:creationId xmlns:p14="http://schemas.microsoft.com/office/powerpoint/2010/main" val="2136448961"/>
       </p:ext>
     </p:extLst>
   </p:cSld>
@@ -8952,7 +10872,37 @@
       </a:bgFillStyleLst>
     </a:fmtScheme>
   </a:themeElements>
-  <a:objectDefaults/>
+  <a:objectDefaults>
+    <a:spDef>
+      <a:spPr>
+        <a:ln w="28575">
+          <a:solidFill>
+            <a:schemeClr val="tx1"/>
+          </a:solidFill>
+        </a:ln>
+      </a:spPr>
+      <a:bodyPr rtlCol="0" anchor="ctr"/>
+      <a:lstStyle>
+        <a:defPPr algn="ctr">
+          <a:defRPr sz="1400" dirty="0"/>
+        </a:defPPr>
+      </a:lstStyle>
+      <a:style>
+        <a:lnRef idx="2">
+          <a:schemeClr val="accent6"/>
+        </a:lnRef>
+        <a:fillRef idx="1">
+          <a:schemeClr val="lt1"/>
+        </a:fillRef>
+        <a:effectRef idx="0">
+          <a:schemeClr val="accent6"/>
+        </a:effectRef>
+        <a:fontRef idx="minor">
+          <a:schemeClr val="dk1"/>
+        </a:fontRef>
+      </a:style>
+    </a:spDef>
+  </a:objectDefaults>
   <a:extraClrSchemeLst/>
   <a:extLst>
     <a:ext uri="{05A4C25C-085E-4340-85A3-A5531E510DB2}">
@@ -8960,4 +10910,265 @@
     </a:ext>
   </a:extLst>
 </a:theme>
+</file>
+
+<file path=ppt/theme/theme2.xml><?xml version="1.0" encoding="utf-8"?>
+<a:theme xmlns:a="http://schemas.openxmlformats.org/drawingml/2006/main" name="Office Theme">
+  <a:themeElements>
+    <a:clrScheme name="Office">
+      <a:dk1>
+        <a:sysClr val="windowText" lastClr="000000"/>
+      </a:dk1>
+      <a:lt1>
+        <a:sysClr val="window" lastClr="FFFFFF"/>
+      </a:lt1>
+      <a:dk2>
+        <a:srgbClr val="44546A"/>
+      </a:dk2>
+      <a:lt2>
+        <a:srgbClr val="E7E6E6"/>
+      </a:lt2>
+      <a:accent1>
+        <a:srgbClr val="5B9BD5"/>
+      </a:accent1>
+      <a:accent2>
+        <a:srgbClr val="ED7D31"/>
+      </a:accent2>
+      <a:accent3>
+        <a:srgbClr val="A5A5A5"/>
+      </a:accent3>
+      <a:accent4>
+        <a:srgbClr val="FFC000"/>
+      </a:accent4>
+      <a:accent5>
+        <a:srgbClr val="4472C4"/>
+      </a:accent5>
+      <a:accent6>
+        <a:srgbClr val="70AD47"/>
+      </a:accent6>
+      <a:hlink>
+        <a:srgbClr val="0563C1"/>
+      </a:hlink>
+      <a:folHlink>
+        <a:srgbClr val="954F72"/>
+      </a:folHlink>
+    </a:clrScheme>
+    <a:fontScheme name="Office">
+      <a:majorFont>
+        <a:latin typeface="Calibri Light" panose="020F0302020204030204"/>
+        <a:ea typeface=""/>
+        <a:cs typeface=""/>
+        <a:font script="Jpan" typeface="游ゴシック Light"/>
+        <a:font script="Hang" typeface="맑은 고딕"/>
+        <a:font script="Hans" typeface="等线 Light"/>
+        <a:font script="Hant" typeface="新細明體"/>
+        <a:font script="Arab" typeface="Times New Roman"/>
+        <a:font script="Hebr" typeface="Times New Roman"/>
+        <a:font script="Thai" typeface="Angsana New"/>
+        <a:font script="Ethi" typeface="Nyala"/>
+        <a:font script="Beng" typeface="Vrinda"/>
+        <a:font script="Gujr" typeface="Shruti"/>
+        <a:font script="Khmr" typeface="MoolBoran"/>
+        <a:font script="Knda" typeface="Tunga"/>
+        <a:font script="Guru" typeface="Raavi"/>
+        <a:font script="Cans" typeface="Euphemia"/>
+        <a:font script="Cher" typeface="Plantagenet Cherokee"/>
+        <a:font script="Yiii" typeface="Microsoft Yi Baiti"/>
+        <a:font script="Tibt" typeface="Microsoft Himalaya"/>
+        <a:font script="Thaa" typeface="MV Boli"/>
+        <a:font script="Deva" typeface="Mangal"/>
+        <a:font script="Telu" typeface="Gautami"/>
+        <a:font script="Taml" typeface="Latha"/>
+        <a:font script="Syrc" typeface="Estrangelo Edessa"/>
+        <a:font script="Orya" typeface="Kalinga"/>
+        <a:font script="Mlym" typeface="Kartika"/>
+        <a:font script="Laoo" typeface="DokChampa"/>
+        <a:font script="Sinh" typeface="Iskoola Pota"/>
+        <a:font script="Mong" typeface="Mongolian Baiti"/>
+        <a:font script="Viet" typeface="Times New Roman"/>
+        <a:font script="Uigh" typeface="Microsoft Uighur"/>
+        <a:font script="Geor" typeface="Sylfaen"/>
+      </a:majorFont>
+      <a:minorFont>
+        <a:latin typeface="Calibri" panose="020F0502020204030204"/>
+        <a:ea typeface=""/>
+        <a:cs typeface=""/>
+        <a:font script="Jpan" typeface="游ゴシック"/>
+        <a:font script="Hang" typeface="맑은 고딕"/>
+        <a:font script="Hans" typeface="等线"/>
+        <a:font script="Hant" typeface="新細明體"/>
+        <a:font script="Arab" typeface="Arial"/>
+        <a:font script="Hebr" typeface="Arial"/>
+        <a:font script="Thai" typeface="Cordia New"/>
+        <a:font script="Ethi" typeface="Nyala"/>
+        <a:font script="Beng" typeface="Vrinda"/>
+        <a:font script="Gujr" typeface="Shruti"/>
+        <a:font script="Khmr" typeface="DaunPenh"/>
+        <a:font script="Knda" typeface="Tunga"/>
+        <a:font script="Guru" typeface="Raavi"/>
+        <a:font script="Cans" typeface="Euphemia"/>
+        <a:font script="Cher" typeface="Plantagenet Cherokee"/>
+        <a:font script="Yiii" typeface="Microsoft Yi Baiti"/>
+        <a:font script="Tibt" typeface="Microsoft Himalaya"/>
+        <a:font script="Thaa" typeface="MV Boli"/>
+        <a:font script="Deva" typeface="Mangal"/>
+        <a:font script="Telu" typeface="Gautami"/>
+        <a:font script="Taml" typeface="Latha"/>
+        <a:font script="Syrc" typeface="Estrangelo Edessa"/>
+        <a:font script="Orya" typeface="Kalinga"/>
+        <a:font script="Mlym" typeface="Kartika"/>
+        <a:font script="Laoo" typeface="DokChampa"/>
+        <a:font script="Sinh" typeface="Iskoola Pota"/>
+        <a:font script="Mong" typeface="Mongolian Baiti"/>
+        <a:font script="Viet" typeface="Arial"/>
+        <a:font script="Uigh" typeface="Microsoft Uighur"/>
+        <a:font script="Geor" typeface="Sylfaen"/>
+      </a:minorFont>
+    </a:fontScheme>
+    <a:fmtScheme name="Office">
+      <a:fillStyleLst>
+        <a:solidFill>
+          <a:schemeClr val="phClr"/>
+        </a:solidFill>
+        <a:gradFill rotWithShape="1">
+          <a:gsLst>
+            <a:gs pos="0">
+              <a:schemeClr val="phClr">
+                <a:lumMod val="110000"/>
+                <a:satMod val="105000"/>
+                <a:tint val="67000"/>
+              </a:schemeClr>
+            </a:gs>
+            <a:gs pos="50000">
+              <a:schemeClr val="phClr">
+                <a:lumMod val="105000"/>
+                <a:satMod val="103000"/>
+                <a:tint val="73000"/>
+              </a:schemeClr>
+            </a:gs>
+            <a:gs pos="100000">
+              <a:schemeClr val="phClr">
+                <a:lumMod val="105000"/>
+                <a:satMod val="109000"/>
+                <a:tint val="81000"/>
+              </a:schemeClr>
+            </a:gs>
+          </a:gsLst>
+          <a:lin ang="5400000" scaled="0"/>
+        </a:gradFill>
+        <a:gradFill rotWithShape="1">
+          <a:gsLst>
+            <a:gs pos="0">
+              <a:schemeClr val="phClr">
+                <a:satMod val="103000"/>
+                <a:lumMod val="102000"/>
+                <a:tint val="94000"/>
+              </a:schemeClr>
+            </a:gs>
+            <a:gs pos="50000">
+              <a:schemeClr val="phClr">
+                <a:satMod val="110000"/>
+                <a:lumMod val="100000"/>
+                <a:shade val="100000"/>
+              </a:schemeClr>
+            </a:gs>
+            <a:gs pos="100000">
+              <a:schemeClr val="phClr">
+                <a:lumMod val="99000"/>
+                <a:satMod val="120000"/>
+                <a:shade val="78000"/>
+              </a:schemeClr>
+            </a:gs>
+          </a:gsLst>
+          <a:lin ang="5400000" scaled="0"/>
+        </a:gradFill>
+      </a:fillStyleLst>
+      <a:lnStyleLst>
+        <a:ln w="6350" cap="flat" cmpd="sng" algn="ctr">
+          <a:solidFill>
+            <a:schemeClr val="phClr"/>
+          </a:solidFill>
+          <a:prstDash val="solid"/>
+          <a:miter lim="800000"/>
+        </a:ln>
+        <a:ln w="12700" cap="flat" cmpd="sng" algn="ctr">
+          <a:solidFill>
+            <a:schemeClr val="phClr"/>
+          </a:solidFill>
+          <a:prstDash val="solid"/>
+          <a:miter lim="800000"/>
+        </a:ln>
+        <a:ln w="19050" cap="flat" cmpd="sng" algn="ctr">
+          <a:solidFill>
+            <a:schemeClr val="phClr"/>
+          </a:solidFill>
+          <a:prstDash val="solid"/>
+          <a:miter lim="800000"/>
+        </a:ln>
+      </a:lnStyleLst>
+      <a:effectStyleLst>
+        <a:effectStyle>
+          <a:effectLst/>
+        </a:effectStyle>
+        <a:effectStyle>
+          <a:effectLst/>
+        </a:effectStyle>
+        <a:effectStyle>
+          <a:effectLst>
+            <a:outerShdw blurRad="57150" dist="19050" dir="5400000" algn="ctr" rotWithShape="0">
+              <a:srgbClr val="000000">
+                <a:alpha val="63000"/>
+              </a:srgbClr>
+            </a:outerShdw>
+          </a:effectLst>
+        </a:effectStyle>
+      </a:effectStyleLst>
+      <a:bgFillStyleLst>
+        <a:solidFill>
+          <a:schemeClr val="phClr"/>
+        </a:solidFill>
+        <a:solidFill>
+          <a:schemeClr val="phClr">
+            <a:tint val="95000"/>
+            <a:satMod val="170000"/>
+          </a:schemeClr>
+        </a:solidFill>
+        <a:gradFill rotWithShape="1">
+          <a:gsLst>
+            <a:gs pos="0">
+              <a:schemeClr val="phClr">
+                <a:tint val="93000"/>
+                <a:satMod val="150000"/>
+                <a:shade val="98000"/>
+                <a:lumMod val="102000"/>
+              </a:schemeClr>
+            </a:gs>
+            <a:gs pos="50000">
+              <a:schemeClr val="phClr">
+                <a:tint val="98000"/>
+                <a:satMod val="130000"/>
+                <a:shade val="90000"/>
+                <a:lumMod val="103000"/>
+              </a:schemeClr>
+            </a:gs>
+            <a:gs pos="100000">
+              <a:schemeClr val="phClr">
+                <a:shade val="63000"/>
+                <a:satMod val="120000"/>
+              </a:schemeClr>
+            </a:gs>
+          </a:gsLst>
+          <a:lin ang="5400000" scaled="0"/>
+        </a:gradFill>
+      </a:bgFillStyleLst>
+    </a:fmtScheme>
+  </a:themeElements>
+  <a:objectDefaults/>
+  <a:extraClrSchemeLst/>
+  <a:extLst>
+    <a:ext uri="{05A4C25C-085E-4340-85A3-A5531E510DB2}">
+      <thm15:themeFamily xmlns:thm15="http://schemas.microsoft.com/office/thememl/2012/main" name="Office Theme" id="{62F939B6-93AF-4DB8-9C6B-D6C7DFDC589F}" vid="{4A3C46E8-61CC-4603-A589-7422A47A8E4A}"/>
+    </a:ext>
+  </a:extLst>
+</a:theme>
 </file>
--- a/Result/Presentation.pptx
+++ b/Result/Presentation.pptx
@@ -5,7 +5,7 @@
     <p:sldMasterId id="2147483701" r:id="rId1"/>
   </p:sldMasterIdLst>
   <p:notesMasterIdLst>
-    <p:notesMasterId r:id="rId21"/>
+    <p:notesMasterId r:id="rId23"/>
   </p:notesMasterIdLst>
   <p:sldIdLst>
     <p:sldId id="256" r:id="rId2"/>
@@ -27,6 +27,8 @@
     <p:sldId id="271" r:id="rId18"/>
     <p:sldId id="273" r:id="rId19"/>
     <p:sldId id="272" r:id="rId20"/>
+    <p:sldId id="278" r:id="rId21"/>
+    <p:sldId id="277" r:id="rId22"/>
   </p:sldIdLst>
   <p:sldSz cx="12192000" cy="6858000"/>
   <p:notesSz cx="6858000" cy="9144000"/>
@@ -163,7 +165,6 @@
   </c:pivotSource>
   <c:chart>
     <c:title>
-      <c:layout/>
       <c:overlay val="0"/>
       <c:spPr>
         <a:noFill/>
@@ -525,7 +526,6 @@
     </c:plotArea>
     <c:legend>
       <c:legendPos val="r"/>
-      <c:layout/>
       <c:overlay val="0"/>
       <c:spPr>
         <a:noFill/>
@@ -625,7 +625,6 @@
   </c:pivotSource>
   <c:chart>
     <c:title>
-      <c:layout/>
       <c:overlay val="0"/>
       <c:spPr>
         <a:noFill/>
@@ -953,7 +952,6 @@
     </c:plotArea>
     <c:legend>
       <c:legendPos val="r"/>
-      <c:layout/>
       <c:overlay val="0"/>
       <c:spPr>
         <a:noFill/>
@@ -1053,7 +1051,6 @@
   </c:pivotSource>
   <c:chart>
     <c:title>
-      <c:layout/>
       <c:overlay val="0"/>
       <c:spPr>
         <a:noFill/>
@@ -1371,7 +1368,6 @@
     </c:plotArea>
     <c:legend>
       <c:legendPos val="r"/>
-      <c:layout/>
       <c:overlay val="0"/>
       <c:spPr>
         <a:noFill/>
@@ -1471,7 +1467,6 @@
   </c:pivotSource>
   <c:chart>
     <c:title>
-      <c:layout/>
       <c:overlay val="0"/>
       <c:spPr>
         <a:noFill/>
@@ -1820,7 +1815,6 @@
     </c:plotArea>
     <c:legend>
       <c:legendPos val="r"/>
-      <c:layout/>
       <c:overlay val="0"/>
       <c:spPr>
         <a:noFill/>
@@ -1983,7 +1977,7 @@
           <a:p>
             <a:fld id="{FF6571B2-BAB0-4C1A-A8A8-1202E07912A8}" type="datetimeFigureOut">
               <a:rPr lang="en-US" smtClean="0"/>
-              <a:t>8/14/2020</a:t>
+              <a:t>8/15/2020</a:t>
             </a:fld>
             <a:endParaRPr lang="en-US"/>
           </a:p>
@@ -2504,7 +2498,7 @@
             <a:fld id="{BEAF7D20-4BF2-414F-B6FF-0AD495B367B0}" type="datetimeFigureOut">
               <a:rPr lang="en-US" smtClean="0"/>
               <a:pPr/>
-              <a:t>8/14/2020</a:t>
+              <a:t>8/15/2020</a:t>
             </a:fld>
             <a:endParaRPr lang="en-US"/>
           </a:p>
@@ -2734,7 +2728,7 @@
             <a:fld id="{BEAF7D20-4BF2-414F-B6FF-0AD495B367B0}" type="datetimeFigureOut">
               <a:rPr lang="en-US" smtClean="0"/>
               <a:pPr/>
-              <a:t>8/14/2020</a:t>
+              <a:t>8/15/2020</a:t>
             </a:fld>
             <a:endParaRPr lang="en-US"/>
           </a:p>
@@ -2916,7 +2910,7 @@
             <a:fld id="{BEAF7D20-4BF2-414F-B6FF-0AD495B367B0}" type="datetimeFigureOut">
               <a:rPr lang="en-US" smtClean="0"/>
               <a:pPr/>
-              <a:t>8/14/2020</a:t>
+              <a:t>8/15/2020</a:t>
             </a:fld>
             <a:endParaRPr lang="en-US"/>
           </a:p>
@@ -3088,7 +3082,7 @@
             <a:fld id="{BEAF7D20-4BF2-414F-B6FF-0AD495B367B0}" type="datetimeFigureOut">
               <a:rPr lang="en-US" smtClean="0"/>
               <a:pPr/>
-              <a:t>8/14/2020</a:t>
+              <a:t>8/15/2020</a:t>
             </a:fld>
             <a:endParaRPr lang="en-US"/>
           </a:p>
@@ -3344,7 +3338,7 @@
             <a:fld id="{BEAF7D20-4BF2-414F-B6FF-0AD495B367B0}" type="datetimeFigureOut">
               <a:rPr lang="en-US" smtClean="0"/>
               <a:pPr/>
-              <a:t>8/14/2020</a:t>
+              <a:t>8/15/2020</a:t>
             </a:fld>
             <a:endParaRPr lang="en-US"/>
           </a:p>
@@ -3672,7 +3666,7 @@
             <a:fld id="{BEAF7D20-4BF2-414F-B6FF-0AD495B367B0}" type="datetimeFigureOut">
               <a:rPr lang="en-US" smtClean="0"/>
               <a:pPr/>
-              <a:t>8/14/2020</a:t>
+              <a:t>8/15/2020</a:t>
             </a:fld>
             <a:endParaRPr lang="en-US"/>
           </a:p>
@@ -4125,7 +4119,7 @@
             <a:fld id="{BEAF7D20-4BF2-414F-B6FF-0AD495B367B0}" type="datetimeFigureOut">
               <a:rPr lang="en-US" smtClean="0"/>
               <a:pPr/>
-              <a:t>8/14/2020</a:t>
+              <a:t>8/15/2020</a:t>
             </a:fld>
             <a:endParaRPr lang="en-US"/>
           </a:p>
@@ -4245,7 +4239,7 @@
             <a:fld id="{BEAF7D20-4BF2-414F-B6FF-0AD495B367B0}" type="datetimeFigureOut">
               <a:rPr lang="en-US" smtClean="0"/>
               <a:pPr/>
-              <a:t>8/14/2020</a:t>
+              <a:t>8/15/2020</a:t>
             </a:fld>
             <a:endParaRPr lang="en-US"/>
           </a:p>
@@ -4342,7 +4336,7 @@
             <a:fld id="{BEAF7D20-4BF2-414F-B6FF-0AD495B367B0}" type="datetimeFigureOut">
               <a:rPr lang="en-US" smtClean="0"/>
               <a:pPr/>
-              <a:t>8/14/2020</a:t>
+              <a:t>8/15/2020</a:t>
             </a:fld>
             <a:endParaRPr lang="en-US"/>
           </a:p>
@@ -4631,7 +4625,7 @@
             <a:fld id="{BEAF7D20-4BF2-414F-B6FF-0AD495B367B0}" type="datetimeFigureOut">
               <a:rPr lang="en-US" smtClean="0"/>
               <a:pPr/>
-              <a:t>8/14/2020</a:t>
+              <a:t>8/15/2020</a:t>
             </a:fld>
             <a:endParaRPr lang="en-US"/>
           </a:p>
@@ -4955,7 +4949,7 @@
             <a:fld id="{BEAF7D20-4BF2-414F-B6FF-0AD495B367B0}" type="datetimeFigureOut">
               <a:rPr lang="en-US" smtClean="0"/>
               <a:pPr/>
-              <a:t>8/14/2020</a:t>
+              <a:t>8/15/2020</a:t>
             </a:fld>
             <a:endParaRPr lang="en-US"/>
           </a:p>
@@ -5211,7 +5205,7 @@
             <a:fld id="{BEAF7D20-4BF2-414F-B6FF-0AD495B367B0}" type="datetimeFigureOut">
               <a:rPr lang="en-US" smtClean="0"/>
               <a:pPr/>
-              <a:t>8/14/2020</a:t>
+              <a:t>8/15/2020</a:t>
             </a:fld>
             <a:endParaRPr lang="en-US"/>
           </a:p>
@@ -6475,29 +6469,35 @@
         </p:blipFill>
         <p:spPr>
           <a:xfrm>
-            <a:off x="253857" y="2185618"/>
-            <a:ext cx="5401994" cy="1742215"/>
+            <a:off x="5810984" y="1354054"/>
+            <a:ext cx="5190555" cy="1674023"/>
           </a:xfrm>
         </p:spPr>
       </p:pic>
       <p:pic>
         <p:nvPicPr>
-          <p:cNvPr id="5" name="Image 4" descr="women data.png"/>
+          <p:cNvPr id="2" name="Picture 1"/>
           <p:cNvPicPr>
             <a:picLocks noChangeAspect="1"/>
           </p:cNvPicPr>
           <p:nvPr/>
         </p:nvPicPr>
         <p:blipFill>
-          <a:blip r:embed="rId3"/>
+          <a:blip r:embed="rId3">
+            <a:extLst>
+              <a:ext uri="{28A0092B-C50C-407E-A947-70E740481C1C}">
+                <a14:useLocalDpi xmlns:a14="http://schemas.microsoft.com/office/drawing/2010/main" val="0"/>
+              </a:ext>
+            </a:extLst>
+          </a:blip>
           <a:stretch>
             <a:fillRect/>
           </a:stretch>
         </p:blipFill>
         <p:spPr>
-          <a:xfrm rot="5400000">
-            <a:off x="6075714" y="1152444"/>
-            <a:ext cx="3795491" cy="6111221"/>
+          <a:xfrm>
+            <a:off x="792905" y="3028077"/>
+            <a:ext cx="10036159" cy="3724759"/>
           </a:xfrm>
           <a:prstGeom prst="rect">
             <a:avLst/>
@@ -6506,33 +6506,77 @@
       </p:pic>
       <p:sp>
         <p:nvSpPr>
-          <p:cNvPr id="7" name="Rectangle 6"/>
+          <p:cNvPr id="9" name="Line Callout 2 8"/>
           <p:cNvSpPr/>
           <p:nvPr/>
         </p:nvSpPr>
         <p:spPr>
           <a:xfrm>
-            <a:off x="1659988" y="984746"/>
-            <a:ext cx="9369082" cy="707886"/>
+            <a:off x="1648691" y="554183"/>
+            <a:ext cx="2161309" cy="540326"/>
           </a:xfrm>
-          <a:prstGeom prst="rect">
-            <a:avLst/>
+          <a:prstGeom prst="borderCallout2">
+            <a:avLst>
+              <a:gd name="adj1" fmla="val 18750"/>
+              <a:gd name="adj2" fmla="val -8333"/>
+              <a:gd name="adj3" fmla="val 18750"/>
+              <a:gd name="adj4" fmla="val -16667"/>
+              <a:gd name="adj5" fmla="val 122572"/>
+              <a:gd name="adj6" fmla="val -37130"/>
+            </a:avLst>
           </a:prstGeom>
+          <a:solidFill>
+            <a:schemeClr val="accent2">
+              <a:lumMod val="60000"/>
+              <a:lumOff val="40000"/>
+            </a:schemeClr>
+          </a:solidFill>
+          <a:ln w="28575">
+            <a:solidFill>
+              <a:schemeClr val="accent3">
+                <a:lumMod val="50000"/>
+              </a:schemeClr>
+            </a:solidFill>
+          </a:ln>
         </p:spPr>
-        <p:txBody>
-          <a:bodyPr wrap="square">
-            <a:spAutoFit/>
+        <p:style>
+          <a:lnRef idx="2">
+            <a:schemeClr val="accent6"/>
+          </a:lnRef>
+          <a:fillRef idx="1">
+            <a:schemeClr val="lt1"/>
+          </a:fillRef>
+          <a:effectRef idx="0">
+            <a:schemeClr val="accent6"/>
+          </a:effectRef>
+          <a:fontRef idx="minor">
+            <a:schemeClr val="dk1"/>
+          </a:fontRef>
+        </p:style>
+        <p:txBody>
+          <a:bodyPr rot="0" spcFirstLastPara="0" vertOverflow="overflow" horzOverflow="overflow" vert="horz" wrap="square" lIns="91440" tIns="45720" rIns="91440" bIns="45720" numCol="1" spcCol="0" rtlCol="0" fromWordArt="0" anchor="ctr" anchorCtr="0" forceAA="0" compatLnSpc="1">
+            <a:prstTxWarp prst="textNoShape">
+              <a:avLst/>
+            </a:prstTxWarp>
+            <a:noAutofit/>
           </a:bodyPr>
           <a:lstStyle/>
           <a:p>
-            <a:r>
-              <a:rPr lang="en-US" sz="4000" dirty="0" smtClean="0">
-                <a:latin typeface="Agency FB" pitchFamily="34" charset="0"/>
-              </a:rPr>
-              <a:t>The number of young people interviewed</a:t>
-            </a:r>
-            <a:endParaRPr lang="en-US" sz="4000" dirty="0">
-              <a:latin typeface="Agency FB" pitchFamily="34" charset="0"/>
+            <a:pPr marL="0" lvl="1" algn="ctr"/>
+            <a:r>
+              <a:rPr lang="en-US" sz="2400" b="1" dirty="0" smtClean="0">
+                <a:solidFill>
+                  <a:srgbClr val="002060"/>
+                </a:solidFill>
+                <a:latin typeface="Bell MT" panose="02020503060305020303" pitchFamily="18" charset="0"/>
+              </a:rPr>
+              <a:t>Dataset</a:t>
+            </a:r>
+            <a:endParaRPr lang="en-US" sz="1400" b="1" dirty="0">
+              <a:solidFill>
+                <a:srgbClr val="002060"/>
+              </a:solidFill>
+              <a:latin typeface="Bell MT" panose="02020503060305020303" pitchFamily="18" charset="0"/>
             </a:endParaRPr>
           </a:p>
         </p:txBody>
@@ -6595,13 +6639,7 @@
               <a:rPr lang="en-US" sz="4000" dirty="0" smtClean="0">
                 <a:latin typeface="Agency FB" pitchFamily="34" charset="0"/>
               </a:rPr>
-              <a:t>All </a:t>
-            </a:r>
-            <a:r>
-              <a:rPr lang="en-US" sz="4000" dirty="0" smtClean="0">
-                <a:latin typeface="Agency FB" pitchFamily="34" charset="0"/>
-              </a:rPr>
-              <a:t>age group</a:t>
+              <a:t>All age group</a:t>
             </a:r>
             <a:endParaRPr lang="en-US" sz="4000" dirty="0">
               <a:latin typeface="Agency FB" pitchFamily="34" charset="0"/>
@@ -7542,7 +7580,7 @@
         </p:nvSpPr>
         <p:spPr>
           <a:xfrm>
-            <a:off x="1400422" y="554182"/>
+            <a:off x="1400422" y="568037"/>
             <a:ext cx="1980087" cy="581892"/>
           </a:xfrm>
           <a:prstGeom prst="borderCallout2">
@@ -7594,7 +7632,7 @@
           <a:p>
             <a:pPr marL="0" lvl="1" algn="ctr"/>
             <a:r>
-              <a:rPr lang="en-US" sz="2400" dirty="0">
+              <a:rPr lang="en-US" sz="2400" b="1" dirty="0">
                 <a:solidFill>
                   <a:srgbClr val="002060"/>
                 </a:solidFill>
@@ -7892,39 +7930,6 @@
       </p:grpSpPr>
       <p:sp>
         <p:nvSpPr>
-          <p:cNvPr id="2" name="Titre 1"/>
-          <p:cNvSpPr>
-            <a:spLocks noGrp="1"/>
-          </p:cNvSpPr>
-          <p:nvPr>
-            <p:ph type="title"/>
-          </p:nvPr>
-        </p:nvSpPr>
-        <p:spPr/>
-        <p:txBody>
-          <a:bodyPr/>
-          <a:lstStyle/>
-          <a:p>
-            <a:r>
-              <a:rPr lang="en-US" dirty="0" smtClean="0">
-                <a:solidFill>
-                  <a:srgbClr val="00B050"/>
-                </a:solidFill>
-                <a:latin typeface="Agency FB" pitchFamily="34" charset="0"/>
-              </a:rPr>
-              <a:t>Abstract &amp; Discussion</a:t>
-            </a:r>
-            <a:endParaRPr lang="en-US" dirty="0">
-              <a:solidFill>
-                <a:srgbClr val="00B050"/>
-              </a:solidFill>
-              <a:latin typeface="Agency FB" pitchFamily="34" charset="0"/>
-            </a:endParaRPr>
-          </a:p>
-        </p:txBody>
-      </p:sp>
-      <p:sp>
-        <p:nvSpPr>
           <p:cNvPr id="3" name="Espace réservé du contenu 2"/>
           <p:cNvSpPr>
             <a:spLocks noGrp="1"/>
@@ -7982,6 +7987,83 @@
               </a:rPr>
               <a:t> begins in childhood and continues to some extent throughout life.</a:t>
             </a:r>
+          </a:p>
+        </p:txBody>
+      </p:sp>
+      <p:sp>
+        <p:nvSpPr>
+          <p:cNvPr id="4" name="Line Callout 2 3"/>
+          <p:cNvSpPr/>
+          <p:nvPr/>
+        </p:nvSpPr>
+        <p:spPr>
+          <a:xfrm>
+            <a:off x="1400422" y="637311"/>
+            <a:ext cx="1966233" cy="512616"/>
+          </a:xfrm>
+          <a:prstGeom prst="borderCallout2">
+            <a:avLst>
+              <a:gd name="adj1" fmla="val 18751"/>
+              <a:gd name="adj2" fmla="val -8333"/>
+              <a:gd name="adj3" fmla="val 18750"/>
+              <a:gd name="adj4" fmla="val -16667"/>
+              <a:gd name="adj5" fmla="val 105037"/>
+              <a:gd name="adj6" fmla="val -37118"/>
+            </a:avLst>
+          </a:prstGeom>
+          <a:solidFill>
+            <a:schemeClr val="accent2">
+              <a:lumMod val="60000"/>
+              <a:lumOff val="40000"/>
+            </a:schemeClr>
+          </a:solidFill>
+          <a:ln w="28575">
+            <a:solidFill>
+              <a:schemeClr val="accent3">
+                <a:lumMod val="50000"/>
+              </a:schemeClr>
+            </a:solidFill>
+          </a:ln>
+        </p:spPr>
+        <p:style>
+          <a:lnRef idx="2">
+            <a:schemeClr val="accent6"/>
+          </a:lnRef>
+          <a:fillRef idx="1">
+            <a:schemeClr val="lt1"/>
+          </a:fillRef>
+          <a:effectRef idx="0">
+            <a:schemeClr val="accent6"/>
+          </a:effectRef>
+          <a:fontRef idx="minor">
+            <a:schemeClr val="dk1"/>
+          </a:fontRef>
+        </p:style>
+        <p:txBody>
+          <a:bodyPr rot="0" spcFirstLastPara="0" vertOverflow="overflow" horzOverflow="overflow" vert="horz" wrap="square" lIns="91440" tIns="45720" rIns="91440" bIns="45720" numCol="1" spcCol="0" rtlCol="0" fromWordArt="0" anchor="ctr" anchorCtr="0" forceAA="0" compatLnSpc="1">
+            <a:prstTxWarp prst="textNoShape">
+              <a:avLst/>
+            </a:prstTxWarp>
+            <a:noAutofit/>
+          </a:bodyPr>
+          <a:lstStyle/>
+          <a:p>
+            <a:pPr marL="0" lvl="1" algn="ctr"/>
+            <a:r>
+              <a:rPr lang="en-US" sz="2400" b="1" dirty="0" smtClean="0">
+                <a:solidFill>
+                  <a:srgbClr val="002060"/>
+                </a:solidFill>
+                <a:latin typeface="Agency FB" pitchFamily="34" charset="0"/>
+              </a:rPr>
+              <a:t>Discussions</a:t>
+            </a:r>
+            <a:endParaRPr lang="en-US" sz="2400" b="1" dirty="0">
+              <a:solidFill>
+                <a:srgbClr val="002060"/>
+              </a:solidFill>
+              <a:latin typeface="Bell MT" panose="02020503060305020303" pitchFamily="18" charset="0"/>
+            </a:endParaRPr>
           </a:p>
         </p:txBody>
       </p:sp>
@@ -8481,6 +8563,331 @@
 </p:sld>
 </file>
 
+<file path=ppt/slides/slide20.xml><?xml version="1.0" encoding="utf-8"?>
+<p:sld xmlns:a="http://schemas.openxmlformats.org/drawingml/2006/main" xmlns:r="http://schemas.openxmlformats.org/officeDocument/2006/relationships" xmlns:p="http://schemas.openxmlformats.org/presentationml/2006/main">
+  <p:cSld>
+    <p:spTree>
+      <p:nvGrpSpPr>
+        <p:cNvPr id="1" name=""/>
+        <p:cNvGrpSpPr/>
+        <p:nvPr/>
+      </p:nvGrpSpPr>
+      <p:grpSpPr>
+        <a:xfrm>
+          <a:off x="0" y="0"/>
+          <a:ext cx="0" cy="0"/>
+          <a:chOff x="0" y="0"/>
+          <a:chExt cx="0" cy="0"/>
+        </a:xfrm>
+      </p:grpSpPr>
+      <p:sp>
+        <p:nvSpPr>
+          <p:cNvPr id="3" name="Content Placeholder 2"/>
+          <p:cNvSpPr>
+            <a:spLocks noGrp="1"/>
+          </p:cNvSpPr>
+          <p:nvPr>
+            <p:ph idx="1"/>
+          </p:nvPr>
+        </p:nvSpPr>
+        <p:spPr>
+          <a:xfrm>
+            <a:off x="512618" y="2008909"/>
+            <a:ext cx="10404764" cy="4171228"/>
+          </a:xfrm>
+        </p:spPr>
+        <p:txBody>
+          <a:bodyPr>
+            <a:normAutofit/>
+          </a:bodyPr>
+          <a:lstStyle/>
+          <a:p>
+            <a:pPr marL="0" indent="0" algn="ctr">
+              <a:buNone/>
+            </a:pPr>
+            <a:r>
+              <a:rPr lang="en-US" sz="2000" b="1" dirty="0">
+                <a:solidFill>
+                  <a:srgbClr val="002060"/>
+                </a:solidFill>
+                <a:latin typeface="Bell MT" panose="02020503060305020303" pitchFamily="18" charset="0"/>
+              </a:rPr>
+              <a:t>https://github.com/Maickery/Child_of_change/blob/master/Result/Presentation.pptx</a:t>
+            </a:r>
+          </a:p>
+        </p:txBody>
+      </p:sp>
+      <p:sp>
+        <p:nvSpPr>
+          <p:cNvPr id="5" name="Line Callout 2 4"/>
+          <p:cNvSpPr/>
+          <p:nvPr/>
+        </p:nvSpPr>
+        <p:spPr>
+          <a:xfrm>
+            <a:off x="1400421" y="637311"/>
+            <a:ext cx="3393251" cy="609598"/>
+          </a:xfrm>
+          <a:prstGeom prst="borderCallout2">
+            <a:avLst>
+              <a:gd name="adj1" fmla="val 18751"/>
+              <a:gd name="adj2" fmla="val -8333"/>
+              <a:gd name="adj3" fmla="val 18750"/>
+              <a:gd name="adj4" fmla="val -16667"/>
+              <a:gd name="adj5" fmla="val 102764"/>
+              <a:gd name="adj6" fmla="val -28135"/>
+            </a:avLst>
+          </a:prstGeom>
+          <a:solidFill>
+            <a:schemeClr val="accent2">
+              <a:lumMod val="60000"/>
+              <a:lumOff val="40000"/>
+            </a:schemeClr>
+          </a:solidFill>
+          <a:ln w="28575">
+            <a:solidFill>
+              <a:schemeClr val="accent3">
+                <a:lumMod val="50000"/>
+              </a:schemeClr>
+            </a:solidFill>
+          </a:ln>
+        </p:spPr>
+        <p:style>
+          <a:lnRef idx="2">
+            <a:schemeClr val="accent6"/>
+          </a:lnRef>
+          <a:fillRef idx="1">
+            <a:schemeClr val="lt1"/>
+          </a:fillRef>
+          <a:effectRef idx="0">
+            <a:schemeClr val="accent6"/>
+          </a:effectRef>
+          <a:fontRef idx="minor">
+            <a:schemeClr val="dk1"/>
+          </a:fontRef>
+        </p:style>
+        <p:txBody>
+          <a:bodyPr rot="0" spcFirstLastPara="0" vertOverflow="overflow" horzOverflow="overflow" vert="horz" wrap="square" lIns="91440" tIns="45720" rIns="91440" bIns="45720" numCol="1" spcCol="0" rtlCol="0" fromWordArt="0" anchor="ctr" anchorCtr="0" forceAA="0" compatLnSpc="1">
+            <a:prstTxWarp prst="textNoShape">
+              <a:avLst/>
+            </a:prstTxWarp>
+            <a:noAutofit/>
+          </a:bodyPr>
+          <a:lstStyle/>
+          <a:p>
+            <a:pPr marL="0" lvl="1" algn="ctr"/>
+            <a:r>
+              <a:rPr lang="en-US" sz="2400" b="1" dirty="0" smtClean="0">
+                <a:solidFill>
+                  <a:srgbClr val="002060"/>
+                </a:solidFill>
+                <a:latin typeface="Agency FB" pitchFamily="34" charset="0"/>
+              </a:rPr>
+              <a:t>References &amp; Appendices</a:t>
+            </a:r>
+            <a:endParaRPr lang="en-US" sz="2400" b="1" dirty="0">
+              <a:solidFill>
+                <a:srgbClr val="002060"/>
+              </a:solidFill>
+              <a:latin typeface="Bell MT" panose="02020503060305020303" pitchFamily="18" charset="0"/>
+            </a:endParaRPr>
+          </a:p>
+        </p:txBody>
+      </p:sp>
+    </p:spTree>
+    <p:extLst>
+      <p:ext uri="{BB962C8B-B14F-4D97-AF65-F5344CB8AC3E}">
+        <p14:creationId xmlns:p14="http://schemas.microsoft.com/office/powerpoint/2010/main" val="522665631"/>
+      </p:ext>
+    </p:extLst>
+  </p:cSld>
+  <p:clrMapOvr>
+    <a:masterClrMapping/>
+  </p:clrMapOvr>
+</p:sld>
+</file>
+
+<file path=ppt/slides/slide21.xml><?xml version="1.0" encoding="utf-8"?>
+<p:sld xmlns:a="http://schemas.openxmlformats.org/drawingml/2006/main" xmlns:r="http://schemas.openxmlformats.org/officeDocument/2006/relationships" xmlns:p="http://schemas.openxmlformats.org/presentationml/2006/main">
+  <p:cSld>
+    <p:spTree>
+      <p:nvGrpSpPr>
+        <p:cNvPr id="1" name=""/>
+        <p:cNvGrpSpPr/>
+        <p:nvPr/>
+      </p:nvGrpSpPr>
+      <p:grpSpPr>
+        <a:xfrm>
+          <a:off x="0" y="0"/>
+          <a:ext cx="0" cy="0"/>
+          <a:chOff x="0" y="0"/>
+          <a:chExt cx="0" cy="0"/>
+        </a:xfrm>
+      </p:grpSpPr>
+      <p:sp>
+        <p:nvSpPr>
+          <p:cNvPr id="4" name="Rectangle 3"/>
+          <p:cNvSpPr/>
+          <p:nvPr/>
+        </p:nvSpPr>
+        <p:spPr>
+          <a:xfrm>
+            <a:off x="7688995" y="0"/>
+            <a:ext cx="4503005" cy="6858000"/>
+          </a:xfrm>
+          <a:prstGeom prst="rect">
+            <a:avLst/>
+          </a:prstGeom>
+          <a:ln w="28575">
+            <a:solidFill>
+              <a:schemeClr val="tx1"/>
+            </a:solidFill>
+          </a:ln>
+        </p:spPr>
+        <p:style>
+          <a:lnRef idx="2">
+            <a:schemeClr val="accent6"/>
+          </a:lnRef>
+          <a:fillRef idx="1">
+            <a:schemeClr val="lt1"/>
+          </a:fillRef>
+          <a:effectRef idx="0">
+            <a:schemeClr val="accent6"/>
+          </a:effectRef>
+          <a:fontRef idx="minor">
+            <a:schemeClr val="dk1"/>
+          </a:fontRef>
+        </p:style>
+        <p:txBody>
+          <a:bodyPr rtlCol="0" anchor="ctr"/>
+          <a:lstStyle/>
+          <a:p>
+            <a:pPr algn="ctr"/>
+            <a:r>
+              <a:rPr lang="en-US" b="1" dirty="0" smtClean="0"/>
+              <a:t>PICTURE</a:t>
+            </a:r>
+            <a:endParaRPr lang="en-US" b="1" dirty="0"/>
+          </a:p>
+        </p:txBody>
+      </p:sp>
+      <p:sp>
+        <p:nvSpPr>
+          <p:cNvPr id="5" name="Rectangle 4"/>
+          <p:cNvSpPr/>
+          <p:nvPr/>
+        </p:nvSpPr>
+        <p:spPr>
+          <a:xfrm>
+            <a:off x="0" y="0"/>
+            <a:ext cx="7536873" cy="6858000"/>
+          </a:xfrm>
+          <a:prstGeom prst="rect">
+            <a:avLst/>
+          </a:prstGeom>
+          <a:solidFill>
+            <a:schemeClr val="tx1">
+              <a:lumMod val="75000"/>
+              <a:lumOff val="25000"/>
+            </a:schemeClr>
+          </a:solidFill>
+          <a:ln w="28575">
+            <a:solidFill>
+              <a:schemeClr val="tx1"/>
+            </a:solidFill>
+          </a:ln>
+        </p:spPr>
+        <p:style>
+          <a:lnRef idx="2">
+            <a:schemeClr val="accent6"/>
+          </a:lnRef>
+          <a:fillRef idx="1">
+            <a:schemeClr val="lt1"/>
+          </a:fillRef>
+          <a:effectRef idx="0">
+            <a:schemeClr val="accent6"/>
+          </a:effectRef>
+          <a:fontRef idx="minor">
+            <a:schemeClr val="dk1"/>
+          </a:fontRef>
+        </p:style>
+        <p:txBody>
+          <a:bodyPr rtlCol="0" anchor="ctr"/>
+          <a:lstStyle/>
+          <a:p>
+            <a:pPr algn="ctr"/>
+            <a:endParaRPr lang="en-US" sz="1400" dirty="0"/>
+          </a:p>
+        </p:txBody>
+      </p:sp>
+      <p:sp>
+        <p:nvSpPr>
+          <p:cNvPr id="6" name="Rectangle 5"/>
+          <p:cNvSpPr/>
+          <p:nvPr/>
+        </p:nvSpPr>
+        <p:spPr>
+          <a:xfrm>
+            <a:off x="0" y="6206836"/>
+            <a:ext cx="12202419" cy="665019"/>
+          </a:xfrm>
+          <a:prstGeom prst="rect">
+            <a:avLst/>
+          </a:prstGeom>
+          <a:solidFill>
+            <a:schemeClr val="accent2">
+              <a:lumMod val="50000"/>
+            </a:schemeClr>
+          </a:solidFill>
+          <a:ln w="28575">
+            <a:noFill/>
+          </a:ln>
+        </p:spPr>
+        <p:style>
+          <a:lnRef idx="2">
+            <a:schemeClr val="accent6"/>
+          </a:lnRef>
+          <a:fillRef idx="1">
+            <a:schemeClr val="lt1"/>
+          </a:fillRef>
+          <a:effectRef idx="0">
+            <a:schemeClr val="accent6"/>
+          </a:effectRef>
+          <a:fontRef idx="minor">
+            <a:schemeClr val="dk1"/>
+          </a:fontRef>
+        </p:style>
+        <p:txBody>
+          <a:bodyPr rot="0" spcFirstLastPara="0" vertOverflow="overflow" horzOverflow="overflow" vert="horz" wrap="square" lIns="91440" tIns="45720" rIns="91440" bIns="45720" numCol="1" spcCol="0" rtlCol="0" fromWordArt="0" anchor="ctr" anchorCtr="0" forceAA="0" compatLnSpc="1">
+            <a:prstTxWarp prst="textNoShape">
+              <a:avLst/>
+            </a:prstTxWarp>
+            <a:noAutofit/>
+          </a:bodyPr>
+          <a:lstStyle/>
+          <a:p>
+            <a:pPr algn="ctr"/>
+            <a:r>
+              <a:rPr lang="en-US" sz="1400" dirty="0" smtClean="0"/>
+              <a:t>Thanks you </a:t>
+            </a:r>
+            <a:endParaRPr lang="en-US" sz="1400" dirty="0"/>
+          </a:p>
+        </p:txBody>
+      </p:sp>
+    </p:spTree>
+    <p:extLst>
+      <p:ext uri="{BB962C8B-B14F-4D97-AF65-F5344CB8AC3E}">
+        <p14:creationId xmlns:p14="http://schemas.microsoft.com/office/powerpoint/2010/main" val="3507081092"/>
+      </p:ext>
+    </p:extLst>
+  </p:cSld>
+  <p:clrMapOvr>
+    <a:masterClrMapping/>
+  </p:clrMapOvr>
+</p:sld>
+</file>
+
 <file path=ppt/slides/slide3.xml><?xml version="1.0" encoding="utf-8"?>
 <p:sld xmlns:a="http://schemas.openxmlformats.org/drawingml/2006/main" xmlns:r="http://schemas.openxmlformats.org/officeDocument/2006/relationships" xmlns:p="http://schemas.openxmlformats.org/presentationml/2006/main">
   <p:cSld>
@@ -8611,18 +9018,15 @@
                   <a:schemeClr val="tx1"/>
                 </a:solidFill>
               </a:rPr>
-              <a:t>the effect of certain variables such as Rape and sexual abuse</a:t>
-            </a:r>
-          </a:p>
-          <a:p>
-            <a:pPr algn="ctr"/>
+              <a:t>the effect of certain variables such as </a:t>
+            </a:r>
             <a:r>
               <a:rPr lang="en-US" dirty="0" smtClean="0">
                 <a:solidFill>
                   <a:schemeClr val="tx1"/>
                 </a:solidFill>
               </a:rPr>
-              <a:t>early </a:t>
+              <a:t>rape early </a:t>
             </a:r>
             <a:r>
               <a:rPr lang="en-US" dirty="0">
@@ -8691,8 +9095,8 @@
         </p:nvSpPr>
         <p:spPr>
           <a:xfrm>
-            <a:off x="1358835" y="512619"/>
-            <a:ext cx="2548149" cy="928253"/>
+            <a:off x="1358835" y="512620"/>
+            <a:ext cx="2548149" cy="734290"/>
           </a:xfrm>
           <a:prstGeom prst="borderCallout2">
             <a:avLst>
@@ -8700,8 +9104,8 @@
               <a:gd name="adj2" fmla="val -8333"/>
               <a:gd name="adj3" fmla="val 18750"/>
               <a:gd name="adj4" fmla="val -16667"/>
-              <a:gd name="adj5" fmla="val 118470"/>
-              <a:gd name="adj6" fmla="val -45036"/>
+              <a:gd name="adj5" fmla="val 99067"/>
+              <a:gd name="adj6" fmla="val -38511"/>
             </a:avLst>
           </a:prstGeom>
           <a:solidFill>
@@ -8998,7 +9402,7 @@
         <p:spPr>
           <a:xfrm>
             <a:off x="1303437" y="417714"/>
-            <a:ext cx="2548149" cy="928253"/>
+            <a:ext cx="2548149" cy="718359"/>
           </a:xfrm>
           <a:prstGeom prst="borderCallout2">
             <a:avLst>
@@ -9153,13 +9557,7 @@
               <a:rPr lang="en-US" sz="2400" dirty="0" smtClean="0">
                 <a:latin typeface="Bell MT" pitchFamily="18" charset="0"/>
               </a:rPr>
-              <a:t>All young </a:t>
-            </a:r>
-            <a:r>
-              <a:rPr lang="en-US" sz="2400" dirty="0" smtClean="0">
-                <a:latin typeface="Bell MT" pitchFamily="18" charset="0"/>
-              </a:rPr>
-              <a:t>mothers</a:t>
+              <a:t>All young mothers</a:t>
             </a:r>
           </a:p>
           <a:p>
@@ -9175,13 +9573,7 @@
               <a:rPr lang="en-US" sz="2400" dirty="0" smtClean="0">
                 <a:latin typeface="Bell MT" pitchFamily="18" charset="0"/>
               </a:rPr>
-              <a:t>NGOs </a:t>
-            </a:r>
-            <a:r>
-              <a:rPr lang="en-US" sz="2400" dirty="0" smtClean="0">
-                <a:latin typeface="Bell MT" pitchFamily="18" charset="0"/>
-              </a:rPr>
-              <a:t>working with and for young people, women</a:t>
+              <a:t>NGOs working with and for young people, women</a:t>
             </a:r>
           </a:p>
           <a:p>
@@ -9197,13 +9589,7 @@
               <a:rPr lang="en-US" sz="2400" dirty="0" smtClean="0">
                 <a:latin typeface="Bell MT" pitchFamily="18" charset="0"/>
               </a:rPr>
-              <a:t>Corporate </a:t>
-            </a:r>
-            <a:r>
-              <a:rPr lang="en-US" sz="2400" dirty="0" smtClean="0">
-                <a:latin typeface="Bell MT" pitchFamily="18" charset="0"/>
-              </a:rPr>
-              <a:t>philanthropy</a:t>
+              <a:t>Corporate philanthropy</a:t>
             </a:r>
             <a:endParaRPr lang="en-US" sz="2400" dirty="0">
               <a:latin typeface="Bell MT" pitchFamily="18" charset="0"/>
@@ -9220,7 +9606,7 @@
         <p:spPr>
           <a:xfrm>
             <a:off x="1331147" y="486989"/>
-            <a:ext cx="2548149" cy="928253"/>
+            <a:ext cx="2229471" cy="732211"/>
           </a:xfrm>
           <a:prstGeom prst="borderCallout2">
             <a:avLst>
@@ -9271,13 +9657,22 @@
           <a:p>
             <a:pPr marL="0" lvl="1" algn="ctr"/>
             <a:r>
+              <a:rPr lang="en-US" sz="2400" b="1" dirty="0" smtClean="0">
+                <a:solidFill>
+                  <a:srgbClr val="002060"/>
+                </a:solidFill>
+                <a:latin typeface="Bell MT" pitchFamily="18" charset="0"/>
+              </a:rPr>
+              <a:t>Audiences</a:t>
+            </a:r>
+            <a:r>
               <a:rPr lang="en-US" sz="2400" b="1" dirty="0">
                 <a:solidFill>
                   <a:srgbClr val="002060"/>
                 </a:solidFill>
                 <a:latin typeface="Bell MT" pitchFamily="18" charset="0"/>
               </a:rPr>
-              <a:t>Audience </a:t>
+              <a:t> </a:t>
             </a:r>
             <a:endParaRPr lang="en-US" sz="1400" dirty="0">
               <a:solidFill>
@@ -9423,8 +9818,8 @@
         </p:nvSpPr>
         <p:spPr>
           <a:xfrm>
-            <a:off x="1606486" y="697022"/>
-            <a:ext cx="1941391" cy="626207"/>
+            <a:off x="1606486" y="697023"/>
+            <a:ext cx="1941391" cy="591450"/>
           </a:xfrm>
           <a:prstGeom prst="borderCallout2">
             <a:avLst>
@@ -9642,13 +10037,7 @@
               <a:rPr lang="en-US" sz="2200" dirty="0" smtClean="0">
                 <a:latin typeface="Bell MT" pitchFamily="18" charset="0"/>
               </a:rPr>
-              <a:t>0 </a:t>
-            </a:r>
-            <a:r>
-              <a:rPr lang="en-US" sz="2200" dirty="0" smtClean="0">
-                <a:latin typeface="Bell MT" pitchFamily="18" charset="0"/>
-              </a:rPr>
-              <a:t>: </a:t>
+              <a:t>0 : </a:t>
             </a:r>
             <a:r>
               <a:rPr lang="en-US" sz="2200" dirty="0" err="1" smtClean="0">
@@ -9804,8 +10193,8 @@
         </p:nvSpPr>
         <p:spPr>
           <a:xfrm>
-            <a:off x="221672" y="5108654"/>
-            <a:ext cx="10349346" cy="1451648"/>
+            <a:off x="667892" y="5293320"/>
+            <a:ext cx="10013963" cy="1266982"/>
           </a:xfrm>
           <a:prstGeom prst="rect">
             <a:avLst/>
@@ -9857,7 +10246,7 @@
               <a:t> </a:t>
             </a:r>
             <a:r>
-              <a:rPr kumimoji="0" lang="en-US" sz="2400" i="0" u="none" strike="noStrike" kern="1200" cap="none" spc="0" normalizeH="0" baseline="0" noProof="0" dirty="0" smtClean="0">
+              <a:rPr kumimoji="0" lang="en-US" sz="2000" i="0" u="none" strike="noStrike" kern="1200" cap="none" spc="0" normalizeH="0" baseline="0" noProof="0" dirty="0" smtClean="0">
                 <a:ln>
                   <a:noFill/>
                 </a:ln>
@@ -9871,7 +10260,7 @@
               <a:t>The three departments with the largest population are respectively (in descending order): West, </a:t>
             </a:r>
             <a:r>
-              <a:rPr kumimoji="0" lang="en-US" sz="2400" i="0" u="none" strike="noStrike" kern="1200" cap="none" spc="0" normalizeH="0" baseline="0" noProof="0" dirty="0" err="1" smtClean="0">
+              <a:rPr kumimoji="0" lang="en-US" sz="2000" i="0" u="none" strike="noStrike" kern="1200" cap="none" spc="0" normalizeH="0" baseline="0" noProof="0" dirty="0" err="1" smtClean="0">
                 <a:ln>
                   <a:noFill/>
                 </a:ln>
@@ -9885,7 +10274,7 @@
               <a:t>Artibonite</a:t>
             </a:r>
             <a:r>
-              <a:rPr kumimoji="0" lang="en-US" sz="2400" i="0" u="none" strike="noStrike" kern="1200" cap="none" spc="0" normalizeH="0" baseline="0" noProof="0" dirty="0" smtClean="0">
+              <a:rPr kumimoji="0" lang="en-US" sz="2000" i="0" u="none" strike="noStrike" kern="1200" cap="none" spc="0" normalizeH="0" baseline="0" noProof="0" dirty="0" smtClean="0">
                 <a:ln>
                   <a:noFill/>
                 </a:ln>
@@ -9898,7 +10287,7 @@
               </a:rPr>
               <a:t> and North. So they're the three with the most young people(15-24 years).</a:t>
             </a:r>
-            <a:endParaRPr kumimoji="0" lang="en-US" sz="2400" i="0" u="none" strike="noStrike" kern="1200" cap="none" spc="0" normalizeH="0" baseline="0" noProof="0" dirty="0">
+            <a:endParaRPr kumimoji="0" lang="en-US" sz="2000" i="0" u="none" strike="noStrike" kern="1200" cap="none" spc="0" normalizeH="0" baseline="0" noProof="0" dirty="0">
               <a:ln>
                 <a:noFill/>
               </a:ln>
@@ -9921,7 +10310,7 @@
         <p:spPr>
           <a:xfrm>
             <a:off x="1400422" y="486989"/>
-            <a:ext cx="3046889" cy="928253"/>
+            <a:ext cx="3199287" cy="870756"/>
           </a:xfrm>
           <a:prstGeom prst="borderCallout2">
             <a:avLst>
@@ -9929,8 +10318,8 @@
               <a:gd name="adj2" fmla="val -8333"/>
               <a:gd name="adj3" fmla="val 18750"/>
               <a:gd name="adj4" fmla="val -16667"/>
-              <a:gd name="adj5" fmla="val 105037"/>
-              <a:gd name="adj6" fmla="val -37118"/>
+              <a:gd name="adj5" fmla="val 99760"/>
+              <a:gd name="adj6" fmla="val -30752"/>
             </a:avLst>
           </a:prstGeom>
           <a:solidFill>
@@ -9972,7 +10361,7 @@
           <a:p>
             <a:pPr marL="0" lvl="1" algn="ctr"/>
             <a:r>
-              <a:rPr lang="en-US" sz="2400" dirty="0">
+              <a:rPr lang="en-US" sz="2400" b="1" dirty="0">
                 <a:solidFill>
                   <a:srgbClr val="002060"/>
                 </a:solidFill>
@@ -9980,7 +10369,7 @@
               </a:rPr>
               <a:t>Haitian demographics</a:t>
             </a:r>
-            <a:endParaRPr lang="en-US" sz="1400" dirty="0">
+            <a:endParaRPr lang="en-US" sz="1400" b="1" dirty="0">
               <a:solidFill>
                 <a:srgbClr val="002060"/>
               </a:solidFill>
@@ -10076,8 +10465,8 @@
         </p:blipFill>
         <p:spPr>
           <a:xfrm>
-            <a:off x="41565" y="457192"/>
-            <a:ext cx="11160383" cy="6123716"/>
+            <a:off x="0" y="457192"/>
+            <a:ext cx="11291455" cy="6123716"/>
           </a:xfrm>
         </p:spPr>
       </p:pic>
@@ -10130,8 +10519,8 @@
         </p:nvSpPr>
         <p:spPr>
           <a:xfrm>
-            <a:off x="417770" y="2222624"/>
-            <a:ext cx="10388777" cy="3605589"/>
+            <a:off x="417770" y="2222625"/>
+            <a:ext cx="10388777" cy="3387920"/>
           </a:xfrm>
         </p:spPr>
         <p:txBody>
@@ -10145,40 +10534,48 @@
               <a:rPr lang="en-US" dirty="0" smtClean="0">
                 <a:latin typeface="Bell MT" pitchFamily="18" charset="0"/>
               </a:rPr>
-              <a:t>who </a:t>
-            </a:r>
+              <a:t>who cannot read</a:t>
+            </a:r>
+          </a:p>
+          <a:p>
+            <a:pPr algn="just"/>
             <a:r>
               <a:rPr lang="en-US" dirty="0" smtClean="0">
                 <a:latin typeface="Bell MT" pitchFamily="18" charset="0"/>
               </a:rPr>
-              <a:t>cannot </a:t>
-            </a:r>
+              <a:t>with completed primary education</a:t>
+            </a:r>
+          </a:p>
+          <a:p>
+            <a:pPr algn="just"/>
             <a:r>
               <a:rPr lang="en-US" dirty="0" smtClean="0">
                 <a:latin typeface="Bell MT" pitchFamily="18" charset="0"/>
               </a:rPr>
-              <a:t>read</a:t>
-            </a:r>
-          </a:p>
-          <a:p>
-            <a:pPr algn="just"/>
+              <a:t>exposed to at least one media source at least </a:t>
+            </a:r>
             <a:r>
               <a:rPr lang="en-US" dirty="0" smtClean="0">
                 <a:latin typeface="Bell MT" pitchFamily="18" charset="0"/>
               </a:rPr>
-              <a:t>with </a:t>
-            </a:r>
+              <a:t>once</a:t>
+            </a:r>
+          </a:p>
+          <a:p>
+            <a:pPr marL="0" indent="0" algn="just">
+              <a:buNone/>
+            </a:pPr>
             <a:r>
               <a:rPr lang="en-US" dirty="0" smtClean="0">
                 <a:latin typeface="Bell MT" pitchFamily="18" charset="0"/>
               </a:rPr>
-              <a:t>completed primary </a:t>
+              <a:t> </a:t>
             </a:r>
             <a:r>
               <a:rPr lang="en-US" dirty="0" smtClean="0">
                 <a:latin typeface="Bell MT" pitchFamily="18" charset="0"/>
               </a:rPr>
-              <a:t>education</a:t>
+              <a:t>a week</a:t>
             </a:r>
           </a:p>
           <a:p>
@@ -10187,31 +10584,43 @@
               <a:rPr lang="en-US" dirty="0" smtClean="0">
                 <a:latin typeface="Bell MT" pitchFamily="18" charset="0"/>
               </a:rPr>
-              <a:t>exposed </a:t>
-            </a:r>
+              <a:t>currently married</a:t>
+            </a:r>
+          </a:p>
+          <a:p>
+            <a:pPr algn="just"/>
             <a:r>
               <a:rPr lang="en-US" dirty="0" smtClean="0">
                 <a:latin typeface="Bell MT" pitchFamily="18" charset="0"/>
               </a:rPr>
-              <a:t>to at least one media source </a:t>
-            </a:r>
+              <a:t>currently living together</a:t>
+            </a:r>
+          </a:p>
+          <a:p>
+            <a:pPr algn="just"/>
             <a:r>
               <a:rPr lang="en-US" dirty="0" smtClean="0">
                 <a:latin typeface="Bell MT" pitchFamily="18" charset="0"/>
               </a:rPr>
-              <a:t>at </a:t>
-            </a:r>
+              <a:t>who had sexual intercourse before age 15</a:t>
+            </a:r>
+          </a:p>
+          <a:p>
+            <a:pPr algn="just"/>
             <a:r>
               <a:rPr lang="en-US" dirty="0" smtClean="0">
                 <a:latin typeface="Bell MT" pitchFamily="18" charset="0"/>
               </a:rPr>
-              <a:t>least once a </a:t>
-            </a:r>
+              <a:t>who had sexual intercourse before age 18</a:t>
+            </a:r>
+          </a:p>
+          <a:p>
+            <a:pPr algn="just"/>
             <a:r>
               <a:rPr lang="en-US" dirty="0" smtClean="0">
                 <a:latin typeface="Bell MT" pitchFamily="18" charset="0"/>
               </a:rPr>
-              <a:t>week</a:t>
+              <a:t>who have begun childbearing</a:t>
             </a:r>
           </a:p>
           <a:p>
@@ -10220,7 +10629,7 @@
               <a:rPr lang="en-US" dirty="0" smtClean="0">
                 <a:latin typeface="Bell MT" pitchFamily="18" charset="0"/>
               </a:rPr>
-              <a:t>currently married</a:t>
+              <a:t>who have ever been pregnant</a:t>
             </a:r>
           </a:p>
           <a:p>
@@ -10229,19 +10638,28 @@
               <a:rPr lang="en-US" dirty="0" smtClean="0">
                 <a:latin typeface="Bell MT" pitchFamily="18" charset="0"/>
               </a:rPr>
-              <a:t>currently </a:t>
-            </a:r>
+              <a:t>currently using a modern contraceptive method</a:t>
+            </a:r>
+          </a:p>
+          <a:p>
+            <a:pPr algn="just"/>
             <a:r>
               <a:rPr lang="en-US" dirty="0" smtClean="0">
                 <a:latin typeface="Bell MT" pitchFamily="18" charset="0"/>
               </a:rPr>
-              <a:t>living </a:t>
+              <a:t>who are sexually </a:t>
+            </a:r>
+            <a:r>
+              <a:rPr lang="en-US" dirty="0">
+                <a:latin typeface="Bell MT" pitchFamily="18" charset="0"/>
+              </a:rPr>
+              <a:t>active </a:t>
             </a:r>
             <a:r>
               <a:rPr lang="en-US" dirty="0" smtClean="0">
                 <a:latin typeface="Bell MT" pitchFamily="18" charset="0"/>
               </a:rPr>
-              <a:t>together</a:t>
+              <a:t>and have ever used any contraceptive method</a:t>
             </a:r>
           </a:p>
           <a:p>
@@ -10250,157 +10668,7 @@
               <a:rPr lang="en-US" dirty="0" smtClean="0">
                 <a:latin typeface="Bell MT" pitchFamily="18" charset="0"/>
               </a:rPr>
-              <a:t>who </a:t>
-            </a:r>
-            <a:r>
-              <a:rPr lang="en-US" dirty="0" smtClean="0">
-                <a:latin typeface="Bell MT" pitchFamily="18" charset="0"/>
-              </a:rPr>
-              <a:t>had sexual intercourse before age </a:t>
-            </a:r>
-            <a:r>
-              <a:rPr lang="en-US" dirty="0" smtClean="0">
-                <a:latin typeface="Bell MT" pitchFamily="18" charset="0"/>
-              </a:rPr>
-              <a:t>15</a:t>
-            </a:r>
-          </a:p>
-          <a:p>
-            <a:pPr algn="just"/>
-            <a:r>
-              <a:rPr lang="en-US" dirty="0" smtClean="0">
-                <a:latin typeface="Bell MT" pitchFamily="18" charset="0"/>
-              </a:rPr>
-              <a:t>who </a:t>
-            </a:r>
-            <a:r>
-              <a:rPr lang="en-US" dirty="0" smtClean="0">
-                <a:latin typeface="Bell MT" pitchFamily="18" charset="0"/>
-              </a:rPr>
-              <a:t>had sexual intercourse before age </a:t>
-            </a:r>
-            <a:r>
-              <a:rPr lang="en-US" dirty="0" smtClean="0">
-                <a:latin typeface="Bell MT" pitchFamily="18" charset="0"/>
-              </a:rPr>
-              <a:t>18</a:t>
-            </a:r>
-          </a:p>
-          <a:p>
-            <a:pPr algn="just"/>
-            <a:r>
-              <a:rPr lang="en-US" dirty="0" smtClean="0">
-                <a:latin typeface="Bell MT" pitchFamily="18" charset="0"/>
-              </a:rPr>
-              <a:t>who </a:t>
-            </a:r>
-            <a:r>
-              <a:rPr lang="en-US" dirty="0" smtClean="0">
-                <a:latin typeface="Bell MT" pitchFamily="18" charset="0"/>
-              </a:rPr>
-              <a:t>have begun </a:t>
-            </a:r>
-            <a:r>
-              <a:rPr lang="en-US" dirty="0" smtClean="0">
-                <a:latin typeface="Bell MT" pitchFamily="18" charset="0"/>
-              </a:rPr>
-              <a:t>childbearing</a:t>
-            </a:r>
-          </a:p>
-          <a:p>
-            <a:pPr algn="just"/>
-            <a:r>
-              <a:rPr lang="en-US" dirty="0" smtClean="0">
-                <a:latin typeface="Bell MT" pitchFamily="18" charset="0"/>
-              </a:rPr>
-              <a:t>who </a:t>
-            </a:r>
-            <a:r>
-              <a:rPr lang="en-US" dirty="0" smtClean="0">
-                <a:latin typeface="Bell MT" pitchFamily="18" charset="0"/>
-              </a:rPr>
-              <a:t>have ever been </a:t>
-            </a:r>
-            <a:r>
-              <a:rPr lang="en-US" dirty="0" smtClean="0">
-                <a:latin typeface="Bell MT" pitchFamily="18" charset="0"/>
-              </a:rPr>
-              <a:t>pregnant</a:t>
-            </a:r>
-          </a:p>
-          <a:p>
-            <a:pPr algn="just"/>
-            <a:r>
-              <a:rPr lang="en-US" dirty="0" smtClean="0">
-                <a:latin typeface="Bell MT" pitchFamily="18" charset="0"/>
-              </a:rPr>
-              <a:t>currently </a:t>
-            </a:r>
-            <a:r>
-              <a:rPr lang="en-US" dirty="0" smtClean="0">
-                <a:latin typeface="Bell MT" pitchFamily="18" charset="0"/>
-              </a:rPr>
-              <a:t>using a modern contraceptive </a:t>
-            </a:r>
-            <a:r>
-              <a:rPr lang="en-US" dirty="0" smtClean="0">
-                <a:latin typeface="Bell MT" pitchFamily="18" charset="0"/>
-              </a:rPr>
-              <a:t>method</a:t>
-            </a:r>
-          </a:p>
-          <a:p>
-            <a:pPr algn="just"/>
-            <a:r>
-              <a:rPr lang="en-US" dirty="0" smtClean="0">
-                <a:latin typeface="Bell MT" pitchFamily="18" charset="0"/>
-              </a:rPr>
-              <a:t>who are </a:t>
-            </a:r>
-            <a:r>
-              <a:rPr lang="en-US" dirty="0" smtClean="0">
-                <a:latin typeface="Bell MT" pitchFamily="18" charset="0"/>
-              </a:rPr>
-              <a:t>sexually </a:t>
-            </a:r>
-            <a:r>
-              <a:rPr lang="en-US" dirty="0">
-                <a:latin typeface="Bell MT" pitchFamily="18" charset="0"/>
-              </a:rPr>
-              <a:t>active </a:t>
-            </a:r>
-            <a:r>
-              <a:rPr lang="en-US" dirty="0" smtClean="0">
-                <a:latin typeface="Bell MT" pitchFamily="18" charset="0"/>
-              </a:rPr>
-              <a:t>and have </a:t>
-            </a:r>
-            <a:r>
-              <a:rPr lang="en-US" dirty="0" smtClean="0">
-                <a:latin typeface="Bell MT" pitchFamily="18" charset="0"/>
-              </a:rPr>
-              <a:t>ever used any contraceptive </a:t>
-            </a:r>
-            <a:r>
-              <a:rPr lang="en-US" dirty="0" smtClean="0">
-                <a:latin typeface="Bell MT" pitchFamily="18" charset="0"/>
-              </a:rPr>
-              <a:t>method</a:t>
-            </a:r>
-          </a:p>
-          <a:p>
-            <a:pPr algn="just"/>
-            <a:r>
-              <a:rPr lang="en-US" dirty="0" smtClean="0">
-                <a:latin typeface="Bell MT" pitchFamily="18" charset="0"/>
-              </a:rPr>
-              <a:t>who </a:t>
-            </a:r>
-            <a:r>
-              <a:rPr lang="en-US" dirty="0" smtClean="0">
-                <a:latin typeface="Bell MT" pitchFamily="18" charset="0"/>
-              </a:rPr>
-              <a:t>have had sexual intercourse and who say that their first experience was against their will   </a:t>
+              <a:t>who have had sexual intercourse and who say that their first experience was against their will   </a:t>
             </a:r>
           </a:p>
         </p:txBody>
@@ -10413,8 +10681,8 @@
         </p:nvSpPr>
         <p:spPr>
           <a:xfrm>
-            <a:off x="1579419" y="460713"/>
-            <a:ext cx="4849089" cy="746065"/>
+            <a:off x="1579420" y="460713"/>
+            <a:ext cx="2396836" cy="606087"/>
           </a:xfrm>
           <a:prstGeom prst="borderCallout2">
             <a:avLst>
@@ -10422,8 +10690,8 @@
               <a:gd name="adj2" fmla="val -8333"/>
               <a:gd name="adj3" fmla="val 18750"/>
               <a:gd name="adj4" fmla="val -16667"/>
-              <a:gd name="adj5" fmla="val 108022"/>
-              <a:gd name="adj6" fmla="val -24105"/>
+              <a:gd name="adj5" fmla="val 112594"/>
+              <a:gd name="adj6" fmla="val -34510"/>
             </a:avLst>
           </a:prstGeom>
           <a:solidFill>
@@ -10465,7 +10733,7 @@
           <a:p>
             <a:pPr marL="0" lvl="1" algn="ctr"/>
             <a:r>
-              <a:rPr lang="en-US" sz="2400" dirty="0">
+              <a:rPr lang="en-US" sz="2400" b="1" dirty="0">
                 <a:solidFill>
                   <a:srgbClr val="002060"/>
                 </a:solidFill>
@@ -10474,24 +10742,15 @@
               <a:t>Keys </a:t>
             </a:r>
             <a:r>
-              <a:rPr lang="en-US" sz="2400" dirty="0" smtClean="0">
+              <a:rPr lang="en-US" sz="2400" b="1" dirty="0" smtClean="0">
                 <a:solidFill>
                   <a:srgbClr val="002060"/>
                 </a:solidFill>
                 <a:latin typeface="Bell MT" panose="02020503060305020303" pitchFamily="18" charset="0"/>
               </a:rPr>
-              <a:t>indicator </a:t>
-            </a:r>
-            <a:r>
-              <a:rPr lang="en-US" sz="2400" dirty="0">
-                <a:solidFill>
-                  <a:srgbClr val="002060"/>
-                </a:solidFill>
-                <a:latin typeface="Bell MT" panose="02020503060305020303" pitchFamily="18" charset="0"/>
-              </a:rPr>
-              <a:t>of young aged 15-24</a:t>
-            </a:r>
-            <a:endParaRPr lang="en-US" sz="1400" dirty="0">
+              <a:t>variables</a:t>
+            </a:r>
+            <a:endParaRPr lang="en-US" sz="1400" b="1" dirty="0">
               <a:solidFill>
                 <a:srgbClr val="002060"/>
               </a:solidFill>
@@ -10526,13 +10785,25 @@
               <a:rPr lang="en-US" b="1" dirty="0">
                 <a:latin typeface="Bell MT" pitchFamily="18" charset="0"/>
               </a:rPr>
-              <a:t>That treats four age groups: 15-19 years old, 15-24 years old, 20-24 years </a:t>
-            </a:r>
-            <a:r>
-              <a:rPr lang="en-US" sz="2200" b="1" dirty="0">
+              <a:t>That treats </a:t>
+            </a:r>
+            <a:r>
+              <a:rPr lang="en-US" b="1" dirty="0" smtClean="0">
                 <a:latin typeface="Bell MT" pitchFamily="18" charset="0"/>
               </a:rPr>
-              <a:t>old,18-24 years old</a:t>
+              <a:t>different </a:t>
+            </a:r>
+            <a:r>
+              <a:rPr lang="en-US" b="1" dirty="0">
+                <a:latin typeface="Bell MT" pitchFamily="18" charset="0"/>
+              </a:rPr>
+              <a:t>age groups: 15-19 years old, 15-24 years old, 20-24 years </a:t>
+            </a:r>
+            <a:r>
+              <a:rPr lang="en-US" sz="2200" b="1" dirty="0" smtClean="0">
+                <a:latin typeface="Bell MT" pitchFamily="18" charset="0"/>
+              </a:rPr>
+              <a:t>old…</a:t>
             </a:r>
             <a:endParaRPr lang="en-US" sz="2200" b="1" dirty="0">
               <a:latin typeface="Bell MT" pitchFamily="18" charset="0"/>
@@ -10567,9 +10838,6 @@
               </a:rPr>
               <a:t>Variables used are percentage of youth : </a:t>
             </a:r>
-            <a:endParaRPr lang="en-US" b="1" dirty="0">
-              <a:latin typeface="Bell MT" panose="02020503060305020303" pitchFamily="18" charset="0"/>
-            </a:endParaRPr>
           </a:p>
         </p:txBody>
       </p:sp>
@@ -10595,8 +10863,8 @@
         </p:blipFill>
         <p:spPr>
           <a:xfrm>
-            <a:off x="7065430" y="804603"/>
-            <a:ext cx="1178025" cy="1123100"/>
+            <a:off x="5721540" y="604170"/>
+            <a:ext cx="1247296" cy="1189141"/>
           </a:xfrm>
           <a:prstGeom prst="ellipse">
             <a:avLst/>

--- a/Result/Presentation.pptx
+++ b/Result/Presentation.pptx
@@ -5,7 +5,7 @@
     <p:sldMasterId id="2147483701" r:id="rId1"/>
   </p:sldMasterIdLst>
   <p:notesMasterIdLst>
-    <p:notesMasterId r:id="rId23"/>
+    <p:notesMasterId r:id="rId21"/>
   </p:notesMasterIdLst>
   <p:sldIdLst>
     <p:sldId id="256" r:id="rId2"/>
@@ -20,15 +20,13 @@
     <p:sldId id="261" r:id="rId11"/>
     <p:sldId id="266" r:id="rId12"/>
     <p:sldId id="267" r:id="rId13"/>
-    <p:sldId id="268" r:id="rId14"/>
-    <p:sldId id="269" r:id="rId15"/>
-    <p:sldId id="276" r:id="rId16"/>
-    <p:sldId id="270" r:id="rId17"/>
-    <p:sldId id="271" r:id="rId18"/>
-    <p:sldId id="273" r:id="rId19"/>
-    <p:sldId id="272" r:id="rId20"/>
-    <p:sldId id="278" r:id="rId21"/>
-    <p:sldId id="277" r:id="rId22"/>
+    <p:sldId id="276" r:id="rId14"/>
+    <p:sldId id="270" r:id="rId15"/>
+    <p:sldId id="271" r:id="rId16"/>
+    <p:sldId id="273" r:id="rId17"/>
+    <p:sldId id="272" r:id="rId18"/>
+    <p:sldId id="278" r:id="rId19"/>
+    <p:sldId id="277" r:id="rId20"/>
   </p:sldIdLst>
   <p:sldSz cx="12192000" cy="6858000"/>
   <p:notesSz cx="6858000" cy="9144000"/>
@@ -146,1755 +144,6 @@
 </p:presentation>
 </file>
 
-<file path=ppt/charts/chart1.xml><?xml version="1.0" encoding="utf-8"?>
-<c:chartSpace xmlns:c="http://schemas.openxmlformats.org/drawingml/2006/chart" xmlns:a="http://schemas.openxmlformats.org/drawingml/2006/main" xmlns:r="http://schemas.openxmlformats.org/officeDocument/2006/relationships" xmlns:c16r2="http://schemas.microsoft.com/office/drawing/2015/06/chart">
-  <c:date1904 val="0"/>
-  <c:lang val="en-US"/>
-  <c:roundedCorners val="0"/>
-  <mc:AlternateContent xmlns:mc="http://schemas.openxmlformats.org/markup-compatibility/2006">
-    <mc:Choice xmlns:c14="http://schemas.microsoft.com/office/drawing/2007/8/2/chart" Requires="c14">
-      <c14:style val="102"/>
-    </mc:Choice>
-    <mc:Fallback>
-      <c:style val="2"/>
-    </mc:Fallback>
-  </mc:AlternateContent>
-  <c:pivotSource>
-    <c:name>[child_of_one.xlsx]All group!PivotTable1</c:name>
-    <c:fmtId val="6"/>
-  </c:pivotSource>
-  <c:chart>
-    <c:title>
-      <c:overlay val="0"/>
-      <c:spPr>
-        <a:noFill/>
-        <a:ln>
-          <a:noFill/>
-        </a:ln>
-        <a:effectLst/>
-      </c:spPr>
-      <c:txPr>
-        <a:bodyPr rot="0" spcFirstLastPara="1" vertOverflow="ellipsis" vert="horz" wrap="square" anchor="ctr" anchorCtr="1"/>
-        <a:lstStyle/>
-        <a:p>
-          <a:pPr>
-            <a:defRPr sz="1400" b="0" i="0" u="none" strike="noStrike" kern="1200" spc="0" baseline="0">
-              <a:solidFill>
-                <a:schemeClr val="tx1">
-                  <a:lumMod val="65000"/>
-                  <a:lumOff val="35000"/>
-                </a:schemeClr>
-              </a:solidFill>
-              <a:latin typeface="+mn-lt"/>
-              <a:ea typeface="+mn-ea"/>
-              <a:cs typeface="+mn-cs"/>
-            </a:defRPr>
-          </a:pPr>
-          <a:endParaRPr lang="en-US"/>
-        </a:p>
-      </c:txPr>
-    </c:title>
-    <c:autoTitleDeleted val="0"/>
-    <c:pivotFmts>
-      <c:pivotFmt>
-        <c:idx val="0"/>
-        <c:spPr>
-          <a:solidFill>
-            <a:srgbClr val="00B050"/>
-          </a:solidFill>
-          <a:ln>
-            <a:noFill/>
-          </a:ln>
-          <a:effectLst/>
-          <a:sp3d/>
-        </c:spPr>
-        <c:marker>
-          <c:symbol val="none"/>
-        </c:marker>
-      </c:pivotFmt>
-      <c:pivotFmt>
-        <c:idx val="1"/>
-        <c:spPr>
-          <a:solidFill>
-            <a:srgbClr val="00B050"/>
-          </a:solidFill>
-          <a:ln>
-            <a:noFill/>
-          </a:ln>
-          <a:effectLst/>
-          <a:sp3d/>
-        </c:spPr>
-        <c:marker>
-          <c:symbol val="none"/>
-        </c:marker>
-        <c:dLbl>
-          <c:idx val="0"/>
-          <c:delete val="1"/>
-          <c:extLst>
-            <c:ext xmlns:c15="http://schemas.microsoft.com/office/drawing/2012/chart" uri="{CE6537A1-D6FC-4f65-9D91-7224C49458BB}"/>
-          </c:extLst>
-        </c:dLbl>
-      </c:pivotFmt>
-    </c:pivotFmts>
-    <c:view3D>
-      <c:rotX val="15"/>
-      <c:rotY val="20"/>
-      <c:depthPercent val="100"/>
-      <c:rAngAx val="1"/>
-    </c:view3D>
-    <c:floor>
-      <c:thickness val="0"/>
-      <c:spPr>
-        <a:noFill/>
-        <a:ln>
-          <a:noFill/>
-        </a:ln>
-        <a:effectLst/>
-        <a:sp3d/>
-      </c:spPr>
-    </c:floor>
-    <c:sideWall>
-      <c:thickness val="0"/>
-      <c:spPr>
-        <a:noFill/>
-        <a:ln>
-          <a:noFill/>
-        </a:ln>
-        <a:effectLst/>
-        <a:sp3d/>
-      </c:spPr>
-    </c:sideWall>
-    <c:backWall>
-      <c:thickness val="0"/>
-      <c:spPr>
-        <a:noFill/>
-        <a:ln>
-          <a:noFill/>
-        </a:ln>
-        <a:effectLst/>
-        <a:sp3d/>
-      </c:spPr>
-    </c:backWall>
-    <c:plotArea>
-      <c:layout/>
-      <c:bar3DChart>
-        <c:barDir val="bar"/>
-        <c:grouping val="clustered"/>
-        <c:varyColors val="0"/>
-        <c:ser>
-          <c:idx val="0"/>
-          <c:order val="0"/>
-          <c:tx>
-            <c:strRef>
-              <c:f>'All group'!$B$3</c:f>
-              <c:strCache>
-                <c:ptCount val="1"/>
-                <c:pt idx="0">
-                  <c:v>Total</c:v>
-                </c:pt>
-              </c:strCache>
-            </c:strRef>
-          </c:tx>
-          <c:spPr>
-            <a:solidFill>
-              <a:srgbClr val="00B050"/>
-            </a:solidFill>
-            <a:ln>
-              <a:noFill/>
-            </a:ln>
-            <a:effectLst/>
-            <a:sp3d/>
-          </c:spPr>
-          <c:invertIfNegative val="0"/>
-          <c:cat>
-            <c:strRef>
-              <c:f>'All group'!$A$4:$A$16</c:f>
-              <c:strCache>
-                <c:ptCount val="12"/>
-                <c:pt idx="0">
-                  <c:v>Percentage of sexually active youth who have ever used any contraceptive method</c:v>
-                </c:pt>
-                <c:pt idx="1">
-                  <c:v>Percentage of youth currently living together</c:v>
-                </c:pt>
-                <c:pt idx="2">
-                  <c:v>Percentage of youth currently married</c:v>
-                </c:pt>
-                <c:pt idx="3">
-                  <c:v>Percentage of youth currently using a modern contraceptive method</c:v>
-                </c:pt>
-                <c:pt idx="4">
-                  <c:v>Percentage of youth exposed to at least one media source (newspaper, radio, television) at least once a week</c:v>
-                </c:pt>
-                <c:pt idx="5">
-                  <c:v>Percentage of youth who cannot read</c:v>
-                </c:pt>
-                <c:pt idx="6">
-                  <c:v>Percentage of youth who had sexual intercourse before age 15</c:v>
-                </c:pt>
-                <c:pt idx="7">
-                  <c:v>Percentage of youth who had sexual intercourse before age 18</c:v>
-                </c:pt>
-                <c:pt idx="8">
-                  <c:v>Percentage of youth who have begun childbearing</c:v>
-                </c:pt>
-                <c:pt idx="9">
-                  <c:v>Percentage of youth who have ever been pregnant</c:v>
-                </c:pt>
-                <c:pt idx="10">
-                  <c:v>Percentage of youth who have had sexual intercourse and who say that their first experience was against their will</c:v>
-                </c:pt>
-                <c:pt idx="11">
-                  <c:v>Percentage of youth with completed primary education</c:v>
-                </c:pt>
-              </c:strCache>
-            </c:strRef>
-          </c:cat>
-          <c:val>
-            <c:numRef>
-              <c:f>'All group'!$B$4:$B$16</c:f>
-              <c:numCache>
-                <c:formatCode>General</c:formatCode>
-                <c:ptCount val="12"/>
-                <c:pt idx="0">
-                  <c:v>9300</c:v>
-                </c:pt>
-                <c:pt idx="1">
-                  <c:v>2404</c:v>
-                </c:pt>
-                <c:pt idx="2">
-                  <c:v>2427</c:v>
-                </c:pt>
-                <c:pt idx="3">
-                  <c:v>1863</c:v>
-                </c:pt>
-                <c:pt idx="4">
-                  <c:v>11671</c:v>
-                </c:pt>
-                <c:pt idx="5">
-                  <c:v>2610</c:v>
-                </c:pt>
-                <c:pt idx="6">
-                  <c:v>2042</c:v>
-                </c:pt>
-                <c:pt idx="7">
-                  <c:v>2578</c:v>
-                </c:pt>
-                <c:pt idx="8">
-                  <c:v>659</c:v>
-                </c:pt>
-                <c:pt idx="9">
-                  <c:v>682</c:v>
-                </c:pt>
-                <c:pt idx="10">
-                  <c:v>2987</c:v>
-                </c:pt>
-                <c:pt idx="11">
-                  <c:v>7639</c:v>
-                </c:pt>
-              </c:numCache>
-            </c:numRef>
-          </c:val>
-          <c:extLst>
-            <c:ext xmlns:c16="http://schemas.microsoft.com/office/drawing/2014/chart" uri="{C3380CC4-5D6E-409C-BE32-E72D297353CC}">
-              <c16:uniqueId val="{00000000-FF5B-4539-8F5E-F5F5E61E903C}"/>
-            </c:ext>
-          </c:extLst>
-        </c:ser>
-        <c:dLbls>
-          <c:showLegendKey val="0"/>
-          <c:showVal val="0"/>
-          <c:showCatName val="0"/>
-          <c:showSerName val="0"/>
-          <c:showPercent val="0"/>
-          <c:showBubbleSize val="0"/>
-        </c:dLbls>
-        <c:gapWidth val="150"/>
-        <c:shape val="box"/>
-        <c:axId val="87344256"/>
-        <c:axId val="87345792"/>
-        <c:axId val="0"/>
-      </c:bar3DChart>
-      <c:catAx>
-        <c:axId val="87344256"/>
-        <c:scaling>
-          <c:orientation val="minMax"/>
-        </c:scaling>
-        <c:delete val="0"/>
-        <c:axPos val="l"/>
-        <c:numFmt formatCode="General" sourceLinked="1"/>
-        <c:majorTickMark val="none"/>
-        <c:minorTickMark val="none"/>
-        <c:tickLblPos val="nextTo"/>
-        <c:spPr>
-          <a:noFill/>
-          <a:ln>
-            <a:noFill/>
-          </a:ln>
-          <a:effectLst/>
-        </c:spPr>
-        <c:txPr>
-          <a:bodyPr rot="-60000000" spcFirstLastPara="1" vertOverflow="ellipsis" vert="horz" wrap="square" anchor="ctr" anchorCtr="1"/>
-          <a:lstStyle/>
-          <a:p>
-            <a:pPr>
-              <a:defRPr sz="900" b="0" i="0" u="none" strike="noStrike" kern="1200" baseline="0">
-                <a:solidFill>
-                  <a:schemeClr val="tx1">
-                    <a:lumMod val="65000"/>
-                    <a:lumOff val="35000"/>
-                  </a:schemeClr>
-                </a:solidFill>
-                <a:latin typeface="+mn-lt"/>
-                <a:ea typeface="+mn-ea"/>
-                <a:cs typeface="+mn-cs"/>
-              </a:defRPr>
-            </a:pPr>
-            <a:endParaRPr lang="en-US"/>
-          </a:p>
-        </c:txPr>
-        <c:crossAx val="87345792"/>
-        <c:crosses val="autoZero"/>
-        <c:auto val="1"/>
-        <c:lblAlgn val="ctr"/>
-        <c:lblOffset val="100"/>
-        <c:noMultiLvlLbl val="0"/>
-      </c:catAx>
-      <c:valAx>
-        <c:axId val="87345792"/>
-        <c:scaling>
-          <c:orientation val="minMax"/>
-        </c:scaling>
-        <c:delete val="0"/>
-        <c:axPos val="b"/>
-        <c:majorGridlines>
-          <c:spPr>
-            <a:ln w="9525" cap="flat" cmpd="sng" algn="ctr">
-              <a:solidFill>
-                <a:schemeClr val="tx1">
-                  <a:lumMod val="15000"/>
-                  <a:lumOff val="85000"/>
-                </a:schemeClr>
-              </a:solidFill>
-              <a:round/>
-            </a:ln>
-            <a:effectLst/>
-          </c:spPr>
-        </c:majorGridlines>
-        <c:numFmt formatCode="General" sourceLinked="1"/>
-        <c:majorTickMark val="none"/>
-        <c:minorTickMark val="none"/>
-        <c:tickLblPos val="nextTo"/>
-        <c:spPr>
-          <a:noFill/>
-          <a:ln>
-            <a:noFill/>
-          </a:ln>
-          <a:effectLst/>
-        </c:spPr>
-        <c:txPr>
-          <a:bodyPr rot="-60000000" spcFirstLastPara="1" vertOverflow="ellipsis" vert="horz" wrap="square" anchor="ctr" anchorCtr="1"/>
-          <a:lstStyle/>
-          <a:p>
-            <a:pPr>
-              <a:defRPr sz="900" b="0" i="0" u="none" strike="noStrike" kern="1200" baseline="0">
-                <a:solidFill>
-                  <a:schemeClr val="tx1">
-                    <a:lumMod val="65000"/>
-                    <a:lumOff val="35000"/>
-                  </a:schemeClr>
-                </a:solidFill>
-                <a:latin typeface="+mn-lt"/>
-                <a:ea typeface="+mn-ea"/>
-                <a:cs typeface="+mn-cs"/>
-              </a:defRPr>
-            </a:pPr>
-            <a:endParaRPr lang="en-US"/>
-          </a:p>
-        </c:txPr>
-        <c:crossAx val="87344256"/>
-        <c:crosses val="autoZero"/>
-        <c:crossBetween val="between"/>
-      </c:valAx>
-      <c:spPr>
-        <a:noFill/>
-        <a:ln>
-          <a:noFill/>
-        </a:ln>
-        <a:effectLst/>
-      </c:spPr>
-    </c:plotArea>
-    <c:legend>
-      <c:legendPos val="r"/>
-      <c:overlay val="0"/>
-      <c:spPr>
-        <a:noFill/>
-        <a:ln>
-          <a:noFill/>
-        </a:ln>
-        <a:effectLst/>
-      </c:spPr>
-      <c:txPr>
-        <a:bodyPr rot="0" spcFirstLastPara="1" vertOverflow="ellipsis" vert="horz" wrap="square" anchor="ctr" anchorCtr="1"/>
-        <a:lstStyle/>
-        <a:p>
-          <a:pPr>
-            <a:defRPr sz="900" b="0" i="0" u="none" strike="noStrike" kern="1200" baseline="0">
-              <a:solidFill>
-                <a:schemeClr val="tx1">
-                  <a:lumMod val="65000"/>
-                  <a:lumOff val="35000"/>
-                </a:schemeClr>
-              </a:solidFill>
-              <a:latin typeface="+mn-lt"/>
-              <a:ea typeface="+mn-ea"/>
-              <a:cs typeface="+mn-cs"/>
-            </a:defRPr>
-          </a:pPr>
-          <a:endParaRPr lang="en-US"/>
-        </a:p>
-      </c:txPr>
-    </c:legend>
-    <c:plotVisOnly val="1"/>
-    <c:dispBlanksAs val="gap"/>
-    <c:showDLblsOverMax val="0"/>
-  </c:chart>
-  <c:spPr>
-    <a:solidFill>
-      <a:schemeClr val="bg1"/>
-    </a:solidFill>
-    <a:ln w="9525" cap="flat" cmpd="sng" algn="ctr">
-      <a:solidFill>
-        <a:schemeClr val="tx1">
-          <a:lumMod val="15000"/>
-          <a:lumOff val="85000"/>
-        </a:schemeClr>
-      </a:solidFill>
-      <a:round/>
-    </a:ln>
-    <a:effectLst/>
-  </c:spPr>
-  <c:txPr>
-    <a:bodyPr/>
-    <a:lstStyle/>
-    <a:p>
-      <a:pPr>
-        <a:defRPr/>
-      </a:pPr>
-      <a:endParaRPr lang="en-US"/>
-    </a:p>
-  </c:txPr>
-  <c:externalData r:id="rId1">
-    <c:autoUpdate val="0"/>
-  </c:externalData>
-  <c:extLst>
-    <c:ext xmlns:c14="http://schemas.microsoft.com/office/drawing/2007/8/2/chart" uri="{781A3756-C4B2-4CAC-9D66-4F8BD8637D16}">
-      <c14:pivotOptions>
-        <c14:dropZoneFilter val="1"/>
-        <c14:dropZoneCategories val="1"/>
-        <c14:dropZoneData val="1"/>
-        <c14:dropZoneSeries val="1"/>
-        <c14:dropZonesVisible val="1"/>
-      </c14:pivotOptions>
-    </c:ext>
-    <c:ext xmlns:c16="http://schemas.microsoft.com/office/drawing/2014/chart" uri="{E28EC0CA-F0BB-4C9C-879D-F8772B89E7AC}">
-      <c16:pivotOptions16>
-        <c16:showExpandCollapseFieldButtons val="1"/>
-      </c16:pivotOptions16>
-    </c:ext>
-  </c:extLst>
-</c:chartSpace>
-</file>
-
-<file path=ppt/charts/chart2.xml><?xml version="1.0" encoding="utf-8"?>
-<c:chartSpace xmlns:c="http://schemas.openxmlformats.org/drawingml/2006/chart" xmlns:a="http://schemas.openxmlformats.org/drawingml/2006/main" xmlns:r="http://schemas.openxmlformats.org/officeDocument/2006/relationships" xmlns:c16r2="http://schemas.microsoft.com/office/drawing/2015/06/chart">
-  <c:date1904 val="0"/>
-  <c:lang val="en-US"/>
-  <c:roundedCorners val="0"/>
-  <mc:AlternateContent xmlns:mc="http://schemas.openxmlformats.org/markup-compatibility/2006">
-    <mc:Choice xmlns:c14="http://schemas.microsoft.com/office/drawing/2007/8/2/chart" Requires="c14">
-      <c14:style val="102"/>
-    </mc:Choice>
-    <mc:Fallback>
-      <c:style val="2"/>
-    </mc:Fallback>
-  </mc:AlternateContent>
-  <c:pivotSource>
-    <c:name>[child_of_one.xlsx]20-24 years!PivotTable5</c:name>
-    <c:fmtId val="2"/>
-  </c:pivotSource>
-  <c:chart>
-    <c:title>
-      <c:overlay val="0"/>
-      <c:spPr>
-        <a:noFill/>
-        <a:ln>
-          <a:noFill/>
-        </a:ln>
-        <a:effectLst/>
-      </c:spPr>
-      <c:txPr>
-        <a:bodyPr rot="0" spcFirstLastPara="1" vertOverflow="ellipsis" vert="horz" wrap="square" anchor="ctr" anchorCtr="1"/>
-        <a:lstStyle/>
-        <a:p>
-          <a:pPr>
-            <a:defRPr sz="1400" b="0" i="0" u="none" strike="noStrike" kern="1200" spc="0" baseline="0">
-              <a:solidFill>
-                <a:schemeClr val="tx1">
-                  <a:lumMod val="65000"/>
-                  <a:lumOff val="35000"/>
-                </a:schemeClr>
-              </a:solidFill>
-              <a:latin typeface="+mn-lt"/>
-              <a:ea typeface="+mn-ea"/>
-              <a:cs typeface="+mn-cs"/>
-            </a:defRPr>
-          </a:pPr>
-          <a:endParaRPr lang="en-US"/>
-        </a:p>
-      </c:txPr>
-    </c:title>
-    <c:autoTitleDeleted val="0"/>
-    <c:pivotFmts>
-      <c:pivotFmt>
-        <c:idx val="0"/>
-        <c:spPr>
-          <a:solidFill>
-            <a:srgbClr val="00B050"/>
-          </a:solidFill>
-          <a:ln>
-            <a:noFill/>
-          </a:ln>
-          <a:effectLst>
-            <a:glow rad="88900">
-              <a:schemeClr val="tx1">
-                <a:alpha val="90000"/>
-              </a:schemeClr>
-            </a:glow>
-          </a:effectLst>
-        </c:spPr>
-        <c:marker>
-          <c:symbol val="none"/>
-        </c:marker>
-      </c:pivotFmt>
-      <c:pivotFmt>
-        <c:idx val="1"/>
-        <c:spPr>
-          <a:solidFill>
-            <a:srgbClr val="00B050"/>
-          </a:solidFill>
-          <a:ln>
-            <a:noFill/>
-          </a:ln>
-          <a:effectLst>
-            <a:glow rad="88900">
-              <a:schemeClr val="tx1">
-                <a:alpha val="90000"/>
-              </a:schemeClr>
-            </a:glow>
-          </a:effectLst>
-        </c:spPr>
-        <c:marker>
-          <c:symbol val="none"/>
-        </c:marker>
-      </c:pivotFmt>
-    </c:pivotFmts>
-    <c:plotArea>
-      <c:layout>
-        <c:manualLayout>
-          <c:layoutTarget val="inner"/>
-          <c:xMode val="edge"/>
-          <c:yMode val="edge"/>
-          <c:x val="0.14191426071741056"/>
-          <c:y val="0.3502271070282883"/>
-          <c:w val="0.76112270341207389"/>
-          <c:h val="0.29460228929717147"/>
-        </c:manualLayout>
-      </c:layout>
-      <c:barChart>
-        <c:barDir val="col"/>
-        <c:grouping val="clustered"/>
-        <c:varyColors val="0"/>
-        <c:ser>
-          <c:idx val="0"/>
-          <c:order val="0"/>
-          <c:tx>
-            <c:strRef>
-              <c:f>'20-24 years'!$B$3</c:f>
-              <c:strCache>
-                <c:ptCount val="1"/>
-                <c:pt idx="0">
-                  <c:v>Total</c:v>
-                </c:pt>
-              </c:strCache>
-            </c:strRef>
-          </c:tx>
-          <c:spPr>
-            <a:solidFill>
-              <a:srgbClr val="00B050"/>
-            </a:solidFill>
-            <a:ln>
-              <a:noFill/>
-            </a:ln>
-            <a:effectLst>
-              <a:glow rad="88900">
-                <a:schemeClr val="tx1">
-                  <a:alpha val="90000"/>
-                </a:schemeClr>
-              </a:glow>
-            </a:effectLst>
-          </c:spPr>
-          <c:invertIfNegative val="0"/>
-          <c:cat>
-            <c:strRef>
-              <c:f>'20-24 years'!$A$4:$A$13</c:f>
-              <c:strCache>
-                <c:ptCount val="9"/>
-                <c:pt idx="0">
-                  <c:v>Percentage of sexually active youth who have ever used any contraceptive method</c:v>
-                </c:pt>
-                <c:pt idx="1">
-                  <c:v>Percentage of youth currently living together</c:v>
-                </c:pt>
-                <c:pt idx="2">
-                  <c:v>Percentage of youth currently married</c:v>
-                </c:pt>
-                <c:pt idx="3">
-                  <c:v>Percentage of youth currently using a modern contraceptive method</c:v>
-                </c:pt>
-                <c:pt idx="4">
-                  <c:v>Percentage of youth exposed to at least one media source (newspaper, radio, television) at least once a week</c:v>
-                </c:pt>
-                <c:pt idx="5">
-                  <c:v>Percentage of youth who cannot read</c:v>
-                </c:pt>
-                <c:pt idx="6">
-                  <c:v>Percentage of youth who had sexual intercourse before age 15</c:v>
-                </c:pt>
-                <c:pt idx="7">
-                  <c:v>Percentage of youth who have had sexual intercourse and who say that their first experience was against their will</c:v>
-                </c:pt>
-                <c:pt idx="8">
-                  <c:v>Percentage of youth with completed primary education</c:v>
-                </c:pt>
-              </c:strCache>
-            </c:strRef>
-          </c:cat>
-          <c:val>
-            <c:numRef>
-              <c:f>'20-24 years'!$B$4:$B$13</c:f>
-              <c:numCache>
-                <c:formatCode>General</c:formatCode>
-                <c:ptCount val="9"/>
-                <c:pt idx="0">
-                  <c:v>3321</c:v>
-                </c:pt>
-                <c:pt idx="1">
-                  <c:v>1120</c:v>
-                </c:pt>
-                <c:pt idx="2">
-                  <c:v>1406</c:v>
-                </c:pt>
-                <c:pt idx="3">
-                  <c:v>917</c:v>
-                </c:pt>
-                <c:pt idx="4">
-                  <c:v>3886</c:v>
-                </c:pt>
-                <c:pt idx="5">
-                  <c:v>898</c:v>
-                </c:pt>
-                <c:pt idx="6">
-                  <c:v>635</c:v>
-                </c:pt>
-                <c:pt idx="7">
-                  <c:v>941</c:v>
-                </c:pt>
-                <c:pt idx="8">
-                  <c:v>2822</c:v>
-                </c:pt>
-              </c:numCache>
-            </c:numRef>
-          </c:val>
-          <c:extLst>
-            <c:ext xmlns:c16="http://schemas.microsoft.com/office/drawing/2014/chart" uri="{C3380CC4-5D6E-409C-BE32-E72D297353CC}">
-              <c16:uniqueId val="{00000000-A0DD-41F2-9452-04B4EF7BBC03}"/>
-            </c:ext>
-          </c:extLst>
-        </c:ser>
-        <c:dLbls>
-          <c:showLegendKey val="0"/>
-          <c:showVal val="0"/>
-          <c:showCatName val="0"/>
-          <c:showSerName val="0"/>
-          <c:showPercent val="0"/>
-          <c:showBubbleSize val="0"/>
-        </c:dLbls>
-        <c:gapWidth val="219"/>
-        <c:overlap val="-27"/>
-        <c:axId val="82182144"/>
-        <c:axId val="82183680"/>
-      </c:barChart>
-      <c:catAx>
-        <c:axId val="82182144"/>
-        <c:scaling>
-          <c:orientation val="minMax"/>
-        </c:scaling>
-        <c:delete val="0"/>
-        <c:axPos val="b"/>
-        <c:numFmt formatCode="General" sourceLinked="1"/>
-        <c:majorTickMark val="none"/>
-        <c:minorTickMark val="none"/>
-        <c:tickLblPos val="nextTo"/>
-        <c:spPr>
-          <a:noFill/>
-          <a:ln w="9525" cap="flat" cmpd="sng" algn="ctr">
-            <a:solidFill>
-              <a:schemeClr val="tx1">
-                <a:lumMod val="15000"/>
-                <a:lumOff val="85000"/>
-              </a:schemeClr>
-            </a:solidFill>
-            <a:round/>
-          </a:ln>
-          <a:effectLst/>
-        </c:spPr>
-        <c:txPr>
-          <a:bodyPr rot="-60000000" spcFirstLastPara="1" vertOverflow="ellipsis" vert="horz" wrap="square" anchor="ctr" anchorCtr="1"/>
-          <a:lstStyle/>
-          <a:p>
-            <a:pPr>
-              <a:defRPr sz="900" b="0" i="0" u="none" strike="noStrike" kern="1200" baseline="0">
-                <a:solidFill>
-                  <a:schemeClr val="tx1">
-                    <a:lumMod val="65000"/>
-                    <a:lumOff val="35000"/>
-                  </a:schemeClr>
-                </a:solidFill>
-                <a:latin typeface="+mn-lt"/>
-                <a:ea typeface="+mn-ea"/>
-                <a:cs typeface="+mn-cs"/>
-              </a:defRPr>
-            </a:pPr>
-            <a:endParaRPr lang="en-US"/>
-          </a:p>
-        </c:txPr>
-        <c:crossAx val="82183680"/>
-        <c:crosses val="autoZero"/>
-        <c:auto val="1"/>
-        <c:lblAlgn val="ctr"/>
-        <c:lblOffset val="100"/>
-        <c:noMultiLvlLbl val="0"/>
-      </c:catAx>
-      <c:valAx>
-        <c:axId val="82183680"/>
-        <c:scaling>
-          <c:orientation val="minMax"/>
-        </c:scaling>
-        <c:delete val="0"/>
-        <c:axPos val="l"/>
-        <c:majorGridlines>
-          <c:spPr>
-            <a:ln w="9525" cap="flat" cmpd="sng" algn="ctr">
-              <a:solidFill>
-                <a:schemeClr val="tx1">
-                  <a:lumMod val="15000"/>
-                  <a:lumOff val="85000"/>
-                </a:schemeClr>
-              </a:solidFill>
-              <a:round/>
-            </a:ln>
-            <a:effectLst/>
-          </c:spPr>
-        </c:majorGridlines>
-        <c:numFmt formatCode="General" sourceLinked="1"/>
-        <c:majorTickMark val="none"/>
-        <c:minorTickMark val="none"/>
-        <c:tickLblPos val="nextTo"/>
-        <c:spPr>
-          <a:noFill/>
-          <a:ln>
-            <a:noFill/>
-          </a:ln>
-          <a:effectLst/>
-        </c:spPr>
-        <c:txPr>
-          <a:bodyPr rot="-60000000" spcFirstLastPara="1" vertOverflow="ellipsis" vert="horz" wrap="square" anchor="ctr" anchorCtr="1"/>
-          <a:lstStyle/>
-          <a:p>
-            <a:pPr>
-              <a:defRPr sz="900" b="0" i="0" u="none" strike="noStrike" kern="1200" baseline="0">
-                <a:solidFill>
-                  <a:schemeClr val="tx1">
-                    <a:lumMod val="65000"/>
-                    <a:lumOff val="35000"/>
-                  </a:schemeClr>
-                </a:solidFill>
-                <a:latin typeface="+mn-lt"/>
-                <a:ea typeface="+mn-ea"/>
-                <a:cs typeface="+mn-cs"/>
-              </a:defRPr>
-            </a:pPr>
-            <a:endParaRPr lang="en-US"/>
-          </a:p>
-        </c:txPr>
-        <c:crossAx val="82182144"/>
-        <c:crosses val="autoZero"/>
-        <c:crossBetween val="between"/>
-      </c:valAx>
-      <c:spPr>
-        <a:noFill/>
-        <a:ln>
-          <a:noFill/>
-        </a:ln>
-        <a:effectLst/>
-      </c:spPr>
-    </c:plotArea>
-    <c:legend>
-      <c:legendPos val="r"/>
-      <c:overlay val="0"/>
-      <c:spPr>
-        <a:noFill/>
-        <a:ln>
-          <a:noFill/>
-        </a:ln>
-        <a:effectLst/>
-      </c:spPr>
-      <c:txPr>
-        <a:bodyPr rot="0" spcFirstLastPara="1" vertOverflow="ellipsis" vert="horz" wrap="square" anchor="ctr" anchorCtr="1"/>
-        <a:lstStyle/>
-        <a:p>
-          <a:pPr>
-            <a:defRPr sz="900" b="0" i="0" u="none" strike="noStrike" kern="1200" baseline="0">
-              <a:solidFill>
-                <a:schemeClr val="tx1">
-                  <a:lumMod val="65000"/>
-                  <a:lumOff val="35000"/>
-                </a:schemeClr>
-              </a:solidFill>
-              <a:latin typeface="+mn-lt"/>
-              <a:ea typeface="+mn-ea"/>
-              <a:cs typeface="+mn-cs"/>
-            </a:defRPr>
-          </a:pPr>
-          <a:endParaRPr lang="en-US"/>
-        </a:p>
-      </c:txPr>
-    </c:legend>
-    <c:plotVisOnly val="1"/>
-    <c:dispBlanksAs val="gap"/>
-    <c:showDLblsOverMax val="0"/>
-  </c:chart>
-  <c:spPr>
-    <a:solidFill>
-      <a:schemeClr val="bg1"/>
-    </a:solidFill>
-    <a:ln w="9525" cap="flat" cmpd="sng" algn="ctr">
-      <a:solidFill>
-        <a:schemeClr val="tx1">
-          <a:lumMod val="15000"/>
-          <a:lumOff val="85000"/>
-        </a:schemeClr>
-      </a:solidFill>
-      <a:round/>
-    </a:ln>
-    <a:effectLst/>
-  </c:spPr>
-  <c:txPr>
-    <a:bodyPr/>
-    <a:lstStyle/>
-    <a:p>
-      <a:pPr>
-        <a:defRPr/>
-      </a:pPr>
-      <a:endParaRPr lang="en-US"/>
-    </a:p>
-  </c:txPr>
-  <c:externalData r:id="rId1">
-    <c:autoUpdate val="0"/>
-  </c:externalData>
-  <c:extLst>
-    <c:ext xmlns:c14="http://schemas.microsoft.com/office/drawing/2007/8/2/chart" uri="{781A3756-C4B2-4CAC-9D66-4F8BD8637D16}">
-      <c14:pivotOptions>
-        <c14:dropZoneFilter val="1"/>
-        <c14:dropZoneCategories val="1"/>
-        <c14:dropZoneData val="1"/>
-        <c14:dropZoneSeries val="1"/>
-        <c14:dropZonesVisible val="1"/>
-      </c14:pivotOptions>
-    </c:ext>
-    <c:ext xmlns:c16="http://schemas.microsoft.com/office/drawing/2014/chart" uri="{E28EC0CA-F0BB-4C9C-879D-F8772B89E7AC}">
-      <c16:pivotOptions16>
-        <c16:showExpandCollapseFieldButtons val="1"/>
-      </c16:pivotOptions16>
-    </c:ext>
-  </c:extLst>
-</c:chartSpace>
-</file>
-
-<file path=ppt/charts/chart3.xml><?xml version="1.0" encoding="utf-8"?>
-<c:chartSpace xmlns:c="http://schemas.openxmlformats.org/drawingml/2006/chart" xmlns:a="http://schemas.openxmlformats.org/drawingml/2006/main" xmlns:r="http://schemas.openxmlformats.org/officeDocument/2006/relationships" xmlns:c16r2="http://schemas.microsoft.com/office/drawing/2015/06/chart">
-  <c:date1904 val="0"/>
-  <c:lang val="en-US"/>
-  <c:roundedCorners val="0"/>
-  <mc:AlternateContent xmlns:mc="http://schemas.openxmlformats.org/markup-compatibility/2006">
-    <mc:Choice xmlns:c14="http://schemas.microsoft.com/office/drawing/2007/8/2/chart" Requires="c14">
-      <c14:style val="102"/>
-    </mc:Choice>
-    <mc:Fallback>
-      <c:style val="2"/>
-    </mc:Fallback>
-  </mc:AlternateContent>
-  <c:pivotSource>
-    <c:name>[child_of_one.xlsx]15-24 years!PivotTable3</c:name>
-    <c:fmtId val="2"/>
-  </c:pivotSource>
-  <c:chart>
-    <c:title>
-      <c:overlay val="0"/>
-      <c:spPr>
-        <a:noFill/>
-        <a:ln>
-          <a:noFill/>
-        </a:ln>
-        <a:effectLst/>
-      </c:spPr>
-      <c:txPr>
-        <a:bodyPr rot="0" spcFirstLastPara="1" vertOverflow="ellipsis" vert="horz" wrap="square" anchor="ctr" anchorCtr="1"/>
-        <a:lstStyle/>
-        <a:p>
-          <a:pPr>
-            <a:defRPr sz="1400" b="0" i="0" u="none" strike="noStrike" kern="1200" spc="0" baseline="0">
-              <a:solidFill>
-                <a:schemeClr val="tx1">
-                  <a:lumMod val="65000"/>
-                  <a:lumOff val="35000"/>
-                </a:schemeClr>
-              </a:solidFill>
-              <a:latin typeface="+mn-lt"/>
-              <a:ea typeface="+mn-ea"/>
-              <a:cs typeface="+mn-cs"/>
-            </a:defRPr>
-          </a:pPr>
-          <a:endParaRPr lang="en-US"/>
-        </a:p>
-      </c:txPr>
-    </c:title>
-    <c:autoTitleDeleted val="0"/>
-    <c:pivotFmts>
-      <c:pivotFmt>
-        <c:idx val="0"/>
-        <c:spPr>
-          <a:solidFill>
-            <a:srgbClr val="00B050"/>
-          </a:solidFill>
-          <a:ln>
-            <a:noFill/>
-          </a:ln>
-          <a:effectLst>
-            <a:glow rad="76200">
-              <a:schemeClr val="tx1">
-                <a:alpha val="90000"/>
-              </a:schemeClr>
-            </a:glow>
-          </a:effectLst>
-        </c:spPr>
-        <c:marker>
-          <c:symbol val="none"/>
-        </c:marker>
-      </c:pivotFmt>
-      <c:pivotFmt>
-        <c:idx val="1"/>
-        <c:spPr>
-          <a:solidFill>
-            <a:srgbClr val="00B050"/>
-          </a:solidFill>
-          <a:ln>
-            <a:noFill/>
-          </a:ln>
-          <a:effectLst>
-            <a:glow rad="76200">
-              <a:schemeClr val="tx1">
-                <a:alpha val="90000"/>
-              </a:schemeClr>
-            </a:glow>
-          </a:effectLst>
-        </c:spPr>
-        <c:marker>
-          <c:symbol val="none"/>
-        </c:marker>
-      </c:pivotFmt>
-    </c:pivotFmts>
-    <c:plotArea>
-      <c:layout/>
-      <c:barChart>
-        <c:barDir val="col"/>
-        <c:grouping val="clustered"/>
-        <c:varyColors val="0"/>
-        <c:ser>
-          <c:idx val="0"/>
-          <c:order val="0"/>
-          <c:tx>
-            <c:strRef>
-              <c:f>'15-24 years'!$B$3</c:f>
-              <c:strCache>
-                <c:ptCount val="1"/>
-                <c:pt idx="0">
-                  <c:v>Total</c:v>
-                </c:pt>
-              </c:strCache>
-            </c:strRef>
-          </c:tx>
-          <c:spPr>
-            <a:solidFill>
-              <a:srgbClr val="00B050"/>
-            </a:solidFill>
-            <a:ln>
-              <a:noFill/>
-            </a:ln>
-            <a:effectLst>
-              <a:glow rad="76200">
-                <a:schemeClr val="tx1">
-                  <a:alpha val="90000"/>
-                </a:schemeClr>
-              </a:glow>
-            </a:effectLst>
-          </c:spPr>
-          <c:invertIfNegative val="0"/>
-          <c:cat>
-            <c:strRef>
-              <c:f>'15-24 years'!$A$4:$A$13</c:f>
-              <c:strCache>
-                <c:ptCount val="9"/>
-                <c:pt idx="0">
-                  <c:v>Percentage of sexually active youth who have ever used any contraceptive method</c:v>
-                </c:pt>
-                <c:pt idx="1">
-                  <c:v>Percentage of youth currently living together</c:v>
-                </c:pt>
-                <c:pt idx="2">
-                  <c:v>Percentage of youth currently married</c:v>
-                </c:pt>
-                <c:pt idx="3">
-                  <c:v>Percentage of youth currently using a modern contraceptive method</c:v>
-                </c:pt>
-                <c:pt idx="4">
-                  <c:v>Percentage of youth exposed to at least one media source (newspaper, radio, television) at least once a week</c:v>
-                </c:pt>
-                <c:pt idx="5">
-                  <c:v>Percentage of youth who cannot read</c:v>
-                </c:pt>
-                <c:pt idx="6">
-                  <c:v>Percentage of youth who had sexual intercourse before age 15</c:v>
-                </c:pt>
-                <c:pt idx="7">
-                  <c:v>Percentage of youth who have had sexual intercourse and who say that their first experience was against their will</c:v>
-                </c:pt>
-                <c:pt idx="8">
-                  <c:v>Percentage of youth with completed primary education</c:v>
-                </c:pt>
-              </c:strCache>
-            </c:strRef>
-          </c:cat>
-          <c:val>
-            <c:numRef>
-              <c:f>'15-24 years'!$B$4:$B$13</c:f>
-              <c:numCache>
-                <c:formatCode>General</c:formatCode>
-                <c:ptCount val="9"/>
-                <c:pt idx="0">
-                  <c:v>3161</c:v>
-                </c:pt>
-                <c:pt idx="1">
-                  <c:v>771</c:v>
-                </c:pt>
-                <c:pt idx="2">
-                  <c:v>753</c:v>
-                </c:pt>
-                <c:pt idx="3">
-                  <c:v>593</c:v>
-                </c:pt>
-                <c:pt idx="4">
-                  <c:v>3890</c:v>
-                </c:pt>
-                <c:pt idx="5">
-                  <c:v>870</c:v>
-                </c:pt>
-                <c:pt idx="6">
-                  <c:v>687</c:v>
-                </c:pt>
-                <c:pt idx="7">
-                  <c:v>983</c:v>
-                </c:pt>
-                <c:pt idx="8">
-                  <c:v>2521</c:v>
-                </c:pt>
-              </c:numCache>
-            </c:numRef>
-          </c:val>
-          <c:extLst>
-            <c:ext xmlns:c16="http://schemas.microsoft.com/office/drawing/2014/chart" uri="{C3380CC4-5D6E-409C-BE32-E72D297353CC}">
-              <c16:uniqueId val="{00000000-D4FE-4CB1-BA64-3271A41A6419}"/>
-            </c:ext>
-          </c:extLst>
-        </c:ser>
-        <c:dLbls>
-          <c:showLegendKey val="0"/>
-          <c:showVal val="0"/>
-          <c:showCatName val="0"/>
-          <c:showSerName val="0"/>
-          <c:showPercent val="0"/>
-          <c:showBubbleSize val="0"/>
-        </c:dLbls>
-        <c:gapWidth val="219"/>
-        <c:overlap val="-27"/>
-        <c:axId val="82885632"/>
-        <c:axId val="86049536"/>
-      </c:barChart>
-      <c:catAx>
-        <c:axId val="82885632"/>
-        <c:scaling>
-          <c:orientation val="minMax"/>
-        </c:scaling>
-        <c:delete val="0"/>
-        <c:axPos val="b"/>
-        <c:numFmt formatCode="General" sourceLinked="1"/>
-        <c:majorTickMark val="none"/>
-        <c:minorTickMark val="none"/>
-        <c:tickLblPos val="nextTo"/>
-        <c:spPr>
-          <a:noFill/>
-          <a:ln w="9525" cap="flat" cmpd="sng" algn="ctr">
-            <a:solidFill>
-              <a:schemeClr val="tx1">
-                <a:lumMod val="15000"/>
-                <a:lumOff val="85000"/>
-              </a:schemeClr>
-            </a:solidFill>
-            <a:round/>
-          </a:ln>
-          <a:effectLst/>
-        </c:spPr>
-        <c:txPr>
-          <a:bodyPr rot="-60000000" spcFirstLastPara="1" vertOverflow="ellipsis" vert="horz" wrap="square" anchor="ctr" anchorCtr="1"/>
-          <a:lstStyle/>
-          <a:p>
-            <a:pPr>
-              <a:defRPr sz="900" b="0" i="0" u="none" strike="noStrike" kern="1200" baseline="0">
-                <a:solidFill>
-                  <a:schemeClr val="tx1">
-                    <a:lumMod val="65000"/>
-                    <a:lumOff val="35000"/>
-                  </a:schemeClr>
-                </a:solidFill>
-                <a:latin typeface="+mn-lt"/>
-                <a:ea typeface="+mn-ea"/>
-                <a:cs typeface="+mn-cs"/>
-              </a:defRPr>
-            </a:pPr>
-            <a:endParaRPr lang="en-US"/>
-          </a:p>
-        </c:txPr>
-        <c:crossAx val="86049536"/>
-        <c:crosses val="autoZero"/>
-        <c:auto val="1"/>
-        <c:lblAlgn val="ctr"/>
-        <c:lblOffset val="100"/>
-        <c:noMultiLvlLbl val="0"/>
-      </c:catAx>
-      <c:valAx>
-        <c:axId val="86049536"/>
-        <c:scaling>
-          <c:orientation val="minMax"/>
-        </c:scaling>
-        <c:delete val="0"/>
-        <c:axPos val="l"/>
-        <c:majorGridlines>
-          <c:spPr>
-            <a:ln w="9525" cap="flat" cmpd="sng" algn="ctr">
-              <a:solidFill>
-                <a:schemeClr val="tx1">
-                  <a:lumMod val="15000"/>
-                  <a:lumOff val="85000"/>
-                </a:schemeClr>
-              </a:solidFill>
-              <a:round/>
-            </a:ln>
-            <a:effectLst/>
-          </c:spPr>
-        </c:majorGridlines>
-        <c:numFmt formatCode="General" sourceLinked="1"/>
-        <c:majorTickMark val="none"/>
-        <c:minorTickMark val="none"/>
-        <c:tickLblPos val="nextTo"/>
-        <c:spPr>
-          <a:noFill/>
-          <a:ln>
-            <a:noFill/>
-          </a:ln>
-          <a:effectLst/>
-        </c:spPr>
-        <c:txPr>
-          <a:bodyPr rot="-60000000" spcFirstLastPara="1" vertOverflow="ellipsis" vert="horz" wrap="square" anchor="ctr" anchorCtr="1"/>
-          <a:lstStyle/>
-          <a:p>
-            <a:pPr>
-              <a:defRPr sz="900" b="0" i="0" u="none" strike="noStrike" kern="1200" baseline="0">
-                <a:solidFill>
-                  <a:schemeClr val="tx1">
-                    <a:lumMod val="65000"/>
-                    <a:lumOff val="35000"/>
-                  </a:schemeClr>
-                </a:solidFill>
-                <a:latin typeface="+mn-lt"/>
-                <a:ea typeface="+mn-ea"/>
-                <a:cs typeface="+mn-cs"/>
-              </a:defRPr>
-            </a:pPr>
-            <a:endParaRPr lang="en-US"/>
-          </a:p>
-        </c:txPr>
-        <c:crossAx val="82885632"/>
-        <c:crosses val="autoZero"/>
-        <c:crossBetween val="between"/>
-      </c:valAx>
-      <c:spPr>
-        <a:noFill/>
-        <a:ln>
-          <a:noFill/>
-        </a:ln>
-        <a:effectLst/>
-      </c:spPr>
-    </c:plotArea>
-    <c:legend>
-      <c:legendPos val="r"/>
-      <c:overlay val="0"/>
-      <c:spPr>
-        <a:noFill/>
-        <a:ln>
-          <a:noFill/>
-        </a:ln>
-        <a:effectLst/>
-      </c:spPr>
-      <c:txPr>
-        <a:bodyPr rot="0" spcFirstLastPara="1" vertOverflow="ellipsis" vert="horz" wrap="square" anchor="ctr" anchorCtr="1"/>
-        <a:lstStyle/>
-        <a:p>
-          <a:pPr>
-            <a:defRPr sz="900" b="0" i="0" u="none" strike="noStrike" kern="1200" baseline="0">
-              <a:solidFill>
-                <a:schemeClr val="tx1">
-                  <a:lumMod val="65000"/>
-                  <a:lumOff val="35000"/>
-                </a:schemeClr>
-              </a:solidFill>
-              <a:latin typeface="+mn-lt"/>
-              <a:ea typeface="+mn-ea"/>
-              <a:cs typeface="+mn-cs"/>
-            </a:defRPr>
-          </a:pPr>
-          <a:endParaRPr lang="en-US"/>
-        </a:p>
-      </c:txPr>
-    </c:legend>
-    <c:plotVisOnly val="1"/>
-    <c:dispBlanksAs val="gap"/>
-    <c:showDLblsOverMax val="0"/>
-  </c:chart>
-  <c:spPr>
-    <a:solidFill>
-      <a:schemeClr val="bg1"/>
-    </a:solidFill>
-    <a:ln w="9525" cap="flat" cmpd="sng" algn="ctr">
-      <a:solidFill>
-        <a:schemeClr val="tx1">
-          <a:lumMod val="15000"/>
-          <a:lumOff val="85000"/>
-        </a:schemeClr>
-      </a:solidFill>
-      <a:round/>
-    </a:ln>
-    <a:effectLst/>
-  </c:spPr>
-  <c:txPr>
-    <a:bodyPr/>
-    <a:lstStyle/>
-    <a:p>
-      <a:pPr>
-        <a:defRPr/>
-      </a:pPr>
-      <a:endParaRPr lang="en-US"/>
-    </a:p>
-  </c:txPr>
-  <c:externalData r:id="rId1">
-    <c:autoUpdate val="0"/>
-  </c:externalData>
-  <c:extLst>
-    <c:ext xmlns:c14="http://schemas.microsoft.com/office/drawing/2007/8/2/chart" uri="{781A3756-C4B2-4CAC-9D66-4F8BD8637D16}">
-      <c14:pivotOptions>
-        <c14:dropZoneFilter val="1"/>
-        <c14:dropZoneCategories val="1"/>
-        <c14:dropZoneData val="1"/>
-        <c14:dropZoneSeries val="1"/>
-        <c14:dropZonesVisible val="1"/>
-      </c14:pivotOptions>
-    </c:ext>
-    <c:ext xmlns:c16="http://schemas.microsoft.com/office/drawing/2014/chart" uri="{E28EC0CA-F0BB-4C9C-879D-F8772B89E7AC}">
-      <c16:pivotOptions16>
-        <c16:showExpandCollapseFieldButtons val="1"/>
-      </c16:pivotOptions16>
-    </c:ext>
-  </c:extLst>
-</c:chartSpace>
-</file>
-
-<file path=ppt/charts/chart4.xml><?xml version="1.0" encoding="utf-8"?>
-<c:chartSpace xmlns:c="http://schemas.openxmlformats.org/drawingml/2006/chart" xmlns:a="http://schemas.openxmlformats.org/drawingml/2006/main" xmlns:r="http://schemas.openxmlformats.org/officeDocument/2006/relationships" xmlns:c16r2="http://schemas.microsoft.com/office/drawing/2015/06/chart">
-  <c:date1904 val="0"/>
-  <c:lang val="en-US"/>
-  <c:roundedCorners val="0"/>
-  <mc:AlternateContent xmlns:mc="http://schemas.openxmlformats.org/markup-compatibility/2006">
-    <mc:Choice xmlns:c14="http://schemas.microsoft.com/office/drawing/2007/8/2/chart" Requires="c14">
-      <c14:style val="102"/>
-    </mc:Choice>
-    <mc:Fallback>
-      <c:style val="2"/>
-    </mc:Fallback>
-  </mc:AlternateContent>
-  <c:pivotSource>
-    <c:name>[child_of_one.xlsx]15-19 years!PivotTable2</c:name>
-    <c:fmtId val="2"/>
-  </c:pivotSource>
-  <c:chart>
-    <c:title>
-      <c:overlay val="0"/>
-      <c:spPr>
-        <a:noFill/>
-        <a:ln>
-          <a:noFill/>
-        </a:ln>
-        <a:effectLst/>
-      </c:spPr>
-      <c:txPr>
-        <a:bodyPr rot="0" spcFirstLastPara="1" vertOverflow="ellipsis" vert="horz" wrap="square" anchor="ctr" anchorCtr="1"/>
-        <a:lstStyle/>
-        <a:p>
-          <a:pPr>
-            <a:defRPr sz="1400" b="0" i="0" u="none" strike="noStrike" kern="1200" spc="0" baseline="0">
-              <a:solidFill>
-                <a:schemeClr val="tx1">
-                  <a:lumMod val="65000"/>
-                  <a:lumOff val="35000"/>
-                </a:schemeClr>
-              </a:solidFill>
-              <a:latin typeface="+mn-lt"/>
-              <a:ea typeface="+mn-ea"/>
-              <a:cs typeface="+mn-cs"/>
-            </a:defRPr>
-          </a:pPr>
-          <a:endParaRPr lang="en-US"/>
-        </a:p>
-      </c:txPr>
-    </c:title>
-    <c:autoTitleDeleted val="0"/>
-    <c:pivotFmts>
-      <c:pivotFmt>
-        <c:idx val="0"/>
-        <c:spPr>
-          <a:solidFill>
-            <a:srgbClr val="00B050"/>
-          </a:solidFill>
-          <a:ln>
-            <a:noFill/>
-          </a:ln>
-          <a:effectLst/>
-          <a:sp3d/>
-        </c:spPr>
-        <c:marker>
-          <c:symbol val="none"/>
-        </c:marker>
-      </c:pivotFmt>
-      <c:pivotFmt>
-        <c:idx val="1"/>
-        <c:spPr>
-          <a:solidFill>
-            <a:srgbClr val="00B050"/>
-          </a:solidFill>
-          <a:ln>
-            <a:noFill/>
-          </a:ln>
-          <a:effectLst/>
-          <a:sp3d/>
-        </c:spPr>
-        <c:marker>
-          <c:symbol val="none"/>
-        </c:marker>
-      </c:pivotFmt>
-    </c:pivotFmts>
-    <c:view3D>
-      <c:rotX val="15"/>
-      <c:rotY val="20"/>
-      <c:depthPercent val="100"/>
-      <c:rAngAx val="1"/>
-    </c:view3D>
-    <c:floor>
-      <c:thickness val="0"/>
-      <c:spPr>
-        <a:noFill/>
-        <a:ln>
-          <a:noFill/>
-        </a:ln>
-        <a:effectLst/>
-        <a:sp3d/>
-      </c:spPr>
-    </c:floor>
-    <c:sideWall>
-      <c:thickness val="0"/>
-      <c:spPr>
-        <a:noFill/>
-        <a:ln>
-          <a:noFill/>
-        </a:ln>
-        <a:effectLst/>
-        <a:sp3d/>
-      </c:spPr>
-    </c:sideWall>
-    <c:backWall>
-      <c:thickness val="0"/>
-      <c:spPr>
-        <a:noFill/>
-        <a:ln>
-          <a:noFill/>
-        </a:ln>
-        <a:effectLst/>
-        <a:sp3d/>
-      </c:spPr>
-    </c:backWall>
-    <c:plotArea>
-      <c:layout/>
-      <c:bar3DChart>
-        <c:barDir val="bar"/>
-        <c:grouping val="clustered"/>
-        <c:varyColors val="0"/>
-        <c:ser>
-          <c:idx val="0"/>
-          <c:order val="0"/>
-          <c:tx>
-            <c:strRef>
-              <c:f>'15-19 years'!$B$3</c:f>
-              <c:strCache>
-                <c:ptCount val="1"/>
-                <c:pt idx="0">
-                  <c:v>Total</c:v>
-                </c:pt>
-              </c:strCache>
-            </c:strRef>
-          </c:tx>
-          <c:spPr>
-            <a:solidFill>
-              <a:srgbClr val="00B050"/>
-            </a:solidFill>
-            <a:ln>
-              <a:noFill/>
-            </a:ln>
-            <a:effectLst/>
-            <a:sp3d/>
-          </c:spPr>
-          <c:invertIfNegative val="0"/>
-          <c:cat>
-            <c:strRef>
-              <c:f>'15-19 years'!$A$4:$A$15</c:f>
-              <c:strCache>
-                <c:ptCount val="11"/>
-                <c:pt idx="0">
-                  <c:v>Percentage of sexually active youth who have ever used any contraceptive method</c:v>
-                </c:pt>
-                <c:pt idx="1">
-                  <c:v>Percentage of youth currently living together</c:v>
-                </c:pt>
-                <c:pt idx="2">
-                  <c:v>Percentage of youth currently married</c:v>
-                </c:pt>
-                <c:pt idx="3">
-                  <c:v>Percentage of youth currently using a modern contraceptive method</c:v>
-                </c:pt>
-                <c:pt idx="4">
-                  <c:v>Percentage of youth exposed to at least one media source (newspaper, radio, television) at least once a week</c:v>
-                </c:pt>
-                <c:pt idx="5">
-                  <c:v>Percentage of youth who cannot read</c:v>
-                </c:pt>
-                <c:pt idx="6">
-                  <c:v>Percentage of youth who had sexual intercourse before age 15</c:v>
-                </c:pt>
-                <c:pt idx="7">
-                  <c:v>Percentage of youth who have begun childbearing</c:v>
-                </c:pt>
-                <c:pt idx="8">
-                  <c:v>Percentage of youth who have ever been pregnant</c:v>
-                </c:pt>
-                <c:pt idx="9">
-                  <c:v>Percentage of youth who have had sexual intercourse and who say that their first experience was against their will</c:v>
-                </c:pt>
-                <c:pt idx="10">
-                  <c:v>Percentage of youth with completed primary education</c:v>
-                </c:pt>
-              </c:strCache>
-            </c:strRef>
-          </c:cat>
-          <c:val>
-            <c:numRef>
-              <c:f>'15-19 years'!$B$4:$B$15</c:f>
-              <c:numCache>
-                <c:formatCode>General</c:formatCode>
-                <c:ptCount val="11"/>
-                <c:pt idx="0">
-                  <c:v>2818</c:v>
-                </c:pt>
-                <c:pt idx="1">
-                  <c:v>513</c:v>
-                </c:pt>
-                <c:pt idx="2">
-                  <c:v>268</c:v>
-                </c:pt>
-                <c:pt idx="3">
-                  <c:v>353</c:v>
-                </c:pt>
-                <c:pt idx="4">
-                  <c:v>3895</c:v>
-                </c:pt>
-                <c:pt idx="5">
-                  <c:v>842</c:v>
-                </c:pt>
-                <c:pt idx="6">
-                  <c:v>720</c:v>
-                </c:pt>
-                <c:pt idx="7">
-                  <c:v>659</c:v>
-                </c:pt>
-                <c:pt idx="8">
-                  <c:v>682</c:v>
-                </c:pt>
-                <c:pt idx="9">
-                  <c:v>1063</c:v>
-                </c:pt>
-                <c:pt idx="10">
-                  <c:v>2296</c:v>
-                </c:pt>
-              </c:numCache>
-            </c:numRef>
-          </c:val>
-          <c:extLst>
-            <c:ext xmlns:c16="http://schemas.microsoft.com/office/drawing/2014/chart" uri="{C3380CC4-5D6E-409C-BE32-E72D297353CC}">
-              <c16:uniqueId val="{00000000-154F-4199-AAF8-9ECDF68355DF}"/>
-            </c:ext>
-          </c:extLst>
-        </c:ser>
-        <c:dLbls>
-          <c:showLegendKey val="0"/>
-          <c:showVal val="0"/>
-          <c:showCatName val="0"/>
-          <c:showSerName val="0"/>
-          <c:showPercent val="0"/>
-          <c:showBubbleSize val="0"/>
-        </c:dLbls>
-        <c:gapWidth val="150"/>
-        <c:shape val="box"/>
-        <c:axId val="86073728"/>
-        <c:axId val="86079360"/>
-        <c:axId val="0"/>
-      </c:bar3DChart>
-      <c:catAx>
-        <c:axId val="86073728"/>
-        <c:scaling>
-          <c:orientation val="minMax"/>
-        </c:scaling>
-        <c:delete val="0"/>
-        <c:axPos val="l"/>
-        <c:numFmt formatCode="General" sourceLinked="1"/>
-        <c:majorTickMark val="none"/>
-        <c:minorTickMark val="none"/>
-        <c:tickLblPos val="nextTo"/>
-        <c:spPr>
-          <a:noFill/>
-          <a:ln>
-            <a:noFill/>
-          </a:ln>
-          <a:effectLst/>
-        </c:spPr>
-        <c:txPr>
-          <a:bodyPr rot="-60000000" spcFirstLastPara="1" vertOverflow="ellipsis" vert="horz" wrap="square" anchor="ctr" anchorCtr="1"/>
-          <a:lstStyle/>
-          <a:p>
-            <a:pPr>
-              <a:defRPr sz="900" b="0" i="0" u="none" strike="noStrike" kern="1200" baseline="0">
-                <a:solidFill>
-                  <a:schemeClr val="tx1">
-                    <a:lumMod val="65000"/>
-                    <a:lumOff val="35000"/>
-                  </a:schemeClr>
-                </a:solidFill>
-                <a:latin typeface="+mn-lt"/>
-                <a:ea typeface="+mn-ea"/>
-                <a:cs typeface="+mn-cs"/>
-              </a:defRPr>
-            </a:pPr>
-            <a:endParaRPr lang="en-US"/>
-          </a:p>
-        </c:txPr>
-        <c:crossAx val="86079360"/>
-        <c:crosses val="autoZero"/>
-        <c:auto val="1"/>
-        <c:lblAlgn val="ctr"/>
-        <c:lblOffset val="100"/>
-        <c:noMultiLvlLbl val="0"/>
-      </c:catAx>
-      <c:valAx>
-        <c:axId val="86079360"/>
-        <c:scaling>
-          <c:orientation val="minMax"/>
-        </c:scaling>
-        <c:delete val="0"/>
-        <c:axPos val="b"/>
-        <c:majorGridlines>
-          <c:spPr>
-            <a:ln w="9525" cap="flat" cmpd="sng" algn="ctr">
-              <a:solidFill>
-                <a:schemeClr val="tx1">
-                  <a:lumMod val="15000"/>
-                  <a:lumOff val="85000"/>
-                </a:schemeClr>
-              </a:solidFill>
-              <a:round/>
-            </a:ln>
-            <a:effectLst/>
-          </c:spPr>
-        </c:majorGridlines>
-        <c:numFmt formatCode="General" sourceLinked="1"/>
-        <c:majorTickMark val="none"/>
-        <c:minorTickMark val="none"/>
-        <c:tickLblPos val="nextTo"/>
-        <c:spPr>
-          <a:noFill/>
-          <a:ln>
-            <a:noFill/>
-          </a:ln>
-          <a:effectLst/>
-        </c:spPr>
-        <c:txPr>
-          <a:bodyPr rot="-60000000" spcFirstLastPara="1" vertOverflow="ellipsis" vert="horz" wrap="square" anchor="ctr" anchorCtr="1"/>
-          <a:lstStyle/>
-          <a:p>
-            <a:pPr>
-              <a:defRPr sz="900" b="0" i="0" u="none" strike="noStrike" kern="1200" baseline="0">
-                <a:solidFill>
-                  <a:schemeClr val="tx1">
-                    <a:lumMod val="65000"/>
-                    <a:lumOff val="35000"/>
-                  </a:schemeClr>
-                </a:solidFill>
-                <a:latin typeface="+mn-lt"/>
-                <a:ea typeface="+mn-ea"/>
-                <a:cs typeface="+mn-cs"/>
-              </a:defRPr>
-            </a:pPr>
-            <a:endParaRPr lang="en-US"/>
-          </a:p>
-        </c:txPr>
-        <c:crossAx val="86073728"/>
-        <c:crosses val="autoZero"/>
-        <c:crossBetween val="between"/>
-      </c:valAx>
-      <c:spPr>
-        <a:noFill/>
-        <a:ln>
-          <a:noFill/>
-        </a:ln>
-        <a:effectLst/>
-      </c:spPr>
-    </c:plotArea>
-    <c:legend>
-      <c:legendPos val="r"/>
-      <c:overlay val="0"/>
-      <c:spPr>
-        <a:noFill/>
-        <a:ln>
-          <a:noFill/>
-        </a:ln>
-        <a:effectLst/>
-      </c:spPr>
-      <c:txPr>
-        <a:bodyPr rot="0" spcFirstLastPara="1" vertOverflow="ellipsis" vert="horz" wrap="square" anchor="ctr" anchorCtr="1"/>
-        <a:lstStyle/>
-        <a:p>
-          <a:pPr>
-            <a:defRPr sz="900" b="0" i="0" u="none" strike="noStrike" kern="1200" baseline="0">
-              <a:solidFill>
-                <a:schemeClr val="tx1">
-                  <a:lumMod val="65000"/>
-                  <a:lumOff val="35000"/>
-                </a:schemeClr>
-              </a:solidFill>
-              <a:latin typeface="+mn-lt"/>
-              <a:ea typeface="+mn-ea"/>
-              <a:cs typeface="+mn-cs"/>
-            </a:defRPr>
-          </a:pPr>
-          <a:endParaRPr lang="en-US"/>
-        </a:p>
-      </c:txPr>
-    </c:legend>
-    <c:plotVisOnly val="1"/>
-    <c:dispBlanksAs val="gap"/>
-    <c:showDLblsOverMax val="0"/>
-  </c:chart>
-  <c:spPr>
-    <a:solidFill>
-      <a:schemeClr val="bg1"/>
-    </a:solidFill>
-    <a:ln w="9525" cap="flat" cmpd="sng" algn="ctr">
-      <a:solidFill>
-        <a:schemeClr val="tx1">
-          <a:lumMod val="15000"/>
-          <a:lumOff val="85000"/>
-        </a:schemeClr>
-      </a:solidFill>
-      <a:round/>
-    </a:ln>
-    <a:effectLst/>
-  </c:spPr>
-  <c:txPr>
-    <a:bodyPr/>
-    <a:lstStyle/>
-    <a:p>
-      <a:pPr>
-        <a:defRPr/>
-      </a:pPr>
-      <a:endParaRPr lang="en-US"/>
-    </a:p>
-  </c:txPr>
-  <c:externalData r:id="rId1">
-    <c:autoUpdate val="0"/>
-  </c:externalData>
-  <c:extLst>
-    <c:ext xmlns:c14="http://schemas.microsoft.com/office/drawing/2007/8/2/chart" uri="{781A3756-C4B2-4CAC-9D66-4F8BD8637D16}">
-      <c14:pivotOptions>
-        <c14:dropZoneFilter val="1"/>
-        <c14:dropZoneCategories val="1"/>
-        <c14:dropZoneData val="1"/>
-        <c14:dropZoneSeries val="1"/>
-        <c14:dropZonesVisible val="1"/>
-      </c14:pivotOptions>
-    </c:ext>
-    <c:ext xmlns:c16="http://schemas.microsoft.com/office/drawing/2014/chart" uri="{E28EC0CA-F0BB-4C9C-879D-F8772B89E7AC}">
-      <c16:pivotOptions16>
-        <c16:showExpandCollapseFieldButtons val="1"/>
-      </c16:pivotOptions16>
-    </c:ext>
-  </c:extLst>
-</c:chartSpace>
-</file>
-
 <file path=ppt/notesMasters/notesMaster1.xml><?xml version="1.0" encoding="utf-8"?>
 <p:notesMaster xmlns:a="http://schemas.openxmlformats.org/drawingml/2006/main" xmlns:r="http://schemas.openxmlformats.org/officeDocument/2006/relationships" xmlns:p="http://schemas.openxmlformats.org/presentationml/2006/main">
   <p:cSld>
@@ -1977,7 +226,7 @@
           <a:p>
             <a:fld id="{FF6571B2-BAB0-4C1A-A8A8-1202E07912A8}" type="datetimeFigureOut">
               <a:rPr lang="en-US" smtClean="0"/>
-              <a:t>8/15/2020</a:t>
+              <a:t>8/16/2020</a:t>
             </a:fld>
             <a:endParaRPr lang="en-US"/>
           </a:p>
@@ -2498,7 +747,7 @@
             <a:fld id="{BEAF7D20-4BF2-414F-B6FF-0AD495B367B0}" type="datetimeFigureOut">
               <a:rPr lang="en-US" smtClean="0"/>
               <a:pPr/>
-              <a:t>8/15/2020</a:t>
+              <a:t>8/16/2020</a:t>
             </a:fld>
             <a:endParaRPr lang="en-US"/>
           </a:p>
@@ -2728,7 +977,7 @@
             <a:fld id="{BEAF7D20-4BF2-414F-B6FF-0AD495B367B0}" type="datetimeFigureOut">
               <a:rPr lang="en-US" smtClean="0"/>
               <a:pPr/>
-              <a:t>8/15/2020</a:t>
+              <a:t>8/16/2020</a:t>
             </a:fld>
             <a:endParaRPr lang="en-US"/>
           </a:p>
@@ -2910,7 +1159,7 @@
             <a:fld id="{BEAF7D20-4BF2-414F-B6FF-0AD495B367B0}" type="datetimeFigureOut">
               <a:rPr lang="en-US" smtClean="0"/>
               <a:pPr/>
-              <a:t>8/15/2020</a:t>
+              <a:t>8/16/2020</a:t>
             </a:fld>
             <a:endParaRPr lang="en-US"/>
           </a:p>
@@ -3082,7 +1331,7 @@
             <a:fld id="{BEAF7D20-4BF2-414F-B6FF-0AD495B367B0}" type="datetimeFigureOut">
               <a:rPr lang="en-US" smtClean="0"/>
               <a:pPr/>
-              <a:t>8/15/2020</a:t>
+              <a:t>8/16/2020</a:t>
             </a:fld>
             <a:endParaRPr lang="en-US"/>
           </a:p>
@@ -3338,7 +1587,7 @@
             <a:fld id="{BEAF7D20-4BF2-414F-B6FF-0AD495B367B0}" type="datetimeFigureOut">
               <a:rPr lang="en-US" smtClean="0"/>
               <a:pPr/>
-              <a:t>8/15/2020</a:t>
+              <a:t>8/16/2020</a:t>
             </a:fld>
             <a:endParaRPr lang="en-US"/>
           </a:p>
@@ -3666,7 +1915,7 @@
             <a:fld id="{BEAF7D20-4BF2-414F-B6FF-0AD495B367B0}" type="datetimeFigureOut">
               <a:rPr lang="en-US" smtClean="0"/>
               <a:pPr/>
-              <a:t>8/15/2020</a:t>
+              <a:t>8/16/2020</a:t>
             </a:fld>
             <a:endParaRPr lang="en-US"/>
           </a:p>
@@ -4119,7 +2368,7 @@
             <a:fld id="{BEAF7D20-4BF2-414F-B6FF-0AD495B367B0}" type="datetimeFigureOut">
               <a:rPr lang="en-US" smtClean="0"/>
               <a:pPr/>
-              <a:t>8/15/2020</a:t>
+              <a:t>8/16/2020</a:t>
             </a:fld>
             <a:endParaRPr lang="en-US"/>
           </a:p>
@@ -4239,7 +2488,7 @@
             <a:fld id="{BEAF7D20-4BF2-414F-B6FF-0AD495B367B0}" type="datetimeFigureOut">
               <a:rPr lang="en-US" smtClean="0"/>
               <a:pPr/>
-              <a:t>8/15/2020</a:t>
+              <a:t>8/16/2020</a:t>
             </a:fld>
             <a:endParaRPr lang="en-US"/>
           </a:p>
@@ -4336,7 +2585,7 @@
             <a:fld id="{BEAF7D20-4BF2-414F-B6FF-0AD495B367B0}" type="datetimeFigureOut">
               <a:rPr lang="en-US" smtClean="0"/>
               <a:pPr/>
-              <a:t>8/15/2020</a:t>
+              <a:t>8/16/2020</a:t>
             </a:fld>
             <a:endParaRPr lang="en-US"/>
           </a:p>
@@ -4625,7 +2874,7 @@
             <a:fld id="{BEAF7D20-4BF2-414F-B6FF-0AD495B367B0}" type="datetimeFigureOut">
               <a:rPr lang="en-US" smtClean="0"/>
               <a:pPr/>
-              <a:t>8/15/2020</a:t>
+              <a:t>8/16/2020</a:t>
             </a:fld>
             <a:endParaRPr lang="en-US"/>
           </a:p>
@@ -4949,7 +3198,7 @@
             <a:fld id="{BEAF7D20-4BF2-414F-B6FF-0AD495B367B0}" type="datetimeFigureOut">
               <a:rPr lang="en-US" smtClean="0"/>
               <a:pPr/>
-              <a:t>8/15/2020</a:t>
+              <a:t>8/16/2020</a:t>
             </a:fld>
             <a:endParaRPr lang="en-US"/>
           </a:p>
@@ -5205,7 +3454,7 @@
             <a:fld id="{BEAF7D20-4BF2-414F-B6FF-0AD495B367B0}" type="datetimeFigureOut">
               <a:rPr lang="en-US" smtClean="0"/>
               <a:pPr/>
-              <a:t>8/15/2020</a:t>
+              <a:t>8/16/2020</a:t>
             </a:fld>
             <a:endParaRPr lang="en-US"/>
           </a:p>
@@ -5755,23 +4004,24 @@
         </p:nvSpPr>
         <p:spPr>
           <a:xfrm>
-            <a:off x="8174181" y="4595781"/>
-            <a:ext cx="3872400" cy="1807917"/>
+            <a:off x="8174181" y="4304957"/>
+            <a:ext cx="3872400" cy="2098742"/>
           </a:xfrm>
         </p:spPr>
         <p:txBody>
           <a:bodyPr>
-            <a:normAutofit fontScale="92500" lnSpcReduction="20000"/>
+            <a:normAutofit/>
           </a:bodyPr>
           <a:lstStyle/>
           <a:p>
             <a:pPr algn="r"/>
             <a:r>
-              <a:rPr lang="en-US" sz="2600" b="1" cap="none" spc="0" dirty="0" err="1" smtClean="0">
+              <a:rPr lang="en-US" b="1" cap="none" spc="0" dirty="0" smtClean="0">
                 <a:ln w="9525">
                   <a:solidFill>
-                    <a:schemeClr val="tx1">
-                      <a:lumMod val="65000"/>
+                    <a:schemeClr val="accent2">
+                      <a:lumMod val="60000"/>
+                      <a:lumOff val="40000"/>
                     </a:schemeClr>
                   </a:solidFill>
                   <a:prstDash val="solid"/>
@@ -5788,14 +4038,15 @@
                 </a:effectLst>
                 <a:latin typeface="Agency FB" panose="020B0503020202020204" pitchFamily="34" charset="0"/>
               </a:rPr>
-              <a:t>Maickery</a:t>
-            </a:r>
-            <a:r>
-              <a:rPr lang="en-US" sz="2600" b="1" cap="none" spc="0" dirty="0" smtClean="0">
+              <a:t>July </a:t>
+            </a:r>
+            <a:r>
+              <a:rPr lang="en-US" b="1" cap="none" spc="0" dirty="0">
                 <a:ln w="9525">
                   <a:solidFill>
-                    <a:schemeClr val="tx1">
-                      <a:lumMod val="65000"/>
+                    <a:schemeClr val="accent2">
+                      <a:lumMod val="60000"/>
+                      <a:lumOff val="40000"/>
                     </a:schemeClr>
                   </a:solidFill>
                   <a:prstDash val="solid"/>
@@ -5812,14 +4063,15 @@
                 </a:effectLst>
                 <a:latin typeface="Agency FB" panose="020B0503020202020204" pitchFamily="34" charset="0"/>
               </a:rPr>
-              <a:t> </a:t>
-            </a:r>
-            <a:r>
-              <a:rPr lang="en-US" sz="2600" b="1" cap="none" spc="0" dirty="0" err="1">
+              <a:t>23, </a:t>
+            </a:r>
+            <a:r>
+              <a:rPr lang="en-US" b="1" cap="none" spc="0" dirty="0" smtClean="0">
                 <a:ln w="9525">
                   <a:solidFill>
-                    <a:schemeClr val="tx1">
-                      <a:lumMod val="65000"/>
+                    <a:schemeClr val="accent2">
+                      <a:lumMod val="60000"/>
+                      <a:lumOff val="40000"/>
                     </a:schemeClr>
                   </a:solidFill>
                   <a:prstDash val="solid"/>
@@ -5836,13 +4088,120 @@
                 </a:effectLst>
                 <a:latin typeface="Agency FB" panose="020B0503020202020204" pitchFamily="34" charset="0"/>
               </a:rPr>
-              <a:t>Bozor</a:t>
-            </a:r>
-            <a:endParaRPr lang="en-US" sz="2600" b="1" cap="none" spc="0" dirty="0">
+              <a:t>2020</a:t>
+            </a:r>
+          </a:p>
+          <a:p>
+            <a:pPr algn="r"/>
+            <a:r>
+              <a:rPr lang="en-US" b="1" cap="none" spc="0" dirty="0" err="1">
+                <a:ln w="9525">
+                  <a:solidFill>
+                    <a:schemeClr val="accent2">
+                      <a:lumMod val="60000"/>
+                      <a:lumOff val="40000"/>
+                    </a:schemeClr>
+                  </a:solidFill>
+                  <a:prstDash val="solid"/>
+                </a:ln>
+                <a:solidFill>
+                  <a:schemeClr val="tx1"/>
+                </a:solidFill>
+                <a:effectLst>
+                  <a:outerShdw blurRad="12700" dist="38100" dir="2700000" algn="tl" rotWithShape="0">
+                    <a:schemeClr val="bg1">
+                      <a:lumMod val="50000"/>
+                    </a:schemeClr>
+                  </a:outerShdw>
+                </a:effectLst>
+                <a:latin typeface="Agency FB" panose="020B0503020202020204" pitchFamily="34" charset="0"/>
+              </a:rPr>
+              <a:t>Ayiti</a:t>
+            </a:r>
+            <a:r>
+              <a:rPr lang="en-US" b="1" cap="none" spc="0" dirty="0">
+                <a:ln w="9525">
+                  <a:solidFill>
+                    <a:schemeClr val="accent2">
+                      <a:lumMod val="60000"/>
+                      <a:lumOff val="40000"/>
+                    </a:schemeClr>
+                  </a:solidFill>
+                  <a:prstDash val="solid"/>
+                </a:ln>
+                <a:solidFill>
+                  <a:schemeClr val="tx1"/>
+                </a:solidFill>
+                <a:effectLst>
+                  <a:outerShdw blurRad="12700" dist="38100" dir="2700000" algn="tl" rotWithShape="0">
+                    <a:schemeClr val="bg1">
+                      <a:lumMod val="50000"/>
+                    </a:schemeClr>
+                  </a:outerShdw>
+                </a:effectLst>
+                <a:latin typeface="Agency FB" panose="020B0503020202020204" pitchFamily="34" charset="0"/>
+              </a:rPr>
+              <a:t> Analytics final </a:t>
+            </a:r>
+            <a:r>
+              <a:rPr lang="en-US" b="1" cap="none" spc="0" dirty="0" smtClean="0">
+                <a:ln w="9525">
+                  <a:solidFill>
+                    <a:schemeClr val="accent2">
+                      <a:lumMod val="60000"/>
+                      <a:lumOff val="40000"/>
+                    </a:schemeClr>
+                  </a:solidFill>
+                  <a:prstDash val="solid"/>
+                </a:ln>
+                <a:solidFill>
+                  <a:schemeClr val="tx1"/>
+                </a:solidFill>
+                <a:effectLst>
+                  <a:outerShdw blurRad="12700" dist="38100" dir="2700000" algn="tl" rotWithShape="0">
+                    <a:schemeClr val="bg1">
+                      <a:lumMod val="50000"/>
+                    </a:schemeClr>
+                  </a:outerShdw>
+                </a:effectLst>
+                <a:latin typeface="Agency FB" panose="020B0503020202020204" pitchFamily="34" charset="0"/>
+              </a:rPr>
+              <a:t>project</a:t>
+            </a:r>
+          </a:p>
+          <a:p>
+            <a:pPr algn="r"/>
+            <a:r>
+              <a:rPr lang="en-US" b="1" spc="0" dirty="0" smtClean="0">
+                <a:ln w="9525">
+                  <a:solidFill>
+                    <a:schemeClr val="accent2">
+                      <a:lumMod val="60000"/>
+                      <a:lumOff val="40000"/>
+                    </a:schemeClr>
+                  </a:solidFill>
+                  <a:prstDash val="solid"/>
+                </a:ln>
+                <a:solidFill>
+                  <a:schemeClr val="tx1"/>
+                </a:solidFill>
+                <a:effectLst>
+                  <a:outerShdw blurRad="12700" dist="38100" dir="2700000" algn="tl" rotWithShape="0">
+                    <a:schemeClr val="bg1">
+                      <a:lumMod val="50000"/>
+                    </a:schemeClr>
+                  </a:outerShdw>
+                </a:effectLst>
+                <a:latin typeface="Agency FB" panose="020B0503020202020204" pitchFamily="34" charset="0"/>
+              </a:rPr>
+              <a:t>Cohort march-august 2020</a:t>
+            </a:r>
+            <a:endParaRPr lang="en-US" b="1" cap="none" spc="0" dirty="0">
               <a:ln w="9525">
                 <a:solidFill>
-                  <a:schemeClr val="tx1">
-                    <a:lumMod val="65000"/>
+                  <a:schemeClr val="accent2">
+                    <a:lumMod val="60000"/>
+                    <a:lumOff val="40000"/>
                   </a:schemeClr>
                 </a:solidFill>
                 <a:prstDash val="solid"/>
@@ -5859,108 +4218,6 @@
               </a:effectLst>
               <a:latin typeface="Agency FB" panose="020B0503020202020204" pitchFamily="34" charset="0"/>
             </a:endParaRPr>
-          </a:p>
-          <a:p>
-            <a:pPr algn="r"/>
-            <a:r>
-              <a:rPr lang="en-US" b="1" cap="none" spc="0" dirty="0">
-                <a:ln w="9525">
-                  <a:solidFill>
-                    <a:schemeClr val="tx1">
-                      <a:lumMod val="65000"/>
-                    </a:schemeClr>
-                  </a:solidFill>
-                  <a:prstDash val="solid"/>
-                </a:ln>
-                <a:solidFill>
-                  <a:schemeClr val="tx1"/>
-                </a:solidFill>
-                <a:effectLst>
-                  <a:outerShdw blurRad="12700" dist="38100" dir="2700000" algn="tl" rotWithShape="0">
-                    <a:schemeClr val="bg1">
-                      <a:lumMod val="50000"/>
-                    </a:schemeClr>
-                  </a:outerShdw>
-                </a:effectLst>
-                <a:latin typeface="Agency FB" panose="020B0503020202020204" pitchFamily="34" charset="0"/>
-              </a:rPr>
-              <a:t>July 23, </a:t>
-            </a:r>
-            <a:r>
-              <a:rPr lang="en-US" b="1" cap="none" spc="0" dirty="0" smtClean="0">
-                <a:ln w="9525">
-                  <a:solidFill>
-                    <a:schemeClr val="tx1">
-                      <a:lumMod val="65000"/>
-                    </a:schemeClr>
-                  </a:solidFill>
-                  <a:prstDash val="solid"/>
-                </a:ln>
-                <a:solidFill>
-                  <a:schemeClr val="tx1"/>
-                </a:solidFill>
-                <a:effectLst>
-                  <a:outerShdw blurRad="12700" dist="38100" dir="2700000" algn="tl" rotWithShape="0">
-                    <a:schemeClr val="bg1">
-                      <a:lumMod val="50000"/>
-                    </a:schemeClr>
-                  </a:outerShdw>
-                </a:effectLst>
-                <a:latin typeface="Agency FB" panose="020B0503020202020204" pitchFamily="34" charset="0"/>
-              </a:rPr>
-              <a:t>2020</a:t>
-            </a:r>
-          </a:p>
-          <a:p>
-            <a:pPr algn="r"/>
-            <a:r>
-              <a:rPr lang="en-US" b="1" cap="none" spc="0" dirty="0" err="1">
-                <a:ln w="9525">
-                  <a:solidFill>
-                    <a:schemeClr val="tx1">
-                      <a:lumMod val="65000"/>
-                    </a:schemeClr>
-                  </a:solidFill>
-                  <a:prstDash val="solid"/>
-                </a:ln>
-                <a:solidFill>
-                  <a:schemeClr val="tx1"/>
-                </a:solidFill>
-                <a:effectLst>
-                  <a:outerShdw blurRad="12700" dist="38100" dir="2700000" algn="tl" rotWithShape="0">
-                    <a:schemeClr val="bg1">
-                      <a:lumMod val="50000"/>
-                    </a:schemeClr>
-                  </a:outerShdw>
-                </a:effectLst>
-                <a:latin typeface="Agency FB" panose="020B0503020202020204" pitchFamily="34" charset="0"/>
-              </a:rPr>
-              <a:t>Ayiti</a:t>
-            </a:r>
-            <a:r>
-              <a:rPr lang="en-US" b="1" cap="none" spc="0" dirty="0">
-                <a:ln w="9525">
-                  <a:solidFill>
-                    <a:schemeClr val="tx1">
-                      <a:lumMod val="65000"/>
-                    </a:schemeClr>
-                  </a:solidFill>
-                  <a:prstDash val="solid"/>
-                </a:ln>
-                <a:solidFill>
-                  <a:schemeClr val="tx1"/>
-                </a:solidFill>
-                <a:effectLst>
-                  <a:outerShdw blurRad="12700" dist="38100" dir="2700000" algn="tl" rotWithShape="0">
-                    <a:schemeClr val="bg1">
-                      <a:lumMod val="50000"/>
-                    </a:schemeClr>
-                  </a:outerShdw>
-                </a:effectLst>
-                <a:latin typeface="Agency FB" panose="020B0503020202020204" pitchFamily="34" charset="0"/>
-              </a:rPr>
-              <a:t> Analytics final project</a:t>
-            </a:r>
           </a:p>
           <a:p>
             <a:pPr algn="r"/>
@@ -6336,8 +4593,8 @@
         </p:nvSpPr>
         <p:spPr>
           <a:xfrm>
-            <a:off x="-13855" y="6256047"/>
-            <a:ext cx="12202419" cy="601953"/>
+            <a:off x="-27710" y="6256047"/>
+            <a:ext cx="12219710" cy="601953"/>
           </a:xfrm>
           <a:prstGeom prst="rect">
             <a:avLst/>
@@ -6469,7 +4726,7 @@
         </p:blipFill>
         <p:spPr>
           <a:xfrm>
-            <a:off x="5810984" y="1354054"/>
+            <a:off x="3810000" y="1224281"/>
             <a:ext cx="5190555" cy="1674023"/>
           </a:xfrm>
         </p:spPr>
@@ -6618,143 +4875,217 @@
           <a:chExt cx="0" cy="0"/>
         </a:xfrm>
       </p:grpSpPr>
-      <p:sp>
-        <p:nvSpPr>
-          <p:cNvPr id="2" name="Titre 1"/>
-          <p:cNvSpPr>
-            <a:spLocks noGrp="1"/>
-          </p:cNvSpPr>
-          <p:nvPr>
-            <p:ph type="title"/>
-          </p:nvPr>
-        </p:nvSpPr>
-        <p:spPr/>
-        <p:txBody>
-          <a:bodyPr>
-            <a:normAutofit/>
-          </a:bodyPr>
-          <a:lstStyle/>
-          <a:p>
-            <a:r>
-              <a:rPr lang="en-US" sz="4000" dirty="0" smtClean="0">
-                <a:latin typeface="Agency FB" pitchFamily="34" charset="0"/>
-              </a:rPr>
-              <a:t>All age group</a:t>
-            </a:r>
-            <a:endParaRPr lang="en-US" sz="4000" dirty="0">
-              <a:latin typeface="Agency FB" pitchFamily="34" charset="0"/>
-            </a:endParaRPr>
-          </a:p>
-        </p:txBody>
-      </p:sp>
-      <p:sp>
-        <p:nvSpPr>
-          <p:cNvPr id="5" name="Espace réservé du contenu 2"/>
-          <p:cNvSpPr txBox="1">
-            <a:spLocks/>
-          </p:cNvSpPr>
+      <p:pic>
+        <p:nvPicPr>
+          <p:cNvPr id="4" name="Picture 3"/>
+          <p:cNvPicPr>
+            <a:picLocks noChangeAspect="1"/>
+          </p:cNvPicPr>
           <p:nvPr/>
-        </p:nvSpPr>
+        </p:nvPicPr>
+        <p:blipFill>
+          <a:blip r:embed="rId2">
+            <a:extLst>
+              <a:ext uri="{28A0092B-C50C-407E-A947-70E740481C1C}">
+                <a14:useLocalDpi xmlns:a14="http://schemas.microsoft.com/office/drawing/2010/main" val="0"/>
+              </a:ext>
+            </a:extLst>
+          </a:blip>
+          <a:stretch>
+            <a:fillRect/>
+          </a:stretch>
+        </p:blipFill>
         <p:spPr>
           <a:xfrm>
-            <a:off x="450166" y="5542671"/>
-            <a:ext cx="11324492" cy="815925"/>
+            <a:off x="498763" y="862797"/>
+            <a:ext cx="8077201" cy="2175162"/>
           </a:xfrm>
           <a:prstGeom prst="rect">
             <a:avLst/>
           </a:prstGeom>
         </p:spPr>
-        <p:txBody>
-          <a:bodyPr vert="horz" lIns="0" tIns="45720" rIns="0" bIns="45720" rtlCol="0">
-            <a:normAutofit/>
+      </p:pic>
+      <p:sp>
+        <p:nvSpPr>
+          <p:cNvPr id="6" name="Line Callout 2 5"/>
+          <p:cNvSpPr/>
+          <p:nvPr/>
+        </p:nvSpPr>
+        <p:spPr>
+          <a:xfrm>
+            <a:off x="8575964" y="450280"/>
+            <a:ext cx="2161309" cy="540326"/>
+          </a:xfrm>
+          <a:prstGeom prst="borderCallout2">
+            <a:avLst>
+              <a:gd name="adj1" fmla="val 18750"/>
+              <a:gd name="adj2" fmla="val -8333"/>
+              <a:gd name="adj3" fmla="val 18750"/>
+              <a:gd name="adj4" fmla="val -16667"/>
+              <a:gd name="adj5" fmla="val 122572"/>
+              <a:gd name="adj6" fmla="val -37130"/>
+            </a:avLst>
+          </a:prstGeom>
+          <a:solidFill>
+            <a:schemeClr val="accent2">
+              <a:lumMod val="60000"/>
+              <a:lumOff val="40000"/>
+            </a:schemeClr>
+          </a:solidFill>
+          <a:ln w="28575">
+            <a:solidFill>
+              <a:schemeClr val="accent3">
+                <a:lumMod val="50000"/>
+              </a:schemeClr>
+            </a:solidFill>
+          </a:ln>
+        </p:spPr>
+        <p:style>
+          <a:lnRef idx="2">
+            <a:schemeClr val="accent6"/>
+          </a:lnRef>
+          <a:fillRef idx="1">
+            <a:schemeClr val="lt1"/>
+          </a:fillRef>
+          <a:effectRef idx="0">
+            <a:schemeClr val="accent6"/>
+          </a:effectRef>
+          <a:fontRef idx="minor">
+            <a:schemeClr val="dk1"/>
+          </a:fontRef>
+        </p:style>
+        <p:txBody>
+          <a:bodyPr rot="0" spcFirstLastPara="0" vertOverflow="overflow" horzOverflow="overflow" vert="horz" wrap="square" lIns="91440" tIns="45720" rIns="91440" bIns="45720" numCol="1" spcCol="0" rtlCol="0" fromWordArt="0" anchor="ctr" anchorCtr="0" forceAA="0" compatLnSpc="1">
+            <a:prstTxWarp prst="textNoShape">
+              <a:avLst/>
+            </a:prstTxWarp>
+            <a:noAutofit/>
           </a:bodyPr>
           <a:lstStyle/>
           <a:p>
-            <a:pPr marL="91440" lvl="0" indent="-91440">
-              <a:lnSpc>
-                <a:spcPct val="90000"/>
-              </a:lnSpc>
-              <a:spcBef>
-                <a:spcPts val="1200"/>
-              </a:spcBef>
-              <a:spcAft>
-                <a:spcPts val="200"/>
-              </a:spcAft>
-              <a:buClr>
-                <a:schemeClr val="accent3"/>
-              </a:buClr>
-              <a:buSzPct val="100000"/>
-              <a:buFont typeface="Calibri" panose="020F0502020204030204" pitchFamily="34" charset="0"/>
-              <a:buChar char=" "/>
-            </a:pPr>
-            <a:r>
-              <a:rPr lang="en-US" sz="2200" dirty="0" smtClean="0">
+            <a:pPr marL="0" lvl="1" algn="ctr"/>
+            <a:r>
+              <a:rPr lang="en-US" sz="2400" b="1" dirty="0">
                 <a:solidFill>
-                  <a:schemeClr val="tx1">
-                    <a:lumMod val="75000"/>
-                    <a:lumOff val="25000"/>
-                  </a:schemeClr>
+                  <a:srgbClr val="002060"/>
                 </a:solidFill>
-                <a:latin typeface="Bell MT" pitchFamily="18" charset="0"/>
-              </a:rPr>
-              <a:t>This chart shows that it's the young people most exposed to the media who have an early pregnancy.</a:t>
-            </a:r>
-            <a:endParaRPr kumimoji="0" lang="en-US" sz="2200" b="0" i="0" u="none" strike="noStrike" kern="1200" cap="none" spc="0" normalizeH="0" baseline="0" noProof="0" dirty="0">
-              <a:ln>
-                <a:noFill/>
-              </a:ln>
+                <a:latin typeface="Bell MT" panose="02020503060305020303" pitchFamily="18" charset="0"/>
+              </a:rPr>
+              <a:t>All age group</a:t>
+            </a:r>
+            <a:endParaRPr lang="en-US" sz="1400" b="1" dirty="0">
               <a:solidFill>
-                <a:schemeClr val="tx1">
-                  <a:lumMod val="75000"/>
-                  <a:lumOff val="25000"/>
-                </a:schemeClr>
+                <a:srgbClr val="002060"/>
               </a:solidFill>
-              <a:effectLst/>
-              <a:uLnTx/>
-              <a:uFillTx/>
-              <a:latin typeface="Bell MT" pitchFamily="18" charset="0"/>
+              <a:latin typeface="Bell MT" panose="02020503060305020303" pitchFamily="18" charset="0"/>
             </a:endParaRPr>
           </a:p>
         </p:txBody>
       </p:sp>
-      <p:graphicFrame>
-        <p:nvGraphicFramePr>
-          <p:cNvPr id="7" name="Chart 1"/>
-          <p:cNvGraphicFramePr/>
-          <p:nvPr>
-            <p:extLst>
-              <p:ext uri="{D42A27DB-BD31-4B8C-83A1-F6EECF244321}">
-                <p14:modId xmlns:p14="http://schemas.microsoft.com/office/powerpoint/2010/main" val="1513435719"/>
-              </p:ext>
-            </p:extLst>
-          </p:nvPr>
-        </p:nvGraphicFramePr>
-        <p:xfrm>
-          <a:off x="3471735" y="2203803"/>
-          <a:ext cx="4717366" cy="3601329"/>
-        </p:xfrm>
-        <a:graphic>
-          <a:graphicData uri="http://schemas.openxmlformats.org/drawingml/2006/chart">
-            <c:chart xmlns:c="http://schemas.openxmlformats.org/drawingml/2006/chart" xmlns:r="http://schemas.openxmlformats.org/officeDocument/2006/relationships" r:id="rId2"/>
-          </a:graphicData>
-        </a:graphic>
-      </p:graphicFrame>
-      <p:sp>
-        <p:nvSpPr>
-          <p:cNvPr id="3" name="Content Placeholder 2"/>
-          <p:cNvSpPr>
-            <a:spLocks noGrp="1"/>
-          </p:cNvSpPr>
-          <p:nvPr>
-            <p:ph idx="1"/>
-          </p:nvPr>
-        </p:nvSpPr>
-        <p:spPr/>
-        <p:txBody>
-          <a:bodyPr/>
+      <p:pic>
+        <p:nvPicPr>
+          <p:cNvPr id="9" name="Picture 8"/>
+          <p:cNvPicPr>
+            <a:picLocks noChangeAspect="1"/>
+          </p:cNvPicPr>
+          <p:nvPr/>
+        </p:nvPicPr>
+        <p:blipFill>
+          <a:blip r:embed="rId3">
+            <a:extLst>
+              <a:ext uri="{28A0092B-C50C-407E-A947-70E740481C1C}">
+                <a14:useLocalDpi xmlns:a14="http://schemas.microsoft.com/office/drawing/2010/main" val="0"/>
+              </a:ext>
+            </a:extLst>
+          </a:blip>
+          <a:stretch>
+            <a:fillRect/>
+          </a:stretch>
+        </p:blipFill>
+        <p:spPr>
+          <a:xfrm>
+            <a:off x="498763" y="3692926"/>
+            <a:ext cx="8188037" cy="2079148"/>
+          </a:xfrm>
+          <a:prstGeom prst="rect">
+            <a:avLst/>
+          </a:prstGeom>
+        </p:spPr>
+      </p:pic>
+      <p:sp>
+        <p:nvSpPr>
+          <p:cNvPr id="8" name="Line Callout 2 7"/>
+          <p:cNvSpPr/>
+          <p:nvPr/>
+        </p:nvSpPr>
+        <p:spPr>
+          <a:xfrm>
+            <a:off x="8686800" y="3276602"/>
+            <a:ext cx="2452255" cy="540326"/>
+          </a:xfrm>
+          <a:prstGeom prst="borderCallout2">
+            <a:avLst>
+              <a:gd name="adj1" fmla="val 18750"/>
+              <a:gd name="adj2" fmla="val -8333"/>
+              <a:gd name="adj3" fmla="val 18750"/>
+              <a:gd name="adj4" fmla="val -16667"/>
+              <a:gd name="adj5" fmla="val 122572"/>
+              <a:gd name="adj6" fmla="val -37130"/>
+            </a:avLst>
+          </a:prstGeom>
+          <a:solidFill>
+            <a:schemeClr val="accent2">
+              <a:lumMod val="60000"/>
+              <a:lumOff val="40000"/>
+            </a:schemeClr>
+          </a:solidFill>
+          <a:ln w="28575">
+            <a:solidFill>
+              <a:schemeClr val="accent3">
+                <a:lumMod val="50000"/>
+              </a:schemeClr>
+            </a:solidFill>
+          </a:ln>
+        </p:spPr>
+        <p:style>
+          <a:lnRef idx="2">
+            <a:schemeClr val="accent6"/>
+          </a:lnRef>
+          <a:fillRef idx="1">
+            <a:schemeClr val="lt1"/>
+          </a:fillRef>
+          <a:effectRef idx="0">
+            <a:schemeClr val="accent6"/>
+          </a:effectRef>
+          <a:fontRef idx="minor">
+            <a:schemeClr val="dk1"/>
+          </a:fontRef>
+        </p:style>
+        <p:txBody>
+          <a:bodyPr rot="0" spcFirstLastPara="0" vertOverflow="overflow" horzOverflow="overflow" vert="horz" wrap="square" lIns="91440" tIns="45720" rIns="91440" bIns="45720" numCol="1" spcCol="0" rtlCol="0" fromWordArt="0" anchor="ctr" anchorCtr="0" forceAA="0" compatLnSpc="1">
+            <a:prstTxWarp prst="textNoShape">
+              <a:avLst/>
+            </a:prstTxWarp>
+            <a:noAutofit/>
+          </a:bodyPr>
           <a:lstStyle/>
           <a:p>
-            <a:endParaRPr lang="en-US" dirty="0"/>
+            <a:pPr marL="0" lvl="1" algn="ctr"/>
+            <a:r>
+              <a:rPr lang="en-US" sz="2400" b="1" dirty="0" smtClean="0">
+                <a:solidFill>
+                  <a:srgbClr val="002060"/>
+                </a:solidFill>
+                <a:latin typeface="Bell MT" panose="02020503060305020303" pitchFamily="18" charset="0"/>
+              </a:rPr>
+              <a:t>20-24 years old</a:t>
+            </a:r>
+            <a:endParaRPr lang="en-US" sz="1400" b="1" dirty="0">
+              <a:solidFill>
+                <a:srgbClr val="002060"/>
+              </a:solidFill>
+              <a:latin typeface="Bell MT" panose="02020503060305020303" pitchFamily="18" charset="0"/>
+            </a:endParaRPr>
           </a:p>
         </p:txBody>
       </p:sp>
@@ -6790,103 +5121,220 @@
           <a:chExt cx="0" cy="0"/>
         </a:xfrm>
       </p:grpSpPr>
-      <p:sp>
-        <p:nvSpPr>
-          <p:cNvPr id="2" name="Titre 1"/>
-          <p:cNvSpPr>
-            <a:spLocks noGrp="1"/>
-          </p:cNvSpPr>
-          <p:nvPr>
-            <p:ph type="title"/>
-          </p:nvPr>
-        </p:nvSpPr>
-        <p:spPr/>
-        <p:txBody>
-          <a:bodyPr/>
-          <a:lstStyle/>
-          <a:p>
-            <a:r>
-              <a:rPr lang="en-US" dirty="0" smtClean="0"/>
-              <a:t>20-24 years old</a:t>
-            </a:r>
-            <a:endParaRPr lang="en-US" dirty="0"/>
-          </a:p>
-        </p:txBody>
-      </p:sp>
-      <p:sp>
-        <p:nvSpPr>
-          <p:cNvPr id="3" name="Espace réservé du contenu 2"/>
-          <p:cNvSpPr>
-            <a:spLocks noGrp="1"/>
-          </p:cNvSpPr>
-          <p:nvPr>
-            <p:ph idx="1"/>
-          </p:nvPr>
-        </p:nvSpPr>
-        <p:spPr>
-          <a:xfrm>
-            <a:off x="1111347" y="5289453"/>
-            <a:ext cx="10058400" cy="846928"/>
-          </a:xfrm>
-        </p:spPr>
-        <p:txBody>
-          <a:bodyPr/>
-          <a:lstStyle/>
-          <a:p>
-            <a:r>
-              <a:rPr lang="en-US" dirty="0" smtClean="0"/>
-              <a:t>It’s same for group aged between 20 and 24 years old, </a:t>
-            </a:r>
-            <a:r>
-              <a:rPr lang="en-US" dirty="0" smtClean="0">
-                <a:latin typeface="Bell MT" pitchFamily="18" charset="0"/>
-              </a:rPr>
-              <a:t>it's them most exposed to the media who have an early pregnancy.</a:t>
-            </a:r>
-            <a:endParaRPr lang="en-US" dirty="0"/>
-          </a:p>
-        </p:txBody>
-      </p:sp>
       <p:pic>
         <p:nvPicPr>
-          <p:cNvPr id="4" name="Image 3" descr="20-24.png"/>
+          <p:cNvPr id="8" name="Picture 7"/>
           <p:cNvPicPr>
             <a:picLocks noChangeAspect="1"/>
           </p:cNvPicPr>
           <p:nvPr/>
         </p:nvPicPr>
         <p:blipFill>
-          <a:blip r:embed="rId2"/>
+          <a:blip r:embed="rId2">
+            <a:extLst>
+              <a:ext uri="{28A0092B-C50C-407E-A947-70E740481C1C}">
+                <a14:useLocalDpi xmlns:a14="http://schemas.microsoft.com/office/drawing/2010/main" val="0"/>
+              </a:ext>
+            </a:extLst>
+          </a:blip>
           <a:stretch>
             <a:fillRect/>
           </a:stretch>
         </p:blipFill>
         <p:spPr>
           <a:xfrm>
-            <a:off x="599002" y="2162220"/>
-            <a:ext cx="5506376" cy="2944352"/>
+            <a:off x="387924" y="729545"/>
+            <a:ext cx="9019311" cy="2709852"/>
           </a:xfrm>
           <a:prstGeom prst="rect">
             <a:avLst/>
           </a:prstGeom>
         </p:spPr>
       </p:pic>
-      <p:graphicFrame>
-        <p:nvGraphicFramePr>
-          <p:cNvPr id="5" name="Chart 1"/>
-          <p:cNvGraphicFramePr/>
+      <p:sp>
+        <p:nvSpPr>
+          <p:cNvPr id="7" name="Line Callout 2 6"/>
+          <p:cNvSpPr/>
           <p:nvPr/>
-        </p:nvGraphicFramePr>
-        <p:xfrm>
-          <a:off x="6344529" y="2057400"/>
-          <a:ext cx="5371514" cy="3077308"/>
-        </p:xfrm>
-        <a:graphic>
-          <a:graphicData uri="http://schemas.openxmlformats.org/drawingml/2006/chart">
-            <c:chart xmlns:c="http://schemas.openxmlformats.org/drawingml/2006/chart" xmlns:r="http://schemas.openxmlformats.org/officeDocument/2006/relationships" r:id="rId3"/>
-          </a:graphicData>
-        </a:graphic>
-      </p:graphicFrame>
+        </p:nvSpPr>
+        <p:spPr>
+          <a:xfrm>
+            <a:off x="8548255" y="455271"/>
+            <a:ext cx="2452255" cy="540326"/>
+          </a:xfrm>
+          <a:prstGeom prst="borderCallout2">
+            <a:avLst>
+              <a:gd name="adj1" fmla="val 18750"/>
+              <a:gd name="adj2" fmla="val -8333"/>
+              <a:gd name="adj3" fmla="val 18750"/>
+              <a:gd name="adj4" fmla="val -16667"/>
+              <a:gd name="adj5" fmla="val 122572"/>
+              <a:gd name="adj6" fmla="val -37130"/>
+            </a:avLst>
+          </a:prstGeom>
+          <a:solidFill>
+            <a:schemeClr val="accent2">
+              <a:lumMod val="60000"/>
+              <a:lumOff val="40000"/>
+            </a:schemeClr>
+          </a:solidFill>
+          <a:ln w="28575">
+            <a:solidFill>
+              <a:schemeClr val="accent3">
+                <a:lumMod val="50000"/>
+              </a:schemeClr>
+            </a:solidFill>
+          </a:ln>
+        </p:spPr>
+        <p:style>
+          <a:lnRef idx="2">
+            <a:schemeClr val="accent6"/>
+          </a:lnRef>
+          <a:fillRef idx="1">
+            <a:schemeClr val="lt1"/>
+          </a:fillRef>
+          <a:effectRef idx="0">
+            <a:schemeClr val="accent6"/>
+          </a:effectRef>
+          <a:fontRef idx="minor">
+            <a:schemeClr val="dk1"/>
+          </a:fontRef>
+        </p:style>
+        <p:txBody>
+          <a:bodyPr rot="0" spcFirstLastPara="0" vertOverflow="overflow" horzOverflow="overflow" vert="horz" wrap="square" lIns="91440" tIns="45720" rIns="91440" bIns="45720" numCol="1" spcCol="0" rtlCol="0" fromWordArt="0" anchor="ctr" anchorCtr="0" forceAA="0" compatLnSpc="1">
+            <a:prstTxWarp prst="textNoShape">
+              <a:avLst/>
+            </a:prstTxWarp>
+            <a:noAutofit/>
+          </a:bodyPr>
+          <a:lstStyle/>
+          <a:p>
+            <a:pPr marL="0" lvl="1" algn="ctr"/>
+            <a:r>
+              <a:rPr lang="en-US" sz="2400" b="1" dirty="0" smtClean="0">
+                <a:solidFill>
+                  <a:srgbClr val="002060"/>
+                </a:solidFill>
+                <a:latin typeface="Bell MT" panose="02020503060305020303" pitchFamily="18" charset="0"/>
+              </a:rPr>
+              <a:t>15-24 years old</a:t>
+            </a:r>
+            <a:endParaRPr lang="en-US" sz="1400" b="1" dirty="0">
+              <a:solidFill>
+                <a:srgbClr val="002060"/>
+              </a:solidFill>
+              <a:latin typeface="Bell MT" panose="02020503060305020303" pitchFamily="18" charset="0"/>
+            </a:endParaRPr>
+          </a:p>
+        </p:txBody>
+      </p:sp>
+      <p:pic>
+        <p:nvPicPr>
+          <p:cNvPr id="9" name="Picture 8"/>
+          <p:cNvPicPr>
+            <a:picLocks noChangeAspect="1"/>
+          </p:cNvPicPr>
+          <p:nvPr/>
+        </p:nvPicPr>
+        <p:blipFill>
+          <a:blip r:embed="rId3">
+            <a:extLst>
+              <a:ext uri="{28A0092B-C50C-407E-A947-70E740481C1C}">
+                <a14:useLocalDpi xmlns:a14="http://schemas.microsoft.com/office/drawing/2010/main" val="0"/>
+              </a:ext>
+            </a:extLst>
+          </a:blip>
+          <a:stretch>
+            <a:fillRect/>
+          </a:stretch>
+        </p:blipFill>
+        <p:spPr>
+          <a:xfrm>
+            <a:off x="277088" y="3758285"/>
+            <a:ext cx="9476511" cy="2919606"/>
+          </a:xfrm>
+          <a:prstGeom prst="rect">
+            <a:avLst/>
+          </a:prstGeom>
+        </p:spPr>
+      </p:pic>
+      <p:sp>
+        <p:nvSpPr>
+          <p:cNvPr id="10" name="Line Callout 2 9"/>
+          <p:cNvSpPr/>
+          <p:nvPr/>
+        </p:nvSpPr>
+        <p:spPr>
+          <a:xfrm>
+            <a:off x="8714510" y="3439397"/>
+            <a:ext cx="2452255" cy="540326"/>
+          </a:xfrm>
+          <a:prstGeom prst="borderCallout2">
+            <a:avLst>
+              <a:gd name="adj1" fmla="val 18750"/>
+              <a:gd name="adj2" fmla="val -8333"/>
+              <a:gd name="adj3" fmla="val 18750"/>
+              <a:gd name="adj4" fmla="val -16667"/>
+              <a:gd name="adj5" fmla="val 122572"/>
+              <a:gd name="adj6" fmla="val -37130"/>
+            </a:avLst>
+          </a:prstGeom>
+          <a:solidFill>
+            <a:schemeClr val="accent2">
+              <a:lumMod val="60000"/>
+              <a:lumOff val="40000"/>
+            </a:schemeClr>
+          </a:solidFill>
+          <a:ln w="28575">
+            <a:solidFill>
+              <a:schemeClr val="accent3">
+                <a:lumMod val="50000"/>
+              </a:schemeClr>
+            </a:solidFill>
+          </a:ln>
+        </p:spPr>
+        <p:style>
+          <a:lnRef idx="2">
+            <a:schemeClr val="accent6"/>
+          </a:lnRef>
+          <a:fillRef idx="1">
+            <a:schemeClr val="lt1"/>
+          </a:fillRef>
+          <a:effectRef idx="0">
+            <a:schemeClr val="accent6"/>
+          </a:effectRef>
+          <a:fontRef idx="minor">
+            <a:schemeClr val="dk1"/>
+          </a:fontRef>
+        </p:style>
+        <p:txBody>
+          <a:bodyPr rot="0" spcFirstLastPara="0" vertOverflow="overflow" horzOverflow="overflow" vert="horz" wrap="square" lIns="91440" tIns="45720" rIns="91440" bIns="45720" numCol="1" spcCol="0" rtlCol="0" fromWordArt="0" anchor="ctr" anchorCtr="0" forceAA="0" compatLnSpc="1">
+            <a:prstTxWarp prst="textNoShape">
+              <a:avLst/>
+            </a:prstTxWarp>
+            <a:noAutofit/>
+          </a:bodyPr>
+          <a:lstStyle/>
+          <a:p>
+            <a:pPr marL="0" lvl="1" algn="ctr"/>
+            <a:r>
+              <a:rPr lang="en-US" sz="2400" b="1" dirty="0" smtClean="0">
+                <a:solidFill>
+                  <a:srgbClr val="002060"/>
+                </a:solidFill>
+                <a:latin typeface="Bell MT" panose="02020503060305020303" pitchFamily="18" charset="0"/>
+              </a:rPr>
+              <a:t>15-19 years old</a:t>
+            </a:r>
+            <a:endParaRPr lang="en-US" sz="1400" b="1" dirty="0">
+              <a:solidFill>
+                <a:srgbClr val="002060"/>
+              </a:solidFill>
+              <a:latin typeface="Bell MT" panose="02020503060305020303" pitchFamily="18" charset="0"/>
+            </a:endParaRPr>
+          </a:p>
+        </p:txBody>
+      </p:sp>
     </p:spTree>
   </p:cSld>
   <p:clrMapOvr>
@@ -6921,137 +5369,423 @@
       </p:grpSpPr>
       <p:sp>
         <p:nvSpPr>
-          <p:cNvPr id="2" name="Titre 1"/>
+          <p:cNvPr id="3" name="Content Placeholder 2"/>
           <p:cNvSpPr>
             <a:spLocks noGrp="1"/>
           </p:cNvSpPr>
           <p:nvPr>
-            <p:ph type="title"/>
+            <p:ph idx="1"/>
           </p:nvPr>
         </p:nvSpPr>
-        <p:spPr/>
+        <p:spPr>
+          <a:xfrm>
+            <a:off x="595745" y="1427018"/>
+            <a:ext cx="9261487" cy="5209309"/>
+          </a:xfrm>
+        </p:spPr>
         <p:txBody>
           <a:bodyPr/>
           <a:lstStyle/>
           <a:p>
+            <a:pPr marL="0" indent="0">
+              <a:buNone/>
+            </a:pPr>
+            <a:endParaRPr lang="en-US" dirty="0" smtClean="0"/>
+          </a:p>
+          <a:p>
+            <a:pPr marL="0" indent="0">
+              <a:buNone/>
+            </a:pPr>
             <a:r>
               <a:rPr lang="en-US" dirty="0" smtClean="0"/>
-              <a:t>15-24 years old</a:t>
-            </a:r>
+              <a:t>Exposure </a:t>
+            </a:r>
+            <a:r>
+              <a:rPr lang="en-US" dirty="0"/>
+              <a:t>to the </a:t>
+            </a:r>
+            <a:r>
+              <a:rPr lang="en-US" dirty="0" smtClean="0"/>
+              <a:t>media</a:t>
+            </a:r>
+          </a:p>
+          <a:p>
+            <a:pPr marL="0" indent="0">
+              <a:buNone/>
+            </a:pPr>
+            <a:endParaRPr lang="en-US" dirty="0" smtClean="0"/>
+          </a:p>
+          <a:p>
+            <a:pPr marL="0" indent="0">
+              <a:buNone/>
+            </a:pPr>
+            <a:endParaRPr lang="en-US" dirty="0" smtClean="0"/>
+          </a:p>
+          <a:p>
+            <a:pPr marL="0" indent="0">
+              <a:buNone/>
+            </a:pPr>
+            <a:r>
+              <a:rPr lang="en-US" dirty="0" smtClean="0"/>
+              <a:t>Use </a:t>
+            </a:r>
+            <a:r>
+              <a:rPr lang="en-US" dirty="0"/>
+              <a:t>of contraceptive </a:t>
+            </a:r>
+            <a:r>
+              <a:rPr lang="en-US" dirty="0" smtClean="0"/>
+              <a:t>methods</a:t>
+            </a:r>
+          </a:p>
+          <a:p>
+            <a:pPr marL="0" indent="0">
+              <a:buNone/>
+            </a:pPr>
+            <a:endParaRPr lang="en-US" dirty="0" smtClean="0"/>
+          </a:p>
+          <a:p>
+            <a:pPr marL="0" indent="0">
+              <a:buNone/>
+            </a:pPr>
+            <a:r>
+              <a:rPr lang="en-US" dirty="0" smtClean="0"/>
+              <a:t> </a:t>
+            </a:r>
+          </a:p>
+          <a:p>
+            <a:pPr marL="0" indent="0">
+              <a:buNone/>
+            </a:pPr>
+            <a:r>
+              <a:rPr lang="en-US" dirty="0" smtClean="0"/>
+              <a:t>Complete </a:t>
+            </a:r>
+            <a:r>
+              <a:rPr lang="en-US" dirty="0"/>
+              <a:t>primary school </a:t>
+            </a:r>
+            <a:r>
+              <a:rPr lang="en-US" dirty="0" smtClean="0"/>
+              <a:t>education</a:t>
+            </a:r>
+          </a:p>
+          <a:p>
+            <a:pPr marL="0" indent="0">
+              <a:buNone/>
+            </a:pPr>
+            <a:endParaRPr lang="en-US" dirty="0" smtClean="0"/>
+          </a:p>
+          <a:p>
+            <a:pPr marL="0" indent="0">
+              <a:buNone/>
+            </a:pPr>
+            <a:r>
+              <a:rPr lang="en-US" dirty="0" smtClean="0"/>
+              <a:t> </a:t>
+            </a:r>
+          </a:p>
+          <a:p>
+            <a:pPr marL="0" indent="0">
+              <a:buNone/>
+            </a:pPr>
+            <a:r>
+              <a:rPr lang="en-US" dirty="0" smtClean="0"/>
+              <a:t>Rape </a:t>
+            </a:r>
+            <a:r>
+              <a:rPr lang="en-US" dirty="0"/>
+              <a:t>at first sexual </a:t>
+            </a:r>
+            <a:r>
+              <a:rPr lang="en-US" dirty="0" smtClean="0"/>
+              <a:t>experience</a:t>
+            </a:r>
+          </a:p>
+          <a:p>
+            <a:pPr marL="0" indent="0">
+              <a:buNone/>
+            </a:pPr>
+            <a:endParaRPr lang="en-US" dirty="0" smtClean="0"/>
+          </a:p>
+          <a:p>
+            <a:pPr marL="0" indent="0">
+              <a:buNone/>
+            </a:pPr>
             <a:endParaRPr lang="en-US" dirty="0"/>
           </a:p>
         </p:txBody>
       </p:sp>
       <p:pic>
         <p:nvPicPr>
-          <p:cNvPr id="4" name="Espace réservé du contenu 3" descr="15-24.png"/>
+          <p:cNvPr id="4" name="Picture 3"/>
           <p:cNvPicPr>
-            <a:picLocks noGrp="1" noChangeAspect="1"/>
+            <a:picLocks noChangeAspect="1"/>
           </p:cNvPicPr>
-          <p:nvPr>
-            <p:ph idx="1"/>
-          </p:nvPr>
+          <p:nvPr/>
         </p:nvPicPr>
         <p:blipFill>
-          <a:blip r:embed="rId2"/>
+          <a:blip r:embed="rId2">
+            <a:biLevel thresh="75000"/>
+            <a:extLst>
+              <a:ext uri="{28A0092B-C50C-407E-A947-70E740481C1C}">
+                <a14:useLocalDpi xmlns:a14="http://schemas.microsoft.com/office/drawing/2010/main" val="0"/>
+              </a:ext>
+            </a:extLst>
+          </a:blip>
           <a:stretch>
             <a:fillRect/>
           </a:stretch>
         </p:blipFill>
         <p:spPr>
           <a:xfrm>
-            <a:off x="337625" y="2082019"/>
-            <a:ext cx="5570807" cy="3165230"/>
-          </a:xfrm>
-        </p:spPr>
-      </p:pic>
-      <p:graphicFrame>
-        <p:nvGraphicFramePr>
-          <p:cNvPr id="5" name="Chart 1"/>
-          <p:cNvGraphicFramePr/>
-          <p:nvPr/>
-        </p:nvGraphicFramePr>
-        <p:xfrm>
-          <a:off x="6189785" y="2025748"/>
-          <a:ext cx="5190978" cy="3221501"/>
-        </p:xfrm>
-        <a:graphic>
-          <a:graphicData uri="http://schemas.openxmlformats.org/drawingml/2006/chart">
-            <c:chart xmlns:c="http://schemas.openxmlformats.org/drawingml/2006/chart" xmlns:r="http://schemas.openxmlformats.org/officeDocument/2006/relationships" r:id="rId3"/>
-          </a:graphicData>
-        </a:graphic>
-      </p:graphicFrame>
-      <p:sp>
-        <p:nvSpPr>
-          <p:cNvPr id="6" name="Espace réservé du contenu 2"/>
-          <p:cNvSpPr txBox="1">
-            <a:spLocks/>
-          </p:cNvSpPr>
-          <p:nvPr/>
-        </p:nvSpPr>
-        <p:spPr>
-          <a:xfrm>
-            <a:off x="450166" y="5486400"/>
-            <a:ext cx="11324492" cy="815925"/>
+            <a:off x="3876830" y="2934583"/>
+            <a:ext cx="2197941" cy="930143"/>
           </a:xfrm>
           <a:prstGeom prst="rect">
             <a:avLst/>
           </a:prstGeom>
         </p:spPr>
-        <p:txBody>
-          <a:bodyPr vert="horz" lIns="0" tIns="45720" rIns="0" bIns="45720" rtlCol="0">
-            <a:normAutofit/>
+      </p:pic>
+      <p:pic>
+        <p:nvPicPr>
+          <p:cNvPr id="5" name="Picture 4"/>
+          <p:cNvPicPr>
+            <a:picLocks noChangeAspect="1"/>
+          </p:cNvPicPr>
+          <p:nvPr/>
+        </p:nvPicPr>
+        <p:blipFill>
+          <a:blip r:embed="rId3" cstate="print">
+            <a:extLst>
+              <a:ext uri="{28A0092B-C50C-407E-A947-70E740481C1C}">
+                <a14:useLocalDpi xmlns:a14="http://schemas.microsoft.com/office/drawing/2010/main" val="0"/>
+              </a:ext>
+            </a:extLst>
+          </a:blip>
+          <a:stretch>
+            <a:fillRect/>
+          </a:stretch>
+        </p:blipFill>
+        <p:spPr>
+          <a:xfrm>
+            <a:off x="4570156" y="4480892"/>
+            <a:ext cx="839253" cy="839253"/>
+          </a:xfrm>
+          <a:prstGeom prst="rect">
+            <a:avLst/>
+          </a:prstGeom>
+        </p:spPr>
+      </p:pic>
+      <p:pic>
+        <p:nvPicPr>
+          <p:cNvPr id="6" name="Picture 5"/>
+          <p:cNvPicPr>
+            <a:picLocks noChangeAspect="1"/>
+          </p:cNvPicPr>
+          <p:nvPr/>
+        </p:nvPicPr>
+        <p:blipFill>
+          <a:blip r:embed="rId4" cstate="print">
+            <a:extLst>
+              <a:ext uri="{28A0092B-C50C-407E-A947-70E740481C1C}">
+                <a14:useLocalDpi xmlns:a14="http://schemas.microsoft.com/office/drawing/2010/main" val="0"/>
+              </a:ext>
+            </a:extLst>
+          </a:blip>
+          <a:stretch>
+            <a:fillRect/>
+          </a:stretch>
+        </p:blipFill>
+        <p:spPr>
+          <a:xfrm>
+            <a:off x="3182055" y="1618341"/>
+            <a:ext cx="1894097" cy="914765"/>
+          </a:xfrm>
+          <a:prstGeom prst="rect">
+            <a:avLst/>
+          </a:prstGeom>
+        </p:spPr>
+      </p:pic>
+      <p:pic>
+        <p:nvPicPr>
+          <p:cNvPr id="7" name="Picture 6"/>
+          <p:cNvPicPr>
+            <a:picLocks noChangeAspect="1"/>
+          </p:cNvPicPr>
+          <p:nvPr/>
+        </p:nvPicPr>
+        <p:blipFill>
+          <a:blip r:embed="rId5" cstate="print">
+            <a:extLst>
+              <a:ext uri="{28A0092B-C50C-407E-A947-70E740481C1C}">
+                <a14:useLocalDpi xmlns:a14="http://schemas.microsoft.com/office/drawing/2010/main" val="0"/>
+              </a:ext>
+            </a:extLst>
+          </a:blip>
+          <a:stretch>
+            <a:fillRect/>
+          </a:stretch>
+        </p:blipFill>
+        <p:spPr>
+          <a:xfrm>
+            <a:off x="4129104" y="5680373"/>
+            <a:ext cx="1061184" cy="1061184"/>
+          </a:xfrm>
+          <a:prstGeom prst="rect">
+            <a:avLst/>
+          </a:prstGeom>
+        </p:spPr>
+      </p:pic>
+      <p:sp>
+        <p:nvSpPr>
+          <p:cNvPr id="8" name="Line Callout 2 7"/>
+          <p:cNvSpPr/>
+          <p:nvPr/>
+        </p:nvSpPr>
+        <p:spPr>
+          <a:xfrm>
+            <a:off x="1400422" y="568037"/>
+            <a:ext cx="1980087" cy="581892"/>
+          </a:xfrm>
+          <a:prstGeom prst="borderCallout2">
+            <a:avLst>
+              <a:gd name="adj1" fmla="val 18750"/>
+              <a:gd name="adj2" fmla="val -8333"/>
+              <a:gd name="adj3" fmla="val 18750"/>
+              <a:gd name="adj4" fmla="val -16667"/>
+              <a:gd name="adj5" fmla="val 105037"/>
+              <a:gd name="adj6" fmla="val -37118"/>
+            </a:avLst>
+          </a:prstGeom>
+          <a:solidFill>
+            <a:schemeClr val="accent2">
+              <a:lumMod val="60000"/>
+              <a:lumOff val="40000"/>
+            </a:schemeClr>
+          </a:solidFill>
+          <a:ln w="28575">
+            <a:solidFill>
+              <a:schemeClr val="accent3">
+                <a:lumMod val="50000"/>
+              </a:schemeClr>
+            </a:solidFill>
+          </a:ln>
+        </p:spPr>
+        <p:style>
+          <a:lnRef idx="2">
+            <a:schemeClr val="accent6"/>
+          </a:lnRef>
+          <a:fillRef idx="1">
+            <a:schemeClr val="lt1"/>
+          </a:fillRef>
+          <a:effectRef idx="0">
+            <a:schemeClr val="accent6"/>
+          </a:effectRef>
+          <a:fontRef idx="minor">
+            <a:schemeClr val="dk1"/>
+          </a:fontRef>
+        </p:style>
+        <p:txBody>
+          <a:bodyPr rot="0" spcFirstLastPara="0" vertOverflow="overflow" horzOverflow="overflow" vert="horz" wrap="square" lIns="91440" tIns="45720" rIns="91440" bIns="45720" numCol="1" spcCol="0" rtlCol="0" fromWordArt="0" anchor="ctr" anchorCtr="0" forceAA="0" compatLnSpc="1">
+            <a:prstTxWarp prst="textNoShape">
+              <a:avLst/>
+            </a:prstTxWarp>
+            <a:noAutofit/>
           </a:bodyPr>
           <a:lstStyle/>
           <a:p>
-            <a:pPr marL="91440" lvl="0" indent="-91440">
-              <a:lnSpc>
-                <a:spcPct val="90000"/>
-              </a:lnSpc>
-              <a:spcBef>
-                <a:spcPts val="1200"/>
-              </a:spcBef>
-              <a:spcAft>
-                <a:spcPts val="200"/>
-              </a:spcAft>
-              <a:buClr>
-                <a:schemeClr val="accent3"/>
-              </a:buClr>
-              <a:buSzPct val="100000"/>
-              <a:buFont typeface="Calibri" panose="020F0502020204030204" pitchFamily="34" charset="0"/>
-              <a:buChar char=" "/>
-            </a:pPr>
-            <a:r>
-              <a:rPr lang="en-US" sz="2200" dirty="0" smtClean="0">
+            <a:pPr marL="0" lvl="1" algn="ctr"/>
+            <a:r>
+              <a:rPr lang="en-US" sz="2400" b="1" dirty="0">
                 <a:solidFill>
-                  <a:schemeClr val="tx1">
-                    <a:lumMod val="75000"/>
-                    <a:lumOff val="25000"/>
-                  </a:schemeClr>
+                  <a:srgbClr val="002060"/>
                 </a:solidFill>
-                <a:latin typeface="Bell MT" pitchFamily="18" charset="0"/>
-              </a:rPr>
-              <a:t>This chart shows that more the young people most exposed to the media more he have chance to have an early pregnancy.</a:t>
-            </a:r>
-            <a:endParaRPr kumimoji="0" lang="en-US" sz="2200" b="0" i="0" u="none" strike="noStrike" kern="1200" cap="none" spc="0" normalizeH="0" baseline="0" noProof="0" dirty="0">
-              <a:ln>
-                <a:noFill/>
-              </a:ln>
-              <a:solidFill>
-                <a:schemeClr val="tx1">
-                  <a:lumMod val="75000"/>
-                  <a:lumOff val="25000"/>
-                </a:schemeClr>
-              </a:solidFill>
-              <a:effectLst/>
-              <a:uLnTx/>
-              <a:uFillTx/>
-              <a:latin typeface="Bell MT" pitchFamily="18" charset="0"/>
-            </a:endParaRPr>
+                <a:latin typeface="Bell MT" panose="02020503060305020303" pitchFamily="18" charset="0"/>
+              </a:rPr>
+              <a:t>Abstract</a:t>
+            </a:r>
+          </a:p>
+        </p:txBody>
+      </p:sp>
+      <p:sp>
+        <p:nvSpPr>
+          <p:cNvPr id="9" name="Right Brace 8"/>
+          <p:cNvSpPr/>
+          <p:nvPr/>
+        </p:nvSpPr>
+        <p:spPr>
+          <a:xfrm>
+            <a:off x="6074771" y="1618341"/>
+            <a:ext cx="1129599" cy="5017986"/>
+          </a:xfrm>
+          <a:prstGeom prst="rightBrace">
+            <a:avLst/>
+          </a:prstGeom>
+        </p:spPr>
+        <p:style>
+          <a:lnRef idx="3">
+            <a:schemeClr val="dk1"/>
+          </a:lnRef>
+          <a:fillRef idx="0">
+            <a:schemeClr val="dk1"/>
+          </a:fillRef>
+          <a:effectRef idx="2">
+            <a:schemeClr val="dk1"/>
+          </a:effectRef>
+          <a:fontRef idx="minor">
+            <a:schemeClr val="tx1"/>
+          </a:fontRef>
+        </p:style>
+        <p:txBody>
+          <a:bodyPr rtlCol="0" anchor="ctr"/>
+          <a:lstStyle/>
+          <a:p>
+            <a:pPr algn="ctr"/>
+            <a:endParaRPr lang="en-US"/>
+          </a:p>
+        </p:txBody>
+      </p:sp>
+      <p:sp>
+        <p:nvSpPr>
+          <p:cNvPr id="10" name="Rectangle 9"/>
+          <p:cNvSpPr/>
+          <p:nvPr/>
+        </p:nvSpPr>
+        <p:spPr>
+          <a:xfrm>
+            <a:off x="7537051" y="3665669"/>
+            <a:ext cx="2652862" cy="923330"/>
+          </a:xfrm>
+          <a:prstGeom prst="rect">
+            <a:avLst/>
+          </a:prstGeom>
+        </p:spPr>
+        <p:txBody>
+          <a:bodyPr wrap="square">
+            <a:spAutoFit/>
+          </a:bodyPr>
+          <a:lstStyle/>
+          <a:p>
+            <a:r>
+              <a:rPr lang="en-US" dirty="0"/>
+              <a:t> </a:t>
+            </a:r>
+            <a:r>
+              <a:rPr lang="en-US" b="1" dirty="0">
+                <a:latin typeface="Bell MT" panose="02020503060305020303" pitchFamily="18" charset="0"/>
+              </a:rPr>
+              <a:t>The four key factors that predominate across all age groups.</a:t>
+            </a:r>
           </a:p>
         </p:txBody>
       </p:sp>
     </p:spTree>
+    <p:extLst>
+      <p:ext uri="{BB962C8B-B14F-4D97-AF65-F5344CB8AC3E}">
+        <p14:creationId xmlns:p14="http://schemas.microsoft.com/office/powerpoint/2010/main" val="2709323230"/>
+      </p:ext>
+    </p:extLst>
   </p:cSld>
   <p:clrMapOvr>
     <a:masterClrMapping/>
@@ -7078,7 +5812,7 @@
       </p:grpSpPr>
       <p:sp>
         <p:nvSpPr>
-          <p:cNvPr id="2" name="Titre 1"/>
+          <p:cNvPr id="4" name="Titre 1"/>
           <p:cNvSpPr>
             <a:spLocks noGrp="1"/>
           </p:cNvSpPr>
@@ -7092,187 +5826,144 @@
           <a:lstStyle/>
           <a:p>
             <a:r>
-              <a:rPr lang="en-US" dirty="0" smtClean="0"/>
-              <a:t>15-19 years old</a:t>
-            </a:r>
-            <a:endParaRPr lang="en-US" dirty="0"/>
-          </a:p>
-        </p:txBody>
-      </p:sp>
-      <p:pic>
-        <p:nvPicPr>
-          <p:cNvPr id="4" name="Espace réservé du contenu 3" descr="15-19.png"/>
-          <p:cNvPicPr>
-            <a:picLocks noGrp="1" noChangeAspect="1"/>
-          </p:cNvPicPr>
+              <a:rPr lang="en-US" dirty="0" smtClean="0">
+                <a:solidFill>
+                  <a:srgbClr val="00B050"/>
+                </a:solidFill>
+                <a:latin typeface="Agency FB" pitchFamily="34" charset="0"/>
+              </a:rPr>
+              <a:t>Abstract</a:t>
+            </a:r>
+            <a:endParaRPr lang="en-US" dirty="0">
+              <a:solidFill>
+                <a:srgbClr val="00B050"/>
+              </a:solidFill>
+              <a:latin typeface="Agency FB" pitchFamily="34" charset="0"/>
+            </a:endParaRPr>
+          </a:p>
+        </p:txBody>
+      </p:sp>
+      <p:sp>
+        <p:nvSpPr>
+          <p:cNvPr id="3" name="Espace réservé du contenu 2"/>
+          <p:cNvSpPr>
+            <a:spLocks noGrp="1"/>
+          </p:cNvSpPr>
           <p:nvPr>
             <p:ph idx="1"/>
           </p:nvPr>
-        </p:nvPicPr>
-        <p:blipFill>
-          <a:blip r:embed="rId2"/>
-          <a:stretch>
-            <a:fillRect/>
-          </a:stretch>
-        </p:blipFill>
+        </p:nvSpPr>
         <p:spPr>
           <a:xfrm>
-            <a:off x="534573" y="1973747"/>
-            <a:ext cx="6625882" cy="2867425"/>
-          </a:xfrm>
-        </p:spPr>
-      </p:pic>
-      <p:graphicFrame>
-        <p:nvGraphicFramePr>
-          <p:cNvPr id="5" name="Chart 1"/>
-          <p:cNvGraphicFramePr/>
-          <p:nvPr/>
-        </p:nvGraphicFramePr>
-        <p:xfrm>
-          <a:off x="7338646" y="2071468"/>
-          <a:ext cx="4572000" cy="2743200"/>
-        </p:xfrm>
-        <a:graphic>
-          <a:graphicData uri="http://schemas.openxmlformats.org/drawingml/2006/chart">
-            <c:chart xmlns:c="http://schemas.openxmlformats.org/drawingml/2006/chart" xmlns:r="http://schemas.openxmlformats.org/officeDocument/2006/relationships" r:id="rId3"/>
-          </a:graphicData>
-        </a:graphic>
-      </p:graphicFrame>
-      <p:sp>
-        <p:nvSpPr>
-          <p:cNvPr id="6" name="Espace réservé du contenu 2"/>
-          <p:cNvSpPr txBox="1">
-            <a:spLocks/>
-          </p:cNvSpPr>
-          <p:nvPr/>
-        </p:nvSpPr>
-        <p:spPr>
-          <a:xfrm>
-            <a:off x="1111347" y="5289453"/>
-            <a:ext cx="10058400" cy="846928"/>
-          </a:xfrm>
-          <a:prstGeom prst="rect">
-            <a:avLst/>
-          </a:prstGeom>
-        </p:spPr>
-        <p:txBody>
-          <a:bodyPr vert="horz" lIns="0" tIns="45720" rIns="0" bIns="45720" rtlCol="0">
-            <a:normAutofit lnSpcReduction="10000"/>
+            <a:off x="506437" y="1845734"/>
+            <a:ext cx="11057206" cy="4470660"/>
+          </a:xfrm>
+        </p:spPr>
+        <p:txBody>
+          <a:bodyPr>
+            <a:noAutofit/>
           </a:bodyPr>
           <a:lstStyle/>
           <a:p>
-            <a:pPr marL="91440" lvl="0" indent="-91440">
-              <a:lnSpc>
-                <a:spcPct val="90000"/>
-              </a:lnSpc>
-              <a:spcBef>
-                <a:spcPts val="1200"/>
-              </a:spcBef>
-              <a:spcAft>
-                <a:spcPts val="200"/>
-              </a:spcAft>
-              <a:buClr>
-                <a:schemeClr val="accent3"/>
-              </a:buClr>
-              <a:buSzPct val="100000"/>
-              <a:buFont typeface="Calibri" panose="020F0502020204030204" pitchFamily="34" charset="0"/>
-              <a:buChar char=" "/>
-            </a:pPr>
-            <a:r>
-              <a:rPr lang="en-US" sz="2000" dirty="0" smtClean="0">
-                <a:solidFill>
-                  <a:schemeClr val="tx1">
-                    <a:lumMod val="75000"/>
-                    <a:lumOff val="25000"/>
-                  </a:schemeClr>
-                </a:solidFill>
-              </a:rPr>
-              <a:t>F</a:t>
-            </a:r>
-            <a:r>
-              <a:rPr kumimoji="0" lang="en-US" sz="2000" b="0" i="0" u="none" strike="noStrike" kern="1200" cap="none" spc="0" normalizeH="0" baseline="0" noProof="0" dirty="0" smtClean="0">
-                <a:ln>
-                  <a:noFill/>
-                </a:ln>
-                <a:solidFill>
-                  <a:schemeClr val="tx1">
-                    <a:lumMod val="75000"/>
-                    <a:lumOff val="25000"/>
-                  </a:schemeClr>
-                </a:solidFill>
-                <a:effectLst/>
-                <a:uLnTx/>
-                <a:uFillTx/>
-                <a:latin typeface="+mn-lt"/>
-                <a:ea typeface="+mn-ea"/>
-                <a:cs typeface="+mn-cs"/>
-              </a:rPr>
-              <a:t>or group aged between 15 and 19 years old, </a:t>
-            </a:r>
-            <a:r>
-              <a:rPr kumimoji="0" lang="en-US" sz="2000" b="0" i="0" u="none" strike="noStrike" kern="1200" cap="none" spc="0" normalizeH="0" baseline="0" noProof="0" dirty="0" smtClean="0">
-                <a:ln>
-                  <a:noFill/>
-                </a:ln>
-                <a:solidFill>
-                  <a:schemeClr val="tx1">
-                    <a:lumMod val="75000"/>
-                    <a:lumOff val="25000"/>
-                  </a:schemeClr>
-                </a:solidFill>
-                <a:effectLst/>
-                <a:uLnTx/>
-                <a:uFillTx/>
+            <a:pPr algn="just"/>
+            <a:r>
+              <a:rPr lang="en-US" dirty="0" smtClean="0">
                 <a:latin typeface="Bell MT" pitchFamily="18" charset="0"/>
-                <a:ea typeface="+mn-ea"/>
-                <a:cs typeface="+mn-cs"/>
-              </a:rPr>
-              <a:t>it's them most exposed to the media who have an early pregnancy,</a:t>
-            </a:r>
-            <a:r>
-              <a:rPr kumimoji="0" lang="en-US" sz="2000" b="0" i="0" u="none" strike="noStrike" kern="1200" cap="none" spc="0" normalizeH="0" noProof="0" dirty="0" smtClean="0">
-                <a:ln>
-                  <a:noFill/>
-                </a:ln>
-                <a:solidFill>
-                  <a:schemeClr val="tx1">
-                    <a:lumMod val="75000"/>
-                    <a:lumOff val="25000"/>
-                  </a:schemeClr>
-                </a:solidFill>
-                <a:effectLst/>
-                <a:uLnTx/>
-                <a:uFillTx/>
+              </a:rPr>
+              <a:t>Whatever the age group, media exposure is the most recorded variable because: </a:t>
+            </a:r>
+          </a:p>
+          <a:p>
+            <a:pPr algn="just"/>
+            <a:r>
+              <a:rPr lang="en-US" dirty="0" smtClean="0">
                 <a:latin typeface="Bell MT" pitchFamily="18" charset="0"/>
-                <a:ea typeface="+mn-ea"/>
-                <a:cs typeface="+mn-cs"/>
-              </a:rPr>
-              <a:t> follow by the p</a:t>
-            </a:r>
-            <a:r>
-              <a:rPr lang="en-US" sz="2000" dirty="0" err="1" smtClean="0"/>
-              <a:t>ercentage</a:t>
-            </a:r>
-            <a:r>
-              <a:rPr lang="en-US" sz="2000" dirty="0" smtClean="0"/>
-              <a:t> of sexually active youth who have ever used any contraceptive method </a:t>
-            </a:r>
-            <a:endParaRPr kumimoji="0" lang="en-US" sz="2000" b="0" i="0" u="none" strike="noStrike" kern="1200" cap="none" spc="0" normalizeH="0" baseline="0" noProof="0" dirty="0">
-              <a:ln>
-                <a:noFill/>
-              </a:ln>
-              <a:solidFill>
-                <a:schemeClr val="tx1">
-                  <a:lumMod val="75000"/>
-                  <a:lumOff val="25000"/>
-                </a:schemeClr>
-              </a:solidFill>
-              <a:effectLst/>
-              <a:uLnTx/>
-              <a:uFillTx/>
-              <a:latin typeface="+mn-lt"/>
-              <a:ea typeface="+mn-ea"/>
-              <a:cs typeface="+mn-cs"/>
+              </a:rPr>
+              <a:t>only 12% of sexual information is provided by family and 29% by friends;</a:t>
+            </a:r>
+          </a:p>
+          <a:p>
+            <a:pPr algn="just"/>
+            <a:r>
+              <a:rPr lang="en-US" b="1" dirty="0" smtClean="0">
+                <a:latin typeface="Bell MT" pitchFamily="18" charset="0"/>
+              </a:rPr>
+              <a:t>All the variable let’s us know that</a:t>
+            </a:r>
+            <a:r>
+              <a:rPr lang="en-US" dirty="0" smtClean="0">
+                <a:latin typeface="Bell MT" pitchFamily="18" charset="0"/>
+              </a:rPr>
+              <a:t>: </a:t>
+            </a:r>
+          </a:p>
+          <a:p>
+            <a:pPr algn="just"/>
+            <a:r>
+              <a:rPr lang="en-US" dirty="0" smtClean="0">
+                <a:latin typeface="Bell MT" pitchFamily="18" charset="0"/>
+              </a:rPr>
+              <a:t>the average age at first sexual intercourse is 13;</a:t>
+            </a:r>
+          </a:p>
+          <a:p>
+            <a:pPr algn="just"/>
+            <a:r>
+              <a:rPr lang="en-US" dirty="0" smtClean="0">
+                <a:latin typeface="Bell MT" pitchFamily="18" charset="0"/>
+              </a:rPr>
+              <a:t>3% of teenage girls have already had 3 children;</a:t>
+            </a:r>
+          </a:p>
+          <a:p>
+            <a:pPr algn="just"/>
+            <a:r>
+              <a:rPr lang="en-US" dirty="0" smtClean="0">
+                <a:latin typeface="Bell MT" pitchFamily="18" charset="0"/>
+              </a:rPr>
+              <a:t>the maximum number of pregnancies is 5;</a:t>
+            </a:r>
+          </a:p>
+          <a:p>
+            <a:pPr algn="just"/>
+            <a:r>
+              <a:rPr lang="en-US" dirty="0" smtClean="0">
+                <a:latin typeface="Bell MT" pitchFamily="18" charset="0"/>
+              </a:rPr>
+              <a:t>only 16% of the progenitors are adolescents and 47% are over 28 years of age;</a:t>
+            </a:r>
+          </a:p>
+          <a:p>
+            <a:pPr algn="just"/>
+            <a:r>
+              <a:rPr lang="en-US" dirty="0" smtClean="0">
+                <a:latin typeface="Bell MT" pitchFamily="18" charset="0"/>
+              </a:rPr>
+              <a:t>93% of adolescent girls do not use condoms or use them only sometimes;</a:t>
+            </a:r>
+          </a:p>
+          <a:p>
+            <a:pPr algn="just"/>
+            <a:r>
+              <a:rPr lang="en-US" dirty="0" smtClean="0">
+                <a:latin typeface="Bell MT" pitchFamily="18" charset="0"/>
+              </a:rPr>
+              <a:t>90% do not know about family planning methods and how they work;</a:t>
+            </a:r>
+          </a:p>
+          <a:p>
+            <a:pPr algn="just"/>
+            <a:r>
+              <a:rPr lang="en-US" dirty="0" smtClean="0">
+                <a:latin typeface="Bell MT" pitchFamily="18" charset="0"/>
+              </a:rPr>
+              <a:t>92% do not know their menstrual cycle and 88% do not know their fertile period</a:t>
+            </a:r>
+          </a:p>
+          <a:p>
+            <a:pPr algn="just"/>
+            <a:endParaRPr lang="en-US" dirty="0">
+              <a:latin typeface="Bell MT" pitchFamily="18" charset="0"/>
             </a:endParaRPr>
           </a:p>
         </p:txBody>
@@ -7304,7 +5995,7 @@
       </p:grpSpPr>
       <p:sp>
         <p:nvSpPr>
-          <p:cNvPr id="3" name="Content Placeholder 2"/>
+          <p:cNvPr id="3" name="Espace réservé du contenu 2"/>
           <p:cNvSpPr>
             <a:spLocks noGrp="1"/>
           </p:cNvSpPr>
@@ -7314,278 +6005,58 @@
         </p:nvSpPr>
         <p:spPr>
           <a:xfrm>
-            <a:off x="595745" y="1427018"/>
-            <a:ext cx="9261487" cy="5209309"/>
-          </a:xfrm>
-        </p:spPr>
-        <p:txBody>
-          <a:bodyPr/>
+            <a:off x="464234" y="1385455"/>
+            <a:ext cx="10370021" cy="4733991"/>
+          </a:xfrm>
+        </p:spPr>
+        <p:txBody>
+          <a:bodyPr>
+            <a:normAutofit/>
+          </a:bodyPr>
           <a:lstStyle/>
           <a:p>
-            <a:pPr marL="0" indent="0">
-              <a:buNone/>
-            </a:pPr>
-            <a:endParaRPr lang="en-US" dirty="0" smtClean="0"/>
-          </a:p>
-          <a:p>
-            <a:pPr marL="0" indent="0">
-              <a:buNone/>
-            </a:pPr>
-            <a:r>
-              <a:rPr lang="en-US" dirty="0" smtClean="0"/>
-              <a:t>Exposure </a:t>
-            </a:r>
-            <a:r>
-              <a:rPr lang="en-US" dirty="0"/>
-              <a:t>to the </a:t>
-            </a:r>
-            <a:r>
-              <a:rPr lang="en-US" dirty="0" smtClean="0"/>
-              <a:t>media</a:t>
-            </a:r>
-          </a:p>
-          <a:p>
-            <a:pPr marL="0" indent="0">
-              <a:buNone/>
-            </a:pPr>
-            <a:endParaRPr lang="en-US" dirty="0" smtClean="0"/>
-          </a:p>
-          <a:p>
-            <a:pPr marL="0" indent="0">
-              <a:buNone/>
-            </a:pPr>
-            <a:endParaRPr lang="en-US" dirty="0" smtClean="0"/>
-          </a:p>
-          <a:p>
-            <a:pPr marL="0" indent="0">
-              <a:buNone/>
-            </a:pPr>
-            <a:r>
-              <a:rPr lang="en-US" dirty="0" smtClean="0"/>
-              <a:t>Use </a:t>
-            </a:r>
-            <a:r>
-              <a:rPr lang="en-US" dirty="0"/>
-              <a:t>of contraceptive </a:t>
-            </a:r>
-            <a:r>
-              <a:rPr lang="en-US" dirty="0" smtClean="0"/>
-              <a:t>methods</a:t>
-            </a:r>
-          </a:p>
-          <a:p>
-            <a:pPr marL="0" indent="0">
-              <a:buNone/>
-            </a:pPr>
-            <a:endParaRPr lang="en-US" dirty="0" smtClean="0"/>
-          </a:p>
-          <a:p>
-            <a:pPr marL="0" indent="0">
-              <a:buNone/>
-            </a:pPr>
-            <a:r>
-              <a:rPr lang="en-US" dirty="0" smtClean="0"/>
-              <a:t> </a:t>
-            </a:r>
-          </a:p>
-          <a:p>
-            <a:pPr marL="0" indent="0">
-              <a:buNone/>
-            </a:pPr>
-            <a:r>
-              <a:rPr lang="en-US" dirty="0" smtClean="0"/>
-              <a:t>Complete </a:t>
-            </a:r>
-            <a:r>
-              <a:rPr lang="en-US" dirty="0"/>
-              <a:t>primary school </a:t>
-            </a:r>
-            <a:r>
-              <a:rPr lang="en-US" dirty="0" smtClean="0"/>
-              <a:t>education</a:t>
-            </a:r>
-          </a:p>
-          <a:p>
-            <a:pPr marL="0" indent="0">
-              <a:buNone/>
-            </a:pPr>
-            <a:endParaRPr lang="en-US" dirty="0" smtClean="0"/>
-          </a:p>
-          <a:p>
-            <a:pPr marL="0" indent="0">
-              <a:buNone/>
-            </a:pPr>
-            <a:r>
-              <a:rPr lang="en-US" dirty="0" smtClean="0"/>
-              <a:t> </a:t>
-            </a:r>
-          </a:p>
-          <a:p>
-            <a:pPr marL="0" indent="0">
-              <a:buNone/>
-            </a:pPr>
-            <a:r>
-              <a:rPr lang="en-US" dirty="0" smtClean="0"/>
-              <a:t>Rape </a:t>
-            </a:r>
-            <a:r>
-              <a:rPr lang="en-US" dirty="0"/>
-              <a:t>at first sexual </a:t>
-            </a:r>
-            <a:r>
-              <a:rPr lang="en-US" dirty="0" smtClean="0"/>
-              <a:t>experience</a:t>
-            </a:r>
-          </a:p>
-          <a:p>
-            <a:pPr marL="0" indent="0">
-              <a:buNone/>
-            </a:pPr>
-            <a:endParaRPr lang="en-US" dirty="0" smtClean="0"/>
-          </a:p>
-          <a:p>
-            <a:pPr marL="0" indent="0">
-              <a:buNone/>
-            </a:pPr>
-            <a:endParaRPr lang="en-US" dirty="0"/>
-          </a:p>
-        </p:txBody>
-      </p:sp>
-      <p:pic>
-        <p:nvPicPr>
-          <p:cNvPr id="4" name="Picture 3"/>
-          <p:cNvPicPr>
-            <a:picLocks noChangeAspect="1"/>
-          </p:cNvPicPr>
-          <p:nvPr/>
-        </p:nvPicPr>
-        <p:blipFill>
-          <a:blip r:embed="rId2">
-            <a:biLevel thresh="75000"/>
-            <a:extLst>
-              <a:ext uri="{28A0092B-C50C-407E-A947-70E740481C1C}">
-                <a14:useLocalDpi xmlns:a14="http://schemas.microsoft.com/office/drawing/2010/main" val="0"/>
-              </a:ext>
-            </a:extLst>
-          </a:blip>
-          <a:stretch>
-            <a:fillRect/>
-          </a:stretch>
-        </p:blipFill>
-        <p:spPr>
-          <a:xfrm>
-            <a:off x="3876830" y="2934583"/>
-            <a:ext cx="2197941" cy="930143"/>
-          </a:xfrm>
-          <a:prstGeom prst="rect">
-            <a:avLst/>
-          </a:prstGeom>
-        </p:spPr>
-      </p:pic>
-      <p:pic>
-        <p:nvPicPr>
-          <p:cNvPr id="5" name="Picture 4"/>
-          <p:cNvPicPr>
-            <a:picLocks noChangeAspect="1"/>
-          </p:cNvPicPr>
-          <p:nvPr/>
-        </p:nvPicPr>
-        <p:blipFill>
-          <a:blip r:embed="rId3" cstate="print">
-            <a:extLst>
-              <a:ext uri="{28A0092B-C50C-407E-A947-70E740481C1C}">
-                <a14:useLocalDpi xmlns:a14="http://schemas.microsoft.com/office/drawing/2010/main" val="0"/>
-              </a:ext>
-            </a:extLst>
-          </a:blip>
-          <a:stretch>
-            <a:fillRect/>
-          </a:stretch>
-        </p:blipFill>
-        <p:spPr>
-          <a:xfrm>
-            <a:off x="4570156" y="4480892"/>
-            <a:ext cx="839253" cy="839253"/>
-          </a:xfrm>
-          <a:prstGeom prst="rect">
-            <a:avLst/>
-          </a:prstGeom>
-        </p:spPr>
-      </p:pic>
-      <p:pic>
-        <p:nvPicPr>
-          <p:cNvPr id="6" name="Picture 5"/>
-          <p:cNvPicPr>
-            <a:picLocks noChangeAspect="1"/>
-          </p:cNvPicPr>
-          <p:nvPr/>
-        </p:nvPicPr>
-        <p:blipFill>
-          <a:blip r:embed="rId4" cstate="print">
-            <a:extLst>
-              <a:ext uri="{28A0092B-C50C-407E-A947-70E740481C1C}">
-                <a14:useLocalDpi xmlns:a14="http://schemas.microsoft.com/office/drawing/2010/main" val="0"/>
-              </a:ext>
-            </a:extLst>
-          </a:blip>
-          <a:stretch>
-            <a:fillRect/>
-          </a:stretch>
-        </p:blipFill>
-        <p:spPr>
-          <a:xfrm>
-            <a:off x="3182055" y="1618341"/>
-            <a:ext cx="1894097" cy="914765"/>
-          </a:xfrm>
-          <a:prstGeom prst="rect">
-            <a:avLst/>
-          </a:prstGeom>
-        </p:spPr>
-      </p:pic>
-      <p:pic>
-        <p:nvPicPr>
-          <p:cNvPr id="7" name="Picture 6"/>
-          <p:cNvPicPr>
-            <a:picLocks noChangeAspect="1"/>
-          </p:cNvPicPr>
-          <p:nvPr/>
-        </p:nvPicPr>
-        <p:blipFill>
-          <a:blip r:embed="rId5" cstate="print">
-            <a:extLst>
-              <a:ext uri="{28A0092B-C50C-407E-A947-70E740481C1C}">
-                <a14:useLocalDpi xmlns:a14="http://schemas.microsoft.com/office/drawing/2010/main" val="0"/>
-              </a:ext>
-            </a:extLst>
-          </a:blip>
-          <a:stretch>
-            <a:fillRect/>
-          </a:stretch>
-        </p:blipFill>
-        <p:spPr>
-          <a:xfrm>
-            <a:off x="4129104" y="5680373"/>
-            <a:ext cx="1061184" cy="1061184"/>
-          </a:xfrm>
-          <a:prstGeom prst="rect">
-            <a:avLst/>
-          </a:prstGeom>
-        </p:spPr>
-      </p:pic>
-      <p:sp>
-        <p:nvSpPr>
-          <p:cNvPr id="8" name="Line Callout 2 7"/>
+            <a:pPr algn="just"/>
+            <a:r>
+              <a:rPr lang="en-US" sz="2200" dirty="0" smtClean="0">
+                <a:latin typeface="Bell MT" pitchFamily="18" charset="0"/>
+              </a:rPr>
+              <a:t>A girl's pregnancy can radically change her life. She may be forced to drop out of school, reducing her employment prospects. She also becomes more vulnerable to poverty and exclusion. Her health can also suffer, as complications related to pregnancy and childbirth are one of the leading causes of death among adolescents.</a:t>
+            </a:r>
+          </a:p>
+          <a:p>
+            <a:pPr algn="just"/>
+            <a:r>
+              <a:rPr lang="en-US" sz="2200" dirty="0" smtClean="0">
+                <a:latin typeface="Bell MT" pitchFamily="18" charset="0"/>
+              </a:rPr>
+              <a:t>The Ministry of Education and Vocational Training should integrate sex education as a specific course in the academic curriculum. Not just for secondary school, but all three levels of formal education.</a:t>
+            </a:r>
+          </a:p>
+          <a:p>
+            <a:pPr algn="just"/>
+            <a:r>
+              <a:rPr lang="en-US" sz="2200" dirty="0" smtClean="0">
+                <a:latin typeface="Bell MT" pitchFamily="18" charset="0"/>
+              </a:rPr>
+              <a:t>Sexuality education consists of information about sexuality and the transmission of a number of values and recommendations. It begins in childhood and continues to some extent throughout life.</a:t>
+            </a:r>
+          </a:p>
+        </p:txBody>
+      </p:sp>
+      <p:sp>
+        <p:nvSpPr>
+          <p:cNvPr id="4" name="Line Callout 2 3"/>
           <p:cNvSpPr/>
           <p:nvPr/>
         </p:nvSpPr>
         <p:spPr>
           <a:xfrm>
-            <a:off x="1400422" y="568037"/>
-            <a:ext cx="1980087" cy="581892"/>
+            <a:off x="1400422" y="637311"/>
+            <a:ext cx="1966233" cy="512616"/>
           </a:xfrm>
           <a:prstGeom prst="borderCallout2">
             <a:avLst>
-              <a:gd name="adj1" fmla="val 18750"/>
+              <a:gd name="adj1" fmla="val 18751"/>
               <a:gd name="adj2" fmla="val -8333"/>
               <a:gd name="adj3" fmla="val 18750"/>
               <a:gd name="adj4" fmla="val -16667"/>
@@ -7632,95 +6103,24 @@
           <a:p>
             <a:pPr marL="0" lvl="1" algn="ctr"/>
             <a:r>
-              <a:rPr lang="en-US" sz="2400" b="1" dirty="0">
+              <a:rPr lang="en-US" sz="2400" b="1" dirty="0" smtClean="0">
                 <a:solidFill>
                   <a:srgbClr val="002060"/>
                 </a:solidFill>
-                <a:latin typeface="Bell MT" panose="02020503060305020303" pitchFamily="18" charset="0"/>
-              </a:rPr>
-              <a:t>Abstract</a:t>
-            </a:r>
-          </a:p>
-        </p:txBody>
-      </p:sp>
-      <p:sp>
-        <p:nvSpPr>
-          <p:cNvPr id="9" name="Right Brace 8"/>
-          <p:cNvSpPr/>
-          <p:nvPr/>
-        </p:nvSpPr>
-        <p:spPr>
-          <a:xfrm>
-            <a:off x="6074771" y="1618341"/>
-            <a:ext cx="1129599" cy="5017986"/>
-          </a:xfrm>
-          <a:prstGeom prst="rightBrace">
-            <a:avLst/>
-          </a:prstGeom>
-        </p:spPr>
-        <p:style>
-          <a:lnRef idx="3">
-            <a:schemeClr val="dk1"/>
-          </a:lnRef>
-          <a:fillRef idx="0">
-            <a:schemeClr val="dk1"/>
-          </a:fillRef>
-          <a:effectRef idx="2">
-            <a:schemeClr val="dk1"/>
-          </a:effectRef>
-          <a:fontRef idx="minor">
-            <a:schemeClr val="tx1"/>
-          </a:fontRef>
-        </p:style>
-        <p:txBody>
-          <a:bodyPr rtlCol="0" anchor="ctr"/>
-          <a:lstStyle/>
-          <a:p>
-            <a:pPr algn="ctr"/>
-            <a:endParaRPr lang="en-US"/>
-          </a:p>
-        </p:txBody>
-      </p:sp>
-      <p:sp>
-        <p:nvSpPr>
-          <p:cNvPr id="10" name="Rectangle 9"/>
-          <p:cNvSpPr/>
-          <p:nvPr/>
-        </p:nvSpPr>
-        <p:spPr>
-          <a:xfrm>
-            <a:off x="7537051" y="3665669"/>
-            <a:ext cx="2652862" cy="923330"/>
-          </a:xfrm>
-          <a:prstGeom prst="rect">
-            <a:avLst/>
-          </a:prstGeom>
-        </p:spPr>
-        <p:txBody>
-          <a:bodyPr wrap="square">
-            <a:spAutoFit/>
-          </a:bodyPr>
-          <a:lstStyle/>
-          <a:p>
-            <a:r>
-              <a:rPr lang="en-US" dirty="0"/>
-              <a:t> </a:t>
-            </a:r>
-            <a:r>
-              <a:rPr lang="en-US" b="1" dirty="0">
-                <a:latin typeface="Bell MT" panose="02020503060305020303" pitchFamily="18" charset="0"/>
-              </a:rPr>
-              <a:t>The four key factors that predominate across all age groups.</a:t>
-            </a:r>
+                <a:latin typeface="Agency FB" pitchFamily="34" charset="0"/>
+              </a:rPr>
+              <a:t>Discussions</a:t>
+            </a:r>
+            <a:endParaRPr lang="en-US" sz="2400" b="1" dirty="0">
+              <a:solidFill>
+                <a:srgbClr val="002060"/>
+              </a:solidFill>
+              <a:latin typeface="Bell MT" panose="02020503060305020303" pitchFamily="18" charset="0"/>
+            </a:endParaRPr>
           </a:p>
         </p:txBody>
       </p:sp>
     </p:spTree>
-    <p:extLst>
-      <p:ext uri="{BB962C8B-B14F-4D97-AF65-F5344CB8AC3E}">
-        <p14:creationId xmlns:p14="http://schemas.microsoft.com/office/powerpoint/2010/main" val="2709323230"/>
-      </p:ext>
-    </p:extLst>
   </p:cSld>
   <p:clrMapOvr>
     <a:masterClrMapping/>
@@ -7747,7 +6147,7 @@
       </p:grpSpPr>
       <p:sp>
         <p:nvSpPr>
-          <p:cNvPr id="4" name="Titre 1"/>
+          <p:cNvPr id="2" name="Titre 1"/>
           <p:cNvSpPr>
             <a:spLocks noGrp="1"/>
           </p:cNvSpPr>
@@ -7767,13 +6167,12 @@
                 </a:solidFill>
                 <a:latin typeface="Agency FB" pitchFamily="34" charset="0"/>
               </a:rPr>
-              <a:t>Abstract</a:t>
+              <a:t>Abstract &amp; Discussion</a:t>
             </a:r>
             <a:endParaRPr lang="en-US" dirty="0">
               <a:solidFill>
                 <a:srgbClr val="00B050"/>
               </a:solidFill>
-              <a:latin typeface="Agency FB" pitchFamily="34" charset="0"/>
             </a:endParaRPr>
           </a:p>
         </p:txBody>
@@ -7788,12 +6187,7 @@
             <p:ph idx="1"/>
           </p:nvPr>
         </p:nvSpPr>
-        <p:spPr>
-          <a:xfrm>
-            <a:off x="506437" y="1845734"/>
-            <a:ext cx="11057206" cy="4470660"/>
-          </a:xfrm>
-        </p:spPr>
+        <p:spPr/>
         <p:txBody>
           <a:bodyPr>
             <a:noAutofit/>
@@ -7802,104 +6196,68 @@
           <a:p>
             <a:pPr algn="just"/>
             <a:r>
-              <a:rPr lang="en-US" dirty="0" smtClean="0">
+              <a:rPr lang="en-US" sz="2200" dirty="0" smtClean="0">
                 <a:latin typeface="Bell MT" pitchFamily="18" charset="0"/>
               </a:rPr>
-              <a:t>Whatever the age group, media exposure is the most recorded variable because: </a:t>
+              <a:t>It may include the expression and discussion of feelings of love, sexual practices, sexual and reproductive health, consent and mutual respect.</a:t>
             </a:r>
           </a:p>
           <a:p>
             <a:pPr algn="just"/>
             <a:r>
-              <a:rPr lang="en-US" dirty="0" smtClean="0">
+              <a:rPr lang="en-US" sz="2200" dirty="0" smtClean="0">
                 <a:latin typeface="Bell MT" pitchFamily="18" charset="0"/>
               </a:rPr>
-              <a:t>only 12% of sexual information is provided by family and 29% by friends;</a:t>
+              <a:t>Sexuality education should provide young people with reliable knowledge about sexuality, strengthen their ability to make responsible decisions, enable them to explore and define their own values, and provide them with a healthy model of sexual </a:t>
+            </a:r>
+            <a:r>
+              <a:rPr lang="en-US" sz="2200" dirty="0" err="1" smtClean="0">
+                <a:latin typeface="Bell MT" pitchFamily="18" charset="0"/>
+              </a:rPr>
+              <a:t>behaviour</a:t>
+            </a:r>
+            <a:r>
+              <a:rPr lang="en-US" sz="2200" dirty="0" smtClean="0">
+                <a:latin typeface="Bell MT" pitchFamily="18" charset="0"/>
+              </a:rPr>
+              <a:t>.</a:t>
             </a:r>
           </a:p>
           <a:p>
             <a:pPr algn="just"/>
             <a:r>
-              <a:rPr lang="en-US" b="1" dirty="0" smtClean="0">
+              <a:rPr lang="en-US" sz="2200" dirty="0" smtClean="0">
                 <a:latin typeface="Bell MT" pitchFamily="18" charset="0"/>
               </a:rPr>
-              <a:t>All the variable let’s us know that</a:t>
-            </a:r>
-            <a:r>
-              <a:rPr lang="en-US" dirty="0" smtClean="0">
+              <a:t>An educational reintegration </a:t>
+            </a:r>
+            <a:r>
+              <a:rPr lang="en-US" sz="2200" dirty="0" err="1" smtClean="0">
                 <a:latin typeface="Bell MT" pitchFamily="18" charset="0"/>
               </a:rPr>
-              <a:t>: </a:t>
-            </a:r>
-          </a:p>
-          <a:p>
-            <a:pPr algn="just"/>
-            <a:r>
-              <a:rPr lang="en-US" dirty="0" smtClean="0">
+              <a:t>programme</a:t>
+            </a:r>
+            <a:r>
+              <a:rPr lang="en-US" sz="2200" dirty="0" smtClean="0">
                 <a:latin typeface="Bell MT" pitchFamily="18" charset="0"/>
               </a:rPr>
-              <a:t>the average age at first sexual intercourse is 13;</a:t>
-            </a:r>
-          </a:p>
-          <a:p>
-            <a:pPr algn="just"/>
-            <a:r>
-              <a:rPr lang="en-US" dirty="0" smtClean="0">
+              <a:t> should be set up for them, which will be parallel to a </a:t>
+            </a:r>
+            <a:r>
+              <a:rPr lang="en-US" sz="2200" dirty="0" err="1" smtClean="0">
                 <a:latin typeface="Bell MT" pitchFamily="18" charset="0"/>
               </a:rPr>
-              <a:t>3% of teenage girls have already had 3 children;</a:t>
-            </a:r>
-          </a:p>
-          <a:p>
-            <a:pPr algn="just"/>
-            <a:r>
-              <a:rPr lang="en-US" dirty="0" smtClean="0">
+              <a:t>programme</a:t>
+            </a:r>
+            <a:r>
+              <a:rPr lang="en-US" sz="2200" dirty="0" smtClean="0">
                 <a:latin typeface="Bell MT" pitchFamily="18" charset="0"/>
               </a:rPr>
-              <a:t>the maximum number of pregnancies is 5;</a:t>
-            </a:r>
-          </a:p>
-          <a:p>
-            <a:pPr algn="just"/>
-            <a:r>
-              <a:rPr lang="en-US" dirty="0" smtClean="0">
-                <a:latin typeface="Bell MT" pitchFamily="18" charset="0"/>
-              </a:rPr>
-              <a:t>only 16% of the progenitors are adolescents and 47% are over 28 years of age;</a:t>
-            </a:r>
-          </a:p>
-          <a:p>
-            <a:pPr algn="just"/>
-            <a:r>
-              <a:rPr lang="en-US" dirty="0" smtClean="0">
-                <a:latin typeface="Bell MT" pitchFamily="18" charset="0"/>
-              </a:rPr>
-              <a:t>93% of adolescent girls do not use condoms or use them only sometimes;</a:t>
-            </a:r>
-          </a:p>
-          <a:p>
-            <a:pPr algn="just"/>
-            <a:r>
-              <a:rPr lang="en-US" dirty="0" smtClean="0">
-                <a:latin typeface="Bell MT" pitchFamily="18" charset="0"/>
-              </a:rPr>
-              <a:t>90% do not know about family planning methods and how they work;</a:t>
-            </a:r>
-          </a:p>
-          <a:p>
-            <a:pPr algn="just"/>
-            <a:r>
-              <a:rPr lang="en-US" dirty="0" smtClean="0">
-                <a:latin typeface="Bell MT" pitchFamily="18" charset="0"/>
-              </a:rPr>
-              <a:t>92% do not know their menstrual cycle and 88% do not know their fertile period</a:t>
-            </a:r>
-          </a:p>
-          <a:p>
-            <a:pPr algn="just"/>
-            <a:endParaRPr lang="en-US" dirty="0">
-              <a:latin typeface="Bell MT" pitchFamily="18" charset="0"/>
-            </a:endParaRPr>
+              <a:t> of odd jobs conditional on prior training which they will have received in relation to the educational level they have reached before giving birth.</a:t>
+            </a:r>
+          </a:p>
+          <a:p>
+            <a:endParaRPr lang="en-US" sz="2200" dirty="0"/>
           </a:p>
         </p:txBody>
       </p:sp>
@@ -7930,143 +6288,125 @@
       </p:grpSpPr>
       <p:sp>
         <p:nvSpPr>
-          <p:cNvPr id="3" name="Espace réservé du contenu 2"/>
+          <p:cNvPr id="2" name="Titre 1"/>
           <p:cNvSpPr>
             <a:spLocks noGrp="1"/>
           </p:cNvSpPr>
           <p:nvPr>
-            <p:ph idx="1"/>
+            <p:ph type="title"/>
           </p:nvPr>
         </p:nvSpPr>
         <p:spPr>
           <a:xfrm>
-            <a:off x="464234" y="1845734"/>
-            <a:ext cx="11324492" cy="4273712"/>
+            <a:off x="4214978" y="706582"/>
+            <a:ext cx="6766560" cy="5290091"/>
           </a:xfrm>
         </p:spPr>
         <p:txBody>
           <a:bodyPr>
-            <a:normAutofit/>
+            <a:normAutofit fontScale="90000"/>
           </a:bodyPr>
           <a:lstStyle/>
           <a:p>
-            <a:pPr algn="just"/>
-            <a:r>
-              <a:rPr lang="en-US" sz="2200" dirty="0" smtClean="0">
+            <a:pPr algn="ctr"/>
+            <a:r>
+              <a:rPr lang="en-US" sz="3600" i="1" dirty="0" smtClean="0">
                 <a:latin typeface="Bell MT" pitchFamily="18" charset="0"/>
               </a:rPr>
-              <a:t>A girl's pregnancy can radically change her life. She may be forced to drop out of school, reducing her employment prospects. She also becomes more vulnerable to poverty and exclusion. Her health can also suffer, as complications related to pregnancy and childbirth are one of the leading causes of death among adolescents.</a:t>
-            </a:r>
-          </a:p>
-          <a:p>
-            <a:pPr algn="just"/>
-            <a:r>
-              <a:rPr lang="en-US" sz="2200" dirty="0" smtClean="0">
+              <a:t>Haiti have a young age structure, it would not be wise  to neglect teenage mothers in this way.</a:t>
+            </a:r>
+            <a:br>
+              <a:rPr lang="en-US" sz="3600" i="1" dirty="0" smtClean="0">
                 <a:latin typeface="Bell MT" pitchFamily="18" charset="0"/>
               </a:rPr>
-              <a:t>The Ministry of Education and Vocational Training should integrate sex education as a specific course in the academic curriculum. Not just for secondary school, but all three levels of formal education.</a:t>
-            </a:r>
-          </a:p>
-          <a:p>
-            <a:pPr algn="just"/>
-            <a:r>
-              <a:rPr lang="en-US" sz="2200" dirty="0" smtClean="0">
+            </a:br>
+            <a:r>
+              <a:rPr lang="en-US" sz="3600" i="1" dirty="0" smtClean="0">
                 <a:latin typeface="Bell MT" pitchFamily="18" charset="0"/>
               </a:rPr>
-              <a:t>Sexuality education consists of information about sexuality and the transmission of a number of values and </a:t>
-            </a:r>
-            <a:r>
-              <a:rPr lang="en-US" sz="2200" dirty="0" err="1" smtClean="0">
+              <a:t>Adolescent pregnancy is usually less a deliberate choice than a lack of choice: it is the consequence of little or no access to education, information and health care.</a:t>
+            </a:r>
+            <a:br>
+              <a:rPr lang="en-US" sz="3600" i="1" dirty="0" smtClean="0">
                 <a:latin typeface="Bell MT" pitchFamily="18" charset="0"/>
               </a:rPr>
-              <a:t>recommendations.It</a:t>
-            </a:r>
-            <a:r>
-              <a:rPr lang="en-US" sz="2200" dirty="0" smtClean="0">
+            </a:br>
+            <a:r>
+              <a:rPr lang="en-US" sz="3600" i="1" dirty="0" smtClean="0">
                 <a:latin typeface="Bell MT" pitchFamily="18" charset="0"/>
               </a:rPr>
-              <a:t> begins in childhood and continues to some extent throughout life.</a:t>
-            </a:r>
-          </a:p>
-        </p:txBody>
-      </p:sp>
-      <p:sp>
-        <p:nvSpPr>
-          <p:cNvPr id="4" name="Line Callout 2 3"/>
-          <p:cNvSpPr/>
-          <p:nvPr/>
-        </p:nvSpPr>
-        <p:spPr>
-          <a:xfrm>
-            <a:off x="1400422" y="637311"/>
-            <a:ext cx="1966233" cy="512616"/>
-          </a:xfrm>
-          <a:prstGeom prst="borderCallout2">
-            <a:avLst>
-              <a:gd name="adj1" fmla="val 18751"/>
-              <a:gd name="adj2" fmla="val -8333"/>
-              <a:gd name="adj3" fmla="val 18750"/>
-              <a:gd name="adj4" fmla="val -16667"/>
-              <a:gd name="adj5" fmla="val 105037"/>
-              <a:gd name="adj6" fmla="val -37118"/>
-            </a:avLst>
-          </a:prstGeom>
-          <a:solidFill>
-            <a:schemeClr val="accent2">
-              <a:lumMod val="60000"/>
-              <a:lumOff val="40000"/>
-            </a:schemeClr>
-          </a:solidFill>
-          <a:ln w="28575">
-            <a:solidFill>
-              <a:schemeClr val="accent3">
-                <a:lumMod val="50000"/>
-              </a:schemeClr>
-            </a:solidFill>
-          </a:ln>
-        </p:spPr>
-        <p:style>
-          <a:lnRef idx="2">
-            <a:schemeClr val="accent6"/>
-          </a:lnRef>
-          <a:fillRef idx="1">
-            <a:schemeClr val="lt1"/>
-          </a:fillRef>
-          <a:effectRef idx="0">
-            <a:schemeClr val="accent6"/>
-          </a:effectRef>
-          <a:fontRef idx="minor">
-            <a:schemeClr val="dk1"/>
-          </a:fontRef>
-        </p:style>
-        <p:txBody>
-          <a:bodyPr rot="0" spcFirstLastPara="0" vertOverflow="overflow" horzOverflow="overflow" vert="horz" wrap="square" lIns="91440" tIns="45720" rIns="91440" bIns="45720" numCol="1" spcCol="0" rtlCol="0" fromWordArt="0" anchor="ctr" anchorCtr="0" forceAA="0" compatLnSpc="1">
-            <a:prstTxWarp prst="textNoShape">
-              <a:avLst/>
-            </a:prstTxWarp>
-            <a:noAutofit/>
-          </a:bodyPr>
-          <a:lstStyle/>
-          <a:p>
-            <a:pPr marL="0" lvl="1" algn="ctr"/>
-            <a:r>
-              <a:rPr lang="en-US" sz="2400" b="1" dirty="0" smtClean="0">
+              <a:t/>
+            </a:r>
+            <a:br>
+              <a:rPr lang="en-US" sz="3600" i="1" dirty="0" smtClean="0">
+                <a:latin typeface="Bell MT" pitchFamily="18" charset="0"/>
+              </a:rPr>
+            </a:br>
+            <a:r>
+              <a:rPr lang="en-US" sz="4000" b="1" i="1" dirty="0" smtClean="0">
                 <a:solidFill>
                   <a:srgbClr val="002060"/>
                 </a:solidFill>
-                <a:latin typeface="Agency FB" pitchFamily="34" charset="0"/>
-              </a:rPr>
-              <a:t>Discussions</a:t>
-            </a:r>
-            <a:endParaRPr lang="en-US" sz="2400" b="1" dirty="0">
+                <a:latin typeface="Bell MT" pitchFamily="18" charset="0"/>
+              </a:rPr>
+              <a:t>Take care of them</a:t>
+            </a:r>
+            <a:r>
+              <a:rPr lang="en-US" sz="4000" dirty="0" smtClean="0">
+                <a:solidFill>
+                  <a:srgbClr val="002060"/>
+                </a:solidFill>
+              </a:rPr>
+              <a:t/>
+            </a:r>
+            <a:br>
+              <a:rPr lang="en-US" sz="4000" dirty="0" smtClean="0">
+                <a:solidFill>
+                  <a:srgbClr val="002060"/>
+                </a:solidFill>
+              </a:rPr>
+            </a:br>
+            <a:endParaRPr lang="en-US" sz="3600" i="1" dirty="0">
               <a:solidFill>
                 <a:srgbClr val="002060"/>
               </a:solidFill>
-              <a:latin typeface="Bell MT" panose="02020503060305020303" pitchFamily="18" charset="0"/>
+              <a:latin typeface="Bell MT" pitchFamily="18" charset="0"/>
             </a:endParaRPr>
           </a:p>
         </p:txBody>
       </p:sp>
+      <p:pic>
+        <p:nvPicPr>
+          <p:cNvPr id="4" name="Espace réservé du contenu 3" descr="grossesse2.jpg"/>
+          <p:cNvPicPr>
+            <a:picLocks noGrp="1" noChangeAspect="1"/>
+          </p:cNvPicPr>
+          <p:nvPr>
+            <p:ph idx="1"/>
+          </p:nvPr>
+        </p:nvPicPr>
+        <p:blipFill>
+          <a:blip r:embed="rId2"/>
+          <a:stretch>
+            <a:fillRect/>
+          </a:stretch>
+        </p:blipFill>
+        <p:spPr>
+          <a:xfrm>
+            <a:off x="717544" y="1435283"/>
+            <a:ext cx="3663824" cy="4134243"/>
+          </a:xfrm>
+          <a:prstGeom prst="ellipse">
+            <a:avLst/>
+          </a:prstGeom>
+          <a:ln>
+            <a:noFill/>
+          </a:ln>
+          <a:effectLst>
+            <a:softEdge rad="112500"/>
+          </a:effectLst>
+        </p:spPr>
+      </p:pic>
     </p:spTree>
   </p:cSld>
   <p:clrMapOvr>
@@ -8094,39 +6434,7 @@
       </p:grpSpPr>
       <p:sp>
         <p:nvSpPr>
-          <p:cNvPr id="2" name="Titre 1"/>
-          <p:cNvSpPr>
-            <a:spLocks noGrp="1"/>
-          </p:cNvSpPr>
-          <p:nvPr>
-            <p:ph type="title"/>
-          </p:nvPr>
-        </p:nvSpPr>
-        <p:spPr/>
-        <p:txBody>
-          <a:bodyPr/>
-          <a:lstStyle/>
-          <a:p>
-            <a:r>
-              <a:rPr lang="en-US" dirty="0" smtClean="0">
-                <a:solidFill>
-                  <a:srgbClr val="00B050"/>
-                </a:solidFill>
-                <a:latin typeface="Agency FB" pitchFamily="34" charset="0"/>
-              </a:rPr>
-              <a:t>Abstract &amp; Discussion</a:t>
-            </a:r>
-            <a:endParaRPr lang="en-US" dirty="0">
-              <a:solidFill>
-                <a:srgbClr val="00B050"/>
-              </a:solidFill>
-            </a:endParaRPr>
-          </a:p>
-        </p:txBody>
-      </p:sp>
-      <p:sp>
-        <p:nvSpPr>
-          <p:cNvPr id="3" name="Espace réservé du contenu 2"/>
+          <p:cNvPr id="3" name="Content Placeholder 2"/>
           <p:cNvSpPr>
             <a:spLocks noGrp="1"/>
           </p:cNvSpPr>
@@ -8134,81 +6442,134 @@
             <p:ph idx="1"/>
           </p:nvPr>
         </p:nvSpPr>
-        <p:spPr/>
+        <p:spPr>
+          <a:xfrm>
+            <a:off x="512618" y="2008909"/>
+            <a:ext cx="10224655" cy="4171228"/>
+          </a:xfrm>
+        </p:spPr>
         <p:txBody>
           <a:bodyPr>
+            <a:normAutofit/>
+          </a:bodyPr>
+          <a:lstStyle/>
+          <a:p>
+            <a:pPr marL="0" indent="0">
+              <a:buNone/>
+            </a:pPr>
+            <a:r>
+              <a:rPr lang="en-US" sz="2000" b="1" dirty="0" smtClean="0">
+                <a:solidFill>
+                  <a:srgbClr val="002060"/>
+                </a:solidFill>
+                <a:latin typeface="Bell MT" panose="02020503060305020303" pitchFamily="18" charset="0"/>
+              </a:rPr>
+              <a:t>Link GitHub: </a:t>
+            </a:r>
+            <a:r>
+              <a:rPr lang="en-US" sz="2000" dirty="0" smtClean="0">
+                <a:solidFill>
+                  <a:srgbClr val="002060"/>
+                </a:solidFill>
+                <a:latin typeface="Bell MT" panose="02020503060305020303" pitchFamily="18" charset="0"/>
+              </a:rPr>
+              <a:t>https</a:t>
+            </a:r>
+            <a:r>
+              <a:rPr lang="en-US" sz="2000" dirty="0">
+                <a:solidFill>
+                  <a:srgbClr val="002060"/>
+                </a:solidFill>
+                <a:latin typeface="Bell MT" panose="02020503060305020303" pitchFamily="18" charset="0"/>
+              </a:rPr>
+              <a:t>://github.com/Maickery/Child_of_change/blob/master/Result/Presentation.pptx</a:t>
+            </a:r>
+          </a:p>
+        </p:txBody>
+      </p:sp>
+      <p:sp>
+        <p:nvSpPr>
+          <p:cNvPr id="5" name="Line Callout 2 4"/>
+          <p:cNvSpPr/>
+          <p:nvPr/>
+        </p:nvSpPr>
+        <p:spPr>
+          <a:xfrm>
+            <a:off x="1400421" y="678876"/>
+            <a:ext cx="3393251" cy="609598"/>
+          </a:xfrm>
+          <a:prstGeom prst="borderCallout2">
+            <a:avLst>
+              <a:gd name="adj1" fmla="val 18751"/>
+              <a:gd name="adj2" fmla="val -8333"/>
+              <a:gd name="adj3" fmla="val 18750"/>
+              <a:gd name="adj4" fmla="val -16667"/>
+              <a:gd name="adj5" fmla="val 102764"/>
+              <a:gd name="adj6" fmla="val -24052"/>
+            </a:avLst>
+          </a:prstGeom>
+          <a:solidFill>
+            <a:schemeClr val="accent2">
+              <a:lumMod val="60000"/>
+              <a:lumOff val="40000"/>
+            </a:schemeClr>
+          </a:solidFill>
+          <a:ln w="28575">
+            <a:solidFill>
+              <a:schemeClr val="accent3">
+                <a:lumMod val="50000"/>
+              </a:schemeClr>
+            </a:solidFill>
+          </a:ln>
+        </p:spPr>
+        <p:style>
+          <a:lnRef idx="2">
+            <a:schemeClr val="accent6"/>
+          </a:lnRef>
+          <a:fillRef idx="1">
+            <a:schemeClr val="lt1"/>
+          </a:fillRef>
+          <a:effectRef idx="0">
+            <a:schemeClr val="accent6"/>
+          </a:effectRef>
+          <a:fontRef idx="minor">
+            <a:schemeClr val="dk1"/>
+          </a:fontRef>
+        </p:style>
+        <p:txBody>
+          <a:bodyPr rot="0" spcFirstLastPara="0" vertOverflow="overflow" horzOverflow="overflow" vert="horz" wrap="square" lIns="91440" tIns="45720" rIns="91440" bIns="45720" numCol="1" spcCol="0" rtlCol="0" fromWordArt="0" anchor="ctr" anchorCtr="0" forceAA="0" compatLnSpc="1">
+            <a:prstTxWarp prst="textNoShape">
+              <a:avLst/>
+            </a:prstTxWarp>
             <a:noAutofit/>
           </a:bodyPr>
           <a:lstStyle/>
           <a:p>
-            <a:pPr algn="just"/>
-            <a:r>
-              <a:rPr lang="en-US" sz="2200" dirty="0" smtClean="0">
-                <a:latin typeface="Bell MT" pitchFamily="18" charset="0"/>
-              </a:rPr>
-              <a:t>It may include the expression and discussion of feelings of love, sexual practices, sexual and reproductive health, consent and mutual respect.</a:t>
-            </a:r>
-          </a:p>
-          <a:p>
-            <a:pPr algn="just"/>
-            <a:r>
-              <a:rPr lang="en-US" sz="2200" dirty="0" smtClean="0">
-                <a:latin typeface="Bell MT" pitchFamily="18" charset="0"/>
-              </a:rPr>
-              <a:t>Sexuality education should provide young people with reliable knowledge about sexuality, strengthen their ability to make responsible decisions, enable them to explore and define their own values, and provide them with a healthy model of sexual </a:t>
-            </a:r>
-            <a:r>
-              <a:rPr lang="en-US" sz="2200" dirty="0" err="1" smtClean="0">
-                <a:latin typeface="Bell MT" pitchFamily="18" charset="0"/>
-              </a:rPr>
-              <a:t>behaviour</a:t>
-            </a:r>
-            <a:r>
-              <a:rPr lang="en-US" sz="2200" dirty="0" smtClean="0">
-                <a:latin typeface="Bell MT" pitchFamily="18" charset="0"/>
-              </a:rPr>
-              <a:t>.</a:t>
-            </a:r>
-          </a:p>
-          <a:p>
-            <a:pPr algn="just"/>
-            <a:r>
-              <a:rPr lang="en-US" sz="2200" dirty="0" smtClean="0">
-                <a:latin typeface="Bell MT" pitchFamily="18" charset="0"/>
-              </a:rPr>
-              <a:t>An educational reintegration </a:t>
-            </a:r>
-            <a:r>
-              <a:rPr lang="en-US" sz="2200" dirty="0" err="1" smtClean="0">
-                <a:latin typeface="Bell MT" pitchFamily="18" charset="0"/>
-              </a:rPr>
-              <a:t>programme</a:t>
-            </a:r>
-            <a:r>
-              <a:rPr lang="en-US" sz="2200" dirty="0" smtClean="0">
-                <a:latin typeface="Bell MT" pitchFamily="18" charset="0"/>
-              </a:rPr>
-              <a:t> should be set up for them, which will be parallel to a </a:t>
-            </a:r>
-            <a:r>
-              <a:rPr lang="en-US" sz="2200" dirty="0" err="1" smtClean="0">
-                <a:latin typeface="Bell MT" pitchFamily="18" charset="0"/>
-              </a:rPr>
-              <a:t>programme</a:t>
-            </a:r>
-            <a:r>
-              <a:rPr lang="en-US" sz="2200" dirty="0" smtClean="0">
-                <a:latin typeface="Bell MT" pitchFamily="18" charset="0"/>
-              </a:rPr>
-              <a:t> of odd jobs conditional on prior training which they will have received in relation to the educational level they have reached before giving birth.</a:t>
-            </a:r>
-          </a:p>
-          <a:p>
-            <a:endParaRPr lang="en-US" sz="2200" dirty="0"/>
+            <a:pPr marL="0" lvl="1" algn="ctr"/>
+            <a:r>
+              <a:rPr lang="en-US" sz="2400" b="1" dirty="0" smtClean="0">
+                <a:solidFill>
+                  <a:srgbClr val="002060"/>
+                </a:solidFill>
+                <a:latin typeface="Agency FB" pitchFamily="34" charset="0"/>
+              </a:rPr>
+              <a:t>References &amp; Appendices</a:t>
+            </a:r>
+            <a:endParaRPr lang="en-US" sz="2400" b="1" dirty="0">
+              <a:solidFill>
+                <a:srgbClr val="002060"/>
+              </a:solidFill>
+              <a:latin typeface="Bell MT" panose="02020503060305020303" pitchFamily="18" charset="0"/>
+            </a:endParaRPr>
           </a:p>
         </p:txBody>
       </p:sp>
     </p:spTree>
+    <p:extLst>
+      <p:ext uri="{BB962C8B-B14F-4D97-AF65-F5344CB8AC3E}">
+        <p14:creationId xmlns:p14="http://schemas.microsoft.com/office/powerpoint/2010/main" val="522665631"/>
+      </p:ext>
+    </p:extLst>
   </p:cSld>
   <p:clrMapOvr>
     <a:masterClrMapping/>
@@ -8235,126 +6596,245 @@
       </p:grpSpPr>
       <p:sp>
         <p:nvSpPr>
-          <p:cNvPr id="2" name="Titre 1"/>
-          <p:cNvSpPr>
-            <a:spLocks noGrp="1"/>
-          </p:cNvSpPr>
-          <p:nvPr>
-            <p:ph type="title"/>
-          </p:nvPr>
+          <p:cNvPr id="4" name="Rectangle 3"/>
+          <p:cNvSpPr/>
+          <p:nvPr/>
         </p:nvSpPr>
         <p:spPr>
           <a:xfrm>
-            <a:off x="4214978" y="706582"/>
-            <a:ext cx="6766560" cy="5290091"/>
-          </a:xfrm>
-        </p:spPr>
-        <p:txBody>
-          <a:bodyPr>
-            <a:normAutofit fontScale="90000"/>
+            <a:off x="7688995" y="0"/>
+            <a:ext cx="4503005" cy="6858000"/>
+          </a:xfrm>
+          <a:prstGeom prst="rect">
+            <a:avLst/>
+          </a:prstGeom>
+          <a:ln w="28575">
+            <a:solidFill>
+              <a:schemeClr val="tx1"/>
+            </a:solidFill>
+          </a:ln>
+        </p:spPr>
+        <p:style>
+          <a:lnRef idx="2">
+            <a:schemeClr val="accent6"/>
+          </a:lnRef>
+          <a:fillRef idx="1">
+            <a:schemeClr val="lt1"/>
+          </a:fillRef>
+          <a:effectRef idx="0">
+            <a:schemeClr val="accent6"/>
+          </a:effectRef>
+          <a:fontRef idx="minor">
+            <a:schemeClr val="dk1"/>
+          </a:fontRef>
+        </p:style>
+        <p:txBody>
+          <a:bodyPr rtlCol="0" anchor="ctr"/>
+          <a:lstStyle/>
+          <a:p>
+            <a:pPr algn="ctr"/>
+            <a:r>
+              <a:rPr lang="en-US" b="1" dirty="0" smtClean="0"/>
+              <a:t>PICTURE</a:t>
+            </a:r>
+            <a:endParaRPr lang="en-US" b="1" dirty="0"/>
+          </a:p>
+        </p:txBody>
+      </p:sp>
+      <p:sp>
+        <p:nvSpPr>
+          <p:cNvPr id="5" name="Rectangle 4"/>
+          <p:cNvSpPr/>
+          <p:nvPr/>
+        </p:nvSpPr>
+        <p:spPr>
+          <a:xfrm>
+            <a:off x="0" y="0"/>
+            <a:ext cx="7536873" cy="6858000"/>
+          </a:xfrm>
+          <a:prstGeom prst="rect">
+            <a:avLst/>
+          </a:prstGeom>
+          <a:solidFill>
+            <a:schemeClr val="tx1">
+              <a:lumMod val="75000"/>
+              <a:lumOff val="25000"/>
+            </a:schemeClr>
+          </a:solidFill>
+          <a:ln w="28575">
+            <a:solidFill>
+              <a:schemeClr val="bg1"/>
+            </a:solidFill>
+          </a:ln>
+        </p:spPr>
+        <p:style>
+          <a:lnRef idx="2">
+            <a:schemeClr val="accent6"/>
+          </a:lnRef>
+          <a:fillRef idx="1">
+            <a:schemeClr val="lt1"/>
+          </a:fillRef>
+          <a:effectRef idx="0">
+            <a:schemeClr val="accent6"/>
+          </a:effectRef>
+          <a:fontRef idx="minor">
+            <a:schemeClr val="dk1"/>
+          </a:fontRef>
+        </p:style>
+        <p:txBody>
+          <a:bodyPr rtlCol="0" anchor="ctr"/>
+          <a:lstStyle/>
+          <a:p>
+            <a:pPr algn="ctr"/>
+            <a:r>
+              <a:rPr lang="en-US" sz="4800" b="1" dirty="0" err="1">
+                <a:ln w="9525">
+                  <a:noFill/>
+                  <a:prstDash val="solid"/>
+                </a:ln>
+                <a:solidFill>
+                  <a:schemeClr val="bg1"/>
+                </a:solidFill>
+                <a:effectLst>
+                  <a:outerShdw blurRad="12700" dist="38100" dir="2700000" algn="tl" rotWithShape="0">
+                    <a:schemeClr val="bg1">
+                      <a:lumMod val="50000"/>
+                    </a:schemeClr>
+                  </a:outerShdw>
+                </a:effectLst>
+                <a:latin typeface="Agency FB" panose="020B0503020202020204" pitchFamily="34" charset="0"/>
+              </a:rPr>
+              <a:t>Maickery</a:t>
+            </a:r>
+            <a:r>
+              <a:rPr lang="en-US" sz="4800" b="1" dirty="0">
+                <a:ln w="9525">
+                  <a:noFill/>
+                  <a:prstDash val="solid"/>
+                </a:ln>
+                <a:solidFill>
+                  <a:schemeClr val="bg1"/>
+                </a:solidFill>
+                <a:effectLst>
+                  <a:outerShdw blurRad="12700" dist="38100" dir="2700000" algn="tl" rotWithShape="0">
+                    <a:schemeClr val="bg1">
+                      <a:lumMod val="50000"/>
+                    </a:schemeClr>
+                  </a:outerShdw>
+                </a:effectLst>
+                <a:latin typeface="Agency FB" panose="020B0503020202020204" pitchFamily="34" charset="0"/>
+              </a:rPr>
+              <a:t> </a:t>
+            </a:r>
+            <a:r>
+              <a:rPr lang="en-US" sz="4800" b="1" dirty="0" err="1">
+                <a:ln w="9525">
+                  <a:noFill/>
+                  <a:prstDash val="solid"/>
+                </a:ln>
+                <a:solidFill>
+                  <a:schemeClr val="bg1"/>
+                </a:solidFill>
+                <a:effectLst>
+                  <a:outerShdw blurRad="12700" dist="38100" dir="2700000" algn="tl" rotWithShape="0">
+                    <a:schemeClr val="bg1">
+                      <a:lumMod val="50000"/>
+                    </a:schemeClr>
+                  </a:outerShdw>
+                </a:effectLst>
+                <a:latin typeface="Agency FB" panose="020B0503020202020204" pitchFamily="34" charset="0"/>
+              </a:rPr>
+              <a:t>Bozor</a:t>
+            </a:r>
+            <a:endParaRPr lang="en-US" sz="4800" b="1" dirty="0">
+              <a:ln w="9525">
+                <a:noFill/>
+                <a:prstDash val="solid"/>
+              </a:ln>
+              <a:solidFill>
+                <a:schemeClr val="bg1"/>
+              </a:solidFill>
+              <a:effectLst>
+                <a:outerShdw blurRad="12700" dist="38100" dir="2700000" algn="tl" rotWithShape="0">
+                  <a:schemeClr val="bg1">
+                    <a:lumMod val="50000"/>
+                  </a:schemeClr>
+                </a:outerShdw>
+              </a:effectLst>
+              <a:latin typeface="Agency FB" panose="020B0503020202020204" pitchFamily="34" charset="0"/>
+            </a:endParaRPr>
+          </a:p>
+          <a:p>
+            <a:pPr algn="ctr"/>
+            <a:endParaRPr lang="en-US" sz="4800" dirty="0">
+              <a:solidFill>
+                <a:schemeClr val="bg1"/>
+              </a:solidFill>
+            </a:endParaRPr>
+          </a:p>
+        </p:txBody>
+      </p:sp>
+      <p:sp>
+        <p:nvSpPr>
+          <p:cNvPr id="6" name="Rectangle 5"/>
+          <p:cNvSpPr/>
+          <p:nvPr/>
+        </p:nvSpPr>
+        <p:spPr>
+          <a:xfrm>
+            <a:off x="0" y="6206836"/>
+            <a:ext cx="12202419" cy="665019"/>
+          </a:xfrm>
+          <a:prstGeom prst="rect">
+            <a:avLst/>
+          </a:prstGeom>
+          <a:solidFill>
+            <a:schemeClr val="accent2">
+              <a:lumMod val="50000"/>
+            </a:schemeClr>
+          </a:solidFill>
+          <a:ln w="28575">
+            <a:noFill/>
+          </a:ln>
+        </p:spPr>
+        <p:style>
+          <a:lnRef idx="2">
+            <a:schemeClr val="accent6"/>
+          </a:lnRef>
+          <a:fillRef idx="1">
+            <a:schemeClr val="lt1"/>
+          </a:fillRef>
+          <a:effectRef idx="0">
+            <a:schemeClr val="accent6"/>
+          </a:effectRef>
+          <a:fontRef idx="minor">
+            <a:schemeClr val="dk1"/>
+          </a:fontRef>
+        </p:style>
+        <p:txBody>
+          <a:bodyPr rot="0" spcFirstLastPara="0" vertOverflow="overflow" horzOverflow="overflow" vert="horz" wrap="square" lIns="91440" tIns="45720" rIns="91440" bIns="45720" numCol="1" spcCol="0" rtlCol="0" fromWordArt="0" anchor="ctr" anchorCtr="0" forceAA="0" compatLnSpc="1">
+            <a:prstTxWarp prst="textNoShape">
+              <a:avLst/>
+            </a:prstTxWarp>
+            <a:noAutofit/>
           </a:bodyPr>
           <a:lstStyle/>
           <a:p>
             <a:pPr algn="ctr"/>
             <a:r>
-              <a:rPr lang="en-US" sz="3600" i="1" dirty="0" smtClean="0">
-                <a:latin typeface="Bell MT" pitchFamily="18" charset="0"/>
-              </a:rPr>
-              <a:t>Haiti have a young age structure, it would not be wise  to neglect teenage mothers in this way.</a:t>
-            </a:r>
-            <a:br>
-              <a:rPr lang="en-US" sz="3600" i="1" dirty="0" smtClean="0">
-                <a:latin typeface="Bell MT" pitchFamily="18" charset="0"/>
-              </a:rPr>
-            </a:br>
-            <a:r>
-              <a:rPr lang="en-US" sz="3600" i="1" dirty="0" smtClean="0">
-                <a:latin typeface="Bell MT" pitchFamily="18" charset="0"/>
-              </a:rPr>
-              <a:t>Adolescent pregnancy is usually less a deliberate choice than a lack of choice: it is the consequence of little or no access to education, information and health care.</a:t>
-            </a:r>
-            <a:br>
-              <a:rPr lang="en-US" sz="3600" i="1" dirty="0" smtClean="0">
-                <a:latin typeface="Bell MT" pitchFamily="18" charset="0"/>
-              </a:rPr>
-            </a:br>
-            <a:r>
-              <a:rPr lang="en-US" sz="3600" i="1" dirty="0" smtClean="0">
-                <a:latin typeface="Bell MT" pitchFamily="18" charset="0"/>
-              </a:rPr>
-              <a:t/>
-            </a:r>
-            <a:br>
-              <a:rPr lang="en-US" sz="3600" i="1" dirty="0" smtClean="0">
-                <a:latin typeface="Bell MT" pitchFamily="18" charset="0"/>
-              </a:rPr>
-            </a:br>
-            <a:r>
-              <a:rPr lang="en-US" sz="4000" b="1" i="1" dirty="0" smtClean="0">
-                <a:solidFill>
-                  <a:srgbClr val="002060"/>
-                </a:solidFill>
-                <a:latin typeface="Bell MT" pitchFamily="18" charset="0"/>
-              </a:rPr>
-              <a:t>Take care of them</a:t>
-            </a:r>
-            <a:r>
-              <a:rPr lang="en-US" sz="4000" dirty="0" smtClean="0">
-                <a:solidFill>
-                  <a:srgbClr val="002060"/>
-                </a:solidFill>
-              </a:rPr>
-              <a:t/>
-            </a:r>
-            <a:br>
-              <a:rPr lang="en-US" sz="4000" dirty="0" smtClean="0">
-                <a:solidFill>
-                  <a:srgbClr val="002060"/>
-                </a:solidFill>
-              </a:rPr>
-            </a:br>
-            <a:endParaRPr lang="en-US" sz="3600" i="1" dirty="0">
-              <a:solidFill>
-                <a:srgbClr val="002060"/>
-              </a:solidFill>
-              <a:latin typeface="Bell MT" pitchFamily="18" charset="0"/>
-            </a:endParaRPr>
-          </a:p>
-        </p:txBody>
-      </p:sp>
-      <p:pic>
-        <p:nvPicPr>
-          <p:cNvPr id="4" name="Espace réservé du contenu 3" descr="grossesse2.jpg"/>
-          <p:cNvPicPr>
-            <a:picLocks noGrp="1" noChangeAspect="1"/>
-          </p:cNvPicPr>
-          <p:nvPr>
-            <p:ph idx="1"/>
-          </p:nvPr>
-        </p:nvPicPr>
-        <p:blipFill>
-          <a:blip r:embed="rId2"/>
-          <a:stretch>
-            <a:fillRect/>
-          </a:stretch>
-        </p:blipFill>
-        <p:spPr>
-          <a:xfrm>
-            <a:off x="717544" y="1435283"/>
-            <a:ext cx="3663824" cy="4134243"/>
-          </a:xfrm>
-          <a:prstGeom prst="ellipse">
-            <a:avLst/>
-          </a:prstGeom>
-          <a:ln>
-            <a:noFill/>
-          </a:ln>
-          <a:effectLst>
-            <a:softEdge rad="112500"/>
-          </a:effectLst>
-        </p:spPr>
-      </p:pic>
+              <a:rPr lang="en-US" sz="1400" dirty="0" smtClean="0"/>
+              <a:t>Thanks you </a:t>
+            </a:r>
+            <a:endParaRPr lang="en-US" sz="1400" dirty="0"/>
+          </a:p>
+        </p:txBody>
+      </p:sp>
     </p:spTree>
+    <p:extLst>
+      <p:ext uri="{BB962C8B-B14F-4D97-AF65-F5344CB8AC3E}">
+        <p14:creationId xmlns:p14="http://schemas.microsoft.com/office/powerpoint/2010/main" val="3507081092"/>
+      </p:ext>
+    </p:extLst>
   </p:cSld>
   <p:clrMapOvr>
     <a:masterClrMapping/>
@@ -8391,12 +6871,14 @@
         </p:nvSpPr>
         <p:spPr>
           <a:xfrm>
-            <a:off x="1261872" y="1219200"/>
-            <a:ext cx="8595360" cy="4960938"/>
-          </a:xfrm>
-        </p:spPr>
-        <p:txBody>
-          <a:bodyPr/>
+            <a:off x="1192599" y="1537854"/>
+            <a:ext cx="9295291" cy="4558146"/>
+          </a:xfrm>
+        </p:spPr>
+        <p:txBody>
+          <a:bodyPr>
+            <a:normAutofit lnSpcReduction="10000"/>
+          </a:bodyPr>
           <a:lstStyle/>
           <a:p>
             <a:pPr marL="0" lvl="1" indent="0" algn="just">
@@ -8550,92 +7032,25 @@
           </a:p>
         </p:txBody>
       </p:sp>
-    </p:spTree>
-    <p:extLst>
-      <p:ext uri="{BB962C8B-B14F-4D97-AF65-F5344CB8AC3E}">
-        <p14:creationId xmlns:p14="http://schemas.microsoft.com/office/powerpoint/2010/main" val="4134895557"/>
-      </p:ext>
-    </p:extLst>
-  </p:cSld>
-  <p:clrMapOvr>
-    <a:masterClrMapping/>
-  </p:clrMapOvr>
-</p:sld>
-</file>
-
-<file path=ppt/slides/slide20.xml><?xml version="1.0" encoding="utf-8"?>
-<p:sld xmlns:a="http://schemas.openxmlformats.org/drawingml/2006/main" xmlns:r="http://schemas.openxmlformats.org/officeDocument/2006/relationships" xmlns:p="http://schemas.openxmlformats.org/presentationml/2006/main">
-  <p:cSld>
-    <p:spTree>
-      <p:nvGrpSpPr>
-        <p:cNvPr id="1" name=""/>
-        <p:cNvGrpSpPr/>
-        <p:nvPr/>
-      </p:nvGrpSpPr>
-      <p:grpSpPr>
-        <a:xfrm>
-          <a:off x="0" y="0"/>
-          <a:ext cx="0" cy="0"/>
-          <a:chOff x="0" y="0"/>
-          <a:chExt cx="0" cy="0"/>
-        </a:xfrm>
-      </p:grpSpPr>
-      <p:sp>
-        <p:nvSpPr>
-          <p:cNvPr id="3" name="Content Placeholder 2"/>
-          <p:cNvSpPr>
-            <a:spLocks noGrp="1"/>
-          </p:cNvSpPr>
-          <p:nvPr>
-            <p:ph idx="1"/>
-          </p:nvPr>
-        </p:nvSpPr>
-        <p:spPr>
-          <a:xfrm>
-            <a:off x="512618" y="2008909"/>
-            <a:ext cx="10404764" cy="4171228"/>
-          </a:xfrm>
-        </p:spPr>
-        <p:txBody>
-          <a:bodyPr>
-            <a:normAutofit/>
-          </a:bodyPr>
-          <a:lstStyle/>
-          <a:p>
-            <a:pPr marL="0" indent="0" algn="ctr">
-              <a:buNone/>
-            </a:pPr>
-            <a:r>
-              <a:rPr lang="en-US" sz="2000" b="1" dirty="0">
-                <a:solidFill>
-                  <a:srgbClr val="002060"/>
-                </a:solidFill>
-                <a:latin typeface="Bell MT" panose="02020503060305020303" pitchFamily="18" charset="0"/>
-              </a:rPr>
-              <a:t>https://github.com/Maickery/Child_of_change/blob/master/Result/Presentation.pptx</a:t>
-            </a:r>
-          </a:p>
-        </p:txBody>
-      </p:sp>
-      <p:sp>
-        <p:nvSpPr>
-          <p:cNvPr id="5" name="Line Callout 2 4"/>
+      <p:sp>
+        <p:nvSpPr>
+          <p:cNvPr id="4" name="Line Callout 2 3"/>
           <p:cNvSpPr/>
           <p:nvPr/>
         </p:nvSpPr>
         <p:spPr>
           <a:xfrm>
-            <a:off x="1400421" y="637311"/>
-            <a:ext cx="3393251" cy="609598"/>
+            <a:off x="1580527" y="695949"/>
+            <a:ext cx="2548149" cy="523252"/>
           </a:xfrm>
           <a:prstGeom prst="borderCallout2">
             <a:avLst>
-              <a:gd name="adj1" fmla="val 18751"/>
+              <a:gd name="adj1" fmla="val 18750"/>
               <a:gd name="adj2" fmla="val -8333"/>
               <a:gd name="adj3" fmla="val 18750"/>
               <a:gd name="adj4" fmla="val -16667"/>
-              <a:gd name="adj5" fmla="val 102764"/>
-              <a:gd name="adj6" fmla="val -28135"/>
+              <a:gd name="adj5" fmla="val 134325"/>
+              <a:gd name="adj6" fmla="val -37967"/>
             </a:avLst>
           </a:prstGeom>
           <a:solidFill>
@@ -8681,204 +7096,27 @@
                 <a:solidFill>
                   <a:srgbClr val="002060"/>
                 </a:solidFill>
-                <a:latin typeface="Agency FB" pitchFamily="34" charset="0"/>
-              </a:rPr>
-              <a:t>References &amp; Appendices</a:t>
-            </a:r>
-            <a:endParaRPr lang="en-US" sz="2400" b="1" dirty="0">
-              <a:solidFill>
-                <a:srgbClr val="002060"/>
-              </a:solidFill>
-              <a:latin typeface="Bell MT" panose="02020503060305020303" pitchFamily="18" charset="0"/>
-            </a:endParaRPr>
+                <a:latin typeface="Bell MT" pitchFamily="18" charset="0"/>
+              </a:rPr>
+              <a:t>Context</a:t>
+            </a:r>
+            <a:r>
+              <a:rPr lang="en-US" sz="2400" b="1" dirty="0">
+                <a:solidFill>
+                  <a:srgbClr val="002060"/>
+                </a:solidFill>
+                <a:latin typeface="Bell MT" pitchFamily="18" charset="0"/>
+              </a:rPr>
+              <a:t> </a:t>
+            </a:r>
+            <a:endParaRPr lang="en-US" sz="1400" dirty="0"/>
           </a:p>
         </p:txBody>
       </p:sp>
     </p:spTree>
     <p:extLst>
       <p:ext uri="{BB962C8B-B14F-4D97-AF65-F5344CB8AC3E}">
-        <p14:creationId xmlns:p14="http://schemas.microsoft.com/office/powerpoint/2010/main" val="522665631"/>
-      </p:ext>
-    </p:extLst>
-  </p:cSld>
-  <p:clrMapOvr>
-    <a:masterClrMapping/>
-  </p:clrMapOvr>
-</p:sld>
-</file>
-
-<file path=ppt/slides/slide21.xml><?xml version="1.0" encoding="utf-8"?>
-<p:sld xmlns:a="http://schemas.openxmlformats.org/drawingml/2006/main" xmlns:r="http://schemas.openxmlformats.org/officeDocument/2006/relationships" xmlns:p="http://schemas.openxmlformats.org/presentationml/2006/main">
-  <p:cSld>
-    <p:spTree>
-      <p:nvGrpSpPr>
-        <p:cNvPr id="1" name=""/>
-        <p:cNvGrpSpPr/>
-        <p:nvPr/>
-      </p:nvGrpSpPr>
-      <p:grpSpPr>
-        <a:xfrm>
-          <a:off x="0" y="0"/>
-          <a:ext cx="0" cy="0"/>
-          <a:chOff x="0" y="0"/>
-          <a:chExt cx="0" cy="0"/>
-        </a:xfrm>
-      </p:grpSpPr>
-      <p:sp>
-        <p:nvSpPr>
-          <p:cNvPr id="4" name="Rectangle 3"/>
-          <p:cNvSpPr/>
-          <p:nvPr/>
-        </p:nvSpPr>
-        <p:spPr>
-          <a:xfrm>
-            <a:off x="7688995" y="0"/>
-            <a:ext cx="4503005" cy="6858000"/>
-          </a:xfrm>
-          <a:prstGeom prst="rect">
-            <a:avLst/>
-          </a:prstGeom>
-          <a:ln w="28575">
-            <a:solidFill>
-              <a:schemeClr val="tx1"/>
-            </a:solidFill>
-          </a:ln>
-        </p:spPr>
-        <p:style>
-          <a:lnRef idx="2">
-            <a:schemeClr val="accent6"/>
-          </a:lnRef>
-          <a:fillRef idx="1">
-            <a:schemeClr val="lt1"/>
-          </a:fillRef>
-          <a:effectRef idx="0">
-            <a:schemeClr val="accent6"/>
-          </a:effectRef>
-          <a:fontRef idx="minor">
-            <a:schemeClr val="dk1"/>
-          </a:fontRef>
-        </p:style>
-        <p:txBody>
-          <a:bodyPr rtlCol="0" anchor="ctr"/>
-          <a:lstStyle/>
-          <a:p>
-            <a:pPr algn="ctr"/>
-            <a:r>
-              <a:rPr lang="en-US" b="1" dirty="0" smtClean="0"/>
-              <a:t>PICTURE</a:t>
-            </a:r>
-            <a:endParaRPr lang="en-US" b="1" dirty="0"/>
-          </a:p>
-        </p:txBody>
-      </p:sp>
-      <p:sp>
-        <p:nvSpPr>
-          <p:cNvPr id="5" name="Rectangle 4"/>
-          <p:cNvSpPr/>
-          <p:nvPr/>
-        </p:nvSpPr>
-        <p:spPr>
-          <a:xfrm>
-            <a:off x="0" y="0"/>
-            <a:ext cx="7536873" cy="6858000"/>
-          </a:xfrm>
-          <a:prstGeom prst="rect">
-            <a:avLst/>
-          </a:prstGeom>
-          <a:solidFill>
-            <a:schemeClr val="tx1">
-              <a:lumMod val="75000"/>
-              <a:lumOff val="25000"/>
-            </a:schemeClr>
-          </a:solidFill>
-          <a:ln w="28575">
-            <a:solidFill>
-              <a:schemeClr val="tx1"/>
-            </a:solidFill>
-          </a:ln>
-        </p:spPr>
-        <p:style>
-          <a:lnRef idx="2">
-            <a:schemeClr val="accent6"/>
-          </a:lnRef>
-          <a:fillRef idx="1">
-            <a:schemeClr val="lt1"/>
-          </a:fillRef>
-          <a:effectRef idx="0">
-            <a:schemeClr val="accent6"/>
-          </a:effectRef>
-          <a:fontRef idx="minor">
-            <a:schemeClr val="dk1"/>
-          </a:fontRef>
-        </p:style>
-        <p:txBody>
-          <a:bodyPr rtlCol="0" anchor="ctr"/>
-          <a:lstStyle/>
-          <a:p>
-            <a:pPr algn="ctr"/>
-            <a:endParaRPr lang="en-US" sz="1400" dirty="0"/>
-          </a:p>
-        </p:txBody>
-      </p:sp>
-      <p:sp>
-        <p:nvSpPr>
-          <p:cNvPr id="6" name="Rectangle 5"/>
-          <p:cNvSpPr/>
-          <p:nvPr/>
-        </p:nvSpPr>
-        <p:spPr>
-          <a:xfrm>
-            <a:off x="0" y="6206836"/>
-            <a:ext cx="12202419" cy="665019"/>
-          </a:xfrm>
-          <a:prstGeom prst="rect">
-            <a:avLst/>
-          </a:prstGeom>
-          <a:solidFill>
-            <a:schemeClr val="accent2">
-              <a:lumMod val="50000"/>
-            </a:schemeClr>
-          </a:solidFill>
-          <a:ln w="28575">
-            <a:noFill/>
-          </a:ln>
-        </p:spPr>
-        <p:style>
-          <a:lnRef idx="2">
-            <a:schemeClr val="accent6"/>
-          </a:lnRef>
-          <a:fillRef idx="1">
-            <a:schemeClr val="lt1"/>
-          </a:fillRef>
-          <a:effectRef idx="0">
-            <a:schemeClr val="accent6"/>
-          </a:effectRef>
-          <a:fontRef idx="minor">
-            <a:schemeClr val="dk1"/>
-          </a:fontRef>
-        </p:style>
-        <p:txBody>
-          <a:bodyPr rot="0" spcFirstLastPara="0" vertOverflow="overflow" horzOverflow="overflow" vert="horz" wrap="square" lIns="91440" tIns="45720" rIns="91440" bIns="45720" numCol="1" spcCol="0" rtlCol="0" fromWordArt="0" anchor="ctr" anchorCtr="0" forceAA="0" compatLnSpc="1">
-            <a:prstTxWarp prst="textNoShape">
-              <a:avLst/>
-            </a:prstTxWarp>
-            <a:noAutofit/>
-          </a:bodyPr>
-          <a:lstStyle/>
-          <a:p>
-            <a:pPr algn="ctr"/>
-            <a:r>
-              <a:rPr lang="en-US" sz="1400" dirty="0" smtClean="0"/>
-              <a:t>Thanks you </a:t>
-            </a:r>
-            <a:endParaRPr lang="en-US" sz="1400" dirty="0"/>
-          </a:p>
-        </p:txBody>
-      </p:sp>
-    </p:spTree>
-    <p:extLst>
-      <p:ext uri="{BB962C8B-B14F-4D97-AF65-F5344CB8AC3E}">
-        <p14:creationId xmlns:p14="http://schemas.microsoft.com/office/powerpoint/2010/main" val="3507081092"/>
+        <p14:creationId xmlns:p14="http://schemas.microsoft.com/office/powerpoint/2010/main" val="4134895557"/>
       </p:ext>
     </p:extLst>
   </p:cSld>
@@ -9191,8 +7429,8 @@
         </p:blipFill>
         <p:spPr>
           <a:xfrm>
-            <a:off x="492121" y="1814517"/>
-            <a:ext cx="3523673" cy="4032101"/>
+            <a:off x="690550" y="2460776"/>
+            <a:ext cx="2708279" cy="3099054"/>
           </a:xfrm>
           <a:prstGeom prst="roundRect">
             <a:avLst>
@@ -9261,64 +7499,52 @@
         </p:nvSpPr>
         <p:spPr>
           <a:xfrm>
-            <a:off x="512618" y="1845734"/>
-            <a:ext cx="8880765" cy="4347248"/>
+            <a:off x="505693" y="2100504"/>
+            <a:ext cx="8118764" cy="2033539"/>
           </a:xfrm>
         </p:spPr>
         <p:txBody>
           <a:bodyPr>
-            <a:normAutofit fontScale="92500" lnSpcReduction="20000"/>
+            <a:normAutofit/>
           </a:bodyPr>
           <a:lstStyle/>
           <a:p>
             <a:pPr algn="just"/>
             <a:r>
-              <a:rPr lang="en-US" sz="2400" dirty="0" smtClean="0">
+              <a:rPr lang="en-US" sz="2200" b="1" dirty="0" smtClean="0">
                 <a:latin typeface="Bell MT" pitchFamily="18" charset="0"/>
               </a:rPr>
-              <a:t>- Dropping out of school - According to a study we conducted, 58 per cent of girls never or rarely return to school after having a child. This figure increases when girls are also married.</a:t>
-            </a:r>
+              <a:t>- Dropping out of school </a:t>
+            </a:r>
+            <a:endParaRPr lang="en-US" sz="2200" b="1" dirty="0">
+              <a:latin typeface="Bell MT" pitchFamily="18" charset="0"/>
+            </a:endParaRPr>
           </a:p>
           <a:p>
             <a:pPr algn="just"/>
             <a:r>
-              <a:rPr lang="en-US" sz="2400" dirty="0" smtClean="0">
+              <a:rPr lang="en-US" sz="2200" b="1" dirty="0" smtClean="0">
                 <a:latin typeface="Bell MT" pitchFamily="18" charset="0"/>
               </a:rPr>
-              <a:t>- Marginalization - In many societies, family </a:t>
-            </a:r>
-            <a:r>
-              <a:rPr lang="en-US" sz="2400" dirty="0" err="1" smtClean="0">
+              <a:t>- Marginalization</a:t>
+            </a:r>
+          </a:p>
+          <a:p>
+            <a:pPr algn="just"/>
+            <a:r>
+              <a:rPr lang="en-US" sz="2200" b="1" dirty="0" smtClean="0">
                 <a:latin typeface="Bell MT" pitchFamily="18" charset="0"/>
               </a:rPr>
-              <a:t>honour</a:t>
-            </a:r>
-            <a:r>
-              <a:rPr lang="en-US" sz="2400" dirty="0" smtClean="0">
-                <a:latin typeface="Bell MT" pitchFamily="18" charset="0"/>
-              </a:rPr>
-              <a:t> is based on girls' virginity. Girls who are pregnant out of wedlock are therefore discriminated against and marginalized. They may be rejected by their families and thus become vulnerable to violence and abuse, domestic slavery and sexual exploitation.</a:t>
-            </a:r>
-          </a:p>
-          <a:p>
-            <a:pPr algn="just"/>
-            <a:r>
-              <a:rPr lang="en-US" sz="2400" dirty="0" smtClean="0">
-                <a:latin typeface="Bell MT" pitchFamily="18" charset="0"/>
-              </a:rPr>
-              <a:t>- Perpetuation of women's low status and poverty - Early marriages and pregnancies keep girls in their inferior status to men and do not enable them to escape poverty. This is an unjust situation and a huge lost potential for the development of communities and countries.</a:t>
-            </a:r>
-          </a:p>
-          <a:p>
-            <a:pPr marL="544068" lvl="1" indent="-342900" algn="ctr" fontAlgn="base">
+              <a:t>- Perpetuation of women's low status and poverty </a:t>
+            </a:r>
+          </a:p>
+          <a:p>
+            <a:pPr marL="0" indent="0" algn="just">
               <a:buNone/>
             </a:pPr>
-            <a:r>
-              <a:rPr lang="en-US" sz="2400" b="1" dirty="0" smtClean="0">
-                <a:latin typeface="Bell MT" pitchFamily="18" charset="0"/>
-              </a:rPr>
-              <a:t>This consequences of early pregnancy, is the problem that our project want to try to find a solution for</a:t>
-            </a:r>
+            <a:endParaRPr lang="en-US" sz="2400" dirty="0" smtClean="0">
+              <a:latin typeface="Bell MT" pitchFamily="18" charset="0"/>
+            </a:endParaRPr>
           </a:p>
           <a:p>
             <a:pPr marL="544068" lvl="1" indent="-342900" fontAlgn="base">
@@ -9355,8 +7581,8 @@
         </p:blipFill>
         <p:spPr>
           <a:xfrm>
-            <a:off x="9557239" y="1973320"/>
-            <a:ext cx="2259930" cy="1725845"/>
+            <a:off x="8465302" y="1136074"/>
+            <a:ext cx="2594309" cy="1981200"/>
           </a:xfrm>
           <a:prstGeom prst="rect">
             <a:avLst/>
@@ -9385,8 +7611,8 @@
         </p:blipFill>
         <p:spPr>
           <a:xfrm>
-            <a:off x="9628912" y="3975152"/>
-            <a:ext cx="2008908" cy="2008908"/>
+            <a:off x="8631383" y="3117274"/>
+            <a:ext cx="2435154" cy="2435154"/>
           </a:xfrm>
           <a:prstGeom prst="rect">
             <a:avLst/>
@@ -9401,7 +7627,7 @@
         </p:nvSpPr>
         <p:spPr>
           <a:xfrm>
-            <a:off x="1303437" y="417714"/>
+            <a:off x="1497400" y="709803"/>
             <a:ext cx="2548149" cy="718359"/>
           </a:xfrm>
           <a:prstGeom prst="borderCallout2">
@@ -9410,8 +7636,8 @@
               <a:gd name="adj2" fmla="val -8333"/>
               <a:gd name="adj3" fmla="val 18750"/>
               <a:gd name="adj4" fmla="val -16667"/>
-              <a:gd name="adj5" fmla="val 118470"/>
-              <a:gd name="adj6" fmla="val -42861"/>
+              <a:gd name="adj5" fmla="val 97256"/>
+              <a:gd name="adj6" fmla="val -33074"/>
             </a:avLst>
           </a:prstGeom>
           <a:solidFill>
@@ -9462,6 +7688,40 @@
               <a:t>Problem </a:t>
             </a:r>
             <a:endParaRPr lang="en-US" sz="1400" dirty="0"/>
+          </a:p>
+        </p:txBody>
+      </p:sp>
+      <p:sp>
+        <p:nvSpPr>
+          <p:cNvPr id="2" name="Rectangle 1"/>
+          <p:cNvSpPr/>
+          <p:nvPr/>
+        </p:nvSpPr>
+        <p:spPr>
+          <a:xfrm>
+            <a:off x="512619" y="4461958"/>
+            <a:ext cx="8118763" cy="830997"/>
+          </a:xfrm>
+          <a:prstGeom prst="rect">
+            <a:avLst/>
+          </a:prstGeom>
+        </p:spPr>
+        <p:txBody>
+          <a:bodyPr wrap="square">
+            <a:spAutoFit/>
+          </a:bodyPr>
+          <a:lstStyle/>
+          <a:p>
+            <a:pPr algn="just"/>
+            <a:r>
+              <a:rPr lang="en-US" sz="2400" dirty="0">
+                <a:solidFill>
+                  <a:srgbClr val="002060"/>
+                </a:solidFill>
+                <a:latin typeface="Bell MT" pitchFamily="18" charset="0"/>
+              </a:rPr>
+              <a:t>This consequences of early pregnancy, is the problem that our project want to try to find a solution for</a:t>
+            </a:r>
           </a:p>
         </p:txBody>
       </p:sp>
@@ -9605,7 +7865,7 @@
         </p:nvSpPr>
         <p:spPr>
           <a:xfrm>
-            <a:off x="1331147" y="486989"/>
+            <a:off x="1559190" y="709702"/>
             <a:ext cx="2229471" cy="732211"/>
           </a:xfrm>
           <a:prstGeom prst="borderCallout2">
@@ -10022,12 +8282,12 @@
         </p:nvSpPr>
         <p:spPr>
           <a:xfrm>
-            <a:off x="667892" y="2221455"/>
-            <a:ext cx="5278573" cy="2421466"/>
-          </a:xfrm>
-        </p:spPr>
-        <p:txBody>
-          <a:bodyPr numCol="2">
+            <a:off x="667892" y="2221454"/>
+            <a:ext cx="2352399" cy="2613781"/>
+          </a:xfrm>
+        </p:spPr>
+        <p:txBody>
+          <a:bodyPr numCol="1">
             <a:noAutofit/>
           </a:bodyPr>
           <a:lstStyle/>
@@ -10110,51 +8370,6 @@
                 <a:latin typeface="Bell MT" pitchFamily="18" charset="0"/>
               </a:rPr>
               <a:t> 4 : North   </a:t>
-            </a:r>
-          </a:p>
-          <a:p>
-            <a:pPr algn="just"/>
-            <a:r>
-              <a:rPr lang="en-US" sz="2200" dirty="0" smtClean="0">
-                <a:latin typeface="Bell MT" pitchFamily="18" charset="0"/>
-              </a:rPr>
-              <a:t>5 : North-East   </a:t>
-            </a:r>
-          </a:p>
-          <a:p>
-            <a:pPr algn="just"/>
-            <a:r>
-              <a:rPr lang="en-US" sz="2200" dirty="0" smtClean="0">
-                <a:latin typeface="Bell MT" pitchFamily="18" charset="0"/>
-              </a:rPr>
-              <a:t>6 : North-West   </a:t>
-            </a:r>
-          </a:p>
-          <a:p>
-            <a:pPr algn="just"/>
-            <a:r>
-              <a:rPr lang="en-US" sz="2200" dirty="0" smtClean="0">
-                <a:latin typeface="Bell MT" pitchFamily="18" charset="0"/>
-              </a:rPr>
-              <a:t>7 : South   </a:t>
-            </a:r>
-          </a:p>
-          <a:p>
-            <a:pPr algn="just"/>
-            <a:r>
-              <a:rPr lang="en-US" sz="2200" dirty="0" smtClean="0">
-                <a:latin typeface="Bell MT" pitchFamily="18" charset="0"/>
-              </a:rPr>
-              <a:t>8 : South-East   </a:t>
-            </a:r>
-          </a:p>
-          <a:p>
-            <a:pPr algn="just"/>
-            <a:r>
-              <a:rPr lang="en-US" sz="2200" dirty="0" smtClean="0">
-                <a:latin typeface="Bell MT" pitchFamily="18" charset="0"/>
-              </a:rPr>
-              <a:t>9 : West   </a:t>
             </a:r>
           </a:p>
         </p:txBody>
@@ -10406,6 +8621,320 @@
               </a:rPr>
               <a:t>Haiti have 10  departments: </a:t>
             </a:r>
+          </a:p>
+        </p:txBody>
+      </p:sp>
+      <p:sp>
+        <p:nvSpPr>
+          <p:cNvPr id="8" name="Espace réservé du contenu 5"/>
+          <p:cNvSpPr txBox="1">
+            <a:spLocks/>
+          </p:cNvSpPr>
+          <p:nvPr/>
+        </p:nvSpPr>
+        <p:spPr>
+          <a:xfrm>
+            <a:off x="3244614" y="2221454"/>
+            <a:ext cx="2477527" cy="2634776"/>
+          </a:xfrm>
+          <a:prstGeom prst="rect">
+            <a:avLst/>
+          </a:prstGeom>
+        </p:spPr>
+        <p:txBody>
+          <a:bodyPr vert="horz" lIns="91440" tIns="45720" rIns="91440" bIns="45720" numCol="1" rtlCol="0">
+            <a:noAutofit/>
+          </a:bodyPr>
+          <a:lstStyle>
+            <a:lvl1pPr marL="182880" indent="-182880" algn="l" defTabSz="914400" rtl="0" eaLnBrk="1" latinLnBrk="0" hangingPunct="1">
+              <a:lnSpc>
+                <a:spcPct val="95000"/>
+              </a:lnSpc>
+              <a:spcBef>
+                <a:spcPts val="1400"/>
+              </a:spcBef>
+              <a:spcAft>
+                <a:spcPts val="200"/>
+              </a:spcAft>
+              <a:buClr>
+                <a:schemeClr val="accent1"/>
+              </a:buClr>
+              <a:buSzPct val="80000"/>
+              <a:buFont typeface="Arial" pitchFamily="34" charset="0"/>
+              <a:buChar char="•"/>
+              <a:defRPr sz="1800" kern="1200" spc="10" baseline="0">
+                <a:solidFill>
+                  <a:schemeClr val="tx1"/>
+                </a:solidFill>
+                <a:latin typeface="+mn-lt"/>
+                <a:ea typeface="+mn-ea"/>
+                <a:cs typeface="+mn-cs"/>
+              </a:defRPr>
+            </a:lvl1pPr>
+            <a:lvl2pPr marL="457200" indent="-182880" algn="l" defTabSz="914400" rtl="0" eaLnBrk="1" latinLnBrk="0" hangingPunct="1">
+              <a:lnSpc>
+                <a:spcPct val="90000"/>
+              </a:lnSpc>
+              <a:spcBef>
+                <a:spcPts val="300"/>
+              </a:spcBef>
+              <a:spcAft>
+                <a:spcPts val="300"/>
+              </a:spcAft>
+              <a:buClr>
+                <a:schemeClr val="accent1"/>
+              </a:buClr>
+              <a:buFont typeface="Wingdings 2" pitchFamily="18" charset="2"/>
+              <a:buChar char=""/>
+              <a:defRPr sz="1600" kern="1200">
+                <a:solidFill>
+                  <a:schemeClr val="tx1">
+                    <a:lumMod val="85000"/>
+                    <a:lumOff val="15000"/>
+                  </a:schemeClr>
+                </a:solidFill>
+                <a:latin typeface="+mn-lt"/>
+                <a:ea typeface="+mn-ea"/>
+                <a:cs typeface="+mn-cs"/>
+              </a:defRPr>
+            </a:lvl2pPr>
+            <a:lvl3pPr marL="731520" indent="-182880" algn="l" defTabSz="914400" rtl="0" eaLnBrk="1" latinLnBrk="0" hangingPunct="1">
+              <a:lnSpc>
+                <a:spcPct val="90000"/>
+              </a:lnSpc>
+              <a:spcBef>
+                <a:spcPts val="300"/>
+              </a:spcBef>
+              <a:spcAft>
+                <a:spcPts val="300"/>
+              </a:spcAft>
+              <a:buClr>
+                <a:schemeClr val="accent1"/>
+              </a:buClr>
+              <a:buFont typeface="Wingdings 2" pitchFamily="18" charset="2"/>
+              <a:buChar char=""/>
+              <a:defRPr sz="1400" kern="1200">
+                <a:solidFill>
+                  <a:schemeClr val="tx1">
+                    <a:lumMod val="85000"/>
+                    <a:lumOff val="15000"/>
+                  </a:schemeClr>
+                </a:solidFill>
+                <a:latin typeface="+mn-lt"/>
+                <a:ea typeface="+mn-ea"/>
+                <a:cs typeface="+mn-cs"/>
+              </a:defRPr>
+            </a:lvl3pPr>
+            <a:lvl4pPr marL="1005840" indent="-182880" algn="l" defTabSz="914400" rtl="0" eaLnBrk="1" latinLnBrk="0" hangingPunct="1">
+              <a:lnSpc>
+                <a:spcPct val="90000"/>
+              </a:lnSpc>
+              <a:spcBef>
+                <a:spcPts val="300"/>
+              </a:spcBef>
+              <a:spcAft>
+                <a:spcPts val="300"/>
+              </a:spcAft>
+              <a:buClr>
+                <a:schemeClr val="accent1"/>
+              </a:buClr>
+              <a:buFont typeface="Wingdings 2" pitchFamily="18" charset="2"/>
+              <a:buChar char=""/>
+              <a:defRPr sz="1400" kern="1200">
+                <a:solidFill>
+                  <a:schemeClr val="tx1">
+                    <a:lumMod val="85000"/>
+                    <a:lumOff val="15000"/>
+                  </a:schemeClr>
+                </a:solidFill>
+                <a:latin typeface="+mn-lt"/>
+                <a:ea typeface="+mn-ea"/>
+                <a:cs typeface="+mn-cs"/>
+              </a:defRPr>
+            </a:lvl4pPr>
+            <a:lvl5pPr marL="1280160" indent="-182880" algn="l" defTabSz="914400" rtl="0" eaLnBrk="1" latinLnBrk="0" hangingPunct="1">
+              <a:lnSpc>
+                <a:spcPct val="90000"/>
+              </a:lnSpc>
+              <a:spcBef>
+                <a:spcPts val="300"/>
+              </a:spcBef>
+              <a:spcAft>
+                <a:spcPts val="300"/>
+              </a:spcAft>
+              <a:buClr>
+                <a:schemeClr val="accent1"/>
+              </a:buClr>
+              <a:buFont typeface="Wingdings 2" pitchFamily="18" charset="2"/>
+              <a:buChar char=""/>
+              <a:defRPr sz="1400" kern="1200">
+                <a:solidFill>
+                  <a:schemeClr val="tx1">
+                    <a:lumMod val="85000"/>
+                    <a:lumOff val="15000"/>
+                  </a:schemeClr>
+                </a:solidFill>
+                <a:latin typeface="+mn-lt"/>
+                <a:ea typeface="+mn-ea"/>
+                <a:cs typeface="+mn-cs"/>
+              </a:defRPr>
+            </a:lvl5pPr>
+            <a:lvl6pPr marL="1600000" indent="-228600" algn="l" defTabSz="914400" rtl="0" eaLnBrk="1" latinLnBrk="0" hangingPunct="1">
+              <a:lnSpc>
+                <a:spcPct val="90000"/>
+              </a:lnSpc>
+              <a:spcBef>
+                <a:spcPts val="300"/>
+              </a:spcBef>
+              <a:spcAft>
+                <a:spcPts val="300"/>
+              </a:spcAft>
+              <a:buClr>
+                <a:schemeClr val="accent1"/>
+              </a:buClr>
+              <a:buFont typeface="Wingdings 2" pitchFamily="18" charset="2"/>
+              <a:buChar char=""/>
+              <a:defRPr sz="1400" kern="1200">
+                <a:solidFill>
+                  <a:schemeClr val="tx1">
+                    <a:lumMod val="85000"/>
+                    <a:lumOff val="15000"/>
+                  </a:schemeClr>
+                </a:solidFill>
+                <a:latin typeface="+mn-lt"/>
+                <a:ea typeface="+mn-ea"/>
+                <a:cs typeface="+mn-cs"/>
+              </a:defRPr>
+            </a:lvl6pPr>
+            <a:lvl7pPr marL="1900000" indent="-228600" algn="l" defTabSz="914400" rtl="0" eaLnBrk="1" latinLnBrk="0" hangingPunct="1">
+              <a:lnSpc>
+                <a:spcPct val="90000"/>
+              </a:lnSpc>
+              <a:spcBef>
+                <a:spcPts val="300"/>
+              </a:spcBef>
+              <a:spcAft>
+                <a:spcPts val="300"/>
+              </a:spcAft>
+              <a:buClr>
+                <a:schemeClr val="accent1"/>
+              </a:buClr>
+              <a:buFont typeface="Wingdings 2" pitchFamily="18" charset="2"/>
+              <a:buChar char=""/>
+              <a:defRPr sz="1400" kern="1200">
+                <a:solidFill>
+                  <a:schemeClr val="tx1">
+                    <a:lumMod val="85000"/>
+                    <a:lumOff val="15000"/>
+                  </a:schemeClr>
+                </a:solidFill>
+                <a:latin typeface="+mn-lt"/>
+                <a:ea typeface="+mn-ea"/>
+                <a:cs typeface="+mn-cs"/>
+              </a:defRPr>
+            </a:lvl7pPr>
+            <a:lvl8pPr marL="2200000" indent="-228600" algn="l" defTabSz="914400" rtl="0" eaLnBrk="1" latinLnBrk="0" hangingPunct="1">
+              <a:lnSpc>
+                <a:spcPct val="90000"/>
+              </a:lnSpc>
+              <a:spcBef>
+                <a:spcPts val="300"/>
+              </a:spcBef>
+              <a:spcAft>
+                <a:spcPts val="300"/>
+              </a:spcAft>
+              <a:buClr>
+                <a:schemeClr val="accent1"/>
+              </a:buClr>
+              <a:buFont typeface="Wingdings 2" pitchFamily="18" charset="2"/>
+              <a:buChar char=""/>
+              <a:defRPr sz="1400" kern="1200">
+                <a:solidFill>
+                  <a:schemeClr val="tx1">
+                    <a:lumMod val="85000"/>
+                    <a:lumOff val="15000"/>
+                  </a:schemeClr>
+                </a:solidFill>
+                <a:latin typeface="+mn-lt"/>
+                <a:ea typeface="+mn-ea"/>
+                <a:cs typeface="+mn-cs"/>
+              </a:defRPr>
+            </a:lvl8pPr>
+            <a:lvl9pPr marL="2500000" indent="-228600" algn="l" defTabSz="914400" rtl="0" eaLnBrk="1" latinLnBrk="0" hangingPunct="1">
+              <a:lnSpc>
+                <a:spcPct val="90000"/>
+              </a:lnSpc>
+              <a:spcBef>
+                <a:spcPts val="300"/>
+              </a:spcBef>
+              <a:spcAft>
+                <a:spcPts val="300"/>
+              </a:spcAft>
+              <a:buClr>
+                <a:schemeClr val="accent1"/>
+              </a:buClr>
+              <a:buFont typeface="Wingdings 2" pitchFamily="18" charset="2"/>
+              <a:buChar char=""/>
+              <a:defRPr sz="1400" kern="1200">
+                <a:solidFill>
+                  <a:schemeClr val="tx1">
+                    <a:lumMod val="85000"/>
+                    <a:lumOff val="15000"/>
+                  </a:schemeClr>
+                </a:solidFill>
+                <a:latin typeface="+mn-lt"/>
+                <a:ea typeface="+mn-ea"/>
+                <a:cs typeface="+mn-cs"/>
+              </a:defRPr>
+            </a:lvl9pPr>
+          </a:lstStyle>
+          <a:p>
+            <a:pPr algn="just"/>
+            <a:r>
+              <a:rPr lang="en-US" sz="2200" dirty="0" smtClean="0">
+                <a:latin typeface="Bell MT" pitchFamily="18" charset="0"/>
+              </a:rPr>
+              <a:t>5 : North-East   </a:t>
+            </a:r>
+          </a:p>
+          <a:p>
+            <a:pPr algn="just"/>
+            <a:r>
+              <a:rPr lang="en-US" sz="2200" dirty="0" smtClean="0">
+                <a:latin typeface="Bell MT" pitchFamily="18" charset="0"/>
+              </a:rPr>
+              <a:t>6 : North-West   </a:t>
+            </a:r>
+          </a:p>
+          <a:p>
+            <a:pPr algn="just"/>
+            <a:r>
+              <a:rPr lang="en-US" sz="2200" dirty="0" smtClean="0">
+                <a:latin typeface="Bell MT" pitchFamily="18" charset="0"/>
+              </a:rPr>
+              <a:t>7 : South   </a:t>
+            </a:r>
+          </a:p>
+          <a:p>
+            <a:pPr algn="just"/>
+            <a:r>
+              <a:rPr lang="en-US" sz="2200" dirty="0" smtClean="0">
+                <a:latin typeface="Bell MT" pitchFamily="18" charset="0"/>
+              </a:rPr>
+              <a:t>8 : South-East   </a:t>
+            </a:r>
+          </a:p>
+          <a:p>
+            <a:pPr algn="just"/>
+            <a:r>
+              <a:rPr lang="en-US" sz="2200" dirty="0" smtClean="0">
+                <a:latin typeface="Bell MT" pitchFamily="18" charset="0"/>
+              </a:rPr>
+              <a:t>9 : West   </a:t>
+            </a:r>
+            <a:endParaRPr lang="en-US" sz="2200" dirty="0" smtClean="0">
+              <a:latin typeface="Bell MT" pitchFamily="18" charset="0"/>
+            </a:endParaRPr>
           </a:p>
         </p:txBody>
       </p:sp>
@@ -10552,13 +9081,7 @@
               <a:rPr lang="en-US" dirty="0" smtClean="0">
                 <a:latin typeface="Bell MT" pitchFamily="18" charset="0"/>
               </a:rPr>
-              <a:t>exposed to at least one media source at least </a:t>
-            </a:r>
-            <a:r>
-              <a:rPr lang="en-US" dirty="0" smtClean="0">
-                <a:latin typeface="Bell MT" pitchFamily="18" charset="0"/>
-              </a:rPr>
-              <a:t>once</a:t>
+              <a:t>exposed to at least one media source at least once</a:t>
             </a:r>
           </a:p>
           <a:p>
@@ -10569,13 +9092,7 @@
               <a:rPr lang="en-US" dirty="0" smtClean="0">
                 <a:latin typeface="Bell MT" pitchFamily="18" charset="0"/>
               </a:rPr>
-              <a:t> </a:t>
-            </a:r>
-            <a:r>
-              <a:rPr lang="en-US" dirty="0" smtClean="0">
-                <a:latin typeface="Bell MT" pitchFamily="18" charset="0"/>
-              </a:rPr>
-              <a:t>a week</a:t>
+              <a:t> a week</a:t>
             </a:r>
           </a:p>
           <a:p>

--- a/Result/Presentation.pptx
+++ b/Result/Presentation.pptx
@@ -5,7 +5,7 @@
     <p:sldMasterId id="2147483701" r:id="rId1"/>
   </p:sldMasterIdLst>
   <p:notesMasterIdLst>
-    <p:notesMasterId r:id="rId21"/>
+    <p:notesMasterId r:id="rId26"/>
   </p:notesMasterIdLst>
   <p:sldIdLst>
     <p:sldId id="256" r:id="rId2"/>
@@ -14,19 +14,24 @@
     <p:sldId id="262" r:id="rId5"/>
     <p:sldId id="265" r:id="rId6"/>
     <p:sldId id="275" r:id="rId7"/>
-    <p:sldId id="258" r:id="rId8"/>
-    <p:sldId id="259" r:id="rId9"/>
-    <p:sldId id="260" r:id="rId10"/>
-    <p:sldId id="261" r:id="rId11"/>
-    <p:sldId id="266" r:id="rId12"/>
-    <p:sldId id="267" r:id="rId13"/>
-    <p:sldId id="276" r:id="rId14"/>
-    <p:sldId id="270" r:id="rId15"/>
-    <p:sldId id="271" r:id="rId16"/>
-    <p:sldId id="273" r:id="rId17"/>
-    <p:sldId id="272" r:id="rId18"/>
-    <p:sldId id="278" r:id="rId19"/>
-    <p:sldId id="277" r:id="rId20"/>
+    <p:sldId id="282" r:id="rId8"/>
+    <p:sldId id="258" r:id="rId9"/>
+    <p:sldId id="259" r:id="rId10"/>
+    <p:sldId id="283" r:id="rId11"/>
+    <p:sldId id="260" r:id="rId12"/>
+    <p:sldId id="261" r:id="rId13"/>
+    <p:sldId id="266" r:id="rId14"/>
+    <p:sldId id="279" r:id="rId15"/>
+    <p:sldId id="267" r:id="rId16"/>
+    <p:sldId id="280" r:id="rId17"/>
+    <p:sldId id="276" r:id="rId18"/>
+    <p:sldId id="270" r:id="rId19"/>
+    <p:sldId id="271" r:id="rId20"/>
+    <p:sldId id="273" r:id="rId21"/>
+    <p:sldId id="281" r:id="rId22"/>
+    <p:sldId id="272" r:id="rId23"/>
+    <p:sldId id="278" r:id="rId24"/>
+    <p:sldId id="277" r:id="rId25"/>
   </p:sldIdLst>
   <p:sldSz cx="12192000" cy="6858000"/>
   <p:notesSz cx="6858000" cy="9144000"/>
@@ -142,6 +147,3011 @@
     </p:ext>
   </p:extLst>
 </p:presentation>
+</file>
+
+<file path=ppt/diagrams/colors1.xml><?xml version="1.0" encoding="utf-8"?>
+<dgm:colorsDef xmlns:dgm="http://schemas.openxmlformats.org/drawingml/2006/diagram" xmlns:a="http://schemas.openxmlformats.org/drawingml/2006/main" uniqueId="urn:microsoft.com/office/officeart/2005/8/colors/colorful5">
+  <dgm:title val=""/>
+  <dgm:desc val=""/>
+  <dgm:catLst>
+    <dgm:cat type="colorful" pri="10500"/>
+  </dgm:catLst>
+  <dgm:styleLbl name="node0">
+    <dgm:fillClrLst meth="repeat">
+      <a:schemeClr val="accent4"/>
+    </dgm:fillClrLst>
+    <dgm:linClrLst meth="repeat">
+      <a:schemeClr val="lt1"/>
+    </dgm:linClrLst>
+    <dgm:effectClrLst/>
+    <dgm:txLinClrLst/>
+    <dgm:txFillClrLst/>
+    <dgm:txEffectClrLst/>
+  </dgm:styleLbl>
+  <dgm:styleLbl name="node1">
+    <dgm:fillClrLst>
+      <a:schemeClr val="accent5"/>
+      <a:schemeClr val="accent6"/>
+    </dgm:fillClrLst>
+    <dgm:linClrLst meth="repeat">
+      <a:schemeClr val="lt1"/>
+    </dgm:linClrLst>
+    <dgm:effectClrLst/>
+    <dgm:txLinClrLst/>
+    <dgm:txFillClrLst/>
+    <dgm:txEffectClrLst/>
+  </dgm:styleLbl>
+  <dgm:styleLbl name="alignNode1">
+    <dgm:fillClrLst>
+      <a:schemeClr val="accent5"/>
+      <a:schemeClr val="accent6"/>
+    </dgm:fillClrLst>
+    <dgm:linClrLst>
+      <a:schemeClr val="accent5"/>
+      <a:schemeClr val="accent6"/>
+    </dgm:linClrLst>
+    <dgm:effectClrLst/>
+    <dgm:txLinClrLst/>
+    <dgm:txFillClrLst/>
+    <dgm:txEffectClrLst/>
+  </dgm:styleLbl>
+  <dgm:styleLbl name="lnNode1">
+    <dgm:fillClrLst>
+      <a:schemeClr val="accent5"/>
+      <a:schemeClr val="accent6"/>
+    </dgm:fillClrLst>
+    <dgm:linClrLst meth="repeat">
+      <a:schemeClr val="lt1"/>
+    </dgm:linClrLst>
+    <dgm:effectClrLst/>
+    <dgm:txLinClrLst/>
+    <dgm:txFillClrLst/>
+    <dgm:txEffectClrLst/>
+  </dgm:styleLbl>
+  <dgm:styleLbl name="vennNode1">
+    <dgm:fillClrLst>
+      <a:schemeClr val="accent5">
+        <a:alpha val="50000"/>
+      </a:schemeClr>
+      <a:schemeClr val="accent6">
+        <a:alpha val="50000"/>
+      </a:schemeClr>
+    </dgm:fillClrLst>
+    <dgm:linClrLst meth="repeat">
+      <a:schemeClr val="lt1"/>
+    </dgm:linClrLst>
+    <dgm:effectClrLst/>
+    <dgm:txLinClrLst/>
+    <dgm:txFillClrLst/>
+    <dgm:txEffectClrLst/>
+  </dgm:styleLbl>
+  <dgm:styleLbl name="node2">
+    <dgm:fillClrLst>
+      <a:schemeClr val="accent6"/>
+    </dgm:fillClrLst>
+    <dgm:linClrLst meth="repeat">
+      <a:schemeClr val="lt1"/>
+    </dgm:linClrLst>
+    <dgm:effectClrLst/>
+    <dgm:txLinClrLst/>
+    <dgm:txFillClrLst/>
+    <dgm:txEffectClrLst/>
+  </dgm:styleLbl>
+  <dgm:styleLbl name="node3">
+    <dgm:fillClrLst>
+      <a:schemeClr val="accent1"/>
+    </dgm:fillClrLst>
+    <dgm:linClrLst meth="repeat">
+      <a:schemeClr val="lt1"/>
+    </dgm:linClrLst>
+    <dgm:effectClrLst/>
+    <dgm:txLinClrLst/>
+    <dgm:txFillClrLst/>
+    <dgm:txEffectClrLst/>
+  </dgm:styleLbl>
+  <dgm:styleLbl name="node4">
+    <dgm:fillClrLst>
+      <a:schemeClr val="accent2"/>
+    </dgm:fillClrLst>
+    <dgm:linClrLst meth="repeat">
+      <a:schemeClr val="lt1"/>
+    </dgm:linClrLst>
+    <dgm:effectClrLst/>
+    <dgm:txLinClrLst/>
+    <dgm:txFillClrLst/>
+    <dgm:txEffectClrLst/>
+  </dgm:styleLbl>
+  <dgm:styleLbl name="fgImgPlace1">
+    <dgm:fillClrLst>
+      <a:schemeClr val="accent5">
+        <a:tint val="50000"/>
+      </a:schemeClr>
+      <a:schemeClr val="accent6">
+        <a:tint val="50000"/>
+      </a:schemeClr>
+    </dgm:fillClrLst>
+    <dgm:linClrLst meth="repeat">
+      <a:schemeClr val="lt1"/>
+    </dgm:linClrLst>
+    <dgm:effectClrLst/>
+    <dgm:txLinClrLst/>
+    <dgm:txFillClrLst meth="repeat">
+      <a:schemeClr val="lt1"/>
+    </dgm:txFillClrLst>
+    <dgm:txEffectClrLst/>
+  </dgm:styleLbl>
+  <dgm:styleLbl name="alignImgPlace1">
+    <dgm:fillClrLst>
+      <a:schemeClr val="accent5">
+        <a:tint val="50000"/>
+      </a:schemeClr>
+      <a:schemeClr val="accent6">
+        <a:tint val="20000"/>
+      </a:schemeClr>
+    </dgm:fillClrLst>
+    <dgm:linClrLst meth="repeat">
+      <a:schemeClr val="lt1"/>
+    </dgm:linClrLst>
+    <dgm:effectClrLst/>
+    <dgm:txLinClrLst/>
+    <dgm:txFillClrLst meth="repeat">
+      <a:schemeClr val="lt1"/>
+    </dgm:txFillClrLst>
+    <dgm:txEffectClrLst/>
+  </dgm:styleLbl>
+  <dgm:styleLbl name="bgImgPlace1">
+    <dgm:fillClrLst>
+      <a:schemeClr val="accent5">
+        <a:tint val="50000"/>
+      </a:schemeClr>
+      <a:schemeClr val="accent6">
+        <a:tint val="20000"/>
+      </a:schemeClr>
+    </dgm:fillClrLst>
+    <dgm:linClrLst meth="repeat">
+      <a:schemeClr val="lt1"/>
+    </dgm:linClrLst>
+    <dgm:effectClrLst/>
+    <dgm:txLinClrLst/>
+    <dgm:txFillClrLst meth="repeat">
+      <a:schemeClr val="lt1"/>
+    </dgm:txFillClrLst>
+    <dgm:txEffectClrLst/>
+  </dgm:styleLbl>
+  <dgm:styleLbl name="sibTrans2D1">
+    <dgm:fillClrLst>
+      <a:schemeClr val="accent5"/>
+      <a:schemeClr val="accent6"/>
+    </dgm:fillClrLst>
+    <dgm:linClrLst meth="repeat">
+      <a:schemeClr val="lt1"/>
+    </dgm:linClrLst>
+    <dgm:effectClrLst/>
+    <dgm:txLinClrLst/>
+    <dgm:txFillClrLst/>
+    <dgm:txEffectClrLst/>
+  </dgm:styleLbl>
+  <dgm:styleLbl name="fgSibTrans2D1">
+    <dgm:fillClrLst>
+      <a:schemeClr val="accent5"/>
+      <a:schemeClr val="accent6"/>
+    </dgm:fillClrLst>
+    <dgm:linClrLst meth="repeat">
+      <a:schemeClr val="lt1"/>
+    </dgm:linClrLst>
+    <dgm:effectClrLst/>
+    <dgm:txLinClrLst/>
+    <dgm:txFillClrLst meth="repeat">
+      <a:schemeClr val="lt1"/>
+    </dgm:txFillClrLst>
+    <dgm:txEffectClrLst/>
+  </dgm:styleLbl>
+  <dgm:styleLbl name="bgSibTrans2D1">
+    <dgm:fillClrLst>
+      <a:schemeClr val="accent5"/>
+      <a:schemeClr val="accent6"/>
+    </dgm:fillClrLst>
+    <dgm:linClrLst meth="repeat">
+      <a:schemeClr val="lt1"/>
+    </dgm:linClrLst>
+    <dgm:effectClrLst/>
+    <dgm:txLinClrLst/>
+    <dgm:txFillClrLst meth="repeat">
+      <a:schemeClr val="lt1"/>
+    </dgm:txFillClrLst>
+    <dgm:txEffectClrLst/>
+  </dgm:styleLbl>
+  <dgm:styleLbl name="sibTrans1D1">
+    <dgm:fillClrLst/>
+    <dgm:linClrLst>
+      <a:schemeClr val="accent5"/>
+      <a:schemeClr val="accent6"/>
+    </dgm:linClrLst>
+    <dgm:effectClrLst/>
+    <dgm:txLinClrLst/>
+    <dgm:txFillClrLst meth="repeat">
+      <a:schemeClr val="tx1"/>
+    </dgm:txFillClrLst>
+    <dgm:txEffectClrLst/>
+  </dgm:styleLbl>
+  <dgm:styleLbl name="callout">
+    <dgm:fillClrLst meth="repeat">
+      <a:schemeClr val="accent5"/>
+    </dgm:fillClrLst>
+    <dgm:linClrLst meth="repeat">
+      <a:schemeClr val="accent5">
+        <a:tint val="50000"/>
+      </a:schemeClr>
+    </dgm:linClrLst>
+    <dgm:effectClrLst/>
+    <dgm:txLinClrLst/>
+    <dgm:txFillClrLst meth="repeat">
+      <a:schemeClr val="tx1"/>
+    </dgm:txFillClrLst>
+    <dgm:txEffectClrLst/>
+  </dgm:styleLbl>
+  <dgm:styleLbl name="asst0">
+    <dgm:fillClrLst meth="repeat">
+      <a:schemeClr val="accent5"/>
+    </dgm:fillClrLst>
+    <dgm:linClrLst meth="repeat">
+      <a:schemeClr val="lt1">
+        <a:shade val="80000"/>
+      </a:schemeClr>
+    </dgm:linClrLst>
+    <dgm:effectClrLst/>
+    <dgm:txLinClrLst/>
+    <dgm:txFillClrLst/>
+    <dgm:txEffectClrLst/>
+  </dgm:styleLbl>
+  <dgm:styleLbl name="asst1">
+    <dgm:fillClrLst meth="repeat">
+      <a:schemeClr val="accent6"/>
+    </dgm:fillClrLst>
+    <dgm:linClrLst meth="repeat">
+      <a:schemeClr val="lt1">
+        <a:shade val="80000"/>
+      </a:schemeClr>
+    </dgm:linClrLst>
+    <dgm:effectClrLst/>
+    <dgm:txLinClrLst/>
+    <dgm:txFillClrLst/>
+    <dgm:txEffectClrLst/>
+  </dgm:styleLbl>
+  <dgm:styleLbl name="asst2">
+    <dgm:fillClrLst>
+      <a:schemeClr val="accent1"/>
+    </dgm:fillClrLst>
+    <dgm:linClrLst meth="repeat">
+      <a:schemeClr val="lt1"/>
+    </dgm:linClrLst>
+    <dgm:effectClrLst/>
+    <dgm:txLinClrLst/>
+    <dgm:txFillClrLst/>
+    <dgm:txEffectClrLst/>
+  </dgm:styleLbl>
+  <dgm:styleLbl name="asst3">
+    <dgm:fillClrLst>
+      <a:schemeClr val="accent2"/>
+    </dgm:fillClrLst>
+    <dgm:linClrLst meth="repeat">
+      <a:schemeClr val="lt1"/>
+    </dgm:linClrLst>
+    <dgm:effectClrLst/>
+    <dgm:txLinClrLst/>
+    <dgm:txFillClrLst/>
+    <dgm:txEffectClrLst/>
+  </dgm:styleLbl>
+  <dgm:styleLbl name="asst4">
+    <dgm:fillClrLst>
+      <a:schemeClr val="accent3"/>
+    </dgm:fillClrLst>
+    <dgm:linClrLst meth="repeat">
+      <a:schemeClr val="lt1"/>
+    </dgm:linClrLst>
+    <dgm:effectClrLst/>
+    <dgm:txLinClrLst/>
+    <dgm:txFillClrLst/>
+    <dgm:txEffectClrLst/>
+  </dgm:styleLbl>
+  <dgm:styleLbl name="parChTrans2D1">
+    <dgm:fillClrLst meth="repeat">
+      <a:schemeClr val="accent5"/>
+    </dgm:fillClrLst>
+    <dgm:linClrLst meth="repeat">
+      <a:schemeClr val="lt1"/>
+    </dgm:linClrLst>
+    <dgm:effectClrLst/>
+    <dgm:txLinClrLst/>
+    <dgm:txFillClrLst meth="repeat">
+      <a:schemeClr val="lt1"/>
+    </dgm:txFillClrLst>
+    <dgm:txEffectClrLst/>
+  </dgm:styleLbl>
+  <dgm:styleLbl name="parChTrans2D2">
+    <dgm:fillClrLst meth="repeat">
+      <a:schemeClr val="accent6"/>
+    </dgm:fillClrLst>
+    <dgm:linClrLst meth="repeat">
+      <a:schemeClr val="lt1"/>
+    </dgm:linClrLst>
+    <dgm:effectClrLst/>
+    <dgm:txLinClrLst/>
+    <dgm:txFillClrLst/>
+    <dgm:txEffectClrLst/>
+  </dgm:styleLbl>
+  <dgm:styleLbl name="parChTrans2D3">
+    <dgm:fillClrLst meth="repeat">
+      <a:schemeClr val="accent6"/>
+    </dgm:fillClrLst>
+    <dgm:linClrLst meth="repeat">
+      <a:schemeClr val="lt1"/>
+    </dgm:linClrLst>
+    <dgm:effectClrLst/>
+    <dgm:txLinClrLst/>
+    <dgm:txFillClrLst/>
+    <dgm:txEffectClrLst/>
+  </dgm:styleLbl>
+  <dgm:styleLbl name="parChTrans2D4">
+    <dgm:fillClrLst meth="repeat">
+      <a:schemeClr val="accent1"/>
+    </dgm:fillClrLst>
+    <dgm:linClrLst meth="repeat">
+      <a:schemeClr val="lt1"/>
+    </dgm:linClrLst>
+    <dgm:effectClrLst/>
+    <dgm:txLinClrLst/>
+    <dgm:txFillClrLst meth="repeat">
+      <a:schemeClr val="lt1"/>
+    </dgm:txFillClrLst>
+    <dgm:txEffectClrLst/>
+  </dgm:styleLbl>
+  <dgm:styleLbl name="parChTrans1D1">
+    <dgm:fillClrLst meth="repeat">
+      <a:schemeClr val="accent5"/>
+    </dgm:fillClrLst>
+    <dgm:linClrLst meth="repeat">
+      <a:schemeClr val="accent5"/>
+    </dgm:linClrLst>
+    <dgm:effectClrLst/>
+    <dgm:txLinClrLst/>
+    <dgm:txFillClrLst meth="repeat">
+      <a:schemeClr val="tx1"/>
+    </dgm:txFillClrLst>
+    <dgm:txEffectClrLst/>
+  </dgm:styleLbl>
+  <dgm:styleLbl name="parChTrans1D2">
+    <dgm:fillClrLst meth="repeat">
+      <a:schemeClr val="accent6">
+        <a:tint val="90000"/>
+      </a:schemeClr>
+    </dgm:fillClrLst>
+    <dgm:linClrLst meth="repeat">
+      <a:schemeClr val="accent6"/>
+    </dgm:linClrLst>
+    <dgm:effectClrLst/>
+    <dgm:txLinClrLst/>
+    <dgm:txFillClrLst meth="repeat">
+      <a:schemeClr val="tx1"/>
+    </dgm:txFillClrLst>
+    <dgm:txEffectClrLst/>
+  </dgm:styleLbl>
+  <dgm:styleLbl name="parChTrans1D3">
+    <dgm:fillClrLst meth="repeat">
+      <a:schemeClr val="accent6">
+        <a:tint val="70000"/>
+      </a:schemeClr>
+    </dgm:fillClrLst>
+    <dgm:linClrLst meth="repeat">
+      <a:schemeClr val="accent1"/>
+    </dgm:linClrLst>
+    <dgm:effectClrLst/>
+    <dgm:txLinClrLst/>
+    <dgm:txFillClrLst meth="repeat">
+      <a:schemeClr val="tx1"/>
+    </dgm:txFillClrLst>
+    <dgm:txEffectClrLst/>
+  </dgm:styleLbl>
+  <dgm:styleLbl name="parChTrans1D4">
+    <dgm:fillClrLst meth="repeat">
+      <a:schemeClr val="accent6">
+        <a:tint val="50000"/>
+      </a:schemeClr>
+    </dgm:fillClrLst>
+    <dgm:linClrLst meth="repeat">
+      <a:schemeClr val="accent2"/>
+    </dgm:linClrLst>
+    <dgm:effectClrLst/>
+    <dgm:txLinClrLst/>
+    <dgm:txFillClrLst meth="repeat">
+      <a:schemeClr val="tx1"/>
+    </dgm:txFillClrLst>
+    <dgm:txEffectClrLst/>
+  </dgm:styleLbl>
+  <dgm:styleLbl name="fgAcc1">
+    <dgm:fillClrLst meth="repeat">
+      <a:schemeClr val="lt1">
+        <a:alpha val="90000"/>
+      </a:schemeClr>
+    </dgm:fillClrLst>
+    <dgm:linClrLst>
+      <a:schemeClr val="accent5"/>
+      <a:schemeClr val="accent6"/>
+    </dgm:linClrLst>
+    <dgm:effectClrLst/>
+    <dgm:txLinClrLst/>
+    <dgm:txFillClrLst meth="repeat">
+      <a:schemeClr val="dk1"/>
+    </dgm:txFillClrLst>
+    <dgm:txEffectClrLst/>
+  </dgm:styleLbl>
+  <dgm:styleLbl name="conFgAcc1">
+    <dgm:fillClrLst meth="repeat">
+      <a:schemeClr val="lt1">
+        <a:alpha val="90000"/>
+      </a:schemeClr>
+    </dgm:fillClrLst>
+    <dgm:linClrLst>
+      <a:schemeClr val="accent5"/>
+      <a:schemeClr val="accent6"/>
+    </dgm:linClrLst>
+    <dgm:effectClrLst/>
+    <dgm:txLinClrLst/>
+    <dgm:txFillClrLst meth="repeat">
+      <a:schemeClr val="dk1"/>
+    </dgm:txFillClrLst>
+    <dgm:txEffectClrLst/>
+  </dgm:styleLbl>
+  <dgm:styleLbl name="alignAcc1">
+    <dgm:fillClrLst meth="repeat">
+      <a:schemeClr val="lt1">
+        <a:alpha val="90000"/>
+      </a:schemeClr>
+    </dgm:fillClrLst>
+    <dgm:linClrLst>
+      <a:schemeClr val="accent5"/>
+      <a:schemeClr val="accent6"/>
+    </dgm:linClrLst>
+    <dgm:effectClrLst/>
+    <dgm:txLinClrLst/>
+    <dgm:txFillClrLst meth="repeat">
+      <a:schemeClr val="dk1"/>
+    </dgm:txFillClrLst>
+    <dgm:txEffectClrLst/>
+  </dgm:styleLbl>
+  <dgm:styleLbl name="trAlignAcc1">
+    <dgm:fillClrLst meth="repeat">
+      <a:schemeClr val="lt1">
+        <a:alpha val="40000"/>
+      </a:schemeClr>
+    </dgm:fillClrLst>
+    <dgm:linClrLst meth="repeat">
+      <a:schemeClr val="accent5"/>
+    </dgm:linClrLst>
+    <dgm:effectClrLst/>
+    <dgm:txLinClrLst/>
+    <dgm:txFillClrLst meth="repeat">
+      <a:schemeClr val="dk1"/>
+    </dgm:txFillClrLst>
+    <dgm:txEffectClrLst/>
+  </dgm:styleLbl>
+  <dgm:styleLbl name="bgAcc1">
+    <dgm:fillClrLst meth="repeat">
+      <a:schemeClr val="lt1">
+        <a:alpha val="90000"/>
+      </a:schemeClr>
+    </dgm:fillClrLst>
+    <dgm:linClrLst>
+      <a:schemeClr val="accent5"/>
+      <a:schemeClr val="accent6"/>
+    </dgm:linClrLst>
+    <dgm:effectClrLst/>
+    <dgm:txLinClrLst/>
+    <dgm:txFillClrLst meth="repeat">
+      <a:schemeClr val="dk1"/>
+    </dgm:txFillClrLst>
+    <dgm:txEffectClrLst/>
+  </dgm:styleLbl>
+  <dgm:styleLbl name="solidFgAcc1">
+    <dgm:fillClrLst meth="repeat">
+      <a:schemeClr val="lt1"/>
+    </dgm:fillClrLst>
+    <dgm:linClrLst>
+      <a:schemeClr val="accent5"/>
+      <a:schemeClr val="accent6"/>
+    </dgm:linClrLst>
+    <dgm:effectClrLst/>
+    <dgm:txLinClrLst/>
+    <dgm:txFillClrLst meth="repeat">
+      <a:schemeClr val="dk1"/>
+    </dgm:txFillClrLst>
+    <dgm:txEffectClrLst/>
+  </dgm:styleLbl>
+  <dgm:styleLbl name="solidAlignAcc1">
+    <dgm:fillClrLst meth="repeat">
+      <a:schemeClr val="lt1"/>
+    </dgm:fillClrLst>
+    <dgm:linClrLst>
+      <a:schemeClr val="accent5"/>
+      <a:schemeClr val="accent6"/>
+    </dgm:linClrLst>
+    <dgm:effectClrLst/>
+    <dgm:txLinClrLst/>
+    <dgm:txFillClrLst meth="repeat">
+      <a:schemeClr val="dk1"/>
+    </dgm:txFillClrLst>
+    <dgm:txEffectClrLst/>
+  </dgm:styleLbl>
+  <dgm:styleLbl name="solidBgAcc1">
+    <dgm:fillClrLst meth="repeat">
+      <a:schemeClr val="lt1"/>
+    </dgm:fillClrLst>
+    <dgm:linClrLst>
+      <a:schemeClr val="accent5"/>
+      <a:schemeClr val="accent6"/>
+    </dgm:linClrLst>
+    <dgm:effectClrLst/>
+    <dgm:txLinClrLst/>
+    <dgm:txFillClrLst meth="repeat">
+      <a:schemeClr val="dk1"/>
+    </dgm:txFillClrLst>
+    <dgm:txEffectClrLst/>
+  </dgm:styleLbl>
+  <dgm:styleLbl name="fgAccFollowNode1">
+    <dgm:fillClrLst>
+      <a:schemeClr val="accent5">
+        <a:tint val="40000"/>
+        <a:alpha val="90000"/>
+      </a:schemeClr>
+      <a:schemeClr val="accent6">
+        <a:tint val="40000"/>
+        <a:alpha val="90000"/>
+      </a:schemeClr>
+    </dgm:fillClrLst>
+    <dgm:linClrLst>
+      <a:schemeClr val="accent5">
+        <a:tint val="40000"/>
+        <a:alpha val="90000"/>
+      </a:schemeClr>
+      <a:schemeClr val="accent5">
+        <a:tint val="40000"/>
+        <a:alpha val="90000"/>
+      </a:schemeClr>
+    </dgm:linClrLst>
+    <dgm:effectClrLst/>
+    <dgm:txLinClrLst/>
+    <dgm:txFillClrLst meth="repeat">
+      <a:schemeClr val="dk1"/>
+    </dgm:txFillClrLst>
+    <dgm:txEffectClrLst/>
+  </dgm:styleLbl>
+  <dgm:styleLbl name="alignAccFollowNode1">
+    <dgm:fillClrLst>
+      <a:schemeClr val="accent5">
+        <a:tint val="40000"/>
+        <a:alpha val="90000"/>
+      </a:schemeClr>
+      <a:schemeClr val="accent6">
+        <a:tint val="40000"/>
+        <a:alpha val="90000"/>
+      </a:schemeClr>
+    </dgm:fillClrLst>
+    <dgm:linClrLst>
+      <a:schemeClr val="accent5">
+        <a:tint val="40000"/>
+        <a:alpha val="90000"/>
+      </a:schemeClr>
+      <a:schemeClr val="accent6">
+        <a:tint val="40000"/>
+        <a:alpha val="90000"/>
+      </a:schemeClr>
+    </dgm:linClrLst>
+    <dgm:effectClrLst/>
+    <dgm:txLinClrLst/>
+    <dgm:txFillClrLst meth="repeat">
+      <a:schemeClr val="dk1"/>
+    </dgm:txFillClrLst>
+    <dgm:txEffectClrLst/>
+  </dgm:styleLbl>
+  <dgm:styleLbl name="bgAccFollowNode1">
+    <dgm:fillClrLst>
+      <a:schemeClr val="accent5">
+        <a:tint val="40000"/>
+        <a:alpha val="90000"/>
+      </a:schemeClr>
+      <a:schemeClr val="accent6">
+        <a:tint val="40000"/>
+        <a:alpha val="90000"/>
+      </a:schemeClr>
+    </dgm:fillClrLst>
+    <dgm:linClrLst>
+      <a:schemeClr val="accent5">
+        <a:tint val="40000"/>
+        <a:alpha val="90000"/>
+      </a:schemeClr>
+      <a:schemeClr val="accent6">
+        <a:tint val="40000"/>
+        <a:alpha val="90000"/>
+      </a:schemeClr>
+    </dgm:linClrLst>
+    <dgm:effectClrLst/>
+    <dgm:txLinClrLst/>
+    <dgm:txFillClrLst meth="repeat">
+      <a:schemeClr val="dk1"/>
+    </dgm:txFillClrLst>
+    <dgm:txEffectClrLst/>
+  </dgm:styleLbl>
+  <dgm:styleLbl name="fgAcc0">
+    <dgm:fillClrLst meth="repeat">
+      <a:schemeClr val="lt1">
+        <a:alpha val="90000"/>
+      </a:schemeClr>
+    </dgm:fillClrLst>
+    <dgm:linClrLst>
+      <a:schemeClr val="accent4"/>
+    </dgm:linClrLst>
+    <dgm:effectClrLst/>
+    <dgm:txLinClrLst/>
+    <dgm:txFillClrLst meth="repeat">
+      <a:schemeClr val="dk1"/>
+    </dgm:txFillClrLst>
+    <dgm:txEffectClrLst/>
+  </dgm:styleLbl>
+  <dgm:styleLbl name="fgAcc2">
+    <dgm:fillClrLst meth="repeat">
+      <a:schemeClr val="lt1">
+        <a:alpha val="90000"/>
+      </a:schemeClr>
+    </dgm:fillClrLst>
+    <dgm:linClrLst>
+      <a:schemeClr val="accent6"/>
+    </dgm:linClrLst>
+    <dgm:effectClrLst/>
+    <dgm:txLinClrLst/>
+    <dgm:txFillClrLst meth="repeat">
+      <a:schemeClr val="dk1"/>
+    </dgm:txFillClrLst>
+    <dgm:txEffectClrLst/>
+  </dgm:styleLbl>
+  <dgm:styleLbl name="fgAcc3">
+    <dgm:fillClrLst meth="repeat">
+      <a:schemeClr val="lt1">
+        <a:alpha val="90000"/>
+      </a:schemeClr>
+    </dgm:fillClrLst>
+    <dgm:linClrLst>
+      <a:schemeClr val="accent1"/>
+    </dgm:linClrLst>
+    <dgm:effectClrLst/>
+    <dgm:txLinClrLst/>
+    <dgm:txFillClrLst meth="repeat">
+      <a:schemeClr val="dk1"/>
+    </dgm:txFillClrLst>
+    <dgm:txEffectClrLst/>
+  </dgm:styleLbl>
+  <dgm:styleLbl name="fgAcc4">
+    <dgm:fillClrLst meth="repeat">
+      <a:schemeClr val="lt1">
+        <a:alpha val="90000"/>
+      </a:schemeClr>
+    </dgm:fillClrLst>
+    <dgm:linClrLst>
+      <a:schemeClr val="accent2"/>
+    </dgm:linClrLst>
+    <dgm:effectClrLst/>
+    <dgm:txLinClrLst/>
+    <dgm:txFillClrLst meth="repeat">
+      <a:schemeClr val="dk1"/>
+    </dgm:txFillClrLst>
+    <dgm:txEffectClrLst/>
+  </dgm:styleLbl>
+  <dgm:styleLbl name="bgShp">
+    <dgm:fillClrLst meth="repeat">
+      <a:schemeClr val="accent5">
+        <a:tint val="40000"/>
+      </a:schemeClr>
+    </dgm:fillClrLst>
+    <dgm:linClrLst meth="repeat">
+      <a:schemeClr val="dk1"/>
+    </dgm:linClrLst>
+    <dgm:effectClrLst/>
+    <dgm:txLinClrLst/>
+    <dgm:txFillClrLst meth="repeat">
+      <a:schemeClr val="dk1"/>
+    </dgm:txFillClrLst>
+    <dgm:txEffectClrLst/>
+  </dgm:styleLbl>
+  <dgm:styleLbl name="dkBgShp">
+    <dgm:fillClrLst meth="repeat">
+      <a:schemeClr val="accent5">
+        <a:shade val="90000"/>
+      </a:schemeClr>
+    </dgm:fillClrLst>
+    <dgm:linClrLst meth="repeat">
+      <a:schemeClr val="dk1"/>
+    </dgm:linClrLst>
+    <dgm:effectClrLst/>
+    <dgm:txLinClrLst/>
+    <dgm:txFillClrLst meth="repeat">
+      <a:schemeClr val="lt1"/>
+    </dgm:txFillClrLst>
+    <dgm:txEffectClrLst/>
+  </dgm:styleLbl>
+  <dgm:styleLbl name="trBgShp">
+    <dgm:fillClrLst meth="repeat">
+      <a:schemeClr val="accent5">
+        <a:tint val="50000"/>
+        <a:alpha val="40000"/>
+      </a:schemeClr>
+    </dgm:fillClrLst>
+    <dgm:linClrLst meth="repeat">
+      <a:schemeClr val="accent5"/>
+    </dgm:linClrLst>
+    <dgm:effectClrLst/>
+    <dgm:txLinClrLst/>
+    <dgm:txFillClrLst meth="repeat">
+      <a:schemeClr val="lt1"/>
+    </dgm:txFillClrLst>
+    <dgm:txEffectClrLst/>
+  </dgm:styleLbl>
+  <dgm:styleLbl name="fgShp">
+    <dgm:fillClrLst meth="repeat">
+      <a:schemeClr val="accent5">
+        <a:tint val="40000"/>
+      </a:schemeClr>
+    </dgm:fillClrLst>
+    <dgm:linClrLst meth="repeat">
+      <a:schemeClr val="lt1"/>
+    </dgm:linClrLst>
+    <dgm:effectClrLst/>
+    <dgm:txLinClrLst/>
+    <dgm:txFillClrLst meth="repeat">
+      <a:schemeClr val="dk1"/>
+    </dgm:txFillClrLst>
+    <dgm:txEffectClrLst/>
+  </dgm:styleLbl>
+  <dgm:styleLbl name="revTx">
+    <dgm:fillClrLst meth="repeat">
+      <a:schemeClr val="lt1">
+        <a:alpha val="0"/>
+      </a:schemeClr>
+    </dgm:fillClrLst>
+    <dgm:linClrLst meth="repeat">
+      <a:schemeClr val="dk1">
+        <a:alpha val="0"/>
+      </a:schemeClr>
+    </dgm:linClrLst>
+    <dgm:effectClrLst/>
+    <dgm:txLinClrLst/>
+    <dgm:txFillClrLst meth="repeat">
+      <a:schemeClr val="tx1"/>
+    </dgm:txFillClrLst>
+    <dgm:txEffectClrLst/>
+  </dgm:styleLbl>
+</dgm:colorsDef>
+</file>
+
+<file path=ppt/diagrams/data1.xml><?xml version="1.0" encoding="utf-8"?>
+<dgm:dataModel xmlns:dgm="http://schemas.openxmlformats.org/drawingml/2006/diagram" xmlns:a="http://schemas.openxmlformats.org/drawingml/2006/main">
+  <dgm:ptLst>
+    <dgm:pt modelId="{6F610B46-357C-4AFB-A1BB-D3BA43627B8F}" type="doc">
+      <dgm:prSet loTypeId="urn:microsoft.com/office/officeart/2005/8/layout/process5" loCatId="process" qsTypeId="urn:microsoft.com/office/officeart/2005/8/quickstyle/simple1" qsCatId="simple" csTypeId="urn:microsoft.com/office/officeart/2005/8/colors/colorful5" csCatId="colorful" phldr="1"/>
+      <dgm:spPr/>
+      <dgm:t>
+        <a:bodyPr/>
+        <a:lstStyle/>
+        <a:p>
+          <a:endParaRPr lang="en-US"/>
+        </a:p>
+      </dgm:t>
+    </dgm:pt>
+    <dgm:pt modelId="{9F2393A6-05F3-44A4-BBA9-AAE53FD960D2}">
+      <dgm:prSet phldrT="[Text]"/>
+      <dgm:spPr/>
+      <dgm:t>
+        <a:bodyPr/>
+        <a:lstStyle/>
+        <a:p>
+          <a:r>
+            <a:rPr lang="en-US" b="0" dirty="0" smtClean="0">
+              <a:solidFill>
+                <a:schemeClr val="bg1"/>
+              </a:solidFill>
+            </a:rPr>
+            <a:t>Web scraping</a:t>
+          </a:r>
+          <a:endParaRPr lang="en-US" b="0" dirty="0">
+            <a:solidFill>
+              <a:schemeClr val="bg1"/>
+            </a:solidFill>
+          </a:endParaRPr>
+        </a:p>
+      </dgm:t>
+    </dgm:pt>
+    <dgm:pt modelId="{5FF4C17F-294D-43D3-8B50-7302137B2B5A}" type="parTrans" cxnId="{BF1FCAF3-BBFA-4A68-B986-3CC3E72640AA}">
+      <dgm:prSet/>
+      <dgm:spPr/>
+      <dgm:t>
+        <a:bodyPr/>
+        <a:lstStyle/>
+        <a:p>
+          <a:endParaRPr lang="en-US"/>
+        </a:p>
+      </dgm:t>
+    </dgm:pt>
+    <dgm:pt modelId="{49135DE0-4B90-4649-B41D-1AA5C7185110}" type="sibTrans" cxnId="{BF1FCAF3-BBFA-4A68-B986-3CC3E72640AA}">
+      <dgm:prSet/>
+      <dgm:spPr/>
+      <dgm:t>
+        <a:bodyPr/>
+        <a:lstStyle/>
+        <a:p>
+          <a:endParaRPr lang="en-US"/>
+        </a:p>
+      </dgm:t>
+    </dgm:pt>
+    <dgm:pt modelId="{2FE43CAB-BB05-41C4-8C3D-963423148C41}">
+      <dgm:prSet phldrT="[Text]"/>
+      <dgm:spPr/>
+      <dgm:t>
+        <a:bodyPr/>
+        <a:lstStyle/>
+        <a:p>
+          <a:r>
+            <a:rPr lang="en-US" dirty="0" smtClean="0"/>
+            <a:t>Data cleaning</a:t>
+          </a:r>
+          <a:endParaRPr lang="en-US" dirty="0"/>
+        </a:p>
+      </dgm:t>
+    </dgm:pt>
+    <dgm:pt modelId="{9F701188-D1C7-4BDD-9951-8B9BFDF7AAD5}" type="parTrans" cxnId="{0C0202A8-3A2C-4A16-BE72-84F59D26D012}">
+      <dgm:prSet/>
+      <dgm:spPr/>
+      <dgm:t>
+        <a:bodyPr/>
+        <a:lstStyle/>
+        <a:p>
+          <a:endParaRPr lang="en-US"/>
+        </a:p>
+      </dgm:t>
+    </dgm:pt>
+    <dgm:pt modelId="{EE621FC1-0CAA-4013-BACD-860FC98BDB07}" type="sibTrans" cxnId="{0C0202A8-3A2C-4A16-BE72-84F59D26D012}">
+      <dgm:prSet/>
+      <dgm:spPr/>
+      <dgm:t>
+        <a:bodyPr/>
+        <a:lstStyle/>
+        <a:p>
+          <a:endParaRPr lang="en-US"/>
+        </a:p>
+      </dgm:t>
+    </dgm:pt>
+    <dgm:pt modelId="{9BDFA079-BFDE-41C5-8B9E-776396FF0339}">
+      <dgm:prSet phldrT="[Text]"/>
+      <dgm:spPr/>
+      <dgm:t>
+        <a:bodyPr/>
+        <a:lstStyle/>
+        <a:p>
+          <a:r>
+            <a:rPr lang="en-US" dirty="0" smtClean="0"/>
+            <a:t>Data analysis</a:t>
+          </a:r>
+          <a:endParaRPr lang="en-US" dirty="0"/>
+        </a:p>
+      </dgm:t>
+    </dgm:pt>
+    <dgm:pt modelId="{7149A718-29F3-4A25-A6C0-EF8A4504EB17}" type="parTrans" cxnId="{722F9B07-5566-40D5-8076-D1639B712F40}">
+      <dgm:prSet/>
+      <dgm:spPr/>
+      <dgm:t>
+        <a:bodyPr/>
+        <a:lstStyle/>
+        <a:p>
+          <a:endParaRPr lang="en-US"/>
+        </a:p>
+      </dgm:t>
+    </dgm:pt>
+    <dgm:pt modelId="{9A375669-1ED5-465C-85A5-723544B99368}" type="sibTrans" cxnId="{722F9B07-5566-40D5-8076-D1639B712F40}">
+      <dgm:prSet/>
+      <dgm:spPr/>
+      <dgm:t>
+        <a:bodyPr/>
+        <a:lstStyle/>
+        <a:p>
+          <a:endParaRPr lang="en-US"/>
+        </a:p>
+      </dgm:t>
+    </dgm:pt>
+    <dgm:pt modelId="{FEB4DF57-129E-4A90-B403-5077EA9BB7A1}">
+      <dgm:prSet/>
+      <dgm:spPr/>
+      <dgm:t>
+        <a:bodyPr/>
+        <a:lstStyle/>
+        <a:p>
+          <a:endParaRPr lang="en-US"/>
+        </a:p>
+      </dgm:t>
+    </dgm:pt>
+    <dgm:pt modelId="{1FD00CC8-6CD7-45CC-842D-8B9C849D6EA3}" type="parTrans" cxnId="{F937760F-ECDA-4153-8961-71BA522D33E7}">
+      <dgm:prSet/>
+      <dgm:spPr/>
+      <dgm:t>
+        <a:bodyPr/>
+        <a:lstStyle/>
+        <a:p>
+          <a:endParaRPr lang="en-US"/>
+        </a:p>
+      </dgm:t>
+    </dgm:pt>
+    <dgm:pt modelId="{F2BFA6CF-4905-4996-91A0-7B6E3F8B7C4B}" type="sibTrans" cxnId="{F937760F-ECDA-4153-8961-71BA522D33E7}">
+      <dgm:prSet/>
+      <dgm:spPr/>
+      <dgm:t>
+        <a:bodyPr/>
+        <a:lstStyle/>
+        <a:p>
+          <a:endParaRPr lang="en-US"/>
+        </a:p>
+      </dgm:t>
+    </dgm:pt>
+    <dgm:pt modelId="{0109E4A5-FD87-4FB6-A899-AE5185DDD477}">
+      <dgm:prSet/>
+      <dgm:spPr/>
+      <dgm:t>
+        <a:bodyPr/>
+        <a:lstStyle/>
+        <a:p>
+          <a:endParaRPr lang="en-US"/>
+        </a:p>
+      </dgm:t>
+    </dgm:pt>
+    <dgm:pt modelId="{89C2AA79-33FF-4A8D-B92C-EC5AA41D5F31}" type="parTrans" cxnId="{8AF7A6BE-CA1B-4074-9887-A5CA93A906E6}">
+      <dgm:prSet/>
+      <dgm:spPr/>
+      <dgm:t>
+        <a:bodyPr/>
+        <a:lstStyle/>
+        <a:p>
+          <a:endParaRPr lang="en-US"/>
+        </a:p>
+      </dgm:t>
+    </dgm:pt>
+    <dgm:pt modelId="{2E11B340-DA79-47A0-9791-9864CD40E451}" type="sibTrans" cxnId="{8AF7A6BE-CA1B-4074-9887-A5CA93A906E6}">
+      <dgm:prSet/>
+      <dgm:spPr/>
+      <dgm:t>
+        <a:bodyPr/>
+        <a:lstStyle/>
+        <a:p>
+          <a:endParaRPr lang="en-US"/>
+        </a:p>
+      </dgm:t>
+    </dgm:pt>
+    <dgm:pt modelId="{BFB18D8B-55E6-4BCA-9F11-1F7653ECB3E9}" type="pres">
+      <dgm:prSet presAssocID="{6F610B46-357C-4AFB-A1BB-D3BA43627B8F}" presName="diagram" presStyleCnt="0">
+        <dgm:presLayoutVars>
+          <dgm:dir/>
+          <dgm:resizeHandles val="exact"/>
+        </dgm:presLayoutVars>
+      </dgm:prSet>
+      <dgm:spPr/>
+    </dgm:pt>
+    <dgm:pt modelId="{FB691796-20BD-48F2-ABA3-C12695F5B4F2}" type="pres">
+      <dgm:prSet presAssocID="{9F2393A6-05F3-44A4-BBA9-AAE53FD960D2}" presName="node" presStyleLbl="node1" presStyleIdx="0" presStyleCnt="5">
+        <dgm:presLayoutVars>
+          <dgm:bulletEnabled val="1"/>
+        </dgm:presLayoutVars>
+      </dgm:prSet>
+      <dgm:spPr/>
+      <dgm:t>
+        <a:bodyPr/>
+        <a:lstStyle/>
+        <a:p>
+          <a:endParaRPr lang="en-US"/>
+        </a:p>
+      </dgm:t>
+    </dgm:pt>
+    <dgm:pt modelId="{01E8AEC2-1FCB-42FA-ADB4-FB06810A3E85}" type="pres">
+      <dgm:prSet presAssocID="{49135DE0-4B90-4649-B41D-1AA5C7185110}" presName="sibTrans" presStyleLbl="sibTrans2D1" presStyleIdx="0" presStyleCnt="4"/>
+      <dgm:spPr/>
+    </dgm:pt>
+    <dgm:pt modelId="{C0851A6A-8441-4276-90FC-409E42779B7B}" type="pres">
+      <dgm:prSet presAssocID="{49135DE0-4B90-4649-B41D-1AA5C7185110}" presName="connectorText" presStyleLbl="sibTrans2D1" presStyleIdx="0" presStyleCnt="4"/>
+      <dgm:spPr/>
+    </dgm:pt>
+    <dgm:pt modelId="{98F59556-8F40-4CD5-A069-759D188542BE}" type="pres">
+      <dgm:prSet presAssocID="{2FE43CAB-BB05-41C4-8C3D-963423148C41}" presName="node" presStyleLbl="node1" presStyleIdx="1" presStyleCnt="5">
+        <dgm:presLayoutVars>
+          <dgm:bulletEnabled val="1"/>
+        </dgm:presLayoutVars>
+      </dgm:prSet>
+      <dgm:spPr/>
+    </dgm:pt>
+    <dgm:pt modelId="{A394B955-0C07-4645-9BDA-0F4A15BF9162}" type="pres">
+      <dgm:prSet presAssocID="{EE621FC1-0CAA-4013-BACD-860FC98BDB07}" presName="sibTrans" presStyleLbl="sibTrans2D1" presStyleIdx="1" presStyleCnt="4"/>
+      <dgm:spPr/>
+    </dgm:pt>
+    <dgm:pt modelId="{BC44C38E-94E9-44F1-99BD-79101F74FFD8}" type="pres">
+      <dgm:prSet presAssocID="{EE621FC1-0CAA-4013-BACD-860FC98BDB07}" presName="connectorText" presStyleLbl="sibTrans2D1" presStyleIdx="1" presStyleCnt="4"/>
+      <dgm:spPr/>
+    </dgm:pt>
+    <dgm:pt modelId="{BB2DCC44-8E54-4D58-97C1-1EE10635A1B3}" type="pres">
+      <dgm:prSet presAssocID="{9BDFA079-BFDE-41C5-8B9E-776396FF0339}" presName="node" presStyleLbl="node1" presStyleIdx="2" presStyleCnt="5">
+        <dgm:presLayoutVars>
+          <dgm:bulletEnabled val="1"/>
+        </dgm:presLayoutVars>
+      </dgm:prSet>
+      <dgm:spPr/>
+      <dgm:t>
+        <a:bodyPr/>
+        <a:lstStyle/>
+        <a:p>
+          <a:endParaRPr lang="en-US"/>
+        </a:p>
+      </dgm:t>
+    </dgm:pt>
+    <dgm:pt modelId="{D730CEE4-C83C-467A-84A9-B587D2BF22B1}" type="pres">
+      <dgm:prSet presAssocID="{9A375669-1ED5-465C-85A5-723544B99368}" presName="sibTrans" presStyleLbl="sibTrans2D1" presStyleIdx="2" presStyleCnt="4"/>
+      <dgm:spPr/>
+    </dgm:pt>
+    <dgm:pt modelId="{16F08293-3F34-4348-B270-CF6AE6B9B83F}" type="pres">
+      <dgm:prSet presAssocID="{9A375669-1ED5-465C-85A5-723544B99368}" presName="connectorText" presStyleLbl="sibTrans2D1" presStyleIdx="2" presStyleCnt="4"/>
+      <dgm:spPr/>
+    </dgm:pt>
+    <dgm:pt modelId="{6761106A-30C6-4378-8E39-6346A8D7CC41}" type="pres">
+      <dgm:prSet presAssocID="{FEB4DF57-129E-4A90-B403-5077EA9BB7A1}" presName="node" presStyleLbl="node1" presStyleIdx="3" presStyleCnt="5">
+        <dgm:presLayoutVars>
+          <dgm:bulletEnabled val="1"/>
+        </dgm:presLayoutVars>
+      </dgm:prSet>
+      <dgm:spPr/>
+    </dgm:pt>
+    <dgm:pt modelId="{77BC3C76-2CFA-4EE1-9413-A95F410696DA}" type="pres">
+      <dgm:prSet presAssocID="{F2BFA6CF-4905-4996-91A0-7B6E3F8B7C4B}" presName="sibTrans" presStyleLbl="sibTrans2D1" presStyleIdx="3" presStyleCnt="4"/>
+      <dgm:spPr/>
+    </dgm:pt>
+    <dgm:pt modelId="{04672662-081E-4C37-AF73-259F2069A4EC}" type="pres">
+      <dgm:prSet presAssocID="{F2BFA6CF-4905-4996-91A0-7B6E3F8B7C4B}" presName="connectorText" presStyleLbl="sibTrans2D1" presStyleIdx="3" presStyleCnt="4"/>
+      <dgm:spPr/>
+    </dgm:pt>
+    <dgm:pt modelId="{F888EE6A-9F7C-4D53-AFF0-5A9FFBD8506A}" type="pres">
+      <dgm:prSet presAssocID="{0109E4A5-FD87-4FB6-A899-AE5185DDD477}" presName="node" presStyleLbl="node1" presStyleIdx="4" presStyleCnt="5">
+        <dgm:presLayoutVars>
+          <dgm:bulletEnabled val="1"/>
+        </dgm:presLayoutVars>
+      </dgm:prSet>
+      <dgm:spPr/>
+    </dgm:pt>
+  </dgm:ptLst>
+  <dgm:cxnLst>
+    <dgm:cxn modelId="{722F9B07-5566-40D5-8076-D1639B712F40}" srcId="{6F610B46-357C-4AFB-A1BB-D3BA43627B8F}" destId="{9BDFA079-BFDE-41C5-8B9E-776396FF0339}" srcOrd="2" destOrd="0" parTransId="{7149A718-29F3-4A25-A6C0-EF8A4504EB17}" sibTransId="{9A375669-1ED5-465C-85A5-723544B99368}"/>
+    <dgm:cxn modelId="{BF1FCAF3-BBFA-4A68-B986-3CC3E72640AA}" srcId="{6F610B46-357C-4AFB-A1BB-D3BA43627B8F}" destId="{9F2393A6-05F3-44A4-BBA9-AAE53FD960D2}" srcOrd="0" destOrd="0" parTransId="{5FF4C17F-294D-43D3-8B50-7302137B2B5A}" sibTransId="{49135DE0-4B90-4649-B41D-1AA5C7185110}"/>
+    <dgm:cxn modelId="{9F385FEC-B1E0-45EC-9A2F-91A56C04C619}" type="presOf" srcId="{9A375669-1ED5-465C-85A5-723544B99368}" destId="{D730CEE4-C83C-467A-84A9-B587D2BF22B1}" srcOrd="0" destOrd="0" presId="urn:microsoft.com/office/officeart/2005/8/layout/process5"/>
+    <dgm:cxn modelId="{B0F820F8-8715-471F-A725-BD19CC51E850}" type="presOf" srcId="{6F610B46-357C-4AFB-A1BB-D3BA43627B8F}" destId="{BFB18D8B-55E6-4BCA-9F11-1F7653ECB3E9}" srcOrd="0" destOrd="0" presId="urn:microsoft.com/office/officeart/2005/8/layout/process5"/>
+    <dgm:cxn modelId="{308054BC-985D-4A60-AC59-A81DDA8AE5C8}" type="presOf" srcId="{0109E4A5-FD87-4FB6-A899-AE5185DDD477}" destId="{F888EE6A-9F7C-4D53-AFF0-5A9FFBD8506A}" srcOrd="0" destOrd="0" presId="urn:microsoft.com/office/officeart/2005/8/layout/process5"/>
+    <dgm:cxn modelId="{1E367D7C-DCE7-41E0-A0DC-9E0F33F57ACD}" type="presOf" srcId="{F2BFA6CF-4905-4996-91A0-7B6E3F8B7C4B}" destId="{04672662-081E-4C37-AF73-259F2069A4EC}" srcOrd="1" destOrd="0" presId="urn:microsoft.com/office/officeart/2005/8/layout/process5"/>
+    <dgm:cxn modelId="{A7CABD3B-E914-4D0D-852F-63DAE7ABB7B6}" type="presOf" srcId="{9A375669-1ED5-465C-85A5-723544B99368}" destId="{16F08293-3F34-4348-B270-CF6AE6B9B83F}" srcOrd="1" destOrd="0" presId="urn:microsoft.com/office/officeart/2005/8/layout/process5"/>
+    <dgm:cxn modelId="{95AE68EA-48EA-4A78-9E72-681DB6F8CAF3}" type="presOf" srcId="{EE621FC1-0CAA-4013-BACD-860FC98BDB07}" destId="{A394B955-0C07-4645-9BDA-0F4A15BF9162}" srcOrd="0" destOrd="0" presId="urn:microsoft.com/office/officeart/2005/8/layout/process5"/>
+    <dgm:cxn modelId="{65C1FA15-8A3A-401E-AA4D-3DCDB051DAE7}" type="presOf" srcId="{2FE43CAB-BB05-41C4-8C3D-963423148C41}" destId="{98F59556-8F40-4CD5-A069-759D188542BE}" srcOrd="0" destOrd="0" presId="urn:microsoft.com/office/officeart/2005/8/layout/process5"/>
+    <dgm:cxn modelId="{8AF7A6BE-CA1B-4074-9887-A5CA93A906E6}" srcId="{6F610B46-357C-4AFB-A1BB-D3BA43627B8F}" destId="{0109E4A5-FD87-4FB6-A899-AE5185DDD477}" srcOrd="4" destOrd="0" parTransId="{89C2AA79-33FF-4A8D-B92C-EC5AA41D5F31}" sibTransId="{2E11B340-DA79-47A0-9791-9864CD40E451}"/>
+    <dgm:cxn modelId="{F937760F-ECDA-4153-8961-71BA522D33E7}" srcId="{6F610B46-357C-4AFB-A1BB-D3BA43627B8F}" destId="{FEB4DF57-129E-4A90-B403-5077EA9BB7A1}" srcOrd="3" destOrd="0" parTransId="{1FD00CC8-6CD7-45CC-842D-8B9C849D6EA3}" sibTransId="{F2BFA6CF-4905-4996-91A0-7B6E3F8B7C4B}"/>
+    <dgm:cxn modelId="{0C0202A8-3A2C-4A16-BE72-84F59D26D012}" srcId="{6F610B46-357C-4AFB-A1BB-D3BA43627B8F}" destId="{2FE43CAB-BB05-41C4-8C3D-963423148C41}" srcOrd="1" destOrd="0" parTransId="{9F701188-D1C7-4BDD-9951-8B9BFDF7AAD5}" sibTransId="{EE621FC1-0CAA-4013-BACD-860FC98BDB07}"/>
+    <dgm:cxn modelId="{9EB4B3B0-8B51-4EFF-A6C9-572D588E1366}" type="presOf" srcId="{49135DE0-4B90-4649-B41D-1AA5C7185110}" destId="{01E8AEC2-1FCB-42FA-ADB4-FB06810A3E85}" srcOrd="0" destOrd="0" presId="urn:microsoft.com/office/officeart/2005/8/layout/process5"/>
+    <dgm:cxn modelId="{C0CBBE97-F3EB-4E9A-8D77-0F145D31947D}" type="presOf" srcId="{9F2393A6-05F3-44A4-BBA9-AAE53FD960D2}" destId="{FB691796-20BD-48F2-ABA3-C12695F5B4F2}" srcOrd="0" destOrd="0" presId="urn:microsoft.com/office/officeart/2005/8/layout/process5"/>
+    <dgm:cxn modelId="{6C4E75EA-FC86-4C06-B8BF-4114BB90BE7A}" type="presOf" srcId="{EE621FC1-0CAA-4013-BACD-860FC98BDB07}" destId="{BC44C38E-94E9-44F1-99BD-79101F74FFD8}" srcOrd="1" destOrd="0" presId="urn:microsoft.com/office/officeart/2005/8/layout/process5"/>
+    <dgm:cxn modelId="{DA5780F5-0E34-4115-B79E-856E6FD32921}" type="presOf" srcId="{9BDFA079-BFDE-41C5-8B9E-776396FF0339}" destId="{BB2DCC44-8E54-4D58-97C1-1EE10635A1B3}" srcOrd="0" destOrd="0" presId="urn:microsoft.com/office/officeart/2005/8/layout/process5"/>
+    <dgm:cxn modelId="{1A698FB2-1FB5-4F29-B93F-B9A04D878AE6}" type="presOf" srcId="{F2BFA6CF-4905-4996-91A0-7B6E3F8B7C4B}" destId="{77BC3C76-2CFA-4EE1-9413-A95F410696DA}" srcOrd="0" destOrd="0" presId="urn:microsoft.com/office/officeart/2005/8/layout/process5"/>
+    <dgm:cxn modelId="{4225A877-85C0-4214-A1F9-FD3C8EC5446F}" type="presOf" srcId="{FEB4DF57-129E-4A90-B403-5077EA9BB7A1}" destId="{6761106A-30C6-4378-8E39-6346A8D7CC41}" srcOrd="0" destOrd="0" presId="urn:microsoft.com/office/officeart/2005/8/layout/process5"/>
+    <dgm:cxn modelId="{44A20D76-A801-432E-92B3-F6D5B73306BF}" type="presOf" srcId="{49135DE0-4B90-4649-B41D-1AA5C7185110}" destId="{C0851A6A-8441-4276-90FC-409E42779B7B}" srcOrd="1" destOrd="0" presId="urn:microsoft.com/office/officeart/2005/8/layout/process5"/>
+    <dgm:cxn modelId="{7F0C5E71-0E3D-4EAB-975E-95650D59BF93}" type="presParOf" srcId="{BFB18D8B-55E6-4BCA-9F11-1F7653ECB3E9}" destId="{FB691796-20BD-48F2-ABA3-C12695F5B4F2}" srcOrd="0" destOrd="0" presId="urn:microsoft.com/office/officeart/2005/8/layout/process5"/>
+    <dgm:cxn modelId="{7B4E0628-D57F-495A-BB1A-BDAE40A1D17D}" type="presParOf" srcId="{BFB18D8B-55E6-4BCA-9F11-1F7653ECB3E9}" destId="{01E8AEC2-1FCB-42FA-ADB4-FB06810A3E85}" srcOrd="1" destOrd="0" presId="urn:microsoft.com/office/officeart/2005/8/layout/process5"/>
+    <dgm:cxn modelId="{2DB3E079-BF83-41AF-BBF1-5C7E490F0035}" type="presParOf" srcId="{01E8AEC2-1FCB-42FA-ADB4-FB06810A3E85}" destId="{C0851A6A-8441-4276-90FC-409E42779B7B}" srcOrd="0" destOrd="0" presId="urn:microsoft.com/office/officeart/2005/8/layout/process5"/>
+    <dgm:cxn modelId="{CF87DD54-BD21-4AAC-A02D-DBC849BEAE75}" type="presParOf" srcId="{BFB18D8B-55E6-4BCA-9F11-1F7653ECB3E9}" destId="{98F59556-8F40-4CD5-A069-759D188542BE}" srcOrd="2" destOrd="0" presId="urn:microsoft.com/office/officeart/2005/8/layout/process5"/>
+    <dgm:cxn modelId="{9B8C2BB9-F432-413F-8406-A9D5B53B02CA}" type="presParOf" srcId="{BFB18D8B-55E6-4BCA-9F11-1F7653ECB3E9}" destId="{A394B955-0C07-4645-9BDA-0F4A15BF9162}" srcOrd="3" destOrd="0" presId="urn:microsoft.com/office/officeart/2005/8/layout/process5"/>
+    <dgm:cxn modelId="{803EA7D1-C276-4DAD-AEDD-CA94C1A957FD}" type="presParOf" srcId="{A394B955-0C07-4645-9BDA-0F4A15BF9162}" destId="{BC44C38E-94E9-44F1-99BD-79101F74FFD8}" srcOrd="0" destOrd="0" presId="urn:microsoft.com/office/officeart/2005/8/layout/process5"/>
+    <dgm:cxn modelId="{17C8E5D0-C62D-4A8F-936D-F0EB36CB6A77}" type="presParOf" srcId="{BFB18D8B-55E6-4BCA-9F11-1F7653ECB3E9}" destId="{BB2DCC44-8E54-4D58-97C1-1EE10635A1B3}" srcOrd="4" destOrd="0" presId="urn:microsoft.com/office/officeart/2005/8/layout/process5"/>
+    <dgm:cxn modelId="{8A7867BB-DE10-4791-A5D3-3569F7488050}" type="presParOf" srcId="{BFB18D8B-55E6-4BCA-9F11-1F7653ECB3E9}" destId="{D730CEE4-C83C-467A-84A9-B587D2BF22B1}" srcOrd="5" destOrd="0" presId="urn:microsoft.com/office/officeart/2005/8/layout/process5"/>
+    <dgm:cxn modelId="{1DF804D5-3F91-4BA9-8316-B0E08976F595}" type="presParOf" srcId="{D730CEE4-C83C-467A-84A9-B587D2BF22B1}" destId="{16F08293-3F34-4348-B270-CF6AE6B9B83F}" srcOrd="0" destOrd="0" presId="urn:microsoft.com/office/officeart/2005/8/layout/process5"/>
+    <dgm:cxn modelId="{CF9F45CB-1566-4707-B4E5-AC03B9FBA3E7}" type="presParOf" srcId="{BFB18D8B-55E6-4BCA-9F11-1F7653ECB3E9}" destId="{6761106A-30C6-4378-8E39-6346A8D7CC41}" srcOrd="6" destOrd="0" presId="urn:microsoft.com/office/officeart/2005/8/layout/process5"/>
+    <dgm:cxn modelId="{E05F5369-664F-43E8-909D-3422D489641D}" type="presParOf" srcId="{BFB18D8B-55E6-4BCA-9F11-1F7653ECB3E9}" destId="{77BC3C76-2CFA-4EE1-9413-A95F410696DA}" srcOrd="7" destOrd="0" presId="urn:microsoft.com/office/officeart/2005/8/layout/process5"/>
+    <dgm:cxn modelId="{95020466-EEAC-40DB-ACF0-E75537BE810C}" type="presParOf" srcId="{77BC3C76-2CFA-4EE1-9413-A95F410696DA}" destId="{04672662-081E-4C37-AF73-259F2069A4EC}" srcOrd="0" destOrd="0" presId="urn:microsoft.com/office/officeart/2005/8/layout/process5"/>
+    <dgm:cxn modelId="{5A1973CC-ED57-44FA-8EA5-38DBCD35B3B1}" type="presParOf" srcId="{BFB18D8B-55E6-4BCA-9F11-1F7653ECB3E9}" destId="{F888EE6A-9F7C-4D53-AFF0-5A9FFBD8506A}" srcOrd="8" destOrd="0" presId="urn:microsoft.com/office/officeart/2005/8/layout/process5"/>
+  </dgm:cxnLst>
+  <dgm:bg/>
+  <dgm:whole/>
+  <dgm:extLst>
+    <a:ext uri="http://schemas.microsoft.com/office/drawing/2008/diagram">
+      <dsp:dataModelExt xmlns:dsp="http://schemas.microsoft.com/office/drawing/2008/diagram" relId="rId6" minVer="http://schemas.openxmlformats.org/drawingml/2006/diagram"/>
+    </a:ext>
+  </dgm:extLst>
+</dgm:dataModel>
+</file>
+
+<file path=ppt/diagrams/drawing1.xml><?xml version="1.0" encoding="utf-8"?>
+<dsp:drawing xmlns:dgm="http://schemas.openxmlformats.org/drawingml/2006/diagram" xmlns:dsp="http://schemas.microsoft.com/office/drawing/2008/diagram" xmlns:a="http://schemas.openxmlformats.org/drawingml/2006/main">
+  <dsp:spTree>
+    <dsp:nvGrpSpPr>
+      <dsp:cNvPr id="0" name=""/>
+      <dsp:cNvGrpSpPr/>
+    </dsp:nvGrpSpPr>
+    <dsp:grpSpPr/>
+    <dsp:sp modelId="{FB691796-20BD-48F2-ABA3-C12695F5B4F2}">
+      <dsp:nvSpPr>
+        <dsp:cNvPr id="0" name=""/>
+        <dsp:cNvSpPr/>
+      </dsp:nvSpPr>
+      <dsp:spPr>
+        <a:xfrm>
+          <a:off x="8937" y="302041"/>
+          <a:ext cx="2671411" cy="1602846"/>
+        </a:xfrm>
+        <a:prstGeom prst="roundRect">
+          <a:avLst>
+            <a:gd name="adj" fmla="val 10000"/>
+          </a:avLst>
+        </a:prstGeom>
+        <a:solidFill>
+          <a:schemeClr val="accent5">
+            <a:hueOff val="0"/>
+            <a:satOff val="0"/>
+            <a:lumOff val="0"/>
+            <a:alphaOff val="0"/>
+          </a:schemeClr>
+        </a:solidFill>
+        <a:ln w="13970" cap="flat" cmpd="sng" algn="ctr">
+          <a:solidFill>
+            <a:schemeClr val="lt1">
+              <a:hueOff val="0"/>
+              <a:satOff val="0"/>
+              <a:lumOff val="0"/>
+              <a:alphaOff val="0"/>
+            </a:schemeClr>
+          </a:solidFill>
+          <a:prstDash val="solid"/>
+        </a:ln>
+        <a:effectLst/>
+      </dsp:spPr>
+      <dsp:style>
+        <a:lnRef idx="2">
+          <a:scrgbClr r="0" g="0" b="0"/>
+        </a:lnRef>
+        <a:fillRef idx="1">
+          <a:scrgbClr r="0" g="0" b="0"/>
+        </a:fillRef>
+        <a:effectRef idx="0">
+          <a:scrgbClr r="0" g="0" b="0"/>
+        </a:effectRef>
+        <a:fontRef idx="minor">
+          <a:schemeClr val="lt1"/>
+        </a:fontRef>
+      </dsp:style>
+      <dsp:txBody>
+        <a:bodyPr spcFirstLastPara="0" vert="horz" wrap="square" lIns="160020" tIns="160020" rIns="160020" bIns="160020" numCol="1" spcCol="1270" anchor="ctr" anchorCtr="0">
+          <a:noAutofit/>
+        </a:bodyPr>
+        <a:lstStyle/>
+        <a:p>
+          <a:pPr lvl="0" algn="ctr" defTabSz="1866900">
+            <a:lnSpc>
+              <a:spcPct val="90000"/>
+            </a:lnSpc>
+            <a:spcBef>
+              <a:spcPct val="0"/>
+            </a:spcBef>
+            <a:spcAft>
+              <a:spcPct val="35000"/>
+            </a:spcAft>
+          </a:pPr>
+          <a:r>
+            <a:rPr lang="en-US" sz="4200" b="0" kern="1200" dirty="0" smtClean="0">
+              <a:solidFill>
+                <a:schemeClr val="bg1"/>
+              </a:solidFill>
+            </a:rPr>
+            <a:t>Web scraping</a:t>
+          </a:r>
+          <a:endParaRPr lang="en-US" sz="4200" b="0" kern="1200" dirty="0">
+            <a:solidFill>
+              <a:schemeClr val="bg1"/>
+            </a:solidFill>
+          </a:endParaRPr>
+        </a:p>
+      </dsp:txBody>
+      <dsp:txXfrm>
+        <a:off x="55883" y="348987"/>
+        <a:ext cx="2577519" cy="1508954"/>
+      </dsp:txXfrm>
+    </dsp:sp>
+    <dsp:sp modelId="{01E8AEC2-1FCB-42FA-ADB4-FB06810A3E85}">
+      <dsp:nvSpPr>
+        <dsp:cNvPr id="0" name=""/>
+        <dsp:cNvSpPr/>
+      </dsp:nvSpPr>
+      <dsp:spPr>
+        <a:xfrm>
+          <a:off x="2915433" y="772209"/>
+          <a:ext cx="566339" cy="662509"/>
+        </a:xfrm>
+        <a:prstGeom prst="rightArrow">
+          <a:avLst>
+            <a:gd name="adj1" fmla="val 60000"/>
+            <a:gd name="adj2" fmla="val 50000"/>
+          </a:avLst>
+        </a:prstGeom>
+        <a:solidFill>
+          <a:schemeClr val="accent5">
+            <a:hueOff val="0"/>
+            <a:satOff val="0"/>
+            <a:lumOff val="0"/>
+            <a:alphaOff val="0"/>
+          </a:schemeClr>
+        </a:solidFill>
+        <a:ln>
+          <a:noFill/>
+        </a:ln>
+        <a:effectLst/>
+      </dsp:spPr>
+      <dsp:style>
+        <a:lnRef idx="0">
+          <a:scrgbClr r="0" g="0" b="0"/>
+        </a:lnRef>
+        <a:fillRef idx="1">
+          <a:scrgbClr r="0" g="0" b="0"/>
+        </a:fillRef>
+        <a:effectRef idx="0">
+          <a:scrgbClr r="0" g="0" b="0"/>
+        </a:effectRef>
+        <a:fontRef idx="minor">
+          <a:schemeClr val="lt1"/>
+        </a:fontRef>
+      </dsp:style>
+      <dsp:txBody>
+        <a:bodyPr spcFirstLastPara="0" vert="horz" wrap="square" lIns="0" tIns="0" rIns="0" bIns="0" numCol="1" spcCol="1270" anchor="ctr" anchorCtr="0">
+          <a:noAutofit/>
+        </a:bodyPr>
+        <a:lstStyle/>
+        <a:p>
+          <a:pPr lvl="0" algn="ctr" defTabSz="1466850">
+            <a:lnSpc>
+              <a:spcPct val="90000"/>
+            </a:lnSpc>
+            <a:spcBef>
+              <a:spcPct val="0"/>
+            </a:spcBef>
+            <a:spcAft>
+              <a:spcPct val="35000"/>
+            </a:spcAft>
+          </a:pPr>
+          <a:endParaRPr lang="en-US" sz="3300" kern="1200"/>
+        </a:p>
+      </dsp:txBody>
+      <dsp:txXfrm>
+        <a:off x="2915433" y="904711"/>
+        <a:ext cx="396437" cy="397505"/>
+      </dsp:txXfrm>
+    </dsp:sp>
+    <dsp:sp modelId="{98F59556-8F40-4CD5-A069-759D188542BE}">
+      <dsp:nvSpPr>
+        <dsp:cNvPr id="0" name=""/>
+        <dsp:cNvSpPr/>
+      </dsp:nvSpPr>
+      <dsp:spPr>
+        <a:xfrm>
+          <a:off x="3748913" y="302041"/>
+          <a:ext cx="2671411" cy="1602846"/>
+        </a:xfrm>
+        <a:prstGeom prst="roundRect">
+          <a:avLst>
+            <a:gd name="adj" fmla="val 10000"/>
+          </a:avLst>
+        </a:prstGeom>
+        <a:solidFill>
+          <a:schemeClr val="accent5">
+            <a:hueOff val="-4767289"/>
+            <a:satOff val="1257"/>
+            <a:lumOff val="637"/>
+            <a:alphaOff val="0"/>
+          </a:schemeClr>
+        </a:solidFill>
+        <a:ln w="13970" cap="flat" cmpd="sng" algn="ctr">
+          <a:solidFill>
+            <a:schemeClr val="lt1">
+              <a:hueOff val="0"/>
+              <a:satOff val="0"/>
+              <a:lumOff val="0"/>
+              <a:alphaOff val="0"/>
+            </a:schemeClr>
+          </a:solidFill>
+          <a:prstDash val="solid"/>
+        </a:ln>
+        <a:effectLst/>
+      </dsp:spPr>
+      <dsp:style>
+        <a:lnRef idx="2">
+          <a:scrgbClr r="0" g="0" b="0"/>
+        </a:lnRef>
+        <a:fillRef idx="1">
+          <a:scrgbClr r="0" g="0" b="0"/>
+        </a:fillRef>
+        <a:effectRef idx="0">
+          <a:scrgbClr r="0" g="0" b="0"/>
+        </a:effectRef>
+        <a:fontRef idx="minor">
+          <a:schemeClr val="lt1"/>
+        </a:fontRef>
+      </dsp:style>
+      <dsp:txBody>
+        <a:bodyPr spcFirstLastPara="0" vert="horz" wrap="square" lIns="160020" tIns="160020" rIns="160020" bIns="160020" numCol="1" spcCol="1270" anchor="ctr" anchorCtr="0">
+          <a:noAutofit/>
+        </a:bodyPr>
+        <a:lstStyle/>
+        <a:p>
+          <a:pPr lvl="0" algn="ctr" defTabSz="1866900">
+            <a:lnSpc>
+              <a:spcPct val="90000"/>
+            </a:lnSpc>
+            <a:spcBef>
+              <a:spcPct val="0"/>
+            </a:spcBef>
+            <a:spcAft>
+              <a:spcPct val="35000"/>
+            </a:spcAft>
+          </a:pPr>
+          <a:r>
+            <a:rPr lang="en-US" sz="4200" kern="1200" dirty="0" smtClean="0"/>
+            <a:t>Data cleaning</a:t>
+          </a:r>
+          <a:endParaRPr lang="en-US" sz="4200" kern="1200" dirty="0"/>
+        </a:p>
+      </dsp:txBody>
+      <dsp:txXfrm>
+        <a:off x="3795859" y="348987"/>
+        <a:ext cx="2577519" cy="1508954"/>
+      </dsp:txXfrm>
+    </dsp:sp>
+    <dsp:sp modelId="{A394B955-0C07-4645-9BDA-0F4A15BF9162}">
+      <dsp:nvSpPr>
+        <dsp:cNvPr id="0" name=""/>
+        <dsp:cNvSpPr/>
+      </dsp:nvSpPr>
+      <dsp:spPr>
+        <a:xfrm>
+          <a:off x="6655408" y="772209"/>
+          <a:ext cx="566339" cy="662509"/>
+        </a:xfrm>
+        <a:prstGeom prst="rightArrow">
+          <a:avLst>
+            <a:gd name="adj1" fmla="val 60000"/>
+            <a:gd name="adj2" fmla="val 50000"/>
+          </a:avLst>
+        </a:prstGeom>
+        <a:solidFill>
+          <a:schemeClr val="accent5">
+            <a:hueOff val="-6356385"/>
+            <a:satOff val="1676"/>
+            <a:lumOff val="850"/>
+            <a:alphaOff val="0"/>
+          </a:schemeClr>
+        </a:solidFill>
+        <a:ln>
+          <a:noFill/>
+        </a:ln>
+        <a:effectLst/>
+      </dsp:spPr>
+      <dsp:style>
+        <a:lnRef idx="0">
+          <a:scrgbClr r="0" g="0" b="0"/>
+        </a:lnRef>
+        <a:fillRef idx="1">
+          <a:scrgbClr r="0" g="0" b="0"/>
+        </a:fillRef>
+        <a:effectRef idx="0">
+          <a:scrgbClr r="0" g="0" b="0"/>
+        </a:effectRef>
+        <a:fontRef idx="minor">
+          <a:schemeClr val="lt1"/>
+        </a:fontRef>
+      </dsp:style>
+      <dsp:txBody>
+        <a:bodyPr spcFirstLastPara="0" vert="horz" wrap="square" lIns="0" tIns="0" rIns="0" bIns="0" numCol="1" spcCol="1270" anchor="ctr" anchorCtr="0">
+          <a:noAutofit/>
+        </a:bodyPr>
+        <a:lstStyle/>
+        <a:p>
+          <a:pPr lvl="0" algn="ctr" defTabSz="1466850">
+            <a:lnSpc>
+              <a:spcPct val="90000"/>
+            </a:lnSpc>
+            <a:spcBef>
+              <a:spcPct val="0"/>
+            </a:spcBef>
+            <a:spcAft>
+              <a:spcPct val="35000"/>
+            </a:spcAft>
+          </a:pPr>
+          <a:endParaRPr lang="en-US" sz="3300" kern="1200"/>
+        </a:p>
+      </dsp:txBody>
+      <dsp:txXfrm>
+        <a:off x="6655408" y="904711"/>
+        <a:ext cx="396437" cy="397505"/>
+      </dsp:txXfrm>
+    </dsp:sp>
+    <dsp:sp modelId="{BB2DCC44-8E54-4D58-97C1-1EE10635A1B3}">
+      <dsp:nvSpPr>
+        <dsp:cNvPr id="0" name=""/>
+        <dsp:cNvSpPr/>
+      </dsp:nvSpPr>
+      <dsp:spPr>
+        <a:xfrm>
+          <a:off x="7488889" y="302041"/>
+          <a:ext cx="2671411" cy="1602846"/>
+        </a:xfrm>
+        <a:prstGeom prst="roundRect">
+          <a:avLst>
+            <a:gd name="adj" fmla="val 10000"/>
+          </a:avLst>
+        </a:prstGeom>
+        <a:solidFill>
+          <a:schemeClr val="accent5">
+            <a:hueOff val="-9534578"/>
+            <a:satOff val="2515"/>
+            <a:lumOff val="1275"/>
+            <a:alphaOff val="0"/>
+          </a:schemeClr>
+        </a:solidFill>
+        <a:ln w="13970" cap="flat" cmpd="sng" algn="ctr">
+          <a:solidFill>
+            <a:schemeClr val="lt1">
+              <a:hueOff val="0"/>
+              <a:satOff val="0"/>
+              <a:lumOff val="0"/>
+              <a:alphaOff val="0"/>
+            </a:schemeClr>
+          </a:solidFill>
+          <a:prstDash val="solid"/>
+        </a:ln>
+        <a:effectLst/>
+      </dsp:spPr>
+      <dsp:style>
+        <a:lnRef idx="2">
+          <a:scrgbClr r="0" g="0" b="0"/>
+        </a:lnRef>
+        <a:fillRef idx="1">
+          <a:scrgbClr r="0" g="0" b="0"/>
+        </a:fillRef>
+        <a:effectRef idx="0">
+          <a:scrgbClr r="0" g="0" b="0"/>
+        </a:effectRef>
+        <a:fontRef idx="minor">
+          <a:schemeClr val="lt1"/>
+        </a:fontRef>
+      </dsp:style>
+      <dsp:txBody>
+        <a:bodyPr spcFirstLastPara="0" vert="horz" wrap="square" lIns="160020" tIns="160020" rIns="160020" bIns="160020" numCol="1" spcCol="1270" anchor="ctr" anchorCtr="0">
+          <a:noAutofit/>
+        </a:bodyPr>
+        <a:lstStyle/>
+        <a:p>
+          <a:pPr lvl="0" algn="ctr" defTabSz="1866900">
+            <a:lnSpc>
+              <a:spcPct val="90000"/>
+            </a:lnSpc>
+            <a:spcBef>
+              <a:spcPct val="0"/>
+            </a:spcBef>
+            <a:spcAft>
+              <a:spcPct val="35000"/>
+            </a:spcAft>
+          </a:pPr>
+          <a:r>
+            <a:rPr lang="en-US" sz="4200" kern="1200" dirty="0" smtClean="0"/>
+            <a:t>Data analysis</a:t>
+          </a:r>
+          <a:endParaRPr lang="en-US" sz="4200" kern="1200" dirty="0"/>
+        </a:p>
+      </dsp:txBody>
+      <dsp:txXfrm>
+        <a:off x="7535835" y="348987"/>
+        <a:ext cx="2577519" cy="1508954"/>
+      </dsp:txXfrm>
+    </dsp:sp>
+    <dsp:sp modelId="{D730CEE4-C83C-467A-84A9-B587D2BF22B1}">
+      <dsp:nvSpPr>
+        <dsp:cNvPr id="0" name=""/>
+        <dsp:cNvSpPr/>
+      </dsp:nvSpPr>
+      <dsp:spPr>
+        <a:xfrm rot="5400000">
+          <a:off x="8541425" y="2091886"/>
+          <a:ext cx="566339" cy="662509"/>
+        </a:xfrm>
+        <a:prstGeom prst="rightArrow">
+          <a:avLst>
+            <a:gd name="adj1" fmla="val 60000"/>
+            <a:gd name="adj2" fmla="val 50000"/>
+          </a:avLst>
+        </a:prstGeom>
+        <a:solidFill>
+          <a:schemeClr val="accent5">
+            <a:hueOff val="-12712771"/>
+            <a:satOff val="3353"/>
+            <a:lumOff val="1699"/>
+            <a:alphaOff val="0"/>
+          </a:schemeClr>
+        </a:solidFill>
+        <a:ln>
+          <a:noFill/>
+        </a:ln>
+        <a:effectLst/>
+      </dsp:spPr>
+      <dsp:style>
+        <a:lnRef idx="0">
+          <a:scrgbClr r="0" g="0" b="0"/>
+        </a:lnRef>
+        <a:fillRef idx="1">
+          <a:scrgbClr r="0" g="0" b="0"/>
+        </a:fillRef>
+        <a:effectRef idx="0">
+          <a:scrgbClr r="0" g="0" b="0"/>
+        </a:effectRef>
+        <a:fontRef idx="minor">
+          <a:schemeClr val="lt1"/>
+        </a:fontRef>
+      </dsp:style>
+      <dsp:txBody>
+        <a:bodyPr spcFirstLastPara="0" vert="horz" wrap="square" lIns="0" tIns="0" rIns="0" bIns="0" numCol="1" spcCol="1270" anchor="ctr" anchorCtr="0">
+          <a:noAutofit/>
+        </a:bodyPr>
+        <a:lstStyle/>
+        <a:p>
+          <a:pPr lvl="0" algn="ctr" defTabSz="1466850">
+            <a:lnSpc>
+              <a:spcPct val="90000"/>
+            </a:lnSpc>
+            <a:spcBef>
+              <a:spcPct val="0"/>
+            </a:spcBef>
+            <a:spcAft>
+              <a:spcPct val="35000"/>
+            </a:spcAft>
+          </a:pPr>
+          <a:endParaRPr lang="en-US" sz="3300" kern="1200"/>
+        </a:p>
+      </dsp:txBody>
+      <dsp:txXfrm rot="-5400000">
+        <a:off x="8625842" y="2139971"/>
+        <a:ext cx="397505" cy="396437"/>
+      </dsp:txXfrm>
+    </dsp:sp>
+    <dsp:sp modelId="{6761106A-30C6-4378-8E39-6346A8D7CC41}">
+      <dsp:nvSpPr>
+        <dsp:cNvPr id="0" name=""/>
+        <dsp:cNvSpPr/>
+      </dsp:nvSpPr>
+      <dsp:spPr>
+        <a:xfrm>
+          <a:off x="7488889" y="2973452"/>
+          <a:ext cx="2671411" cy="1602846"/>
+        </a:xfrm>
+        <a:prstGeom prst="roundRect">
+          <a:avLst>
+            <a:gd name="adj" fmla="val 10000"/>
+          </a:avLst>
+        </a:prstGeom>
+        <a:solidFill>
+          <a:schemeClr val="accent5">
+            <a:hueOff val="-14301867"/>
+            <a:satOff val="3772"/>
+            <a:lumOff val="1912"/>
+            <a:alphaOff val="0"/>
+          </a:schemeClr>
+        </a:solidFill>
+        <a:ln w="13970" cap="flat" cmpd="sng" algn="ctr">
+          <a:solidFill>
+            <a:schemeClr val="lt1">
+              <a:hueOff val="0"/>
+              <a:satOff val="0"/>
+              <a:lumOff val="0"/>
+              <a:alphaOff val="0"/>
+            </a:schemeClr>
+          </a:solidFill>
+          <a:prstDash val="solid"/>
+        </a:ln>
+        <a:effectLst/>
+      </dsp:spPr>
+      <dsp:style>
+        <a:lnRef idx="2">
+          <a:scrgbClr r="0" g="0" b="0"/>
+        </a:lnRef>
+        <a:fillRef idx="1">
+          <a:scrgbClr r="0" g="0" b="0"/>
+        </a:fillRef>
+        <a:effectRef idx="0">
+          <a:scrgbClr r="0" g="0" b="0"/>
+        </a:effectRef>
+        <a:fontRef idx="minor">
+          <a:schemeClr val="lt1"/>
+        </a:fontRef>
+      </dsp:style>
+      <dsp:txBody>
+        <a:bodyPr spcFirstLastPara="0" vert="horz" wrap="square" lIns="160020" tIns="160020" rIns="160020" bIns="160020" numCol="1" spcCol="1270" anchor="ctr" anchorCtr="0">
+          <a:noAutofit/>
+        </a:bodyPr>
+        <a:lstStyle/>
+        <a:p>
+          <a:pPr lvl="0" algn="ctr" defTabSz="1866900">
+            <a:lnSpc>
+              <a:spcPct val="90000"/>
+            </a:lnSpc>
+            <a:spcBef>
+              <a:spcPct val="0"/>
+            </a:spcBef>
+            <a:spcAft>
+              <a:spcPct val="35000"/>
+            </a:spcAft>
+          </a:pPr>
+          <a:endParaRPr lang="en-US" sz="4200" kern="1200"/>
+        </a:p>
+      </dsp:txBody>
+      <dsp:txXfrm>
+        <a:off x="7535835" y="3020398"/>
+        <a:ext cx="2577519" cy="1508954"/>
+      </dsp:txXfrm>
+    </dsp:sp>
+    <dsp:sp modelId="{77BC3C76-2CFA-4EE1-9413-A95F410696DA}">
+      <dsp:nvSpPr>
+        <dsp:cNvPr id="0" name=""/>
+        <dsp:cNvSpPr/>
+      </dsp:nvSpPr>
+      <dsp:spPr>
+        <a:xfrm rot="10800000">
+          <a:off x="6687465" y="3443620"/>
+          <a:ext cx="566339" cy="662509"/>
+        </a:xfrm>
+        <a:prstGeom prst="rightArrow">
+          <a:avLst>
+            <a:gd name="adj1" fmla="val 60000"/>
+            <a:gd name="adj2" fmla="val 50000"/>
+          </a:avLst>
+        </a:prstGeom>
+        <a:solidFill>
+          <a:schemeClr val="accent5">
+            <a:hueOff val="-19069156"/>
+            <a:satOff val="5029"/>
+            <a:lumOff val="2549"/>
+            <a:alphaOff val="0"/>
+          </a:schemeClr>
+        </a:solidFill>
+        <a:ln>
+          <a:noFill/>
+        </a:ln>
+        <a:effectLst/>
+      </dsp:spPr>
+      <dsp:style>
+        <a:lnRef idx="0">
+          <a:scrgbClr r="0" g="0" b="0"/>
+        </a:lnRef>
+        <a:fillRef idx="1">
+          <a:scrgbClr r="0" g="0" b="0"/>
+        </a:fillRef>
+        <a:effectRef idx="0">
+          <a:scrgbClr r="0" g="0" b="0"/>
+        </a:effectRef>
+        <a:fontRef idx="minor">
+          <a:schemeClr val="lt1"/>
+        </a:fontRef>
+      </dsp:style>
+      <dsp:txBody>
+        <a:bodyPr spcFirstLastPara="0" vert="horz" wrap="square" lIns="0" tIns="0" rIns="0" bIns="0" numCol="1" spcCol="1270" anchor="ctr" anchorCtr="0">
+          <a:noAutofit/>
+        </a:bodyPr>
+        <a:lstStyle/>
+        <a:p>
+          <a:pPr lvl="0" algn="ctr" defTabSz="1244600">
+            <a:lnSpc>
+              <a:spcPct val="90000"/>
+            </a:lnSpc>
+            <a:spcBef>
+              <a:spcPct val="0"/>
+            </a:spcBef>
+            <a:spcAft>
+              <a:spcPct val="35000"/>
+            </a:spcAft>
+          </a:pPr>
+          <a:endParaRPr lang="en-US" sz="2800" kern="1200"/>
+        </a:p>
+      </dsp:txBody>
+      <dsp:txXfrm rot="10800000">
+        <a:off x="6857367" y="3576122"/>
+        <a:ext cx="396437" cy="397505"/>
+      </dsp:txXfrm>
+    </dsp:sp>
+    <dsp:sp modelId="{F888EE6A-9F7C-4D53-AFF0-5A9FFBD8506A}">
+      <dsp:nvSpPr>
+        <dsp:cNvPr id="0" name=""/>
+        <dsp:cNvSpPr/>
+      </dsp:nvSpPr>
+      <dsp:spPr>
+        <a:xfrm>
+          <a:off x="3748913" y="2973452"/>
+          <a:ext cx="2671411" cy="1602846"/>
+        </a:xfrm>
+        <a:prstGeom prst="roundRect">
+          <a:avLst>
+            <a:gd name="adj" fmla="val 10000"/>
+          </a:avLst>
+        </a:prstGeom>
+        <a:solidFill>
+          <a:schemeClr val="accent5">
+            <a:hueOff val="-19069156"/>
+            <a:satOff val="5029"/>
+            <a:lumOff val="2549"/>
+            <a:alphaOff val="0"/>
+          </a:schemeClr>
+        </a:solidFill>
+        <a:ln w="13970" cap="flat" cmpd="sng" algn="ctr">
+          <a:solidFill>
+            <a:schemeClr val="lt1">
+              <a:hueOff val="0"/>
+              <a:satOff val="0"/>
+              <a:lumOff val="0"/>
+              <a:alphaOff val="0"/>
+            </a:schemeClr>
+          </a:solidFill>
+          <a:prstDash val="solid"/>
+        </a:ln>
+        <a:effectLst/>
+      </dsp:spPr>
+      <dsp:style>
+        <a:lnRef idx="2">
+          <a:scrgbClr r="0" g="0" b="0"/>
+        </a:lnRef>
+        <a:fillRef idx="1">
+          <a:scrgbClr r="0" g="0" b="0"/>
+        </a:fillRef>
+        <a:effectRef idx="0">
+          <a:scrgbClr r="0" g="0" b="0"/>
+        </a:effectRef>
+        <a:fontRef idx="minor">
+          <a:schemeClr val="lt1"/>
+        </a:fontRef>
+      </dsp:style>
+      <dsp:txBody>
+        <a:bodyPr spcFirstLastPara="0" vert="horz" wrap="square" lIns="160020" tIns="160020" rIns="160020" bIns="160020" numCol="1" spcCol="1270" anchor="ctr" anchorCtr="0">
+          <a:noAutofit/>
+        </a:bodyPr>
+        <a:lstStyle/>
+        <a:p>
+          <a:pPr lvl="0" algn="ctr" defTabSz="1866900">
+            <a:lnSpc>
+              <a:spcPct val="90000"/>
+            </a:lnSpc>
+            <a:spcBef>
+              <a:spcPct val="0"/>
+            </a:spcBef>
+            <a:spcAft>
+              <a:spcPct val="35000"/>
+            </a:spcAft>
+          </a:pPr>
+          <a:endParaRPr lang="en-US" sz="4200" kern="1200"/>
+        </a:p>
+      </dsp:txBody>
+      <dsp:txXfrm>
+        <a:off x="3795859" y="3020398"/>
+        <a:ext cx="2577519" cy="1508954"/>
+      </dsp:txXfrm>
+    </dsp:sp>
+  </dsp:spTree>
+</dsp:drawing>
+</file>
+
+<file path=ppt/diagrams/layout1.xml><?xml version="1.0" encoding="utf-8"?>
+<dgm:layoutDef xmlns:dgm="http://schemas.openxmlformats.org/drawingml/2006/diagram" xmlns:a="http://schemas.openxmlformats.org/drawingml/2006/main" uniqueId="urn:microsoft.com/office/officeart/2005/8/layout/process5">
+  <dgm:title val=""/>
+  <dgm:desc val=""/>
+  <dgm:catLst>
+    <dgm:cat type="process" pri="17000"/>
+  </dgm:catLst>
+  <dgm:sampData>
+    <dgm:dataModel>
+      <dgm:ptLst>
+        <dgm:pt modelId="0" type="doc"/>
+        <dgm:pt modelId="1">
+          <dgm:prSet phldr="1"/>
+        </dgm:pt>
+        <dgm:pt modelId="2">
+          <dgm:prSet phldr="1"/>
+        </dgm:pt>
+        <dgm:pt modelId="3">
+          <dgm:prSet phldr="1"/>
+        </dgm:pt>
+        <dgm:pt modelId="4">
+          <dgm:prSet phldr="1"/>
+        </dgm:pt>
+        <dgm:pt modelId="5">
+          <dgm:prSet phldr="1"/>
+        </dgm:pt>
+      </dgm:ptLst>
+      <dgm:cxnLst>
+        <dgm:cxn modelId="7" srcId="0" destId="1" srcOrd="0" destOrd="0"/>
+        <dgm:cxn modelId="8" srcId="0" destId="2" srcOrd="1" destOrd="0"/>
+        <dgm:cxn modelId="9" srcId="0" destId="3" srcOrd="2" destOrd="0"/>
+        <dgm:cxn modelId="10" srcId="0" destId="4" srcOrd="3" destOrd="0"/>
+        <dgm:cxn modelId="11" srcId="0" destId="5" srcOrd="4" destOrd="0"/>
+      </dgm:cxnLst>
+      <dgm:bg/>
+      <dgm:whole/>
+    </dgm:dataModel>
+  </dgm:sampData>
+  <dgm:styleData>
+    <dgm:dataModel>
+      <dgm:ptLst>
+        <dgm:pt modelId="0" type="doc"/>
+        <dgm:pt modelId="1"/>
+        <dgm:pt modelId="2"/>
+      </dgm:ptLst>
+      <dgm:cxnLst>
+        <dgm:cxn modelId="3" srcId="0" destId="1" srcOrd="0" destOrd="0"/>
+        <dgm:cxn modelId="4" srcId="0" destId="2" srcOrd="1" destOrd="0"/>
+      </dgm:cxnLst>
+      <dgm:bg/>
+      <dgm:whole/>
+    </dgm:dataModel>
+  </dgm:styleData>
+  <dgm:clrData>
+    <dgm:dataModel>
+      <dgm:ptLst>
+        <dgm:pt modelId="0" type="doc"/>
+        <dgm:pt modelId="1"/>
+        <dgm:pt modelId="2"/>
+        <dgm:pt modelId="3"/>
+        <dgm:pt modelId="4"/>
+      </dgm:ptLst>
+      <dgm:cxnLst>
+        <dgm:cxn modelId="5" srcId="0" destId="1" srcOrd="0" destOrd="0"/>
+        <dgm:cxn modelId="6" srcId="0" destId="2" srcOrd="1" destOrd="0"/>
+        <dgm:cxn modelId="7" srcId="0" destId="3" srcOrd="2" destOrd="0"/>
+        <dgm:cxn modelId="8" srcId="0" destId="4" srcOrd="3" destOrd="0"/>
+      </dgm:cxnLst>
+      <dgm:bg/>
+      <dgm:whole/>
+    </dgm:dataModel>
+  </dgm:clrData>
+  <dgm:layoutNode name="diagram">
+    <dgm:varLst>
+      <dgm:dir/>
+      <dgm:resizeHandles val="exact"/>
+    </dgm:varLst>
+    <dgm:choose name="Name0">
+      <dgm:if name="Name1" axis="self" func="var" arg="dir" op="equ" val="norm">
+        <dgm:alg type="snake">
+          <dgm:param type="grDir" val="tL"/>
+          <dgm:param type="flowDir" val="row"/>
+          <dgm:param type="contDir" val="revDir"/>
+          <dgm:param type="bkpt" val="endCnv"/>
+        </dgm:alg>
+      </dgm:if>
+      <dgm:else name="Name2">
+        <dgm:alg type="snake">
+          <dgm:param type="grDir" val="tR"/>
+          <dgm:param type="flowDir" val="row"/>
+          <dgm:param type="contDir" val="revDir"/>
+          <dgm:param type="bkpt" val="endCnv"/>
+        </dgm:alg>
+      </dgm:else>
+    </dgm:choose>
+    <dgm:shape xmlns:r="http://schemas.openxmlformats.org/officeDocument/2006/relationships" r:blip="">
+      <dgm:adjLst/>
+    </dgm:shape>
+    <dgm:presOf/>
+    <dgm:constrLst>
+      <dgm:constr type="w" for="ch" ptType="node" refType="w"/>
+      <dgm:constr type="w" for="ch" forName="sibTrans" refType="w" refFor="ch" refPtType="node" op="equ" fact="0.4"/>
+      <dgm:constr type="sp" refType="w" refFor="ch" refForName="sibTrans" op="equ"/>
+      <dgm:constr type="primFontSz" for="ch" ptType="node" op="equ" val="65"/>
+      <dgm:constr type="primFontSz" for="des" forName="connectorText" op="equ" val="55"/>
+      <dgm:constr type="primFontSz" for="des" forName="connectorText" refType="primFontSz" refFor="ch" refPtType="node" op="lte" fact="0.8"/>
+    </dgm:constrLst>
+    <dgm:ruleLst/>
+    <dgm:forEach name="nodesForEach" axis="ch" ptType="node">
+      <dgm:layoutNode name="node">
+        <dgm:varLst>
+          <dgm:bulletEnabled val="1"/>
+        </dgm:varLst>
+        <dgm:alg type="tx"/>
+        <dgm:shape xmlns:r="http://schemas.openxmlformats.org/officeDocument/2006/relationships" type="roundRect" r:blip="">
+          <dgm:adjLst>
+            <dgm:adj idx="1" val="0.1"/>
+          </dgm:adjLst>
+        </dgm:shape>
+        <dgm:presOf axis="desOrSelf" ptType="node"/>
+        <dgm:constrLst>
+          <dgm:constr type="h" refType="w" fact="0.6"/>
+          <dgm:constr type="tMarg" refType="primFontSz" fact="0.3"/>
+          <dgm:constr type="bMarg" refType="primFontSz" fact="0.3"/>
+          <dgm:constr type="lMarg" refType="primFontSz" fact="0.3"/>
+          <dgm:constr type="rMarg" refType="primFontSz" fact="0.3"/>
+        </dgm:constrLst>
+        <dgm:ruleLst>
+          <dgm:rule type="primFontSz" val="5" fact="NaN" max="NaN"/>
+        </dgm:ruleLst>
+      </dgm:layoutNode>
+      <dgm:forEach name="sibTransForEach" axis="followSib" ptType="sibTrans" cnt="1">
+        <dgm:layoutNode name="sibTrans">
+          <dgm:alg type="conn">
+            <dgm:param type="begPts" val="auto"/>
+            <dgm:param type="endPts" val="auto"/>
+          </dgm:alg>
+          <dgm:shape xmlns:r="http://schemas.openxmlformats.org/officeDocument/2006/relationships" type="conn" r:blip="">
+            <dgm:adjLst/>
+          </dgm:shape>
+          <dgm:presOf axis="self"/>
+          <dgm:constrLst>
+            <dgm:constr type="h" refType="w" fact="0.62"/>
+            <dgm:constr type="connDist"/>
+          </dgm:constrLst>
+          <dgm:ruleLst/>
+          <dgm:layoutNode name="connectorText">
+            <dgm:alg type="tx">
+              <dgm:param type="autoTxRot" val="upr"/>
+            </dgm:alg>
+            <dgm:shape xmlns:r="http://schemas.openxmlformats.org/officeDocument/2006/relationships" type="conn" r:blip="" hideGeom="1">
+              <dgm:adjLst/>
+            </dgm:shape>
+            <dgm:presOf axis="self"/>
+            <dgm:constrLst>
+              <dgm:constr type="lMarg"/>
+              <dgm:constr type="rMarg"/>
+              <dgm:constr type="tMarg"/>
+              <dgm:constr type="bMarg"/>
+            </dgm:constrLst>
+            <dgm:ruleLst>
+              <dgm:rule type="primFontSz" val="5" fact="NaN" max="NaN"/>
+            </dgm:ruleLst>
+          </dgm:layoutNode>
+        </dgm:layoutNode>
+      </dgm:forEach>
+    </dgm:forEach>
+  </dgm:layoutNode>
+</dgm:layoutDef>
+</file>
+
+<file path=ppt/diagrams/quickStyle1.xml><?xml version="1.0" encoding="utf-8"?>
+<dgm:styleDef xmlns:dgm="http://schemas.openxmlformats.org/drawingml/2006/diagram" xmlns:a="http://schemas.openxmlformats.org/drawingml/2006/main" uniqueId="urn:microsoft.com/office/officeart/2005/8/quickstyle/simple1">
+  <dgm:title val=""/>
+  <dgm:desc val=""/>
+  <dgm:catLst>
+    <dgm:cat type="simple" pri="10100"/>
+  </dgm:catLst>
+  <dgm:scene3d>
+    <a:camera prst="orthographicFront"/>
+    <a:lightRig rig="threePt" dir="t"/>
+  </dgm:scene3d>
+  <dgm:styleLbl name="node0">
+    <dgm:scene3d>
+      <a:camera prst="orthographicFront"/>
+      <a:lightRig rig="threePt" dir="t"/>
+    </dgm:scene3d>
+    <dgm:sp3d/>
+    <dgm:txPr/>
+    <dgm:style>
+      <a:lnRef idx="2">
+        <a:scrgbClr r="0" g="0" b="0"/>
+      </a:lnRef>
+      <a:fillRef idx="1">
+        <a:scrgbClr r="0" g="0" b="0"/>
+      </a:fillRef>
+      <a:effectRef idx="0">
+        <a:scrgbClr r="0" g="0" b="0"/>
+      </a:effectRef>
+      <a:fontRef idx="minor">
+        <a:schemeClr val="lt1"/>
+      </a:fontRef>
+    </dgm:style>
+  </dgm:styleLbl>
+  <dgm:styleLbl name="lnNode1">
+    <dgm:scene3d>
+      <a:camera prst="orthographicFront"/>
+      <a:lightRig rig="threePt" dir="t"/>
+    </dgm:scene3d>
+    <dgm:sp3d/>
+    <dgm:txPr/>
+    <dgm:style>
+      <a:lnRef idx="2">
+        <a:scrgbClr r="0" g="0" b="0"/>
+      </a:lnRef>
+      <a:fillRef idx="1">
+        <a:scrgbClr r="0" g="0" b="0"/>
+      </a:fillRef>
+      <a:effectRef idx="0">
+        <a:scrgbClr r="0" g="0" b="0"/>
+      </a:effectRef>
+      <a:fontRef idx="minor">
+        <a:schemeClr val="lt1"/>
+      </a:fontRef>
+    </dgm:style>
+  </dgm:styleLbl>
+  <dgm:styleLbl name="vennNode1">
+    <dgm:scene3d>
+      <a:camera prst="orthographicFront"/>
+      <a:lightRig rig="threePt" dir="t"/>
+    </dgm:scene3d>
+    <dgm:sp3d/>
+    <dgm:txPr/>
+    <dgm:style>
+      <a:lnRef idx="2">
+        <a:scrgbClr r="0" g="0" b="0"/>
+      </a:lnRef>
+      <a:fillRef idx="1">
+        <a:scrgbClr r="0" g="0" b="0"/>
+      </a:fillRef>
+      <a:effectRef idx="0">
+        <a:scrgbClr r="0" g="0" b="0"/>
+      </a:effectRef>
+      <a:fontRef idx="minor">
+        <a:schemeClr val="tx1"/>
+      </a:fontRef>
+    </dgm:style>
+  </dgm:styleLbl>
+  <dgm:styleLbl name="alignNode1">
+    <dgm:scene3d>
+      <a:camera prst="orthographicFront"/>
+      <a:lightRig rig="threePt" dir="t"/>
+    </dgm:scene3d>
+    <dgm:sp3d/>
+    <dgm:txPr/>
+    <dgm:style>
+      <a:lnRef idx="2">
+        <a:scrgbClr r="0" g="0" b="0"/>
+      </a:lnRef>
+      <a:fillRef idx="1">
+        <a:scrgbClr r="0" g="0" b="0"/>
+      </a:fillRef>
+      <a:effectRef idx="0">
+        <a:scrgbClr r="0" g="0" b="0"/>
+      </a:effectRef>
+      <a:fontRef idx="minor">
+        <a:schemeClr val="lt1"/>
+      </a:fontRef>
+    </dgm:style>
+  </dgm:styleLbl>
+  <dgm:styleLbl name="node1">
+    <dgm:scene3d>
+      <a:camera prst="orthographicFront"/>
+      <a:lightRig rig="threePt" dir="t"/>
+    </dgm:scene3d>
+    <dgm:sp3d/>
+    <dgm:txPr/>
+    <dgm:style>
+      <a:lnRef idx="2">
+        <a:scrgbClr r="0" g="0" b="0"/>
+      </a:lnRef>
+      <a:fillRef idx="1">
+        <a:scrgbClr r="0" g="0" b="0"/>
+      </a:fillRef>
+      <a:effectRef idx="0">
+        <a:scrgbClr r="0" g="0" b="0"/>
+      </a:effectRef>
+      <a:fontRef idx="minor">
+        <a:schemeClr val="lt1"/>
+      </a:fontRef>
+    </dgm:style>
+  </dgm:styleLbl>
+  <dgm:styleLbl name="node2">
+    <dgm:scene3d>
+      <a:camera prst="orthographicFront"/>
+      <a:lightRig rig="threePt" dir="t"/>
+    </dgm:scene3d>
+    <dgm:sp3d/>
+    <dgm:txPr/>
+    <dgm:style>
+      <a:lnRef idx="2">
+        <a:scrgbClr r="0" g="0" b="0"/>
+      </a:lnRef>
+      <a:fillRef idx="1">
+        <a:scrgbClr r="0" g="0" b="0"/>
+      </a:fillRef>
+      <a:effectRef idx="0">
+        <a:scrgbClr r="0" g="0" b="0"/>
+      </a:effectRef>
+      <a:fontRef idx="minor">
+        <a:schemeClr val="lt1"/>
+      </a:fontRef>
+    </dgm:style>
+  </dgm:styleLbl>
+  <dgm:styleLbl name="node3">
+    <dgm:scene3d>
+      <a:camera prst="orthographicFront"/>
+      <a:lightRig rig="threePt" dir="t"/>
+    </dgm:scene3d>
+    <dgm:sp3d/>
+    <dgm:txPr/>
+    <dgm:style>
+      <a:lnRef idx="2">
+        <a:scrgbClr r="0" g="0" b="0"/>
+      </a:lnRef>
+      <a:fillRef idx="1">
+        <a:scrgbClr r="0" g="0" b="0"/>
+      </a:fillRef>
+      <a:effectRef idx="0">
+        <a:scrgbClr r="0" g="0" b="0"/>
+      </a:effectRef>
+      <a:fontRef idx="minor">
+        <a:schemeClr val="lt1"/>
+      </a:fontRef>
+    </dgm:style>
+  </dgm:styleLbl>
+  <dgm:styleLbl name="node4">
+    <dgm:scene3d>
+      <a:camera prst="orthographicFront"/>
+      <a:lightRig rig="threePt" dir="t"/>
+    </dgm:scene3d>
+    <dgm:sp3d/>
+    <dgm:txPr/>
+    <dgm:style>
+      <a:lnRef idx="2">
+        <a:scrgbClr r="0" g="0" b="0"/>
+      </a:lnRef>
+      <a:fillRef idx="1">
+        <a:scrgbClr r="0" g="0" b="0"/>
+      </a:fillRef>
+      <a:effectRef idx="0">
+        <a:scrgbClr r="0" g="0" b="0"/>
+      </a:effectRef>
+      <a:fontRef idx="minor">
+        <a:schemeClr val="lt1"/>
+      </a:fontRef>
+    </dgm:style>
+  </dgm:styleLbl>
+  <dgm:styleLbl name="fgImgPlace1">
+    <dgm:scene3d>
+      <a:camera prst="orthographicFront"/>
+      <a:lightRig rig="threePt" dir="t"/>
+    </dgm:scene3d>
+    <dgm:sp3d/>
+    <dgm:txPr/>
+    <dgm:style>
+      <a:lnRef idx="2">
+        <a:scrgbClr r="0" g="0" b="0"/>
+      </a:lnRef>
+      <a:fillRef idx="1">
+        <a:scrgbClr r="0" g="0" b="0"/>
+      </a:fillRef>
+      <a:effectRef idx="0">
+        <a:scrgbClr r="0" g="0" b="0"/>
+      </a:effectRef>
+      <a:fontRef idx="minor"/>
+    </dgm:style>
+  </dgm:styleLbl>
+  <dgm:styleLbl name="alignImgPlace1">
+    <dgm:scene3d>
+      <a:camera prst="orthographicFront"/>
+      <a:lightRig rig="threePt" dir="t"/>
+    </dgm:scene3d>
+    <dgm:sp3d/>
+    <dgm:txPr/>
+    <dgm:style>
+      <a:lnRef idx="2">
+        <a:scrgbClr r="0" g="0" b="0"/>
+      </a:lnRef>
+      <a:fillRef idx="1">
+        <a:scrgbClr r="0" g="0" b="0"/>
+      </a:fillRef>
+      <a:effectRef idx="0">
+        <a:scrgbClr r="0" g="0" b="0"/>
+      </a:effectRef>
+      <a:fontRef idx="minor"/>
+    </dgm:style>
+  </dgm:styleLbl>
+  <dgm:styleLbl name="bgImgPlace1">
+    <dgm:scene3d>
+      <a:camera prst="orthographicFront"/>
+      <a:lightRig rig="threePt" dir="t"/>
+    </dgm:scene3d>
+    <dgm:sp3d/>
+    <dgm:txPr/>
+    <dgm:style>
+      <a:lnRef idx="2">
+        <a:scrgbClr r="0" g="0" b="0"/>
+      </a:lnRef>
+      <a:fillRef idx="1">
+        <a:scrgbClr r="0" g="0" b="0"/>
+      </a:fillRef>
+      <a:effectRef idx="0">
+        <a:scrgbClr r="0" g="0" b="0"/>
+      </a:effectRef>
+      <a:fontRef idx="minor"/>
+    </dgm:style>
+  </dgm:styleLbl>
+  <dgm:styleLbl name="sibTrans2D1">
+    <dgm:scene3d>
+      <a:camera prst="orthographicFront"/>
+      <a:lightRig rig="threePt" dir="t"/>
+    </dgm:scene3d>
+    <dgm:sp3d/>
+    <dgm:txPr/>
+    <dgm:style>
+      <a:lnRef idx="0">
+        <a:scrgbClr r="0" g="0" b="0"/>
+      </a:lnRef>
+      <a:fillRef idx="1">
+        <a:scrgbClr r="0" g="0" b="0"/>
+      </a:fillRef>
+      <a:effectRef idx="0">
+        <a:scrgbClr r="0" g="0" b="0"/>
+      </a:effectRef>
+      <a:fontRef idx="minor">
+        <a:schemeClr val="lt1"/>
+      </a:fontRef>
+    </dgm:style>
+  </dgm:styleLbl>
+  <dgm:styleLbl name="fgSibTrans2D1">
+    <dgm:scene3d>
+      <a:camera prst="orthographicFront"/>
+      <a:lightRig rig="threePt" dir="t"/>
+    </dgm:scene3d>
+    <dgm:sp3d/>
+    <dgm:txPr/>
+    <dgm:style>
+      <a:lnRef idx="0">
+        <a:scrgbClr r="0" g="0" b="0"/>
+      </a:lnRef>
+      <a:fillRef idx="1">
+        <a:scrgbClr r="0" g="0" b="0"/>
+      </a:fillRef>
+      <a:effectRef idx="0">
+        <a:scrgbClr r="0" g="0" b="0"/>
+      </a:effectRef>
+      <a:fontRef idx="minor">
+        <a:schemeClr val="lt1"/>
+      </a:fontRef>
+    </dgm:style>
+  </dgm:styleLbl>
+  <dgm:styleLbl name="bgSibTrans2D1">
+    <dgm:scene3d>
+      <a:camera prst="orthographicFront"/>
+      <a:lightRig rig="threePt" dir="t"/>
+    </dgm:scene3d>
+    <dgm:sp3d/>
+    <dgm:txPr/>
+    <dgm:style>
+      <a:lnRef idx="0">
+        <a:scrgbClr r="0" g="0" b="0"/>
+      </a:lnRef>
+      <a:fillRef idx="1">
+        <a:scrgbClr r="0" g="0" b="0"/>
+      </a:fillRef>
+      <a:effectRef idx="0">
+        <a:scrgbClr r="0" g="0" b="0"/>
+      </a:effectRef>
+      <a:fontRef idx="minor">
+        <a:schemeClr val="lt1"/>
+      </a:fontRef>
+    </dgm:style>
+  </dgm:styleLbl>
+  <dgm:styleLbl name="sibTrans1D1">
+    <dgm:scene3d>
+      <a:camera prst="orthographicFront"/>
+      <a:lightRig rig="threePt" dir="t"/>
+    </dgm:scene3d>
+    <dgm:sp3d/>
+    <dgm:txPr/>
+    <dgm:style>
+      <a:lnRef idx="1">
+        <a:scrgbClr r="0" g="0" b="0"/>
+      </a:lnRef>
+      <a:fillRef idx="0">
+        <a:scrgbClr r="0" g="0" b="0"/>
+      </a:fillRef>
+      <a:effectRef idx="0">
+        <a:scrgbClr r="0" g="0" b="0"/>
+      </a:effectRef>
+      <a:fontRef idx="minor"/>
+    </dgm:style>
+  </dgm:styleLbl>
+  <dgm:styleLbl name="callout">
+    <dgm:scene3d>
+      <a:camera prst="orthographicFront"/>
+      <a:lightRig rig="threePt" dir="t"/>
+    </dgm:scene3d>
+    <dgm:sp3d/>
+    <dgm:txPr/>
+    <dgm:style>
+      <a:lnRef idx="2">
+        <a:scrgbClr r="0" g="0" b="0"/>
+      </a:lnRef>
+      <a:fillRef idx="1">
+        <a:scrgbClr r="0" g="0" b="0"/>
+      </a:fillRef>
+      <a:effectRef idx="0">
+        <a:scrgbClr r="0" g="0" b="0"/>
+      </a:effectRef>
+      <a:fontRef idx="minor"/>
+    </dgm:style>
+  </dgm:styleLbl>
+  <dgm:styleLbl name="asst0">
+    <dgm:scene3d>
+      <a:camera prst="orthographicFront"/>
+      <a:lightRig rig="threePt" dir="t"/>
+    </dgm:scene3d>
+    <dgm:sp3d/>
+    <dgm:txPr/>
+    <dgm:style>
+      <a:lnRef idx="2">
+        <a:scrgbClr r="0" g="0" b="0"/>
+      </a:lnRef>
+      <a:fillRef idx="1">
+        <a:scrgbClr r="0" g="0" b="0"/>
+      </a:fillRef>
+      <a:effectRef idx="0">
+        <a:scrgbClr r="0" g="0" b="0"/>
+      </a:effectRef>
+      <a:fontRef idx="minor">
+        <a:schemeClr val="lt1"/>
+      </a:fontRef>
+    </dgm:style>
+  </dgm:styleLbl>
+  <dgm:styleLbl name="asst1">
+    <dgm:scene3d>
+      <a:camera prst="orthographicFront"/>
+      <a:lightRig rig="threePt" dir="t"/>
+    </dgm:scene3d>
+    <dgm:sp3d/>
+    <dgm:txPr/>
+    <dgm:style>
+      <a:lnRef idx="2">
+        <a:scrgbClr r="0" g="0" b="0"/>
+      </a:lnRef>
+      <a:fillRef idx="1">
+        <a:scrgbClr r="0" g="0" b="0"/>
+      </a:fillRef>
+      <a:effectRef idx="0">
+        <a:scrgbClr r="0" g="0" b="0"/>
+      </a:effectRef>
+      <a:fontRef idx="minor">
+        <a:schemeClr val="lt1"/>
+      </a:fontRef>
+    </dgm:style>
+  </dgm:styleLbl>
+  <dgm:styleLbl name="asst2">
+    <dgm:scene3d>
+      <a:camera prst="orthographicFront"/>
+      <a:lightRig rig="threePt" dir="t"/>
+    </dgm:scene3d>
+    <dgm:sp3d/>
+    <dgm:txPr/>
+    <dgm:style>
+      <a:lnRef idx="2">
+        <a:scrgbClr r="0" g="0" b="0"/>
+      </a:lnRef>
+      <a:fillRef idx="1">
+        <a:scrgbClr r="0" g="0" b="0"/>
+      </a:fillRef>
+      <a:effectRef idx="0">
+        <a:scrgbClr r="0" g="0" b="0"/>
+      </a:effectRef>
+      <a:fontRef idx="minor">
+        <a:schemeClr val="lt1"/>
+      </a:fontRef>
+    </dgm:style>
+  </dgm:styleLbl>
+  <dgm:styleLbl name="asst3">
+    <dgm:scene3d>
+      <a:camera prst="orthographicFront"/>
+      <a:lightRig rig="threePt" dir="t"/>
+    </dgm:scene3d>
+    <dgm:sp3d/>
+    <dgm:txPr/>
+    <dgm:style>
+      <a:lnRef idx="2">
+        <a:scrgbClr r="0" g="0" b="0"/>
+      </a:lnRef>
+      <a:fillRef idx="1">
+        <a:scrgbClr r="0" g="0" b="0"/>
+      </a:fillRef>
+      <a:effectRef idx="0">
+        <a:scrgbClr r="0" g="0" b="0"/>
+      </a:effectRef>
+      <a:fontRef idx="minor">
+        <a:schemeClr val="lt1"/>
+      </a:fontRef>
+    </dgm:style>
+  </dgm:styleLbl>
+  <dgm:styleLbl name="asst4">
+    <dgm:scene3d>
+      <a:camera prst="orthographicFront"/>
+      <a:lightRig rig="threePt" dir="t"/>
+    </dgm:scene3d>
+    <dgm:sp3d/>
+    <dgm:txPr/>
+    <dgm:style>
+      <a:lnRef idx="2">
+        <a:scrgbClr r="0" g="0" b="0"/>
+      </a:lnRef>
+      <a:fillRef idx="1">
+        <a:scrgbClr r="0" g="0" b="0"/>
+      </a:fillRef>
+      <a:effectRef idx="0">
+        <a:scrgbClr r="0" g="0" b="0"/>
+      </a:effectRef>
+      <a:fontRef idx="minor">
+        <a:schemeClr val="lt1"/>
+      </a:fontRef>
+    </dgm:style>
+  </dgm:styleLbl>
+  <dgm:styleLbl name="parChTrans2D1">
+    <dgm:scene3d>
+      <a:camera prst="orthographicFront"/>
+      <a:lightRig rig="threePt" dir="t"/>
+    </dgm:scene3d>
+    <dgm:sp3d/>
+    <dgm:txPr/>
+    <dgm:style>
+      <a:lnRef idx="2">
+        <a:scrgbClr r="0" g="0" b="0"/>
+      </a:lnRef>
+      <a:fillRef idx="1">
+        <a:scrgbClr r="0" g="0" b="0"/>
+      </a:fillRef>
+      <a:effectRef idx="0">
+        <a:scrgbClr r="0" g="0" b="0"/>
+      </a:effectRef>
+      <a:fontRef idx="minor">
+        <a:schemeClr val="lt1"/>
+      </a:fontRef>
+    </dgm:style>
+  </dgm:styleLbl>
+  <dgm:styleLbl name="parChTrans2D2">
+    <dgm:scene3d>
+      <a:camera prst="orthographicFront"/>
+      <a:lightRig rig="threePt" dir="t"/>
+    </dgm:scene3d>
+    <dgm:sp3d/>
+    <dgm:txPr/>
+    <dgm:style>
+      <a:lnRef idx="2">
+        <a:scrgbClr r="0" g="0" b="0"/>
+      </a:lnRef>
+      <a:fillRef idx="1">
+        <a:scrgbClr r="0" g="0" b="0"/>
+      </a:fillRef>
+      <a:effectRef idx="0">
+        <a:scrgbClr r="0" g="0" b="0"/>
+      </a:effectRef>
+      <a:fontRef idx="minor">
+        <a:schemeClr val="lt1"/>
+      </a:fontRef>
+    </dgm:style>
+  </dgm:styleLbl>
+  <dgm:styleLbl name="parChTrans2D3">
+    <dgm:scene3d>
+      <a:camera prst="orthographicFront"/>
+      <a:lightRig rig="threePt" dir="t"/>
+    </dgm:scene3d>
+    <dgm:sp3d/>
+    <dgm:txPr/>
+    <dgm:style>
+      <a:lnRef idx="2">
+        <a:scrgbClr r="0" g="0" b="0"/>
+      </a:lnRef>
+      <a:fillRef idx="1">
+        <a:scrgbClr r="0" g="0" b="0"/>
+      </a:fillRef>
+      <a:effectRef idx="0">
+        <a:scrgbClr r="0" g="0" b="0"/>
+      </a:effectRef>
+      <a:fontRef idx="minor">
+        <a:schemeClr val="lt1"/>
+      </a:fontRef>
+    </dgm:style>
+  </dgm:styleLbl>
+  <dgm:styleLbl name="parChTrans2D4">
+    <dgm:scene3d>
+      <a:camera prst="orthographicFront"/>
+      <a:lightRig rig="threePt" dir="t"/>
+    </dgm:scene3d>
+    <dgm:sp3d/>
+    <dgm:txPr/>
+    <dgm:style>
+      <a:lnRef idx="2">
+        <a:scrgbClr r="0" g="0" b="0"/>
+      </a:lnRef>
+      <a:fillRef idx="1">
+        <a:scrgbClr r="0" g="0" b="0"/>
+      </a:fillRef>
+      <a:effectRef idx="0">
+        <a:scrgbClr r="0" g="0" b="0"/>
+      </a:effectRef>
+      <a:fontRef idx="minor">
+        <a:schemeClr val="lt1"/>
+      </a:fontRef>
+    </dgm:style>
+  </dgm:styleLbl>
+  <dgm:styleLbl name="parChTrans1D1">
+    <dgm:scene3d>
+      <a:camera prst="orthographicFront"/>
+      <a:lightRig rig="threePt" dir="t"/>
+    </dgm:scene3d>
+    <dgm:sp3d/>
+    <dgm:txPr/>
+    <dgm:style>
+      <a:lnRef idx="2">
+        <a:scrgbClr r="0" g="0" b="0"/>
+      </a:lnRef>
+      <a:fillRef idx="0">
+        <a:scrgbClr r="0" g="0" b="0"/>
+      </a:fillRef>
+      <a:effectRef idx="0">
+        <a:scrgbClr r="0" g="0" b="0"/>
+      </a:effectRef>
+      <a:fontRef idx="minor"/>
+    </dgm:style>
+  </dgm:styleLbl>
+  <dgm:styleLbl name="parChTrans1D2">
+    <dgm:scene3d>
+      <a:camera prst="orthographicFront"/>
+      <a:lightRig rig="threePt" dir="t"/>
+    </dgm:scene3d>
+    <dgm:sp3d/>
+    <dgm:txPr/>
+    <dgm:style>
+      <a:lnRef idx="2">
+        <a:scrgbClr r="0" g="0" b="0"/>
+      </a:lnRef>
+      <a:fillRef idx="0">
+        <a:scrgbClr r="0" g="0" b="0"/>
+      </a:fillRef>
+      <a:effectRef idx="0">
+        <a:scrgbClr r="0" g="0" b="0"/>
+      </a:effectRef>
+      <a:fontRef idx="minor"/>
+    </dgm:style>
+  </dgm:styleLbl>
+  <dgm:styleLbl name="parChTrans1D3">
+    <dgm:scene3d>
+      <a:camera prst="orthographicFront"/>
+      <a:lightRig rig="threePt" dir="t"/>
+    </dgm:scene3d>
+    <dgm:sp3d/>
+    <dgm:txPr/>
+    <dgm:style>
+      <a:lnRef idx="2">
+        <a:scrgbClr r="0" g="0" b="0"/>
+      </a:lnRef>
+      <a:fillRef idx="0">
+        <a:scrgbClr r="0" g="0" b="0"/>
+      </a:fillRef>
+      <a:effectRef idx="0">
+        <a:scrgbClr r="0" g="0" b="0"/>
+      </a:effectRef>
+      <a:fontRef idx="minor"/>
+    </dgm:style>
+  </dgm:styleLbl>
+  <dgm:styleLbl name="parChTrans1D4">
+    <dgm:scene3d>
+      <a:camera prst="orthographicFront"/>
+      <a:lightRig rig="threePt" dir="t"/>
+    </dgm:scene3d>
+    <dgm:sp3d/>
+    <dgm:txPr/>
+    <dgm:style>
+      <a:lnRef idx="2">
+        <a:scrgbClr r="0" g="0" b="0"/>
+      </a:lnRef>
+      <a:fillRef idx="0">
+        <a:scrgbClr r="0" g="0" b="0"/>
+      </a:fillRef>
+      <a:effectRef idx="0">
+        <a:scrgbClr r="0" g="0" b="0"/>
+      </a:effectRef>
+      <a:fontRef idx="minor"/>
+    </dgm:style>
+  </dgm:styleLbl>
+  <dgm:styleLbl name="fgAcc1">
+    <dgm:scene3d>
+      <a:camera prst="orthographicFront"/>
+      <a:lightRig rig="threePt" dir="t"/>
+    </dgm:scene3d>
+    <dgm:sp3d/>
+    <dgm:txPr/>
+    <dgm:style>
+      <a:lnRef idx="2">
+        <a:scrgbClr r="0" g="0" b="0"/>
+      </a:lnRef>
+      <a:fillRef idx="1">
+        <a:scrgbClr r="0" g="0" b="0"/>
+      </a:fillRef>
+      <a:effectRef idx="0">
+        <a:scrgbClr r="0" g="0" b="0"/>
+      </a:effectRef>
+      <a:fontRef idx="minor"/>
+    </dgm:style>
+  </dgm:styleLbl>
+  <dgm:styleLbl name="conFgAcc1">
+    <dgm:scene3d>
+      <a:camera prst="orthographicFront"/>
+      <a:lightRig rig="threePt" dir="t"/>
+    </dgm:scene3d>
+    <dgm:sp3d/>
+    <dgm:txPr/>
+    <dgm:style>
+      <a:lnRef idx="2">
+        <a:scrgbClr r="0" g="0" b="0"/>
+      </a:lnRef>
+      <a:fillRef idx="1">
+        <a:scrgbClr r="0" g="0" b="0"/>
+      </a:fillRef>
+      <a:effectRef idx="0">
+        <a:scrgbClr r="0" g="0" b="0"/>
+      </a:effectRef>
+      <a:fontRef idx="minor"/>
+    </dgm:style>
+  </dgm:styleLbl>
+  <dgm:styleLbl name="alignAcc1">
+    <dgm:scene3d>
+      <a:camera prst="orthographicFront"/>
+      <a:lightRig rig="threePt" dir="t"/>
+    </dgm:scene3d>
+    <dgm:sp3d/>
+    <dgm:txPr/>
+    <dgm:style>
+      <a:lnRef idx="2">
+        <a:scrgbClr r="0" g="0" b="0"/>
+      </a:lnRef>
+      <a:fillRef idx="1">
+        <a:scrgbClr r="0" g="0" b="0"/>
+      </a:fillRef>
+      <a:effectRef idx="0">
+        <a:scrgbClr r="0" g="0" b="0"/>
+      </a:effectRef>
+      <a:fontRef idx="minor"/>
+    </dgm:style>
+  </dgm:styleLbl>
+  <dgm:styleLbl name="trAlignAcc1">
+    <dgm:scene3d>
+      <a:camera prst="orthographicFront"/>
+      <a:lightRig rig="threePt" dir="t"/>
+    </dgm:scene3d>
+    <dgm:sp3d/>
+    <dgm:txPr/>
+    <dgm:style>
+      <a:lnRef idx="1">
+        <a:scrgbClr r="0" g="0" b="0"/>
+      </a:lnRef>
+      <a:fillRef idx="1">
+        <a:scrgbClr r="0" g="0" b="0"/>
+      </a:fillRef>
+      <a:effectRef idx="0">
+        <a:scrgbClr r="0" g="0" b="0"/>
+      </a:effectRef>
+      <a:fontRef idx="minor"/>
+    </dgm:style>
+  </dgm:styleLbl>
+  <dgm:styleLbl name="bgAcc1">
+    <dgm:scene3d>
+      <a:camera prst="orthographicFront"/>
+      <a:lightRig rig="threePt" dir="t"/>
+    </dgm:scene3d>
+    <dgm:sp3d/>
+    <dgm:txPr/>
+    <dgm:style>
+      <a:lnRef idx="2">
+        <a:scrgbClr r="0" g="0" b="0"/>
+      </a:lnRef>
+      <a:fillRef idx="1">
+        <a:scrgbClr r="0" g="0" b="0"/>
+      </a:fillRef>
+      <a:effectRef idx="0">
+        <a:scrgbClr r="0" g="0" b="0"/>
+      </a:effectRef>
+      <a:fontRef idx="minor"/>
+    </dgm:style>
+  </dgm:styleLbl>
+  <dgm:styleLbl name="solidFgAcc1">
+    <dgm:scene3d>
+      <a:camera prst="orthographicFront"/>
+      <a:lightRig rig="threePt" dir="t"/>
+    </dgm:scene3d>
+    <dgm:sp3d/>
+    <dgm:txPr/>
+    <dgm:style>
+      <a:lnRef idx="2">
+        <a:scrgbClr r="0" g="0" b="0"/>
+      </a:lnRef>
+      <a:fillRef idx="1">
+        <a:scrgbClr r="0" g="0" b="0"/>
+      </a:fillRef>
+      <a:effectRef idx="0">
+        <a:scrgbClr r="0" g="0" b="0"/>
+      </a:effectRef>
+      <a:fontRef idx="minor"/>
+    </dgm:style>
+  </dgm:styleLbl>
+  <dgm:styleLbl name="solidAlignAcc1">
+    <dgm:scene3d>
+      <a:camera prst="orthographicFront"/>
+      <a:lightRig rig="threePt" dir="t"/>
+    </dgm:scene3d>
+    <dgm:sp3d/>
+    <dgm:txPr/>
+    <dgm:style>
+      <a:lnRef idx="2">
+        <a:scrgbClr r="0" g="0" b="0"/>
+      </a:lnRef>
+      <a:fillRef idx="1">
+        <a:scrgbClr r="0" g="0" b="0"/>
+      </a:fillRef>
+      <a:effectRef idx="0">
+        <a:scrgbClr r="0" g="0" b="0"/>
+      </a:effectRef>
+      <a:fontRef idx="minor"/>
+    </dgm:style>
+  </dgm:styleLbl>
+  <dgm:styleLbl name="solidBgAcc1">
+    <dgm:scene3d>
+      <a:camera prst="orthographicFront"/>
+      <a:lightRig rig="threePt" dir="t"/>
+    </dgm:scene3d>
+    <dgm:sp3d/>
+    <dgm:txPr/>
+    <dgm:style>
+      <a:lnRef idx="2">
+        <a:scrgbClr r="0" g="0" b="0"/>
+      </a:lnRef>
+      <a:fillRef idx="1">
+        <a:scrgbClr r="0" g="0" b="0"/>
+      </a:fillRef>
+      <a:effectRef idx="0">
+        <a:scrgbClr r="0" g="0" b="0"/>
+      </a:effectRef>
+      <a:fontRef idx="minor"/>
+    </dgm:style>
+  </dgm:styleLbl>
+  <dgm:styleLbl name="fgAccFollowNode1">
+    <dgm:scene3d>
+      <a:camera prst="orthographicFront"/>
+      <a:lightRig rig="threePt" dir="t"/>
+    </dgm:scene3d>
+    <dgm:sp3d/>
+    <dgm:txPr/>
+    <dgm:style>
+      <a:lnRef idx="2">
+        <a:scrgbClr r="0" g="0" b="0"/>
+      </a:lnRef>
+      <a:fillRef idx="1">
+        <a:scrgbClr r="0" g="0" b="0"/>
+      </a:fillRef>
+      <a:effectRef idx="0">
+        <a:scrgbClr r="0" g="0" b="0"/>
+      </a:effectRef>
+      <a:fontRef idx="minor"/>
+    </dgm:style>
+  </dgm:styleLbl>
+  <dgm:styleLbl name="alignAccFollowNode1">
+    <dgm:scene3d>
+      <a:camera prst="orthographicFront"/>
+      <a:lightRig rig="threePt" dir="t"/>
+    </dgm:scene3d>
+    <dgm:sp3d/>
+    <dgm:txPr/>
+    <dgm:style>
+      <a:lnRef idx="2">
+        <a:scrgbClr r="0" g="0" b="0"/>
+      </a:lnRef>
+      <a:fillRef idx="1">
+        <a:scrgbClr r="0" g="0" b="0"/>
+      </a:fillRef>
+      <a:effectRef idx="0">
+        <a:scrgbClr r="0" g="0" b="0"/>
+      </a:effectRef>
+      <a:fontRef idx="minor"/>
+    </dgm:style>
+  </dgm:styleLbl>
+  <dgm:styleLbl name="bgAccFollowNode1">
+    <dgm:scene3d>
+      <a:camera prst="orthographicFront"/>
+      <a:lightRig rig="threePt" dir="t"/>
+    </dgm:scene3d>
+    <dgm:sp3d/>
+    <dgm:txPr/>
+    <dgm:style>
+      <a:lnRef idx="2">
+        <a:scrgbClr r="0" g="0" b="0"/>
+      </a:lnRef>
+      <a:fillRef idx="1">
+        <a:scrgbClr r="0" g="0" b="0"/>
+      </a:fillRef>
+      <a:effectRef idx="0">
+        <a:scrgbClr r="0" g="0" b="0"/>
+      </a:effectRef>
+      <a:fontRef idx="minor"/>
+    </dgm:style>
+  </dgm:styleLbl>
+  <dgm:styleLbl name="fgAcc0">
+    <dgm:scene3d>
+      <a:camera prst="orthographicFront"/>
+      <a:lightRig rig="threePt" dir="t"/>
+    </dgm:scene3d>
+    <dgm:sp3d/>
+    <dgm:txPr/>
+    <dgm:style>
+      <a:lnRef idx="2">
+        <a:scrgbClr r="0" g="0" b="0"/>
+      </a:lnRef>
+      <a:fillRef idx="1">
+        <a:scrgbClr r="0" g="0" b="0"/>
+      </a:fillRef>
+      <a:effectRef idx="0">
+        <a:scrgbClr r="0" g="0" b="0"/>
+      </a:effectRef>
+      <a:fontRef idx="minor"/>
+    </dgm:style>
+  </dgm:styleLbl>
+  <dgm:styleLbl name="fgAcc2">
+    <dgm:scene3d>
+      <a:camera prst="orthographicFront"/>
+      <a:lightRig rig="threePt" dir="t"/>
+    </dgm:scene3d>
+    <dgm:sp3d/>
+    <dgm:txPr/>
+    <dgm:style>
+      <a:lnRef idx="2">
+        <a:scrgbClr r="0" g="0" b="0"/>
+      </a:lnRef>
+      <a:fillRef idx="1">
+        <a:scrgbClr r="0" g="0" b="0"/>
+      </a:fillRef>
+      <a:effectRef idx="0">
+        <a:scrgbClr r="0" g="0" b="0"/>
+      </a:effectRef>
+      <a:fontRef idx="minor"/>
+    </dgm:style>
+  </dgm:styleLbl>
+  <dgm:styleLbl name="fgAcc3">
+    <dgm:scene3d>
+      <a:camera prst="orthographicFront"/>
+      <a:lightRig rig="threePt" dir="t"/>
+    </dgm:scene3d>
+    <dgm:sp3d/>
+    <dgm:txPr/>
+    <dgm:style>
+      <a:lnRef idx="2">
+        <a:scrgbClr r="0" g="0" b="0"/>
+      </a:lnRef>
+      <a:fillRef idx="1">
+        <a:scrgbClr r="0" g="0" b="0"/>
+      </a:fillRef>
+      <a:effectRef idx="0">
+        <a:scrgbClr r="0" g="0" b="0"/>
+      </a:effectRef>
+      <a:fontRef idx="minor"/>
+    </dgm:style>
+  </dgm:styleLbl>
+  <dgm:styleLbl name="fgAcc4">
+    <dgm:scene3d>
+      <a:camera prst="orthographicFront"/>
+      <a:lightRig rig="threePt" dir="t"/>
+    </dgm:scene3d>
+    <dgm:sp3d/>
+    <dgm:txPr/>
+    <dgm:style>
+      <a:lnRef idx="2">
+        <a:scrgbClr r="0" g="0" b="0"/>
+      </a:lnRef>
+      <a:fillRef idx="1">
+        <a:scrgbClr r="0" g="0" b="0"/>
+      </a:fillRef>
+      <a:effectRef idx="0">
+        <a:scrgbClr r="0" g="0" b="0"/>
+      </a:effectRef>
+      <a:fontRef idx="minor"/>
+    </dgm:style>
+  </dgm:styleLbl>
+  <dgm:styleLbl name="bgShp">
+    <dgm:scene3d>
+      <a:camera prst="orthographicFront"/>
+      <a:lightRig rig="threePt" dir="t"/>
+    </dgm:scene3d>
+    <dgm:sp3d/>
+    <dgm:txPr/>
+    <dgm:style>
+      <a:lnRef idx="0">
+        <a:scrgbClr r="0" g="0" b="0"/>
+      </a:lnRef>
+      <a:fillRef idx="1">
+        <a:scrgbClr r="0" g="0" b="0"/>
+      </a:fillRef>
+      <a:effectRef idx="0">
+        <a:scrgbClr r="0" g="0" b="0"/>
+      </a:effectRef>
+      <a:fontRef idx="minor"/>
+    </dgm:style>
+  </dgm:styleLbl>
+  <dgm:styleLbl name="dkBgShp">
+    <dgm:scene3d>
+      <a:camera prst="orthographicFront"/>
+      <a:lightRig rig="threePt" dir="t"/>
+    </dgm:scene3d>
+    <dgm:sp3d/>
+    <dgm:txPr/>
+    <dgm:style>
+      <a:lnRef idx="0">
+        <a:scrgbClr r="0" g="0" b="0"/>
+      </a:lnRef>
+      <a:fillRef idx="1">
+        <a:scrgbClr r="0" g="0" b="0"/>
+      </a:fillRef>
+      <a:effectRef idx="0">
+        <a:scrgbClr r="0" g="0" b="0"/>
+      </a:effectRef>
+      <a:fontRef idx="minor"/>
+    </dgm:style>
+  </dgm:styleLbl>
+  <dgm:styleLbl name="trBgShp">
+    <dgm:scene3d>
+      <a:camera prst="orthographicFront"/>
+      <a:lightRig rig="threePt" dir="t"/>
+    </dgm:scene3d>
+    <dgm:sp3d/>
+    <dgm:txPr/>
+    <dgm:style>
+      <a:lnRef idx="0">
+        <a:scrgbClr r="0" g="0" b="0"/>
+      </a:lnRef>
+      <a:fillRef idx="1">
+        <a:scrgbClr r="0" g="0" b="0"/>
+      </a:fillRef>
+      <a:effectRef idx="0">
+        <a:scrgbClr r="0" g="0" b="0"/>
+      </a:effectRef>
+      <a:fontRef idx="minor"/>
+    </dgm:style>
+  </dgm:styleLbl>
+  <dgm:styleLbl name="fgShp">
+    <dgm:scene3d>
+      <a:camera prst="orthographicFront"/>
+      <a:lightRig rig="threePt" dir="t"/>
+    </dgm:scene3d>
+    <dgm:sp3d/>
+    <dgm:txPr/>
+    <dgm:style>
+      <a:lnRef idx="2">
+        <a:scrgbClr r="0" g="0" b="0"/>
+      </a:lnRef>
+      <a:fillRef idx="1">
+        <a:scrgbClr r="0" g="0" b="0"/>
+      </a:fillRef>
+      <a:effectRef idx="0">
+        <a:scrgbClr r="0" g="0" b="0"/>
+      </a:effectRef>
+      <a:fontRef idx="minor"/>
+    </dgm:style>
+  </dgm:styleLbl>
+  <dgm:styleLbl name="revTx">
+    <dgm:scene3d>
+      <a:camera prst="orthographicFront"/>
+      <a:lightRig rig="threePt" dir="t"/>
+    </dgm:scene3d>
+    <dgm:sp3d/>
+    <dgm:txPr/>
+    <dgm:style>
+      <a:lnRef idx="0">
+        <a:scrgbClr r="0" g="0" b="0"/>
+      </a:lnRef>
+      <a:fillRef idx="0">
+        <a:scrgbClr r="0" g="0" b="0"/>
+      </a:fillRef>
+      <a:effectRef idx="0">
+        <a:scrgbClr r="0" g="0" b="0"/>
+      </a:effectRef>
+      <a:fontRef idx="minor"/>
+    </dgm:style>
+  </dgm:styleLbl>
+</dgm:styleDef>
 </file>
 
 <file path=ppt/notesMasters/notesMaster1.xml><?xml version="1.0" encoding="utf-8"?>
@@ -569,6 +3579,90 @@
     <p:extLst>
       <p:ext uri="{BB962C8B-B14F-4D97-AF65-F5344CB8AC3E}">
         <p14:creationId xmlns:p14="http://schemas.microsoft.com/office/powerpoint/2010/main" val="2371805660"/>
+      </p:ext>
+    </p:extLst>
+  </p:cSld>
+  <p:clrMapOvr>
+    <a:masterClrMapping/>
+  </p:clrMapOvr>
+</p:notes>
+</file>
+
+<file path=ppt/notesSlides/notesSlide2.xml><?xml version="1.0" encoding="utf-8"?>
+<p:notes xmlns:a="http://schemas.openxmlformats.org/drawingml/2006/main" xmlns:r="http://schemas.openxmlformats.org/officeDocument/2006/relationships" xmlns:p="http://schemas.openxmlformats.org/presentationml/2006/main">
+  <p:cSld>
+    <p:spTree>
+      <p:nvGrpSpPr>
+        <p:cNvPr id="1" name=""/>
+        <p:cNvGrpSpPr/>
+        <p:nvPr/>
+      </p:nvGrpSpPr>
+      <p:grpSpPr>
+        <a:xfrm>
+          <a:off x="0" y="0"/>
+          <a:ext cx="0" cy="0"/>
+          <a:chOff x="0" y="0"/>
+          <a:chExt cx="0" cy="0"/>
+        </a:xfrm>
+      </p:grpSpPr>
+      <p:sp>
+        <p:nvSpPr>
+          <p:cNvPr id="2" name="Slide Image Placeholder 1"/>
+          <p:cNvSpPr>
+            <a:spLocks noGrp="1" noRot="1" noChangeAspect="1"/>
+          </p:cNvSpPr>
+          <p:nvPr>
+            <p:ph type="sldImg"/>
+          </p:nvPr>
+        </p:nvSpPr>
+        <p:spPr/>
+      </p:sp>
+      <p:sp>
+        <p:nvSpPr>
+          <p:cNvPr id="3" name="Notes Placeholder 2"/>
+          <p:cNvSpPr>
+            <a:spLocks noGrp="1"/>
+          </p:cNvSpPr>
+          <p:nvPr>
+            <p:ph type="body" idx="1"/>
+          </p:nvPr>
+        </p:nvSpPr>
+        <p:spPr/>
+        <p:txBody>
+          <a:bodyPr/>
+          <a:lstStyle/>
+          <a:p>
+            <a:endParaRPr lang="en-US" dirty="0"/>
+          </a:p>
+        </p:txBody>
+      </p:sp>
+      <p:sp>
+        <p:nvSpPr>
+          <p:cNvPr id="4" name="Slide Number Placeholder 3"/>
+          <p:cNvSpPr>
+            <a:spLocks noGrp="1"/>
+          </p:cNvSpPr>
+          <p:nvPr>
+            <p:ph type="sldNum" sz="quarter" idx="10"/>
+          </p:nvPr>
+        </p:nvSpPr>
+        <p:spPr/>
+        <p:txBody>
+          <a:bodyPr/>
+          <a:lstStyle/>
+          <a:p>
+            <a:fld id="{1269D03C-0769-45B7-B86E-A8B179105AB6}" type="slidenum">
+              <a:rPr lang="en-US" smtClean="0"/>
+              <a:t>24</a:t>
+            </a:fld>
+            <a:endParaRPr lang="en-US"/>
+          </a:p>
+        </p:txBody>
+      </p:sp>
+    </p:spTree>
+    <p:extLst>
+      <p:ext uri="{BB962C8B-B14F-4D97-AF65-F5344CB8AC3E}">
+        <p14:creationId xmlns:p14="http://schemas.microsoft.com/office/powerpoint/2010/main" val="1671272679"/>
       </p:ext>
     </p:extLst>
   </p:cSld>
@@ -4360,8 +7454,8 @@
         </p:blipFill>
         <p:spPr>
           <a:xfrm>
-            <a:off x="48492" y="459795"/>
-            <a:ext cx="3837708" cy="4707950"/>
+            <a:off x="48491" y="304800"/>
+            <a:ext cx="3930171" cy="4821380"/>
           </a:xfrm>
           <a:prstGeom prst="rect">
             <a:avLst/>
@@ -4640,11 +7734,13 @@
       </p:sp>
       <p:pic>
         <p:nvPicPr>
-          <p:cNvPr id="10" name="Picture 3" descr="https://lh4.googleusercontent.com/4Wo_w--dESstuOhLyGi5_anej3dN8TpOFYRhrd4hW8Rhjcg7IBc82rGGYXC23jO5Z0IsU5I5RQCCT9CCz7ajbDwOsBM3SJprGAIRd4fhkeUtefASTNRpcZORRVAHTBqLAwFzw19z"/>
-          <p:cNvPicPr/>
+          <p:cNvPr id="1026" name="Picture 2" descr="https://lh4.googleusercontent.com/4Wo_w--dESstuOhLyGi5_anej3dN8TpOFYRhrd4hW8Rhjcg7IBc82rGGYXC23jO5Z0IsU5I5RQCCT9CCz7ajbDwOsBM3SJprGAIRd4fhkeUtefASTNRpcZORRVAHTBqLAwFzw19z"/>
+          <p:cNvPicPr>
+            <a:picLocks noChangeAspect="1" noChangeArrowheads="1"/>
+          </p:cNvPicPr>
           <p:nvPr/>
         </p:nvPicPr>
-        <p:blipFill>
+        <p:blipFill rotWithShape="1">
           <a:blip r:embed="rId4" cstate="print">
             <a:extLst>
               <a:ext uri="{28A0092B-C50C-407E-A947-70E740481C1C}">
@@ -4652,23 +7748,27 @@
               </a:ext>
             </a:extLst>
           </a:blip>
-          <a:srcRect/>
-          <a:stretch>
-            <a:fillRect/>
-          </a:stretch>
+          <a:srcRect t="20779" b="24963"/>
+          <a:stretch/>
         </p:blipFill>
         <p:spPr bwMode="auto">
           <a:xfrm>
-            <a:off x="527122" y="5261623"/>
-            <a:ext cx="2949720" cy="900546"/>
+            <a:off x="623254" y="5126179"/>
+            <a:ext cx="2627835" cy="1129867"/>
           </a:xfrm>
           <a:prstGeom prst="rect">
             <a:avLst/>
           </a:prstGeom>
           <a:noFill/>
-          <a:ln>
-            <a:noFill/>
-          </a:ln>
+          <a:extLst>
+            <a:ext uri="{909E8E84-426E-40DD-AFC4-6F175D3DCCD1}">
+              <a14:hiddenFill xmlns:a14="http://schemas.microsoft.com/office/drawing/2010/main">
+                <a:solidFill>
+                  <a:srgbClr val="FFFFFF"/>
+                </a:solidFill>
+              </a14:hiddenFill>
+            </a:ext>
+          </a:extLst>
         </p:spPr>
       </p:pic>
     </p:spTree>
@@ -4692,6 +7792,779 @@
 </file>
 
 <file path=ppt/slides/slide10.xml><?xml version="1.0" encoding="utf-8"?>
+<p:sld xmlns:a="http://schemas.openxmlformats.org/drawingml/2006/main" xmlns:r="http://schemas.openxmlformats.org/officeDocument/2006/relationships" xmlns:p="http://schemas.openxmlformats.org/presentationml/2006/main">
+  <p:cSld>
+    <p:spTree>
+      <p:nvGrpSpPr>
+        <p:cNvPr id="1" name=""/>
+        <p:cNvGrpSpPr/>
+        <p:nvPr/>
+      </p:nvGrpSpPr>
+      <p:grpSpPr>
+        <a:xfrm>
+          <a:off x="0" y="0"/>
+          <a:ext cx="0" cy="0"/>
+          <a:chOff x="0" y="0"/>
+          <a:chExt cx="0" cy="0"/>
+        </a:xfrm>
+      </p:grpSpPr>
+      <p:pic>
+        <p:nvPicPr>
+          <p:cNvPr id="5" name="Picture 4"/>
+          <p:cNvPicPr>
+            <a:picLocks noChangeAspect="1"/>
+          </p:cNvPicPr>
+          <p:nvPr/>
+        </p:nvPicPr>
+        <p:blipFill>
+          <a:blip r:embed="rId2" cstate="print">
+            <a:extLst>
+              <a:ext uri="{28A0092B-C50C-407E-A947-70E740481C1C}">
+                <a14:useLocalDpi xmlns:a14="http://schemas.microsoft.com/office/drawing/2010/main" val="0"/>
+              </a:ext>
+            </a:extLst>
+          </a:blip>
+          <a:stretch>
+            <a:fillRect/>
+          </a:stretch>
+        </p:blipFill>
+        <p:spPr>
+          <a:xfrm>
+            <a:off x="-1" y="0"/>
+            <a:ext cx="10349346" cy="6858000"/>
+          </a:xfrm>
+          <a:prstGeom prst="rect">
+            <a:avLst/>
+          </a:prstGeom>
+        </p:spPr>
+      </p:pic>
+      <p:sp>
+        <p:nvSpPr>
+          <p:cNvPr id="7" name="Rectangle 6"/>
+          <p:cNvSpPr/>
+          <p:nvPr/>
+        </p:nvSpPr>
+        <p:spPr>
+          <a:xfrm>
+            <a:off x="10536099" y="1"/>
+            <a:ext cx="530915" cy="6858000"/>
+          </a:xfrm>
+          <a:prstGeom prst="rect">
+            <a:avLst/>
+          </a:prstGeom>
+        </p:spPr>
+        <p:txBody>
+          <a:bodyPr vert="wordArtVert" wrap="square">
+            <a:spAutoFit/>
+          </a:bodyPr>
+          <a:lstStyle/>
+          <a:p>
+            <a:pPr algn="ctr"/>
+            <a:r>
+              <a:rPr lang="en-US" sz="2000" b="1" dirty="0" smtClean="0">
+                <a:solidFill>
+                  <a:srgbClr val="002060"/>
+                </a:solidFill>
+                <a:latin typeface="Arial Rounded MT Bold" panose="020F0704030504030204" pitchFamily="34" charset="0"/>
+              </a:rPr>
+              <a:t>Teenage pregnancy</a:t>
+            </a:r>
+            <a:endParaRPr lang="en-US" sz="2000" b="1" dirty="0">
+              <a:latin typeface="Arial Rounded MT Bold" panose="020F0704030504030204" pitchFamily="34" charset="0"/>
+            </a:endParaRPr>
+          </a:p>
+        </p:txBody>
+      </p:sp>
+    </p:spTree>
+    <p:extLst>
+      <p:ext uri="{BB962C8B-B14F-4D97-AF65-F5344CB8AC3E}">
+        <p14:creationId xmlns:p14="http://schemas.microsoft.com/office/powerpoint/2010/main" val="1437233150"/>
+      </p:ext>
+    </p:extLst>
+  </p:cSld>
+  <p:clrMapOvr>
+    <a:masterClrMapping/>
+  </p:clrMapOvr>
+</p:sld>
+</file>
+
+<file path=ppt/slides/slide11.xml><?xml version="1.0" encoding="utf-8"?>
+<p:sld xmlns:a="http://schemas.openxmlformats.org/drawingml/2006/main" xmlns:r="http://schemas.openxmlformats.org/officeDocument/2006/relationships" xmlns:p="http://schemas.openxmlformats.org/presentationml/2006/main">
+  <p:cSld>
+    <p:spTree>
+      <p:nvGrpSpPr>
+        <p:cNvPr id="1" name=""/>
+        <p:cNvGrpSpPr/>
+        <p:nvPr/>
+      </p:nvGrpSpPr>
+      <p:grpSpPr>
+        <a:xfrm>
+          <a:off x="0" y="0"/>
+          <a:ext cx="0" cy="0"/>
+          <a:chOff x="0" y="0"/>
+          <a:chExt cx="0" cy="0"/>
+        </a:xfrm>
+      </p:grpSpPr>
+      <p:sp>
+        <p:nvSpPr>
+          <p:cNvPr id="3" name="Content Placeholder 2"/>
+          <p:cNvSpPr>
+            <a:spLocks noGrp="1"/>
+          </p:cNvSpPr>
+          <p:nvPr>
+            <p:ph idx="1"/>
+          </p:nvPr>
+        </p:nvSpPr>
+        <p:spPr>
+          <a:xfrm>
+            <a:off x="618661" y="1865446"/>
+            <a:ext cx="3835575" cy="4253346"/>
+          </a:xfrm>
+        </p:spPr>
+        <p:txBody>
+          <a:bodyPr numCol="1">
+            <a:noAutofit/>
+          </a:bodyPr>
+          <a:lstStyle/>
+          <a:p>
+            <a:pPr algn="just"/>
+            <a:r>
+              <a:rPr lang="en-US" dirty="0" smtClean="0">
+                <a:latin typeface="Bell MT" pitchFamily="18" charset="0"/>
+              </a:rPr>
+              <a:t>who cannot read</a:t>
+            </a:r>
+          </a:p>
+          <a:p>
+            <a:pPr algn="just"/>
+            <a:r>
+              <a:rPr lang="en-US" dirty="0" smtClean="0">
+                <a:latin typeface="Bell MT" pitchFamily="18" charset="0"/>
+              </a:rPr>
+              <a:t>with completed primary education</a:t>
+            </a:r>
+          </a:p>
+          <a:p>
+            <a:pPr algn="just"/>
+            <a:r>
+              <a:rPr lang="en-US" dirty="0" smtClean="0">
+                <a:latin typeface="Bell MT" pitchFamily="18" charset="0"/>
+              </a:rPr>
+              <a:t>exposed to at least one media source at least once</a:t>
+            </a:r>
+          </a:p>
+          <a:p>
+            <a:pPr marL="0" indent="0" algn="just">
+              <a:buNone/>
+            </a:pPr>
+            <a:r>
+              <a:rPr lang="en-US" dirty="0" smtClean="0">
+                <a:latin typeface="Bell MT" pitchFamily="18" charset="0"/>
+              </a:rPr>
+              <a:t> a week</a:t>
+            </a:r>
+          </a:p>
+          <a:p>
+            <a:pPr algn="just"/>
+            <a:r>
+              <a:rPr lang="en-US" dirty="0" smtClean="0">
+                <a:latin typeface="Bell MT" pitchFamily="18" charset="0"/>
+              </a:rPr>
+              <a:t>currently married</a:t>
+            </a:r>
+          </a:p>
+          <a:p>
+            <a:pPr algn="just"/>
+            <a:r>
+              <a:rPr lang="en-US" dirty="0" smtClean="0">
+                <a:latin typeface="Bell MT" pitchFamily="18" charset="0"/>
+              </a:rPr>
+              <a:t>currently living together</a:t>
+            </a:r>
+          </a:p>
+          <a:p>
+            <a:pPr algn="just"/>
+            <a:r>
+              <a:rPr lang="en-US" dirty="0" smtClean="0">
+                <a:latin typeface="Bell MT" pitchFamily="18" charset="0"/>
+              </a:rPr>
+              <a:t>who had sexual intercourse before age </a:t>
+            </a:r>
+            <a:r>
+              <a:rPr lang="en-US" dirty="0" smtClean="0">
+                <a:latin typeface="Bell MT" pitchFamily="18" charset="0"/>
+              </a:rPr>
+              <a:t>15</a:t>
+            </a:r>
+            <a:endParaRPr lang="en-US" dirty="0" smtClean="0">
+              <a:latin typeface="Bell MT" pitchFamily="18" charset="0"/>
+            </a:endParaRPr>
+          </a:p>
+        </p:txBody>
+      </p:sp>
+      <p:sp>
+        <p:nvSpPr>
+          <p:cNvPr id="4" name="Line Callout 2 3"/>
+          <p:cNvSpPr/>
+          <p:nvPr/>
+        </p:nvSpPr>
+        <p:spPr>
+          <a:xfrm>
+            <a:off x="1579420" y="460713"/>
+            <a:ext cx="2396836" cy="606087"/>
+          </a:xfrm>
+          <a:prstGeom prst="borderCallout2">
+            <a:avLst>
+              <a:gd name="adj1" fmla="val 18750"/>
+              <a:gd name="adj2" fmla="val -8333"/>
+              <a:gd name="adj3" fmla="val 18750"/>
+              <a:gd name="adj4" fmla="val -16667"/>
+              <a:gd name="adj5" fmla="val 112594"/>
+              <a:gd name="adj6" fmla="val -34510"/>
+            </a:avLst>
+          </a:prstGeom>
+          <a:solidFill>
+            <a:schemeClr val="accent2">
+              <a:lumMod val="60000"/>
+              <a:lumOff val="40000"/>
+            </a:schemeClr>
+          </a:solidFill>
+          <a:ln w="28575">
+            <a:solidFill>
+              <a:schemeClr val="accent3">
+                <a:lumMod val="50000"/>
+              </a:schemeClr>
+            </a:solidFill>
+          </a:ln>
+        </p:spPr>
+        <p:style>
+          <a:lnRef idx="2">
+            <a:schemeClr val="accent6"/>
+          </a:lnRef>
+          <a:fillRef idx="1">
+            <a:schemeClr val="lt1"/>
+          </a:fillRef>
+          <a:effectRef idx="0">
+            <a:schemeClr val="accent6"/>
+          </a:effectRef>
+          <a:fontRef idx="minor">
+            <a:schemeClr val="dk1"/>
+          </a:fontRef>
+        </p:style>
+        <p:txBody>
+          <a:bodyPr rot="0" spcFirstLastPara="0" vertOverflow="overflow" horzOverflow="overflow" vert="horz" wrap="square" lIns="91440" tIns="45720" rIns="91440" bIns="45720" numCol="1" spcCol="0" rtlCol="0" fromWordArt="0" anchor="ctr" anchorCtr="0" forceAA="0" compatLnSpc="1">
+            <a:prstTxWarp prst="textNoShape">
+              <a:avLst/>
+            </a:prstTxWarp>
+            <a:noAutofit/>
+          </a:bodyPr>
+          <a:lstStyle/>
+          <a:p>
+            <a:pPr marL="0" lvl="1" algn="ctr"/>
+            <a:r>
+              <a:rPr lang="en-US" sz="2400" b="1" dirty="0">
+                <a:solidFill>
+                  <a:srgbClr val="002060"/>
+                </a:solidFill>
+                <a:latin typeface="Bell MT" panose="02020503060305020303" pitchFamily="18" charset="0"/>
+              </a:rPr>
+              <a:t>Keys </a:t>
+            </a:r>
+            <a:r>
+              <a:rPr lang="en-US" sz="2400" b="1" dirty="0" smtClean="0">
+                <a:solidFill>
+                  <a:srgbClr val="002060"/>
+                </a:solidFill>
+                <a:latin typeface="Bell MT" panose="02020503060305020303" pitchFamily="18" charset="0"/>
+              </a:rPr>
+              <a:t>variables</a:t>
+            </a:r>
+            <a:endParaRPr lang="en-US" sz="1400" b="1" dirty="0">
+              <a:solidFill>
+                <a:srgbClr val="002060"/>
+              </a:solidFill>
+              <a:latin typeface="Bell MT" panose="02020503060305020303" pitchFamily="18" charset="0"/>
+            </a:endParaRPr>
+          </a:p>
+        </p:txBody>
+      </p:sp>
+      <p:sp>
+        <p:nvSpPr>
+          <p:cNvPr id="5" name="Rectangle 4"/>
+          <p:cNvSpPr/>
+          <p:nvPr/>
+        </p:nvSpPr>
+        <p:spPr>
+          <a:xfrm>
+            <a:off x="942109" y="6024611"/>
+            <a:ext cx="10002982" cy="461665"/>
+          </a:xfrm>
+          <a:prstGeom prst="rect">
+            <a:avLst/>
+          </a:prstGeom>
+        </p:spPr>
+        <p:txBody>
+          <a:bodyPr wrap="square">
+            <a:spAutoFit/>
+          </a:bodyPr>
+          <a:lstStyle/>
+          <a:p>
+            <a:pPr algn="just"/>
+            <a:r>
+              <a:rPr lang="en-US" sz="2000" b="1" dirty="0">
+                <a:solidFill>
+                  <a:srgbClr val="002060"/>
+                </a:solidFill>
+                <a:latin typeface="Bell MT" pitchFamily="18" charset="0"/>
+              </a:rPr>
+              <a:t>That treats </a:t>
+            </a:r>
+            <a:r>
+              <a:rPr lang="en-US" sz="2000" b="1" dirty="0" smtClean="0">
+                <a:solidFill>
+                  <a:srgbClr val="002060"/>
+                </a:solidFill>
+                <a:latin typeface="Bell MT" pitchFamily="18" charset="0"/>
+              </a:rPr>
+              <a:t>different </a:t>
+            </a:r>
+            <a:r>
+              <a:rPr lang="en-US" sz="2000" b="1" dirty="0">
+                <a:solidFill>
+                  <a:srgbClr val="002060"/>
+                </a:solidFill>
+                <a:latin typeface="Bell MT" pitchFamily="18" charset="0"/>
+              </a:rPr>
+              <a:t>age groups: 15-19 years old, 15-24 years old, 20-24 years </a:t>
+            </a:r>
+            <a:r>
+              <a:rPr lang="en-US" sz="2400" b="1" dirty="0" smtClean="0">
+                <a:solidFill>
+                  <a:srgbClr val="002060"/>
+                </a:solidFill>
+                <a:latin typeface="Bell MT" pitchFamily="18" charset="0"/>
+              </a:rPr>
+              <a:t>old…</a:t>
+            </a:r>
+            <a:endParaRPr lang="en-US" sz="2400" b="1" dirty="0">
+              <a:solidFill>
+                <a:srgbClr val="002060"/>
+              </a:solidFill>
+              <a:latin typeface="Bell MT" pitchFamily="18" charset="0"/>
+            </a:endParaRPr>
+          </a:p>
+        </p:txBody>
+      </p:sp>
+      <p:sp>
+        <p:nvSpPr>
+          <p:cNvPr id="6" name="Rectangle 5"/>
+          <p:cNvSpPr/>
+          <p:nvPr/>
+        </p:nvSpPr>
+        <p:spPr>
+          <a:xfrm>
+            <a:off x="417770" y="1496114"/>
+            <a:ext cx="4302396" cy="369332"/>
+          </a:xfrm>
+          <a:prstGeom prst="rect">
+            <a:avLst/>
+          </a:prstGeom>
+        </p:spPr>
+        <p:txBody>
+          <a:bodyPr wrap="none">
+            <a:spAutoFit/>
+          </a:bodyPr>
+          <a:lstStyle/>
+          <a:p>
+            <a:r>
+              <a:rPr lang="en-US" b="1" dirty="0">
+                <a:latin typeface="Bell MT" panose="02020503060305020303" pitchFamily="18" charset="0"/>
+              </a:rPr>
+              <a:t>Variables used are percentage of youth : </a:t>
+            </a:r>
+          </a:p>
+        </p:txBody>
+      </p:sp>
+      <p:pic>
+        <p:nvPicPr>
+          <p:cNvPr id="7" name="Picture 6"/>
+          <p:cNvPicPr>
+            <a:picLocks noChangeAspect="1"/>
+          </p:cNvPicPr>
+          <p:nvPr/>
+        </p:nvPicPr>
+        <p:blipFill>
+          <a:blip r:embed="rId2" cstate="print">
+            <a:extLst>
+              <a:ext uri="{28A0092B-C50C-407E-A947-70E740481C1C}">
+                <a14:useLocalDpi xmlns:a14="http://schemas.microsoft.com/office/drawing/2010/main" val="0"/>
+              </a:ext>
+            </a:extLst>
+          </a:blip>
+          <a:stretch>
+            <a:fillRect/>
+          </a:stretch>
+        </p:blipFill>
+        <p:spPr>
+          <a:xfrm>
+            <a:off x="5721540" y="604170"/>
+            <a:ext cx="1247296" cy="1189141"/>
+          </a:xfrm>
+          <a:prstGeom prst="ellipse">
+            <a:avLst/>
+          </a:prstGeom>
+          <a:ln>
+            <a:noFill/>
+          </a:ln>
+          <a:effectLst>
+            <a:softEdge rad="112500"/>
+          </a:effectLst>
+        </p:spPr>
+      </p:pic>
+      <p:sp>
+        <p:nvSpPr>
+          <p:cNvPr id="8" name="Content Placeholder 2"/>
+          <p:cNvSpPr txBox="1">
+            <a:spLocks/>
+          </p:cNvSpPr>
+          <p:nvPr/>
+        </p:nvSpPr>
+        <p:spPr>
+          <a:xfrm>
+            <a:off x="4655126" y="1865446"/>
+            <a:ext cx="5832765" cy="4009056"/>
+          </a:xfrm>
+          <a:prstGeom prst="rect">
+            <a:avLst/>
+          </a:prstGeom>
+        </p:spPr>
+        <p:txBody>
+          <a:bodyPr vert="horz" lIns="91440" tIns="45720" rIns="91440" bIns="45720" numCol="1" rtlCol="0">
+            <a:noAutofit/>
+          </a:bodyPr>
+          <a:lstStyle>
+            <a:lvl1pPr marL="182880" indent="-182880" algn="l" defTabSz="914400" rtl="0" eaLnBrk="1" latinLnBrk="0" hangingPunct="1">
+              <a:lnSpc>
+                <a:spcPct val="95000"/>
+              </a:lnSpc>
+              <a:spcBef>
+                <a:spcPts val="1400"/>
+              </a:spcBef>
+              <a:spcAft>
+                <a:spcPts val="200"/>
+              </a:spcAft>
+              <a:buClr>
+                <a:schemeClr val="accent1"/>
+              </a:buClr>
+              <a:buSzPct val="80000"/>
+              <a:buFont typeface="Arial" pitchFamily="34" charset="0"/>
+              <a:buChar char="•"/>
+              <a:defRPr sz="1800" kern="1200" spc="10" baseline="0">
+                <a:solidFill>
+                  <a:schemeClr val="tx1"/>
+                </a:solidFill>
+                <a:latin typeface="+mn-lt"/>
+                <a:ea typeface="+mn-ea"/>
+                <a:cs typeface="+mn-cs"/>
+              </a:defRPr>
+            </a:lvl1pPr>
+            <a:lvl2pPr marL="457200" indent="-182880" algn="l" defTabSz="914400" rtl="0" eaLnBrk="1" latinLnBrk="0" hangingPunct="1">
+              <a:lnSpc>
+                <a:spcPct val="90000"/>
+              </a:lnSpc>
+              <a:spcBef>
+                <a:spcPts val="300"/>
+              </a:spcBef>
+              <a:spcAft>
+                <a:spcPts val="300"/>
+              </a:spcAft>
+              <a:buClr>
+                <a:schemeClr val="accent1"/>
+              </a:buClr>
+              <a:buFont typeface="Wingdings 2" pitchFamily="18" charset="2"/>
+              <a:buChar char=""/>
+              <a:defRPr sz="1600" kern="1200">
+                <a:solidFill>
+                  <a:schemeClr val="tx1">
+                    <a:lumMod val="85000"/>
+                    <a:lumOff val="15000"/>
+                  </a:schemeClr>
+                </a:solidFill>
+                <a:latin typeface="+mn-lt"/>
+                <a:ea typeface="+mn-ea"/>
+                <a:cs typeface="+mn-cs"/>
+              </a:defRPr>
+            </a:lvl2pPr>
+            <a:lvl3pPr marL="731520" indent="-182880" algn="l" defTabSz="914400" rtl="0" eaLnBrk="1" latinLnBrk="0" hangingPunct="1">
+              <a:lnSpc>
+                <a:spcPct val="90000"/>
+              </a:lnSpc>
+              <a:spcBef>
+                <a:spcPts val="300"/>
+              </a:spcBef>
+              <a:spcAft>
+                <a:spcPts val="300"/>
+              </a:spcAft>
+              <a:buClr>
+                <a:schemeClr val="accent1"/>
+              </a:buClr>
+              <a:buFont typeface="Wingdings 2" pitchFamily="18" charset="2"/>
+              <a:buChar char=""/>
+              <a:defRPr sz="1400" kern="1200">
+                <a:solidFill>
+                  <a:schemeClr val="tx1">
+                    <a:lumMod val="85000"/>
+                    <a:lumOff val="15000"/>
+                  </a:schemeClr>
+                </a:solidFill>
+                <a:latin typeface="+mn-lt"/>
+                <a:ea typeface="+mn-ea"/>
+                <a:cs typeface="+mn-cs"/>
+              </a:defRPr>
+            </a:lvl3pPr>
+            <a:lvl4pPr marL="1005840" indent="-182880" algn="l" defTabSz="914400" rtl="0" eaLnBrk="1" latinLnBrk="0" hangingPunct="1">
+              <a:lnSpc>
+                <a:spcPct val="90000"/>
+              </a:lnSpc>
+              <a:spcBef>
+                <a:spcPts val="300"/>
+              </a:spcBef>
+              <a:spcAft>
+                <a:spcPts val="300"/>
+              </a:spcAft>
+              <a:buClr>
+                <a:schemeClr val="accent1"/>
+              </a:buClr>
+              <a:buFont typeface="Wingdings 2" pitchFamily="18" charset="2"/>
+              <a:buChar char=""/>
+              <a:defRPr sz="1400" kern="1200">
+                <a:solidFill>
+                  <a:schemeClr val="tx1">
+                    <a:lumMod val="85000"/>
+                    <a:lumOff val="15000"/>
+                  </a:schemeClr>
+                </a:solidFill>
+                <a:latin typeface="+mn-lt"/>
+                <a:ea typeface="+mn-ea"/>
+                <a:cs typeface="+mn-cs"/>
+              </a:defRPr>
+            </a:lvl4pPr>
+            <a:lvl5pPr marL="1280160" indent="-182880" algn="l" defTabSz="914400" rtl="0" eaLnBrk="1" latinLnBrk="0" hangingPunct="1">
+              <a:lnSpc>
+                <a:spcPct val="90000"/>
+              </a:lnSpc>
+              <a:spcBef>
+                <a:spcPts val="300"/>
+              </a:spcBef>
+              <a:spcAft>
+                <a:spcPts val="300"/>
+              </a:spcAft>
+              <a:buClr>
+                <a:schemeClr val="accent1"/>
+              </a:buClr>
+              <a:buFont typeface="Wingdings 2" pitchFamily="18" charset="2"/>
+              <a:buChar char=""/>
+              <a:defRPr sz="1400" kern="1200">
+                <a:solidFill>
+                  <a:schemeClr val="tx1">
+                    <a:lumMod val="85000"/>
+                    <a:lumOff val="15000"/>
+                  </a:schemeClr>
+                </a:solidFill>
+                <a:latin typeface="+mn-lt"/>
+                <a:ea typeface="+mn-ea"/>
+                <a:cs typeface="+mn-cs"/>
+              </a:defRPr>
+            </a:lvl5pPr>
+            <a:lvl6pPr marL="1600000" indent="-228600" algn="l" defTabSz="914400" rtl="0" eaLnBrk="1" latinLnBrk="0" hangingPunct="1">
+              <a:lnSpc>
+                <a:spcPct val="90000"/>
+              </a:lnSpc>
+              <a:spcBef>
+                <a:spcPts val="300"/>
+              </a:spcBef>
+              <a:spcAft>
+                <a:spcPts val="300"/>
+              </a:spcAft>
+              <a:buClr>
+                <a:schemeClr val="accent1"/>
+              </a:buClr>
+              <a:buFont typeface="Wingdings 2" pitchFamily="18" charset="2"/>
+              <a:buChar char=""/>
+              <a:defRPr sz="1400" kern="1200">
+                <a:solidFill>
+                  <a:schemeClr val="tx1">
+                    <a:lumMod val="85000"/>
+                    <a:lumOff val="15000"/>
+                  </a:schemeClr>
+                </a:solidFill>
+                <a:latin typeface="+mn-lt"/>
+                <a:ea typeface="+mn-ea"/>
+                <a:cs typeface="+mn-cs"/>
+              </a:defRPr>
+            </a:lvl6pPr>
+            <a:lvl7pPr marL="1900000" indent="-228600" algn="l" defTabSz="914400" rtl="0" eaLnBrk="1" latinLnBrk="0" hangingPunct="1">
+              <a:lnSpc>
+                <a:spcPct val="90000"/>
+              </a:lnSpc>
+              <a:spcBef>
+                <a:spcPts val="300"/>
+              </a:spcBef>
+              <a:spcAft>
+                <a:spcPts val="300"/>
+              </a:spcAft>
+              <a:buClr>
+                <a:schemeClr val="accent1"/>
+              </a:buClr>
+              <a:buFont typeface="Wingdings 2" pitchFamily="18" charset="2"/>
+              <a:buChar char=""/>
+              <a:defRPr sz="1400" kern="1200">
+                <a:solidFill>
+                  <a:schemeClr val="tx1">
+                    <a:lumMod val="85000"/>
+                    <a:lumOff val="15000"/>
+                  </a:schemeClr>
+                </a:solidFill>
+                <a:latin typeface="+mn-lt"/>
+                <a:ea typeface="+mn-ea"/>
+                <a:cs typeface="+mn-cs"/>
+              </a:defRPr>
+            </a:lvl7pPr>
+            <a:lvl8pPr marL="2200000" indent="-228600" algn="l" defTabSz="914400" rtl="0" eaLnBrk="1" latinLnBrk="0" hangingPunct="1">
+              <a:lnSpc>
+                <a:spcPct val="90000"/>
+              </a:lnSpc>
+              <a:spcBef>
+                <a:spcPts val="300"/>
+              </a:spcBef>
+              <a:spcAft>
+                <a:spcPts val="300"/>
+              </a:spcAft>
+              <a:buClr>
+                <a:schemeClr val="accent1"/>
+              </a:buClr>
+              <a:buFont typeface="Wingdings 2" pitchFamily="18" charset="2"/>
+              <a:buChar char=""/>
+              <a:defRPr sz="1400" kern="1200">
+                <a:solidFill>
+                  <a:schemeClr val="tx1">
+                    <a:lumMod val="85000"/>
+                    <a:lumOff val="15000"/>
+                  </a:schemeClr>
+                </a:solidFill>
+                <a:latin typeface="+mn-lt"/>
+                <a:ea typeface="+mn-ea"/>
+                <a:cs typeface="+mn-cs"/>
+              </a:defRPr>
+            </a:lvl8pPr>
+            <a:lvl9pPr marL="2500000" indent="-228600" algn="l" defTabSz="914400" rtl="0" eaLnBrk="1" latinLnBrk="0" hangingPunct="1">
+              <a:lnSpc>
+                <a:spcPct val="90000"/>
+              </a:lnSpc>
+              <a:spcBef>
+                <a:spcPts val="300"/>
+              </a:spcBef>
+              <a:spcAft>
+                <a:spcPts val="300"/>
+              </a:spcAft>
+              <a:buClr>
+                <a:schemeClr val="accent1"/>
+              </a:buClr>
+              <a:buFont typeface="Wingdings 2" pitchFamily="18" charset="2"/>
+              <a:buChar char=""/>
+              <a:defRPr sz="1400" kern="1200">
+                <a:solidFill>
+                  <a:schemeClr val="tx1">
+                    <a:lumMod val="85000"/>
+                    <a:lumOff val="15000"/>
+                  </a:schemeClr>
+                </a:solidFill>
+                <a:latin typeface="+mn-lt"/>
+                <a:ea typeface="+mn-ea"/>
+                <a:cs typeface="+mn-cs"/>
+              </a:defRPr>
+            </a:lvl9pPr>
+          </a:lstStyle>
+          <a:p>
+            <a:pPr algn="just"/>
+            <a:r>
+              <a:rPr lang="en-US" dirty="0" smtClean="0">
+                <a:latin typeface="Bell MT" pitchFamily="18" charset="0"/>
+              </a:rPr>
+              <a:t>who had sexual intercourse before age 18</a:t>
+            </a:r>
+          </a:p>
+          <a:p>
+            <a:pPr algn="just"/>
+            <a:r>
+              <a:rPr lang="en-US" dirty="0" smtClean="0">
+                <a:latin typeface="Bell MT" pitchFamily="18" charset="0"/>
+              </a:rPr>
+              <a:t>who have begun childbearing</a:t>
+            </a:r>
+          </a:p>
+          <a:p>
+            <a:pPr algn="just"/>
+            <a:r>
+              <a:rPr lang="en-US" dirty="0" smtClean="0">
+                <a:latin typeface="Bell MT" pitchFamily="18" charset="0"/>
+              </a:rPr>
+              <a:t>who have ever been pregnant</a:t>
+            </a:r>
+          </a:p>
+          <a:p>
+            <a:pPr algn="just"/>
+            <a:r>
+              <a:rPr lang="en-US" dirty="0" smtClean="0">
+                <a:latin typeface="Bell MT" pitchFamily="18" charset="0"/>
+              </a:rPr>
+              <a:t>currently using a modern contraceptive method</a:t>
+            </a:r>
+          </a:p>
+          <a:p>
+            <a:pPr algn="just"/>
+            <a:r>
+              <a:rPr lang="en-US" dirty="0" smtClean="0">
+                <a:latin typeface="Bell MT" pitchFamily="18" charset="0"/>
+              </a:rPr>
+              <a:t>who are sexually active and have ever used any contraceptive method</a:t>
+            </a:r>
+          </a:p>
+          <a:p>
+            <a:pPr algn="just"/>
+            <a:r>
+              <a:rPr lang="en-US" dirty="0" smtClean="0">
+                <a:latin typeface="Bell MT" pitchFamily="18" charset="0"/>
+              </a:rPr>
+              <a:t>who have had sexual intercourse and who say that their first experience was against their will   </a:t>
+            </a:r>
+            <a:endParaRPr lang="en-US" dirty="0" smtClean="0">
+              <a:latin typeface="Bell MT" pitchFamily="18" charset="0"/>
+            </a:endParaRPr>
+          </a:p>
+        </p:txBody>
+      </p:sp>
+    </p:spTree>
+    <p:extLst>
+      <p:ext uri="{BB962C8B-B14F-4D97-AF65-F5344CB8AC3E}">
+        <p14:creationId xmlns:p14="http://schemas.microsoft.com/office/powerpoint/2010/main" val="2136448961"/>
+      </p:ext>
+    </p:extLst>
+  </p:cSld>
+  <p:clrMapOvr>
+    <a:masterClrMapping/>
+  </p:clrMapOvr>
+  <p:timing>
+    <p:tnLst>
+      <p:par>
+        <p:cTn id="1" dur="indefinite" restart="never" nodeType="tmRoot"/>
+      </p:par>
+    </p:tnLst>
+  </p:timing>
+</p:sld>
+</file>
+
+<file path=ppt/slides/slide12.xml><?xml version="1.0" encoding="utf-8"?>
 <p:sld xmlns:a="http://schemas.openxmlformats.org/drawingml/2006/main" xmlns:r="http://schemas.openxmlformats.org/officeDocument/2006/relationships" xmlns:p="http://schemas.openxmlformats.org/presentationml/2006/main">
   <p:cSld>
     <p:spTree>
@@ -4858,7 +8731,7 @@
 </p:sld>
 </file>
 
-<file path=ppt/slides/slide11.xml><?xml version="1.0" encoding="utf-8"?>
+<file path=ppt/slides/slide13.xml><?xml version="1.0" encoding="utf-8"?>
 <p:sld xmlns:a="http://schemas.openxmlformats.org/drawingml/2006/main" xmlns:r="http://schemas.openxmlformats.org/officeDocument/2006/relationships" xmlns:p="http://schemas.openxmlformats.org/presentationml/2006/main">
   <p:cSld>
     <p:spTree>
@@ -4897,8 +8770,8 @@
         </p:blipFill>
         <p:spPr>
           <a:xfrm>
-            <a:off x="498763" y="862797"/>
-            <a:ext cx="8077201" cy="2175162"/>
+            <a:off x="226067" y="1617869"/>
+            <a:ext cx="10922579" cy="2988767"/>
           </a:xfrm>
           <a:prstGeom prst="rect">
             <a:avLst/>
@@ -4913,7 +8786,7 @@
         </p:nvSpPr>
         <p:spPr>
           <a:xfrm>
-            <a:off x="8575964" y="450280"/>
+            <a:off x="8243455" y="654980"/>
             <a:ext cx="2161309" cy="540326"/>
           </a:xfrm>
           <a:prstGeom prst="borderCallout2">
@@ -4982,16 +8855,202 @@
           </a:p>
         </p:txBody>
       </p:sp>
+      <p:sp>
+        <p:nvSpPr>
+          <p:cNvPr id="7" name="Espace réservé du contenu 2"/>
+          <p:cNvSpPr txBox="1">
+            <a:spLocks/>
+          </p:cNvSpPr>
+          <p:nvPr/>
+        </p:nvSpPr>
+        <p:spPr>
+          <a:xfrm>
+            <a:off x="512618" y="5029199"/>
+            <a:ext cx="10636028" cy="815925"/>
+          </a:xfrm>
+          <a:prstGeom prst="rect">
+            <a:avLst/>
+          </a:prstGeom>
+        </p:spPr>
+        <p:txBody>
+          <a:bodyPr vert="horz" lIns="0" tIns="45720" rIns="0" bIns="45720" rtlCol="0">
+            <a:normAutofit/>
+          </a:bodyPr>
+          <a:lstStyle>
+            <a:defPPr>
+              <a:defRPr lang="en-US"/>
+            </a:defPPr>
+            <a:lvl1pPr marL="0" algn="l" defTabSz="914400" rtl="0" eaLnBrk="1" latinLnBrk="0" hangingPunct="1">
+              <a:defRPr sz="1800" kern="1200">
+                <a:solidFill>
+                  <a:schemeClr val="tx1"/>
+                </a:solidFill>
+                <a:latin typeface="+mn-lt"/>
+                <a:ea typeface="+mn-ea"/>
+                <a:cs typeface="+mn-cs"/>
+              </a:defRPr>
+            </a:lvl1pPr>
+            <a:lvl2pPr marL="457200" algn="l" defTabSz="914400" rtl="0" eaLnBrk="1" latinLnBrk="0" hangingPunct="1">
+              <a:defRPr sz="1800" kern="1200">
+                <a:solidFill>
+                  <a:schemeClr val="tx1"/>
+                </a:solidFill>
+                <a:latin typeface="+mn-lt"/>
+                <a:ea typeface="+mn-ea"/>
+                <a:cs typeface="+mn-cs"/>
+              </a:defRPr>
+            </a:lvl2pPr>
+            <a:lvl3pPr marL="914400" algn="l" defTabSz="914400" rtl="0" eaLnBrk="1" latinLnBrk="0" hangingPunct="1">
+              <a:defRPr sz="1800" kern="1200">
+                <a:solidFill>
+                  <a:schemeClr val="tx1"/>
+                </a:solidFill>
+                <a:latin typeface="+mn-lt"/>
+                <a:ea typeface="+mn-ea"/>
+                <a:cs typeface="+mn-cs"/>
+              </a:defRPr>
+            </a:lvl3pPr>
+            <a:lvl4pPr marL="1371600" algn="l" defTabSz="914400" rtl="0" eaLnBrk="1" latinLnBrk="0" hangingPunct="1">
+              <a:defRPr sz="1800" kern="1200">
+                <a:solidFill>
+                  <a:schemeClr val="tx1"/>
+                </a:solidFill>
+                <a:latin typeface="+mn-lt"/>
+                <a:ea typeface="+mn-ea"/>
+                <a:cs typeface="+mn-cs"/>
+              </a:defRPr>
+            </a:lvl4pPr>
+            <a:lvl5pPr marL="1828800" algn="l" defTabSz="914400" rtl="0" eaLnBrk="1" latinLnBrk="0" hangingPunct="1">
+              <a:defRPr sz="1800" kern="1200">
+                <a:solidFill>
+                  <a:schemeClr val="tx1"/>
+                </a:solidFill>
+                <a:latin typeface="+mn-lt"/>
+                <a:ea typeface="+mn-ea"/>
+                <a:cs typeface="+mn-cs"/>
+              </a:defRPr>
+            </a:lvl5pPr>
+            <a:lvl6pPr marL="2286000" algn="l" defTabSz="914400" rtl="0" eaLnBrk="1" latinLnBrk="0" hangingPunct="1">
+              <a:defRPr sz="1800" kern="1200">
+                <a:solidFill>
+                  <a:schemeClr val="tx1"/>
+                </a:solidFill>
+                <a:latin typeface="+mn-lt"/>
+                <a:ea typeface="+mn-ea"/>
+                <a:cs typeface="+mn-cs"/>
+              </a:defRPr>
+            </a:lvl6pPr>
+            <a:lvl7pPr marL="2743200" algn="l" defTabSz="914400" rtl="0" eaLnBrk="1" latinLnBrk="0" hangingPunct="1">
+              <a:defRPr sz="1800" kern="1200">
+                <a:solidFill>
+                  <a:schemeClr val="tx1"/>
+                </a:solidFill>
+                <a:latin typeface="+mn-lt"/>
+                <a:ea typeface="+mn-ea"/>
+                <a:cs typeface="+mn-cs"/>
+              </a:defRPr>
+            </a:lvl7pPr>
+            <a:lvl8pPr marL="3200400" algn="l" defTabSz="914400" rtl="0" eaLnBrk="1" latinLnBrk="0" hangingPunct="1">
+              <a:defRPr sz="1800" kern="1200">
+                <a:solidFill>
+                  <a:schemeClr val="tx1"/>
+                </a:solidFill>
+                <a:latin typeface="+mn-lt"/>
+                <a:ea typeface="+mn-ea"/>
+                <a:cs typeface="+mn-cs"/>
+              </a:defRPr>
+            </a:lvl8pPr>
+            <a:lvl9pPr marL="3657600" algn="l" defTabSz="914400" rtl="0" eaLnBrk="1" latinLnBrk="0" hangingPunct="1">
+              <a:defRPr sz="1800" kern="1200">
+                <a:solidFill>
+                  <a:schemeClr val="tx1"/>
+                </a:solidFill>
+                <a:latin typeface="+mn-lt"/>
+                <a:ea typeface="+mn-ea"/>
+                <a:cs typeface="+mn-cs"/>
+              </a:defRPr>
+            </a:lvl9pPr>
+          </a:lstStyle>
+          <a:p>
+            <a:pPr marL="91440" lvl="0" indent="-91440">
+              <a:lnSpc>
+                <a:spcPct val="90000"/>
+              </a:lnSpc>
+              <a:spcBef>
+                <a:spcPts val="1200"/>
+              </a:spcBef>
+              <a:spcAft>
+                <a:spcPts val="200"/>
+              </a:spcAft>
+              <a:buClr>
+                <a:schemeClr val="accent3"/>
+              </a:buClr>
+              <a:buSzPct val="100000"/>
+              <a:buFont typeface="Calibri" panose="020F0502020204030204" pitchFamily="34" charset="0"/>
+              <a:buChar char=" "/>
+            </a:pPr>
+            <a:r>
+              <a:rPr lang="en-US" sz="2200" b="1" dirty="0" smtClean="0">
+                <a:latin typeface="Bell MT" pitchFamily="18" charset="0"/>
+              </a:rPr>
+              <a:t>This chart shows that it's the young people most exposed to the media who have an early pregnancy.</a:t>
+            </a:r>
+            <a:endParaRPr kumimoji="0" lang="en-US" sz="2200" b="1" u="none" strike="noStrike" kern="1200" cap="none" spc="0" normalizeH="0" baseline="0" noProof="0" dirty="0">
+              <a:ln>
+                <a:noFill/>
+              </a:ln>
+              <a:effectLst/>
+              <a:uLnTx/>
+              <a:uFillTx/>
+              <a:latin typeface="Bell MT" pitchFamily="18" charset="0"/>
+            </a:endParaRPr>
+          </a:p>
+        </p:txBody>
+      </p:sp>
+    </p:spTree>
+  </p:cSld>
+  <p:clrMapOvr>
+    <a:masterClrMapping/>
+  </p:clrMapOvr>
+  <p:timing>
+    <p:tnLst>
+      <p:par>
+        <p:cTn id="1" dur="indefinite" restart="never" nodeType="tmRoot"/>
+      </p:par>
+    </p:tnLst>
+  </p:timing>
+</p:sld>
+</file>
+
+<file path=ppt/slides/slide14.xml><?xml version="1.0" encoding="utf-8"?>
+<p:sld xmlns:a="http://schemas.openxmlformats.org/drawingml/2006/main" xmlns:r="http://schemas.openxmlformats.org/officeDocument/2006/relationships" xmlns:p="http://schemas.openxmlformats.org/presentationml/2006/main">
+  <p:cSld>
+    <p:spTree>
+      <p:nvGrpSpPr>
+        <p:cNvPr id="1" name=""/>
+        <p:cNvGrpSpPr/>
+        <p:nvPr/>
+      </p:nvGrpSpPr>
+      <p:grpSpPr>
+        <a:xfrm>
+          <a:off x="0" y="0"/>
+          <a:ext cx="0" cy="0"/>
+          <a:chOff x="0" y="0"/>
+          <a:chExt cx="0" cy="0"/>
+        </a:xfrm>
+      </p:grpSpPr>
       <p:pic>
         <p:nvPicPr>
-          <p:cNvPr id="9" name="Picture 8"/>
+          <p:cNvPr id="4" name="Content Placeholder 3"/>
           <p:cNvPicPr>
-            <a:picLocks noChangeAspect="1"/>
+            <a:picLocks noGrp="1" noChangeAspect="1"/>
           </p:cNvPicPr>
-          <p:nvPr/>
+          <p:nvPr>
+            <p:ph idx="1"/>
+          </p:nvPr>
         </p:nvPicPr>
         <p:blipFill>
-          <a:blip r:embed="rId3">
+          <a:blip r:embed="rId2">
             <a:extLst>
               <a:ext uri="{28A0092B-C50C-407E-A947-70E740481C1C}">
                 <a14:useLocalDpi xmlns:a14="http://schemas.microsoft.com/office/drawing/2010/main" val="0"/>
@@ -5004,8 +9063,8 @@
         </p:blipFill>
         <p:spPr>
           <a:xfrm>
-            <a:off x="498763" y="3692926"/>
-            <a:ext cx="8188037" cy="2079148"/>
+            <a:off x="264535" y="1401223"/>
+            <a:ext cx="10805581" cy="3392450"/>
           </a:xfrm>
           <a:prstGeom prst="rect">
             <a:avLst/>
@@ -5014,13 +9073,13 @@
       </p:pic>
       <p:sp>
         <p:nvSpPr>
-          <p:cNvPr id="8" name="Line Callout 2 7"/>
+          <p:cNvPr id="5" name="Line Callout 2 4"/>
           <p:cNvSpPr/>
           <p:nvPr/>
         </p:nvSpPr>
         <p:spPr>
           <a:xfrm>
-            <a:off x="8686800" y="3276602"/>
+            <a:off x="8405094" y="627283"/>
             <a:ext cx="2452255" cy="540326"/>
           </a:xfrm>
           <a:prstGeom prst="borderCallout2">
@@ -5089,22 +9148,313 @@
           </a:p>
         </p:txBody>
       </p:sp>
+      <p:sp>
+        <p:nvSpPr>
+          <p:cNvPr id="6" name="Espace réservé du contenu 2"/>
+          <p:cNvSpPr>
+            <a:spLocks noGrp="1"/>
+          </p:cNvSpPr>
+          <p:nvPr/>
+        </p:nvSpPr>
+        <p:spPr>
+          <a:xfrm>
+            <a:off x="798949" y="5108501"/>
+            <a:ext cx="10058400" cy="846928"/>
+          </a:xfrm>
+          <a:prstGeom prst="rect">
+            <a:avLst/>
+          </a:prstGeom>
+        </p:spPr>
+        <p:txBody>
+          <a:bodyPr vert="horz" lIns="0" tIns="45720" rIns="0" bIns="45720" rtlCol="0">
+            <a:normAutofit/>
+          </a:bodyPr>
+          <a:lstStyle>
+            <a:lvl1pPr marL="91440" indent="-91440" algn="l" defTabSz="914400" rtl="0" eaLnBrk="1" latinLnBrk="0" hangingPunct="1">
+              <a:lnSpc>
+                <a:spcPct val="90000"/>
+              </a:lnSpc>
+              <a:spcBef>
+                <a:spcPts val="1200"/>
+              </a:spcBef>
+              <a:spcAft>
+                <a:spcPts val="200"/>
+              </a:spcAft>
+              <a:buClr>
+                <a:schemeClr val="accent3"/>
+              </a:buClr>
+              <a:buSzPct val="100000"/>
+              <a:buFont typeface="Calibri" panose="020F0502020204030204" pitchFamily="34" charset="0"/>
+              <a:buChar char=" "/>
+              <a:defRPr sz="2000" kern="1200">
+                <a:solidFill>
+                  <a:schemeClr val="tx1">
+                    <a:lumMod val="75000"/>
+                    <a:lumOff val="25000"/>
+                  </a:schemeClr>
+                </a:solidFill>
+                <a:latin typeface="+mn-lt"/>
+                <a:ea typeface="+mn-ea"/>
+                <a:cs typeface="+mn-cs"/>
+              </a:defRPr>
+            </a:lvl1pPr>
+            <a:lvl2pPr marL="384048" indent="-182880" algn="l" defTabSz="914400" rtl="0" eaLnBrk="1" latinLnBrk="0" hangingPunct="1">
+              <a:lnSpc>
+                <a:spcPct val="90000"/>
+              </a:lnSpc>
+              <a:spcBef>
+                <a:spcPts val="200"/>
+              </a:spcBef>
+              <a:spcAft>
+                <a:spcPts val="400"/>
+              </a:spcAft>
+              <a:buClr>
+                <a:schemeClr val="accent3"/>
+              </a:buClr>
+              <a:buFont typeface="Calibri" pitchFamily="34" charset="0"/>
+              <a:buChar char="◦"/>
+              <a:defRPr sz="1800" kern="1200">
+                <a:solidFill>
+                  <a:schemeClr val="tx1">
+                    <a:lumMod val="75000"/>
+                    <a:lumOff val="25000"/>
+                  </a:schemeClr>
+                </a:solidFill>
+                <a:latin typeface="+mn-lt"/>
+                <a:ea typeface="+mn-ea"/>
+                <a:cs typeface="+mn-cs"/>
+              </a:defRPr>
+            </a:lvl2pPr>
+            <a:lvl3pPr marL="566928" indent="-182880" algn="l" defTabSz="914400" rtl="0" eaLnBrk="1" latinLnBrk="0" hangingPunct="1">
+              <a:lnSpc>
+                <a:spcPct val="90000"/>
+              </a:lnSpc>
+              <a:spcBef>
+                <a:spcPts val="200"/>
+              </a:spcBef>
+              <a:spcAft>
+                <a:spcPts val="400"/>
+              </a:spcAft>
+              <a:buClr>
+                <a:schemeClr val="accent3"/>
+              </a:buClr>
+              <a:buFont typeface="Calibri" pitchFamily="34" charset="0"/>
+              <a:buChar char="◦"/>
+              <a:defRPr sz="1400" kern="1200">
+                <a:solidFill>
+                  <a:schemeClr val="tx1">
+                    <a:lumMod val="75000"/>
+                    <a:lumOff val="25000"/>
+                  </a:schemeClr>
+                </a:solidFill>
+                <a:latin typeface="+mn-lt"/>
+                <a:ea typeface="+mn-ea"/>
+                <a:cs typeface="+mn-cs"/>
+              </a:defRPr>
+            </a:lvl3pPr>
+            <a:lvl4pPr marL="749808" indent="-182880" algn="l" defTabSz="914400" rtl="0" eaLnBrk="1" latinLnBrk="0" hangingPunct="1">
+              <a:lnSpc>
+                <a:spcPct val="90000"/>
+              </a:lnSpc>
+              <a:spcBef>
+                <a:spcPts val="200"/>
+              </a:spcBef>
+              <a:spcAft>
+                <a:spcPts val="400"/>
+              </a:spcAft>
+              <a:buClr>
+                <a:schemeClr val="accent3"/>
+              </a:buClr>
+              <a:buFont typeface="Calibri" pitchFamily="34" charset="0"/>
+              <a:buChar char="◦"/>
+              <a:defRPr sz="1400" kern="1200">
+                <a:solidFill>
+                  <a:schemeClr val="tx1">
+                    <a:lumMod val="75000"/>
+                    <a:lumOff val="25000"/>
+                  </a:schemeClr>
+                </a:solidFill>
+                <a:latin typeface="+mn-lt"/>
+                <a:ea typeface="+mn-ea"/>
+                <a:cs typeface="+mn-cs"/>
+              </a:defRPr>
+            </a:lvl4pPr>
+            <a:lvl5pPr marL="932688" indent="-182880" algn="l" defTabSz="914400" rtl="0" eaLnBrk="1" latinLnBrk="0" hangingPunct="1">
+              <a:lnSpc>
+                <a:spcPct val="90000"/>
+              </a:lnSpc>
+              <a:spcBef>
+                <a:spcPts val="200"/>
+              </a:spcBef>
+              <a:spcAft>
+                <a:spcPts val="400"/>
+              </a:spcAft>
+              <a:buClr>
+                <a:schemeClr val="accent3"/>
+              </a:buClr>
+              <a:buFont typeface="Calibri" pitchFamily="34" charset="0"/>
+              <a:buChar char="◦"/>
+              <a:defRPr sz="1400" kern="1200">
+                <a:solidFill>
+                  <a:schemeClr val="tx1">
+                    <a:lumMod val="75000"/>
+                    <a:lumOff val="25000"/>
+                  </a:schemeClr>
+                </a:solidFill>
+                <a:latin typeface="+mn-lt"/>
+                <a:ea typeface="+mn-ea"/>
+                <a:cs typeface="+mn-cs"/>
+              </a:defRPr>
+            </a:lvl5pPr>
+            <a:lvl6pPr marL="1100000" indent="-228600" algn="l" defTabSz="914400" rtl="0" eaLnBrk="1" latinLnBrk="0" hangingPunct="1">
+              <a:lnSpc>
+                <a:spcPct val="90000"/>
+              </a:lnSpc>
+              <a:spcBef>
+                <a:spcPts val="200"/>
+              </a:spcBef>
+              <a:spcAft>
+                <a:spcPts val="400"/>
+              </a:spcAft>
+              <a:buClr>
+                <a:schemeClr val="accent3"/>
+              </a:buClr>
+              <a:buFont typeface="Calibri" pitchFamily="34" charset="0"/>
+              <a:buChar char="◦"/>
+              <a:defRPr sz="1400" kern="1200">
+                <a:solidFill>
+                  <a:schemeClr val="tx1">
+                    <a:lumMod val="75000"/>
+                    <a:lumOff val="25000"/>
+                  </a:schemeClr>
+                </a:solidFill>
+                <a:latin typeface="+mn-lt"/>
+                <a:ea typeface="+mn-ea"/>
+                <a:cs typeface="+mn-cs"/>
+              </a:defRPr>
+            </a:lvl6pPr>
+            <a:lvl7pPr marL="1300000" indent="-228600" algn="l" defTabSz="914400" rtl="0" eaLnBrk="1" latinLnBrk="0" hangingPunct="1">
+              <a:lnSpc>
+                <a:spcPct val="90000"/>
+              </a:lnSpc>
+              <a:spcBef>
+                <a:spcPts val="200"/>
+              </a:spcBef>
+              <a:spcAft>
+                <a:spcPts val="400"/>
+              </a:spcAft>
+              <a:buClr>
+                <a:schemeClr val="accent3"/>
+              </a:buClr>
+              <a:buFont typeface="Calibri" pitchFamily="34" charset="0"/>
+              <a:buChar char="◦"/>
+              <a:defRPr sz="1400" kern="1200">
+                <a:solidFill>
+                  <a:schemeClr val="tx1">
+                    <a:lumMod val="75000"/>
+                    <a:lumOff val="25000"/>
+                  </a:schemeClr>
+                </a:solidFill>
+                <a:latin typeface="+mn-lt"/>
+                <a:ea typeface="+mn-ea"/>
+                <a:cs typeface="+mn-cs"/>
+              </a:defRPr>
+            </a:lvl7pPr>
+            <a:lvl8pPr marL="1500000" indent="-228600" algn="l" defTabSz="914400" rtl="0" eaLnBrk="1" latinLnBrk="0" hangingPunct="1">
+              <a:lnSpc>
+                <a:spcPct val="90000"/>
+              </a:lnSpc>
+              <a:spcBef>
+                <a:spcPts val="200"/>
+              </a:spcBef>
+              <a:spcAft>
+                <a:spcPts val="400"/>
+              </a:spcAft>
+              <a:buClr>
+                <a:schemeClr val="accent3"/>
+              </a:buClr>
+              <a:buFont typeface="Calibri" pitchFamily="34" charset="0"/>
+              <a:buChar char="◦"/>
+              <a:defRPr sz="1400" kern="1200">
+                <a:solidFill>
+                  <a:schemeClr val="tx1">
+                    <a:lumMod val="75000"/>
+                    <a:lumOff val="25000"/>
+                  </a:schemeClr>
+                </a:solidFill>
+                <a:latin typeface="+mn-lt"/>
+                <a:ea typeface="+mn-ea"/>
+                <a:cs typeface="+mn-cs"/>
+              </a:defRPr>
+            </a:lvl8pPr>
+            <a:lvl9pPr marL="1700000" indent="-228600" algn="l" defTabSz="914400" rtl="0" eaLnBrk="1" latinLnBrk="0" hangingPunct="1">
+              <a:lnSpc>
+                <a:spcPct val="90000"/>
+              </a:lnSpc>
+              <a:spcBef>
+                <a:spcPts val="200"/>
+              </a:spcBef>
+              <a:spcAft>
+                <a:spcPts val="400"/>
+              </a:spcAft>
+              <a:buClr>
+                <a:schemeClr val="accent3"/>
+              </a:buClr>
+              <a:buFont typeface="Calibri" pitchFamily="34" charset="0"/>
+              <a:buChar char="◦"/>
+              <a:defRPr sz="1400" kern="1200">
+                <a:solidFill>
+                  <a:schemeClr val="tx1">
+                    <a:lumMod val="75000"/>
+                    <a:lumOff val="25000"/>
+                  </a:schemeClr>
+                </a:solidFill>
+                <a:latin typeface="+mn-lt"/>
+                <a:ea typeface="+mn-ea"/>
+                <a:cs typeface="+mn-cs"/>
+              </a:defRPr>
+            </a:lvl9pPr>
+          </a:lstStyle>
+          <a:p>
+            <a:r>
+              <a:rPr lang="en-US" b="1" dirty="0" smtClean="0">
+                <a:solidFill>
+                  <a:schemeClr val="tx1"/>
+                </a:solidFill>
+              </a:rPr>
+              <a:t>It’s same for group aged between 20 and 24 years old, </a:t>
+            </a:r>
+            <a:r>
+              <a:rPr lang="en-US" b="1" dirty="0" smtClean="0">
+                <a:solidFill>
+                  <a:schemeClr val="tx1"/>
+                </a:solidFill>
+                <a:latin typeface="Bell MT" pitchFamily="18" charset="0"/>
+              </a:rPr>
+              <a:t>it's them most exposed to the media who have an early pregnancy.</a:t>
+            </a:r>
+            <a:endParaRPr lang="en-US" b="1" dirty="0">
+              <a:solidFill>
+                <a:schemeClr val="tx1"/>
+              </a:solidFill>
+            </a:endParaRPr>
+          </a:p>
+        </p:txBody>
+      </p:sp>
     </p:spTree>
+    <p:extLst>
+      <p:ext uri="{BB962C8B-B14F-4D97-AF65-F5344CB8AC3E}">
+        <p14:creationId xmlns:p14="http://schemas.microsoft.com/office/powerpoint/2010/main" val="4101039022"/>
+      </p:ext>
+    </p:extLst>
   </p:cSld>
   <p:clrMapOvr>
     <a:masterClrMapping/>
   </p:clrMapOvr>
-  <p:timing>
-    <p:tnLst>
-      <p:par>
-        <p:cTn id="1" dur="indefinite" restart="never" nodeType="tmRoot"/>
-      </p:par>
-    </p:tnLst>
-  </p:timing>
 </p:sld>
 </file>
 
-<file path=ppt/slides/slide12.xml><?xml version="1.0" encoding="utf-8"?>
+<file path=ppt/slides/slide15.xml><?xml version="1.0" encoding="utf-8"?>
 <p:sld xmlns:a="http://schemas.openxmlformats.org/drawingml/2006/main" xmlns:r="http://schemas.openxmlformats.org/officeDocument/2006/relationships" xmlns:p="http://schemas.openxmlformats.org/presentationml/2006/main">
   <p:cSld>
     <p:spTree>
@@ -5143,8 +9493,8 @@
         </p:blipFill>
         <p:spPr>
           <a:xfrm>
-            <a:off x="387924" y="729545"/>
-            <a:ext cx="9019311" cy="2709852"/>
+            <a:off x="207814" y="1533109"/>
+            <a:ext cx="10990607" cy="3302128"/>
           </a:xfrm>
           <a:prstGeom prst="rect">
             <a:avLst/>
@@ -5159,7 +9509,7 @@
         </p:nvSpPr>
         <p:spPr>
           <a:xfrm>
-            <a:off x="8548255" y="455271"/>
+            <a:off x="8437419" y="895801"/>
             <a:ext cx="2452255" cy="540326"/>
           </a:xfrm>
           <a:prstGeom prst="borderCallout2">
@@ -5228,16 +9578,202 @@
           </a:p>
         </p:txBody>
       </p:sp>
+      <p:sp>
+        <p:nvSpPr>
+          <p:cNvPr id="6" name="Espace réservé du contenu 2"/>
+          <p:cNvSpPr txBox="1">
+            <a:spLocks/>
+          </p:cNvSpPr>
+          <p:nvPr/>
+        </p:nvSpPr>
+        <p:spPr>
+          <a:xfrm>
+            <a:off x="429488" y="5237766"/>
+            <a:ext cx="10622175" cy="815925"/>
+          </a:xfrm>
+          <a:prstGeom prst="rect">
+            <a:avLst/>
+          </a:prstGeom>
+        </p:spPr>
+        <p:txBody>
+          <a:bodyPr vert="horz" lIns="0" tIns="45720" rIns="0" bIns="45720" rtlCol="0">
+            <a:normAutofit/>
+          </a:bodyPr>
+          <a:lstStyle>
+            <a:defPPr>
+              <a:defRPr lang="en-US"/>
+            </a:defPPr>
+            <a:lvl1pPr marL="0" algn="l" defTabSz="914400" rtl="0" eaLnBrk="1" latinLnBrk="0" hangingPunct="1">
+              <a:defRPr sz="1800" kern="1200">
+                <a:solidFill>
+                  <a:schemeClr val="tx1"/>
+                </a:solidFill>
+                <a:latin typeface="+mn-lt"/>
+                <a:ea typeface="+mn-ea"/>
+                <a:cs typeface="+mn-cs"/>
+              </a:defRPr>
+            </a:lvl1pPr>
+            <a:lvl2pPr marL="457200" algn="l" defTabSz="914400" rtl="0" eaLnBrk="1" latinLnBrk="0" hangingPunct="1">
+              <a:defRPr sz="1800" kern="1200">
+                <a:solidFill>
+                  <a:schemeClr val="tx1"/>
+                </a:solidFill>
+                <a:latin typeface="+mn-lt"/>
+                <a:ea typeface="+mn-ea"/>
+                <a:cs typeface="+mn-cs"/>
+              </a:defRPr>
+            </a:lvl2pPr>
+            <a:lvl3pPr marL="914400" algn="l" defTabSz="914400" rtl="0" eaLnBrk="1" latinLnBrk="0" hangingPunct="1">
+              <a:defRPr sz="1800" kern="1200">
+                <a:solidFill>
+                  <a:schemeClr val="tx1"/>
+                </a:solidFill>
+                <a:latin typeface="+mn-lt"/>
+                <a:ea typeface="+mn-ea"/>
+                <a:cs typeface="+mn-cs"/>
+              </a:defRPr>
+            </a:lvl3pPr>
+            <a:lvl4pPr marL="1371600" algn="l" defTabSz="914400" rtl="0" eaLnBrk="1" latinLnBrk="0" hangingPunct="1">
+              <a:defRPr sz="1800" kern="1200">
+                <a:solidFill>
+                  <a:schemeClr val="tx1"/>
+                </a:solidFill>
+                <a:latin typeface="+mn-lt"/>
+                <a:ea typeface="+mn-ea"/>
+                <a:cs typeface="+mn-cs"/>
+              </a:defRPr>
+            </a:lvl4pPr>
+            <a:lvl5pPr marL="1828800" algn="l" defTabSz="914400" rtl="0" eaLnBrk="1" latinLnBrk="0" hangingPunct="1">
+              <a:defRPr sz="1800" kern="1200">
+                <a:solidFill>
+                  <a:schemeClr val="tx1"/>
+                </a:solidFill>
+                <a:latin typeface="+mn-lt"/>
+                <a:ea typeface="+mn-ea"/>
+                <a:cs typeface="+mn-cs"/>
+              </a:defRPr>
+            </a:lvl5pPr>
+            <a:lvl6pPr marL="2286000" algn="l" defTabSz="914400" rtl="0" eaLnBrk="1" latinLnBrk="0" hangingPunct="1">
+              <a:defRPr sz="1800" kern="1200">
+                <a:solidFill>
+                  <a:schemeClr val="tx1"/>
+                </a:solidFill>
+                <a:latin typeface="+mn-lt"/>
+                <a:ea typeface="+mn-ea"/>
+                <a:cs typeface="+mn-cs"/>
+              </a:defRPr>
+            </a:lvl6pPr>
+            <a:lvl7pPr marL="2743200" algn="l" defTabSz="914400" rtl="0" eaLnBrk="1" latinLnBrk="0" hangingPunct="1">
+              <a:defRPr sz="1800" kern="1200">
+                <a:solidFill>
+                  <a:schemeClr val="tx1"/>
+                </a:solidFill>
+                <a:latin typeface="+mn-lt"/>
+                <a:ea typeface="+mn-ea"/>
+                <a:cs typeface="+mn-cs"/>
+              </a:defRPr>
+            </a:lvl7pPr>
+            <a:lvl8pPr marL="3200400" algn="l" defTabSz="914400" rtl="0" eaLnBrk="1" latinLnBrk="0" hangingPunct="1">
+              <a:defRPr sz="1800" kern="1200">
+                <a:solidFill>
+                  <a:schemeClr val="tx1"/>
+                </a:solidFill>
+                <a:latin typeface="+mn-lt"/>
+                <a:ea typeface="+mn-ea"/>
+                <a:cs typeface="+mn-cs"/>
+              </a:defRPr>
+            </a:lvl8pPr>
+            <a:lvl9pPr marL="3657600" algn="l" defTabSz="914400" rtl="0" eaLnBrk="1" latinLnBrk="0" hangingPunct="1">
+              <a:defRPr sz="1800" kern="1200">
+                <a:solidFill>
+                  <a:schemeClr val="tx1"/>
+                </a:solidFill>
+                <a:latin typeface="+mn-lt"/>
+                <a:ea typeface="+mn-ea"/>
+                <a:cs typeface="+mn-cs"/>
+              </a:defRPr>
+            </a:lvl9pPr>
+          </a:lstStyle>
+          <a:p>
+            <a:pPr marL="91440" lvl="0" indent="-91440">
+              <a:lnSpc>
+                <a:spcPct val="90000"/>
+              </a:lnSpc>
+              <a:spcBef>
+                <a:spcPts val="1200"/>
+              </a:spcBef>
+              <a:spcAft>
+                <a:spcPts val="200"/>
+              </a:spcAft>
+              <a:buClr>
+                <a:schemeClr val="accent3"/>
+              </a:buClr>
+              <a:buSzPct val="100000"/>
+              <a:buFont typeface="Calibri" panose="020F0502020204030204" pitchFamily="34" charset="0"/>
+              <a:buChar char=" "/>
+            </a:pPr>
+            <a:r>
+              <a:rPr lang="en-US" sz="2200" b="1" dirty="0" smtClean="0">
+                <a:latin typeface="Bell MT" pitchFamily="18" charset="0"/>
+              </a:rPr>
+              <a:t>This chart shows that more the young people most exposed to the media more he have chance to have an early pregnancy.</a:t>
+            </a:r>
+            <a:endParaRPr kumimoji="0" lang="en-US" sz="2200" b="1" i="0" u="none" strike="noStrike" kern="1200" cap="none" spc="0" normalizeH="0" baseline="0" noProof="0" dirty="0">
+              <a:ln>
+                <a:noFill/>
+              </a:ln>
+              <a:effectLst/>
+              <a:uLnTx/>
+              <a:uFillTx/>
+              <a:latin typeface="Bell MT" pitchFamily="18" charset="0"/>
+            </a:endParaRPr>
+          </a:p>
+        </p:txBody>
+      </p:sp>
+    </p:spTree>
+  </p:cSld>
+  <p:clrMapOvr>
+    <a:masterClrMapping/>
+  </p:clrMapOvr>
+  <p:timing>
+    <p:tnLst>
+      <p:par>
+        <p:cTn id="1" dur="indefinite" restart="never" nodeType="tmRoot"/>
+      </p:par>
+    </p:tnLst>
+  </p:timing>
+</p:sld>
+</file>
+
+<file path=ppt/slides/slide16.xml><?xml version="1.0" encoding="utf-8"?>
+<p:sld xmlns:a="http://schemas.openxmlformats.org/drawingml/2006/main" xmlns:r="http://schemas.openxmlformats.org/officeDocument/2006/relationships" xmlns:p="http://schemas.openxmlformats.org/presentationml/2006/main">
+  <p:cSld>
+    <p:spTree>
+      <p:nvGrpSpPr>
+        <p:cNvPr id="1" name=""/>
+        <p:cNvGrpSpPr/>
+        <p:nvPr/>
+      </p:nvGrpSpPr>
+      <p:grpSpPr>
+        <a:xfrm>
+          <a:off x="0" y="0"/>
+          <a:ext cx="0" cy="0"/>
+          <a:chOff x="0" y="0"/>
+          <a:chExt cx="0" cy="0"/>
+        </a:xfrm>
+      </p:grpSpPr>
       <p:pic>
         <p:nvPicPr>
-          <p:cNvPr id="9" name="Picture 8"/>
+          <p:cNvPr id="4" name="Content Placeholder 3"/>
           <p:cNvPicPr>
-            <a:picLocks noChangeAspect="1"/>
+            <a:picLocks noGrp="1" noChangeAspect="1"/>
           </p:cNvPicPr>
-          <p:nvPr/>
+          <p:nvPr>
+            <p:ph idx="1"/>
+          </p:nvPr>
         </p:nvPicPr>
         <p:blipFill>
-          <a:blip r:embed="rId3">
+          <a:blip r:embed="rId2">
             <a:extLst>
               <a:ext uri="{28A0092B-C50C-407E-A947-70E740481C1C}">
                 <a14:useLocalDpi xmlns:a14="http://schemas.microsoft.com/office/drawing/2010/main" val="0"/>
@@ -5250,8 +9786,8 @@
         </p:blipFill>
         <p:spPr>
           <a:xfrm>
-            <a:off x="277088" y="3758285"/>
-            <a:ext cx="9476511" cy="2919606"/>
+            <a:off x="292246" y="1588497"/>
+            <a:ext cx="10871018" cy="3412994"/>
           </a:xfrm>
           <a:prstGeom prst="rect">
             <a:avLst/>
@@ -5260,13 +9796,13 @@
       </p:pic>
       <p:sp>
         <p:nvSpPr>
-          <p:cNvPr id="10" name="Line Callout 2 9"/>
+          <p:cNvPr id="5" name="Line Callout 2 4"/>
           <p:cNvSpPr/>
           <p:nvPr/>
         </p:nvSpPr>
         <p:spPr>
           <a:xfrm>
-            <a:off x="8714510" y="3439397"/>
+            <a:off x="8268175" y="1048171"/>
             <a:ext cx="2452255" cy="540326"/>
           </a:xfrm>
           <a:prstGeom prst="borderCallout2">
@@ -5335,22 +9871,212 @@
           </a:p>
         </p:txBody>
       </p:sp>
+      <p:sp>
+        <p:nvSpPr>
+          <p:cNvPr id="6" name="Espace réservé du contenu 2"/>
+          <p:cNvSpPr txBox="1">
+            <a:spLocks/>
+          </p:cNvSpPr>
+          <p:nvPr/>
+        </p:nvSpPr>
+        <p:spPr>
+          <a:xfrm>
+            <a:off x="555482" y="5402373"/>
+            <a:ext cx="10058400" cy="1039991"/>
+          </a:xfrm>
+          <a:prstGeom prst="rect">
+            <a:avLst/>
+          </a:prstGeom>
+        </p:spPr>
+        <p:txBody>
+          <a:bodyPr vert="horz" lIns="0" tIns="45720" rIns="0" bIns="45720" rtlCol="0">
+            <a:normAutofit/>
+          </a:bodyPr>
+          <a:lstStyle>
+            <a:defPPr>
+              <a:defRPr lang="en-US"/>
+            </a:defPPr>
+            <a:lvl1pPr marL="0" algn="l" defTabSz="914400" rtl="0" eaLnBrk="1" latinLnBrk="0" hangingPunct="1">
+              <a:defRPr sz="1800" kern="1200">
+                <a:solidFill>
+                  <a:schemeClr val="tx1"/>
+                </a:solidFill>
+                <a:latin typeface="+mn-lt"/>
+                <a:ea typeface="+mn-ea"/>
+                <a:cs typeface="+mn-cs"/>
+              </a:defRPr>
+            </a:lvl1pPr>
+            <a:lvl2pPr marL="457200" algn="l" defTabSz="914400" rtl="0" eaLnBrk="1" latinLnBrk="0" hangingPunct="1">
+              <a:defRPr sz="1800" kern="1200">
+                <a:solidFill>
+                  <a:schemeClr val="tx1"/>
+                </a:solidFill>
+                <a:latin typeface="+mn-lt"/>
+                <a:ea typeface="+mn-ea"/>
+                <a:cs typeface="+mn-cs"/>
+              </a:defRPr>
+            </a:lvl2pPr>
+            <a:lvl3pPr marL="914400" algn="l" defTabSz="914400" rtl="0" eaLnBrk="1" latinLnBrk="0" hangingPunct="1">
+              <a:defRPr sz="1800" kern="1200">
+                <a:solidFill>
+                  <a:schemeClr val="tx1"/>
+                </a:solidFill>
+                <a:latin typeface="+mn-lt"/>
+                <a:ea typeface="+mn-ea"/>
+                <a:cs typeface="+mn-cs"/>
+              </a:defRPr>
+            </a:lvl3pPr>
+            <a:lvl4pPr marL="1371600" algn="l" defTabSz="914400" rtl="0" eaLnBrk="1" latinLnBrk="0" hangingPunct="1">
+              <a:defRPr sz="1800" kern="1200">
+                <a:solidFill>
+                  <a:schemeClr val="tx1"/>
+                </a:solidFill>
+                <a:latin typeface="+mn-lt"/>
+                <a:ea typeface="+mn-ea"/>
+                <a:cs typeface="+mn-cs"/>
+              </a:defRPr>
+            </a:lvl4pPr>
+            <a:lvl5pPr marL="1828800" algn="l" defTabSz="914400" rtl="0" eaLnBrk="1" latinLnBrk="0" hangingPunct="1">
+              <a:defRPr sz="1800" kern="1200">
+                <a:solidFill>
+                  <a:schemeClr val="tx1"/>
+                </a:solidFill>
+                <a:latin typeface="+mn-lt"/>
+                <a:ea typeface="+mn-ea"/>
+                <a:cs typeface="+mn-cs"/>
+              </a:defRPr>
+            </a:lvl5pPr>
+            <a:lvl6pPr marL="2286000" algn="l" defTabSz="914400" rtl="0" eaLnBrk="1" latinLnBrk="0" hangingPunct="1">
+              <a:defRPr sz="1800" kern="1200">
+                <a:solidFill>
+                  <a:schemeClr val="tx1"/>
+                </a:solidFill>
+                <a:latin typeface="+mn-lt"/>
+                <a:ea typeface="+mn-ea"/>
+                <a:cs typeface="+mn-cs"/>
+              </a:defRPr>
+            </a:lvl6pPr>
+            <a:lvl7pPr marL="2743200" algn="l" defTabSz="914400" rtl="0" eaLnBrk="1" latinLnBrk="0" hangingPunct="1">
+              <a:defRPr sz="1800" kern="1200">
+                <a:solidFill>
+                  <a:schemeClr val="tx1"/>
+                </a:solidFill>
+                <a:latin typeface="+mn-lt"/>
+                <a:ea typeface="+mn-ea"/>
+                <a:cs typeface="+mn-cs"/>
+              </a:defRPr>
+            </a:lvl7pPr>
+            <a:lvl8pPr marL="3200400" algn="l" defTabSz="914400" rtl="0" eaLnBrk="1" latinLnBrk="0" hangingPunct="1">
+              <a:defRPr sz="1800" kern="1200">
+                <a:solidFill>
+                  <a:schemeClr val="tx1"/>
+                </a:solidFill>
+                <a:latin typeface="+mn-lt"/>
+                <a:ea typeface="+mn-ea"/>
+                <a:cs typeface="+mn-cs"/>
+              </a:defRPr>
+            </a:lvl8pPr>
+            <a:lvl9pPr marL="3657600" algn="l" defTabSz="914400" rtl="0" eaLnBrk="1" latinLnBrk="0" hangingPunct="1">
+              <a:defRPr sz="1800" kern="1200">
+                <a:solidFill>
+                  <a:schemeClr val="tx1"/>
+                </a:solidFill>
+                <a:latin typeface="+mn-lt"/>
+                <a:ea typeface="+mn-ea"/>
+                <a:cs typeface="+mn-cs"/>
+              </a:defRPr>
+            </a:lvl9pPr>
+          </a:lstStyle>
+          <a:p>
+            <a:pPr marL="91440" lvl="0" indent="-91440">
+              <a:lnSpc>
+                <a:spcPct val="90000"/>
+              </a:lnSpc>
+              <a:spcBef>
+                <a:spcPts val="1200"/>
+              </a:spcBef>
+              <a:spcAft>
+                <a:spcPts val="200"/>
+              </a:spcAft>
+              <a:buClr>
+                <a:schemeClr val="accent3"/>
+              </a:buClr>
+              <a:buSzPct val="100000"/>
+              <a:buFont typeface="Calibri" panose="020F0502020204030204" pitchFamily="34" charset="0"/>
+              <a:buChar char=" "/>
+            </a:pPr>
+            <a:r>
+              <a:rPr lang="en-US" sz="2000" b="1" dirty="0" smtClean="0"/>
+              <a:t>F</a:t>
+            </a:r>
+            <a:r>
+              <a:rPr kumimoji="0" lang="en-US" sz="2000" b="1" i="0" u="none" strike="noStrike" kern="1200" cap="none" spc="0" normalizeH="0" baseline="0" noProof="0" dirty="0" smtClean="0">
+                <a:ln>
+                  <a:noFill/>
+                </a:ln>
+                <a:effectLst/>
+                <a:uLnTx/>
+                <a:uFillTx/>
+              </a:rPr>
+              <a:t>or group aged between 15 and 19 years old, </a:t>
+            </a:r>
+            <a:r>
+              <a:rPr kumimoji="0" lang="en-US" sz="2000" b="1" i="0" u="none" strike="noStrike" kern="1200" cap="none" spc="0" normalizeH="0" baseline="0" noProof="0" dirty="0" smtClean="0">
+                <a:ln>
+                  <a:noFill/>
+                </a:ln>
+                <a:effectLst/>
+                <a:uLnTx/>
+                <a:uFillTx/>
+                <a:latin typeface="Bell MT" pitchFamily="18" charset="0"/>
+              </a:rPr>
+              <a:t>it's them most exposed to the media who have an early pregnancy,</a:t>
+            </a:r>
+            <a:r>
+              <a:rPr kumimoji="0" lang="en-US" sz="2000" b="1" i="0" u="none" strike="noStrike" kern="1200" cap="none" spc="0" normalizeH="0" noProof="0" dirty="0" smtClean="0">
+                <a:ln>
+                  <a:noFill/>
+                </a:ln>
+                <a:effectLst/>
+                <a:uLnTx/>
+                <a:uFillTx/>
+                <a:latin typeface="Bell MT" pitchFamily="18" charset="0"/>
+              </a:rPr>
+              <a:t> follow by the p</a:t>
+            </a:r>
+            <a:r>
+              <a:rPr lang="en-US" sz="2000" b="1" dirty="0" err="1" smtClean="0"/>
+              <a:t>ercentage</a:t>
+            </a:r>
+            <a:r>
+              <a:rPr lang="en-US" sz="2000" b="1" dirty="0" smtClean="0"/>
+              <a:t> of sexually active youth who have ever used any contraceptive method </a:t>
+            </a:r>
+            <a:endParaRPr kumimoji="0" lang="en-US" sz="2000" b="1" i="0" u="none" strike="noStrike" kern="1200" cap="none" spc="0" normalizeH="0" baseline="0" noProof="0" dirty="0">
+              <a:ln>
+                <a:noFill/>
+              </a:ln>
+              <a:effectLst/>
+              <a:uLnTx/>
+              <a:uFillTx/>
+            </a:endParaRPr>
+          </a:p>
+        </p:txBody>
+      </p:sp>
     </p:spTree>
+    <p:extLst>
+      <p:ext uri="{BB962C8B-B14F-4D97-AF65-F5344CB8AC3E}">
+        <p14:creationId xmlns:p14="http://schemas.microsoft.com/office/powerpoint/2010/main" val="2570812693"/>
+      </p:ext>
+    </p:extLst>
   </p:cSld>
   <p:clrMapOvr>
     <a:masterClrMapping/>
   </p:clrMapOvr>
-  <p:timing>
-    <p:tnLst>
-      <p:par>
-        <p:cTn id="1" dur="indefinite" restart="never" nodeType="tmRoot"/>
-      </p:par>
-    </p:tnLst>
-  </p:timing>
 </p:sld>
 </file>
 
-<file path=ppt/slides/slide13.xml><?xml version="1.0" encoding="utf-8"?>
+<file path=ppt/slides/slide17.xml><?xml version="1.0" encoding="utf-8"?>
 <p:sld xmlns:a="http://schemas.openxmlformats.org/drawingml/2006/main" xmlns:r="http://schemas.openxmlformats.org/officeDocument/2006/relationships" xmlns:p="http://schemas.openxmlformats.org/presentationml/2006/main">
   <p:cSld>
     <p:spTree>
@@ -5379,8 +10105,8 @@
         </p:nvSpPr>
         <p:spPr>
           <a:xfrm>
-            <a:off x="595745" y="1427018"/>
-            <a:ext cx="9261487" cy="5209309"/>
+            <a:off x="595745" y="900546"/>
+            <a:ext cx="9261487" cy="5735782"/>
           </a:xfrm>
         </p:spPr>
         <p:txBody>
@@ -5484,6 +10210,14 @@
               <a:rPr lang="en-US" dirty="0" smtClean="0"/>
               <a:t> </a:t>
             </a:r>
+            <a:r>
+              <a:rPr lang="en-US" dirty="0" smtClean="0"/>
+              <a:t/>
+            </a:r>
+            <a:br>
+              <a:rPr lang="en-US" dirty="0" smtClean="0"/>
+            </a:br>
+            <a:endParaRPr lang="en-US" dirty="0" smtClean="0"/>
           </a:p>
           <a:p>
             <a:pPr marL="0" indent="0">
@@ -5539,7 +10273,7 @@
         </p:blipFill>
         <p:spPr>
           <a:xfrm>
-            <a:off x="3876830" y="2934583"/>
+            <a:off x="3876830" y="2573008"/>
             <a:ext cx="2197941" cy="930143"/>
           </a:xfrm>
           <a:prstGeom prst="rect">
@@ -5569,8 +10303,8 @@
         </p:blipFill>
         <p:spPr>
           <a:xfrm>
-            <a:off x="4570156" y="4480892"/>
-            <a:ext cx="839253" cy="839253"/>
+            <a:off x="4569562" y="3844920"/>
+            <a:ext cx="973248" cy="973248"/>
           </a:xfrm>
           <a:prstGeom prst="rect">
             <a:avLst/>
@@ -5599,8 +10333,8 @@
         </p:blipFill>
         <p:spPr>
           <a:xfrm>
-            <a:off x="3182055" y="1618341"/>
-            <a:ext cx="1894097" cy="914765"/>
+            <a:off x="3252563" y="920672"/>
+            <a:ext cx="2290247" cy="1106088"/>
           </a:xfrm>
           <a:prstGeom prst="rect">
             <a:avLst/>
@@ -5629,8 +10363,8 @@
         </p:blipFill>
         <p:spPr>
           <a:xfrm>
-            <a:off x="4129104" y="5680373"/>
-            <a:ext cx="1061184" cy="1061184"/>
+            <a:off x="4129104" y="5376149"/>
+            <a:ext cx="1280305" cy="1280305"/>
           </a:xfrm>
           <a:prstGeom prst="rect">
             <a:avLst/>
@@ -5639,13 +10373,429 @@
       </p:pic>
       <p:sp>
         <p:nvSpPr>
-          <p:cNvPr id="8" name="Line Callout 2 7"/>
+          <p:cNvPr id="9" name="Right Brace 8"/>
           <p:cNvSpPr/>
           <p:nvPr/>
         </p:nvSpPr>
         <p:spPr>
           <a:xfrm>
-            <a:off x="1400422" y="568037"/>
+            <a:off x="6074771" y="920672"/>
+            <a:ext cx="1129599" cy="5715655"/>
+          </a:xfrm>
+          <a:prstGeom prst="rightBrace">
+            <a:avLst/>
+          </a:prstGeom>
+        </p:spPr>
+        <p:style>
+          <a:lnRef idx="3">
+            <a:schemeClr val="dk1"/>
+          </a:lnRef>
+          <a:fillRef idx="0">
+            <a:schemeClr val="dk1"/>
+          </a:fillRef>
+          <a:effectRef idx="2">
+            <a:schemeClr val="dk1"/>
+          </a:effectRef>
+          <a:fontRef idx="minor">
+            <a:schemeClr val="tx1"/>
+          </a:fontRef>
+        </p:style>
+        <p:txBody>
+          <a:bodyPr rtlCol="0" anchor="ctr"/>
+          <a:lstStyle/>
+          <a:p>
+            <a:pPr algn="ctr"/>
+            <a:endParaRPr lang="en-US"/>
+          </a:p>
+        </p:txBody>
+      </p:sp>
+      <p:sp>
+        <p:nvSpPr>
+          <p:cNvPr id="10" name="Rectangle 9"/>
+          <p:cNvSpPr/>
+          <p:nvPr/>
+        </p:nvSpPr>
+        <p:spPr>
+          <a:xfrm>
+            <a:off x="7463918" y="3306772"/>
+            <a:ext cx="3411899" cy="1200329"/>
+          </a:xfrm>
+          <a:prstGeom prst="rect">
+            <a:avLst/>
+          </a:prstGeom>
+        </p:spPr>
+        <p:txBody>
+          <a:bodyPr wrap="square">
+            <a:spAutoFit/>
+          </a:bodyPr>
+          <a:lstStyle/>
+          <a:p>
+            <a:r>
+              <a:rPr lang="en-US" sz="2400" dirty="0">
+                <a:solidFill>
+                  <a:srgbClr val="002060"/>
+                </a:solidFill>
+                <a:latin typeface="Bell MT" panose="02020503060305020303" pitchFamily="18" charset="0"/>
+              </a:rPr>
+              <a:t> </a:t>
+            </a:r>
+            <a:r>
+              <a:rPr lang="en-US" sz="2400" b="1" dirty="0">
+                <a:solidFill>
+                  <a:srgbClr val="002060"/>
+                </a:solidFill>
+                <a:latin typeface="Bell MT" panose="02020503060305020303" pitchFamily="18" charset="0"/>
+              </a:rPr>
+              <a:t>The four key factors that predominate across all age groups.</a:t>
+            </a:r>
+          </a:p>
+        </p:txBody>
+      </p:sp>
+    </p:spTree>
+    <p:extLst>
+      <p:ext uri="{BB962C8B-B14F-4D97-AF65-F5344CB8AC3E}">
+        <p14:creationId xmlns:p14="http://schemas.microsoft.com/office/powerpoint/2010/main" val="2709323230"/>
+      </p:ext>
+    </p:extLst>
+  </p:cSld>
+  <p:clrMapOvr>
+    <a:masterClrMapping/>
+  </p:clrMapOvr>
+</p:sld>
+</file>
+
+<file path=ppt/slides/slide18.xml><?xml version="1.0" encoding="utf-8"?>
+<p:sld xmlns:a="http://schemas.openxmlformats.org/drawingml/2006/main" xmlns:r="http://schemas.openxmlformats.org/officeDocument/2006/relationships" xmlns:p="http://schemas.openxmlformats.org/presentationml/2006/main">
+  <p:cSld>
+    <p:spTree>
+      <p:nvGrpSpPr>
+        <p:cNvPr id="1" name=""/>
+        <p:cNvGrpSpPr/>
+        <p:nvPr/>
+      </p:nvGrpSpPr>
+      <p:grpSpPr>
+        <a:xfrm>
+          <a:off x="0" y="0"/>
+          <a:ext cx="0" cy="0"/>
+          <a:chOff x="0" y="0"/>
+          <a:chExt cx="0" cy="0"/>
+        </a:xfrm>
+      </p:grpSpPr>
+      <p:sp>
+        <p:nvSpPr>
+          <p:cNvPr id="3" name="Espace réservé du contenu 2"/>
+          <p:cNvSpPr>
+            <a:spLocks noGrp="1"/>
+          </p:cNvSpPr>
+          <p:nvPr>
+            <p:ph idx="1"/>
+          </p:nvPr>
+        </p:nvSpPr>
+        <p:spPr>
+          <a:xfrm>
+            <a:off x="1413163" y="1845734"/>
+            <a:ext cx="8866909" cy="4470660"/>
+          </a:xfrm>
+        </p:spPr>
+        <p:txBody>
+          <a:bodyPr>
+            <a:noAutofit/>
+          </a:bodyPr>
+          <a:lstStyle/>
+          <a:p>
+            <a:pPr algn="just"/>
+            <a:r>
+              <a:rPr lang="en-US" dirty="0" smtClean="0">
+                <a:latin typeface="Bell MT" pitchFamily="18" charset="0"/>
+              </a:rPr>
+              <a:t>only </a:t>
+            </a:r>
+            <a:r>
+              <a:rPr lang="en-US" dirty="0" smtClean="0">
+                <a:latin typeface="Bell MT" pitchFamily="18" charset="0"/>
+              </a:rPr>
+              <a:t>12% of sexual information is provided by family and 29% by friends;</a:t>
+            </a:r>
+          </a:p>
+          <a:p>
+            <a:pPr algn="just"/>
+            <a:r>
+              <a:rPr lang="en-US" dirty="0" smtClean="0">
+                <a:latin typeface="Bell MT" pitchFamily="18" charset="0"/>
+              </a:rPr>
+              <a:t>the </a:t>
+            </a:r>
+            <a:r>
+              <a:rPr lang="en-US" dirty="0" smtClean="0">
+                <a:latin typeface="Bell MT" pitchFamily="18" charset="0"/>
+              </a:rPr>
+              <a:t>average age at first sexual intercourse is 13;</a:t>
+            </a:r>
+          </a:p>
+          <a:p>
+            <a:pPr algn="just"/>
+            <a:r>
+              <a:rPr lang="en-US" dirty="0" smtClean="0">
+                <a:latin typeface="Bell MT" pitchFamily="18" charset="0"/>
+              </a:rPr>
+              <a:t>3% of teenage girls have already had 3 children;</a:t>
+            </a:r>
+          </a:p>
+          <a:p>
+            <a:pPr algn="just"/>
+            <a:r>
+              <a:rPr lang="en-US" dirty="0" smtClean="0">
+                <a:latin typeface="Bell MT" pitchFamily="18" charset="0"/>
+              </a:rPr>
+              <a:t>the maximum number of pregnancies is 5;</a:t>
+            </a:r>
+          </a:p>
+          <a:p>
+            <a:pPr algn="just"/>
+            <a:r>
+              <a:rPr lang="en-US" dirty="0" smtClean="0">
+                <a:latin typeface="Bell MT" pitchFamily="18" charset="0"/>
+              </a:rPr>
+              <a:t>only 16% of the progenitors are adolescents and 47% are over 28 years of age;</a:t>
+            </a:r>
+          </a:p>
+          <a:p>
+            <a:pPr algn="just"/>
+            <a:r>
+              <a:rPr lang="en-US" dirty="0" smtClean="0">
+                <a:latin typeface="Bell MT" pitchFamily="18" charset="0"/>
+              </a:rPr>
+              <a:t>93% of adolescent girls do not use condoms or use them only sometimes;</a:t>
+            </a:r>
+          </a:p>
+          <a:p>
+            <a:pPr algn="just"/>
+            <a:r>
+              <a:rPr lang="en-US" dirty="0" smtClean="0">
+                <a:latin typeface="Bell MT" pitchFamily="18" charset="0"/>
+              </a:rPr>
+              <a:t>90% do not know about family planning methods and how they work;</a:t>
+            </a:r>
+          </a:p>
+          <a:p>
+            <a:pPr algn="just"/>
+            <a:r>
+              <a:rPr lang="en-US" dirty="0" smtClean="0">
+                <a:latin typeface="Bell MT" pitchFamily="18" charset="0"/>
+              </a:rPr>
+              <a:t>92% do not know their menstrual cycle and 88% do not know their fertile period</a:t>
+            </a:r>
+          </a:p>
+          <a:p>
+            <a:pPr algn="just"/>
+            <a:endParaRPr lang="en-US" dirty="0">
+              <a:latin typeface="Bell MT" pitchFamily="18" charset="0"/>
+            </a:endParaRPr>
+          </a:p>
+        </p:txBody>
+      </p:sp>
+      <p:sp>
+        <p:nvSpPr>
+          <p:cNvPr id="6" name="Line Callout 2 5"/>
+          <p:cNvSpPr/>
+          <p:nvPr/>
+        </p:nvSpPr>
+        <p:spPr>
+          <a:xfrm>
+            <a:off x="2744313" y="858984"/>
+            <a:ext cx="1966233" cy="512616"/>
+          </a:xfrm>
+          <a:prstGeom prst="borderCallout2">
+            <a:avLst>
+              <a:gd name="adj1" fmla="val 18751"/>
+              <a:gd name="adj2" fmla="val -8333"/>
+              <a:gd name="adj3" fmla="val 18750"/>
+              <a:gd name="adj4" fmla="val -16667"/>
+              <a:gd name="adj5" fmla="val 105037"/>
+              <a:gd name="adj6" fmla="val -37118"/>
+            </a:avLst>
+          </a:prstGeom>
+          <a:solidFill>
+            <a:schemeClr val="accent2">
+              <a:lumMod val="60000"/>
+              <a:lumOff val="40000"/>
+            </a:schemeClr>
+          </a:solidFill>
+          <a:ln w="28575">
+            <a:solidFill>
+              <a:schemeClr val="accent3">
+                <a:lumMod val="50000"/>
+              </a:schemeClr>
+            </a:solidFill>
+          </a:ln>
+        </p:spPr>
+        <p:style>
+          <a:lnRef idx="2">
+            <a:schemeClr val="accent6"/>
+          </a:lnRef>
+          <a:fillRef idx="1">
+            <a:schemeClr val="lt1"/>
+          </a:fillRef>
+          <a:effectRef idx="0">
+            <a:schemeClr val="accent6"/>
+          </a:effectRef>
+          <a:fontRef idx="minor">
+            <a:schemeClr val="dk1"/>
+          </a:fontRef>
+        </p:style>
+        <p:txBody>
+          <a:bodyPr rot="0" spcFirstLastPara="0" vertOverflow="overflow" horzOverflow="overflow" vert="horz" wrap="square" lIns="91440" tIns="45720" rIns="91440" bIns="45720" numCol="1" spcCol="0" rtlCol="0" fromWordArt="0" anchor="ctr" anchorCtr="0" forceAA="0" compatLnSpc="1">
+            <a:prstTxWarp prst="textNoShape">
+              <a:avLst/>
+            </a:prstTxWarp>
+            <a:noAutofit/>
+          </a:bodyPr>
+          <a:lstStyle/>
+          <a:p>
+            <a:pPr marL="0" lvl="1" algn="ctr"/>
+            <a:r>
+              <a:rPr lang="en-US" sz="2400" b="1" dirty="0" smtClean="0">
+                <a:solidFill>
+                  <a:srgbClr val="002060"/>
+                </a:solidFill>
+                <a:latin typeface="Agency FB" pitchFamily="34" charset="0"/>
+              </a:rPr>
+              <a:t>Discussions</a:t>
+            </a:r>
+            <a:endParaRPr lang="en-US" sz="2400" b="1" dirty="0">
+              <a:solidFill>
+                <a:srgbClr val="002060"/>
+              </a:solidFill>
+              <a:latin typeface="Bell MT" panose="02020503060305020303" pitchFamily="18" charset="0"/>
+            </a:endParaRPr>
+          </a:p>
+        </p:txBody>
+      </p:sp>
+    </p:spTree>
+  </p:cSld>
+  <p:clrMapOvr>
+    <a:masterClrMapping/>
+  </p:clrMapOvr>
+</p:sld>
+</file>
+
+<file path=ppt/slides/slide19.xml><?xml version="1.0" encoding="utf-8"?>
+<p:sld xmlns:a="http://schemas.openxmlformats.org/drawingml/2006/main" xmlns:r="http://schemas.openxmlformats.org/officeDocument/2006/relationships" xmlns:p="http://schemas.openxmlformats.org/presentationml/2006/main">
+  <p:cSld>
+    <p:spTree>
+      <p:nvGrpSpPr>
+        <p:cNvPr id="1" name=""/>
+        <p:cNvGrpSpPr/>
+        <p:nvPr/>
+      </p:nvGrpSpPr>
+      <p:grpSpPr>
+        <a:xfrm>
+          <a:off x="0" y="0"/>
+          <a:ext cx="0" cy="0"/>
+          <a:chOff x="0" y="0"/>
+          <a:chExt cx="0" cy="0"/>
+        </a:xfrm>
+      </p:grpSpPr>
+      <p:sp>
+        <p:nvSpPr>
+          <p:cNvPr id="3" name="Espace réservé du contenu 2"/>
+          <p:cNvSpPr>
+            <a:spLocks noGrp="1"/>
+          </p:cNvSpPr>
+          <p:nvPr>
+            <p:ph idx="1"/>
+          </p:nvPr>
+        </p:nvSpPr>
+        <p:spPr>
+          <a:xfrm>
+            <a:off x="3519055" y="1787237"/>
+            <a:ext cx="7592291" cy="3810000"/>
+          </a:xfrm>
+        </p:spPr>
+        <p:txBody>
+          <a:bodyPr>
+            <a:normAutofit/>
+          </a:bodyPr>
+          <a:lstStyle/>
+          <a:p>
+            <a:pPr marL="0" indent="0" algn="just">
+              <a:buNone/>
+            </a:pPr>
+            <a:r>
+              <a:rPr lang="en-US" sz="2200" dirty="0">
+                <a:latin typeface="Bell MT" pitchFamily="18" charset="0"/>
+              </a:rPr>
+              <a:t>Sexuality education consists of information about sexuality and the transmission of a number of values and recommendations. It begins in childhood and continues to some extent throughout life</a:t>
+            </a:r>
+            <a:r>
+              <a:rPr lang="en-US" sz="2200" dirty="0" smtClean="0">
+                <a:latin typeface="Bell MT" pitchFamily="18" charset="0"/>
+              </a:rPr>
+              <a:t>. It’s important to do sexuality education of the children because a</a:t>
+            </a:r>
+            <a:r>
+              <a:rPr lang="en-US" sz="2200" dirty="0" smtClean="0">
+                <a:latin typeface="Bell MT" pitchFamily="18" charset="0"/>
+              </a:rPr>
+              <a:t> </a:t>
+            </a:r>
+            <a:r>
+              <a:rPr lang="en-US" sz="2200" dirty="0" smtClean="0">
+                <a:latin typeface="Bell MT" pitchFamily="18" charset="0"/>
+              </a:rPr>
+              <a:t>girl's pregnancy can radically change her life. She may be forced to drop out of school, reducing her employment prospects. She also becomes more vulnerable to poverty and exclusion. Her health can also suffer, as complications related to pregnancy and childbirth are one of the leading causes of death among adolescents</a:t>
+            </a:r>
+            <a:r>
+              <a:rPr lang="en-US" sz="2200" dirty="0" smtClean="0">
+                <a:latin typeface="Bell MT" pitchFamily="18" charset="0"/>
+              </a:rPr>
+              <a:t>.</a:t>
+            </a:r>
+            <a:endParaRPr lang="en-US" sz="2200" dirty="0" smtClean="0">
+              <a:latin typeface="Bell MT" pitchFamily="18" charset="0"/>
+            </a:endParaRPr>
+          </a:p>
+        </p:txBody>
+      </p:sp>
+      <p:pic>
+        <p:nvPicPr>
+          <p:cNvPr id="2" name="Picture 1"/>
+          <p:cNvPicPr>
+            <a:picLocks noChangeAspect="1"/>
+          </p:cNvPicPr>
+          <p:nvPr/>
+        </p:nvPicPr>
+        <p:blipFill>
+          <a:blip r:embed="rId2">
+            <a:extLst>
+              <a:ext uri="{28A0092B-C50C-407E-A947-70E740481C1C}">
+                <a14:useLocalDpi xmlns:a14="http://schemas.microsoft.com/office/drawing/2010/main" val="0"/>
+              </a:ext>
+            </a:extLst>
+          </a:blip>
+          <a:stretch>
+            <a:fillRect/>
+          </a:stretch>
+        </p:blipFill>
+        <p:spPr>
+          <a:xfrm>
+            <a:off x="104504" y="1281545"/>
+            <a:ext cx="3483826" cy="4876800"/>
+          </a:xfrm>
+          <a:prstGeom prst="rect">
+            <a:avLst/>
+          </a:prstGeom>
+        </p:spPr>
+      </p:pic>
+      <p:sp>
+        <p:nvSpPr>
+          <p:cNvPr id="5" name="Line Callout 2 4"/>
+          <p:cNvSpPr/>
+          <p:nvPr/>
+        </p:nvSpPr>
+        <p:spPr>
+          <a:xfrm>
+            <a:off x="4074350" y="1004454"/>
             <a:ext cx="1980087" cy="581892"/>
           </a:xfrm>
           <a:prstGeom prst="borderCallout2">
@@ -5708,1133 +10858,7 @@
           </a:p>
         </p:txBody>
       </p:sp>
-      <p:sp>
-        <p:nvSpPr>
-          <p:cNvPr id="9" name="Right Brace 8"/>
-          <p:cNvSpPr/>
-          <p:nvPr/>
-        </p:nvSpPr>
-        <p:spPr>
-          <a:xfrm>
-            <a:off x="6074771" y="1618341"/>
-            <a:ext cx="1129599" cy="5017986"/>
-          </a:xfrm>
-          <a:prstGeom prst="rightBrace">
-            <a:avLst/>
-          </a:prstGeom>
-        </p:spPr>
-        <p:style>
-          <a:lnRef idx="3">
-            <a:schemeClr val="dk1"/>
-          </a:lnRef>
-          <a:fillRef idx="0">
-            <a:schemeClr val="dk1"/>
-          </a:fillRef>
-          <a:effectRef idx="2">
-            <a:schemeClr val="dk1"/>
-          </a:effectRef>
-          <a:fontRef idx="minor">
-            <a:schemeClr val="tx1"/>
-          </a:fontRef>
-        </p:style>
-        <p:txBody>
-          <a:bodyPr rtlCol="0" anchor="ctr"/>
-          <a:lstStyle/>
-          <a:p>
-            <a:pPr algn="ctr"/>
-            <a:endParaRPr lang="en-US"/>
-          </a:p>
-        </p:txBody>
-      </p:sp>
-      <p:sp>
-        <p:nvSpPr>
-          <p:cNvPr id="10" name="Rectangle 9"/>
-          <p:cNvSpPr/>
-          <p:nvPr/>
-        </p:nvSpPr>
-        <p:spPr>
-          <a:xfrm>
-            <a:off x="7537051" y="3665669"/>
-            <a:ext cx="2652862" cy="923330"/>
-          </a:xfrm>
-          <a:prstGeom prst="rect">
-            <a:avLst/>
-          </a:prstGeom>
-        </p:spPr>
-        <p:txBody>
-          <a:bodyPr wrap="square">
-            <a:spAutoFit/>
-          </a:bodyPr>
-          <a:lstStyle/>
-          <a:p>
-            <a:r>
-              <a:rPr lang="en-US" dirty="0"/>
-              <a:t> </a:t>
-            </a:r>
-            <a:r>
-              <a:rPr lang="en-US" b="1" dirty="0">
-                <a:latin typeface="Bell MT" panose="02020503060305020303" pitchFamily="18" charset="0"/>
-              </a:rPr>
-              <a:t>The four key factors that predominate across all age groups.</a:t>
-            </a:r>
-          </a:p>
-        </p:txBody>
-      </p:sp>
     </p:spTree>
-    <p:extLst>
-      <p:ext uri="{BB962C8B-B14F-4D97-AF65-F5344CB8AC3E}">
-        <p14:creationId xmlns:p14="http://schemas.microsoft.com/office/powerpoint/2010/main" val="2709323230"/>
-      </p:ext>
-    </p:extLst>
-  </p:cSld>
-  <p:clrMapOvr>
-    <a:masterClrMapping/>
-  </p:clrMapOvr>
-</p:sld>
-</file>
-
-<file path=ppt/slides/slide14.xml><?xml version="1.0" encoding="utf-8"?>
-<p:sld xmlns:a="http://schemas.openxmlformats.org/drawingml/2006/main" xmlns:r="http://schemas.openxmlformats.org/officeDocument/2006/relationships" xmlns:p="http://schemas.openxmlformats.org/presentationml/2006/main">
-  <p:cSld>
-    <p:spTree>
-      <p:nvGrpSpPr>
-        <p:cNvPr id="1" name=""/>
-        <p:cNvGrpSpPr/>
-        <p:nvPr/>
-      </p:nvGrpSpPr>
-      <p:grpSpPr>
-        <a:xfrm>
-          <a:off x="0" y="0"/>
-          <a:ext cx="0" cy="0"/>
-          <a:chOff x="0" y="0"/>
-          <a:chExt cx="0" cy="0"/>
-        </a:xfrm>
-      </p:grpSpPr>
-      <p:sp>
-        <p:nvSpPr>
-          <p:cNvPr id="4" name="Titre 1"/>
-          <p:cNvSpPr>
-            <a:spLocks noGrp="1"/>
-          </p:cNvSpPr>
-          <p:nvPr>
-            <p:ph type="title"/>
-          </p:nvPr>
-        </p:nvSpPr>
-        <p:spPr/>
-        <p:txBody>
-          <a:bodyPr/>
-          <a:lstStyle/>
-          <a:p>
-            <a:r>
-              <a:rPr lang="en-US" dirty="0" smtClean="0">
-                <a:solidFill>
-                  <a:srgbClr val="00B050"/>
-                </a:solidFill>
-                <a:latin typeface="Agency FB" pitchFamily="34" charset="0"/>
-              </a:rPr>
-              <a:t>Abstract</a:t>
-            </a:r>
-            <a:endParaRPr lang="en-US" dirty="0">
-              <a:solidFill>
-                <a:srgbClr val="00B050"/>
-              </a:solidFill>
-              <a:latin typeface="Agency FB" pitchFamily="34" charset="0"/>
-            </a:endParaRPr>
-          </a:p>
-        </p:txBody>
-      </p:sp>
-      <p:sp>
-        <p:nvSpPr>
-          <p:cNvPr id="3" name="Espace réservé du contenu 2"/>
-          <p:cNvSpPr>
-            <a:spLocks noGrp="1"/>
-          </p:cNvSpPr>
-          <p:nvPr>
-            <p:ph idx="1"/>
-          </p:nvPr>
-        </p:nvSpPr>
-        <p:spPr>
-          <a:xfrm>
-            <a:off x="506437" y="1845734"/>
-            <a:ext cx="11057206" cy="4470660"/>
-          </a:xfrm>
-        </p:spPr>
-        <p:txBody>
-          <a:bodyPr>
-            <a:noAutofit/>
-          </a:bodyPr>
-          <a:lstStyle/>
-          <a:p>
-            <a:pPr algn="just"/>
-            <a:r>
-              <a:rPr lang="en-US" dirty="0" smtClean="0">
-                <a:latin typeface="Bell MT" pitchFamily="18" charset="0"/>
-              </a:rPr>
-              <a:t>Whatever the age group, media exposure is the most recorded variable because: </a:t>
-            </a:r>
-          </a:p>
-          <a:p>
-            <a:pPr algn="just"/>
-            <a:r>
-              <a:rPr lang="en-US" dirty="0" smtClean="0">
-                <a:latin typeface="Bell MT" pitchFamily="18" charset="0"/>
-              </a:rPr>
-              <a:t>only 12% of sexual information is provided by family and 29% by friends;</a:t>
-            </a:r>
-          </a:p>
-          <a:p>
-            <a:pPr algn="just"/>
-            <a:r>
-              <a:rPr lang="en-US" b="1" dirty="0" smtClean="0">
-                <a:latin typeface="Bell MT" pitchFamily="18" charset="0"/>
-              </a:rPr>
-              <a:t>All the variable let’s us know that</a:t>
-            </a:r>
-            <a:r>
-              <a:rPr lang="en-US" dirty="0" smtClean="0">
-                <a:latin typeface="Bell MT" pitchFamily="18" charset="0"/>
-              </a:rPr>
-              <a:t>: </a:t>
-            </a:r>
-          </a:p>
-          <a:p>
-            <a:pPr algn="just"/>
-            <a:r>
-              <a:rPr lang="en-US" dirty="0" smtClean="0">
-                <a:latin typeface="Bell MT" pitchFamily="18" charset="0"/>
-              </a:rPr>
-              <a:t>the average age at first sexual intercourse is 13;</a:t>
-            </a:r>
-          </a:p>
-          <a:p>
-            <a:pPr algn="just"/>
-            <a:r>
-              <a:rPr lang="en-US" dirty="0" smtClean="0">
-                <a:latin typeface="Bell MT" pitchFamily="18" charset="0"/>
-              </a:rPr>
-              <a:t>3% of teenage girls have already had 3 children;</a:t>
-            </a:r>
-          </a:p>
-          <a:p>
-            <a:pPr algn="just"/>
-            <a:r>
-              <a:rPr lang="en-US" dirty="0" smtClean="0">
-                <a:latin typeface="Bell MT" pitchFamily="18" charset="0"/>
-              </a:rPr>
-              <a:t>the maximum number of pregnancies is 5;</a:t>
-            </a:r>
-          </a:p>
-          <a:p>
-            <a:pPr algn="just"/>
-            <a:r>
-              <a:rPr lang="en-US" dirty="0" smtClean="0">
-                <a:latin typeface="Bell MT" pitchFamily="18" charset="0"/>
-              </a:rPr>
-              <a:t>only 16% of the progenitors are adolescents and 47% are over 28 years of age;</a:t>
-            </a:r>
-          </a:p>
-          <a:p>
-            <a:pPr algn="just"/>
-            <a:r>
-              <a:rPr lang="en-US" dirty="0" smtClean="0">
-                <a:latin typeface="Bell MT" pitchFamily="18" charset="0"/>
-              </a:rPr>
-              <a:t>93% of adolescent girls do not use condoms or use them only sometimes;</a:t>
-            </a:r>
-          </a:p>
-          <a:p>
-            <a:pPr algn="just"/>
-            <a:r>
-              <a:rPr lang="en-US" dirty="0" smtClean="0">
-                <a:latin typeface="Bell MT" pitchFamily="18" charset="0"/>
-              </a:rPr>
-              <a:t>90% do not know about family planning methods and how they work;</a:t>
-            </a:r>
-          </a:p>
-          <a:p>
-            <a:pPr algn="just"/>
-            <a:r>
-              <a:rPr lang="en-US" dirty="0" smtClean="0">
-                <a:latin typeface="Bell MT" pitchFamily="18" charset="0"/>
-              </a:rPr>
-              <a:t>92% do not know their menstrual cycle and 88% do not know their fertile period</a:t>
-            </a:r>
-          </a:p>
-          <a:p>
-            <a:pPr algn="just"/>
-            <a:endParaRPr lang="en-US" dirty="0">
-              <a:latin typeface="Bell MT" pitchFamily="18" charset="0"/>
-            </a:endParaRPr>
-          </a:p>
-        </p:txBody>
-      </p:sp>
-    </p:spTree>
-  </p:cSld>
-  <p:clrMapOvr>
-    <a:masterClrMapping/>
-  </p:clrMapOvr>
-</p:sld>
-</file>
-
-<file path=ppt/slides/slide15.xml><?xml version="1.0" encoding="utf-8"?>
-<p:sld xmlns:a="http://schemas.openxmlformats.org/drawingml/2006/main" xmlns:r="http://schemas.openxmlformats.org/officeDocument/2006/relationships" xmlns:p="http://schemas.openxmlformats.org/presentationml/2006/main">
-  <p:cSld>
-    <p:spTree>
-      <p:nvGrpSpPr>
-        <p:cNvPr id="1" name=""/>
-        <p:cNvGrpSpPr/>
-        <p:nvPr/>
-      </p:nvGrpSpPr>
-      <p:grpSpPr>
-        <a:xfrm>
-          <a:off x="0" y="0"/>
-          <a:ext cx="0" cy="0"/>
-          <a:chOff x="0" y="0"/>
-          <a:chExt cx="0" cy="0"/>
-        </a:xfrm>
-      </p:grpSpPr>
-      <p:sp>
-        <p:nvSpPr>
-          <p:cNvPr id="3" name="Espace réservé du contenu 2"/>
-          <p:cNvSpPr>
-            <a:spLocks noGrp="1"/>
-          </p:cNvSpPr>
-          <p:nvPr>
-            <p:ph idx="1"/>
-          </p:nvPr>
-        </p:nvSpPr>
-        <p:spPr>
-          <a:xfrm>
-            <a:off x="464234" y="1385455"/>
-            <a:ext cx="10370021" cy="4733991"/>
-          </a:xfrm>
-        </p:spPr>
-        <p:txBody>
-          <a:bodyPr>
-            <a:normAutofit/>
-          </a:bodyPr>
-          <a:lstStyle/>
-          <a:p>
-            <a:pPr algn="just"/>
-            <a:r>
-              <a:rPr lang="en-US" sz="2200" dirty="0" smtClean="0">
-                <a:latin typeface="Bell MT" pitchFamily="18" charset="0"/>
-              </a:rPr>
-              <a:t>A girl's pregnancy can radically change her life. She may be forced to drop out of school, reducing her employment prospects. She also becomes more vulnerable to poverty and exclusion. Her health can also suffer, as complications related to pregnancy and childbirth are one of the leading causes of death among adolescents.</a:t>
-            </a:r>
-          </a:p>
-          <a:p>
-            <a:pPr algn="just"/>
-            <a:r>
-              <a:rPr lang="en-US" sz="2200" dirty="0" smtClean="0">
-                <a:latin typeface="Bell MT" pitchFamily="18" charset="0"/>
-              </a:rPr>
-              <a:t>The Ministry of Education and Vocational Training should integrate sex education as a specific course in the academic curriculum. Not just for secondary school, but all three levels of formal education.</a:t>
-            </a:r>
-          </a:p>
-          <a:p>
-            <a:pPr algn="just"/>
-            <a:r>
-              <a:rPr lang="en-US" sz="2200" dirty="0" smtClean="0">
-                <a:latin typeface="Bell MT" pitchFamily="18" charset="0"/>
-              </a:rPr>
-              <a:t>Sexuality education consists of information about sexuality and the transmission of a number of values and recommendations. It begins in childhood and continues to some extent throughout life.</a:t>
-            </a:r>
-          </a:p>
-        </p:txBody>
-      </p:sp>
-      <p:sp>
-        <p:nvSpPr>
-          <p:cNvPr id="4" name="Line Callout 2 3"/>
-          <p:cNvSpPr/>
-          <p:nvPr/>
-        </p:nvSpPr>
-        <p:spPr>
-          <a:xfrm>
-            <a:off x="1400422" y="637311"/>
-            <a:ext cx="1966233" cy="512616"/>
-          </a:xfrm>
-          <a:prstGeom prst="borderCallout2">
-            <a:avLst>
-              <a:gd name="adj1" fmla="val 18751"/>
-              <a:gd name="adj2" fmla="val -8333"/>
-              <a:gd name="adj3" fmla="val 18750"/>
-              <a:gd name="adj4" fmla="val -16667"/>
-              <a:gd name="adj5" fmla="val 105037"/>
-              <a:gd name="adj6" fmla="val -37118"/>
-            </a:avLst>
-          </a:prstGeom>
-          <a:solidFill>
-            <a:schemeClr val="accent2">
-              <a:lumMod val="60000"/>
-              <a:lumOff val="40000"/>
-            </a:schemeClr>
-          </a:solidFill>
-          <a:ln w="28575">
-            <a:solidFill>
-              <a:schemeClr val="accent3">
-                <a:lumMod val="50000"/>
-              </a:schemeClr>
-            </a:solidFill>
-          </a:ln>
-        </p:spPr>
-        <p:style>
-          <a:lnRef idx="2">
-            <a:schemeClr val="accent6"/>
-          </a:lnRef>
-          <a:fillRef idx="1">
-            <a:schemeClr val="lt1"/>
-          </a:fillRef>
-          <a:effectRef idx="0">
-            <a:schemeClr val="accent6"/>
-          </a:effectRef>
-          <a:fontRef idx="minor">
-            <a:schemeClr val="dk1"/>
-          </a:fontRef>
-        </p:style>
-        <p:txBody>
-          <a:bodyPr rot="0" spcFirstLastPara="0" vertOverflow="overflow" horzOverflow="overflow" vert="horz" wrap="square" lIns="91440" tIns="45720" rIns="91440" bIns="45720" numCol="1" spcCol="0" rtlCol="0" fromWordArt="0" anchor="ctr" anchorCtr="0" forceAA="0" compatLnSpc="1">
-            <a:prstTxWarp prst="textNoShape">
-              <a:avLst/>
-            </a:prstTxWarp>
-            <a:noAutofit/>
-          </a:bodyPr>
-          <a:lstStyle/>
-          <a:p>
-            <a:pPr marL="0" lvl="1" algn="ctr"/>
-            <a:r>
-              <a:rPr lang="en-US" sz="2400" b="1" dirty="0" smtClean="0">
-                <a:solidFill>
-                  <a:srgbClr val="002060"/>
-                </a:solidFill>
-                <a:latin typeface="Agency FB" pitchFamily="34" charset="0"/>
-              </a:rPr>
-              <a:t>Discussions</a:t>
-            </a:r>
-            <a:endParaRPr lang="en-US" sz="2400" b="1" dirty="0">
-              <a:solidFill>
-                <a:srgbClr val="002060"/>
-              </a:solidFill>
-              <a:latin typeface="Bell MT" panose="02020503060305020303" pitchFamily="18" charset="0"/>
-            </a:endParaRPr>
-          </a:p>
-        </p:txBody>
-      </p:sp>
-    </p:spTree>
-  </p:cSld>
-  <p:clrMapOvr>
-    <a:masterClrMapping/>
-  </p:clrMapOvr>
-</p:sld>
-</file>
-
-<file path=ppt/slides/slide16.xml><?xml version="1.0" encoding="utf-8"?>
-<p:sld xmlns:a="http://schemas.openxmlformats.org/drawingml/2006/main" xmlns:r="http://schemas.openxmlformats.org/officeDocument/2006/relationships" xmlns:p="http://schemas.openxmlformats.org/presentationml/2006/main">
-  <p:cSld>
-    <p:spTree>
-      <p:nvGrpSpPr>
-        <p:cNvPr id="1" name=""/>
-        <p:cNvGrpSpPr/>
-        <p:nvPr/>
-      </p:nvGrpSpPr>
-      <p:grpSpPr>
-        <a:xfrm>
-          <a:off x="0" y="0"/>
-          <a:ext cx="0" cy="0"/>
-          <a:chOff x="0" y="0"/>
-          <a:chExt cx="0" cy="0"/>
-        </a:xfrm>
-      </p:grpSpPr>
-      <p:sp>
-        <p:nvSpPr>
-          <p:cNvPr id="2" name="Titre 1"/>
-          <p:cNvSpPr>
-            <a:spLocks noGrp="1"/>
-          </p:cNvSpPr>
-          <p:nvPr>
-            <p:ph type="title"/>
-          </p:nvPr>
-        </p:nvSpPr>
-        <p:spPr/>
-        <p:txBody>
-          <a:bodyPr/>
-          <a:lstStyle/>
-          <a:p>
-            <a:r>
-              <a:rPr lang="en-US" dirty="0" smtClean="0">
-                <a:solidFill>
-                  <a:srgbClr val="00B050"/>
-                </a:solidFill>
-                <a:latin typeface="Agency FB" pitchFamily="34" charset="0"/>
-              </a:rPr>
-              <a:t>Abstract &amp; Discussion</a:t>
-            </a:r>
-            <a:endParaRPr lang="en-US" dirty="0">
-              <a:solidFill>
-                <a:srgbClr val="00B050"/>
-              </a:solidFill>
-            </a:endParaRPr>
-          </a:p>
-        </p:txBody>
-      </p:sp>
-      <p:sp>
-        <p:nvSpPr>
-          <p:cNvPr id="3" name="Espace réservé du contenu 2"/>
-          <p:cNvSpPr>
-            <a:spLocks noGrp="1"/>
-          </p:cNvSpPr>
-          <p:nvPr>
-            <p:ph idx="1"/>
-          </p:nvPr>
-        </p:nvSpPr>
-        <p:spPr/>
-        <p:txBody>
-          <a:bodyPr>
-            <a:noAutofit/>
-          </a:bodyPr>
-          <a:lstStyle/>
-          <a:p>
-            <a:pPr algn="just"/>
-            <a:r>
-              <a:rPr lang="en-US" sz="2200" dirty="0" smtClean="0">
-                <a:latin typeface="Bell MT" pitchFamily="18" charset="0"/>
-              </a:rPr>
-              <a:t>It may include the expression and discussion of feelings of love, sexual practices, sexual and reproductive health, consent and mutual respect.</a:t>
-            </a:r>
-          </a:p>
-          <a:p>
-            <a:pPr algn="just"/>
-            <a:r>
-              <a:rPr lang="en-US" sz="2200" dirty="0" smtClean="0">
-                <a:latin typeface="Bell MT" pitchFamily="18" charset="0"/>
-              </a:rPr>
-              <a:t>Sexuality education should provide young people with reliable knowledge about sexuality, strengthen their ability to make responsible decisions, enable them to explore and define their own values, and provide them with a healthy model of sexual </a:t>
-            </a:r>
-            <a:r>
-              <a:rPr lang="en-US" sz="2200" dirty="0" err="1" smtClean="0">
-                <a:latin typeface="Bell MT" pitchFamily="18" charset="0"/>
-              </a:rPr>
-              <a:t>behaviour</a:t>
-            </a:r>
-            <a:r>
-              <a:rPr lang="en-US" sz="2200" dirty="0" smtClean="0">
-                <a:latin typeface="Bell MT" pitchFamily="18" charset="0"/>
-              </a:rPr>
-              <a:t>.</a:t>
-            </a:r>
-          </a:p>
-          <a:p>
-            <a:pPr algn="just"/>
-            <a:r>
-              <a:rPr lang="en-US" sz="2200" dirty="0" smtClean="0">
-                <a:latin typeface="Bell MT" pitchFamily="18" charset="0"/>
-              </a:rPr>
-              <a:t>An educational reintegration </a:t>
-            </a:r>
-            <a:r>
-              <a:rPr lang="en-US" sz="2200" dirty="0" err="1" smtClean="0">
-                <a:latin typeface="Bell MT" pitchFamily="18" charset="0"/>
-              </a:rPr>
-              <a:t>programme</a:t>
-            </a:r>
-            <a:r>
-              <a:rPr lang="en-US" sz="2200" dirty="0" smtClean="0">
-                <a:latin typeface="Bell MT" pitchFamily="18" charset="0"/>
-              </a:rPr>
-              <a:t> should be set up for them, which will be parallel to a </a:t>
-            </a:r>
-            <a:r>
-              <a:rPr lang="en-US" sz="2200" dirty="0" err="1" smtClean="0">
-                <a:latin typeface="Bell MT" pitchFamily="18" charset="0"/>
-              </a:rPr>
-              <a:t>programme</a:t>
-            </a:r>
-            <a:r>
-              <a:rPr lang="en-US" sz="2200" dirty="0" smtClean="0">
-                <a:latin typeface="Bell MT" pitchFamily="18" charset="0"/>
-              </a:rPr>
-              <a:t> of odd jobs conditional on prior training which they will have received in relation to the educational level they have reached before giving birth.</a:t>
-            </a:r>
-          </a:p>
-          <a:p>
-            <a:endParaRPr lang="en-US" sz="2200" dirty="0"/>
-          </a:p>
-        </p:txBody>
-      </p:sp>
-    </p:spTree>
-  </p:cSld>
-  <p:clrMapOvr>
-    <a:masterClrMapping/>
-  </p:clrMapOvr>
-</p:sld>
-</file>
-
-<file path=ppt/slides/slide17.xml><?xml version="1.0" encoding="utf-8"?>
-<p:sld xmlns:a="http://schemas.openxmlformats.org/drawingml/2006/main" xmlns:r="http://schemas.openxmlformats.org/officeDocument/2006/relationships" xmlns:p="http://schemas.openxmlformats.org/presentationml/2006/main">
-  <p:cSld>
-    <p:spTree>
-      <p:nvGrpSpPr>
-        <p:cNvPr id="1" name=""/>
-        <p:cNvGrpSpPr/>
-        <p:nvPr/>
-      </p:nvGrpSpPr>
-      <p:grpSpPr>
-        <a:xfrm>
-          <a:off x="0" y="0"/>
-          <a:ext cx="0" cy="0"/>
-          <a:chOff x="0" y="0"/>
-          <a:chExt cx="0" cy="0"/>
-        </a:xfrm>
-      </p:grpSpPr>
-      <p:sp>
-        <p:nvSpPr>
-          <p:cNvPr id="2" name="Titre 1"/>
-          <p:cNvSpPr>
-            <a:spLocks noGrp="1"/>
-          </p:cNvSpPr>
-          <p:nvPr>
-            <p:ph type="title"/>
-          </p:nvPr>
-        </p:nvSpPr>
-        <p:spPr>
-          <a:xfrm>
-            <a:off x="4214978" y="706582"/>
-            <a:ext cx="6766560" cy="5290091"/>
-          </a:xfrm>
-        </p:spPr>
-        <p:txBody>
-          <a:bodyPr>
-            <a:normAutofit fontScale="90000"/>
-          </a:bodyPr>
-          <a:lstStyle/>
-          <a:p>
-            <a:pPr algn="ctr"/>
-            <a:r>
-              <a:rPr lang="en-US" sz="3600" i="1" dirty="0" smtClean="0">
-                <a:latin typeface="Bell MT" pitchFamily="18" charset="0"/>
-              </a:rPr>
-              <a:t>Haiti have a young age structure, it would not be wise  to neglect teenage mothers in this way.</a:t>
-            </a:r>
-            <a:br>
-              <a:rPr lang="en-US" sz="3600" i="1" dirty="0" smtClean="0">
-                <a:latin typeface="Bell MT" pitchFamily="18" charset="0"/>
-              </a:rPr>
-            </a:br>
-            <a:r>
-              <a:rPr lang="en-US" sz="3600" i="1" dirty="0" smtClean="0">
-                <a:latin typeface="Bell MT" pitchFamily="18" charset="0"/>
-              </a:rPr>
-              <a:t>Adolescent pregnancy is usually less a deliberate choice than a lack of choice: it is the consequence of little or no access to education, information and health care.</a:t>
-            </a:r>
-            <a:br>
-              <a:rPr lang="en-US" sz="3600" i="1" dirty="0" smtClean="0">
-                <a:latin typeface="Bell MT" pitchFamily="18" charset="0"/>
-              </a:rPr>
-            </a:br>
-            <a:r>
-              <a:rPr lang="en-US" sz="3600" i="1" dirty="0" smtClean="0">
-                <a:latin typeface="Bell MT" pitchFamily="18" charset="0"/>
-              </a:rPr>
-              <a:t/>
-            </a:r>
-            <a:br>
-              <a:rPr lang="en-US" sz="3600" i="1" dirty="0" smtClean="0">
-                <a:latin typeface="Bell MT" pitchFamily="18" charset="0"/>
-              </a:rPr>
-            </a:br>
-            <a:r>
-              <a:rPr lang="en-US" sz="4000" b="1" i="1" dirty="0" smtClean="0">
-                <a:solidFill>
-                  <a:srgbClr val="002060"/>
-                </a:solidFill>
-                <a:latin typeface="Bell MT" pitchFamily="18" charset="0"/>
-              </a:rPr>
-              <a:t>Take care of them</a:t>
-            </a:r>
-            <a:r>
-              <a:rPr lang="en-US" sz="4000" dirty="0" smtClean="0">
-                <a:solidFill>
-                  <a:srgbClr val="002060"/>
-                </a:solidFill>
-              </a:rPr>
-              <a:t/>
-            </a:r>
-            <a:br>
-              <a:rPr lang="en-US" sz="4000" dirty="0" smtClean="0">
-                <a:solidFill>
-                  <a:srgbClr val="002060"/>
-                </a:solidFill>
-              </a:rPr>
-            </a:br>
-            <a:endParaRPr lang="en-US" sz="3600" i="1" dirty="0">
-              <a:solidFill>
-                <a:srgbClr val="002060"/>
-              </a:solidFill>
-              <a:latin typeface="Bell MT" pitchFamily="18" charset="0"/>
-            </a:endParaRPr>
-          </a:p>
-        </p:txBody>
-      </p:sp>
-      <p:pic>
-        <p:nvPicPr>
-          <p:cNvPr id="4" name="Espace réservé du contenu 3" descr="grossesse2.jpg"/>
-          <p:cNvPicPr>
-            <a:picLocks noGrp="1" noChangeAspect="1"/>
-          </p:cNvPicPr>
-          <p:nvPr>
-            <p:ph idx="1"/>
-          </p:nvPr>
-        </p:nvPicPr>
-        <p:blipFill>
-          <a:blip r:embed="rId2"/>
-          <a:stretch>
-            <a:fillRect/>
-          </a:stretch>
-        </p:blipFill>
-        <p:spPr>
-          <a:xfrm>
-            <a:off x="717544" y="1435283"/>
-            <a:ext cx="3663824" cy="4134243"/>
-          </a:xfrm>
-          <a:prstGeom prst="ellipse">
-            <a:avLst/>
-          </a:prstGeom>
-          <a:ln>
-            <a:noFill/>
-          </a:ln>
-          <a:effectLst>
-            <a:softEdge rad="112500"/>
-          </a:effectLst>
-        </p:spPr>
-      </p:pic>
-    </p:spTree>
-  </p:cSld>
-  <p:clrMapOvr>
-    <a:masterClrMapping/>
-  </p:clrMapOvr>
-</p:sld>
-</file>
-
-<file path=ppt/slides/slide18.xml><?xml version="1.0" encoding="utf-8"?>
-<p:sld xmlns:a="http://schemas.openxmlformats.org/drawingml/2006/main" xmlns:r="http://schemas.openxmlformats.org/officeDocument/2006/relationships" xmlns:p="http://schemas.openxmlformats.org/presentationml/2006/main">
-  <p:cSld>
-    <p:spTree>
-      <p:nvGrpSpPr>
-        <p:cNvPr id="1" name=""/>
-        <p:cNvGrpSpPr/>
-        <p:nvPr/>
-      </p:nvGrpSpPr>
-      <p:grpSpPr>
-        <a:xfrm>
-          <a:off x="0" y="0"/>
-          <a:ext cx="0" cy="0"/>
-          <a:chOff x="0" y="0"/>
-          <a:chExt cx="0" cy="0"/>
-        </a:xfrm>
-      </p:grpSpPr>
-      <p:sp>
-        <p:nvSpPr>
-          <p:cNvPr id="3" name="Content Placeholder 2"/>
-          <p:cNvSpPr>
-            <a:spLocks noGrp="1"/>
-          </p:cNvSpPr>
-          <p:nvPr>
-            <p:ph idx="1"/>
-          </p:nvPr>
-        </p:nvSpPr>
-        <p:spPr>
-          <a:xfrm>
-            <a:off x="512618" y="2008909"/>
-            <a:ext cx="10224655" cy="4171228"/>
-          </a:xfrm>
-        </p:spPr>
-        <p:txBody>
-          <a:bodyPr>
-            <a:normAutofit/>
-          </a:bodyPr>
-          <a:lstStyle/>
-          <a:p>
-            <a:pPr marL="0" indent="0">
-              <a:buNone/>
-            </a:pPr>
-            <a:r>
-              <a:rPr lang="en-US" sz="2000" b="1" dirty="0" smtClean="0">
-                <a:solidFill>
-                  <a:srgbClr val="002060"/>
-                </a:solidFill>
-                <a:latin typeface="Bell MT" panose="02020503060305020303" pitchFamily="18" charset="0"/>
-              </a:rPr>
-              <a:t>Link GitHub: </a:t>
-            </a:r>
-            <a:r>
-              <a:rPr lang="en-US" sz="2000" dirty="0" smtClean="0">
-                <a:solidFill>
-                  <a:srgbClr val="002060"/>
-                </a:solidFill>
-                <a:latin typeface="Bell MT" panose="02020503060305020303" pitchFamily="18" charset="0"/>
-              </a:rPr>
-              <a:t>https</a:t>
-            </a:r>
-            <a:r>
-              <a:rPr lang="en-US" sz="2000" dirty="0">
-                <a:solidFill>
-                  <a:srgbClr val="002060"/>
-                </a:solidFill>
-                <a:latin typeface="Bell MT" panose="02020503060305020303" pitchFamily="18" charset="0"/>
-              </a:rPr>
-              <a:t>://github.com/Maickery/Child_of_change/blob/master/Result/Presentation.pptx</a:t>
-            </a:r>
-          </a:p>
-        </p:txBody>
-      </p:sp>
-      <p:sp>
-        <p:nvSpPr>
-          <p:cNvPr id="5" name="Line Callout 2 4"/>
-          <p:cNvSpPr/>
-          <p:nvPr/>
-        </p:nvSpPr>
-        <p:spPr>
-          <a:xfrm>
-            <a:off x="1400421" y="678876"/>
-            <a:ext cx="3393251" cy="609598"/>
-          </a:xfrm>
-          <a:prstGeom prst="borderCallout2">
-            <a:avLst>
-              <a:gd name="adj1" fmla="val 18751"/>
-              <a:gd name="adj2" fmla="val -8333"/>
-              <a:gd name="adj3" fmla="val 18750"/>
-              <a:gd name="adj4" fmla="val -16667"/>
-              <a:gd name="adj5" fmla="val 102764"/>
-              <a:gd name="adj6" fmla="val -24052"/>
-            </a:avLst>
-          </a:prstGeom>
-          <a:solidFill>
-            <a:schemeClr val="accent2">
-              <a:lumMod val="60000"/>
-              <a:lumOff val="40000"/>
-            </a:schemeClr>
-          </a:solidFill>
-          <a:ln w="28575">
-            <a:solidFill>
-              <a:schemeClr val="accent3">
-                <a:lumMod val="50000"/>
-              </a:schemeClr>
-            </a:solidFill>
-          </a:ln>
-        </p:spPr>
-        <p:style>
-          <a:lnRef idx="2">
-            <a:schemeClr val="accent6"/>
-          </a:lnRef>
-          <a:fillRef idx="1">
-            <a:schemeClr val="lt1"/>
-          </a:fillRef>
-          <a:effectRef idx="0">
-            <a:schemeClr val="accent6"/>
-          </a:effectRef>
-          <a:fontRef idx="minor">
-            <a:schemeClr val="dk1"/>
-          </a:fontRef>
-        </p:style>
-        <p:txBody>
-          <a:bodyPr rot="0" spcFirstLastPara="0" vertOverflow="overflow" horzOverflow="overflow" vert="horz" wrap="square" lIns="91440" tIns="45720" rIns="91440" bIns="45720" numCol="1" spcCol="0" rtlCol="0" fromWordArt="0" anchor="ctr" anchorCtr="0" forceAA="0" compatLnSpc="1">
-            <a:prstTxWarp prst="textNoShape">
-              <a:avLst/>
-            </a:prstTxWarp>
-            <a:noAutofit/>
-          </a:bodyPr>
-          <a:lstStyle/>
-          <a:p>
-            <a:pPr marL="0" lvl="1" algn="ctr"/>
-            <a:r>
-              <a:rPr lang="en-US" sz="2400" b="1" dirty="0" smtClean="0">
-                <a:solidFill>
-                  <a:srgbClr val="002060"/>
-                </a:solidFill>
-                <a:latin typeface="Agency FB" pitchFamily="34" charset="0"/>
-              </a:rPr>
-              <a:t>References &amp; Appendices</a:t>
-            </a:r>
-            <a:endParaRPr lang="en-US" sz="2400" b="1" dirty="0">
-              <a:solidFill>
-                <a:srgbClr val="002060"/>
-              </a:solidFill>
-              <a:latin typeface="Bell MT" panose="02020503060305020303" pitchFamily="18" charset="0"/>
-            </a:endParaRPr>
-          </a:p>
-        </p:txBody>
-      </p:sp>
-    </p:spTree>
-    <p:extLst>
-      <p:ext uri="{BB962C8B-B14F-4D97-AF65-F5344CB8AC3E}">
-        <p14:creationId xmlns:p14="http://schemas.microsoft.com/office/powerpoint/2010/main" val="522665631"/>
-      </p:ext>
-    </p:extLst>
-  </p:cSld>
-  <p:clrMapOvr>
-    <a:masterClrMapping/>
-  </p:clrMapOvr>
-</p:sld>
-</file>
-
-<file path=ppt/slides/slide19.xml><?xml version="1.0" encoding="utf-8"?>
-<p:sld xmlns:a="http://schemas.openxmlformats.org/drawingml/2006/main" xmlns:r="http://schemas.openxmlformats.org/officeDocument/2006/relationships" xmlns:p="http://schemas.openxmlformats.org/presentationml/2006/main">
-  <p:cSld>
-    <p:spTree>
-      <p:nvGrpSpPr>
-        <p:cNvPr id="1" name=""/>
-        <p:cNvGrpSpPr/>
-        <p:nvPr/>
-      </p:nvGrpSpPr>
-      <p:grpSpPr>
-        <a:xfrm>
-          <a:off x="0" y="0"/>
-          <a:ext cx="0" cy="0"/>
-          <a:chOff x="0" y="0"/>
-          <a:chExt cx="0" cy="0"/>
-        </a:xfrm>
-      </p:grpSpPr>
-      <p:sp>
-        <p:nvSpPr>
-          <p:cNvPr id="4" name="Rectangle 3"/>
-          <p:cNvSpPr/>
-          <p:nvPr/>
-        </p:nvSpPr>
-        <p:spPr>
-          <a:xfrm>
-            <a:off x="7688995" y="0"/>
-            <a:ext cx="4503005" cy="6858000"/>
-          </a:xfrm>
-          <a:prstGeom prst="rect">
-            <a:avLst/>
-          </a:prstGeom>
-          <a:ln w="28575">
-            <a:solidFill>
-              <a:schemeClr val="tx1"/>
-            </a:solidFill>
-          </a:ln>
-        </p:spPr>
-        <p:style>
-          <a:lnRef idx="2">
-            <a:schemeClr val="accent6"/>
-          </a:lnRef>
-          <a:fillRef idx="1">
-            <a:schemeClr val="lt1"/>
-          </a:fillRef>
-          <a:effectRef idx="0">
-            <a:schemeClr val="accent6"/>
-          </a:effectRef>
-          <a:fontRef idx="minor">
-            <a:schemeClr val="dk1"/>
-          </a:fontRef>
-        </p:style>
-        <p:txBody>
-          <a:bodyPr rtlCol="0" anchor="ctr"/>
-          <a:lstStyle/>
-          <a:p>
-            <a:pPr algn="ctr"/>
-            <a:r>
-              <a:rPr lang="en-US" b="1" dirty="0" smtClean="0"/>
-              <a:t>PICTURE</a:t>
-            </a:r>
-            <a:endParaRPr lang="en-US" b="1" dirty="0"/>
-          </a:p>
-        </p:txBody>
-      </p:sp>
-      <p:sp>
-        <p:nvSpPr>
-          <p:cNvPr id="5" name="Rectangle 4"/>
-          <p:cNvSpPr/>
-          <p:nvPr/>
-        </p:nvSpPr>
-        <p:spPr>
-          <a:xfrm>
-            <a:off x="0" y="0"/>
-            <a:ext cx="7536873" cy="6858000"/>
-          </a:xfrm>
-          <a:prstGeom prst="rect">
-            <a:avLst/>
-          </a:prstGeom>
-          <a:solidFill>
-            <a:schemeClr val="tx1">
-              <a:lumMod val="75000"/>
-              <a:lumOff val="25000"/>
-            </a:schemeClr>
-          </a:solidFill>
-          <a:ln w="28575">
-            <a:solidFill>
-              <a:schemeClr val="bg1"/>
-            </a:solidFill>
-          </a:ln>
-        </p:spPr>
-        <p:style>
-          <a:lnRef idx="2">
-            <a:schemeClr val="accent6"/>
-          </a:lnRef>
-          <a:fillRef idx="1">
-            <a:schemeClr val="lt1"/>
-          </a:fillRef>
-          <a:effectRef idx="0">
-            <a:schemeClr val="accent6"/>
-          </a:effectRef>
-          <a:fontRef idx="minor">
-            <a:schemeClr val="dk1"/>
-          </a:fontRef>
-        </p:style>
-        <p:txBody>
-          <a:bodyPr rtlCol="0" anchor="ctr"/>
-          <a:lstStyle/>
-          <a:p>
-            <a:pPr algn="ctr"/>
-            <a:r>
-              <a:rPr lang="en-US" sz="4800" b="1" dirty="0" err="1">
-                <a:ln w="9525">
-                  <a:noFill/>
-                  <a:prstDash val="solid"/>
-                </a:ln>
-                <a:solidFill>
-                  <a:schemeClr val="bg1"/>
-                </a:solidFill>
-                <a:effectLst>
-                  <a:outerShdw blurRad="12700" dist="38100" dir="2700000" algn="tl" rotWithShape="0">
-                    <a:schemeClr val="bg1">
-                      <a:lumMod val="50000"/>
-                    </a:schemeClr>
-                  </a:outerShdw>
-                </a:effectLst>
-                <a:latin typeface="Agency FB" panose="020B0503020202020204" pitchFamily="34" charset="0"/>
-              </a:rPr>
-              <a:t>Maickery</a:t>
-            </a:r>
-            <a:r>
-              <a:rPr lang="en-US" sz="4800" b="1" dirty="0">
-                <a:ln w="9525">
-                  <a:noFill/>
-                  <a:prstDash val="solid"/>
-                </a:ln>
-                <a:solidFill>
-                  <a:schemeClr val="bg1"/>
-                </a:solidFill>
-                <a:effectLst>
-                  <a:outerShdw blurRad="12700" dist="38100" dir="2700000" algn="tl" rotWithShape="0">
-                    <a:schemeClr val="bg1">
-                      <a:lumMod val="50000"/>
-                    </a:schemeClr>
-                  </a:outerShdw>
-                </a:effectLst>
-                <a:latin typeface="Agency FB" panose="020B0503020202020204" pitchFamily="34" charset="0"/>
-              </a:rPr>
-              <a:t> </a:t>
-            </a:r>
-            <a:r>
-              <a:rPr lang="en-US" sz="4800" b="1" dirty="0" err="1">
-                <a:ln w="9525">
-                  <a:noFill/>
-                  <a:prstDash val="solid"/>
-                </a:ln>
-                <a:solidFill>
-                  <a:schemeClr val="bg1"/>
-                </a:solidFill>
-                <a:effectLst>
-                  <a:outerShdw blurRad="12700" dist="38100" dir="2700000" algn="tl" rotWithShape="0">
-                    <a:schemeClr val="bg1">
-                      <a:lumMod val="50000"/>
-                    </a:schemeClr>
-                  </a:outerShdw>
-                </a:effectLst>
-                <a:latin typeface="Agency FB" panose="020B0503020202020204" pitchFamily="34" charset="0"/>
-              </a:rPr>
-              <a:t>Bozor</a:t>
-            </a:r>
-            <a:endParaRPr lang="en-US" sz="4800" b="1" dirty="0">
-              <a:ln w="9525">
-                <a:noFill/>
-                <a:prstDash val="solid"/>
-              </a:ln>
-              <a:solidFill>
-                <a:schemeClr val="bg1"/>
-              </a:solidFill>
-              <a:effectLst>
-                <a:outerShdw blurRad="12700" dist="38100" dir="2700000" algn="tl" rotWithShape="0">
-                  <a:schemeClr val="bg1">
-                    <a:lumMod val="50000"/>
-                  </a:schemeClr>
-                </a:outerShdw>
-              </a:effectLst>
-              <a:latin typeface="Agency FB" panose="020B0503020202020204" pitchFamily="34" charset="0"/>
-            </a:endParaRPr>
-          </a:p>
-          <a:p>
-            <a:pPr algn="ctr"/>
-            <a:endParaRPr lang="en-US" sz="4800" dirty="0">
-              <a:solidFill>
-                <a:schemeClr val="bg1"/>
-              </a:solidFill>
-            </a:endParaRPr>
-          </a:p>
-        </p:txBody>
-      </p:sp>
-      <p:sp>
-        <p:nvSpPr>
-          <p:cNvPr id="6" name="Rectangle 5"/>
-          <p:cNvSpPr/>
-          <p:nvPr/>
-        </p:nvSpPr>
-        <p:spPr>
-          <a:xfrm>
-            <a:off x="0" y="6206836"/>
-            <a:ext cx="12202419" cy="665019"/>
-          </a:xfrm>
-          <a:prstGeom prst="rect">
-            <a:avLst/>
-          </a:prstGeom>
-          <a:solidFill>
-            <a:schemeClr val="accent2">
-              <a:lumMod val="50000"/>
-            </a:schemeClr>
-          </a:solidFill>
-          <a:ln w="28575">
-            <a:noFill/>
-          </a:ln>
-        </p:spPr>
-        <p:style>
-          <a:lnRef idx="2">
-            <a:schemeClr val="accent6"/>
-          </a:lnRef>
-          <a:fillRef idx="1">
-            <a:schemeClr val="lt1"/>
-          </a:fillRef>
-          <a:effectRef idx="0">
-            <a:schemeClr val="accent6"/>
-          </a:effectRef>
-          <a:fontRef idx="minor">
-            <a:schemeClr val="dk1"/>
-          </a:fontRef>
-        </p:style>
-        <p:txBody>
-          <a:bodyPr rot="0" spcFirstLastPara="0" vertOverflow="overflow" horzOverflow="overflow" vert="horz" wrap="square" lIns="91440" tIns="45720" rIns="91440" bIns="45720" numCol="1" spcCol="0" rtlCol="0" fromWordArt="0" anchor="ctr" anchorCtr="0" forceAA="0" compatLnSpc="1">
-            <a:prstTxWarp prst="textNoShape">
-              <a:avLst/>
-            </a:prstTxWarp>
-            <a:noAutofit/>
-          </a:bodyPr>
-          <a:lstStyle/>
-          <a:p>
-            <a:pPr algn="ctr"/>
-            <a:r>
-              <a:rPr lang="en-US" sz="1400" dirty="0" smtClean="0"/>
-              <a:t>Thanks you </a:t>
-            </a:r>
-            <a:endParaRPr lang="en-US" sz="1400" dirty="0"/>
-          </a:p>
-        </p:txBody>
-      </p:sp>
-    </p:spTree>
-    <p:extLst>
-      <p:ext uri="{BB962C8B-B14F-4D97-AF65-F5344CB8AC3E}">
-        <p14:creationId xmlns:p14="http://schemas.microsoft.com/office/powerpoint/2010/main" val="3507081092"/>
-      </p:ext>
-    </p:extLst>
   </p:cSld>
   <p:clrMapOvr>
     <a:masterClrMapping/>
@@ -6871,7 +10895,7 @@
         </p:nvSpPr>
         <p:spPr>
           <a:xfrm>
-            <a:off x="1192599" y="1537854"/>
+            <a:off x="1040199" y="1579418"/>
             <a:ext cx="9295291" cy="4558146"/>
           </a:xfrm>
         </p:spPr>
@@ -6897,10 +10921,7 @@
             <a:r>
               <a:rPr lang="en-US" sz="2200" dirty="0">
                 <a:solidFill>
-                  <a:schemeClr val="tx1">
-                    <a:lumMod val="75000"/>
-                    <a:lumOff val="25000"/>
-                  </a:schemeClr>
+                  <a:schemeClr val="tx1"/>
                 </a:solidFill>
                 <a:latin typeface="Bell MT" pitchFamily="18" charset="0"/>
               </a:rPr>
@@ -6909,10 +10930,7 @@
             <a:r>
               <a:rPr lang="en-US" sz="2200" dirty="0" err="1">
                 <a:solidFill>
-                  <a:schemeClr val="tx1">
-                    <a:lumMod val="75000"/>
-                    <a:lumOff val="25000"/>
-                  </a:schemeClr>
+                  <a:schemeClr val="tx1"/>
                 </a:solidFill>
                 <a:latin typeface="Bell MT" pitchFamily="18" charset="0"/>
               </a:rPr>
@@ -6921,10 +10939,7 @@
             <a:r>
               <a:rPr lang="en-US" sz="2200" dirty="0">
                 <a:solidFill>
-                  <a:schemeClr val="tx1">
-                    <a:lumMod val="75000"/>
-                    <a:lumOff val="25000"/>
-                  </a:schemeClr>
+                  <a:schemeClr val="tx1"/>
                 </a:solidFill>
                 <a:latin typeface="Bell MT" pitchFamily="18" charset="0"/>
               </a:rPr>
@@ -6932,10 +10947,7 @@
             </a:r>
             <a:endParaRPr lang="en-US" sz="2200" dirty="0" smtClean="0">
               <a:solidFill>
-                <a:schemeClr val="tx1">
-                  <a:lumMod val="75000"/>
-                  <a:lumOff val="25000"/>
-                </a:schemeClr>
+                <a:schemeClr val="tx1"/>
               </a:solidFill>
               <a:latin typeface="Bell MT" pitchFamily="18" charset="0"/>
             </a:endParaRPr>
@@ -7117,6 +11129,938 @@
     <p:extLst>
       <p:ext uri="{BB962C8B-B14F-4D97-AF65-F5344CB8AC3E}">
         <p14:creationId xmlns:p14="http://schemas.microsoft.com/office/powerpoint/2010/main" val="4134895557"/>
+      </p:ext>
+    </p:extLst>
+  </p:cSld>
+  <p:clrMapOvr>
+    <a:masterClrMapping/>
+  </p:clrMapOvr>
+</p:sld>
+</file>
+
+<file path=ppt/slides/slide20.xml><?xml version="1.0" encoding="utf-8"?>
+<p:sld xmlns:a="http://schemas.openxmlformats.org/drawingml/2006/main" xmlns:r="http://schemas.openxmlformats.org/officeDocument/2006/relationships" xmlns:p="http://schemas.openxmlformats.org/presentationml/2006/main">
+  <p:cSld>
+    <p:spTree>
+      <p:nvGrpSpPr>
+        <p:cNvPr id="1" name=""/>
+        <p:cNvGrpSpPr/>
+        <p:nvPr/>
+      </p:nvGrpSpPr>
+      <p:grpSpPr>
+        <a:xfrm>
+          <a:off x="0" y="0"/>
+          <a:ext cx="0" cy="0"/>
+          <a:chOff x="0" y="0"/>
+          <a:chExt cx="0" cy="0"/>
+        </a:xfrm>
+      </p:grpSpPr>
+      <p:sp>
+        <p:nvSpPr>
+          <p:cNvPr id="3" name="Espace réservé du contenu 2"/>
+          <p:cNvSpPr>
+            <a:spLocks noGrp="1"/>
+          </p:cNvSpPr>
+          <p:nvPr>
+            <p:ph idx="1"/>
+          </p:nvPr>
+        </p:nvSpPr>
+        <p:spPr/>
+        <p:txBody>
+          <a:bodyPr>
+            <a:noAutofit/>
+          </a:bodyPr>
+          <a:lstStyle/>
+          <a:p>
+            <a:pPr algn="just"/>
+            <a:r>
+              <a:rPr lang="en-US" sz="2200" dirty="0" smtClean="0">
+                <a:latin typeface="Bell MT" pitchFamily="18" charset="0"/>
+              </a:rPr>
+              <a:t>It may include the expression and discussion of feelings of love, sexual practices, sexual and reproductive health, consent and mutual respect.</a:t>
+            </a:r>
+          </a:p>
+          <a:p>
+            <a:pPr algn="just"/>
+            <a:r>
+              <a:rPr lang="en-US" sz="2200" dirty="0" smtClean="0">
+                <a:latin typeface="Bell MT" pitchFamily="18" charset="0"/>
+              </a:rPr>
+              <a:t>Sexuality education should provide young people with reliable knowledge about sexuality, strengthen their ability to make responsible decisions, enable them to explore and define their own values, and provide them with a healthy model of sexual </a:t>
+            </a:r>
+            <a:r>
+              <a:rPr lang="en-US" sz="2200" dirty="0" err="1" smtClean="0">
+                <a:latin typeface="Bell MT" pitchFamily="18" charset="0"/>
+              </a:rPr>
+              <a:t>behaviour</a:t>
+            </a:r>
+            <a:r>
+              <a:rPr lang="en-US" sz="2200" dirty="0" smtClean="0">
+                <a:latin typeface="Bell MT" pitchFamily="18" charset="0"/>
+              </a:rPr>
+              <a:t>.</a:t>
+            </a:r>
+          </a:p>
+          <a:p>
+            <a:pPr algn="just"/>
+            <a:r>
+              <a:rPr lang="en-US" sz="2200" dirty="0" smtClean="0">
+                <a:latin typeface="Bell MT" pitchFamily="18" charset="0"/>
+              </a:rPr>
+              <a:t>An educational reintegration </a:t>
+            </a:r>
+            <a:r>
+              <a:rPr lang="en-US" sz="2200" dirty="0" err="1" smtClean="0">
+                <a:latin typeface="Bell MT" pitchFamily="18" charset="0"/>
+              </a:rPr>
+              <a:t>programme</a:t>
+            </a:r>
+            <a:r>
+              <a:rPr lang="en-US" sz="2200" dirty="0" smtClean="0">
+                <a:latin typeface="Bell MT" pitchFamily="18" charset="0"/>
+              </a:rPr>
+              <a:t> should be set up for them, which will be parallel to a </a:t>
+            </a:r>
+            <a:r>
+              <a:rPr lang="en-US" sz="2200" dirty="0" err="1" smtClean="0">
+                <a:latin typeface="Bell MT" pitchFamily="18" charset="0"/>
+              </a:rPr>
+              <a:t>programme</a:t>
+            </a:r>
+            <a:r>
+              <a:rPr lang="en-US" sz="2200" dirty="0" smtClean="0">
+                <a:latin typeface="Bell MT" pitchFamily="18" charset="0"/>
+              </a:rPr>
+              <a:t> of odd jobs conditional on prior training which they will have received in relation to the educational level they have reached before giving birth.</a:t>
+            </a:r>
+          </a:p>
+          <a:p>
+            <a:endParaRPr lang="en-US" sz="2200" dirty="0"/>
+          </a:p>
+        </p:txBody>
+      </p:sp>
+    </p:spTree>
+  </p:cSld>
+  <p:clrMapOvr>
+    <a:masterClrMapping/>
+  </p:clrMapOvr>
+</p:sld>
+</file>
+
+<file path=ppt/slides/slide21.xml><?xml version="1.0" encoding="utf-8"?>
+<p:sld xmlns:a="http://schemas.openxmlformats.org/drawingml/2006/main" xmlns:r="http://schemas.openxmlformats.org/officeDocument/2006/relationships" xmlns:p="http://schemas.openxmlformats.org/presentationml/2006/main">
+  <p:cSld>
+    <p:spTree>
+      <p:nvGrpSpPr>
+        <p:cNvPr id="1" name=""/>
+        <p:cNvGrpSpPr/>
+        <p:nvPr/>
+      </p:nvGrpSpPr>
+      <p:grpSpPr>
+        <a:xfrm>
+          <a:off x="0" y="0"/>
+          <a:ext cx="0" cy="0"/>
+          <a:chOff x="0" y="0"/>
+          <a:chExt cx="0" cy="0"/>
+        </a:xfrm>
+      </p:grpSpPr>
+      <p:sp>
+        <p:nvSpPr>
+          <p:cNvPr id="3" name="Content Placeholder 2"/>
+          <p:cNvSpPr>
+            <a:spLocks noGrp="1"/>
+          </p:cNvSpPr>
+          <p:nvPr>
+            <p:ph idx="1"/>
+          </p:nvPr>
+        </p:nvSpPr>
+        <p:spPr/>
+        <p:txBody>
+          <a:bodyPr/>
+          <a:lstStyle/>
+          <a:p>
+            <a:r>
+              <a:rPr lang="en-US" dirty="0">
+                <a:latin typeface="Bell MT" pitchFamily="18" charset="0"/>
+              </a:rPr>
+              <a:t>The Ministry of Education and Vocational Training should integrate sex education as a specific course in the academic curriculum. Not just for secondary school, but all three levels of formal education.</a:t>
+            </a:r>
+          </a:p>
+          <a:p>
+            <a:endParaRPr lang="en-US" dirty="0"/>
+          </a:p>
+        </p:txBody>
+      </p:sp>
+      <p:sp>
+        <p:nvSpPr>
+          <p:cNvPr id="4" name="Line Callout 2 3"/>
+          <p:cNvSpPr/>
+          <p:nvPr/>
+        </p:nvSpPr>
+        <p:spPr>
+          <a:xfrm>
+            <a:off x="2744313" y="858984"/>
+            <a:ext cx="1966233" cy="512616"/>
+          </a:xfrm>
+          <a:prstGeom prst="borderCallout2">
+            <a:avLst>
+              <a:gd name="adj1" fmla="val 18751"/>
+              <a:gd name="adj2" fmla="val -8333"/>
+              <a:gd name="adj3" fmla="val 18750"/>
+              <a:gd name="adj4" fmla="val -16667"/>
+              <a:gd name="adj5" fmla="val 105037"/>
+              <a:gd name="adj6" fmla="val -37118"/>
+            </a:avLst>
+          </a:prstGeom>
+          <a:solidFill>
+            <a:schemeClr val="accent2">
+              <a:lumMod val="60000"/>
+              <a:lumOff val="40000"/>
+            </a:schemeClr>
+          </a:solidFill>
+          <a:ln w="28575">
+            <a:solidFill>
+              <a:schemeClr val="accent3">
+                <a:lumMod val="50000"/>
+              </a:schemeClr>
+            </a:solidFill>
+          </a:ln>
+        </p:spPr>
+        <p:style>
+          <a:lnRef idx="2">
+            <a:schemeClr val="accent6"/>
+          </a:lnRef>
+          <a:fillRef idx="1">
+            <a:schemeClr val="lt1"/>
+          </a:fillRef>
+          <a:effectRef idx="0">
+            <a:schemeClr val="accent6"/>
+          </a:effectRef>
+          <a:fontRef idx="minor">
+            <a:schemeClr val="dk1"/>
+          </a:fontRef>
+        </p:style>
+        <p:txBody>
+          <a:bodyPr rot="0" spcFirstLastPara="0" vertOverflow="overflow" horzOverflow="overflow" vert="horz" wrap="square" lIns="91440" tIns="45720" rIns="91440" bIns="45720" numCol="1" spcCol="0" rtlCol="0" fromWordArt="0" anchor="ctr" anchorCtr="0" forceAA="0" compatLnSpc="1">
+            <a:prstTxWarp prst="textNoShape">
+              <a:avLst/>
+            </a:prstTxWarp>
+            <a:noAutofit/>
+          </a:bodyPr>
+          <a:lstStyle/>
+          <a:p>
+            <a:pPr marL="0" lvl="1" algn="ctr"/>
+            <a:r>
+              <a:rPr lang="en-US" sz="2400" b="1" dirty="0" smtClean="0">
+                <a:solidFill>
+                  <a:srgbClr val="002060"/>
+                </a:solidFill>
+                <a:latin typeface="Agency FB" pitchFamily="34" charset="0"/>
+              </a:rPr>
+              <a:t>Solutions</a:t>
+            </a:r>
+            <a:endParaRPr lang="en-US" sz="2400" b="1" dirty="0">
+              <a:solidFill>
+                <a:srgbClr val="002060"/>
+              </a:solidFill>
+              <a:latin typeface="Bell MT" panose="02020503060305020303" pitchFamily="18" charset="0"/>
+            </a:endParaRPr>
+          </a:p>
+        </p:txBody>
+      </p:sp>
+    </p:spTree>
+    <p:extLst>
+      <p:ext uri="{BB962C8B-B14F-4D97-AF65-F5344CB8AC3E}">
+        <p14:creationId xmlns:p14="http://schemas.microsoft.com/office/powerpoint/2010/main" val="1050373971"/>
+      </p:ext>
+    </p:extLst>
+  </p:cSld>
+  <p:clrMapOvr>
+    <a:masterClrMapping/>
+  </p:clrMapOvr>
+</p:sld>
+</file>
+
+<file path=ppt/slides/slide22.xml><?xml version="1.0" encoding="utf-8"?>
+<p:sld xmlns:a="http://schemas.openxmlformats.org/drawingml/2006/main" xmlns:r="http://schemas.openxmlformats.org/officeDocument/2006/relationships" xmlns:p="http://schemas.openxmlformats.org/presentationml/2006/main">
+  <p:cSld>
+    <p:spTree>
+      <p:nvGrpSpPr>
+        <p:cNvPr id="1" name=""/>
+        <p:cNvGrpSpPr/>
+        <p:nvPr/>
+      </p:nvGrpSpPr>
+      <p:grpSpPr>
+        <a:xfrm>
+          <a:off x="0" y="0"/>
+          <a:ext cx="0" cy="0"/>
+          <a:chOff x="0" y="0"/>
+          <a:chExt cx="0" cy="0"/>
+        </a:xfrm>
+      </p:grpSpPr>
+      <p:sp>
+        <p:nvSpPr>
+          <p:cNvPr id="2" name="Titre 1"/>
+          <p:cNvSpPr>
+            <a:spLocks noGrp="1"/>
+          </p:cNvSpPr>
+          <p:nvPr>
+            <p:ph type="title"/>
+          </p:nvPr>
+        </p:nvSpPr>
+        <p:spPr>
+          <a:xfrm>
+            <a:off x="4214978" y="706582"/>
+            <a:ext cx="6766560" cy="5290091"/>
+          </a:xfrm>
+        </p:spPr>
+        <p:txBody>
+          <a:bodyPr>
+            <a:normAutofit fontScale="90000"/>
+          </a:bodyPr>
+          <a:lstStyle/>
+          <a:p>
+            <a:pPr algn="ctr"/>
+            <a:r>
+              <a:rPr lang="en-US" sz="3600" i="1" dirty="0" smtClean="0">
+                <a:latin typeface="Bell MT" pitchFamily="18" charset="0"/>
+              </a:rPr>
+              <a:t>Haiti have a young age structure, it would not be wise  to neglect teenage mothers in this way.</a:t>
+            </a:r>
+            <a:br>
+              <a:rPr lang="en-US" sz="3600" i="1" dirty="0" smtClean="0">
+                <a:latin typeface="Bell MT" pitchFamily="18" charset="0"/>
+              </a:rPr>
+            </a:br>
+            <a:r>
+              <a:rPr lang="en-US" sz="3600" i="1" dirty="0" smtClean="0">
+                <a:latin typeface="Bell MT" pitchFamily="18" charset="0"/>
+              </a:rPr>
+              <a:t>Adolescent pregnancy is usually less a deliberate choice than a lack of choice: it is the consequence of little or no access to education, information and health care.</a:t>
+            </a:r>
+            <a:br>
+              <a:rPr lang="en-US" sz="3600" i="1" dirty="0" smtClean="0">
+                <a:latin typeface="Bell MT" pitchFamily="18" charset="0"/>
+              </a:rPr>
+            </a:br>
+            <a:r>
+              <a:rPr lang="en-US" sz="3600" i="1" dirty="0" smtClean="0">
+                <a:latin typeface="Bell MT" pitchFamily="18" charset="0"/>
+              </a:rPr>
+              <a:t/>
+            </a:r>
+            <a:br>
+              <a:rPr lang="en-US" sz="3600" i="1" dirty="0" smtClean="0">
+                <a:latin typeface="Bell MT" pitchFamily="18" charset="0"/>
+              </a:rPr>
+            </a:br>
+            <a:r>
+              <a:rPr lang="en-US" sz="4000" b="1" i="1" dirty="0" smtClean="0">
+                <a:solidFill>
+                  <a:srgbClr val="002060"/>
+                </a:solidFill>
+                <a:latin typeface="Bell MT" pitchFamily="18" charset="0"/>
+              </a:rPr>
+              <a:t>Take care of them</a:t>
+            </a:r>
+            <a:r>
+              <a:rPr lang="en-US" sz="4000" dirty="0" smtClean="0">
+                <a:solidFill>
+                  <a:srgbClr val="002060"/>
+                </a:solidFill>
+              </a:rPr>
+              <a:t/>
+            </a:r>
+            <a:br>
+              <a:rPr lang="en-US" sz="4000" dirty="0" smtClean="0">
+                <a:solidFill>
+                  <a:srgbClr val="002060"/>
+                </a:solidFill>
+              </a:rPr>
+            </a:br>
+            <a:endParaRPr lang="en-US" sz="3600" i="1" dirty="0">
+              <a:solidFill>
+                <a:srgbClr val="002060"/>
+              </a:solidFill>
+              <a:latin typeface="Bell MT" pitchFamily="18" charset="0"/>
+            </a:endParaRPr>
+          </a:p>
+        </p:txBody>
+      </p:sp>
+      <p:pic>
+        <p:nvPicPr>
+          <p:cNvPr id="4" name="Espace réservé du contenu 3" descr="grossesse2.jpg"/>
+          <p:cNvPicPr>
+            <a:picLocks noGrp="1" noChangeAspect="1"/>
+          </p:cNvPicPr>
+          <p:nvPr>
+            <p:ph idx="1"/>
+          </p:nvPr>
+        </p:nvPicPr>
+        <p:blipFill>
+          <a:blip r:embed="rId2"/>
+          <a:stretch>
+            <a:fillRect/>
+          </a:stretch>
+        </p:blipFill>
+        <p:spPr>
+          <a:xfrm>
+            <a:off x="717544" y="1435283"/>
+            <a:ext cx="3663824" cy="4134243"/>
+          </a:xfrm>
+          <a:prstGeom prst="ellipse">
+            <a:avLst/>
+          </a:prstGeom>
+          <a:ln>
+            <a:noFill/>
+          </a:ln>
+          <a:effectLst>
+            <a:softEdge rad="112500"/>
+          </a:effectLst>
+        </p:spPr>
+      </p:pic>
+    </p:spTree>
+  </p:cSld>
+  <p:clrMapOvr>
+    <a:masterClrMapping/>
+  </p:clrMapOvr>
+</p:sld>
+</file>
+
+<file path=ppt/slides/slide23.xml><?xml version="1.0" encoding="utf-8"?>
+<p:sld xmlns:a="http://schemas.openxmlformats.org/drawingml/2006/main" xmlns:r="http://schemas.openxmlformats.org/officeDocument/2006/relationships" xmlns:p="http://schemas.openxmlformats.org/presentationml/2006/main">
+  <p:cSld>
+    <p:spTree>
+      <p:nvGrpSpPr>
+        <p:cNvPr id="1" name=""/>
+        <p:cNvGrpSpPr/>
+        <p:nvPr/>
+      </p:nvGrpSpPr>
+      <p:grpSpPr>
+        <a:xfrm>
+          <a:off x="0" y="0"/>
+          <a:ext cx="0" cy="0"/>
+          <a:chOff x="0" y="0"/>
+          <a:chExt cx="0" cy="0"/>
+        </a:xfrm>
+      </p:grpSpPr>
+      <p:sp>
+        <p:nvSpPr>
+          <p:cNvPr id="3" name="Content Placeholder 2"/>
+          <p:cNvSpPr>
+            <a:spLocks noGrp="1"/>
+          </p:cNvSpPr>
+          <p:nvPr>
+            <p:ph idx="1"/>
+          </p:nvPr>
+        </p:nvSpPr>
+        <p:spPr>
+          <a:xfrm>
+            <a:off x="512618" y="2008909"/>
+            <a:ext cx="10224655" cy="4171228"/>
+          </a:xfrm>
+        </p:spPr>
+        <p:txBody>
+          <a:bodyPr>
+            <a:normAutofit/>
+          </a:bodyPr>
+          <a:lstStyle/>
+          <a:p>
+            <a:pPr marL="0" indent="0">
+              <a:buNone/>
+            </a:pPr>
+            <a:r>
+              <a:rPr lang="en-US" sz="2000" b="1" dirty="0" smtClean="0">
+                <a:solidFill>
+                  <a:srgbClr val="002060"/>
+                </a:solidFill>
+                <a:latin typeface="Bell MT" panose="02020503060305020303" pitchFamily="18" charset="0"/>
+              </a:rPr>
+              <a:t>Link GitHub: </a:t>
+            </a:r>
+            <a:r>
+              <a:rPr lang="en-US" sz="2000" dirty="0" smtClean="0">
+                <a:solidFill>
+                  <a:srgbClr val="002060"/>
+                </a:solidFill>
+                <a:latin typeface="Bell MT" panose="02020503060305020303" pitchFamily="18" charset="0"/>
+              </a:rPr>
+              <a:t>https</a:t>
+            </a:r>
+            <a:r>
+              <a:rPr lang="en-US" sz="2000" dirty="0">
+                <a:solidFill>
+                  <a:srgbClr val="002060"/>
+                </a:solidFill>
+                <a:latin typeface="Bell MT" panose="02020503060305020303" pitchFamily="18" charset="0"/>
+              </a:rPr>
+              <a:t>://github.com/Maickery/Child_of_change/blob/master/Result/Presentation.pptx</a:t>
+            </a:r>
+          </a:p>
+        </p:txBody>
+      </p:sp>
+      <p:sp>
+        <p:nvSpPr>
+          <p:cNvPr id="5" name="Line Callout 2 4"/>
+          <p:cNvSpPr/>
+          <p:nvPr/>
+        </p:nvSpPr>
+        <p:spPr>
+          <a:xfrm>
+            <a:off x="1525112" y="748148"/>
+            <a:ext cx="3393251" cy="609598"/>
+          </a:xfrm>
+          <a:prstGeom prst="borderCallout2">
+            <a:avLst>
+              <a:gd name="adj1" fmla="val 18751"/>
+              <a:gd name="adj2" fmla="val -8333"/>
+              <a:gd name="adj3" fmla="val 18750"/>
+              <a:gd name="adj4" fmla="val -16667"/>
+              <a:gd name="adj5" fmla="val 102764"/>
+              <a:gd name="adj6" fmla="val -24052"/>
+            </a:avLst>
+          </a:prstGeom>
+          <a:solidFill>
+            <a:schemeClr val="accent2">
+              <a:lumMod val="60000"/>
+              <a:lumOff val="40000"/>
+            </a:schemeClr>
+          </a:solidFill>
+          <a:ln w="28575">
+            <a:solidFill>
+              <a:schemeClr val="accent3">
+                <a:lumMod val="50000"/>
+              </a:schemeClr>
+            </a:solidFill>
+          </a:ln>
+        </p:spPr>
+        <p:style>
+          <a:lnRef idx="2">
+            <a:schemeClr val="accent6"/>
+          </a:lnRef>
+          <a:fillRef idx="1">
+            <a:schemeClr val="lt1"/>
+          </a:fillRef>
+          <a:effectRef idx="0">
+            <a:schemeClr val="accent6"/>
+          </a:effectRef>
+          <a:fontRef idx="minor">
+            <a:schemeClr val="dk1"/>
+          </a:fontRef>
+        </p:style>
+        <p:txBody>
+          <a:bodyPr rot="0" spcFirstLastPara="0" vertOverflow="overflow" horzOverflow="overflow" vert="horz" wrap="square" lIns="91440" tIns="45720" rIns="91440" bIns="45720" numCol="1" spcCol="0" rtlCol="0" fromWordArt="0" anchor="ctr" anchorCtr="0" forceAA="0" compatLnSpc="1">
+            <a:prstTxWarp prst="textNoShape">
+              <a:avLst/>
+            </a:prstTxWarp>
+            <a:noAutofit/>
+          </a:bodyPr>
+          <a:lstStyle/>
+          <a:p>
+            <a:pPr marL="0" lvl="1" algn="ctr"/>
+            <a:r>
+              <a:rPr lang="en-US" sz="2400" b="1" dirty="0" smtClean="0">
+                <a:solidFill>
+                  <a:srgbClr val="002060"/>
+                </a:solidFill>
+                <a:latin typeface="Agency FB" pitchFamily="34" charset="0"/>
+              </a:rPr>
+              <a:t>References &amp; Appendices</a:t>
+            </a:r>
+            <a:endParaRPr lang="en-US" sz="2400" b="1" dirty="0">
+              <a:solidFill>
+                <a:srgbClr val="002060"/>
+              </a:solidFill>
+              <a:latin typeface="Bell MT" panose="02020503060305020303" pitchFamily="18" charset="0"/>
+            </a:endParaRPr>
+          </a:p>
+        </p:txBody>
+      </p:sp>
+    </p:spTree>
+    <p:extLst>
+      <p:ext uri="{BB962C8B-B14F-4D97-AF65-F5344CB8AC3E}">
+        <p14:creationId xmlns:p14="http://schemas.microsoft.com/office/powerpoint/2010/main" val="522665631"/>
+      </p:ext>
+    </p:extLst>
+  </p:cSld>
+  <p:clrMapOvr>
+    <a:masterClrMapping/>
+  </p:clrMapOvr>
+</p:sld>
+</file>
+
+<file path=ppt/slides/slide24.xml><?xml version="1.0" encoding="utf-8"?>
+<p:sld xmlns:a="http://schemas.openxmlformats.org/drawingml/2006/main" xmlns:r="http://schemas.openxmlformats.org/officeDocument/2006/relationships" xmlns:p="http://schemas.openxmlformats.org/presentationml/2006/main">
+  <p:cSld>
+    <p:spTree>
+      <p:nvGrpSpPr>
+        <p:cNvPr id="1" name=""/>
+        <p:cNvGrpSpPr/>
+        <p:nvPr/>
+      </p:nvGrpSpPr>
+      <p:grpSpPr>
+        <a:xfrm>
+          <a:off x="0" y="0"/>
+          <a:ext cx="0" cy="0"/>
+          <a:chOff x="0" y="0"/>
+          <a:chExt cx="0" cy="0"/>
+        </a:xfrm>
+      </p:grpSpPr>
+      <p:sp>
+        <p:nvSpPr>
+          <p:cNvPr id="4" name="Rectangle 3"/>
+          <p:cNvSpPr/>
+          <p:nvPr/>
+        </p:nvSpPr>
+        <p:spPr>
+          <a:xfrm>
+            <a:off x="7699414" y="13855"/>
+            <a:ext cx="4503005" cy="6858000"/>
+          </a:xfrm>
+          <a:prstGeom prst="rect">
+            <a:avLst/>
+          </a:prstGeom>
+          <a:ln w="28575">
+            <a:solidFill>
+              <a:schemeClr val="tx1"/>
+            </a:solidFill>
+          </a:ln>
+        </p:spPr>
+        <p:style>
+          <a:lnRef idx="2">
+            <a:schemeClr val="accent6"/>
+          </a:lnRef>
+          <a:fillRef idx="1">
+            <a:schemeClr val="lt1"/>
+          </a:fillRef>
+          <a:effectRef idx="0">
+            <a:schemeClr val="accent6"/>
+          </a:effectRef>
+          <a:fontRef idx="minor">
+            <a:schemeClr val="dk1"/>
+          </a:fontRef>
+        </p:style>
+        <p:txBody>
+          <a:bodyPr rtlCol="0" anchor="ctr"/>
+          <a:lstStyle/>
+          <a:p>
+            <a:pPr algn="ctr"/>
+            <a:endParaRPr lang="en-US" b="1" dirty="0"/>
+          </a:p>
+        </p:txBody>
+      </p:sp>
+      <p:sp>
+        <p:nvSpPr>
+          <p:cNvPr id="5" name="Rectangle 4"/>
+          <p:cNvSpPr/>
+          <p:nvPr/>
+        </p:nvSpPr>
+        <p:spPr>
+          <a:xfrm>
+            <a:off x="0" y="0"/>
+            <a:ext cx="7536873" cy="6858000"/>
+          </a:xfrm>
+          <a:prstGeom prst="rect">
+            <a:avLst/>
+          </a:prstGeom>
+          <a:solidFill>
+            <a:schemeClr val="tx1">
+              <a:lumMod val="75000"/>
+              <a:lumOff val="25000"/>
+            </a:schemeClr>
+          </a:solidFill>
+          <a:ln w="28575">
+            <a:solidFill>
+              <a:schemeClr val="bg1"/>
+            </a:solidFill>
+          </a:ln>
+        </p:spPr>
+        <p:style>
+          <a:lnRef idx="2">
+            <a:schemeClr val="accent6"/>
+          </a:lnRef>
+          <a:fillRef idx="1">
+            <a:schemeClr val="lt1"/>
+          </a:fillRef>
+          <a:effectRef idx="0">
+            <a:schemeClr val="accent6"/>
+          </a:effectRef>
+          <a:fontRef idx="minor">
+            <a:schemeClr val="dk1"/>
+          </a:fontRef>
+        </p:style>
+        <p:txBody>
+          <a:bodyPr rtlCol="0" anchor="ctr"/>
+          <a:lstStyle/>
+          <a:p>
+            <a:pPr algn="ctr"/>
+            <a:r>
+              <a:rPr lang="en-US" sz="4800" b="1" dirty="0" err="1" smtClean="0">
+                <a:ln w="9525">
+                  <a:noFill/>
+                  <a:prstDash val="solid"/>
+                </a:ln>
+                <a:solidFill>
+                  <a:schemeClr val="bg1"/>
+                </a:solidFill>
+                <a:effectLst>
+                  <a:outerShdw blurRad="12700" dist="38100" dir="2700000" algn="tl" rotWithShape="0">
+                    <a:schemeClr val="bg1">
+                      <a:lumMod val="50000"/>
+                    </a:schemeClr>
+                  </a:outerShdw>
+                </a:effectLst>
+                <a:latin typeface="Agency FB" panose="020B0503020202020204" pitchFamily="34" charset="0"/>
+              </a:rPr>
+              <a:t>Maïckery</a:t>
+            </a:r>
+            <a:r>
+              <a:rPr lang="en-US" sz="4800" b="1" dirty="0" smtClean="0">
+                <a:ln w="9525">
+                  <a:noFill/>
+                  <a:prstDash val="solid"/>
+                </a:ln>
+                <a:solidFill>
+                  <a:schemeClr val="bg1"/>
+                </a:solidFill>
+                <a:effectLst>
+                  <a:outerShdw blurRad="12700" dist="38100" dir="2700000" algn="tl" rotWithShape="0">
+                    <a:schemeClr val="bg1">
+                      <a:lumMod val="50000"/>
+                    </a:schemeClr>
+                  </a:outerShdw>
+                </a:effectLst>
+                <a:latin typeface="Agency FB" panose="020B0503020202020204" pitchFamily="34" charset="0"/>
+              </a:rPr>
+              <a:t> </a:t>
+            </a:r>
+            <a:r>
+              <a:rPr lang="en-US" sz="4800" b="1" dirty="0" err="1">
+                <a:ln w="9525">
+                  <a:noFill/>
+                  <a:prstDash val="solid"/>
+                </a:ln>
+                <a:solidFill>
+                  <a:schemeClr val="bg1"/>
+                </a:solidFill>
+                <a:effectLst>
+                  <a:outerShdw blurRad="12700" dist="38100" dir="2700000" algn="tl" rotWithShape="0">
+                    <a:schemeClr val="bg1">
+                      <a:lumMod val="50000"/>
+                    </a:schemeClr>
+                  </a:outerShdw>
+                </a:effectLst>
+                <a:latin typeface="Agency FB" panose="020B0503020202020204" pitchFamily="34" charset="0"/>
+              </a:rPr>
+              <a:t>Bozor</a:t>
+            </a:r>
+            <a:endParaRPr lang="en-US" sz="4800" b="1" dirty="0">
+              <a:ln w="9525">
+                <a:noFill/>
+                <a:prstDash val="solid"/>
+              </a:ln>
+              <a:solidFill>
+                <a:schemeClr val="bg1"/>
+              </a:solidFill>
+              <a:effectLst>
+                <a:outerShdw blurRad="12700" dist="38100" dir="2700000" algn="tl" rotWithShape="0">
+                  <a:schemeClr val="bg1">
+                    <a:lumMod val="50000"/>
+                  </a:schemeClr>
+                </a:outerShdw>
+              </a:effectLst>
+              <a:latin typeface="Agency FB" panose="020B0503020202020204" pitchFamily="34" charset="0"/>
+            </a:endParaRPr>
+          </a:p>
+          <a:p>
+            <a:pPr algn="ctr"/>
+            <a:endParaRPr lang="en-US" sz="4800" dirty="0">
+              <a:solidFill>
+                <a:schemeClr val="bg1"/>
+              </a:solidFill>
+            </a:endParaRPr>
+          </a:p>
+        </p:txBody>
+      </p:sp>
+      <p:sp>
+        <p:nvSpPr>
+          <p:cNvPr id="6" name="Rectangle 5"/>
+          <p:cNvSpPr/>
+          <p:nvPr/>
+        </p:nvSpPr>
+        <p:spPr>
+          <a:xfrm>
+            <a:off x="0" y="6220691"/>
+            <a:ext cx="12202419" cy="665019"/>
+          </a:xfrm>
+          <a:prstGeom prst="rect">
+            <a:avLst/>
+          </a:prstGeom>
+          <a:solidFill>
+            <a:schemeClr val="accent2">
+              <a:lumMod val="50000"/>
+            </a:schemeClr>
+          </a:solidFill>
+          <a:ln w="28575">
+            <a:noFill/>
+          </a:ln>
+        </p:spPr>
+        <p:style>
+          <a:lnRef idx="2">
+            <a:schemeClr val="accent6"/>
+          </a:lnRef>
+          <a:fillRef idx="1">
+            <a:schemeClr val="lt1"/>
+          </a:fillRef>
+          <a:effectRef idx="0">
+            <a:schemeClr val="accent6"/>
+          </a:effectRef>
+          <a:fontRef idx="minor">
+            <a:schemeClr val="dk1"/>
+          </a:fontRef>
+        </p:style>
+        <p:txBody>
+          <a:bodyPr rot="0" spcFirstLastPara="0" vertOverflow="overflow" horzOverflow="overflow" vert="horz" wrap="square" lIns="91440" tIns="45720" rIns="91440" bIns="45720" numCol="1" spcCol="0" rtlCol="0" fromWordArt="0" anchor="ctr" anchorCtr="0" forceAA="0" compatLnSpc="1">
+            <a:prstTxWarp prst="textNoShape">
+              <a:avLst/>
+            </a:prstTxWarp>
+            <a:noAutofit/>
+          </a:bodyPr>
+          <a:lstStyle/>
+          <a:p>
+            <a:pPr algn="ctr"/>
+            <a:r>
+              <a:rPr lang="en-US" sz="3200" i="1" dirty="0" smtClean="0">
+                <a:solidFill>
+                  <a:schemeClr val="bg1"/>
+                </a:solidFill>
+                <a:latin typeface="Bell MT" panose="02020503060305020303" pitchFamily="18" charset="0"/>
+              </a:rPr>
+              <a:t>Thanks </a:t>
+            </a:r>
+            <a:r>
+              <a:rPr lang="en-US" sz="3200" i="1" dirty="0" smtClean="0">
+                <a:solidFill>
+                  <a:schemeClr val="bg1"/>
+                </a:solidFill>
+                <a:latin typeface="Bell MT" panose="02020503060305020303" pitchFamily="18" charset="0"/>
+              </a:rPr>
+              <a:t>you </a:t>
+            </a:r>
+            <a:r>
+              <a:rPr lang="en-US" sz="2800" i="1" dirty="0" smtClean="0">
+                <a:solidFill>
+                  <a:schemeClr val="bg1"/>
+                </a:solidFill>
+                <a:latin typeface="Bell MT" panose="02020503060305020303" pitchFamily="18" charset="0"/>
+              </a:rPr>
+              <a:t>ladies </a:t>
+            </a:r>
+            <a:r>
+              <a:rPr lang="en-US" sz="2800" i="1" dirty="0">
+                <a:solidFill>
+                  <a:schemeClr val="bg1"/>
+                </a:solidFill>
+                <a:latin typeface="Bell MT" panose="02020503060305020303" pitchFamily="18" charset="0"/>
+              </a:rPr>
+              <a:t>and </a:t>
+            </a:r>
+            <a:r>
+              <a:rPr lang="en-US" sz="2800" i="1" dirty="0" smtClean="0">
+                <a:solidFill>
+                  <a:schemeClr val="bg1"/>
+                </a:solidFill>
+                <a:latin typeface="Bell MT" panose="02020503060305020303" pitchFamily="18" charset="0"/>
+              </a:rPr>
+              <a:t>gentlemen for </a:t>
+            </a:r>
+            <a:r>
+              <a:rPr lang="en-US" sz="2800" i="1" dirty="0">
+                <a:solidFill>
+                  <a:schemeClr val="bg1"/>
+                </a:solidFill>
+                <a:latin typeface="Bell MT" panose="02020503060305020303" pitchFamily="18" charset="0"/>
+              </a:rPr>
+              <a:t>your </a:t>
+            </a:r>
+            <a:r>
+              <a:rPr lang="en-US" sz="2800" i="1" dirty="0" smtClean="0">
+                <a:solidFill>
+                  <a:schemeClr val="bg1"/>
+                </a:solidFill>
+                <a:latin typeface="Bell MT" panose="02020503060305020303" pitchFamily="18" charset="0"/>
+              </a:rPr>
+              <a:t>attention </a:t>
+            </a:r>
+            <a:r>
+              <a:rPr lang="en-US" sz="2800" i="1" dirty="0" smtClean="0">
+                <a:solidFill>
+                  <a:schemeClr val="bg1"/>
+                </a:solidFill>
+              </a:rPr>
+              <a:t>!</a:t>
+            </a:r>
+            <a:r>
+              <a:rPr lang="en-US" sz="2800" i="1" dirty="0" smtClean="0">
+                <a:solidFill>
+                  <a:schemeClr val="bg1"/>
+                </a:solidFill>
+                <a:latin typeface="Bell MT" panose="02020503060305020303" pitchFamily="18" charset="0"/>
+              </a:rPr>
+              <a:t> </a:t>
+            </a:r>
+            <a:endParaRPr lang="en-US" sz="3200" i="1" dirty="0">
+              <a:solidFill>
+                <a:schemeClr val="bg1"/>
+              </a:solidFill>
+              <a:latin typeface="Bell MT" panose="02020503060305020303" pitchFamily="18" charset="0"/>
+            </a:endParaRPr>
+          </a:p>
+        </p:txBody>
+      </p:sp>
+      <p:pic>
+        <p:nvPicPr>
+          <p:cNvPr id="7" name="Picture 2" descr="https://lh4.googleusercontent.com/4Wo_w--dESstuOhLyGi5_anej3dN8TpOFYRhrd4hW8Rhjcg7IBc82rGGYXC23jO5Z0IsU5I5RQCCT9CCz7ajbDwOsBM3SJprGAIRd4fhkeUtefASTNRpcZORRVAHTBqLAwFzw19z"/>
+          <p:cNvPicPr>
+            <a:picLocks noChangeAspect="1" noChangeArrowheads="1"/>
+          </p:cNvPicPr>
+          <p:nvPr/>
+        </p:nvPicPr>
+        <p:blipFill rotWithShape="1">
+          <a:blip r:embed="rId3" cstate="print">
+            <a:extLst>
+              <a:ext uri="{28A0092B-C50C-407E-A947-70E740481C1C}">
+                <a14:useLocalDpi xmlns:a14="http://schemas.microsoft.com/office/drawing/2010/main" val="0"/>
+              </a:ext>
+            </a:extLst>
+          </a:blip>
+          <a:srcRect t="20779" b="24963"/>
+          <a:stretch/>
+        </p:blipFill>
+        <p:spPr bwMode="auto">
+          <a:xfrm>
+            <a:off x="10720171" y="6220691"/>
+            <a:ext cx="1471829" cy="665019"/>
+          </a:xfrm>
+          <a:prstGeom prst="rect">
+            <a:avLst/>
+          </a:prstGeom>
+          <a:noFill/>
+          <a:extLst>
+            <a:ext uri="{909E8E84-426E-40DD-AFC4-6F175D3DCCD1}">
+              <a14:hiddenFill xmlns:a14="http://schemas.microsoft.com/office/drawing/2010/main">
+                <a:solidFill>
+                  <a:srgbClr val="FFFFFF"/>
+                </a:solidFill>
+              </a14:hiddenFill>
+            </a:ext>
+          </a:extLst>
+        </p:spPr>
+      </p:pic>
+    </p:spTree>
+    <p:extLst>
+      <p:ext uri="{BB962C8B-B14F-4D97-AF65-F5344CB8AC3E}">
+        <p14:creationId xmlns:p14="http://schemas.microsoft.com/office/powerpoint/2010/main" val="3507081092"/>
       </p:ext>
     </p:extLst>
   </p:cSld>
@@ -7581,8 +12525,8 @@
         </p:blipFill>
         <p:spPr>
           <a:xfrm>
-            <a:off x="8465302" y="1136074"/>
-            <a:ext cx="2594309" cy="1981200"/>
+            <a:off x="7952510" y="415636"/>
+            <a:ext cx="3107102" cy="2701638"/>
           </a:xfrm>
           <a:prstGeom prst="rect">
             <a:avLst/>
@@ -7611,8 +12555,8 @@
         </p:blipFill>
         <p:spPr>
           <a:xfrm>
-            <a:off x="8631383" y="3117274"/>
-            <a:ext cx="2435154" cy="2435154"/>
+            <a:off x="7945585" y="3347415"/>
+            <a:ext cx="3114027" cy="2909453"/>
           </a:xfrm>
           <a:prstGeom prst="rect">
             <a:avLst/>
@@ -7700,7 +12644,7 @@
         <p:spPr>
           <a:xfrm>
             <a:off x="512619" y="4461958"/>
-            <a:ext cx="8118763" cy="830997"/>
+            <a:ext cx="6802581" cy="1200329"/>
           </a:xfrm>
           <a:prstGeom prst="rect">
             <a:avLst/>
@@ -7714,7 +12658,7 @@
           <a:p>
             <a:pPr algn="just"/>
             <a:r>
-              <a:rPr lang="en-US" sz="2400" dirty="0">
+              <a:rPr lang="en-US" sz="2400" b="1" dirty="0">
                 <a:solidFill>
                   <a:srgbClr val="002060"/>
                 </a:solidFill>
@@ -7865,7 +12809,7 @@
         </p:nvSpPr>
         <p:spPr>
           <a:xfrm>
-            <a:off x="1559190" y="709702"/>
+            <a:off x="2182644" y="643550"/>
             <a:ext cx="2229471" cy="732211"/>
           </a:xfrm>
           <a:prstGeom prst="borderCallout2">
@@ -8272,6 +13216,134 @@
       </p:grpSpPr>
       <p:sp>
         <p:nvSpPr>
+          <p:cNvPr id="4" name="Line Callout 2 3"/>
+          <p:cNvSpPr/>
+          <p:nvPr/>
+        </p:nvSpPr>
+        <p:spPr>
+          <a:xfrm>
+            <a:off x="2008267" y="1029532"/>
+            <a:ext cx="2314351" cy="591450"/>
+          </a:xfrm>
+          <a:prstGeom prst="borderCallout2">
+            <a:avLst>
+              <a:gd name="adj1" fmla="val 18750"/>
+              <a:gd name="adj2" fmla="val -8333"/>
+              <a:gd name="adj3" fmla="val 18750"/>
+              <a:gd name="adj4" fmla="val -16667"/>
+              <a:gd name="adj5" fmla="val 121870"/>
+              <a:gd name="adj6" fmla="val -38506"/>
+            </a:avLst>
+          </a:prstGeom>
+          <a:solidFill>
+            <a:schemeClr val="accent2">
+              <a:lumMod val="60000"/>
+              <a:lumOff val="40000"/>
+            </a:schemeClr>
+          </a:solidFill>
+          <a:ln w="28575">
+            <a:solidFill>
+              <a:schemeClr val="accent3">
+                <a:lumMod val="50000"/>
+              </a:schemeClr>
+            </a:solidFill>
+          </a:ln>
+        </p:spPr>
+        <p:style>
+          <a:lnRef idx="2">
+            <a:schemeClr val="accent6"/>
+          </a:lnRef>
+          <a:fillRef idx="1">
+            <a:schemeClr val="lt1"/>
+          </a:fillRef>
+          <a:effectRef idx="0">
+            <a:schemeClr val="accent6"/>
+          </a:effectRef>
+          <a:fontRef idx="minor">
+            <a:schemeClr val="dk1"/>
+          </a:fontRef>
+        </p:style>
+        <p:txBody>
+          <a:bodyPr rot="0" spcFirstLastPara="0" vertOverflow="overflow" horzOverflow="overflow" vert="horz" wrap="square" lIns="91440" tIns="45720" rIns="91440" bIns="45720" numCol="1" spcCol="0" rtlCol="0" fromWordArt="0" anchor="ctr" anchorCtr="0" forceAA="0" compatLnSpc="1">
+            <a:prstTxWarp prst="textNoShape">
+              <a:avLst/>
+            </a:prstTxWarp>
+            <a:noAutofit/>
+          </a:bodyPr>
+          <a:lstStyle/>
+          <a:p>
+            <a:pPr marL="0" lvl="1" algn="ctr"/>
+            <a:r>
+              <a:rPr lang="en-US" sz="2400" b="1" dirty="0" smtClean="0">
+                <a:solidFill>
+                  <a:srgbClr val="002060"/>
+                </a:solidFill>
+                <a:latin typeface="Bell MT" pitchFamily="18" charset="0"/>
+              </a:rPr>
+              <a:t>Methodology</a:t>
+            </a:r>
+            <a:endParaRPr lang="en-US" sz="1400" dirty="0">
+              <a:solidFill>
+                <a:srgbClr val="002060"/>
+              </a:solidFill>
+            </a:endParaRPr>
+          </a:p>
+        </p:txBody>
+      </p:sp>
+      <p:graphicFrame>
+        <p:nvGraphicFramePr>
+          <p:cNvPr id="8" name="Diagram 7"/>
+          <p:cNvGraphicFramePr/>
+          <p:nvPr>
+            <p:extLst>
+              <p:ext uri="{D42A27DB-BD31-4B8C-83A1-F6EECF244321}">
+                <p14:modId xmlns:p14="http://schemas.microsoft.com/office/powerpoint/2010/main" val="1272524966"/>
+              </p:ext>
+            </p:extLst>
+          </p:nvPr>
+        </p:nvGraphicFramePr>
+        <p:xfrm>
+          <a:off x="540326" y="1717964"/>
+          <a:ext cx="10169238" cy="4878340"/>
+        </p:xfrm>
+        <a:graphic>
+          <a:graphicData uri="http://schemas.openxmlformats.org/drawingml/2006/diagram">
+            <dgm:relIds xmlns:dgm="http://schemas.openxmlformats.org/drawingml/2006/diagram" xmlns:r="http://schemas.openxmlformats.org/officeDocument/2006/relationships" r:dm="rId2" r:lo="rId3" r:qs="rId4" r:cs="rId5"/>
+          </a:graphicData>
+        </a:graphic>
+      </p:graphicFrame>
+    </p:spTree>
+    <p:extLst>
+      <p:ext uri="{BB962C8B-B14F-4D97-AF65-F5344CB8AC3E}">
+        <p14:creationId xmlns:p14="http://schemas.microsoft.com/office/powerpoint/2010/main" val="1356434769"/>
+      </p:ext>
+    </p:extLst>
+  </p:cSld>
+  <p:clrMapOvr>
+    <a:masterClrMapping/>
+  </p:clrMapOvr>
+</p:sld>
+</file>
+
+<file path=ppt/slides/slide8.xml><?xml version="1.0" encoding="utf-8"?>
+<p:sld xmlns:a="http://schemas.openxmlformats.org/drawingml/2006/main" xmlns:r="http://schemas.openxmlformats.org/officeDocument/2006/relationships" xmlns:p="http://schemas.openxmlformats.org/presentationml/2006/main">
+  <p:cSld>
+    <p:spTree>
+      <p:nvGrpSpPr>
+        <p:cNvPr id="1" name=""/>
+        <p:cNvGrpSpPr/>
+        <p:nvPr/>
+      </p:nvGrpSpPr>
+      <p:grpSpPr>
+        <a:xfrm>
+          <a:off x="0" y="0"/>
+          <a:ext cx="0" cy="0"/>
+          <a:chOff x="0" y="0"/>
+          <a:chExt cx="0" cy="0"/>
+        </a:xfrm>
+      </p:grpSpPr>
+      <p:sp>
+        <p:nvSpPr>
           <p:cNvPr id="6" name="Espace réservé du contenu 5"/>
           <p:cNvSpPr>
             <a:spLocks noGrp="1"/>
@@ -8461,7 +13533,7 @@
               <a:t> </a:t>
             </a:r>
             <a:r>
-              <a:rPr kumimoji="0" lang="en-US" sz="2000" i="0" u="none" strike="noStrike" kern="1200" cap="none" spc="0" normalizeH="0" baseline="0" noProof="0" dirty="0" smtClean="0">
+              <a:rPr kumimoji="0" lang="en-US" sz="2000" b="1" i="0" u="none" strike="noStrike" kern="1200" cap="none" spc="0" normalizeH="0" baseline="0" noProof="0" dirty="0" smtClean="0">
                 <a:ln>
                   <a:noFill/>
                 </a:ln>
@@ -8475,7 +13547,7 @@
               <a:t>The three departments with the largest population are respectively (in descending order): West, </a:t>
             </a:r>
             <a:r>
-              <a:rPr kumimoji="0" lang="en-US" sz="2000" i="0" u="none" strike="noStrike" kern="1200" cap="none" spc="0" normalizeH="0" baseline="0" noProof="0" dirty="0" err="1" smtClean="0">
+              <a:rPr kumimoji="0" lang="en-US" sz="2000" b="1" i="0" u="none" strike="noStrike" kern="1200" cap="none" spc="0" normalizeH="0" baseline="0" noProof="0" dirty="0" err="1" smtClean="0">
                 <a:ln>
                   <a:noFill/>
                 </a:ln>
@@ -8489,7 +13561,7 @@
               <a:t>Artibonite</a:t>
             </a:r>
             <a:r>
-              <a:rPr kumimoji="0" lang="en-US" sz="2000" i="0" u="none" strike="noStrike" kern="1200" cap="none" spc="0" normalizeH="0" baseline="0" noProof="0" dirty="0" smtClean="0">
+              <a:rPr kumimoji="0" lang="en-US" sz="2000" b="1" i="0" u="none" strike="noStrike" kern="1200" cap="none" spc="0" normalizeH="0" baseline="0" noProof="0" dirty="0" smtClean="0">
                 <a:ln>
                   <a:noFill/>
                 </a:ln>
@@ -8500,12 +13572,151 @@
                 <a:ea typeface="+mn-ea"/>
                 <a:cs typeface="+mn-cs"/>
               </a:rPr>
-              <a:t> and North. So they're the three with the most young people(15-24 years).</a:t>
-            </a:r>
-            <a:endParaRPr kumimoji="0" lang="en-US" sz="2000" i="0" u="none" strike="noStrike" kern="1200" cap="none" spc="0" normalizeH="0" baseline="0" noProof="0" dirty="0">
+              <a:t> and North. </a:t>
+            </a:r>
+            <a:r>
+              <a:rPr kumimoji="0" lang="en-US" sz="2000" b="1" i="0" u="none" strike="noStrike" kern="1200" cap="none" spc="0" normalizeH="0" baseline="0" noProof="0" dirty="0" smtClean="0">
+                <a:ln>
+                  <a:noFill/>
+                </a:ln>
+                <a:solidFill>
+                  <a:srgbClr val="002060"/>
+                </a:solidFill>
+                <a:effectLst/>
+                <a:uLnTx/>
+                <a:uFillTx/>
+                <a:latin typeface="Bell MT" pitchFamily="18" charset="0"/>
+                <a:ea typeface="+mn-ea"/>
+                <a:cs typeface="+mn-cs"/>
+              </a:rPr>
+              <a:t>So they're the three with the most young </a:t>
+            </a:r>
+            <a:r>
+              <a:rPr kumimoji="0" lang="en-US" sz="2000" b="1" i="0" u="none" strike="noStrike" kern="1200" cap="none" spc="0" normalizeH="0" baseline="0" noProof="0" dirty="0" smtClean="0">
+                <a:ln>
+                  <a:noFill/>
+                </a:ln>
+                <a:solidFill>
+                  <a:srgbClr val="002060"/>
+                </a:solidFill>
+                <a:effectLst/>
+                <a:uLnTx/>
+                <a:uFillTx/>
+                <a:latin typeface="Bell MT" pitchFamily="18" charset="0"/>
+                <a:ea typeface="+mn-ea"/>
+                <a:cs typeface="+mn-cs"/>
+              </a:rPr>
+              <a:t>people</a:t>
+            </a:r>
+            <a:r>
+              <a:rPr kumimoji="0" lang="en-US" sz="2000" b="1" i="0" u="none" strike="noStrike" kern="1200" cap="none" spc="0" normalizeH="0" noProof="0" dirty="0" smtClean="0">
+                <a:ln>
+                  <a:noFill/>
+                </a:ln>
+                <a:solidFill>
+                  <a:srgbClr val="002060"/>
+                </a:solidFill>
+                <a:effectLst/>
+                <a:uLnTx/>
+                <a:uFillTx/>
+                <a:latin typeface="Bell MT" pitchFamily="18" charset="0"/>
+                <a:ea typeface="+mn-ea"/>
+                <a:cs typeface="+mn-cs"/>
+              </a:rPr>
+              <a:t> aged between </a:t>
+            </a:r>
+            <a:r>
+              <a:rPr kumimoji="0" lang="en-US" sz="2000" b="1" i="0" u="none" strike="noStrike" kern="1200" cap="none" spc="0" normalizeH="0" baseline="0" noProof="0" dirty="0" smtClean="0">
+                <a:ln>
+                  <a:noFill/>
+                </a:ln>
+                <a:solidFill>
+                  <a:srgbClr val="002060"/>
+                </a:solidFill>
+                <a:effectLst/>
+                <a:uLnTx/>
+                <a:uFillTx/>
+                <a:latin typeface="Bell MT" pitchFamily="18" charset="0"/>
+                <a:ea typeface="+mn-ea"/>
+                <a:cs typeface="+mn-cs"/>
+              </a:rPr>
+              <a:t>15</a:t>
+            </a:r>
+            <a:r>
+              <a:rPr kumimoji="0" lang="en-US" sz="2000" b="1" i="0" u="none" strike="noStrike" kern="1200" cap="none" spc="0" normalizeH="0" noProof="0" dirty="0" smtClean="0">
+                <a:ln>
+                  <a:noFill/>
+                </a:ln>
+                <a:solidFill>
+                  <a:srgbClr val="002060"/>
+                </a:solidFill>
+                <a:effectLst/>
+                <a:uLnTx/>
+                <a:uFillTx/>
+                <a:latin typeface="Bell MT" pitchFamily="18" charset="0"/>
+                <a:ea typeface="+mn-ea"/>
+                <a:cs typeface="+mn-cs"/>
+              </a:rPr>
+              <a:t> and </a:t>
+            </a:r>
+            <a:r>
+              <a:rPr kumimoji="0" lang="en-US" sz="2000" b="1" i="0" u="none" strike="noStrike" kern="1200" cap="none" spc="0" normalizeH="0" baseline="0" noProof="0" dirty="0" smtClean="0">
+                <a:ln>
+                  <a:noFill/>
+                </a:ln>
+                <a:solidFill>
+                  <a:srgbClr val="002060"/>
+                </a:solidFill>
+                <a:effectLst/>
+                <a:uLnTx/>
+                <a:uFillTx/>
+                <a:latin typeface="Bell MT" pitchFamily="18" charset="0"/>
+                <a:ea typeface="+mn-ea"/>
+                <a:cs typeface="+mn-cs"/>
+              </a:rPr>
+              <a:t>24 years</a:t>
+            </a:r>
+            <a:r>
+              <a:rPr kumimoji="0" lang="en-US" sz="2000" b="1" i="0" u="none" strike="noStrike" kern="1200" cap="none" spc="0" normalizeH="0" noProof="0" dirty="0" smtClean="0">
+                <a:ln>
+                  <a:noFill/>
+                </a:ln>
+                <a:solidFill>
+                  <a:srgbClr val="002060"/>
+                </a:solidFill>
+                <a:effectLst/>
+                <a:uLnTx/>
+                <a:uFillTx/>
+                <a:latin typeface="Bell MT" pitchFamily="18" charset="0"/>
+                <a:ea typeface="+mn-ea"/>
+                <a:cs typeface="+mn-cs"/>
+              </a:rPr>
+              <a:t> old</a:t>
+            </a:r>
+            <a:r>
+              <a:rPr kumimoji="0" lang="en-US" sz="2000" b="1" i="0" u="none" strike="noStrike" kern="1200" cap="none" spc="0" normalizeH="0" baseline="0" noProof="0" dirty="0" smtClean="0">
+                <a:ln>
+                  <a:noFill/>
+                </a:ln>
+                <a:solidFill>
+                  <a:srgbClr val="002060"/>
+                </a:solidFill>
+                <a:effectLst/>
+                <a:uLnTx/>
+                <a:uFillTx/>
+                <a:latin typeface="Bell MT" pitchFamily="18" charset="0"/>
+                <a:ea typeface="+mn-ea"/>
+                <a:cs typeface="+mn-cs"/>
+              </a:rPr>
+              <a:t>.(21% of population)</a:t>
+            </a:r>
+            <a:endParaRPr kumimoji="0" lang="en-US" sz="2000" b="1" i="0" u="none" strike="noStrike" kern="1200" cap="none" spc="0" normalizeH="0" baseline="0" noProof="0" dirty="0">
               <a:ln>
                 <a:noFill/>
               </a:ln>
+              <a:solidFill>
+                <a:srgbClr val="002060"/>
+              </a:solidFill>
               <a:effectLst/>
               <a:uLnTx/>
               <a:uFillTx/>
@@ -8932,9 +14143,6 @@
               </a:rPr>
               <a:t>9 : West   </a:t>
             </a:r>
-            <a:endParaRPr lang="en-US" sz="2200" dirty="0" smtClean="0">
-              <a:latin typeface="Bell MT" pitchFamily="18" charset="0"/>
-            </a:endParaRPr>
           </a:p>
         </p:txBody>
       </p:sp>
@@ -8958,7 +14166,7 @@
 </p:sld>
 </file>
 
-<file path=ppt/slides/slide8.xml><?xml version="1.0" encoding="utf-8"?>
+<file path=ppt/slides/slide9.xml><?xml version="1.0" encoding="utf-8"?>
 <p:sld xmlns:a="http://schemas.openxmlformats.org/drawingml/2006/main" xmlns:r="http://schemas.openxmlformats.org/officeDocument/2006/relationships" xmlns:p="http://schemas.openxmlformats.org/presentationml/2006/main">
   <p:cSld>
     <p:spTree>
@@ -8994,8 +14202,8 @@
         </p:blipFill>
         <p:spPr>
           <a:xfrm>
-            <a:off x="0" y="457192"/>
-            <a:ext cx="11291455" cy="6123716"/>
+            <a:off x="0" y="0"/>
+            <a:ext cx="11291455" cy="6858000"/>
           </a:xfrm>
         </p:spPr>
       </p:pic>
@@ -9003,401 +14211,6 @@
     <p:extLst>
       <p:ext uri="{BB962C8B-B14F-4D97-AF65-F5344CB8AC3E}">
         <p14:creationId xmlns:p14="http://schemas.microsoft.com/office/powerpoint/2010/main" val="1975060793"/>
-      </p:ext>
-    </p:extLst>
-  </p:cSld>
-  <p:clrMapOvr>
-    <a:masterClrMapping/>
-  </p:clrMapOvr>
-  <p:timing>
-    <p:tnLst>
-      <p:par>
-        <p:cTn id="1" dur="indefinite" restart="never" nodeType="tmRoot"/>
-      </p:par>
-    </p:tnLst>
-  </p:timing>
-</p:sld>
-</file>
-
-<file path=ppt/slides/slide9.xml><?xml version="1.0" encoding="utf-8"?>
-<p:sld xmlns:a="http://schemas.openxmlformats.org/drawingml/2006/main" xmlns:r="http://schemas.openxmlformats.org/officeDocument/2006/relationships" xmlns:p="http://schemas.openxmlformats.org/presentationml/2006/main">
-  <p:cSld>
-    <p:spTree>
-      <p:nvGrpSpPr>
-        <p:cNvPr id="1" name=""/>
-        <p:cNvGrpSpPr/>
-        <p:nvPr/>
-      </p:nvGrpSpPr>
-      <p:grpSpPr>
-        <a:xfrm>
-          <a:off x="0" y="0"/>
-          <a:ext cx="0" cy="0"/>
-          <a:chOff x="0" y="0"/>
-          <a:chExt cx="0" cy="0"/>
-        </a:xfrm>
-      </p:grpSpPr>
-      <p:sp>
-        <p:nvSpPr>
-          <p:cNvPr id="3" name="Content Placeholder 2"/>
-          <p:cNvSpPr>
-            <a:spLocks noGrp="1"/>
-          </p:cNvSpPr>
-          <p:nvPr>
-            <p:ph idx="1"/>
-          </p:nvPr>
-        </p:nvSpPr>
-        <p:spPr>
-          <a:xfrm>
-            <a:off x="417770" y="2222625"/>
-            <a:ext cx="10388777" cy="3387920"/>
-          </a:xfrm>
-        </p:spPr>
-        <p:txBody>
-          <a:bodyPr numCol="2">
-            <a:noAutofit/>
-          </a:bodyPr>
-          <a:lstStyle/>
-          <a:p>
-            <a:pPr algn="just"/>
-            <a:r>
-              <a:rPr lang="en-US" dirty="0" smtClean="0">
-                <a:latin typeface="Bell MT" pitchFamily="18" charset="0"/>
-              </a:rPr>
-              <a:t>who cannot read</a:t>
-            </a:r>
-          </a:p>
-          <a:p>
-            <a:pPr algn="just"/>
-            <a:r>
-              <a:rPr lang="en-US" dirty="0" smtClean="0">
-                <a:latin typeface="Bell MT" pitchFamily="18" charset="0"/>
-              </a:rPr>
-              <a:t>with completed primary education</a:t>
-            </a:r>
-          </a:p>
-          <a:p>
-            <a:pPr algn="just"/>
-            <a:r>
-              <a:rPr lang="en-US" dirty="0" smtClean="0">
-                <a:latin typeface="Bell MT" pitchFamily="18" charset="0"/>
-              </a:rPr>
-              <a:t>exposed to at least one media source at least once</a:t>
-            </a:r>
-          </a:p>
-          <a:p>
-            <a:pPr marL="0" indent="0" algn="just">
-              <a:buNone/>
-            </a:pPr>
-            <a:r>
-              <a:rPr lang="en-US" dirty="0" smtClean="0">
-                <a:latin typeface="Bell MT" pitchFamily="18" charset="0"/>
-              </a:rPr>
-              <a:t> a week</a:t>
-            </a:r>
-          </a:p>
-          <a:p>
-            <a:pPr algn="just"/>
-            <a:r>
-              <a:rPr lang="en-US" dirty="0" smtClean="0">
-                <a:latin typeface="Bell MT" pitchFamily="18" charset="0"/>
-              </a:rPr>
-              <a:t>currently married</a:t>
-            </a:r>
-          </a:p>
-          <a:p>
-            <a:pPr algn="just"/>
-            <a:r>
-              <a:rPr lang="en-US" dirty="0" smtClean="0">
-                <a:latin typeface="Bell MT" pitchFamily="18" charset="0"/>
-              </a:rPr>
-              <a:t>currently living together</a:t>
-            </a:r>
-          </a:p>
-          <a:p>
-            <a:pPr algn="just"/>
-            <a:r>
-              <a:rPr lang="en-US" dirty="0" smtClean="0">
-                <a:latin typeface="Bell MT" pitchFamily="18" charset="0"/>
-              </a:rPr>
-              <a:t>who had sexual intercourse before age 15</a:t>
-            </a:r>
-          </a:p>
-          <a:p>
-            <a:pPr algn="just"/>
-            <a:r>
-              <a:rPr lang="en-US" dirty="0" smtClean="0">
-                <a:latin typeface="Bell MT" pitchFamily="18" charset="0"/>
-              </a:rPr>
-              <a:t>who had sexual intercourse before age 18</a:t>
-            </a:r>
-          </a:p>
-          <a:p>
-            <a:pPr algn="just"/>
-            <a:r>
-              <a:rPr lang="en-US" dirty="0" smtClean="0">
-                <a:latin typeface="Bell MT" pitchFamily="18" charset="0"/>
-              </a:rPr>
-              <a:t>who have begun childbearing</a:t>
-            </a:r>
-          </a:p>
-          <a:p>
-            <a:pPr algn="just"/>
-            <a:r>
-              <a:rPr lang="en-US" dirty="0" smtClean="0">
-                <a:latin typeface="Bell MT" pitchFamily="18" charset="0"/>
-              </a:rPr>
-              <a:t>who have ever been pregnant</a:t>
-            </a:r>
-          </a:p>
-          <a:p>
-            <a:pPr algn="just"/>
-            <a:r>
-              <a:rPr lang="en-US" dirty="0" smtClean="0">
-                <a:latin typeface="Bell MT" pitchFamily="18" charset="0"/>
-              </a:rPr>
-              <a:t>currently using a modern contraceptive method</a:t>
-            </a:r>
-          </a:p>
-          <a:p>
-            <a:pPr algn="just"/>
-            <a:r>
-              <a:rPr lang="en-US" dirty="0" smtClean="0">
-                <a:latin typeface="Bell MT" pitchFamily="18" charset="0"/>
-              </a:rPr>
-              <a:t>who are sexually </a:t>
-            </a:r>
-            <a:r>
-              <a:rPr lang="en-US" dirty="0">
-                <a:latin typeface="Bell MT" pitchFamily="18" charset="0"/>
-              </a:rPr>
-              <a:t>active </a:t>
-            </a:r>
-            <a:r>
-              <a:rPr lang="en-US" dirty="0" smtClean="0">
-                <a:latin typeface="Bell MT" pitchFamily="18" charset="0"/>
-              </a:rPr>
-              <a:t>and have ever used any contraceptive method</a:t>
-            </a:r>
-          </a:p>
-          <a:p>
-            <a:pPr algn="just"/>
-            <a:r>
-              <a:rPr lang="en-US" dirty="0" smtClean="0">
-                <a:latin typeface="Bell MT" pitchFamily="18" charset="0"/>
-              </a:rPr>
-              <a:t>who have had sexual intercourse and who say that their first experience was against their will   </a:t>
-            </a:r>
-          </a:p>
-        </p:txBody>
-      </p:sp>
-      <p:sp>
-        <p:nvSpPr>
-          <p:cNvPr id="4" name="Line Callout 2 3"/>
-          <p:cNvSpPr/>
-          <p:nvPr/>
-        </p:nvSpPr>
-        <p:spPr>
-          <a:xfrm>
-            <a:off x="1579420" y="460713"/>
-            <a:ext cx="2396836" cy="606087"/>
-          </a:xfrm>
-          <a:prstGeom prst="borderCallout2">
-            <a:avLst>
-              <a:gd name="adj1" fmla="val 18750"/>
-              <a:gd name="adj2" fmla="val -8333"/>
-              <a:gd name="adj3" fmla="val 18750"/>
-              <a:gd name="adj4" fmla="val -16667"/>
-              <a:gd name="adj5" fmla="val 112594"/>
-              <a:gd name="adj6" fmla="val -34510"/>
-            </a:avLst>
-          </a:prstGeom>
-          <a:solidFill>
-            <a:schemeClr val="accent2">
-              <a:lumMod val="60000"/>
-              <a:lumOff val="40000"/>
-            </a:schemeClr>
-          </a:solidFill>
-          <a:ln w="28575">
-            <a:solidFill>
-              <a:schemeClr val="accent3">
-                <a:lumMod val="50000"/>
-              </a:schemeClr>
-            </a:solidFill>
-          </a:ln>
-        </p:spPr>
-        <p:style>
-          <a:lnRef idx="2">
-            <a:schemeClr val="accent6"/>
-          </a:lnRef>
-          <a:fillRef idx="1">
-            <a:schemeClr val="lt1"/>
-          </a:fillRef>
-          <a:effectRef idx="0">
-            <a:schemeClr val="accent6"/>
-          </a:effectRef>
-          <a:fontRef idx="minor">
-            <a:schemeClr val="dk1"/>
-          </a:fontRef>
-        </p:style>
-        <p:txBody>
-          <a:bodyPr rot="0" spcFirstLastPara="0" vertOverflow="overflow" horzOverflow="overflow" vert="horz" wrap="square" lIns="91440" tIns="45720" rIns="91440" bIns="45720" numCol="1" spcCol="0" rtlCol="0" fromWordArt="0" anchor="ctr" anchorCtr="0" forceAA="0" compatLnSpc="1">
-            <a:prstTxWarp prst="textNoShape">
-              <a:avLst/>
-            </a:prstTxWarp>
-            <a:noAutofit/>
-          </a:bodyPr>
-          <a:lstStyle/>
-          <a:p>
-            <a:pPr marL="0" lvl="1" algn="ctr"/>
-            <a:r>
-              <a:rPr lang="en-US" sz="2400" b="1" dirty="0">
-                <a:solidFill>
-                  <a:srgbClr val="002060"/>
-                </a:solidFill>
-                <a:latin typeface="Bell MT" panose="02020503060305020303" pitchFamily="18" charset="0"/>
-              </a:rPr>
-              <a:t>Keys </a:t>
-            </a:r>
-            <a:r>
-              <a:rPr lang="en-US" sz="2400" b="1" dirty="0" smtClean="0">
-                <a:solidFill>
-                  <a:srgbClr val="002060"/>
-                </a:solidFill>
-                <a:latin typeface="Bell MT" panose="02020503060305020303" pitchFamily="18" charset="0"/>
-              </a:rPr>
-              <a:t>variables</a:t>
-            </a:r>
-            <a:endParaRPr lang="en-US" sz="1400" b="1" dirty="0">
-              <a:solidFill>
-                <a:srgbClr val="002060"/>
-              </a:solidFill>
-              <a:latin typeface="Bell MT" panose="02020503060305020303" pitchFamily="18" charset="0"/>
-            </a:endParaRPr>
-          </a:p>
-        </p:txBody>
-      </p:sp>
-      <p:sp>
-        <p:nvSpPr>
-          <p:cNvPr id="5" name="Rectangle 4"/>
-          <p:cNvSpPr/>
-          <p:nvPr/>
-        </p:nvSpPr>
-        <p:spPr>
-          <a:xfrm>
-            <a:off x="581890" y="5913836"/>
-            <a:ext cx="10002982" cy="430887"/>
-          </a:xfrm>
-          <a:prstGeom prst="rect">
-            <a:avLst/>
-          </a:prstGeom>
-        </p:spPr>
-        <p:txBody>
-          <a:bodyPr wrap="square">
-            <a:spAutoFit/>
-          </a:bodyPr>
-          <a:lstStyle/>
-          <a:p>
-            <a:pPr algn="just"/>
-            <a:r>
-              <a:rPr lang="en-US" b="1" dirty="0">
-                <a:latin typeface="Bell MT" pitchFamily="18" charset="0"/>
-              </a:rPr>
-              <a:t>That treats </a:t>
-            </a:r>
-            <a:r>
-              <a:rPr lang="en-US" b="1" dirty="0" smtClean="0">
-                <a:latin typeface="Bell MT" pitchFamily="18" charset="0"/>
-              </a:rPr>
-              <a:t>different </a:t>
-            </a:r>
-            <a:r>
-              <a:rPr lang="en-US" b="1" dirty="0">
-                <a:latin typeface="Bell MT" pitchFamily="18" charset="0"/>
-              </a:rPr>
-              <a:t>age groups: 15-19 years old, 15-24 years old, 20-24 years </a:t>
-            </a:r>
-            <a:r>
-              <a:rPr lang="en-US" sz="2200" b="1" dirty="0" smtClean="0">
-                <a:latin typeface="Bell MT" pitchFamily="18" charset="0"/>
-              </a:rPr>
-              <a:t>old…</a:t>
-            </a:r>
-            <a:endParaRPr lang="en-US" sz="2200" b="1" dirty="0">
-              <a:latin typeface="Bell MT" pitchFamily="18" charset="0"/>
-            </a:endParaRPr>
-          </a:p>
-        </p:txBody>
-      </p:sp>
-      <p:sp>
-        <p:nvSpPr>
-          <p:cNvPr id="6" name="Rectangle 5"/>
-          <p:cNvSpPr/>
-          <p:nvPr/>
-        </p:nvSpPr>
-        <p:spPr>
-          <a:xfrm>
-            <a:off x="417770" y="1727271"/>
-            <a:ext cx="4302396" cy="369332"/>
-          </a:xfrm>
-          <a:prstGeom prst="rect">
-            <a:avLst/>
-          </a:prstGeom>
-        </p:spPr>
-        <p:txBody>
-          <a:bodyPr wrap="none">
-            <a:spAutoFit/>
-          </a:bodyPr>
-          <a:lstStyle/>
-          <a:p>
-            <a:r>
-              <a:rPr lang="en-US" b="1" dirty="0">
-                <a:latin typeface="Bell MT" panose="02020503060305020303" pitchFamily="18" charset="0"/>
-              </a:rPr>
-              <a:t>Variables used are percentage of youth : </a:t>
-            </a:r>
-          </a:p>
-        </p:txBody>
-      </p:sp>
-      <p:pic>
-        <p:nvPicPr>
-          <p:cNvPr id="7" name="Picture 6"/>
-          <p:cNvPicPr>
-            <a:picLocks noChangeAspect="1"/>
-          </p:cNvPicPr>
-          <p:nvPr/>
-        </p:nvPicPr>
-        <p:blipFill>
-          <a:blip r:embed="rId2" cstate="print">
-            <a:extLst>
-              <a:ext uri="{28A0092B-C50C-407E-A947-70E740481C1C}">
-                <a14:useLocalDpi xmlns:a14="http://schemas.microsoft.com/office/drawing/2010/main" val="0"/>
-              </a:ext>
-            </a:extLst>
-          </a:blip>
-          <a:stretch>
-            <a:fillRect/>
-          </a:stretch>
-        </p:blipFill>
-        <p:spPr>
-          <a:xfrm>
-            <a:off x="5721540" y="604170"/>
-            <a:ext cx="1247296" cy="1189141"/>
-          </a:xfrm>
-          <a:prstGeom prst="ellipse">
-            <a:avLst/>
-          </a:prstGeom>
-          <a:ln>
-            <a:noFill/>
-          </a:ln>
-          <a:effectLst>
-            <a:softEdge rad="112500"/>
-          </a:effectLst>
-        </p:spPr>
-      </p:pic>
-    </p:spTree>
-    <p:extLst>
-      <p:ext uri="{BB962C8B-B14F-4D97-AF65-F5344CB8AC3E}">
-        <p14:creationId xmlns:p14="http://schemas.microsoft.com/office/powerpoint/2010/main" val="2136448961"/>
       </p:ext>
     </p:extLst>
   </p:cSld>
